--- a/docs/Chat Server.pptx
+++ b/docs/Chat Server.pptx
@@ -5,7 +5,7 @@
     <p:sldMasterId id="2147483660" r:id="rId1"/>
   </p:sldMasterIdLst>
   <p:notesMasterIdLst>
-    <p:notesMasterId r:id="rId50"/>
+    <p:notesMasterId r:id="rId51"/>
   </p:notesMasterIdLst>
   <p:sldIdLst>
     <p:sldId id="256" r:id="rId2"/>
@@ -39,23 +39,24 @@
     <p:sldId id="285" r:id="rId30"/>
     <p:sldId id="288" r:id="rId31"/>
     <p:sldId id="289" r:id="rId32"/>
-    <p:sldId id="284" r:id="rId33"/>
-    <p:sldId id="261" r:id="rId34"/>
-    <p:sldId id="266" r:id="rId35"/>
-    <p:sldId id="292" r:id="rId36"/>
-    <p:sldId id="291" r:id="rId37"/>
-    <p:sldId id="295" r:id="rId38"/>
-    <p:sldId id="306" r:id="rId39"/>
-    <p:sldId id="307" r:id="rId40"/>
-    <p:sldId id="301" r:id="rId41"/>
-    <p:sldId id="302" r:id="rId42"/>
-    <p:sldId id="303" r:id="rId43"/>
-    <p:sldId id="308" r:id="rId44"/>
-    <p:sldId id="309" r:id="rId45"/>
-    <p:sldId id="310" r:id="rId46"/>
-    <p:sldId id="311" r:id="rId47"/>
-    <p:sldId id="312" r:id="rId48"/>
-    <p:sldId id="304" r:id="rId49"/>
+    <p:sldId id="313" r:id="rId33"/>
+    <p:sldId id="284" r:id="rId34"/>
+    <p:sldId id="261" r:id="rId35"/>
+    <p:sldId id="266" r:id="rId36"/>
+    <p:sldId id="292" r:id="rId37"/>
+    <p:sldId id="291" r:id="rId38"/>
+    <p:sldId id="295" r:id="rId39"/>
+    <p:sldId id="306" r:id="rId40"/>
+    <p:sldId id="307" r:id="rId41"/>
+    <p:sldId id="301" r:id="rId42"/>
+    <p:sldId id="302" r:id="rId43"/>
+    <p:sldId id="303" r:id="rId44"/>
+    <p:sldId id="308" r:id="rId45"/>
+    <p:sldId id="309" r:id="rId46"/>
+    <p:sldId id="310" r:id="rId47"/>
+    <p:sldId id="311" r:id="rId48"/>
+    <p:sldId id="312" r:id="rId49"/>
+    <p:sldId id="304" r:id="rId50"/>
   </p:sldIdLst>
   <p:sldSz cx="9144000" cy="6858000" type="screen4x3"/>
   <p:notesSz cx="6858000" cy="9144000"/>
@@ -869,7 +870,7 @@
           <a:p>
             <a:fld id="{73C0DF9B-A9CB-431D-9E24-474995D93FA6}" type="slidenum">
               <a:rPr lang="en-US" smtClean="0"/>
-              <a:t>40</a:t>
+              <a:t>41</a:t>
             </a:fld>
             <a:endParaRPr lang="en-US"/>
           </a:p>
@@ -953,7 +954,7 @@
           <a:p>
             <a:fld id="{73C0DF9B-A9CB-431D-9E24-474995D93FA6}" type="slidenum">
               <a:rPr lang="en-US" smtClean="0"/>
-              <a:t>41</a:t>
+              <a:t>42</a:t>
             </a:fld>
             <a:endParaRPr lang="en-US"/>
           </a:p>
@@ -1333,7 +1334,7 @@
           <a:p>
             <a:fld id="{73C0DF9B-A9CB-431D-9E24-474995D93FA6}" type="slidenum">
               <a:rPr lang="en-US" smtClean="0"/>
-              <a:t>44</a:t>
+              <a:t>45</a:t>
             </a:fld>
             <a:endParaRPr lang="en-US"/>
           </a:p>
@@ -1556,7 +1557,7 @@
           <a:p>
             <a:fld id="{73C0DF9B-A9CB-431D-9E24-474995D93FA6}" type="slidenum">
               <a:rPr lang="en-US" smtClean="0"/>
-              <a:t>45</a:t>
+              <a:t>46</a:t>
             </a:fld>
             <a:endParaRPr lang="en-US"/>
           </a:p>
@@ -3030,7 +3031,7 @@
           <a:p>
             <a:fld id="{73C0DF9B-A9CB-431D-9E24-474995D93FA6}" type="slidenum">
               <a:rPr lang="en-US" smtClean="0"/>
-              <a:t>47</a:t>
+              <a:t>48</a:t>
             </a:fld>
             <a:endParaRPr lang="en-US"/>
           </a:p>
@@ -3878,7 +3879,7 @@
           <a:p>
             <a:fld id="{73C0DF9B-A9CB-431D-9E24-474995D93FA6}" type="slidenum">
               <a:rPr lang="en-US" smtClean="0"/>
-              <a:t>33</a:t>
+              <a:t>34</a:t>
             </a:fld>
             <a:endParaRPr lang="en-US"/>
           </a:p>
@@ -3998,7 +3999,7 @@
           <a:p>
             <a:fld id="{73C0DF9B-A9CB-431D-9E24-474995D93FA6}" type="slidenum">
               <a:rPr lang="en-US" smtClean="0"/>
-              <a:t>34</a:t>
+              <a:t>35</a:t>
             </a:fld>
             <a:endParaRPr lang="en-US"/>
           </a:p>
@@ -4214,7 +4215,7 @@
           <a:p>
             <a:fld id="{73C0DF9B-A9CB-431D-9E24-474995D93FA6}" type="slidenum">
               <a:rPr lang="en-US" smtClean="0"/>
-              <a:t>35</a:t>
+              <a:t>36</a:t>
             </a:fld>
             <a:endParaRPr lang="en-US"/>
           </a:p>
@@ -4298,7 +4299,7 @@
           <a:p>
             <a:fld id="{73C0DF9B-A9CB-431D-9E24-474995D93FA6}" type="slidenum">
               <a:rPr lang="en-US" smtClean="0"/>
-              <a:t>36</a:t>
+              <a:t>37</a:t>
             </a:fld>
             <a:endParaRPr lang="en-US"/>
           </a:p>
@@ -4586,7 +4587,7 @@
           <a:p>
             <a:fld id="{73C0DF9B-A9CB-431D-9E24-474995D93FA6}" type="slidenum">
               <a:rPr lang="en-US" smtClean="0"/>
-              <a:t>37</a:t>
+              <a:t>38</a:t>
             </a:fld>
             <a:endParaRPr lang="en-US"/>
           </a:p>
@@ -5033,7 +5034,7 @@
           <a:p>
             <a:fld id="{73C0DF9B-A9CB-431D-9E24-474995D93FA6}" type="slidenum">
               <a:rPr lang="en-US" smtClean="0"/>
-              <a:t>38</a:t>
+              <a:t>39</a:t>
             </a:fld>
             <a:endParaRPr lang="en-US"/>
           </a:p>
@@ -11060,10 +11061,15 @@
             <p:ph idx="1"/>
           </p:nvPr>
         </p:nvSpPr>
-        <p:spPr/>
+        <p:spPr>
+          <a:xfrm>
+            <a:off x="121920" y="1825624"/>
+            <a:ext cx="8900160" cy="4879975"/>
+          </a:xfrm>
+        </p:spPr>
         <p:txBody>
           <a:bodyPr>
-            <a:normAutofit fontScale="77500" lnSpcReduction="20000"/>
+            <a:normAutofit fontScale="70000" lnSpcReduction="20000"/>
           </a:bodyPr>
           <a:lstStyle/>
           <a:p>
@@ -11191,8 +11197,92 @@
             </a:r>
             <a:r>
               <a:rPr lang="en-US" dirty="0" smtClean="0"/>
-              <a:t>=session id for server (per connected server)</a:t>
-            </a:r>
+              <a:t>=session id for server (per connected server</a:t>
+            </a:r>
+            <a:r>
+              <a:rPr lang="en-US" dirty="0" smtClean="0"/>
+              <a:t>)</a:t>
+            </a:r>
+            <a:br>
+              <a:rPr lang="en-US" dirty="0" smtClean="0"/>
+            </a:br>
+            <a:r>
+              <a:rPr lang="en-US" dirty="0" smtClean="0"/>
+              <a:t/>
+            </a:r>
+            <a:br>
+              <a:rPr lang="en-US" dirty="0" smtClean="0"/>
+            </a:br>
+            <a:r>
+              <a:rPr lang="en-US" dirty="0" smtClean="0"/>
+              <a:t>users:</a:t>
+            </a:r>
+            <a:br>
+              <a:rPr lang="en-US" dirty="0" smtClean="0"/>
+            </a:br>
+            <a:r>
+              <a:rPr lang="en-US" dirty="0" smtClean="0"/>
+              <a:t>&lt;user username</a:t>
+            </a:r>
+            <a:r>
+              <a:rPr lang="en-US" dirty="0"/>
+              <a:t>=“user” </a:t>
+            </a:r>
+            <a:r>
+              <a:rPr lang="en-US" dirty="0" smtClean="0"/>
+              <a:t>password=“hash” </a:t>
+            </a:r>
+            <a:r>
+              <a:rPr lang="en-US" dirty="0" err="1" smtClean="0"/>
+              <a:t>loggedIn</a:t>
+            </a:r>
+            <a:r>
+              <a:rPr lang="en-US" dirty="0" smtClean="0"/>
+              <a:t>=“</a:t>
+            </a:r>
+            <a:r>
+              <a:rPr lang="en-US" dirty="0" err="1" smtClean="0"/>
+              <a:t>bool</a:t>
+            </a:r>
+            <a:r>
+              <a:rPr lang="en-US" dirty="0" smtClean="0"/>
+              <a:t>” </a:t>
+            </a:r>
+            <a:r>
+              <a:rPr lang="en-US" dirty="0" err="1" smtClean="0"/>
+              <a:t>sessid</a:t>
+            </a:r>
+            <a:r>
+              <a:rPr lang="en-US" dirty="0" smtClean="0"/>
+              <a:t>=“</a:t>
+            </a:r>
+            <a:r>
+              <a:rPr lang="en-US" dirty="0" err="1" smtClean="0"/>
+              <a:t>sessid</a:t>
+            </a:r>
+            <a:r>
+              <a:rPr lang="en-US" dirty="0" smtClean="0"/>
+              <a:t>” </a:t>
+            </a:r>
+            <a:r>
+              <a:rPr lang="en-US" dirty="0" err="1" smtClean="0"/>
+              <a:t>handlerIpPort</a:t>
+            </a:r>
+            <a:r>
+              <a:rPr lang="en-US" dirty="0" smtClean="0"/>
+              <a:t>=“</a:t>
+            </a:r>
+            <a:r>
+              <a:rPr lang="en-US" dirty="0" err="1" smtClean="0"/>
+              <a:t>ip:port</a:t>
+            </a:r>
+            <a:r>
+              <a:rPr lang="en-US" dirty="0" smtClean="0"/>
+              <a:t>” /&gt;</a:t>
+            </a:r>
+            <a:br>
+              <a:rPr lang="en-US" dirty="0" smtClean="0"/>
+            </a:br>
             <a:r>
               <a:rPr lang="en-US" dirty="0"/>
               <a:t/>
@@ -11201,15 +11291,19 @@
               <a:rPr lang="en-US" dirty="0"/>
             </a:br>
             <a:r>
+              <a:rPr lang="en-US" dirty="0" smtClean="0"/>
+              <a:t>messages:</a:t>
+            </a:r>
+            <a:br>
+              <a:rPr lang="en-US" dirty="0" smtClean="0"/>
+            </a:br>
+            <a:r>
+              <a:rPr lang="en-US" dirty="0" smtClean="0"/>
+              <a:t>&lt;</a:t>
+            </a:r>
+            <a:r>
               <a:rPr lang="en-US" dirty="0"/>
-              <a:t>messages =</a:t>
-            </a:r>
-          </a:p>
-          <a:p>
-            <a:pPr lvl="3"/>
-            <a:r>
-              <a:rPr lang="en-US" dirty="0"/>
-              <a:t>&lt;message username=“user” time=“timestamp” message=“message content” </a:t>
+              <a:t>message username=“user” time=“timestamp” message=“message content” </a:t>
             </a:r>
             <a:r>
               <a:rPr lang="en-US" dirty="0" smtClean="0"/>
@@ -11472,11 +11566,7 @@
             </a:r>
             <a:r>
               <a:rPr lang="en-US" sz="1400" dirty="0" smtClean="0"/>
-              <a:t>=“server’s session id</a:t>
-            </a:r>
-            <a:r>
-              <a:rPr lang="en-US" sz="1400" dirty="0" smtClean="0"/>
-              <a:t>”</a:t>
+              <a:t>=“server’s session id”</a:t>
             </a:r>
           </a:p>
           <a:p>
@@ -11490,11 +11580,7 @@
             <a:pPr lvl="2"/>
             <a:r>
               <a:rPr lang="en-US" sz="1600" dirty="0" smtClean="0"/>
-              <a:t>status</a:t>
-            </a:r>
-            <a:r>
-              <a:rPr lang="en-US" sz="1600" dirty="0" smtClean="0"/>
-              <a:t>=“accepted”</a:t>
+              <a:t>status=“accepted”</a:t>
             </a:r>
             <a:br>
               <a:rPr lang="en-US" sz="1600" dirty="0" smtClean="0"/>
@@ -11742,7 +11828,6 @@
               <a:rPr lang="en-US" dirty="0" smtClean="0"/>
               <a:t>Response</a:t>
             </a:r>
-            <a:endParaRPr lang="en-US" dirty="0" smtClean="0"/>
           </a:p>
           <a:p>
             <a:pPr lvl="2"/>
@@ -12285,7 +12370,6 @@
               <a:rPr lang="en-US" dirty="0" smtClean="0"/>
               <a:t>Response</a:t>
             </a:r>
-            <a:endParaRPr lang="en-US" dirty="0" smtClean="0"/>
           </a:p>
           <a:p>
             <a:pPr lvl="2"/>
@@ -14154,7 +14238,11 @@
           <a:p>
             <a:r>
               <a:rPr lang="en-US" b="1" dirty="0" smtClean="0"/>
-              <a:t>Login Client-Server (c2s)</a:t>
+              <a:t>Login Client-Server (c2s</a:t>
+            </a:r>
+            <a:r>
+              <a:rPr lang="en-US" b="1" dirty="0" smtClean="0"/>
+              <a:t>)</a:t>
             </a:r>
             <a:endParaRPr lang="id-ID" b="1" dirty="0"/>
           </a:p>
@@ -15092,7 +15180,7 @@
       </p:grpSpPr>
       <p:sp>
         <p:nvSpPr>
-          <p:cNvPr id="4" name="Title 3"/>
+          <p:cNvPr id="2" name="Title 1"/>
           <p:cNvSpPr>
             <a:spLocks noGrp="1"/>
           </p:cNvSpPr>
@@ -15106,8 +15194,12 @@
           <a:lstStyle/>
           <a:p>
             <a:r>
+              <a:rPr lang="en-US" b="1" dirty="0" err="1" smtClean="0"/>
+              <a:t>ChatPull</a:t>
+            </a:r>
+            <a:r>
               <a:rPr lang="en-US" b="1" dirty="0" smtClean="0"/>
-              <a:t>Format File &amp; Database</a:t>
+              <a:t> (c2s)</a:t>
             </a:r>
             <a:endParaRPr lang="en-US" b="1" dirty="0"/>
           </a:p>
@@ -15115,27 +15207,710 @@
       </p:sp>
       <p:sp>
         <p:nvSpPr>
-          <p:cNvPr id="5" name="Text Placeholder 4"/>
-          <p:cNvSpPr>
-            <a:spLocks noGrp="1"/>
-          </p:cNvSpPr>
-          <p:nvPr>
-            <p:ph type="body" idx="1"/>
-          </p:nvPr>
-        </p:nvSpPr>
-        <p:spPr/>
+          <p:cNvPr id="4" name="Rectangle 3"/>
+          <p:cNvSpPr/>
+          <p:nvPr/>
+        </p:nvSpPr>
+        <p:spPr>
+          <a:xfrm>
+            <a:off x="2016578" y="1515666"/>
+            <a:ext cx="1175658" cy="587829"/>
+          </a:xfrm>
+          <a:prstGeom prst="rect">
+            <a:avLst/>
+          </a:prstGeom>
+        </p:spPr>
+        <p:style>
+          <a:lnRef idx="2">
+            <a:schemeClr val="accent1">
+              <a:shade val="50000"/>
+            </a:schemeClr>
+          </a:lnRef>
+          <a:fillRef idx="1">
+            <a:schemeClr val="accent1"/>
+          </a:fillRef>
+          <a:effectRef idx="0">
+            <a:schemeClr val="accent1"/>
+          </a:effectRef>
+          <a:fontRef idx="minor">
+            <a:schemeClr val="lt1"/>
+          </a:fontRef>
+        </p:style>
         <p:txBody>
-          <a:bodyPr/>
+          <a:bodyPr rtlCol="0" anchor="ctr"/>
           <a:lstStyle/>
           <a:p>
-            <a:endParaRPr lang="en-US" dirty="0"/>
+            <a:pPr algn="ctr"/>
+            <a:r>
+              <a:rPr lang="en-US" sz="1350" dirty="0"/>
+              <a:t>Client</a:t>
+            </a:r>
+            <a:endParaRPr lang="id-ID" sz="1350" dirty="0"/>
+          </a:p>
+        </p:txBody>
+      </p:sp>
+      <p:sp>
+        <p:nvSpPr>
+          <p:cNvPr id="5" name="Rectangle 4"/>
+          <p:cNvSpPr/>
+          <p:nvPr/>
+        </p:nvSpPr>
+        <p:spPr>
+          <a:xfrm>
+            <a:off x="5747657" y="1515666"/>
+            <a:ext cx="1175658" cy="587829"/>
+          </a:xfrm>
+          <a:prstGeom prst="rect">
+            <a:avLst/>
+          </a:prstGeom>
+        </p:spPr>
+        <p:style>
+          <a:lnRef idx="2">
+            <a:schemeClr val="accent1">
+              <a:shade val="50000"/>
+            </a:schemeClr>
+          </a:lnRef>
+          <a:fillRef idx="1">
+            <a:schemeClr val="accent1"/>
+          </a:fillRef>
+          <a:effectRef idx="0">
+            <a:schemeClr val="accent1"/>
+          </a:effectRef>
+          <a:fontRef idx="minor">
+            <a:schemeClr val="lt1"/>
+          </a:fontRef>
+        </p:style>
+        <p:txBody>
+          <a:bodyPr rtlCol="0" anchor="ctr"/>
+          <a:lstStyle/>
+          <a:p>
+            <a:pPr algn="ctr"/>
+            <a:r>
+              <a:rPr lang="en-US" sz="1350" dirty="0"/>
+              <a:t>Server</a:t>
+            </a:r>
+            <a:endParaRPr lang="id-ID" sz="1350" dirty="0"/>
+          </a:p>
+        </p:txBody>
+      </p:sp>
+      <p:cxnSp>
+        <p:nvCxnSpPr>
+          <p:cNvPr id="6" name="Straight Connector 5"/>
+          <p:cNvCxnSpPr>
+            <a:stCxn id="4" idx="2"/>
+          </p:cNvCxnSpPr>
+          <p:nvPr/>
+        </p:nvCxnSpPr>
+        <p:spPr>
+          <a:xfrm>
+            <a:off x="2604407" y="2284862"/>
+            <a:ext cx="0" cy="3627340"/>
+          </a:xfrm>
+          <a:prstGeom prst="line">
+            <a:avLst/>
+          </a:prstGeom>
+          <a:ln>
+            <a:prstDash val="lgDash"/>
+          </a:ln>
+        </p:spPr>
+        <p:style>
+          <a:lnRef idx="3">
+            <a:schemeClr val="accent1"/>
+          </a:lnRef>
+          <a:fillRef idx="0">
+            <a:schemeClr val="accent1"/>
+          </a:fillRef>
+          <a:effectRef idx="2">
+            <a:schemeClr val="accent1"/>
+          </a:effectRef>
+          <a:fontRef idx="minor">
+            <a:schemeClr val="tx1"/>
+          </a:fontRef>
+        </p:style>
+      </p:cxnSp>
+      <p:cxnSp>
+        <p:nvCxnSpPr>
+          <p:cNvPr id="7" name="Straight Connector 6"/>
+          <p:cNvCxnSpPr/>
+          <p:nvPr/>
+        </p:nvCxnSpPr>
+        <p:spPr>
+          <a:xfrm>
+            <a:off x="6335486" y="2103494"/>
+            <a:ext cx="0" cy="3794384"/>
+          </a:xfrm>
+          <a:prstGeom prst="line">
+            <a:avLst/>
+          </a:prstGeom>
+          <a:ln>
+            <a:prstDash val="lgDash"/>
+          </a:ln>
+        </p:spPr>
+        <p:style>
+          <a:lnRef idx="3">
+            <a:schemeClr val="accent1"/>
+          </a:lnRef>
+          <a:fillRef idx="0">
+            <a:schemeClr val="accent1"/>
+          </a:fillRef>
+          <a:effectRef idx="2">
+            <a:schemeClr val="accent1"/>
+          </a:effectRef>
+          <a:fontRef idx="minor">
+            <a:schemeClr val="tx1"/>
+          </a:fontRef>
+        </p:style>
+      </p:cxnSp>
+      <p:cxnSp>
+        <p:nvCxnSpPr>
+          <p:cNvPr id="8" name="Straight Arrow Connector 7"/>
+          <p:cNvCxnSpPr/>
+          <p:nvPr/>
+        </p:nvCxnSpPr>
+        <p:spPr>
+          <a:xfrm>
+            <a:off x="2604407" y="2672443"/>
+            <a:ext cx="3731079" cy="547007"/>
+          </a:xfrm>
+          <a:prstGeom prst="straightConnector1">
+            <a:avLst/>
+          </a:prstGeom>
+          <a:ln>
+            <a:tailEnd type="triangle"/>
+          </a:ln>
+        </p:spPr>
+        <p:style>
+          <a:lnRef idx="3">
+            <a:schemeClr val="accent1"/>
+          </a:lnRef>
+          <a:fillRef idx="0">
+            <a:schemeClr val="accent1"/>
+          </a:fillRef>
+          <a:effectRef idx="2">
+            <a:schemeClr val="accent1"/>
+          </a:effectRef>
+          <a:fontRef idx="minor">
+            <a:schemeClr val="tx1"/>
+          </a:fontRef>
+        </p:style>
+      </p:cxnSp>
+      <p:cxnSp>
+        <p:nvCxnSpPr>
+          <p:cNvPr id="9" name="Straight Arrow Connector 8"/>
+          <p:cNvCxnSpPr/>
+          <p:nvPr/>
+        </p:nvCxnSpPr>
+        <p:spPr>
+          <a:xfrm flipH="1">
+            <a:off x="2604407" y="4670196"/>
+            <a:ext cx="3731079" cy="432707"/>
+          </a:xfrm>
+          <a:prstGeom prst="straightConnector1">
+            <a:avLst/>
+          </a:prstGeom>
+          <a:ln>
+            <a:tailEnd type="triangle"/>
+          </a:ln>
+        </p:spPr>
+        <p:style>
+          <a:lnRef idx="3">
+            <a:schemeClr val="accent1"/>
+          </a:lnRef>
+          <a:fillRef idx="0">
+            <a:schemeClr val="accent1"/>
+          </a:fillRef>
+          <a:effectRef idx="2">
+            <a:schemeClr val="accent1"/>
+          </a:effectRef>
+          <a:fontRef idx="minor">
+            <a:schemeClr val="tx1"/>
+          </a:fontRef>
+        </p:style>
+      </p:cxnSp>
+      <p:sp>
+        <p:nvSpPr>
+          <p:cNvPr id="10" name="TextBox 9"/>
+          <p:cNvSpPr txBox="1"/>
+          <p:nvPr/>
+        </p:nvSpPr>
+        <p:spPr>
+          <a:xfrm rot="556783">
+            <a:off x="4236315" y="2672430"/>
+            <a:ext cx="1055097" cy="300082"/>
+          </a:xfrm>
+          <a:prstGeom prst="rect">
+            <a:avLst/>
+          </a:prstGeom>
+          <a:noFill/>
+        </p:spPr>
+        <p:txBody>
+          <a:bodyPr wrap="none" rtlCol="0">
+            <a:spAutoFit/>
+          </a:bodyPr>
+          <a:lstStyle/>
+          <a:p>
+            <a:r>
+              <a:rPr lang="en-US" sz="1350" dirty="0" err="1" smtClean="0"/>
+              <a:t>ChatPull</a:t>
+            </a:r>
+            <a:r>
+              <a:rPr lang="en-US" sz="1350" dirty="0" smtClean="0"/>
+              <a:t> (-1)</a:t>
+            </a:r>
+            <a:endParaRPr lang="id-ID" sz="1350" dirty="0"/>
+          </a:p>
+        </p:txBody>
+      </p:sp>
+      <p:sp>
+        <p:nvSpPr>
+          <p:cNvPr id="11" name="TextBox 10"/>
+          <p:cNvSpPr txBox="1"/>
+          <p:nvPr/>
+        </p:nvSpPr>
+        <p:spPr>
+          <a:xfrm>
+            <a:off x="3432902" y="5007072"/>
+            <a:ext cx="2066335" cy="1546577"/>
+          </a:xfrm>
+          <a:prstGeom prst="rect">
+            <a:avLst/>
+          </a:prstGeom>
+          <a:noFill/>
+        </p:spPr>
+        <p:txBody>
+          <a:bodyPr wrap="none" rtlCol="0">
+            <a:spAutoFit/>
+          </a:bodyPr>
+          <a:lstStyle/>
+          <a:p>
+            <a:r>
+              <a:rPr lang="en-US" sz="1350" dirty="0"/>
+              <a:t>Status = “accepted”</a:t>
+            </a:r>
+          </a:p>
+          <a:p>
+            <a:r>
+              <a:rPr lang="en-US" sz="1350" dirty="0"/>
+              <a:t>Status-code = “1”</a:t>
+            </a:r>
+          </a:p>
+          <a:p>
+            <a:r>
+              <a:rPr lang="en-US" sz="1350" dirty="0" smtClean="0"/>
+              <a:t>Messages=</a:t>
+            </a:r>
+          </a:p>
+          <a:p>
+            <a:r>
+              <a:rPr lang="en-US" sz="1350" dirty="0" smtClean="0"/>
+              <a:t>   &lt;message</a:t>
+            </a:r>
+          </a:p>
+          <a:p>
+            <a:r>
+              <a:rPr lang="en-US" sz="1350" dirty="0"/>
+              <a:t> </a:t>
+            </a:r>
+            <a:r>
+              <a:rPr lang="en-US" sz="1350" dirty="0" smtClean="0"/>
+              <a:t>       username=“user”</a:t>
+            </a:r>
+          </a:p>
+          <a:p>
+            <a:r>
+              <a:rPr lang="en-US" sz="1350" dirty="0"/>
+              <a:t> </a:t>
+            </a:r>
+            <a:r>
+              <a:rPr lang="en-US" sz="1350" dirty="0" smtClean="0"/>
+              <a:t>       time=“time”</a:t>
+            </a:r>
+          </a:p>
+          <a:p>
+            <a:r>
+              <a:rPr lang="en-US" sz="1350" dirty="0"/>
+              <a:t> </a:t>
+            </a:r>
+            <a:r>
+              <a:rPr lang="en-US" sz="1350" dirty="0" smtClean="0"/>
+              <a:t>       message=“content” </a:t>
+            </a:r>
+            <a:r>
+              <a:rPr lang="en-US" sz="1350" dirty="0" smtClean="0"/>
+              <a:t>/&gt;</a:t>
+            </a:r>
+            <a:endParaRPr lang="id-ID" sz="1350" dirty="0"/>
+          </a:p>
+        </p:txBody>
+      </p:sp>
+      <p:grpSp>
+        <p:nvGrpSpPr>
+          <p:cNvPr id="16" name="Group 15"/>
+          <p:cNvGrpSpPr/>
+          <p:nvPr/>
+        </p:nvGrpSpPr>
+        <p:grpSpPr>
+          <a:xfrm rot="12600000">
+            <a:off x="6800942" y="3617799"/>
+            <a:ext cx="715008" cy="715008"/>
+            <a:chOff x="3857625" y="4200525"/>
+            <a:chExt cx="1157288" cy="1157288"/>
+          </a:xfrm>
+        </p:grpSpPr>
+        <p:sp>
+          <p:nvSpPr>
+            <p:cNvPr id="17" name="Circular Arrow 16"/>
+            <p:cNvSpPr/>
+            <p:nvPr/>
+          </p:nvSpPr>
+          <p:spPr>
+            <a:xfrm>
+              <a:off x="3857625" y="4200525"/>
+              <a:ext cx="1157288" cy="1157288"/>
+            </a:xfrm>
+            <a:prstGeom prst="circularArrow">
+              <a:avLst>
+                <a:gd name="adj1" fmla="val 12500"/>
+                <a:gd name="adj2" fmla="val 1142319"/>
+                <a:gd name="adj3" fmla="val 20457681"/>
+                <a:gd name="adj4" fmla="val 11655503"/>
+                <a:gd name="adj5" fmla="val 12500"/>
+              </a:avLst>
+            </a:prstGeom>
+          </p:spPr>
+          <p:style>
+            <a:lnRef idx="2">
+              <a:schemeClr val="accent1">
+                <a:shade val="50000"/>
+              </a:schemeClr>
+            </a:lnRef>
+            <a:fillRef idx="1">
+              <a:schemeClr val="accent1"/>
+            </a:fillRef>
+            <a:effectRef idx="0">
+              <a:schemeClr val="accent1"/>
+            </a:effectRef>
+            <a:fontRef idx="minor">
+              <a:schemeClr val="lt1"/>
+            </a:fontRef>
+          </p:style>
+          <p:txBody>
+            <a:bodyPr rtlCol="0" anchor="ctr"/>
+            <a:lstStyle/>
+            <a:p>
+              <a:pPr algn="ctr"/>
+              <a:endParaRPr lang="en-US">
+                <a:solidFill>
+                  <a:schemeClr val="tx1"/>
+                </a:solidFill>
+              </a:endParaRPr>
+            </a:p>
+          </p:txBody>
+        </p:sp>
+        <p:sp>
+          <p:nvSpPr>
+            <p:cNvPr id="18" name="Circular Arrow 17"/>
+            <p:cNvSpPr/>
+            <p:nvPr/>
+          </p:nvSpPr>
+          <p:spPr>
+            <a:xfrm rot="10800000">
+              <a:off x="3857625" y="4200525"/>
+              <a:ext cx="1157288" cy="1157288"/>
+            </a:xfrm>
+            <a:prstGeom prst="circularArrow">
+              <a:avLst>
+                <a:gd name="adj1" fmla="val 12500"/>
+                <a:gd name="adj2" fmla="val 1142319"/>
+                <a:gd name="adj3" fmla="val 20457681"/>
+                <a:gd name="adj4" fmla="val 11720353"/>
+                <a:gd name="adj5" fmla="val 12500"/>
+              </a:avLst>
+            </a:prstGeom>
+          </p:spPr>
+          <p:style>
+            <a:lnRef idx="2">
+              <a:schemeClr val="accent1">
+                <a:shade val="50000"/>
+              </a:schemeClr>
+            </a:lnRef>
+            <a:fillRef idx="1">
+              <a:schemeClr val="accent1"/>
+            </a:fillRef>
+            <a:effectRef idx="0">
+              <a:schemeClr val="accent1"/>
+            </a:effectRef>
+            <a:fontRef idx="minor">
+              <a:schemeClr val="lt1"/>
+            </a:fontRef>
+          </p:style>
+          <p:txBody>
+            <a:bodyPr rtlCol="0" anchor="ctr"/>
+            <a:lstStyle/>
+            <a:p>
+              <a:pPr algn="ctr"/>
+              <a:endParaRPr lang="en-US">
+                <a:solidFill>
+                  <a:schemeClr val="tx1"/>
+                </a:solidFill>
+              </a:endParaRPr>
+            </a:p>
+          </p:txBody>
+        </p:sp>
+      </p:grpSp>
+      <p:sp>
+        <p:nvSpPr>
+          <p:cNvPr id="19" name="TextBox 18"/>
+          <p:cNvSpPr txBox="1"/>
+          <p:nvPr/>
+        </p:nvSpPr>
+        <p:spPr>
+          <a:xfrm>
+            <a:off x="7499970" y="3543486"/>
+            <a:ext cx="1512337" cy="830997"/>
+          </a:xfrm>
+          <a:prstGeom prst="rect">
+            <a:avLst/>
+          </a:prstGeom>
+          <a:noFill/>
+        </p:spPr>
+        <p:txBody>
+          <a:bodyPr wrap="none" rtlCol="0">
+            <a:spAutoFit/>
+          </a:bodyPr>
+          <a:lstStyle/>
+          <a:p>
+            <a:r>
+              <a:rPr lang="en-US" sz="1600" dirty="0" smtClean="0"/>
+              <a:t>Waiting for new</a:t>
+            </a:r>
+            <a:br>
+              <a:rPr lang="en-US" sz="1600" dirty="0" smtClean="0"/>
+            </a:br>
+            <a:r>
+              <a:rPr lang="en-US" sz="1600" dirty="0" smtClean="0"/>
+              <a:t>chats</a:t>
+            </a:r>
+            <a:r>
+              <a:rPr lang="en-US" sz="1600" dirty="0"/>
+              <a:t> </a:t>
+            </a:r>
+            <a:r>
+              <a:rPr lang="en-US" sz="1600" dirty="0" smtClean="0"/>
+              <a:t>to arrive.</a:t>
+            </a:r>
+            <a:br>
+              <a:rPr lang="en-US" sz="1600" dirty="0" smtClean="0"/>
+            </a:br>
+            <a:r>
+              <a:rPr lang="en-US" sz="1600" dirty="0" smtClean="0"/>
+              <a:t>(long polling)</a:t>
+            </a:r>
+            <a:endParaRPr lang="en-US" sz="1600" dirty="0"/>
+          </a:p>
+        </p:txBody>
+      </p:sp>
+      <p:cxnSp>
+        <p:nvCxnSpPr>
+          <p:cNvPr id="21" name="Straight Arrow Connector 20"/>
+          <p:cNvCxnSpPr/>
+          <p:nvPr/>
+        </p:nvCxnSpPr>
+        <p:spPr>
+          <a:xfrm flipH="1">
+            <a:off x="2604407" y="3680151"/>
+            <a:ext cx="3731079" cy="432707"/>
+          </a:xfrm>
+          <a:prstGeom prst="straightConnector1">
+            <a:avLst/>
+          </a:prstGeom>
+          <a:ln>
+            <a:tailEnd type="triangle"/>
+          </a:ln>
+        </p:spPr>
+        <p:style>
+          <a:lnRef idx="3">
+            <a:schemeClr val="accent1"/>
+          </a:lnRef>
+          <a:fillRef idx="0">
+            <a:schemeClr val="accent1"/>
+          </a:fillRef>
+          <a:effectRef idx="2">
+            <a:schemeClr val="accent1"/>
+          </a:effectRef>
+          <a:fontRef idx="minor">
+            <a:schemeClr val="tx1"/>
+          </a:fontRef>
+        </p:style>
+      </p:cxnSp>
+      <p:cxnSp>
+        <p:nvCxnSpPr>
+          <p:cNvPr id="22" name="Straight Arrow Connector 21"/>
+          <p:cNvCxnSpPr/>
+          <p:nvPr/>
+        </p:nvCxnSpPr>
+        <p:spPr>
+          <a:xfrm flipH="1">
+            <a:off x="2604407" y="4146805"/>
+            <a:ext cx="3731079" cy="432707"/>
+          </a:xfrm>
+          <a:prstGeom prst="straightConnector1">
+            <a:avLst/>
+          </a:prstGeom>
+          <a:ln>
+            <a:tailEnd type="triangle"/>
+          </a:ln>
+        </p:spPr>
+        <p:style>
+          <a:lnRef idx="3">
+            <a:schemeClr val="accent1"/>
+          </a:lnRef>
+          <a:fillRef idx="0">
+            <a:schemeClr val="accent1"/>
+          </a:fillRef>
+          <a:effectRef idx="2">
+            <a:schemeClr val="accent1"/>
+          </a:effectRef>
+          <a:fontRef idx="minor">
+            <a:schemeClr val="tx1"/>
+          </a:fontRef>
+        </p:style>
+      </p:cxnSp>
+      <p:sp>
+        <p:nvSpPr>
+          <p:cNvPr id="23" name="TextBox 22"/>
+          <p:cNvSpPr txBox="1"/>
+          <p:nvPr/>
+        </p:nvSpPr>
+        <p:spPr>
+          <a:xfrm rot="21157311">
+            <a:off x="3841396" y="3539461"/>
+            <a:ext cx="1116011" cy="300082"/>
+          </a:xfrm>
+          <a:prstGeom prst="rect">
+            <a:avLst/>
+          </a:prstGeom>
+          <a:noFill/>
+        </p:spPr>
+        <p:txBody>
+          <a:bodyPr wrap="none" rtlCol="0">
+            <a:spAutoFit/>
+          </a:bodyPr>
+          <a:lstStyle/>
+          <a:p>
+            <a:r>
+              <a:rPr lang="en-US" sz="1350" dirty="0" smtClean="0"/>
+              <a:t>[blank space]</a:t>
+            </a:r>
+            <a:endParaRPr lang="id-ID" sz="1350" dirty="0"/>
+          </a:p>
+        </p:txBody>
+      </p:sp>
+      <p:sp>
+        <p:nvSpPr>
+          <p:cNvPr id="24" name="TextBox 23"/>
+          <p:cNvSpPr txBox="1"/>
+          <p:nvPr/>
+        </p:nvSpPr>
+        <p:spPr>
+          <a:xfrm rot="21157311">
+            <a:off x="3950458" y="4059619"/>
+            <a:ext cx="1116011" cy="300082"/>
+          </a:xfrm>
+          <a:prstGeom prst="rect">
+            <a:avLst/>
+          </a:prstGeom>
+          <a:noFill/>
+        </p:spPr>
+        <p:txBody>
+          <a:bodyPr wrap="none" rtlCol="0">
+            <a:spAutoFit/>
+          </a:bodyPr>
+          <a:lstStyle/>
+          <a:p>
+            <a:r>
+              <a:rPr lang="en-US" sz="1350" dirty="0" smtClean="0"/>
+              <a:t>[blank space]</a:t>
+            </a:r>
+            <a:endParaRPr lang="id-ID" sz="1350" dirty="0"/>
+          </a:p>
+        </p:txBody>
+      </p:sp>
+      <p:sp>
+        <p:nvSpPr>
+          <p:cNvPr id="25" name="Right Brace 24"/>
+          <p:cNvSpPr/>
+          <p:nvPr/>
+        </p:nvSpPr>
+        <p:spPr>
+          <a:xfrm>
+            <a:off x="6420852" y="3219450"/>
+            <a:ext cx="249233" cy="460701"/>
+          </a:xfrm>
+          <a:prstGeom prst="rightBrace">
+            <a:avLst>
+              <a:gd name="adj1" fmla="val 22816"/>
+              <a:gd name="adj2" fmla="val 40424"/>
+            </a:avLst>
+          </a:prstGeom>
+        </p:spPr>
+        <p:style>
+          <a:lnRef idx="1">
+            <a:schemeClr val="accent1"/>
+          </a:lnRef>
+          <a:fillRef idx="0">
+            <a:schemeClr val="accent1"/>
+          </a:fillRef>
+          <a:effectRef idx="0">
+            <a:schemeClr val="accent1"/>
+          </a:effectRef>
+          <a:fontRef idx="minor">
+            <a:schemeClr val="tx1"/>
+          </a:fontRef>
+        </p:style>
+        <p:txBody>
+          <a:bodyPr rtlCol="0" anchor="ctr"/>
+          <a:lstStyle/>
+          <a:p>
+            <a:pPr algn="ctr"/>
+            <a:endParaRPr lang="en-US"/>
+          </a:p>
+        </p:txBody>
+      </p:sp>
+      <p:sp>
+        <p:nvSpPr>
+          <p:cNvPr id="26" name="TextBox 25"/>
+          <p:cNvSpPr txBox="1"/>
+          <p:nvPr/>
+        </p:nvSpPr>
+        <p:spPr>
+          <a:xfrm>
+            <a:off x="6680823" y="3247899"/>
+            <a:ext cx="917239" cy="276999"/>
+          </a:xfrm>
+          <a:prstGeom prst="rect">
+            <a:avLst/>
+          </a:prstGeom>
+          <a:noFill/>
+        </p:spPr>
+        <p:txBody>
+          <a:bodyPr wrap="none" rtlCol="0">
+            <a:spAutoFit/>
+          </a:bodyPr>
+          <a:lstStyle/>
+          <a:p>
+            <a:r>
+              <a:rPr lang="en-US" sz="1200" dirty="0" smtClean="0"/>
+              <a:t>Timeout / 2</a:t>
+            </a:r>
+            <a:endParaRPr lang="en-US" sz="1200" dirty="0"/>
           </a:p>
         </p:txBody>
       </p:sp>
     </p:spTree>
     <p:extLst>
       <p:ext uri="{BB962C8B-B14F-4D97-AF65-F5344CB8AC3E}">
-        <p14:creationId xmlns:p14="http://schemas.microsoft.com/office/powerpoint/2010/main" val="4174487364"/>
+        <p14:creationId xmlns:p14="http://schemas.microsoft.com/office/powerpoint/2010/main" val="3472352703"/>
       </p:ext>
     </p:extLst>
   </p:cSld>
@@ -15171,7 +15946,7 @@
       </p:grpSpPr>
       <p:sp>
         <p:nvSpPr>
-          <p:cNvPr id="2" name="Title 1"/>
+          <p:cNvPr id="4" name="Title 3"/>
           <p:cNvSpPr>
             <a:spLocks noGrp="1"/>
           </p:cNvSpPr>
@@ -15186,7 +15961,7 @@
           <a:p>
             <a:r>
               <a:rPr lang="en-US" b="1" dirty="0" smtClean="0"/>
-              <a:t>Format File</a:t>
+              <a:t>Format File &amp; Database</a:t>
             </a:r>
             <a:endParaRPr lang="en-US" b="1" dirty="0"/>
           </a:p>
@@ -15194,334 +15969,27 @@
       </p:sp>
       <p:sp>
         <p:nvSpPr>
-          <p:cNvPr id="3" name="Content Placeholder 2"/>
+          <p:cNvPr id="5" name="Text Placeholder 4"/>
           <p:cNvSpPr>
             <a:spLocks noGrp="1"/>
           </p:cNvSpPr>
           <p:nvPr>
-            <p:ph idx="1"/>
+            <p:ph type="body" idx="1"/>
           </p:nvPr>
         </p:nvSpPr>
         <p:spPr/>
         <p:txBody>
-          <a:bodyPr>
-            <a:normAutofit/>
-          </a:bodyPr>
+          <a:bodyPr/>
           <a:lstStyle/>
           <a:p>
-            <a:r>
-              <a:rPr lang="en-US" dirty="0" err="1" smtClean="0"/>
-              <a:t>serverx.cfg</a:t>
-            </a:r>
-            <a:r>
-              <a:rPr lang="en-US" dirty="0" smtClean="0"/>
-              <a:t> (</a:t>
-            </a:r>
-            <a:r>
-              <a:rPr lang="en-US" dirty="0" err="1" smtClean="0"/>
-              <a:t>json</a:t>
-            </a:r>
-            <a:r>
-              <a:rPr lang="en-US" dirty="0" smtClean="0"/>
-              <a:t>):</a:t>
-            </a:r>
-            <a:br>
-              <a:rPr lang="en-US" dirty="0" smtClean="0"/>
-            </a:br>
-            <a:r>
-              <a:rPr lang="en-US" sz="1400" dirty="0" smtClean="0">
-                <a:latin typeface="Courier New" panose="02070309020205020404" pitchFamily="49" charset="0"/>
-                <a:cs typeface="Courier New" panose="02070309020205020404" pitchFamily="49" charset="0"/>
-              </a:rPr>
-              <a:t>{</a:t>
-            </a:r>
-            <a:br>
-              <a:rPr lang="en-US" sz="1400" dirty="0" smtClean="0">
-                <a:latin typeface="Courier New" panose="02070309020205020404" pitchFamily="49" charset="0"/>
-                <a:cs typeface="Courier New" panose="02070309020205020404" pitchFamily="49" charset="0"/>
-              </a:rPr>
-            </a:br>
-            <a:r>
-              <a:rPr lang="en-US" sz="1400" dirty="0" smtClean="0">
-                <a:latin typeface="Courier New" panose="02070309020205020404" pitchFamily="49" charset="0"/>
-                <a:cs typeface="Courier New" panose="02070309020205020404" pitchFamily="49" charset="0"/>
-              </a:rPr>
-              <a:t>    “ip”:”192.168.1.100”/null,</a:t>
-            </a:r>
-            <a:br>
-              <a:rPr lang="en-US" sz="1400" dirty="0" smtClean="0">
-                <a:latin typeface="Courier New" panose="02070309020205020404" pitchFamily="49" charset="0"/>
-                <a:cs typeface="Courier New" panose="02070309020205020404" pitchFamily="49" charset="0"/>
-              </a:rPr>
-            </a:br>
-            <a:r>
-              <a:rPr lang="en-US" sz="1400" dirty="0" smtClean="0">
-                <a:latin typeface="Courier New" panose="02070309020205020404" pitchFamily="49" charset="0"/>
-                <a:cs typeface="Courier New" panose="02070309020205020404" pitchFamily="49" charset="0"/>
-              </a:rPr>
-              <a:t>    “port”:”80”,</a:t>
-            </a:r>
-            <a:br>
-              <a:rPr lang="en-US" sz="1400" dirty="0" smtClean="0">
-                <a:latin typeface="Courier New" panose="02070309020205020404" pitchFamily="49" charset="0"/>
-                <a:cs typeface="Courier New" panose="02070309020205020404" pitchFamily="49" charset="0"/>
-              </a:rPr>
-            </a:br>
-            <a:r>
-              <a:rPr lang="en-US" sz="1400" dirty="0" smtClean="0">
-                <a:latin typeface="Courier New" panose="02070309020205020404" pitchFamily="49" charset="0"/>
-                <a:cs typeface="Courier New" panose="02070309020205020404" pitchFamily="49" charset="0"/>
-              </a:rPr>
-              <a:t>    “</a:t>
-            </a:r>
-            <a:r>
-              <a:rPr lang="en-US" sz="1400" dirty="0" err="1" smtClean="0">
-                <a:latin typeface="Courier New" panose="02070309020205020404" pitchFamily="49" charset="0"/>
-                <a:cs typeface="Courier New" panose="02070309020205020404" pitchFamily="49" charset="0"/>
-              </a:rPr>
-              <a:t>password”:”password</a:t>
-            </a:r>
-            <a:r>
-              <a:rPr lang="en-US" sz="1400" dirty="0" smtClean="0">
-                <a:latin typeface="Courier New" panose="02070309020205020404" pitchFamily="49" charset="0"/>
-                <a:cs typeface="Courier New" panose="02070309020205020404" pitchFamily="49" charset="0"/>
-              </a:rPr>
-              <a:t>”,</a:t>
-            </a:r>
-            <a:br>
-              <a:rPr lang="en-US" sz="1400" dirty="0" smtClean="0">
-                <a:latin typeface="Courier New" panose="02070309020205020404" pitchFamily="49" charset="0"/>
-                <a:cs typeface="Courier New" panose="02070309020205020404" pitchFamily="49" charset="0"/>
-              </a:rPr>
-            </a:br>
-            <a:r>
-              <a:rPr lang="en-US" sz="1400" dirty="0" smtClean="0">
-                <a:latin typeface="Courier New" panose="02070309020205020404" pitchFamily="49" charset="0"/>
-                <a:cs typeface="Courier New" panose="02070309020205020404" pitchFamily="49" charset="0"/>
-              </a:rPr>
-              <a:t>    “</a:t>
-            </a:r>
-            <a:r>
-              <a:rPr lang="en-US" sz="1400" dirty="0" err="1" smtClean="0">
-                <a:latin typeface="Courier New" panose="02070309020205020404" pitchFamily="49" charset="0"/>
-                <a:cs typeface="Courier New" panose="02070309020205020404" pitchFamily="49" charset="0"/>
-              </a:rPr>
-              <a:t>dbName</a:t>
-            </a:r>
-            <a:r>
-              <a:rPr lang="en-US" sz="1400" dirty="0" smtClean="0">
-                <a:latin typeface="Courier New" panose="02070309020205020404" pitchFamily="49" charset="0"/>
-                <a:cs typeface="Courier New" panose="02070309020205020404" pitchFamily="49" charset="0"/>
-              </a:rPr>
-              <a:t>”:”DBNAME”</a:t>
-            </a:r>
-            <a:br>
-              <a:rPr lang="en-US" sz="1400" dirty="0" smtClean="0">
-                <a:latin typeface="Courier New" panose="02070309020205020404" pitchFamily="49" charset="0"/>
-                <a:cs typeface="Courier New" panose="02070309020205020404" pitchFamily="49" charset="0"/>
-              </a:rPr>
-            </a:br>
-            <a:r>
-              <a:rPr lang="en-US" sz="1400" dirty="0" smtClean="0">
-                <a:latin typeface="Courier New" panose="02070309020205020404" pitchFamily="49" charset="0"/>
-                <a:cs typeface="Courier New" panose="02070309020205020404" pitchFamily="49" charset="0"/>
-              </a:rPr>
-              <a:t>    “</a:t>
-            </a:r>
-            <a:r>
-              <a:rPr lang="en-US" sz="1400" dirty="0" err="1" smtClean="0">
-                <a:latin typeface="Courier New" panose="02070309020205020404" pitchFamily="49" charset="0"/>
-                <a:cs typeface="Courier New" panose="02070309020205020404" pitchFamily="49" charset="0"/>
-              </a:rPr>
-              <a:t>serverHook</a:t>
-            </a:r>
-            <a:r>
-              <a:rPr lang="en-US" sz="1400" dirty="0" smtClean="0">
-                <a:latin typeface="Courier New" panose="02070309020205020404" pitchFamily="49" charset="0"/>
-                <a:cs typeface="Courier New" panose="02070309020205020404" pitchFamily="49" charset="0"/>
-              </a:rPr>
-              <a:t>”:</a:t>
-            </a:r>
-            <a:r>
-              <a:rPr lang="en-US" sz="1400" dirty="0">
-                <a:latin typeface="Courier New" panose="02070309020205020404" pitchFamily="49" charset="0"/>
-                <a:cs typeface="Courier New" panose="02070309020205020404" pitchFamily="49" charset="0"/>
-              </a:rPr>
-              <a:t>{“ip”:”192.168.1.101”,”port”:”80</a:t>
-            </a:r>
-            <a:r>
-              <a:rPr lang="en-US" sz="1400" dirty="0" smtClean="0">
-                <a:latin typeface="Courier New" panose="02070309020205020404" pitchFamily="49" charset="0"/>
-                <a:cs typeface="Courier New" panose="02070309020205020404" pitchFamily="49" charset="0"/>
-              </a:rPr>
-              <a:t>”},</a:t>
-            </a:r>
-            <a:br>
-              <a:rPr lang="en-US" sz="1400" dirty="0" smtClean="0">
-                <a:latin typeface="Courier New" panose="02070309020205020404" pitchFamily="49" charset="0"/>
-                <a:cs typeface="Courier New" panose="02070309020205020404" pitchFamily="49" charset="0"/>
-              </a:rPr>
-            </a:br>
-            <a:r>
-              <a:rPr lang="en-US" sz="1400" dirty="0" smtClean="0">
-                <a:latin typeface="Courier New" panose="02070309020205020404" pitchFamily="49" charset="0"/>
-                <a:cs typeface="Courier New" panose="02070309020205020404" pitchFamily="49" charset="0"/>
-              </a:rPr>
-              <a:t>    “</a:t>
-            </a:r>
-            <a:r>
-              <a:rPr lang="en-US" sz="1400" dirty="0" err="1" smtClean="0">
-                <a:latin typeface="Courier New" panose="02070309020205020404" pitchFamily="49" charset="0"/>
-                <a:cs typeface="Courier New" panose="02070309020205020404" pitchFamily="49" charset="0"/>
-              </a:rPr>
-              <a:t>persistDB</a:t>
-            </a:r>
-            <a:r>
-              <a:rPr lang="en-US" sz="1400" smtClean="0">
-                <a:latin typeface="Courier New" panose="02070309020205020404" pitchFamily="49" charset="0"/>
-                <a:cs typeface="Courier New" panose="02070309020205020404" pitchFamily="49" charset="0"/>
-              </a:rPr>
-              <a:t>”:true/false</a:t>
-            </a:r>
-            <a:r>
-              <a:rPr lang="en-US" sz="1400" dirty="0" smtClean="0">
-                <a:latin typeface="Courier New" panose="02070309020205020404" pitchFamily="49" charset="0"/>
-                <a:cs typeface="Courier New" panose="02070309020205020404" pitchFamily="49" charset="0"/>
-              </a:rPr>
-              <a:t/>
-            </a:r>
-            <a:br>
-              <a:rPr lang="en-US" sz="1400" dirty="0" smtClean="0">
-                <a:latin typeface="Courier New" panose="02070309020205020404" pitchFamily="49" charset="0"/>
-                <a:cs typeface="Courier New" panose="02070309020205020404" pitchFamily="49" charset="0"/>
-              </a:rPr>
-            </a:br>
-            <a:r>
-              <a:rPr lang="en-US" sz="1400" dirty="0" smtClean="0">
-                <a:latin typeface="Courier New" panose="02070309020205020404" pitchFamily="49" charset="0"/>
-                <a:cs typeface="Courier New" panose="02070309020205020404" pitchFamily="49" charset="0"/>
-              </a:rPr>
-              <a:t>}</a:t>
-            </a:r>
-            <a:endParaRPr lang="en-US" dirty="0" smtClean="0">
-              <a:latin typeface="Courier New" panose="02070309020205020404" pitchFamily="49" charset="0"/>
-              <a:cs typeface="Courier New" panose="02070309020205020404" pitchFamily="49" charset="0"/>
-            </a:endParaRPr>
-          </a:p>
-          <a:p>
-            <a:pPr lvl="1"/>
-            <a:endParaRPr lang="en-US" dirty="0" smtClean="0"/>
-          </a:p>
-          <a:p>
-            <a:endParaRPr lang="en-US" sz="1800" dirty="0">
-              <a:latin typeface="Courier New" panose="02070309020205020404" pitchFamily="49" charset="0"/>
-              <a:cs typeface="Courier New" panose="02070309020205020404" pitchFamily="49" charset="0"/>
-            </a:endParaRPr>
-          </a:p>
-          <a:p>
-            <a:r>
-              <a:rPr lang="en-US" b="1" dirty="0" err="1" smtClean="0"/>
-              <a:t>Keterangan</a:t>
-            </a:r>
-            <a:r>
-              <a:rPr lang="en-US" b="1" dirty="0" smtClean="0"/>
-              <a:t>:</a:t>
-            </a:r>
-            <a:r>
-              <a:rPr lang="en-US" dirty="0" smtClean="0"/>
-              <a:t> </a:t>
-            </a:r>
-            <a:r>
-              <a:rPr lang="en-US" b="1" i="1" dirty="0" smtClean="0"/>
-              <a:t>x</a:t>
-            </a:r>
-            <a:r>
-              <a:rPr lang="en-US" dirty="0" smtClean="0"/>
-              <a:t> </a:t>
-            </a:r>
-            <a:r>
-              <a:rPr lang="en-US" dirty="0" err="1" smtClean="0"/>
-              <a:t>menandakan</a:t>
-            </a:r>
-            <a:r>
-              <a:rPr lang="en-US" dirty="0" smtClean="0"/>
-              <a:t> </a:t>
-            </a:r>
-            <a:r>
-              <a:rPr lang="en-US" dirty="0" err="1" smtClean="0"/>
-              <a:t>nomor</a:t>
-            </a:r>
-            <a:r>
-              <a:rPr lang="en-US" dirty="0" smtClean="0"/>
-              <a:t> server.</a:t>
-            </a:r>
-            <a:br>
-              <a:rPr lang="en-US" dirty="0" smtClean="0"/>
-            </a:br>
-            <a:r>
-              <a:rPr lang="en-US" sz="2000" b="1" dirty="0" err="1" smtClean="0"/>
-              <a:t>Misal</a:t>
-            </a:r>
-            <a:r>
-              <a:rPr lang="en-US" sz="2000" b="1" dirty="0" smtClean="0"/>
-              <a:t>:</a:t>
-            </a:r>
-            <a:r>
-              <a:rPr lang="en-US" sz="2000" dirty="0" smtClean="0"/>
-              <a:t> </a:t>
-            </a:r>
-            <a:r>
-              <a:rPr lang="en-US" sz="2000" dirty="0" err="1" smtClean="0"/>
-              <a:t>untuk</a:t>
-            </a:r>
-            <a:r>
-              <a:rPr lang="en-US" sz="2000" dirty="0" smtClean="0"/>
-              <a:t> </a:t>
-            </a:r>
-            <a:r>
-              <a:rPr lang="en-US" sz="2000" i="1" dirty="0" smtClean="0"/>
-              <a:t>server1</a:t>
-            </a:r>
-            <a:r>
-              <a:rPr lang="en-US" sz="2000" dirty="0" smtClean="0"/>
-              <a:t>, </a:t>
-            </a:r>
-            <a:r>
-              <a:rPr lang="en-US" sz="2000" dirty="0" err="1" smtClean="0"/>
-              <a:t>nama</a:t>
-            </a:r>
-            <a:r>
-              <a:rPr lang="en-US" sz="2000" dirty="0" smtClean="0"/>
-              <a:t> </a:t>
-            </a:r>
-            <a:r>
-              <a:rPr lang="en-US" sz="2000" dirty="0" err="1" smtClean="0"/>
-              <a:t>filenya</a:t>
-            </a:r>
-            <a:r>
-              <a:rPr lang="en-US" sz="2000" dirty="0" smtClean="0"/>
-              <a:t> </a:t>
-            </a:r>
-            <a:r>
-              <a:rPr lang="en-US" sz="2000" dirty="0" err="1" smtClean="0"/>
-              <a:t>adalah</a:t>
-            </a:r>
-            <a:r>
-              <a:rPr lang="en-US" sz="2000" dirty="0" smtClean="0"/>
-              <a:t> </a:t>
-            </a:r>
-            <a:r>
-              <a:rPr lang="en-US" sz="2000" b="1" i="1" dirty="0" smtClean="0"/>
-              <a:t>server1.cfg</a:t>
-            </a:r>
-            <a:endParaRPr lang="en-US" b="1" i="1" dirty="0"/>
+            <a:endParaRPr lang="en-US" dirty="0"/>
           </a:p>
         </p:txBody>
       </p:sp>
     </p:spTree>
     <p:extLst>
       <p:ext uri="{BB962C8B-B14F-4D97-AF65-F5344CB8AC3E}">
-        <p14:creationId xmlns:p14="http://schemas.microsoft.com/office/powerpoint/2010/main" val="2128604457"/>
+        <p14:creationId xmlns:p14="http://schemas.microsoft.com/office/powerpoint/2010/main" val="4174487364"/>
       </p:ext>
     </p:extLst>
   </p:cSld>
@@ -15572,7 +16040,7 @@
           <a:p>
             <a:r>
               <a:rPr lang="en-US" b="1" dirty="0" smtClean="0"/>
-              <a:t>Format Database</a:t>
+              <a:t>Format File</a:t>
             </a:r>
             <a:endParaRPr lang="en-US" b="1" dirty="0"/>
           </a:p>
@@ -15591,629 +16059,323 @@
         <p:spPr/>
         <p:txBody>
           <a:bodyPr>
-            <a:normAutofit fontScale="62500" lnSpcReduction="20000"/>
+            <a:normAutofit/>
           </a:bodyPr>
           <a:lstStyle/>
           <a:p>
-            <a:pPr defTabSz="457200">
-              <a:lnSpc>
-                <a:spcPct val="110000"/>
-              </a:lnSpc>
-            </a:pPr>
-            <a:r>
-              <a:rPr lang="en-US" dirty="0" smtClean="0"/>
-              <a:t>Data </a:t>
-            </a:r>
-            <a:r>
-              <a:rPr lang="en-US" dirty="0" err="1" smtClean="0"/>
-              <a:t>mengenai</a:t>
-            </a:r>
-            <a:r>
-              <a:rPr lang="en-US" dirty="0" smtClean="0"/>
-              <a:t> </a:t>
-            </a:r>
-            <a:r>
-              <a:rPr lang="en-US" b="1" i="1" dirty="0" smtClean="0"/>
-              <a:t>server</a:t>
-            </a:r>
-            <a:r>
-              <a:rPr lang="en-US" dirty="0" smtClean="0"/>
-              <a:t> </a:t>
-            </a:r>
-            <a:r>
-              <a:rPr lang="en-US" dirty="0" err="1" smtClean="0"/>
-              <a:t>disimpan</a:t>
-            </a:r>
-            <a:r>
-              <a:rPr lang="en-US" dirty="0" smtClean="0"/>
-              <a:t> di </a:t>
-            </a:r>
-            <a:r>
-              <a:rPr lang="en-US" dirty="0" err="1" smtClean="0"/>
-              <a:t>dalam</a:t>
-            </a:r>
-            <a:r>
-              <a:rPr lang="en-US" dirty="0" smtClean="0"/>
-              <a:t> collection </a:t>
-            </a:r>
-            <a:r>
-              <a:rPr lang="en-US" dirty="0" err="1" smtClean="0"/>
-              <a:t>bernama</a:t>
-            </a:r>
-            <a:r>
-              <a:rPr lang="en-US" dirty="0" smtClean="0"/>
-              <a:t> ‘server’ </a:t>
-            </a:r>
-            <a:r>
-              <a:rPr lang="en-US" dirty="0" err="1" smtClean="0"/>
-              <a:t>dengan</a:t>
-            </a:r>
-            <a:r>
-              <a:rPr lang="en-US" dirty="0" smtClean="0"/>
-              <a:t> </a:t>
-            </a:r>
-            <a:r>
-              <a:rPr lang="en-US" dirty="0" err="1" smtClean="0"/>
-              <a:t>struktur</a:t>
-            </a:r>
-            <a:r>
-              <a:rPr lang="en-US" dirty="0" smtClean="0"/>
-              <a:t>:</a:t>
+            <a:r>
+              <a:rPr lang="en-US" dirty="0" err="1" smtClean="0"/>
+              <a:t>serverx.cfg</a:t>
+            </a:r>
+            <a:r>
+              <a:rPr lang="en-US" dirty="0" smtClean="0"/>
+              <a:t> (</a:t>
+            </a:r>
+            <a:r>
+              <a:rPr lang="en-US" dirty="0" err="1" smtClean="0"/>
+              <a:t>json</a:t>
+            </a:r>
+            <a:r>
+              <a:rPr lang="en-US" dirty="0" smtClean="0"/>
+              <a:t>):</a:t>
             </a:r>
             <a:br>
               <a:rPr lang="en-US" dirty="0" smtClean="0"/>
             </a:br>
             <a:r>
-              <a:rPr lang="en-US" dirty="0" smtClean="0"/>
-              <a:t/>
-            </a:r>
-            <a:br>
-              <a:rPr lang="en-US" dirty="0" smtClean="0"/>
-            </a:br>
-            <a:r>
-              <a:rPr lang="en-US" dirty="0">
+              <a:rPr lang="en-US" sz="1400" dirty="0" smtClean="0">
                 <a:latin typeface="Courier New" panose="02070309020205020404" pitchFamily="49" charset="0"/>
                 <a:cs typeface="Courier New" panose="02070309020205020404" pitchFamily="49" charset="0"/>
               </a:rPr>
-              <a:t>	{</a:t>
+              <a:t>{</a:t>
             </a:r>
             <a:br>
-              <a:rPr lang="en-US" dirty="0">
+              <a:rPr lang="en-US" sz="1400" dirty="0" smtClean="0">
                 <a:latin typeface="Courier New" panose="02070309020205020404" pitchFamily="49" charset="0"/>
                 <a:cs typeface="Courier New" panose="02070309020205020404" pitchFamily="49" charset="0"/>
               </a:rPr>
             </a:br>
             <a:r>
-              <a:rPr lang="en-US" dirty="0">
+              <a:rPr lang="en-US" sz="1400" dirty="0" smtClean="0">
                 <a:latin typeface="Courier New" panose="02070309020205020404" pitchFamily="49" charset="0"/>
                 <a:cs typeface="Courier New" panose="02070309020205020404" pitchFamily="49" charset="0"/>
               </a:rPr>
-              <a:t>		</a:t>
-            </a:r>
-            <a:r>
-              <a:rPr lang="en-US" dirty="0" smtClean="0">
+              <a:t>    “ip”:”192.168.1.100”/null,</a:t>
+            </a:r>
+            <a:br>
+              <a:rPr lang="en-US" sz="1400" dirty="0" smtClean="0">
                 <a:latin typeface="Courier New" panose="02070309020205020404" pitchFamily="49" charset="0"/>
                 <a:cs typeface="Courier New" panose="02070309020205020404" pitchFamily="49" charset="0"/>
               </a:rPr>
-              <a:t>“</a:t>
-            </a:r>
-            <a:r>
-              <a:rPr lang="en-US" dirty="0" err="1" smtClean="0">
+            </a:br>
+            <a:r>
+              <a:rPr lang="en-US" sz="1400" dirty="0" smtClean="0">
                 <a:latin typeface="Courier New" panose="02070309020205020404" pitchFamily="49" charset="0"/>
                 <a:cs typeface="Courier New" panose="02070309020205020404" pitchFamily="49" charset="0"/>
               </a:rPr>
-              <a:t>ip</a:t>
-            </a:r>
-            <a:r>
-              <a:rPr lang="en-US" dirty="0" smtClean="0">
+              <a:t>    “port”:”80”,</a:t>
+            </a:r>
+            <a:br>
+              <a:rPr lang="en-US" sz="1400" dirty="0" smtClean="0">
                 <a:latin typeface="Courier New" panose="02070309020205020404" pitchFamily="49" charset="0"/>
                 <a:cs typeface="Courier New" panose="02070309020205020404" pitchFamily="49" charset="0"/>
               </a:rPr>
-              <a:t>”:String,</a:t>
-            </a:r>
-            <a:br>
-              <a:rPr lang="en-US" dirty="0" smtClean="0">
+            </a:br>
+            <a:r>
+              <a:rPr lang="en-US" sz="1400" dirty="0" smtClean="0">
                 <a:latin typeface="Courier New" panose="02070309020205020404" pitchFamily="49" charset="0"/>
                 <a:cs typeface="Courier New" panose="02070309020205020404" pitchFamily="49" charset="0"/>
               </a:rPr>
-            </a:br>
-            <a:r>
-              <a:rPr lang="en-US" dirty="0">
+              <a:t>    “</a:t>
+            </a:r>
+            <a:r>
+              <a:rPr lang="en-US" sz="1400" dirty="0" err="1" smtClean="0">
                 <a:latin typeface="Courier New" panose="02070309020205020404" pitchFamily="49" charset="0"/>
                 <a:cs typeface="Courier New" panose="02070309020205020404" pitchFamily="49" charset="0"/>
               </a:rPr>
-              <a:t>		“port</a:t>
-            </a:r>
-            <a:r>
-              <a:rPr lang="en-US" dirty="0" smtClean="0">
+              <a:t>password”:”password</a:t>
+            </a:r>
+            <a:r>
+              <a:rPr lang="en-US" sz="1400" dirty="0" smtClean="0">
                 <a:latin typeface="Courier New" panose="02070309020205020404" pitchFamily="49" charset="0"/>
                 <a:cs typeface="Courier New" panose="02070309020205020404" pitchFamily="49" charset="0"/>
               </a:rPr>
-              <a:t>”:</a:t>
-            </a:r>
-            <a:r>
-              <a:rPr lang="en-US" dirty="0" err="1" smtClean="0">
+              <a:t>”,</a:t>
+            </a:r>
+            <a:br>
+              <a:rPr lang="en-US" sz="1400" dirty="0" smtClean="0">
                 <a:latin typeface="Courier New" panose="02070309020205020404" pitchFamily="49" charset="0"/>
                 <a:cs typeface="Courier New" panose="02070309020205020404" pitchFamily="49" charset="0"/>
               </a:rPr>
-              <a:t>int</a:t>
-            </a:r>
-            <a:r>
-              <a:rPr lang="en-US" dirty="0" smtClean="0">
+            </a:br>
+            <a:r>
+              <a:rPr lang="en-US" sz="1400" dirty="0" smtClean="0">
                 <a:latin typeface="Courier New" panose="02070309020205020404" pitchFamily="49" charset="0"/>
                 <a:cs typeface="Courier New" panose="02070309020205020404" pitchFamily="49" charset="0"/>
               </a:rPr>
-              <a:t>,</a:t>
-            </a:r>
-            <a:br>
-              <a:rPr lang="en-US" dirty="0" smtClean="0">
+              <a:t>    “</a:t>
+            </a:r>
+            <a:r>
+              <a:rPr lang="en-US" sz="1400" dirty="0" err="1" smtClean="0">
                 <a:latin typeface="Courier New" panose="02070309020205020404" pitchFamily="49" charset="0"/>
                 <a:cs typeface="Courier New" panose="02070309020205020404" pitchFamily="49" charset="0"/>
               </a:rPr>
-            </a:br>
-            <a:r>
-              <a:rPr lang="en-US" dirty="0" smtClean="0">
+              <a:t>dbName</a:t>
+            </a:r>
+            <a:r>
+              <a:rPr lang="en-US" sz="1400" dirty="0" smtClean="0">
                 <a:latin typeface="Courier New" panose="02070309020205020404" pitchFamily="49" charset="0"/>
                 <a:cs typeface="Courier New" panose="02070309020205020404" pitchFamily="49" charset="0"/>
               </a:rPr>
-              <a:t>		“</a:t>
-            </a:r>
-            <a:r>
-              <a:rPr lang="en-US" dirty="0" err="1" smtClean="0">
+              <a:t>”:”DBNAME”</a:t>
+            </a:r>
+            <a:br>
+              <a:rPr lang="en-US" sz="1400" dirty="0" smtClean="0">
                 <a:latin typeface="Courier New" panose="02070309020205020404" pitchFamily="49" charset="0"/>
                 <a:cs typeface="Courier New" panose="02070309020205020404" pitchFamily="49" charset="0"/>
               </a:rPr>
-              <a:t>ipPort</a:t>
-            </a:r>
-            <a:r>
-              <a:rPr lang="en-US" dirty="0" smtClean="0">
+            </a:br>
+            <a:r>
+              <a:rPr lang="en-US" sz="1400" dirty="0" smtClean="0">
                 <a:latin typeface="Courier New" panose="02070309020205020404" pitchFamily="49" charset="0"/>
                 <a:cs typeface="Courier New" panose="02070309020205020404" pitchFamily="49" charset="0"/>
               </a:rPr>
-              <a:t>”:String(</a:t>
-            </a:r>
-            <a:r>
-              <a:rPr lang="en-US" dirty="0" err="1" smtClean="0">
+              <a:t>    “</a:t>
+            </a:r>
+            <a:r>
+              <a:rPr lang="en-US" sz="1400" dirty="0" err="1" smtClean="0">
                 <a:latin typeface="Courier New" panose="02070309020205020404" pitchFamily="49" charset="0"/>
                 <a:cs typeface="Courier New" panose="02070309020205020404" pitchFamily="49" charset="0"/>
               </a:rPr>
-              <a:t>ip:port</a:t>
-            </a:r>
-            <a:r>
-              <a:rPr lang="en-US" dirty="0">
+              <a:t>serverHook</a:t>
+            </a:r>
+            <a:r>
+              <a:rPr lang="en-US" sz="1400" dirty="0" smtClean="0">
                 <a:latin typeface="Courier New" panose="02070309020205020404" pitchFamily="49" charset="0"/>
                 <a:cs typeface="Courier New" panose="02070309020205020404" pitchFamily="49" charset="0"/>
               </a:rPr>
-              <a:t>)</a:t>
-            </a:r>
-            <a:r>
-              <a:rPr lang="en-US" dirty="0" smtClean="0">
+              <a:t>”:</a:t>
+            </a:r>
+            <a:r>
+              <a:rPr lang="en-US" sz="1400" dirty="0">
                 <a:latin typeface="Courier New" panose="02070309020205020404" pitchFamily="49" charset="0"/>
                 <a:cs typeface="Courier New" panose="02070309020205020404" pitchFamily="49" charset="0"/>
               </a:rPr>
-              <a:t/>
-            </a:r>
-            <a:br>
-              <a:rPr lang="en-US" dirty="0" smtClean="0">
+              <a:t>{“ip”:”192.168.1.101”,”port”:”80</a:t>
+            </a:r>
+            <a:r>
+              <a:rPr lang="en-US" sz="1400" dirty="0" smtClean="0">
                 <a:latin typeface="Courier New" panose="02070309020205020404" pitchFamily="49" charset="0"/>
                 <a:cs typeface="Courier New" panose="02070309020205020404" pitchFamily="49" charset="0"/>
               </a:rPr>
-            </a:br>
-            <a:r>
-              <a:rPr lang="en-US" dirty="0" smtClean="0">
+              <a:t>”},</a:t>
+            </a:r>
+            <a:br>
+              <a:rPr lang="en-US" sz="1400" dirty="0" smtClean="0">
                 <a:latin typeface="Courier New" panose="02070309020205020404" pitchFamily="49" charset="0"/>
                 <a:cs typeface="Courier New" panose="02070309020205020404" pitchFamily="49" charset="0"/>
               </a:rPr>
-              <a:t>		“</a:t>
-            </a:r>
-            <a:r>
-              <a:rPr lang="en-US" dirty="0" err="1" smtClean="0">
+            </a:br>
+            <a:r>
+              <a:rPr lang="en-US" sz="1400" dirty="0" smtClean="0">
                 <a:latin typeface="Courier New" panose="02070309020205020404" pitchFamily="49" charset="0"/>
                 <a:cs typeface="Courier New" panose="02070309020205020404" pitchFamily="49" charset="0"/>
               </a:rPr>
-              <a:t>password”:String</a:t>
-            </a:r>
-            <a:r>
-              <a:rPr lang="en-US" dirty="0" smtClean="0">
+              <a:t>    “</a:t>
+            </a:r>
+            <a:r>
+              <a:rPr lang="en-US" sz="1400" dirty="0" err="1" smtClean="0">
                 <a:latin typeface="Courier New" panose="02070309020205020404" pitchFamily="49" charset="0"/>
                 <a:cs typeface="Courier New" panose="02070309020205020404" pitchFamily="49" charset="0"/>
               </a:rPr>
-              <a:t>(hash)</a:t>
-            </a:r>
-            <a:br>
-              <a:rPr lang="en-US" dirty="0" smtClean="0">
+              <a:t>persistDB</a:t>
+            </a:r>
+            <a:r>
+              <a:rPr lang="en-US" sz="1400" smtClean="0">
                 <a:latin typeface="Courier New" panose="02070309020205020404" pitchFamily="49" charset="0"/>
                 <a:cs typeface="Courier New" panose="02070309020205020404" pitchFamily="49" charset="0"/>
               </a:rPr>
-            </a:br>
-            <a:r>
-              <a:rPr lang="en-US" dirty="0" smtClean="0">
+              <a:t>”:true/false</a:t>
+            </a:r>
+            <a:r>
+              <a:rPr lang="en-US" sz="1400" dirty="0" smtClean="0">
                 <a:latin typeface="Courier New" panose="02070309020205020404" pitchFamily="49" charset="0"/>
                 <a:cs typeface="Courier New" panose="02070309020205020404" pitchFamily="49" charset="0"/>
               </a:rPr>
-              <a:t>		“</a:t>
-            </a:r>
-            <a:r>
-              <a:rPr lang="en-US" dirty="0" err="1" smtClean="0">
+              <a:t/>
+            </a:r>
+            <a:br>
+              <a:rPr lang="en-US" sz="1400" dirty="0" smtClean="0">
                 <a:latin typeface="Courier New" panose="02070309020205020404" pitchFamily="49" charset="0"/>
                 <a:cs typeface="Courier New" panose="02070309020205020404" pitchFamily="49" charset="0"/>
               </a:rPr>
-              <a:t>loggedIn</a:t>
-            </a:r>
-            <a:r>
-              <a:rPr lang="en-US" dirty="0" smtClean="0">
+            </a:br>
+            <a:r>
+              <a:rPr lang="en-US" sz="1400" dirty="0" smtClean="0">
                 <a:latin typeface="Courier New" panose="02070309020205020404" pitchFamily="49" charset="0"/>
                 <a:cs typeface="Courier New" panose="02070309020205020404" pitchFamily="49" charset="0"/>
               </a:rPr>
-              <a:t>”:</a:t>
-            </a:r>
-            <a:r>
-              <a:rPr lang="en-US" dirty="0" err="1" smtClean="0">
-                <a:latin typeface="Courier New" panose="02070309020205020404" pitchFamily="49" charset="0"/>
-                <a:cs typeface="Courier New" panose="02070309020205020404" pitchFamily="49" charset="0"/>
-              </a:rPr>
-              <a:t>boolean</a:t>
-            </a:r>
-            <a:r>
-              <a:rPr lang="en-US" dirty="0" smtClean="0">
-                <a:latin typeface="Courier New" panose="02070309020205020404" pitchFamily="49" charset="0"/>
-                <a:cs typeface="Courier New" panose="02070309020205020404" pitchFamily="49" charset="0"/>
-              </a:rPr>
-              <a:t>,</a:t>
-            </a:r>
-            <a:br>
-              <a:rPr lang="en-US" dirty="0" smtClean="0">
-                <a:latin typeface="Courier New" panose="02070309020205020404" pitchFamily="49" charset="0"/>
-                <a:cs typeface="Courier New" panose="02070309020205020404" pitchFamily="49" charset="0"/>
-              </a:rPr>
-            </a:br>
-            <a:r>
-              <a:rPr lang="en-US" dirty="0" smtClean="0">
-                <a:latin typeface="Courier New" panose="02070309020205020404" pitchFamily="49" charset="0"/>
-                <a:cs typeface="Courier New" panose="02070309020205020404" pitchFamily="49" charset="0"/>
-              </a:rPr>
-              <a:t>		“</a:t>
-            </a:r>
-            <a:r>
-              <a:rPr lang="en-US" dirty="0" err="1" smtClean="0">
-                <a:latin typeface="Courier New" panose="02070309020205020404" pitchFamily="49" charset="0"/>
-                <a:cs typeface="Courier New" panose="02070309020205020404" pitchFamily="49" charset="0"/>
-              </a:rPr>
-              <a:t>sessid</a:t>
-            </a:r>
-            <a:r>
-              <a:rPr lang="en-US" dirty="0" smtClean="0">
-                <a:latin typeface="Courier New" panose="02070309020205020404" pitchFamily="49" charset="0"/>
-                <a:cs typeface="Courier New" panose="02070309020205020404" pitchFamily="49" charset="0"/>
-              </a:rPr>
-              <a:t>”:String(base64),</a:t>
-            </a:r>
-            <a:br>
-              <a:rPr lang="en-US" dirty="0" smtClean="0">
-                <a:latin typeface="Courier New" panose="02070309020205020404" pitchFamily="49" charset="0"/>
-                <a:cs typeface="Courier New" panose="02070309020205020404" pitchFamily="49" charset="0"/>
-              </a:rPr>
-            </a:br>
-            <a:r>
-              <a:rPr lang="en-US" dirty="0" smtClean="0">
-                <a:latin typeface="Courier New" panose="02070309020205020404" pitchFamily="49" charset="0"/>
-                <a:cs typeface="Courier New" panose="02070309020205020404" pitchFamily="49" charset="0"/>
-              </a:rPr>
-              <a:t>		“</a:t>
-            </a:r>
-            <a:r>
-              <a:rPr lang="en-US" dirty="0" err="1" smtClean="0">
-                <a:latin typeface="Courier New" panose="02070309020205020404" pitchFamily="49" charset="0"/>
-                <a:cs typeface="Courier New" panose="02070309020205020404" pitchFamily="49" charset="0"/>
-              </a:rPr>
-              <a:t>heartbeat”:timestamp</a:t>
-            </a:r>
-            <a:r>
-              <a:rPr lang="en-US" dirty="0">
-                <a:latin typeface="Courier New" panose="02070309020205020404" pitchFamily="49" charset="0"/>
-                <a:cs typeface="Courier New" panose="02070309020205020404" pitchFamily="49" charset="0"/>
-              </a:rPr>
-              <a:t/>
-            </a:r>
-            <a:br>
-              <a:rPr lang="en-US" dirty="0">
-                <a:latin typeface="Courier New" panose="02070309020205020404" pitchFamily="49" charset="0"/>
-                <a:cs typeface="Courier New" panose="02070309020205020404" pitchFamily="49" charset="0"/>
-              </a:rPr>
-            </a:br>
-            <a:r>
-              <a:rPr lang="en-US" dirty="0">
-                <a:latin typeface="Courier New" panose="02070309020205020404" pitchFamily="49" charset="0"/>
-                <a:cs typeface="Courier New" panose="02070309020205020404" pitchFamily="49" charset="0"/>
-              </a:rPr>
-              <a:t>	</a:t>
-            </a:r>
-            <a:r>
-              <a:rPr lang="en-US" dirty="0" smtClean="0">
-                <a:latin typeface="Courier New" panose="02070309020205020404" pitchFamily="49" charset="0"/>
-                <a:cs typeface="Courier New" panose="02070309020205020404" pitchFamily="49" charset="0"/>
-              </a:rPr>
               <a:t>}</a:t>
             </a:r>
-            <a:br>
-              <a:rPr lang="en-US" dirty="0" smtClean="0">
-                <a:latin typeface="Courier New" panose="02070309020205020404" pitchFamily="49" charset="0"/>
-                <a:cs typeface="Courier New" panose="02070309020205020404" pitchFamily="49" charset="0"/>
-              </a:rPr>
-            </a:br>
             <a:endParaRPr lang="en-US" dirty="0" smtClean="0">
               <a:latin typeface="Courier New" panose="02070309020205020404" pitchFamily="49" charset="0"/>
               <a:cs typeface="Courier New" panose="02070309020205020404" pitchFamily="49" charset="0"/>
             </a:endParaRPr>
           </a:p>
           <a:p>
-            <a:pPr defTabSz="457200">
-              <a:lnSpc>
-                <a:spcPct val="110000"/>
-              </a:lnSpc>
-            </a:pPr>
-            <a:r>
-              <a:rPr lang="en-US" dirty="0" err="1" smtClean="0">
-                <a:cs typeface="Courier New" panose="02070309020205020404" pitchFamily="49" charset="0"/>
-              </a:rPr>
-              <a:t>Dibutuhkan</a:t>
-            </a:r>
-            <a:r>
-              <a:rPr lang="en-US" dirty="0" smtClean="0">
-                <a:cs typeface="Courier New" panose="02070309020205020404" pitchFamily="49" charset="0"/>
-              </a:rPr>
-              <a:t> </a:t>
-            </a:r>
-            <a:r>
-              <a:rPr lang="en-US" dirty="0" err="1" smtClean="0">
-                <a:cs typeface="Courier New" panose="02070309020205020404" pitchFamily="49" charset="0"/>
-              </a:rPr>
-              <a:t>ipPort</a:t>
-            </a:r>
-            <a:r>
-              <a:rPr lang="en-US" dirty="0" smtClean="0">
-                <a:cs typeface="Courier New" panose="02070309020205020404" pitchFamily="49" charset="0"/>
-              </a:rPr>
-              <a:t> </a:t>
-            </a:r>
-            <a:r>
-              <a:rPr lang="en-US" dirty="0" err="1" smtClean="0">
-                <a:cs typeface="Courier New" panose="02070309020205020404" pitchFamily="49" charset="0"/>
-              </a:rPr>
-              <a:t>karena</a:t>
-            </a:r>
-            <a:r>
-              <a:rPr lang="en-US" dirty="0" smtClean="0">
-                <a:cs typeface="Courier New" panose="02070309020205020404" pitchFamily="49" charset="0"/>
-              </a:rPr>
-              <a:t> database yang </a:t>
-            </a:r>
-            <a:r>
-              <a:rPr lang="en-US" dirty="0" err="1" smtClean="0">
-                <a:cs typeface="Courier New" panose="02070309020205020404" pitchFamily="49" charset="0"/>
-              </a:rPr>
-              <a:t>digunakan</a:t>
-            </a:r>
-            <a:r>
-              <a:rPr lang="en-US" dirty="0" smtClean="0">
-                <a:cs typeface="Courier New" panose="02070309020205020404" pitchFamily="49" charset="0"/>
-              </a:rPr>
-              <a:t> </a:t>
-            </a:r>
-            <a:r>
-              <a:rPr lang="en-US" dirty="0" err="1" smtClean="0">
-                <a:cs typeface="Courier New" panose="02070309020205020404" pitchFamily="49" charset="0"/>
-              </a:rPr>
-              <a:t>hanya</a:t>
-            </a:r>
-            <a:r>
-              <a:rPr lang="en-US" dirty="0" smtClean="0">
-                <a:cs typeface="Courier New" panose="02070309020205020404" pitchFamily="49" charset="0"/>
-              </a:rPr>
-              <a:t> </a:t>
-            </a:r>
-            <a:r>
-              <a:rPr lang="en-US" dirty="0" err="1" smtClean="0">
-                <a:cs typeface="Courier New" panose="02070309020205020404" pitchFamily="49" charset="0"/>
-              </a:rPr>
-              <a:t>dapat</a:t>
-            </a:r>
-            <a:r>
-              <a:rPr lang="en-US" dirty="0" smtClean="0">
-                <a:cs typeface="Courier New" panose="02070309020205020404" pitchFamily="49" charset="0"/>
-              </a:rPr>
-              <a:t> </a:t>
-            </a:r>
-            <a:r>
-              <a:rPr lang="en-US" dirty="0" err="1" smtClean="0">
-                <a:cs typeface="Courier New" panose="02070309020205020404" pitchFamily="49" charset="0"/>
-              </a:rPr>
-              <a:t>memberikan</a:t>
-            </a:r>
-            <a:r>
-              <a:rPr lang="en-US" dirty="0" smtClean="0">
-                <a:cs typeface="Courier New" panose="02070309020205020404" pitchFamily="49" charset="0"/>
-              </a:rPr>
-              <a:t> unique index per field, </a:t>
-            </a:r>
-            <a:r>
-              <a:rPr lang="en-US" dirty="0" err="1" smtClean="0">
-                <a:cs typeface="Courier New" panose="02070309020205020404" pitchFamily="49" charset="0"/>
-              </a:rPr>
-              <a:t>bukan</a:t>
-            </a:r>
-            <a:r>
-              <a:rPr lang="en-US" dirty="0" smtClean="0">
-                <a:cs typeface="Courier New" panose="02070309020205020404" pitchFamily="49" charset="0"/>
-              </a:rPr>
-              <a:t> </a:t>
-            </a:r>
-            <a:r>
-              <a:rPr lang="en-US" dirty="0" err="1" smtClean="0">
-                <a:cs typeface="Courier New" panose="02070309020205020404" pitchFamily="49" charset="0"/>
-              </a:rPr>
-              <a:t>gabungan</a:t>
-            </a:r>
-            <a:r>
-              <a:rPr lang="en-US" dirty="0" smtClean="0">
-                <a:cs typeface="Courier New" panose="02070309020205020404" pitchFamily="49" charset="0"/>
-              </a:rPr>
-              <a:t> </a:t>
-            </a:r>
-            <a:r>
-              <a:rPr lang="en-US" dirty="0" err="1" smtClean="0">
-                <a:cs typeface="Courier New" panose="02070309020205020404" pitchFamily="49" charset="0"/>
-              </a:rPr>
-              <a:t>dari</a:t>
-            </a:r>
-            <a:r>
-              <a:rPr lang="en-US" dirty="0" smtClean="0">
-                <a:cs typeface="Courier New" panose="02070309020205020404" pitchFamily="49" charset="0"/>
-              </a:rPr>
-              <a:t> </a:t>
-            </a:r>
-            <a:r>
-              <a:rPr lang="en-US" dirty="0" err="1" smtClean="0">
-                <a:cs typeface="Courier New" panose="02070309020205020404" pitchFamily="49" charset="0"/>
-              </a:rPr>
-              <a:t>berapa</a:t>
-            </a:r>
-            <a:r>
-              <a:rPr lang="en-US" dirty="0" smtClean="0">
-                <a:cs typeface="Courier New" panose="02070309020205020404" pitchFamily="49" charset="0"/>
-              </a:rPr>
-              <a:t> field </a:t>
-            </a:r>
-            <a:r>
-              <a:rPr lang="en-US" dirty="0" err="1" smtClean="0">
-                <a:cs typeface="Courier New" panose="02070309020205020404" pitchFamily="49" charset="0"/>
-              </a:rPr>
-              <a:t>seperti</a:t>
-            </a:r>
-            <a:r>
-              <a:rPr lang="en-US" dirty="0" smtClean="0">
-                <a:cs typeface="Courier New" panose="02070309020205020404" pitchFamily="49" charset="0"/>
-              </a:rPr>
-              <a:t> </a:t>
-            </a:r>
-            <a:r>
-              <a:rPr lang="en-US" dirty="0" err="1" smtClean="0">
-                <a:cs typeface="Courier New" panose="02070309020205020404" pitchFamily="49" charset="0"/>
-              </a:rPr>
-              <a:t>pada</a:t>
-            </a:r>
-            <a:r>
-              <a:rPr lang="en-US" dirty="0" smtClean="0">
-                <a:cs typeface="Courier New" panose="02070309020205020404" pitchFamily="49" charset="0"/>
-              </a:rPr>
-              <a:t> DBMS </a:t>
-            </a:r>
-            <a:r>
-              <a:rPr lang="en-US" dirty="0" err="1" smtClean="0">
-                <a:cs typeface="Courier New" panose="02070309020205020404" pitchFamily="49" charset="0"/>
-              </a:rPr>
-              <a:t>berbasis</a:t>
-            </a:r>
-            <a:r>
-              <a:rPr lang="en-US" dirty="0" smtClean="0">
-                <a:cs typeface="Courier New" panose="02070309020205020404" pitchFamily="49" charset="0"/>
-              </a:rPr>
-              <a:t> SQL. </a:t>
-            </a:r>
-            <a:r>
-              <a:rPr lang="en-US" dirty="0" err="1" smtClean="0">
-                <a:cs typeface="Courier New" panose="02070309020205020404" pitchFamily="49" charset="0"/>
-              </a:rPr>
-              <a:t>ip</a:t>
-            </a:r>
-            <a:r>
-              <a:rPr lang="en-US" dirty="0" smtClean="0">
-                <a:cs typeface="Courier New" panose="02070309020205020404" pitchFamily="49" charset="0"/>
-              </a:rPr>
-              <a:t> </a:t>
-            </a:r>
-            <a:r>
-              <a:rPr lang="en-US" dirty="0" err="1" smtClean="0">
-                <a:cs typeface="Courier New" panose="02070309020205020404" pitchFamily="49" charset="0"/>
-              </a:rPr>
-              <a:t>dan</a:t>
-            </a:r>
-            <a:r>
-              <a:rPr lang="en-US" dirty="0" smtClean="0">
-                <a:cs typeface="Courier New" panose="02070309020205020404" pitchFamily="49" charset="0"/>
-              </a:rPr>
-              <a:t> port </a:t>
-            </a:r>
-            <a:r>
-              <a:rPr lang="en-US" dirty="0" err="1" smtClean="0">
-                <a:cs typeface="Courier New" panose="02070309020205020404" pitchFamily="49" charset="0"/>
-              </a:rPr>
-              <a:t>tetap</a:t>
-            </a:r>
-            <a:r>
-              <a:rPr lang="en-US" dirty="0" smtClean="0">
-                <a:cs typeface="Courier New" panose="02070309020205020404" pitchFamily="49" charset="0"/>
-              </a:rPr>
-              <a:t> </a:t>
-            </a:r>
-            <a:r>
-              <a:rPr lang="en-US" dirty="0" err="1" smtClean="0">
-                <a:cs typeface="Courier New" panose="02070309020205020404" pitchFamily="49" charset="0"/>
-              </a:rPr>
-              <a:t>ada</a:t>
-            </a:r>
-            <a:r>
-              <a:rPr lang="en-US" dirty="0" smtClean="0">
-                <a:cs typeface="Courier New" panose="02070309020205020404" pitchFamily="49" charset="0"/>
-              </a:rPr>
-              <a:t> </a:t>
-            </a:r>
-            <a:r>
-              <a:rPr lang="en-US" dirty="0" err="1" smtClean="0">
-                <a:cs typeface="Courier New" panose="02070309020205020404" pitchFamily="49" charset="0"/>
-              </a:rPr>
-              <a:t>supaya</a:t>
-            </a:r>
-            <a:r>
-              <a:rPr lang="en-US" dirty="0" smtClean="0">
-                <a:cs typeface="Courier New" panose="02070309020205020404" pitchFamily="49" charset="0"/>
-              </a:rPr>
-              <a:t> </a:t>
-            </a:r>
-            <a:r>
-              <a:rPr lang="en-US" dirty="0" err="1" smtClean="0">
-                <a:cs typeface="Courier New" panose="02070309020205020404" pitchFamily="49" charset="0"/>
-              </a:rPr>
-              <a:t>tidak</a:t>
-            </a:r>
-            <a:r>
-              <a:rPr lang="en-US" dirty="0" smtClean="0">
-                <a:cs typeface="Courier New" panose="02070309020205020404" pitchFamily="49" charset="0"/>
-              </a:rPr>
-              <a:t> </a:t>
-            </a:r>
-            <a:r>
-              <a:rPr lang="en-US" dirty="0" err="1" smtClean="0">
-                <a:cs typeface="Courier New" panose="02070309020205020404" pitchFamily="49" charset="0"/>
-              </a:rPr>
-              <a:t>perlu</a:t>
-            </a:r>
-            <a:r>
-              <a:rPr lang="en-US" dirty="0" smtClean="0">
-                <a:cs typeface="Courier New" panose="02070309020205020404" pitchFamily="49" charset="0"/>
-              </a:rPr>
-              <a:t> parsing.</a:t>
-            </a:r>
-            <a:endParaRPr lang="en-US" dirty="0">
+            <a:pPr lvl="1"/>
+            <a:endParaRPr lang="en-US" dirty="0" smtClean="0"/>
+          </a:p>
+          <a:p>
+            <a:endParaRPr lang="en-US" sz="1800" dirty="0">
+              <a:latin typeface="Courier New" panose="02070309020205020404" pitchFamily="49" charset="0"/>
               <a:cs typeface="Courier New" panose="02070309020205020404" pitchFamily="49" charset="0"/>
             </a:endParaRPr>
+          </a:p>
+          <a:p>
+            <a:r>
+              <a:rPr lang="en-US" b="1" dirty="0" err="1" smtClean="0"/>
+              <a:t>Keterangan</a:t>
+            </a:r>
+            <a:r>
+              <a:rPr lang="en-US" b="1" dirty="0" smtClean="0"/>
+              <a:t>:</a:t>
+            </a:r>
+            <a:r>
+              <a:rPr lang="en-US" dirty="0" smtClean="0"/>
+              <a:t> </a:t>
+            </a:r>
+            <a:r>
+              <a:rPr lang="en-US" b="1" i="1" dirty="0" smtClean="0"/>
+              <a:t>x</a:t>
+            </a:r>
+            <a:r>
+              <a:rPr lang="en-US" dirty="0" smtClean="0"/>
+              <a:t> </a:t>
+            </a:r>
+            <a:r>
+              <a:rPr lang="en-US" dirty="0" err="1" smtClean="0"/>
+              <a:t>menandakan</a:t>
+            </a:r>
+            <a:r>
+              <a:rPr lang="en-US" dirty="0" smtClean="0"/>
+              <a:t> </a:t>
+            </a:r>
+            <a:r>
+              <a:rPr lang="en-US" dirty="0" err="1" smtClean="0"/>
+              <a:t>nomor</a:t>
+            </a:r>
+            <a:r>
+              <a:rPr lang="en-US" dirty="0" smtClean="0"/>
+              <a:t> server.</a:t>
+            </a:r>
+            <a:br>
+              <a:rPr lang="en-US" dirty="0" smtClean="0"/>
+            </a:br>
+            <a:r>
+              <a:rPr lang="en-US" sz="2000" b="1" dirty="0" err="1" smtClean="0"/>
+              <a:t>Misal</a:t>
+            </a:r>
+            <a:r>
+              <a:rPr lang="en-US" sz="2000" b="1" dirty="0" smtClean="0"/>
+              <a:t>:</a:t>
+            </a:r>
+            <a:r>
+              <a:rPr lang="en-US" sz="2000" dirty="0" smtClean="0"/>
+              <a:t> </a:t>
+            </a:r>
+            <a:r>
+              <a:rPr lang="en-US" sz="2000" dirty="0" err="1" smtClean="0"/>
+              <a:t>untuk</a:t>
+            </a:r>
+            <a:r>
+              <a:rPr lang="en-US" sz="2000" dirty="0" smtClean="0"/>
+              <a:t> </a:t>
+            </a:r>
+            <a:r>
+              <a:rPr lang="en-US" sz="2000" i="1" dirty="0" smtClean="0"/>
+              <a:t>server1</a:t>
+            </a:r>
+            <a:r>
+              <a:rPr lang="en-US" sz="2000" dirty="0" smtClean="0"/>
+              <a:t>, </a:t>
+            </a:r>
+            <a:r>
+              <a:rPr lang="en-US" sz="2000" dirty="0" err="1" smtClean="0"/>
+              <a:t>nama</a:t>
+            </a:r>
+            <a:r>
+              <a:rPr lang="en-US" sz="2000" dirty="0" smtClean="0"/>
+              <a:t> </a:t>
+            </a:r>
+            <a:r>
+              <a:rPr lang="en-US" sz="2000" dirty="0" err="1" smtClean="0"/>
+              <a:t>filenya</a:t>
+            </a:r>
+            <a:r>
+              <a:rPr lang="en-US" sz="2000" dirty="0" smtClean="0"/>
+              <a:t> </a:t>
+            </a:r>
+            <a:r>
+              <a:rPr lang="en-US" sz="2000" dirty="0" err="1" smtClean="0"/>
+              <a:t>adalah</a:t>
+            </a:r>
+            <a:r>
+              <a:rPr lang="en-US" sz="2000" dirty="0" smtClean="0"/>
+              <a:t> </a:t>
+            </a:r>
+            <a:r>
+              <a:rPr lang="en-US" sz="2000" b="1" i="1" dirty="0" smtClean="0"/>
+              <a:t>server1.cfg</a:t>
+            </a:r>
+            <a:endParaRPr lang="en-US" b="1" i="1" dirty="0"/>
           </a:p>
         </p:txBody>
       </p:sp>
     </p:spTree>
     <p:extLst>
       <p:ext uri="{BB962C8B-B14F-4D97-AF65-F5344CB8AC3E}">
-        <p14:creationId xmlns:p14="http://schemas.microsoft.com/office/powerpoint/2010/main" val="267300186"/>
+        <p14:creationId xmlns:p14="http://schemas.microsoft.com/office/powerpoint/2010/main" val="2128604457"/>
       </p:ext>
     </p:extLst>
   </p:cSld>
@@ -16263,9 +16425,10 @@
           <a:lstStyle/>
           <a:p>
             <a:r>
-              <a:rPr lang="en-US" b="1" dirty="0"/>
+              <a:rPr lang="en-US" b="1" dirty="0" smtClean="0"/>
               <a:t>Format Database</a:t>
             </a:r>
+            <a:endParaRPr lang="en-US" b="1" dirty="0"/>
           </a:p>
         </p:txBody>
       </p:sp>
@@ -16282,13 +16445,13 @@
         <p:spPr/>
         <p:txBody>
           <a:bodyPr>
-            <a:normAutofit fontScale="92500" lnSpcReduction="20000"/>
+            <a:normAutofit fontScale="62500" lnSpcReduction="20000"/>
           </a:bodyPr>
           <a:lstStyle/>
           <a:p>
             <a:pPr defTabSz="457200">
               <a:lnSpc>
-                <a:spcPct val="120000"/>
+                <a:spcPct val="110000"/>
               </a:lnSpc>
             </a:pPr>
             <a:r>
@@ -16305,7 +16468,7 @@
             </a:r>
             <a:r>
               <a:rPr lang="en-US" b="1" i="1" dirty="0" smtClean="0"/>
-              <a:t>user</a:t>
+              <a:t>server</a:t>
             </a:r>
             <a:r>
               <a:rPr lang="en-US" dirty="0" smtClean="0"/>
@@ -16333,7 +16496,7 @@
             </a:r>
             <a:r>
               <a:rPr lang="en-US" dirty="0" smtClean="0"/>
-              <a:t> ‘user’ </a:t>
+              <a:t> ‘server’ </a:t>
             </a:r>
             <a:r>
               <a:rPr lang="en-US" dirty="0" err="1" smtClean="0"/>
@@ -16355,261 +16518,556 @@
               <a:rPr lang="en-US" dirty="0" smtClean="0"/>
             </a:br>
             <a:r>
-              <a:rPr lang="en-US" sz="2600" dirty="0" smtClean="0"/>
+              <a:rPr lang="en-US" dirty="0" smtClean="0"/>
               <a:t/>
             </a:r>
             <a:br>
-              <a:rPr lang="en-US" sz="2600" dirty="0" smtClean="0"/>
+              <a:rPr lang="en-US" dirty="0" smtClean="0"/>
             </a:br>
             <a:r>
-              <a:rPr lang="en-US" sz="2600" dirty="0">
+              <a:rPr lang="en-US" dirty="0">
                 <a:latin typeface="Courier New" panose="02070309020205020404" pitchFamily="49" charset="0"/>
                 <a:cs typeface="Courier New" panose="02070309020205020404" pitchFamily="49" charset="0"/>
               </a:rPr>
               <a:t>	{</a:t>
             </a:r>
             <a:br>
-              <a:rPr lang="en-US" sz="2600" dirty="0">
+              <a:rPr lang="en-US" dirty="0">
                 <a:latin typeface="Courier New" panose="02070309020205020404" pitchFamily="49" charset="0"/>
                 <a:cs typeface="Courier New" panose="02070309020205020404" pitchFamily="49" charset="0"/>
               </a:rPr>
             </a:br>
             <a:r>
-              <a:rPr lang="en-US" sz="2600" dirty="0">
+              <a:rPr lang="en-US" dirty="0">
                 <a:latin typeface="Courier New" panose="02070309020205020404" pitchFamily="49" charset="0"/>
                 <a:cs typeface="Courier New" panose="02070309020205020404" pitchFamily="49" charset="0"/>
               </a:rPr>
               <a:t>		</a:t>
             </a:r>
             <a:r>
-              <a:rPr lang="en-US" sz="2600" dirty="0" smtClean="0">
+              <a:rPr lang="en-US" dirty="0" smtClean="0">
                 <a:latin typeface="Courier New" panose="02070309020205020404" pitchFamily="49" charset="0"/>
                 <a:cs typeface="Courier New" panose="02070309020205020404" pitchFamily="49" charset="0"/>
               </a:rPr>
               <a:t>“</a:t>
             </a:r>
             <a:r>
-              <a:rPr lang="en-US" sz="2600" dirty="0" err="1" smtClean="0">
+              <a:rPr lang="en-US" dirty="0" err="1" smtClean="0">
                 <a:latin typeface="Courier New" panose="02070309020205020404" pitchFamily="49" charset="0"/>
                 <a:cs typeface="Courier New" panose="02070309020205020404" pitchFamily="49" charset="0"/>
               </a:rPr>
-              <a:t>username”:String</a:t>
-            </a:r>
-            <a:r>
-              <a:rPr lang="en-US" sz="2600" dirty="0" smtClean="0">
+              <a:t>ip</a:t>
+            </a:r>
+            <a:r>
+              <a:rPr lang="en-US" dirty="0" smtClean="0">
                 <a:latin typeface="Courier New" panose="02070309020205020404" pitchFamily="49" charset="0"/>
                 <a:cs typeface="Courier New" panose="02070309020205020404" pitchFamily="49" charset="0"/>
               </a:rPr>
-              <a:t>,</a:t>
+              <a:t>”:String,</a:t>
             </a:r>
             <a:br>
-              <a:rPr lang="en-US" sz="2600" dirty="0" smtClean="0">
+              <a:rPr lang="en-US" dirty="0" smtClean="0">
                 <a:latin typeface="Courier New" panose="02070309020205020404" pitchFamily="49" charset="0"/>
                 <a:cs typeface="Courier New" panose="02070309020205020404" pitchFamily="49" charset="0"/>
               </a:rPr>
             </a:br>
             <a:r>
-              <a:rPr lang="en-US" sz="2600" dirty="0" smtClean="0">
+              <a:rPr lang="en-US" dirty="0">
                 <a:latin typeface="Courier New" panose="02070309020205020404" pitchFamily="49" charset="0"/>
                 <a:cs typeface="Courier New" panose="02070309020205020404" pitchFamily="49" charset="0"/>
               </a:rPr>
-              <a:t>		“</a:t>
-            </a:r>
-            <a:r>
-              <a:rPr lang="en-US" sz="2600" dirty="0" err="1" smtClean="0">
+              <a:t>		“port</a:t>
+            </a:r>
+            <a:r>
+              <a:rPr lang="en-US" dirty="0" smtClean="0">
                 <a:latin typeface="Courier New" panose="02070309020205020404" pitchFamily="49" charset="0"/>
                 <a:cs typeface="Courier New" panose="02070309020205020404" pitchFamily="49" charset="0"/>
               </a:rPr>
-              <a:t>password”:String</a:t>
-            </a:r>
-            <a:r>
-              <a:rPr lang="en-US" sz="2600" dirty="0" smtClean="0">
+              <a:t>”:</a:t>
+            </a:r>
+            <a:r>
+              <a:rPr lang="en-US" dirty="0" err="1" smtClean="0">
                 <a:latin typeface="Courier New" panose="02070309020205020404" pitchFamily="49" charset="0"/>
                 <a:cs typeface="Courier New" panose="02070309020205020404" pitchFamily="49" charset="0"/>
               </a:rPr>
-              <a:t>(hash</a:t>
-            </a:r>
-            <a:r>
-              <a:rPr lang="en-US" sz="2600" dirty="0" smtClean="0">
+              <a:t>int</a:t>
+            </a:r>
+            <a:r>
+              <a:rPr lang="en-US" dirty="0" smtClean="0">
                 <a:latin typeface="Courier New" panose="02070309020205020404" pitchFamily="49" charset="0"/>
                 <a:cs typeface="Courier New" panose="02070309020205020404" pitchFamily="49" charset="0"/>
               </a:rPr>
-              <a:t>)</a:t>
-            </a:r>
-            <a:r>
-              <a:rPr lang="en-US" sz="2600" dirty="0" smtClean="0">
+              <a:t>,</a:t>
+            </a:r>
+            <a:br>
+              <a:rPr lang="en-US" dirty="0" smtClean="0">
                 <a:latin typeface="Courier New" panose="02070309020205020404" pitchFamily="49" charset="0"/>
                 <a:cs typeface="Courier New" panose="02070309020205020404" pitchFamily="49" charset="0"/>
               </a:rPr>
-              <a:t/>
-            </a:r>
-            <a:br>
-              <a:rPr lang="en-US" sz="2600" dirty="0" smtClean="0">
+            </a:br>
+            <a:r>
+              <a:rPr lang="en-US" dirty="0" smtClean="0">
                 <a:latin typeface="Courier New" panose="02070309020205020404" pitchFamily="49" charset="0"/>
                 <a:cs typeface="Courier New" panose="02070309020205020404" pitchFamily="49" charset="0"/>
               </a:rPr>
-            </a:br>
-            <a:r>
-              <a:rPr lang="en-US" sz="2600" dirty="0" smtClean="0">
+              <a:t>		“</a:t>
+            </a:r>
+            <a:r>
+              <a:rPr lang="en-US" dirty="0" err="1" smtClean="0">
                 <a:latin typeface="Courier New" panose="02070309020205020404" pitchFamily="49" charset="0"/>
                 <a:cs typeface="Courier New" panose="02070309020205020404" pitchFamily="49" charset="0"/>
               </a:rPr>
-              <a:t>		“</a:t>
-            </a:r>
-            <a:r>
-              <a:rPr lang="en-US" sz="2600" dirty="0" err="1" smtClean="0">
+              <a:t>ipPort</a:t>
+            </a:r>
+            <a:r>
+              <a:rPr lang="en-US" dirty="0" smtClean="0">
                 <a:latin typeface="Courier New" panose="02070309020205020404" pitchFamily="49" charset="0"/>
                 <a:cs typeface="Courier New" panose="02070309020205020404" pitchFamily="49" charset="0"/>
               </a:rPr>
-              <a:t>loggedIn</a:t>
-            </a:r>
-            <a:r>
-              <a:rPr lang="en-US" sz="2600" dirty="0" smtClean="0">
+              <a:t>”:String(</a:t>
+            </a:r>
+            <a:r>
+              <a:rPr lang="en-US" dirty="0" err="1" smtClean="0">
                 <a:latin typeface="Courier New" panose="02070309020205020404" pitchFamily="49" charset="0"/>
                 <a:cs typeface="Courier New" panose="02070309020205020404" pitchFamily="49" charset="0"/>
               </a:rPr>
-              <a:t>”:</a:t>
-            </a:r>
-            <a:r>
-              <a:rPr lang="en-US" sz="2600" dirty="0" err="1" smtClean="0">
+              <a:t>ip:port</a:t>
+            </a:r>
+            <a:r>
+              <a:rPr lang="en-US" dirty="0">
                 <a:latin typeface="Courier New" panose="02070309020205020404" pitchFamily="49" charset="0"/>
                 <a:cs typeface="Courier New" panose="02070309020205020404" pitchFamily="49" charset="0"/>
               </a:rPr>
-              <a:t>boolean</a:t>
-            </a:r>
-            <a:r>
-              <a:rPr lang="en-US" sz="2600" dirty="0" smtClean="0">
+              <a:t>)</a:t>
+            </a:r>
+            <a:r>
+              <a:rPr lang="en-US" dirty="0" smtClean="0">
                 <a:latin typeface="Courier New" panose="02070309020205020404" pitchFamily="49" charset="0"/>
                 <a:cs typeface="Courier New" panose="02070309020205020404" pitchFamily="49" charset="0"/>
               </a:rPr>
-              <a:t>,</a:t>
+              <a:t/>
             </a:r>
             <a:br>
-              <a:rPr lang="en-US" sz="2600" dirty="0" smtClean="0">
+              <a:rPr lang="en-US" dirty="0" smtClean="0">
                 <a:latin typeface="Courier New" panose="02070309020205020404" pitchFamily="49" charset="0"/>
                 <a:cs typeface="Courier New" panose="02070309020205020404" pitchFamily="49" charset="0"/>
               </a:rPr>
             </a:br>
             <a:r>
-              <a:rPr lang="en-US" sz="2600" dirty="0" smtClean="0">
+              <a:rPr lang="en-US" dirty="0" smtClean="0">
                 <a:latin typeface="Courier New" panose="02070309020205020404" pitchFamily="49" charset="0"/>
                 <a:cs typeface="Courier New" panose="02070309020205020404" pitchFamily="49" charset="0"/>
               </a:rPr>
               <a:t>		“</a:t>
             </a:r>
             <a:r>
-              <a:rPr lang="en-US" sz="2600" dirty="0" err="1" smtClean="0">
+              <a:rPr lang="en-US" dirty="0" err="1" smtClean="0">
                 <a:latin typeface="Courier New" panose="02070309020205020404" pitchFamily="49" charset="0"/>
                 <a:cs typeface="Courier New" panose="02070309020205020404" pitchFamily="49" charset="0"/>
               </a:rPr>
-              <a:t>sessid</a:t>
-            </a:r>
-            <a:r>
-              <a:rPr lang="en-US" sz="2600" dirty="0" smtClean="0">
+              <a:t>password”:String</a:t>
+            </a:r>
+            <a:r>
+              <a:rPr lang="en-US" dirty="0" smtClean="0">
                 <a:latin typeface="Courier New" panose="02070309020205020404" pitchFamily="49" charset="0"/>
                 <a:cs typeface="Courier New" panose="02070309020205020404" pitchFamily="49" charset="0"/>
               </a:rPr>
-              <a:t>”:String(base64),</a:t>
+              <a:t>(hash)</a:t>
             </a:r>
             <a:br>
-              <a:rPr lang="en-US" sz="2600" dirty="0" smtClean="0">
+              <a:rPr lang="en-US" dirty="0" smtClean="0">
                 <a:latin typeface="Courier New" panose="02070309020205020404" pitchFamily="49" charset="0"/>
                 <a:cs typeface="Courier New" panose="02070309020205020404" pitchFamily="49" charset="0"/>
               </a:rPr>
             </a:br>
             <a:r>
-              <a:rPr lang="en-US" sz="2600" dirty="0" smtClean="0">
+              <a:rPr lang="en-US" dirty="0" smtClean="0">
                 <a:latin typeface="Courier New" panose="02070309020205020404" pitchFamily="49" charset="0"/>
                 <a:cs typeface="Courier New" panose="02070309020205020404" pitchFamily="49" charset="0"/>
               </a:rPr>
               <a:t>		“</a:t>
             </a:r>
             <a:r>
-              <a:rPr lang="en-US" sz="2600" dirty="0" err="1" smtClean="0">
+              <a:rPr lang="en-US" dirty="0" err="1" smtClean="0">
                 <a:latin typeface="Courier New" panose="02070309020205020404" pitchFamily="49" charset="0"/>
                 <a:cs typeface="Courier New" panose="02070309020205020404" pitchFamily="49" charset="0"/>
               </a:rPr>
-              <a:t>heartbeat”:timestamp</a:t>
-            </a:r>
-            <a:r>
-              <a:rPr lang="en-US" sz="2600" dirty="0" smtClean="0">
+              <a:t>loggedIn</a:t>
+            </a:r>
+            <a:r>
+              <a:rPr lang="en-US" dirty="0" smtClean="0">
                 <a:latin typeface="Courier New" panose="02070309020205020404" pitchFamily="49" charset="0"/>
                 <a:cs typeface="Courier New" panose="02070309020205020404" pitchFamily="49" charset="0"/>
               </a:rPr>
-              <a:t>,</a:t>
-            </a:r>
-            <a:br>
-              <a:rPr lang="en-US" sz="2600" dirty="0" smtClean="0">
+              <a:t>”:</a:t>
+            </a:r>
+            <a:r>
+              <a:rPr lang="en-US" dirty="0" err="1" smtClean="0">
                 <a:latin typeface="Courier New" panose="02070309020205020404" pitchFamily="49" charset="0"/>
                 <a:cs typeface="Courier New" panose="02070309020205020404" pitchFamily="49" charset="0"/>
               </a:rPr>
-            </a:br>
-            <a:r>
-              <a:rPr lang="en-US" sz="2600" dirty="0" smtClean="0">
+              <a:t>boolean</a:t>
+            </a:r>
+            <a:r>
+              <a:rPr lang="en-US" dirty="0" smtClean="0">
                 <a:latin typeface="Courier New" panose="02070309020205020404" pitchFamily="49" charset="0"/>
                 <a:cs typeface="Courier New" panose="02070309020205020404" pitchFamily="49" charset="0"/>
               </a:rPr>
-              <a:t>		“</a:t>
-            </a:r>
-            <a:r>
-              <a:rPr lang="en-US" sz="2600" dirty="0" err="1" smtClean="0">
+              <a:t>,</a:t>
+            </a:r>
+            <a:br>
+              <a:rPr lang="en-US" dirty="0" smtClean="0">
                 <a:latin typeface="Courier New" panose="02070309020205020404" pitchFamily="49" charset="0"/>
                 <a:cs typeface="Courier New" panose="02070309020205020404" pitchFamily="49" charset="0"/>
               </a:rPr>
-              <a:t>handledByMe</a:t>
-            </a:r>
-            <a:r>
-              <a:rPr lang="en-US" sz="2600" dirty="0" smtClean="0">
+            </a:br>
+            <a:r>
+              <a:rPr lang="en-US" dirty="0" smtClean="0">
                 <a:latin typeface="Courier New" panose="02070309020205020404" pitchFamily="49" charset="0"/>
                 <a:cs typeface="Courier New" panose="02070309020205020404" pitchFamily="49" charset="0"/>
               </a:rPr>
-              <a:t>”:</a:t>
-            </a:r>
-            <a:r>
-              <a:rPr lang="en-US" sz="2600" dirty="0" err="1" smtClean="0">
+              <a:t>		“</a:t>
+            </a:r>
+            <a:r>
+              <a:rPr lang="en-US" dirty="0" err="1" smtClean="0">
                 <a:latin typeface="Courier New" panose="02070309020205020404" pitchFamily="49" charset="0"/>
                 <a:cs typeface="Courier New" panose="02070309020205020404" pitchFamily="49" charset="0"/>
               </a:rPr>
-              <a:t>boolean</a:t>
-            </a:r>
-            <a:r>
-              <a:rPr lang="en-US" sz="2600" dirty="0">
+              <a:t>sessid</a:t>
+            </a:r>
+            <a:r>
+              <a:rPr lang="en-US" dirty="0" smtClean="0">
                 <a:latin typeface="Courier New" panose="02070309020205020404" pitchFamily="49" charset="0"/>
                 <a:cs typeface="Courier New" panose="02070309020205020404" pitchFamily="49" charset="0"/>
               </a:rPr>
-              <a:t/>
+              <a:t>”:String(base64),</a:t>
             </a:r>
             <a:br>
-              <a:rPr lang="en-US" sz="2600" dirty="0">
+              <a:rPr lang="en-US" dirty="0" smtClean="0">
                 <a:latin typeface="Courier New" panose="02070309020205020404" pitchFamily="49" charset="0"/>
                 <a:cs typeface="Courier New" panose="02070309020205020404" pitchFamily="49" charset="0"/>
               </a:rPr>
             </a:br>
             <a:r>
-              <a:rPr lang="en-US" sz="2600" dirty="0">
+              <a:rPr lang="en-US" dirty="0" smtClean="0">
                 <a:latin typeface="Courier New" panose="02070309020205020404" pitchFamily="49" charset="0"/>
                 <a:cs typeface="Courier New" panose="02070309020205020404" pitchFamily="49" charset="0"/>
               </a:rPr>
-              <a:t>	</a:t>
-            </a:r>
-            <a:r>
-              <a:rPr lang="en-US" sz="2600" dirty="0" smtClean="0">
+              <a:t>		“</a:t>
+            </a:r>
+            <a:r>
+              <a:rPr lang="en-US" dirty="0" err="1" smtClean="0">
                 <a:latin typeface="Courier New" panose="02070309020205020404" pitchFamily="49" charset="0"/>
                 <a:cs typeface="Courier New" panose="02070309020205020404" pitchFamily="49" charset="0"/>
               </a:rPr>
+              <a:t>heartbeat”:timestamp</a:t>
+            </a:r>
+            <a:r>
+              <a:rPr lang="en-US" dirty="0">
+                <a:latin typeface="Courier New" panose="02070309020205020404" pitchFamily="49" charset="0"/>
+                <a:cs typeface="Courier New" panose="02070309020205020404" pitchFamily="49" charset="0"/>
+              </a:rPr>
+              <a:t/>
+            </a:r>
+            <a:br>
+              <a:rPr lang="en-US" dirty="0">
+                <a:latin typeface="Courier New" panose="02070309020205020404" pitchFamily="49" charset="0"/>
+                <a:cs typeface="Courier New" panose="02070309020205020404" pitchFamily="49" charset="0"/>
+              </a:rPr>
+            </a:br>
+            <a:r>
+              <a:rPr lang="en-US" dirty="0">
+                <a:latin typeface="Courier New" panose="02070309020205020404" pitchFamily="49" charset="0"/>
+                <a:cs typeface="Courier New" panose="02070309020205020404" pitchFamily="49" charset="0"/>
+              </a:rPr>
+              <a:t>	</a:t>
+            </a:r>
+            <a:r>
+              <a:rPr lang="en-US" dirty="0" smtClean="0">
+                <a:latin typeface="Courier New" panose="02070309020205020404" pitchFamily="49" charset="0"/>
+                <a:cs typeface="Courier New" panose="02070309020205020404" pitchFamily="49" charset="0"/>
+              </a:rPr>
               <a:t>}</a:t>
             </a:r>
-            <a:endParaRPr lang="en-US" dirty="0">
+            <a:br>
+              <a:rPr lang="en-US" dirty="0" smtClean="0">
+                <a:latin typeface="Courier New" panose="02070309020205020404" pitchFamily="49" charset="0"/>
+                <a:cs typeface="Courier New" panose="02070309020205020404" pitchFamily="49" charset="0"/>
+              </a:rPr>
+            </a:br>
+            <a:endParaRPr lang="en-US" dirty="0" smtClean="0">
               <a:latin typeface="Courier New" panose="02070309020205020404" pitchFamily="49" charset="0"/>
               <a:cs typeface="Courier New" panose="02070309020205020404" pitchFamily="49" charset="0"/>
             </a:endParaRPr>
           </a:p>
+          <a:p>
+            <a:pPr defTabSz="457200">
+              <a:lnSpc>
+                <a:spcPct val="110000"/>
+              </a:lnSpc>
+            </a:pPr>
+            <a:r>
+              <a:rPr lang="en-US" dirty="0" err="1" smtClean="0">
+                <a:cs typeface="Courier New" panose="02070309020205020404" pitchFamily="49" charset="0"/>
+              </a:rPr>
+              <a:t>Dibutuhkan</a:t>
+            </a:r>
+            <a:r>
+              <a:rPr lang="en-US" dirty="0" smtClean="0">
+                <a:cs typeface="Courier New" panose="02070309020205020404" pitchFamily="49" charset="0"/>
+              </a:rPr>
+              <a:t> </a:t>
+            </a:r>
+            <a:r>
+              <a:rPr lang="en-US" dirty="0" err="1" smtClean="0">
+                <a:cs typeface="Courier New" panose="02070309020205020404" pitchFamily="49" charset="0"/>
+              </a:rPr>
+              <a:t>ipPort</a:t>
+            </a:r>
+            <a:r>
+              <a:rPr lang="en-US" dirty="0" smtClean="0">
+                <a:cs typeface="Courier New" panose="02070309020205020404" pitchFamily="49" charset="0"/>
+              </a:rPr>
+              <a:t> </a:t>
+            </a:r>
+            <a:r>
+              <a:rPr lang="en-US" dirty="0" err="1" smtClean="0">
+                <a:cs typeface="Courier New" panose="02070309020205020404" pitchFamily="49" charset="0"/>
+              </a:rPr>
+              <a:t>karena</a:t>
+            </a:r>
+            <a:r>
+              <a:rPr lang="en-US" dirty="0" smtClean="0">
+                <a:cs typeface="Courier New" panose="02070309020205020404" pitchFamily="49" charset="0"/>
+              </a:rPr>
+              <a:t> database yang </a:t>
+            </a:r>
+            <a:r>
+              <a:rPr lang="en-US" dirty="0" err="1" smtClean="0">
+                <a:cs typeface="Courier New" panose="02070309020205020404" pitchFamily="49" charset="0"/>
+              </a:rPr>
+              <a:t>digunakan</a:t>
+            </a:r>
+            <a:r>
+              <a:rPr lang="en-US" dirty="0" smtClean="0">
+                <a:cs typeface="Courier New" panose="02070309020205020404" pitchFamily="49" charset="0"/>
+              </a:rPr>
+              <a:t> </a:t>
+            </a:r>
+            <a:r>
+              <a:rPr lang="en-US" dirty="0" err="1" smtClean="0">
+                <a:cs typeface="Courier New" panose="02070309020205020404" pitchFamily="49" charset="0"/>
+              </a:rPr>
+              <a:t>hanya</a:t>
+            </a:r>
+            <a:r>
+              <a:rPr lang="en-US" dirty="0" smtClean="0">
+                <a:cs typeface="Courier New" panose="02070309020205020404" pitchFamily="49" charset="0"/>
+              </a:rPr>
+              <a:t> </a:t>
+            </a:r>
+            <a:r>
+              <a:rPr lang="en-US" dirty="0" err="1" smtClean="0">
+                <a:cs typeface="Courier New" panose="02070309020205020404" pitchFamily="49" charset="0"/>
+              </a:rPr>
+              <a:t>dapat</a:t>
+            </a:r>
+            <a:r>
+              <a:rPr lang="en-US" dirty="0" smtClean="0">
+                <a:cs typeface="Courier New" panose="02070309020205020404" pitchFamily="49" charset="0"/>
+              </a:rPr>
+              <a:t> </a:t>
+            </a:r>
+            <a:r>
+              <a:rPr lang="en-US" dirty="0" err="1" smtClean="0">
+                <a:cs typeface="Courier New" panose="02070309020205020404" pitchFamily="49" charset="0"/>
+              </a:rPr>
+              <a:t>memberikan</a:t>
+            </a:r>
+            <a:r>
+              <a:rPr lang="en-US" dirty="0" smtClean="0">
+                <a:cs typeface="Courier New" panose="02070309020205020404" pitchFamily="49" charset="0"/>
+              </a:rPr>
+              <a:t> unique index per field, </a:t>
+            </a:r>
+            <a:r>
+              <a:rPr lang="en-US" dirty="0" err="1" smtClean="0">
+                <a:cs typeface="Courier New" panose="02070309020205020404" pitchFamily="49" charset="0"/>
+              </a:rPr>
+              <a:t>bukan</a:t>
+            </a:r>
+            <a:r>
+              <a:rPr lang="en-US" dirty="0" smtClean="0">
+                <a:cs typeface="Courier New" panose="02070309020205020404" pitchFamily="49" charset="0"/>
+              </a:rPr>
+              <a:t> </a:t>
+            </a:r>
+            <a:r>
+              <a:rPr lang="en-US" dirty="0" err="1" smtClean="0">
+                <a:cs typeface="Courier New" panose="02070309020205020404" pitchFamily="49" charset="0"/>
+              </a:rPr>
+              <a:t>gabungan</a:t>
+            </a:r>
+            <a:r>
+              <a:rPr lang="en-US" dirty="0" smtClean="0">
+                <a:cs typeface="Courier New" panose="02070309020205020404" pitchFamily="49" charset="0"/>
+              </a:rPr>
+              <a:t> </a:t>
+            </a:r>
+            <a:r>
+              <a:rPr lang="en-US" dirty="0" err="1" smtClean="0">
+                <a:cs typeface="Courier New" panose="02070309020205020404" pitchFamily="49" charset="0"/>
+              </a:rPr>
+              <a:t>dari</a:t>
+            </a:r>
+            <a:r>
+              <a:rPr lang="en-US" dirty="0" smtClean="0">
+                <a:cs typeface="Courier New" panose="02070309020205020404" pitchFamily="49" charset="0"/>
+              </a:rPr>
+              <a:t> </a:t>
+            </a:r>
+            <a:r>
+              <a:rPr lang="en-US" dirty="0" err="1" smtClean="0">
+                <a:cs typeface="Courier New" panose="02070309020205020404" pitchFamily="49" charset="0"/>
+              </a:rPr>
+              <a:t>berapa</a:t>
+            </a:r>
+            <a:r>
+              <a:rPr lang="en-US" dirty="0" smtClean="0">
+                <a:cs typeface="Courier New" panose="02070309020205020404" pitchFamily="49" charset="0"/>
+              </a:rPr>
+              <a:t> field </a:t>
+            </a:r>
+            <a:r>
+              <a:rPr lang="en-US" dirty="0" err="1" smtClean="0">
+                <a:cs typeface="Courier New" panose="02070309020205020404" pitchFamily="49" charset="0"/>
+              </a:rPr>
+              <a:t>seperti</a:t>
+            </a:r>
+            <a:r>
+              <a:rPr lang="en-US" dirty="0" smtClean="0">
+                <a:cs typeface="Courier New" panose="02070309020205020404" pitchFamily="49" charset="0"/>
+              </a:rPr>
+              <a:t> </a:t>
+            </a:r>
+            <a:r>
+              <a:rPr lang="en-US" dirty="0" err="1" smtClean="0">
+                <a:cs typeface="Courier New" panose="02070309020205020404" pitchFamily="49" charset="0"/>
+              </a:rPr>
+              <a:t>pada</a:t>
+            </a:r>
+            <a:r>
+              <a:rPr lang="en-US" dirty="0" smtClean="0">
+                <a:cs typeface="Courier New" panose="02070309020205020404" pitchFamily="49" charset="0"/>
+              </a:rPr>
+              <a:t> DBMS </a:t>
+            </a:r>
+            <a:r>
+              <a:rPr lang="en-US" dirty="0" err="1" smtClean="0">
+                <a:cs typeface="Courier New" panose="02070309020205020404" pitchFamily="49" charset="0"/>
+              </a:rPr>
+              <a:t>berbasis</a:t>
+            </a:r>
+            <a:r>
+              <a:rPr lang="en-US" dirty="0" smtClean="0">
+                <a:cs typeface="Courier New" panose="02070309020205020404" pitchFamily="49" charset="0"/>
+              </a:rPr>
+              <a:t> SQL. </a:t>
+            </a:r>
+            <a:r>
+              <a:rPr lang="en-US" dirty="0" err="1" smtClean="0">
+                <a:cs typeface="Courier New" panose="02070309020205020404" pitchFamily="49" charset="0"/>
+              </a:rPr>
+              <a:t>ip</a:t>
+            </a:r>
+            <a:r>
+              <a:rPr lang="en-US" dirty="0" smtClean="0">
+                <a:cs typeface="Courier New" panose="02070309020205020404" pitchFamily="49" charset="0"/>
+              </a:rPr>
+              <a:t> </a:t>
+            </a:r>
+            <a:r>
+              <a:rPr lang="en-US" dirty="0" err="1" smtClean="0">
+                <a:cs typeface="Courier New" panose="02070309020205020404" pitchFamily="49" charset="0"/>
+              </a:rPr>
+              <a:t>dan</a:t>
+            </a:r>
+            <a:r>
+              <a:rPr lang="en-US" dirty="0" smtClean="0">
+                <a:cs typeface="Courier New" panose="02070309020205020404" pitchFamily="49" charset="0"/>
+              </a:rPr>
+              <a:t> port </a:t>
+            </a:r>
+            <a:r>
+              <a:rPr lang="en-US" dirty="0" err="1" smtClean="0">
+                <a:cs typeface="Courier New" panose="02070309020205020404" pitchFamily="49" charset="0"/>
+              </a:rPr>
+              <a:t>tetap</a:t>
+            </a:r>
+            <a:r>
+              <a:rPr lang="en-US" dirty="0" smtClean="0">
+                <a:cs typeface="Courier New" panose="02070309020205020404" pitchFamily="49" charset="0"/>
+              </a:rPr>
+              <a:t> </a:t>
+            </a:r>
+            <a:r>
+              <a:rPr lang="en-US" dirty="0" err="1" smtClean="0">
+                <a:cs typeface="Courier New" panose="02070309020205020404" pitchFamily="49" charset="0"/>
+              </a:rPr>
+              <a:t>ada</a:t>
+            </a:r>
+            <a:r>
+              <a:rPr lang="en-US" dirty="0" smtClean="0">
+                <a:cs typeface="Courier New" panose="02070309020205020404" pitchFamily="49" charset="0"/>
+              </a:rPr>
+              <a:t> </a:t>
+            </a:r>
+            <a:r>
+              <a:rPr lang="en-US" dirty="0" err="1" smtClean="0">
+                <a:cs typeface="Courier New" panose="02070309020205020404" pitchFamily="49" charset="0"/>
+              </a:rPr>
+              <a:t>supaya</a:t>
+            </a:r>
+            <a:r>
+              <a:rPr lang="en-US" dirty="0" smtClean="0">
+                <a:cs typeface="Courier New" panose="02070309020205020404" pitchFamily="49" charset="0"/>
+              </a:rPr>
+              <a:t> </a:t>
+            </a:r>
+            <a:r>
+              <a:rPr lang="en-US" dirty="0" err="1" smtClean="0">
+                <a:cs typeface="Courier New" panose="02070309020205020404" pitchFamily="49" charset="0"/>
+              </a:rPr>
+              <a:t>tidak</a:t>
+            </a:r>
+            <a:r>
+              <a:rPr lang="en-US" dirty="0" smtClean="0">
+                <a:cs typeface="Courier New" panose="02070309020205020404" pitchFamily="49" charset="0"/>
+              </a:rPr>
+              <a:t> </a:t>
+            </a:r>
+            <a:r>
+              <a:rPr lang="en-US" dirty="0" err="1" smtClean="0">
+                <a:cs typeface="Courier New" panose="02070309020205020404" pitchFamily="49" charset="0"/>
+              </a:rPr>
+              <a:t>perlu</a:t>
+            </a:r>
+            <a:r>
+              <a:rPr lang="en-US" dirty="0" smtClean="0">
+                <a:cs typeface="Courier New" panose="02070309020205020404" pitchFamily="49" charset="0"/>
+              </a:rPr>
+              <a:t> parsing.</a:t>
+            </a:r>
+            <a:endParaRPr lang="en-US" dirty="0">
+              <a:cs typeface="Courier New" panose="02070309020205020404" pitchFamily="49" charset="0"/>
+            </a:endParaRPr>
+          </a:p>
         </p:txBody>
       </p:sp>
     </p:spTree>
     <p:extLst>
       <p:ext uri="{BB962C8B-B14F-4D97-AF65-F5344CB8AC3E}">
-        <p14:creationId xmlns:p14="http://schemas.microsoft.com/office/powerpoint/2010/main" val="3459071888"/>
+        <p14:creationId xmlns:p14="http://schemas.microsoft.com/office/powerpoint/2010/main" val="267300186"/>
       </p:ext>
     </p:extLst>
   </p:cSld>
@@ -16677,80 +17135,70 @@
         </p:nvSpPr>
         <p:spPr/>
         <p:txBody>
-          <a:bodyPr/>
+          <a:bodyPr>
+            <a:normAutofit fontScale="92500" lnSpcReduction="20000"/>
+          </a:bodyPr>
           <a:lstStyle/>
           <a:p>
-            <a:pPr defTabSz="484188">
+            <a:pPr defTabSz="457200">
               <a:lnSpc>
-                <a:spcPct val="100000"/>
+                <a:spcPct val="120000"/>
               </a:lnSpc>
             </a:pPr>
             <a:r>
-              <a:rPr lang="en-US" dirty="0"/>
+              <a:rPr lang="en-US" dirty="0" smtClean="0"/>
               <a:t>Data </a:t>
             </a:r>
             <a:r>
-              <a:rPr lang="en-US" dirty="0" err="1"/>
+              <a:rPr lang="en-US" dirty="0" err="1" smtClean="0"/>
               <a:t>mengenai</a:t>
             </a:r>
             <a:r>
-              <a:rPr lang="en-US" dirty="0"/>
-              <a:t> </a:t>
-            </a:r>
-            <a:r>
-              <a:rPr lang="en-US" b="1" i="1" dirty="0"/>
-              <a:t>history chat</a:t>
-            </a:r>
-            <a:r>
-              <a:rPr lang="en-US" dirty="0"/>
-              <a:t> </a:t>
-            </a:r>
-            <a:r>
-              <a:rPr lang="en-US" dirty="0" err="1"/>
+              <a:rPr lang="en-US" dirty="0" smtClean="0"/>
+              <a:t> </a:t>
+            </a:r>
+            <a:r>
+              <a:rPr lang="en-US" b="1" i="1" dirty="0" smtClean="0"/>
+              <a:t>user</a:t>
+            </a:r>
+            <a:r>
+              <a:rPr lang="en-US" dirty="0" smtClean="0"/>
+              <a:t> </a:t>
+            </a:r>
+            <a:r>
+              <a:rPr lang="en-US" dirty="0" err="1" smtClean="0"/>
               <a:t>disimpan</a:t>
             </a:r>
             <a:r>
-              <a:rPr lang="en-US" dirty="0"/>
+              <a:rPr lang="en-US" dirty="0" smtClean="0"/>
               <a:t> di </a:t>
             </a:r>
             <a:r>
-              <a:rPr lang="en-US" dirty="0" err="1"/>
+              <a:rPr lang="en-US" dirty="0" err="1" smtClean="0"/>
               <a:t>dalam</a:t>
             </a:r>
             <a:r>
-              <a:rPr lang="en-US" dirty="0"/>
-              <a:t> </a:t>
-            </a:r>
-            <a:r>
-              <a:rPr lang="en-US" dirty="0" smtClean="0"/>
-              <a:t>collection </a:t>
-            </a:r>
-            <a:r>
-              <a:rPr lang="en-US" dirty="0" err="1"/>
+              <a:rPr lang="en-US" dirty="0" smtClean="0"/>
+              <a:t> collection </a:t>
+            </a:r>
+            <a:r>
+              <a:rPr lang="en-US" dirty="0" err="1" smtClean="0"/>
               <a:t>bernama</a:t>
             </a:r>
             <a:r>
-              <a:rPr lang="en-US" dirty="0"/>
-              <a:t> ‘</a:t>
-            </a:r>
-            <a:r>
-              <a:rPr lang="en-US" dirty="0" err="1"/>
-              <a:t>chatHistory</a:t>
-            </a:r>
-            <a:r>
-              <a:rPr lang="en-US" dirty="0"/>
-              <a:t>’ </a:t>
-            </a:r>
-            <a:r>
-              <a:rPr lang="en-US" dirty="0" err="1"/>
+              <a:rPr lang="en-US" dirty="0" smtClean="0"/>
+              <a:t> ‘user’ </a:t>
+            </a:r>
+            <a:r>
+              <a:rPr lang="en-US" dirty="0" err="1" smtClean="0"/>
               <a:t>dengan</a:t>
             </a:r>
             <a:r>
-              <a:rPr lang="en-US" dirty="0"/>
-              <a:t> </a:t>
-            </a:r>
-            <a:r>
-              <a:rPr lang="en-US" dirty="0" err="1"/>
+              <a:rPr lang="en-US" dirty="0" smtClean="0"/>
+              <a:t> </a:t>
+            </a:r>
+            <a:r>
+              <a:rPr lang="en-US" dirty="0" err="1" smtClean="0"/>
               <a:t>struktur</a:t>
             </a:r>
             <a:r>
@@ -16761,139 +17209,247 @@
               <a:rPr lang="en-US" dirty="0" smtClean="0"/>
             </a:br>
             <a:r>
-              <a:rPr lang="en-US" dirty="0"/>
+              <a:rPr lang="en-US" sz="2600" dirty="0" smtClean="0"/>
               <a:t/>
             </a:r>
             <a:br>
-              <a:rPr lang="en-US" dirty="0"/>
+              <a:rPr lang="en-US" sz="2600" dirty="0" smtClean="0"/>
             </a:br>
             <a:r>
-              <a:rPr lang="en-US" dirty="0"/>
-              <a:t>	</a:t>
-            </a:r>
-            <a:r>
-              <a:rPr lang="en-US" dirty="0">
+              <a:rPr lang="en-US" sz="2600" dirty="0">
                 <a:latin typeface="Courier New" panose="02070309020205020404" pitchFamily="49" charset="0"/>
                 <a:cs typeface="Courier New" panose="02070309020205020404" pitchFamily="49" charset="0"/>
               </a:rPr>
-              <a:t>{</a:t>
+              <a:t>	{</a:t>
             </a:r>
             <a:br>
-              <a:rPr lang="en-US" dirty="0">
+              <a:rPr lang="en-US" sz="2600" dirty="0">
                 <a:latin typeface="Courier New" panose="02070309020205020404" pitchFamily="49" charset="0"/>
                 <a:cs typeface="Courier New" panose="02070309020205020404" pitchFamily="49" charset="0"/>
               </a:rPr>
             </a:br>
             <a:r>
-              <a:rPr lang="en-US" dirty="0">
+              <a:rPr lang="en-US" sz="2600" dirty="0">
                 <a:latin typeface="Courier New" panose="02070309020205020404" pitchFamily="49" charset="0"/>
                 <a:cs typeface="Courier New" panose="02070309020205020404" pitchFamily="49" charset="0"/>
               </a:rPr>
-              <a:t>		“</a:t>
-            </a:r>
-            <a:r>
-              <a:rPr lang="en-US" dirty="0" err="1">
+              <a:t>		</a:t>
+            </a:r>
+            <a:r>
+              <a:rPr lang="en-US" sz="2600" dirty="0" smtClean="0">
                 <a:latin typeface="Courier New" panose="02070309020205020404" pitchFamily="49" charset="0"/>
                 <a:cs typeface="Courier New" panose="02070309020205020404" pitchFamily="49" charset="0"/>
               </a:rPr>
-              <a:t>username</a:t>
-            </a:r>
-            <a:r>
-              <a:rPr lang="en-US" dirty="0" err="1" smtClean="0">
+              <a:t>“</a:t>
+            </a:r>
+            <a:r>
+              <a:rPr lang="en-US" sz="2600" dirty="0" err="1" smtClean="0">
                 <a:latin typeface="Courier New" panose="02070309020205020404" pitchFamily="49" charset="0"/>
                 <a:cs typeface="Courier New" panose="02070309020205020404" pitchFamily="49" charset="0"/>
               </a:rPr>
-              <a:t>”:String</a:t>
-            </a:r>
-            <a:r>
-              <a:rPr lang="en-US" dirty="0" smtClean="0">
+              <a:t>username”:String</a:t>
+            </a:r>
+            <a:r>
+              <a:rPr lang="en-US" sz="2600" dirty="0" smtClean="0">
                 <a:latin typeface="Courier New" panose="02070309020205020404" pitchFamily="49" charset="0"/>
                 <a:cs typeface="Courier New" panose="02070309020205020404" pitchFamily="49" charset="0"/>
               </a:rPr>
               <a:t>,</a:t>
             </a:r>
-            <a:r>
-              <a:rPr lang="en-US" dirty="0">
+            <a:br>
+              <a:rPr lang="en-US" sz="2600" dirty="0" smtClean="0">
                 <a:latin typeface="Courier New" panose="02070309020205020404" pitchFamily="49" charset="0"/>
                 <a:cs typeface="Courier New" panose="02070309020205020404" pitchFamily="49" charset="0"/>
               </a:rPr>
-              <a:t/>
-            </a:r>
-            <a:br>
-              <a:rPr lang="en-US" dirty="0">
+            </a:br>
+            <a:r>
+              <a:rPr lang="en-US" sz="2600" dirty="0" smtClean="0">
                 <a:latin typeface="Courier New" panose="02070309020205020404" pitchFamily="49" charset="0"/>
                 <a:cs typeface="Courier New" panose="02070309020205020404" pitchFamily="49" charset="0"/>
               </a:rPr>
-            </a:br>
-            <a:r>
-              <a:rPr lang="en-US" dirty="0">
+              <a:t>		“</a:t>
+            </a:r>
+            <a:r>
+              <a:rPr lang="en-US" sz="2600" dirty="0" err="1" smtClean="0">
                 <a:latin typeface="Courier New" panose="02070309020205020404" pitchFamily="49" charset="0"/>
                 <a:cs typeface="Courier New" panose="02070309020205020404" pitchFamily="49" charset="0"/>
               </a:rPr>
-              <a:t>		“</a:t>
-            </a:r>
-            <a:r>
-              <a:rPr lang="en-US" dirty="0" err="1">
+              <a:t>password”:String</a:t>
+            </a:r>
+            <a:r>
+              <a:rPr lang="en-US" sz="2600" dirty="0" smtClean="0">
                 <a:latin typeface="Courier New" panose="02070309020205020404" pitchFamily="49" charset="0"/>
                 <a:cs typeface="Courier New" panose="02070309020205020404" pitchFamily="49" charset="0"/>
               </a:rPr>
-              <a:t>time”:timestamp</a:t>
-            </a:r>
-            <a:r>
-              <a:rPr lang="en-US" dirty="0">
+              <a:t>(hash)</a:t>
+            </a:r>
+            <a:br>
+              <a:rPr lang="en-US" sz="2600" dirty="0" smtClean="0">
                 <a:latin typeface="Courier New" panose="02070309020205020404" pitchFamily="49" charset="0"/>
                 <a:cs typeface="Courier New" panose="02070309020205020404" pitchFamily="49" charset="0"/>
               </a:rPr>
-              <a:t>,</a:t>
-            </a:r>
-            <a:br>
-              <a:rPr lang="en-US" dirty="0">
+            </a:br>
+            <a:r>
+              <a:rPr lang="en-US" sz="2600" dirty="0" smtClean="0">
                 <a:latin typeface="Courier New" panose="02070309020205020404" pitchFamily="49" charset="0"/>
                 <a:cs typeface="Courier New" panose="02070309020205020404" pitchFamily="49" charset="0"/>
               </a:rPr>
-            </a:br>
-            <a:r>
-              <a:rPr lang="en-US" dirty="0">
+              <a:t>		“</a:t>
+            </a:r>
+            <a:r>
+              <a:rPr lang="en-US" sz="2600" dirty="0" err="1" smtClean="0">
                 <a:latin typeface="Courier New" panose="02070309020205020404" pitchFamily="49" charset="0"/>
                 <a:cs typeface="Courier New" panose="02070309020205020404" pitchFamily="49" charset="0"/>
               </a:rPr>
-              <a:t>		“</a:t>
-            </a:r>
-            <a:r>
-              <a:rPr lang="en-US" dirty="0" err="1">
+              <a:t>loggedIn</a:t>
+            </a:r>
+            <a:r>
+              <a:rPr lang="en-US" sz="2600" dirty="0" smtClean="0">
                 <a:latin typeface="Courier New" panose="02070309020205020404" pitchFamily="49" charset="0"/>
                 <a:cs typeface="Courier New" panose="02070309020205020404" pitchFamily="49" charset="0"/>
               </a:rPr>
-              <a:t>message”:String</a:t>
-            </a:r>
-            <a:r>
-              <a:rPr lang="en-US" dirty="0">
+              <a:t>”:</a:t>
+            </a:r>
+            <a:r>
+              <a:rPr lang="en-US" sz="2600" dirty="0" err="1" smtClean="0">
                 <a:latin typeface="Courier New" panose="02070309020205020404" pitchFamily="49" charset="0"/>
                 <a:cs typeface="Courier New" panose="02070309020205020404" pitchFamily="49" charset="0"/>
               </a:rPr>
-              <a:t/>
-            </a:r>
-            <a:br>
-              <a:rPr lang="en-US" dirty="0">
+              <a:t>boolean</a:t>
+            </a:r>
+            <a:r>
+              <a:rPr lang="en-US" sz="2600" dirty="0" smtClean="0">
                 <a:latin typeface="Courier New" panose="02070309020205020404" pitchFamily="49" charset="0"/>
                 <a:cs typeface="Courier New" panose="02070309020205020404" pitchFamily="49" charset="0"/>
               </a:rPr>
-            </a:br>
-            <a:r>
-              <a:rPr lang="en-US" dirty="0">
+              <a:t>,</a:t>
+            </a:r>
+            <a:br>
+              <a:rPr lang="en-US" sz="2600" dirty="0" smtClean="0">
                 <a:latin typeface="Courier New" panose="02070309020205020404" pitchFamily="49" charset="0"/>
                 <a:cs typeface="Courier New" panose="02070309020205020404" pitchFamily="49" charset="0"/>
               </a:rPr>
-              <a:t>	}</a:t>
-            </a:r>
-            <a:endParaRPr lang="en-US" dirty="0"/>
+            </a:br>
+            <a:r>
+              <a:rPr lang="en-US" sz="2600" dirty="0" smtClean="0">
+                <a:latin typeface="Courier New" panose="02070309020205020404" pitchFamily="49" charset="0"/>
+                <a:cs typeface="Courier New" panose="02070309020205020404" pitchFamily="49" charset="0"/>
+              </a:rPr>
+              <a:t>		“</a:t>
+            </a:r>
+            <a:r>
+              <a:rPr lang="en-US" sz="2600" dirty="0" err="1" smtClean="0">
+                <a:latin typeface="Courier New" panose="02070309020205020404" pitchFamily="49" charset="0"/>
+                <a:cs typeface="Courier New" panose="02070309020205020404" pitchFamily="49" charset="0"/>
+              </a:rPr>
+              <a:t>sessid</a:t>
+            </a:r>
+            <a:r>
+              <a:rPr lang="en-US" sz="2600" dirty="0" smtClean="0">
+                <a:latin typeface="Courier New" panose="02070309020205020404" pitchFamily="49" charset="0"/>
+                <a:cs typeface="Courier New" panose="02070309020205020404" pitchFamily="49" charset="0"/>
+              </a:rPr>
+              <a:t>”:String(base64),</a:t>
+            </a:r>
+            <a:br>
+              <a:rPr lang="en-US" sz="2600" dirty="0" smtClean="0">
+                <a:latin typeface="Courier New" panose="02070309020205020404" pitchFamily="49" charset="0"/>
+                <a:cs typeface="Courier New" panose="02070309020205020404" pitchFamily="49" charset="0"/>
+              </a:rPr>
+            </a:br>
+            <a:r>
+              <a:rPr lang="en-US" sz="2600" dirty="0" smtClean="0">
+                <a:latin typeface="Courier New" panose="02070309020205020404" pitchFamily="49" charset="0"/>
+                <a:cs typeface="Courier New" panose="02070309020205020404" pitchFamily="49" charset="0"/>
+              </a:rPr>
+              <a:t>		“</a:t>
+            </a:r>
+            <a:r>
+              <a:rPr lang="en-US" sz="2600" dirty="0" err="1" smtClean="0">
+                <a:latin typeface="Courier New" panose="02070309020205020404" pitchFamily="49" charset="0"/>
+                <a:cs typeface="Courier New" panose="02070309020205020404" pitchFamily="49" charset="0"/>
+              </a:rPr>
+              <a:t>heartbeat”:timestamp</a:t>
+            </a:r>
+            <a:r>
+              <a:rPr lang="en-US" sz="2600" dirty="0" smtClean="0">
+                <a:latin typeface="Courier New" panose="02070309020205020404" pitchFamily="49" charset="0"/>
+                <a:cs typeface="Courier New" panose="02070309020205020404" pitchFamily="49" charset="0"/>
+              </a:rPr>
+              <a:t>,</a:t>
+            </a:r>
+            <a:br>
+              <a:rPr lang="en-US" sz="2600" dirty="0" smtClean="0">
+                <a:latin typeface="Courier New" panose="02070309020205020404" pitchFamily="49" charset="0"/>
+                <a:cs typeface="Courier New" panose="02070309020205020404" pitchFamily="49" charset="0"/>
+              </a:rPr>
+            </a:br>
+            <a:r>
+              <a:rPr lang="en-US" sz="2600" dirty="0" smtClean="0">
+                <a:latin typeface="Courier New" panose="02070309020205020404" pitchFamily="49" charset="0"/>
+                <a:cs typeface="Courier New" panose="02070309020205020404" pitchFamily="49" charset="0"/>
+              </a:rPr>
+              <a:t>		“</a:t>
+            </a:r>
+            <a:r>
+              <a:rPr lang="en-US" sz="2600" dirty="0" err="1" smtClean="0">
+                <a:latin typeface="Courier New" panose="02070309020205020404" pitchFamily="49" charset="0"/>
+                <a:cs typeface="Courier New" panose="02070309020205020404" pitchFamily="49" charset="0"/>
+              </a:rPr>
+              <a:t>handledByMe</a:t>
+            </a:r>
+            <a:r>
+              <a:rPr lang="en-US" sz="2600" dirty="0" smtClean="0">
+                <a:latin typeface="Courier New" panose="02070309020205020404" pitchFamily="49" charset="0"/>
+                <a:cs typeface="Courier New" panose="02070309020205020404" pitchFamily="49" charset="0"/>
+              </a:rPr>
+              <a:t>”:</a:t>
+            </a:r>
+            <a:r>
+              <a:rPr lang="en-US" sz="2600" dirty="0" err="1" smtClean="0">
+                <a:latin typeface="Courier New" panose="02070309020205020404" pitchFamily="49" charset="0"/>
+                <a:cs typeface="Courier New" panose="02070309020205020404" pitchFamily="49" charset="0"/>
+              </a:rPr>
+              <a:t>boolean</a:t>
+            </a:r>
+            <a:r>
+              <a:rPr lang="en-US" sz="2600" dirty="0">
+                <a:latin typeface="Courier New" panose="02070309020205020404" pitchFamily="49" charset="0"/>
+                <a:cs typeface="Courier New" panose="02070309020205020404" pitchFamily="49" charset="0"/>
+              </a:rPr>
+              <a:t/>
+            </a:r>
+            <a:br>
+              <a:rPr lang="en-US" sz="2600" dirty="0">
+                <a:latin typeface="Courier New" panose="02070309020205020404" pitchFamily="49" charset="0"/>
+                <a:cs typeface="Courier New" panose="02070309020205020404" pitchFamily="49" charset="0"/>
+              </a:rPr>
+            </a:br>
+            <a:r>
+              <a:rPr lang="en-US" sz="2600" dirty="0">
+                <a:latin typeface="Courier New" panose="02070309020205020404" pitchFamily="49" charset="0"/>
+                <a:cs typeface="Courier New" panose="02070309020205020404" pitchFamily="49" charset="0"/>
+              </a:rPr>
+              <a:t>	</a:t>
+            </a:r>
+            <a:r>
+              <a:rPr lang="en-US" sz="2600" dirty="0" smtClean="0">
+                <a:latin typeface="Courier New" panose="02070309020205020404" pitchFamily="49" charset="0"/>
+                <a:cs typeface="Courier New" panose="02070309020205020404" pitchFamily="49" charset="0"/>
+              </a:rPr>
+              <a:t>}</a:t>
+            </a:r>
+            <a:endParaRPr lang="en-US" dirty="0">
+              <a:latin typeface="Courier New" panose="02070309020205020404" pitchFamily="49" charset="0"/>
+              <a:cs typeface="Courier New" panose="02070309020205020404" pitchFamily="49" charset="0"/>
+            </a:endParaRPr>
           </a:p>
         </p:txBody>
       </p:sp>
     </p:spTree>
     <p:extLst>
       <p:ext uri="{BB962C8B-B14F-4D97-AF65-F5344CB8AC3E}">
-        <p14:creationId xmlns:p14="http://schemas.microsoft.com/office/powerpoint/2010/main" val="235720611"/>
+        <p14:creationId xmlns:p14="http://schemas.microsoft.com/office/powerpoint/2010/main" val="3459071888"/>
       </p:ext>
     </p:extLst>
   </p:cSld>
@@ -16929,7 +17485,7 @@
       </p:grpSpPr>
       <p:sp>
         <p:nvSpPr>
-          <p:cNvPr id="4" name="Title 3"/>
+          <p:cNvPr id="2" name="Title 1"/>
           <p:cNvSpPr>
             <a:spLocks noGrp="1"/>
           </p:cNvSpPr>
@@ -16943,133 +17499,241 @@
           <a:lstStyle/>
           <a:p>
             <a:r>
-              <a:rPr lang="en-US" b="1" dirty="0" smtClean="0"/>
-              <a:t>Threading </a:t>
-            </a:r>
-            <a:r>
-              <a:rPr lang="en-US" b="1" dirty="0" err="1" smtClean="0"/>
-              <a:t>pada</a:t>
-            </a:r>
-            <a:r>
-              <a:rPr lang="en-US" b="1" dirty="0" smtClean="0"/>
-              <a:t> Node.js</a:t>
-            </a:r>
-            <a:endParaRPr lang="en-US" b="1" dirty="0"/>
+              <a:rPr lang="en-US" b="1" dirty="0"/>
+              <a:t>Format Database</a:t>
+            </a:r>
           </a:p>
         </p:txBody>
       </p:sp>
       <p:sp>
         <p:nvSpPr>
-          <p:cNvPr id="5" name="Text Placeholder 4"/>
+          <p:cNvPr id="3" name="Content Placeholder 2"/>
           <p:cNvSpPr>
             <a:spLocks noGrp="1"/>
           </p:cNvSpPr>
           <p:nvPr>
-            <p:ph type="body" idx="1"/>
+            <p:ph idx="1"/>
           </p:nvPr>
         </p:nvSpPr>
         <p:spPr/>
         <p:txBody>
-          <a:bodyPr>
-            <a:normAutofit fontScale="92500" lnSpcReduction="20000"/>
-          </a:bodyPr>
+          <a:bodyPr/>
           <a:lstStyle/>
           <a:p>
-            <a:r>
-              <a:rPr lang="en-US" sz="1600" dirty="0" err="1" smtClean="0"/>
-              <a:t>Sumber</a:t>
-            </a:r>
-            <a:r>
-              <a:rPr lang="en-US" sz="1600" dirty="0" smtClean="0"/>
+            <a:pPr defTabSz="484188">
+              <a:lnSpc>
+                <a:spcPct val="100000"/>
+              </a:lnSpc>
+            </a:pPr>
+            <a:r>
+              <a:rPr lang="en-US" dirty="0"/>
+              <a:t>Data </a:t>
+            </a:r>
+            <a:r>
+              <a:rPr lang="en-US" dirty="0" err="1"/>
+              <a:t>mengenai</a:t>
+            </a:r>
+            <a:r>
+              <a:rPr lang="en-US" dirty="0"/>
+              <a:t> </a:t>
+            </a:r>
+            <a:r>
+              <a:rPr lang="en-US" b="1" i="1" dirty="0"/>
+              <a:t>history chat</a:t>
+            </a:r>
+            <a:r>
+              <a:rPr lang="en-US" dirty="0"/>
+              <a:t> </a:t>
+            </a:r>
+            <a:r>
+              <a:rPr lang="en-US" dirty="0" err="1"/>
+              <a:t>disimpan</a:t>
+            </a:r>
+            <a:r>
+              <a:rPr lang="en-US" dirty="0"/>
+              <a:t> di </a:t>
+            </a:r>
+            <a:r>
+              <a:rPr lang="en-US" dirty="0" err="1"/>
+              <a:t>dalam</a:t>
+            </a:r>
+            <a:r>
+              <a:rPr lang="en-US" dirty="0"/>
+              <a:t> </a:t>
+            </a:r>
+            <a:r>
+              <a:rPr lang="en-US" dirty="0" smtClean="0"/>
+              <a:t>collection </a:t>
+            </a:r>
+            <a:r>
+              <a:rPr lang="en-US" dirty="0" err="1"/>
+              <a:t>bernama</a:t>
+            </a:r>
+            <a:r>
+              <a:rPr lang="en-US" dirty="0"/>
+              <a:t> ‘</a:t>
+            </a:r>
+            <a:r>
+              <a:rPr lang="en-US" dirty="0" err="1"/>
+              <a:t>chatHistory</a:t>
+            </a:r>
+            <a:r>
+              <a:rPr lang="en-US" dirty="0"/>
+              <a:t>’ </a:t>
+            </a:r>
+            <a:r>
+              <a:rPr lang="en-US" dirty="0" err="1"/>
+              <a:t>dengan</a:t>
+            </a:r>
+            <a:r>
+              <a:rPr lang="en-US" dirty="0"/>
+              <a:t> </a:t>
+            </a:r>
+            <a:r>
+              <a:rPr lang="en-US" dirty="0" err="1"/>
+              <a:t>struktur</a:t>
+            </a:r>
+            <a:r>
+              <a:rPr lang="en-US" dirty="0" smtClean="0"/>
               <a:t>:</a:t>
             </a:r>
-          </a:p>
-          <a:p>
-            <a:pPr marL="342900" indent="-342900">
-              <a:buFont typeface="Arial" panose="020B0604020202020204" pitchFamily="34" charset="0"/>
-              <a:buAutoNum type="arabicPeriod"/>
-            </a:pPr>
-            <a:r>
-              <a:rPr lang="en-US" sz="1600" dirty="0">
-                <a:hlinkClick r:id="rId3"/>
-              </a:rPr>
-              <a:t>https://</a:t>
-            </a:r>
-            <a:r>
-              <a:rPr lang="en-US" sz="1600" dirty="0" smtClean="0">
-                <a:hlinkClick r:id="rId3"/>
-              </a:rPr>
-              <a:t>nodesource.com/blog/understanding-the-nodejs-event-loop</a:t>
-            </a:r>
-            <a:endParaRPr lang="en-US" sz="1600" dirty="0" smtClean="0"/>
-          </a:p>
-          <a:p>
-            <a:pPr marL="342900" indent="-342900">
-              <a:buFont typeface="Arial" panose="020B0604020202020204" pitchFamily="34" charset="0"/>
-              <a:buAutoNum type="arabicPeriod"/>
-            </a:pPr>
-            <a:r>
-              <a:rPr lang="en-US" sz="1600" dirty="0">
-                <a:hlinkClick r:id="rId4"/>
-              </a:rPr>
-              <a:t>https://</a:t>
-            </a:r>
-            <a:r>
-              <a:rPr lang="en-US" sz="1600" dirty="0" smtClean="0">
-                <a:hlinkClick r:id="rId4"/>
-              </a:rPr>
-              <a:t>www.youtube.com/watch?v=8aGhZQkoFbQ</a:t>
-            </a:r>
-            <a:endParaRPr lang="en-US" sz="1600" dirty="0" smtClean="0"/>
-          </a:p>
-          <a:p>
-            <a:pPr marL="342900" indent="-342900">
-              <a:buAutoNum type="arabicPeriod"/>
-            </a:pPr>
-            <a:r>
-              <a:rPr lang="en-US" sz="1600" dirty="0">
-                <a:hlinkClick r:id="rId5"/>
-              </a:rPr>
-              <a:t>https://</a:t>
-            </a:r>
-            <a:r>
-              <a:rPr lang="en-US" sz="1600" dirty="0" smtClean="0">
-                <a:hlinkClick r:id="rId5"/>
-              </a:rPr>
-              <a:t>nodejs.org/api/cluster.html</a:t>
-            </a:r>
-            <a:endParaRPr lang="en-US" sz="1600" dirty="0" smtClean="0"/>
-          </a:p>
-          <a:p>
-            <a:pPr marL="342900" indent="-342900">
-              <a:buAutoNum type="arabicPeriod"/>
-            </a:pPr>
-            <a:r>
-              <a:rPr lang="en-US" sz="1600" dirty="0">
-                <a:hlinkClick r:id="rId6"/>
-              </a:rPr>
-              <a:t>https://</a:t>
-            </a:r>
-            <a:r>
-              <a:rPr lang="en-US" sz="1600" dirty="0" smtClean="0">
-                <a:hlinkClick r:id="rId6"/>
-              </a:rPr>
-              <a:t>github.com/fent/clusterhub</a:t>
-            </a:r>
-            <a:endParaRPr lang="en-US" sz="1600" dirty="0" smtClean="0"/>
-          </a:p>
-          <a:p>
-            <a:pPr marL="342900" indent="-342900">
-              <a:buAutoNum type="arabicPeriod"/>
-            </a:pPr>
-            <a:endParaRPr lang="en-US" sz="1600" dirty="0"/>
+            <a:br>
+              <a:rPr lang="en-US" dirty="0" smtClean="0"/>
+            </a:br>
+            <a:r>
+              <a:rPr lang="en-US" dirty="0"/>
+              <a:t/>
+            </a:r>
+            <a:br>
+              <a:rPr lang="en-US" dirty="0"/>
+            </a:br>
+            <a:r>
+              <a:rPr lang="en-US" dirty="0"/>
+              <a:t>	</a:t>
+            </a:r>
+            <a:r>
+              <a:rPr lang="en-US" dirty="0">
+                <a:latin typeface="Courier New" panose="02070309020205020404" pitchFamily="49" charset="0"/>
+                <a:cs typeface="Courier New" panose="02070309020205020404" pitchFamily="49" charset="0"/>
+              </a:rPr>
+              <a:t>{</a:t>
+            </a:r>
+            <a:br>
+              <a:rPr lang="en-US" dirty="0">
+                <a:latin typeface="Courier New" panose="02070309020205020404" pitchFamily="49" charset="0"/>
+                <a:cs typeface="Courier New" panose="02070309020205020404" pitchFamily="49" charset="0"/>
+              </a:rPr>
+            </a:br>
+            <a:r>
+              <a:rPr lang="en-US" dirty="0">
+                <a:latin typeface="Courier New" panose="02070309020205020404" pitchFamily="49" charset="0"/>
+                <a:cs typeface="Courier New" panose="02070309020205020404" pitchFamily="49" charset="0"/>
+              </a:rPr>
+              <a:t>		“</a:t>
+            </a:r>
+            <a:r>
+              <a:rPr lang="en-US" dirty="0" err="1">
+                <a:latin typeface="Courier New" panose="02070309020205020404" pitchFamily="49" charset="0"/>
+                <a:cs typeface="Courier New" panose="02070309020205020404" pitchFamily="49" charset="0"/>
+              </a:rPr>
+              <a:t>username</a:t>
+            </a:r>
+            <a:r>
+              <a:rPr lang="en-US" dirty="0" err="1" smtClean="0">
+                <a:latin typeface="Courier New" panose="02070309020205020404" pitchFamily="49" charset="0"/>
+                <a:cs typeface="Courier New" panose="02070309020205020404" pitchFamily="49" charset="0"/>
+              </a:rPr>
+              <a:t>”:String</a:t>
+            </a:r>
+            <a:r>
+              <a:rPr lang="en-US" dirty="0" smtClean="0">
+                <a:latin typeface="Courier New" panose="02070309020205020404" pitchFamily="49" charset="0"/>
+                <a:cs typeface="Courier New" panose="02070309020205020404" pitchFamily="49" charset="0"/>
+              </a:rPr>
+              <a:t>,</a:t>
+            </a:r>
+            <a:r>
+              <a:rPr lang="en-US" dirty="0">
+                <a:latin typeface="Courier New" panose="02070309020205020404" pitchFamily="49" charset="0"/>
+                <a:cs typeface="Courier New" panose="02070309020205020404" pitchFamily="49" charset="0"/>
+              </a:rPr>
+              <a:t/>
+            </a:r>
+            <a:br>
+              <a:rPr lang="en-US" dirty="0">
+                <a:latin typeface="Courier New" panose="02070309020205020404" pitchFamily="49" charset="0"/>
+                <a:cs typeface="Courier New" panose="02070309020205020404" pitchFamily="49" charset="0"/>
+              </a:rPr>
+            </a:br>
+            <a:r>
+              <a:rPr lang="en-US" dirty="0">
+                <a:latin typeface="Courier New" panose="02070309020205020404" pitchFamily="49" charset="0"/>
+                <a:cs typeface="Courier New" panose="02070309020205020404" pitchFamily="49" charset="0"/>
+              </a:rPr>
+              <a:t>		“</a:t>
+            </a:r>
+            <a:r>
+              <a:rPr lang="en-US" dirty="0" err="1">
+                <a:latin typeface="Courier New" panose="02070309020205020404" pitchFamily="49" charset="0"/>
+                <a:cs typeface="Courier New" panose="02070309020205020404" pitchFamily="49" charset="0"/>
+              </a:rPr>
+              <a:t>time”:timestamp</a:t>
+            </a:r>
+            <a:r>
+              <a:rPr lang="en-US" dirty="0">
+                <a:latin typeface="Courier New" panose="02070309020205020404" pitchFamily="49" charset="0"/>
+                <a:cs typeface="Courier New" panose="02070309020205020404" pitchFamily="49" charset="0"/>
+              </a:rPr>
+              <a:t>,</a:t>
+            </a:r>
+            <a:br>
+              <a:rPr lang="en-US" dirty="0">
+                <a:latin typeface="Courier New" panose="02070309020205020404" pitchFamily="49" charset="0"/>
+                <a:cs typeface="Courier New" panose="02070309020205020404" pitchFamily="49" charset="0"/>
+              </a:rPr>
+            </a:br>
+            <a:r>
+              <a:rPr lang="en-US" dirty="0">
+                <a:latin typeface="Courier New" panose="02070309020205020404" pitchFamily="49" charset="0"/>
+                <a:cs typeface="Courier New" panose="02070309020205020404" pitchFamily="49" charset="0"/>
+              </a:rPr>
+              <a:t>		“</a:t>
+            </a:r>
+            <a:r>
+              <a:rPr lang="en-US" dirty="0" err="1">
+                <a:latin typeface="Courier New" panose="02070309020205020404" pitchFamily="49" charset="0"/>
+                <a:cs typeface="Courier New" panose="02070309020205020404" pitchFamily="49" charset="0"/>
+              </a:rPr>
+              <a:t>message”:String</a:t>
+            </a:r>
+            <a:r>
+              <a:rPr lang="en-US" dirty="0">
+                <a:latin typeface="Courier New" panose="02070309020205020404" pitchFamily="49" charset="0"/>
+                <a:cs typeface="Courier New" panose="02070309020205020404" pitchFamily="49" charset="0"/>
+              </a:rPr>
+              <a:t/>
+            </a:r>
+            <a:br>
+              <a:rPr lang="en-US" dirty="0">
+                <a:latin typeface="Courier New" panose="02070309020205020404" pitchFamily="49" charset="0"/>
+                <a:cs typeface="Courier New" panose="02070309020205020404" pitchFamily="49" charset="0"/>
+              </a:rPr>
+            </a:br>
+            <a:r>
+              <a:rPr lang="en-US" dirty="0">
+                <a:latin typeface="Courier New" panose="02070309020205020404" pitchFamily="49" charset="0"/>
+                <a:cs typeface="Courier New" panose="02070309020205020404" pitchFamily="49" charset="0"/>
+              </a:rPr>
+              <a:t>	}</a:t>
+            </a:r>
+            <a:endParaRPr lang="en-US" dirty="0"/>
           </a:p>
         </p:txBody>
       </p:sp>
     </p:spTree>
     <p:extLst>
       <p:ext uri="{BB962C8B-B14F-4D97-AF65-F5344CB8AC3E}">
-        <p14:creationId xmlns:p14="http://schemas.microsoft.com/office/powerpoint/2010/main" val="1902151880"/>
+        <p14:creationId xmlns:p14="http://schemas.microsoft.com/office/powerpoint/2010/main" val="235720611"/>
       </p:ext>
     </p:extLst>
   </p:cSld>
@@ -17119,6 +17783,182 @@
           <a:lstStyle/>
           <a:p>
             <a:r>
+              <a:rPr lang="en-US" b="1" dirty="0" smtClean="0"/>
+              <a:t>Threading </a:t>
+            </a:r>
+            <a:r>
+              <a:rPr lang="en-US" b="1" dirty="0" err="1" smtClean="0"/>
+              <a:t>pada</a:t>
+            </a:r>
+            <a:r>
+              <a:rPr lang="en-US" b="1" dirty="0" smtClean="0"/>
+              <a:t> Node.js</a:t>
+            </a:r>
+            <a:endParaRPr lang="en-US" b="1" dirty="0"/>
+          </a:p>
+        </p:txBody>
+      </p:sp>
+      <p:sp>
+        <p:nvSpPr>
+          <p:cNvPr id="5" name="Text Placeholder 4"/>
+          <p:cNvSpPr>
+            <a:spLocks noGrp="1"/>
+          </p:cNvSpPr>
+          <p:nvPr>
+            <p:ph type="body" idx="1"/>
+          </p:nvPr>
+        </p:nvSpPr>
+        <p:spPr/>
+        <p:txBody>
+          <a:bodyPr>
+            <a:normAutofit fontScale="92500" lnSpcReduction="20000"/>
+          </a:bodyPr>
+          <a:lstStyle/>
+          <a:p>
+            <a:r>
+              <a:rPr lang="en-US" sz="1600" dirty="0" err="1" smtClean="0"/>
+              <a:t>Sumber</a:t>
+            </a:r>
+            <a:r>
+              <a:rPr lang="en-US" sz="1600" dirty="0" smtClean="0"/>
+              <a:t>:</a:t>
+            </a:r>
+          </a:p>
+          <a:p>
+            <a:pPr marL="342900" indent="-342900">
+              <a:buFont typeface="Arial" panose="020B0604020202020204" pitchFamily="34" charset="0"/>
+              <a:buAutoNum type="arabicPeriod"/>
+            </a:pPr>
+            <a:r>
+              <a:rPr lang="en-US" sz="1600" dirty="0">
+                <a:hlinkClick r:id="rId3"/>
+              </a:rPr>
+              <a:t>https://</a:t>
+            </a:r>
+            <a:r>
+              <a:rPr lang="en-US" sz="1600" dirty="0" smtClean="0">
+                <a:hlinkClick r:id="rId3"/>
+              </a:rPr>
+              <a:t>nodesource.com/blog/understanding-the-nodejs-event-loop</a:t>
+            </a:r>
+            <a:endParaRPr lang="en-US" sz="1600" dirty="0" smtClean="0"/>
+          </a:p>
+          <a:p>
+            <a:pPr marL="342900" indent="-342900">
+              <a:buFont typeface="Arial" panose="020B0604020202020204" pitchFamily="34" charset="0"/>
+              <a:buAutoNum type="arabicPeriod"/>
+            </a:pPr>
+            <a:r>
+              <a:rPr lang="en-US" sz="1600" dirty="0">
+                <a:hlinkClick r:id="rId4"/>
+              </a:rPr>
+              <a:t>https://</a:t>
+            </a:r>
+            <a:r>
+              <a:rPr lang="en-US" sz="1600" dirty="0" smtClean="0">
+                <a:hlinkClick r:id="rId4"/>
+              </a:rPr>
+              <a:t>www.youtube.com/watch?v=8aGhZQkoFbQ</a:t>
+            </a:r>
+            <a:endParaRPr lang="en-US" sz="1600" dirty="0" smtClean="0"/>
+          </a:p>
+          <a:p>
+            <a:pPr marL="342900" indent="-342900">
+              <a:buAutoNum type="arabicPeriod"/>
+            </a:pPr>
+            <a:r>
+              <a:rPr lang="en-US" sz="1600" dirty="0">
+                <a:hlinkClick r:id="rId5"/>
+              </a:rPr>
+              <a:t>https://</a:t>
+            </a:r>
+            <a:r>
+              <a:rPr lang="en-US" sz="1600" dirty="0" smtClean="0">
+                <a:hlinkClick r:id="rId5"/>
+              </a:rPr>
+              <a:t>nodejs.org/api/cluster.html</a:t>
+            </a:r>
+            <a:endParaRPr lang="en-US" sz="1600" dirty="0" smtClean="0"/>
+          </a:p>
+          <a:p>
+            <a:pPr marL="342900" indent="-342900">
+              <a:buAutoNum type="arabicPeriod"/>
+            </a:pPr>
+            <a:r>
+              <a:rPr lang="en-US" sz="1600" dirty="0">
+                <a:hlinkClick r:id="rId6"/>
+              </a:rPr>
+              <a:t>https://</a:t>
+            </a:r>
+            <a:r>
+              <a:rPr lang="en-US" sz="1600" dirty="0" smtClean="0">
+                <a:hlinkClick r:id="rId6"/>
+              </a:rPr>
+              <a:t>github.com/fent/clusterhub</a:t>
+            </a:r>
+            <a:endParaRPr lang="en-US" sz="1600" dirty="0" smtClean="0"/>
+          </a:p>
+          <a:p>
+            <a:pPr marL="342900" indent="-342900">
+              <a:buAutoNum type="arabicPeriod"/>
+            </a:pPr>
+            <a:endParaRPr lang="en-US" sz="1600" dirty="0"/>
+          </a:p>
+        </p:txBody>
+      </p:sp>
+    </p:spTree>
+    <p:extLst>
+      <p:ext uri="{BB962C8B-B14F-4D97-AF65-F5344CB8AC3E}">
+        <p14:creationId xmlns:p14="http://schemas.microsoft.com/office/powerpoint/2010/main" val="1902151880"/>
+      </p:ext>
+    </p:extLst>
+  </p:cSld>
+  <p:clrMapOvr>
+    <a:masterClrMapping/>
+  </p:clrMapOvr>
+  <p:timing>
+    <p:tnLst>
+      <p:par>
+        <p:cTn id="1" dur="indefinite" restart="never" nodeType="tmRoot"/>
+      </p:par>
+    </p:tnLst>
+  </p:timing>
+</p:sld>
+</file>
+
+<file path=ppt/slides/slide39.xml><?xml version="1.0" encoding="utf-8"?>
+<p:sld xmlns:a="http://schemas.openxmlformats.org/drawingml/2006/main" xmlns:r="http://schemas.openxmlformats.org/officeDocument/2006/relationships" xmlns:p="http://schemas.openxmlformats.org/presentationml/2006/main">
+  <p:cSld>
+    <p:spTree>
+      <p:nvGrpSpPr>
+        <p:cNvPr id="1" name=""/>
+        <p:cNvGrpSpPr/>
+        <p:nvPr/>
+      </p:nvGrpSpPr>
+      <p:grpSpPr>
+        <a:xfrm>
+          <a:off x="0" y="0"/>
+          <a:ext cx="0" cy="0"/>
+          <a:chOff x="0" y="0"/>
+          <a:chExt cx="0" cy="0"/>
+        </a:xfrm>
+      </p:grpSpPr>
+      <p:sp>
+        <p:nvSpPr>
+          <p:cNvPr id="4" name="Title 3"/>
+          <p:cNvSpPr>
+            <a:spLocks noGrp="1"/>
+          </p:cNvSpPr>
+          <p:nvPr>
+            <p:ph type="title"/>
+          </p:nvPr>
+        </p:nvSpPr>
+        <p:spPr/>
+        <p:txBody>
+          <a:bodyPr/>
+          <a:lstStyle/>
+          <a:p>
+            <a:r>
               <a:rPr lang="en-US" b="1" dirty="0" err="1" smtClean="0"/>
               <a:t>Apa</a:t>
             </a:r>
@@ -17270,10 +18110,10 @@
         </p:nvGrpSpPr>
         <p:grpSpPr>
           <a:xfrm>
-            <a:off x="1457334" y="2454424"/>
-            <a:ext cx="6772268" cy="2716900"/>
-            <a:chOff x="871538" y="3054507"/>
-            <a:chExt cx="8119523" cy="3257392"/>
+            <a:off x="1457334" y="2454423"/>
+            <a:ext cx="6772267" cy="2716901"/>
+            <a:chOff x="871537" y="3054505"/>
+            <a:chExt cx="8119524" cy="3257392"/>
           </a:xfrm>
         </p:grpSpPr>
         <p:sp>
@@ -17284,8 +18124,8 @@
           </p:nvSpPr>
           <p:spPr>
             <a:xfrm>
-              <a:off x="871538" y="3054507"/>
-              <a:ext cx="1528763" cy="1828801"/>
+              <a:off x="871537" y="3054506"/>
+              <a:ext cx="1528764" cy="1828800"/>
             </a:xfrm>
             <a:prstGeom prst="rect">
               <a:avLst/>
@@ -17326,8 +18166,8 @@
           </p:nvGrpSpPr>
           <p:grpSpPr>
             <a:xfrm>
-              <a:off x="1207294" y="5085317"/>
-              <a:ext cx="857250" cy="857250"/>
+              <a:off x="1207294" y="5085315"/>
+              <a:ext cx="857250" cy="857249"/>
               <a:chOff x="3857625" y="4200525"/>
               <a:chExt cx="1157288" cy="1157288"/>
             </a:xfrm>
@@ -17441,8 +18281,8 @@
           </p:nvSpPr>
           <p:spPr>
             <a:xfrm>
-              <a:off x="2400301" y="5085317"/>
-              <a:ext cx="4672012" cy="857250"/>
+              <a:off x="2400301" y="5085315"/>
+              <a:ext cx="4672013" cy="857249"/>
             </a:xfrm>
             <a:prstGeom prst="rect">
               <a:avLst/>
@@ -17483,7 +18323,7 @@
           </p:nvSpPr>
           <p:spPr>
             <a:xfrm>
-              <a:off x="1030111" y="5942567"/>
+              <a:off x="1030110" y="5942565"/>
               <a:ext cx="1211614" cy="369332"/>
             </a:xfrm>
             <a:prstGeom prst="rect">
@@ -17513,8 +18353,8 @@
           </p:nvSpPr>
           <p:spPr>
             <a:xfrm>
-              <a:off x="2671763" y="3054507"/>
-              <a:ext cx="4400550" cy="1828801"/>
+              <a:off x="2671763" y="3054505"/>
+              <a:ext cx="4400551" cy="1828800"/>
             </a:xfrm>
             <a:prstGeom prst="rect">
               <a:avLst/>
@@ -17577,8 +18417,8 @@
           </p:nvSpPr>
           <p:spPr>
             <a:xfrm>
-              <a:off x="2298878" y="3784205"/>
-              <a:ext cx="647712" cy="320829"/>
+              <a:off x="2298878" y="3784203"/>
+              <a:ext cx="647713" cy="320829"/>
             </a:xfrm>
             <a:prstGeom prst="rightArrow">
               <a:avLst/>
@@ -17617,8 +18457,8 @@
           </p:nvSpPr>
           <p:spPr>
             <a:xfrm rot="5400000">
-              <a:off x="6055514" y="4823899"/>
-              <a:ext cx="647712" cy="320829"/>
+              <a:off x="6055515" y="4823898"/>
+              <a:ext cx="647712" cy="320830"/>
             </a:xfrm>
             <a:prstGeom prst="rightArrow">
               <a:avLst/>
@@ -17657,8 +18497,8 @@
           </p:nvSpPr>
           <p:spPr>
             <a:xfrm rot="10800000">
-              <a:off x="6793687" y="3784204"/>
-              <a:ext cx="647712" cy="320829"/>
+              <a:off x="6793687" y="3784203"/>
+              <a:ext cx="647713" cy="320829"/>
             </a:xfrm>
             <a:prstGeom prst="rightArrow">
               <a:avLst/>
@@ -17746,85 +18586,6 @@
 </p:sld>
 </file>
 
-<file path=ppt/slides/slide39.xml><?xml version="1.0" encoding="utf-8"?>
-<p:sld xmlns:a="http://schemas.openxmlformats.org/drawingml/2006/main" xmlns:r="http://schemas.openxmlformats.org/officeDocument/2006/relationships" xmlns:p="http://schemas.openxmlformats.org/presentationml/2006/main">
-  <p:cSld>
-    <p:spTree>
-      <p:nvGrpSpPr>
-        <p:cNvPr id="1" name=""/>
-        <p:cNvGrpSpPr/>
-        <p:nvPr/>
-      </p:nvGrpSpPr>
-      <p:grpSpPr>
-        <a:xfrm>
-          <a:off x="0" y="0"/>
-          <a:ext cx="0" cy="0"/>
-          <a:chOff x="0" y="0"/>
-          <a:chExt cx="0" cy="0"/>
-        </a:xfrm>
-      </p:grpSpPr>
-      <p:sp>
-        <p:nvSpPr>
-          <p:cNvPr id="2" name="Title 1"/>
-          <p:cNvSpPr>
-            <a:spLocks noGrp="1"/>
-          </p:cNvSpPr>
-          <p:nvPr>
-            <p:ph type="title"/>
-          </p:nvPr>
-        </p:nvSpPr>
-        <p:spPr/>
-        <p:txBody>
-          <a:bodyPr/>
-          <a:lstStyle/>
-          <a:p>
-            <a:r>
-              <a:rPr lang="en-US" b="1" smtClean="0"/>
-              <a:t>Event-loop</a:t>
-            </a:r>
-            <a:endParaRPr lang="en-US" b="1" dirty="0"/>
-          </a:p>
-        </p:txBody>
-      </p:sp>
-      <p:sp>
-        <p:nvSpPr>
-          <p:cNvPr id="3" name="Text Placeholder 2"/>
-          <p:cNvSpPr>
-            <a:spLocks noGrp="1"/>
-          </p:cNvSpPr>
-          <p:nvPr>
-            <p:ph type="body" idx="1"/>
-          </p:nvPr>
-        </p:nvSpPr>
-        <p:spPr/>
-        <p:txBody>
-          <a:bodyPr/>
-          <a:lstStyle/>
-          <a:p>
-            <a:endParaRPr lang="en-US"/>
-          </a:p>
-        </p:txBody>
-      </p:sp>
-    </p:spTree>
-    <p:extLst>
-      <p:ext uri="{BB962C8B-B14F-4D97-AF65-F5344CB8AC3E}">
-        <p14:creationId xmlns:p14="http://schemas.microsoft.com/office/powerpoint/2010/main" val="2099807134"/>
-      </p:ext>
-    </p:extLst>
-  </p:cSld>
-  <p:clrMapOvr>
-    <a:masterClrMapping/>
-  </p:clrMapOvr>
-  <p:timing>
-    <p:tnLst>
-      <p:par>
-        <p:cTn id="1" dur="indefinite" restart="never" nodeType="tmRoot"/>
-      </p:par>
-    </p:tnLst>
-  </p:timing>
-</p:sld>
-</file>
-
 <file path=ppt/slides/slide4.xml><?xml version="1.0" encoding="utf-8"?>
 <p:sld xmlns:a="http://schemas.openxmlformats.org/drawingml/2006/main" xmlns:r="http://schemas.openxmlformats.org/officeDocument/2006/relationships" xmlns:p="http://schemas.openxmlformats.org/presentationml/2006/main">
   <p:cSld>
@@ -18149,6 +18910,85 @@
 </file>
 
 <file path=ppt/slides/slide40.xml><?xml version="1.0" encoding="utf-8"?>
+<p:sld xmlns:a="http://schemas.openxmlformats.org/drawingml/2006/main" xmlns:r="http://schemas.openxmlformats.org/officeDocument/2006/relationships" xmlns:p="http://schemas.openxmlformats.org/presentationml/2006/main">
+  <p:cSld>
+    <p:spTree>
+      <p:nvGrpSpPr>
+        <p:cNvPr id="1" name=""/>
+        <p:cNvGrpSpPr/>
+        <p:nvPr/>
+      </p:nvGrpSpPr>
+      <p:grpSpPr>
+        <a:xfrm>
+          <a:off x="0" y="0"/>
+          <a:ext cx="0" cy="0"/>
+          <a:chOff x="0" y="0"/>
+          <a:chExt cx="0" cy="0"/>
+        </a:xfrm>
+      </p:grpSpPr>
+      <p:sp>
+        <p:nvSpPr>
+          <p:cNvPr id="2" name="Title 1"/>
+          <p:cNvSpPr>
+            <a:spLocks noGrp="1"/>
+          </p:cNvSpPr>
+          <p:nvPr>
+            <p:ph type="title"/>
+          </p:nvPr>
+        </p:nvSpPr>
+        <p:spPr/>
+        <p:txBody>
+          <a:bodyPr/>
+          <a:lstStyle/>
+          <a:p>
+            <a:r>
+              <a:rPr lang="en-US" b="1" smtClean="0"/>
+              <a:t>Event-loop</a:t>
+            </a:r>
+            <a:endParaRPr lang="en-US" b="1" dirty="0"/>
+          </a:p>
+        </p:txBody>
+      </p:sp>
+      <p:sp>
+        <p:nvSpPr>
+          <p:cNvPr id="3" name="Text Placeholder 2"/>
+          <p:cNvSpPr>
+            <a:spLocks noGrp="1"/>
+          </p:cNvSpPr>
+          <p:nvPr>
+            <p:ph type="body" idx="1"/>
+          </p:nvPr>
+        </p:nvSpPr>
+        <p:spPr/>
+        <p:txBody>
+          <a:bodyPr/>
+          <a:lstStyle/>
+          <a:p>
+            <a:endParaRPr lang="en-US"/>
+          </a:p>
+        </p:txBody>
+      </p:sp>
+    </p:spTree>
+    <p:extLst>
+      <p:ext uri="{BB962C8B-B14F-4D97-AF65-F5344CB8AC3E}">
+        <p14:creationId xmlns:p14="http://schemas.microsoft.com/office/powerpoint/2010/main" val="2099807134"/>
+      </p:ext>
+    </p:extLst>
+  </p:cSld>
+  <p:clrMapOvr>
+    <a:masterClrMapping/>
+  </p:clrMapOvr>
+  <p:timing>
+    <p:tnLst>
+      <p:par>
+        <p:cTn id="1" dur="indefinite" restart="never" nodeType="tmRoot"/>
+      </p:par>
+    </p:tnLst>
+  </p:timing>
+</p:sld>
+</file>
+
+<file path=ppt/slides/slide41.xml><?xml version="1.0" encoding="utf-8"?>
 <p:sld xmlns:a="http://schemas.openxmlformats.org/drawingml/2006/main" xmlns:r="http://schemas.openxmlformats.org/officeDocument/2006/relationships" xmlns:p="http://schemas.openxmlformats.org/presentationml/2006/main">
   <p:cSld>
     <p:spTree>
@@ -18341,234 +19181,6 @@
 </p:sld>
 </file>
 
-<file path=ppt/slides/slide41.xml><?xml version="1.0" encoding="utf-8"?>
-<p:sld xmlns:a="http://schemas.openxmlformats.org/drawingml/2006/main" xmlns:r="http://schemas.openxmlformats.org/officeDocument/2006/relationships" xmlns:p="http://schemas.openxmlformats.org/presentationml/2006/main">
-  <p:cSld>
-    <p:spTree>
-      <p:nvGrpSpPr>
-        <p:cNvPr id="1" name=""/>
-        <p:cNvGrpSpPr/>
-        <p:nvPr/>
-      </p:nvGrpSpPr>
-      <p:grpSpPr>
-        <a:xfrm>
-          <a:off x="0" y="0"/>
-          <a:ext cx="0" cy="0"/>
-          <a:chOff x="0" y="0"/>
-          <a:chExt cx="0" cy="0"/>
-        </a:xfrm>
-      </p:grpSpPr>
-      <p:sp>
-        <p:nvSpPr>
-          <p:cNvPr id="2" name="Title 1"/>
-          <p:cNvSpPr>
-            <a:spLocks noGrp="1"/>
-          </p:cNvSpPr>
-          <p:nvPr>
-            <p:ph type="title"/>
-          </p:nvPr>
-        </p:nvSpPr>
-        <p:spPr/>
-        <p:txBody>
-          <a:bodyPr/>
-          <a:lstStyle/>
-          <a:p>
-            <a:r>
-              <a:rPr lang="en-US" b="1" dirty="0" err="1" smtClean="0"/>
-              <a:t>Kelebihan</a:t>
-            </a:r>
-            <a:r>
-              <a:rPr lang="en-US" b="1" dirty="0" smtClean="0"/>
-              <a:t> Event-loop</a:t>
-            </a:r>
-            <a:endParaRPr lang="en-US" b="1" dirty="0"/>
-          </a:p>
-        </p:txBody>
-      </p:sp>
-      <p:sp>
-        <p:nvSpPr>
-          <p:cNvPr id="3" name="Content Placeholder 2"/>
-          <p:cNvSpPr>
-            <a:spLocks noGrp="1"/>
-          </p:cNvSpPr>
-          <p:nvPr>
-            <p:ph idx="1"/>
-          </p:nvPr>
-        </p:nvSpPr>
-        <p:spPr/>
-        <p:txBody>
-          <a:bodyPr>
-            <a:normAutofit/>
-          </a:bodyPr>
-          <a:lstStyle/>
-          <a:p>
-            <a:pPr>
-              <a:lnSpc>
-                <a:spcPct val="120000"/>
-              </a:lnSpc>
-            </a:pPr>
-            <a:r>
-              <a:rPr lang="en-US" dirty="0" err="1" smtClean="0"/>
-              <a:t>Memaksimalkan</a:t>
-            </a:r>
-            <a:r>
-              <a:rPr lang="en-US" dirty="0" smtClean="0"/>
-              <a:t> </a:t>
-            </a:r>
-            <a:r>
-              <a:rPr lang="en-US" dirty="0"/>
-              <a:t>throughput </a:t>
-            </a:r>
-            <a:r>
-              <a:rPr lang="en-US" dirty="0" err="1"/>
-              <a:t>untuk</a:t>
-            </a:r>
-            <a:r>
-              <a:rPr lang="en-US" dirty="0"/>
-              <a:t> proses yang </a:t>
-            </a:r>
-            <a:r>
-              <a:rPr lang="en-US" dirty="0" err="1" smtClean="0"/>
-              <a:t>dihandle</a:t>
-            </a:r>
-            <a:r>
-              <a:rPr lang="en-US" dirty="0" smtClean="0"/>
-              <a:t> </a:t>
-            </a:r>
-            <a:r>
-              <a:rPr lang="en-US" dirty="0" err="1" smtClean="0"/>
-              <a:t>oleh</a:t>
-            </a:r>
-            <a:r>
-              <a:rPr lang="en-US" dirty="0" smtClean="0"/>
-              <a:t> </a:t>
-            </a:r>
-            <a:r>
-              <a:rPr lang="en-US" dirty="0" err="1" smtClean="0"/>
-              <a:t>satu</a:t>
-            </a:r>
-            <a:r>
-              <a:rPr lang="en-US" dirty="0" smtClean="0"/>
-              <a:t> thread (</a:t>
-            </a:r>
-            <a:r>
-              <a:rPr lang="en-US" dirty="0" err="1" smtClean="0"/>
-              <a:t>sifatnya</a:t>
-            </a:r>
-            <a:r>
-              <a:rPr lang="en-US" dirty="0" smtClean="0"/>
-              <a:t> yang </a:t>
-            </a:r>
-            <a:r>
-              <a:rPr lang="en-US" dirty="0" err="1" smtClean="0"/>
-              <a:t>nonblocking</a:t>
-            </a:r>
-            <a:r>
-              <a:rPr lang="en-US" dirty="0" smtClean="0"/>
-              <a:t>).</a:t>
-            </a:r>
-          </a:p>
-          <a:p>
-            <a:pPr>
-              <a:lnSpc>
-                <a:spcPct val="120000"/>
-              </a:lnSpc>
-            </a:pPr>
-            <a:r>
-              <a:rPr lang="en-US" dirty="0" err="1" smtClean="0"/>
-              <a:t>Tidak</a:t>
-            </a:r>
-            <a:r>
-              <a:rPr lang="en-US" dirty="0" smtClean="0"/>
-              <a:t> </a:t>
-            </a:r>
-            <a:r>
-              <a:rPr lang="en-US" dirty="0" err="1" smtClean="0"/>
-              <a:t>perlu</a:t>
-            </a:r>
-            <a:r>
-              <a:rPr lang="en-US" dirty="0" smtClean="0"/>
-              <a:t> </a:t>
-            </a:r>
-            <a:r>
-              <a:rPr lang="en-US" dirty="0" err="1" smtClean="0"/>
-              <a:t>memikirkan</a:t>
-            </a:r>
-            <a:r>
-              <a:rPr lang="en-US" dirty="0" smtClean="0"/>
-              <a:t> deadlock </a:t>
-            </a:r>
-            <a:r>
-              <a:rPr lang="en-US" dirty="0" err="1" smtClean="0"/>
-              <a:t>antar</a:t>
-            </a:r>
-            <a:r>
-              <a:rPr lang="en-US" dirty="0" smtClean="0"/>
-              <a:t> thread </a:t>
-            </a:r>
-            <a:r>
-              <a:rPr lang="en-US" dirty="0" err="1" smtClean="0"/>
-              <a:t>maupun</a:t>
-            </a:r>
-            <a:r>
-              <a:rPr lang="en-US" dirty="0" smtClean="0"/>
-              <a:t> race-condition.</a:t>
-            </a:r>
-          </a:p>
-          <a:p>
-            <a:pPr>
-              <a:lnSpc>
-                <a:spcPct val="120000"/>
-              </a:lnSpc>
-            </a:pPr>
-            <a:r>
-              <a:rPr lang="en-US" dirty="0" err="1" smtClean="0"/>
-              <a:t>Setiap</a:t>
-            </a:r>
-            <a:r>
-              <a:rPr lang="en-US" dirty="0" smtClean="0"/>
-              <a:t> callback </a:t>
-            </a:r>
-            <a:r>
-              <a:rPr lang="en-US" dirty="0" err="1" smtClean="0"/>
-              <a:t>bersifat</a:t>
-            </a:r>
-            <a:r>
-              <a:rPr lang="en-US" dirty="0" smtClean="0"/>
-              <a:t> </a:t>
-            </a:r>
-            <a:r>
-              <a:rPr lang="en-US" dirty="0" err="1" smtClean="0"/>
-              <a:t>atomik</a:t>
-            </a:r>
-            <a:r>
-              <a:rPr lang="en-US" dirty="0" smtClean="0"/>
-              <a:t>.</a:t>
-            </a:r>
-            <a:endParaRPr lang="en-US" dirty="0"/>
-          </a:p>
-        </p:txBody>
-      </p:sp>
-    </p:spTree>
-    <p:extLst>
-      <p:ext uri="{BB962C8B-B14F-4D97-AF65-F5344CB8AC3E}">
-        <p14:creationId xmlns:p14="http://schemas.microsoft.com/office/powerpoint/2010/main" val="1689559118"/>
-      </p:ext>
-    </p:extLst>
-  </p:cSld>
-  <p:clrMapOvr>
-    <a:masterClrMapping/>
-  </p:clrMapOvr>
-  <p:timing>
-    <p:tnLst>
-      <p:par>
-        <p:cTn id="1" dur="indefinite" restart="never" nodeType="tmRoot"/>
-      </p:par>
-    </p:tnLst>
-  </p:timing>
-</p:sld>
-</file>
-
 <file path=ppt/slides/slide42.xml><?xml version="1.0" encoding="utf-8"?>
 <p:sld xmlns:a="http://schemas.openxmlformats.org/drawingml/2006/main" xmlns:r="http://schemas.openxmlformats.org/officeDocument/2006/relationships" xmlns:p="http://schemas.openxmlformats.org/presentationml/2006/main">
   <p:cSld>
@@ -18603,7 +19215,7 @@
           <a:p>
             <a:r>
               <a:rPr lang="en-US" b="1" dirty="0" err="1" smtClean="0"/>
-              <a:t>Kelemahan</a:t>
+              <a:t>Kelebihan</a:t>
             </a:r>
             <a:r>
               <a:rPr lang="en-US" b="1" dirty="0" smtClean="0"/>
@@ -18637,71 +19249,63 @@
             </a:pPr>
             <a:r>
               <a:rPr lang="en-US" dirty="0" err="1" smtClean="0"/>
-              <a:t>Jika</a:t>
-            </a:r>
-            <a:r>
-              <a:rPr lang="en-US" dirty="0" smtClean="0"/>
-              <a:t> </a:t>
+              <a:t>Memaksimalkan</a:t>
+            </a:r>
+            <a:r>
+              <a:rPr lang="en-US" dirty="0" smtClean="0"/>
+              <a:t> </a:t>
+            </a:r>
+            <a:r>
+              <a:rPr lang="en-US" dirty="0"/>
+              <a:t>throughput </a:t>
             </a:r>
             <a:r>
               <a:rPr lang="en-US" dirty="0" err="1"/>
-              <a:t>ada</a:t>
+              <a:t>untuk</a:t>
             </a:r>
             <a:r>
               <a:rPr lang="en-US" dirty="0"/>
-              <a:t> callback / </a:t>
-            </a:r>
-            <a:r>
-              <a:rPr lang="en-US" dirty="0" err="1"/>
-              <a:t>kode</a:t>
-            </a:r>
-            <a:r>
-              <a:rPr lang="en-US" dirty="0"/>
-              <a:t> </a:t>
-            </a:r>
-            <a:r>
-              <a:rPr lang="en-US" dirty="0" err="1"/>
-              <a:t>apapun</a:t>
-            </a:r>
-            <a:r>
-              <a:rPr lang="en-US" dirty="0"/>
+              <a:t> proses yang </a:t>
+            </a:r>
+            <a:r>
+              <a:rPr lang="en-US" dirty="0" err="1" smtClean="0"/>
+              <a:t>dihandle</a:t>
+            </a:r>
+            <a:r>
+              <a:rPr lang="en-US" dirty="0" smtClean="0"/>
+              <a:t> </a:t>
+            </a:r>
+            <a:r>
+              <a:rPr lang="en-US" dirty="0" err="1" smtClean="0"/>
+              <a:t>oleh</a:t>
+            </a:r>
+            <a:r>
+              <a:rPr lang="en-US" dirty="0" smtClean="0"/>
+              <a:t> </a:t>
+            </a:r>
+            <a:r>
+              <a:rPr lang="en-US" dirty="0" err="1" smtClean="0"/>
+              <a:t>satu</a:t>
+            </a:r>
+            <a:r>
+              <a:rPr lang="en-US" dirty="0" smtClean="0"/>
+              <a:t> thread (</a:t>
+            </a:r>
+            <a:r>
+              <a:rPr lang="en-US" dirty="0" err="1" smtClean="0"/>
+              <a:t>sifatnya</a:t>
+            </a:r>
+            <a:r>
+              <a:rPr lang="en-US" dirty="0" smtClean="0"/>
               <a:t> yang </a:t>
             </a:r>
             <a:r>
-              <a:rPr lang="en-US" dirty="0" err="1"/>
-              <a:t>melakukan</a:t>
-            </a:r>
-            <a:r>
-              <a:rPr lang="en-US" dirty="0"/>
-              <a:t> blocking, </a:t>
-            </a:r>
-            <a:r>
-              <a:rPr lang="en-US" dirty="0" err="1"/>
-              <a:t>seluruh</a:t>
-            </a:r>
-            <a:r>
-              <a:rPr lang="en-US" dirty="0"/>
-              <a:t> event-loop </a:t>
-            </a:r>
-            <a:r>
-              <a:rPr lang="en-US" dirty="0" err="1"/>
-              <a:t>akan</a:t>
-            </a:r>
-            <a:r>
-              <a:rPr lang="en-US" dirty="0"/>
-              <a:t> </a:t>
-            </a:r>
-            <a:r>
-              <a:rPr lang="en-US" dirty="0" err="1"/>
-              <a:t>ter</a:t>
-            </a:r>
-            <a:r>
-              <a:rPr lang="en-US" dirty="0"/>
-              <a:t>-block</a:t>
-            </a:r>
-            <a:r>
-              <a:rPr lang="en-US" dirty="0" smtClean="0"/>
-              <a:t>.</a:t>
+              <a:rPr lang="en-US" dirty="0" err="1" smtClean="0"/>
+              <a:t>nonblocking</a:t>
+            </a:r>
+            <a:r>
+              <a:rPr lang="en-US" dirty="0" smtClean="0"/>
+              <a:t>).</a:t>
             </a:r>
           </a:p>
           <a:p>
@@ -18712,83 +19316,83 @@
             </a:pPr>
             <a:r>
               <a:rPr lang="en-US" dirty="0" err="1" smtClean="0"/>
-              <a:t>Semakin</a:t>
-            </a:r>
-            <a:r>
-              <a:rPr lang="en-US" dirty="0" smtClean="0"/>
-              <a:t> </a:t>
-            </a:r>
-            <a:r>
-              <a:rPr lang="en-US" dirty="0" err="1" smtClean="0"/>
-              <a:t>banyak</a:t>
-            </a:r>
-            <a:r>
-              <a:rPr lang="en-US" dirty="0" smtClean="0"/>
-              <a:t> </a:t>
-            </a:r>
-            <a:r>
-              <a:rPr lang="en-US" dirty="0" err="1" smtClean="0"/>
-              <a:t>baris</a:t>
-            </a:r>
-            <a:r>
-              <a:rPr lang="en-US" dirty="0" smtClean="0"/>
-              <a:t> </a:t>
-            </a:r>
-            <a:r>
-              <a:rPr lang="en-US" dirty="0" err="1" smtClean="0"/>
-              <a:t>kode</a:t>
-            </a:r>
-            <a:r>
-              <a:rPr lang="en-US" dirty="0" smtClean="0"/>
-              <a:t> program yang </a:t>
-            </a:r>
-            <a:r>
-              <a:rPr lang="en-US" dirty="0" err="1" smtClean="0"/>
-              <a:t>harus</a:t>
-            </a:r>
-            <a:r>
-              <a:rPr lang="en-US" dirty="0" smtClean="0"/>
-              <a:t> </a:t>
-            </a:r>
-            <a:r>
-              <a:rPr lang="en-US" dirty="0" err="1" smtClean="0"/>
-              <a:t>dieksekusi</a:t>
-            </a:r>
-            <a:r>
-              <a:rPr lang="en-US" dirty="0" smtClean="0"/>
-              <a:t> per “tick”, </a:t>
-            </a:r>
-            <a:r>
-              <a:rPr lang="en-US" dirty="0" err="1" smtClean="0"/>
-              <a:t>semakin</a:t>
-            </a:r>
-            <a:r>
-              <a:rPr lang="en-US" dirty="0" smtClean="0"/>
-              <a:t> </a:t>
-            </a:r>
-            <a:r>
-              <a:rPr lang="en-US" dirty="0" err="1" smtClean="0"/>
-              <a:t>lambat</a:t>
-            </a:r>
-            <a:r>
-              <a:rPr lang="en-US" dirty="0" smtClean="0"/>
-              <a:t> event-loop </a:t>
-            </a:r>
-            <a:r>
-              <a:rPr lang="en-US" dirty="0" err="1" smtClean="0"/>
-              <a:t>berjalan</a:t>
+              <a:t>Tidak</a:t>
+            </a:r>
+            <a:r>
+              <a:rPr lang="en-US" dirty="0" smtClean="0"/>
+              <a:t> </a:t>
+            </a:r>
+            <a:r>
+              <a:rPr lang="en-US" dirty="0" err="1" smtClean="0"/>
+              <a:t>perlu</a:t>
+            </a:r>
+            <a:r>
+              <a:rPr lang="en-US" dirty="0" smtClean="0"/>
+              <a:t> </a:t>
+            </a:r>
+            <a:r>
+              <a:rPr lang="en-US" dirty="0" err="1" smtClean="0"/>
+              <a:t>memikirkan</a:t>
+            </a:r>
+            <a:r>
+              <a:rPr lang="en-US" dirty="0" smtClean="0"/>
+              <a:t> deadlock </a:t>
+            </a:r>
+            <a:r>
+              <a:rPr lang="en-US" dirty="0" err="1" smtClean="0"/>
+              <a:t>antar</a:t>
+            </a:r>
+            <a:r>
+              <a:rPr lang="en-US" dirty="0" smtClean="0"/>
+              <a:t> thread </a:t>
+            </a:r>
+            <a:r>
+              <a:rPr lang="en-US" dirty="0" err="1" smtClean="0"/>
+              <a:t>maupun</a:t>
+            </a:r>
+            <a:r>
+              <a:rPr lang="en-US" dirty="0" smtClean="0"/>
+              <a:t> race-condition.</a:t>
+            </a:r>
+          </a:p>
+          <a:p>
+            <a:pPr>
+              <a:lnSpc>
+                <a:spcPct val="120000"/>
+              </a:lnSpc>
+            </a:pPr>
+            <a:r>
+              <a:rPr lang="en-US" dirty="0" err="1" smtClean="0"/>
+              <a:t>Setiap</a:t>
+            </a:r>
+            <a:r>
+              <a:rPr lang="en-US" dirty="0" smtClean="0"/>
+              <a:t> callback </a:t>
+            </a:r>
+            <a:r>
+              <a:rPr lang="en-US" dirty="0" err="1" smtClean="0"/>
+              <a:t>bersifat</a:t>
+            </a:r>
+            <a:r>
+              <a:rPr lang="en-US" dirty="0" smtClean="0"/>
+              <a:t> </a:t>
+            </a:r>
+            <a:r>
+              <a:rPr lang="en-US" dirty="0" err="1" smtClean="0"/>
+              <a:t>atomik</a:t>
             </a:r>
             <a:r>
               <a:rPr lang="en-US" dirty="0" smtClean="0"/>
               <a:t>.</a:t>
             </a:r>
+            <a:endParaRPr lang="en-US" dirty="0"/>
           </a:p>
         </p:txBody>
       </p:sp>
     </p:spTree>
     <p:extLst>
       <p:ext uri="{BB962C8B-B14F-4D97-AF65-F5344CB8AC3E}">
-        <p14:creationId xmlns:p14="http://schemas.microsoft.com/office/powerpoint/2010/main" val="3982405204"/>
+        <p14:creationId xmlns:p14="http://schemas.microsoft.com/office/powerpoint/2010/main" val="1689559118"/>
       </p:ext>
     </p:extLst>
   </p:cSld>
@@ -18824,7 +19428,7 @@
       </p:grpSpPr>
       <p:sp>
         <p:nvSpPr>
-          <p:cNvPr id="4" name="Title 3"/>
+          <p:cNvPr id="2" name="Title 1"/>
           <p:cNvSpPr>
             <a:spLocks noGrp="1"/>
           </p:cNvSpPr>
@@ -18838,8 +19442,12 @@
           <a:lstStyle/>
           <a:p>
             <a:r>
+              <a:rPr lang="en-US" b="1" dirty="0" err="1" smtClean="0"/>
+              <a:t>Kelemahan</a:t>
+            </a:r>
+            <a:r>
               <a:rPr lang="en-US" b="1" dirty="0" smtClean="0"/>
-              <a:t>Cluster</a:t>
+              <a:t> Event-loop</a:t>
             </a:r>
             <a:endParaRPr lang="en-US" b="1" dirty="0"/>
           </a:p>
@@ -18847,27 +19455,180 @@
       </p:sp>
       <p:sp>
         <p:nvSpPr>
-          <p:cNvPr id="5" name="Text Placeholder 4"/>
+          <p:cNvPr id="3" name="Content Placeholder 2"/>
           <p:cNvSpPr>
             <a:spLocks noGrp="1"/>
           </p:cNvSpPr>
           <p:nvPr>
-            <p:ph type="body" idx="1"/>
+            <p:ph idx="1"/>
           </p:nvPr>
         </p:nvSpPr>
         <p:spPr/>
         <p:txBody>
-          <a:bodyPr/>
+          <a:bodyPr>
+            <a:normAutofit/>
+          </a:bodyPr>
           <a:lstStyle/>
           <a:p>
-            <a:endParaRPr lang="en-US" dirty="0"/>
+            <a:pPr>
+              <a:lnSpc>
+                <a:spcPct val="120000"/>
+              </a:lnSpc>
+            </a:pPr>
+            <a:r>
+              <a:rPr lang="en-US" dirty="0" err="1" smtClean="0"/>
+              <a:t>Jika</a:t>
+            </a:r>
+            <a:r>
+              <a:rPr lang="en-US" dirty="0" smtClean="0"/>
+              <a:t> </a:t>
+            </a:r>
+            <a:r>
+              <a:rPr lang="en-US" dirty="0" err="1"/>
+              <a:t>ada</a:t>
+            </a:r>
+            <a:r>
+              <a:rPr lang="en-US" dirty="0"/>
+              <a:t> callback / </a:t>
+            </a:r>
+            <a:r>
+              <a:rPr lang="en-US" dirty="0" err="1"/>
+              <a:t>kode</a:t>
+            </a:r>
+            <a:r>
+              <a:rPr lang="en-US" dirty="0"/>
+              <a:t> </a:t>
+            </a:r>
+            <a:r>
+              <a:rPr lang="en-US" dirty="0" err="1"/>
+              <a:t>apapun</a:t>
+            </a:r>
+            <a:r>
+              <a:rPr lang="en-US" dirty="0"/>
+              <a:t> yang </a:t>
+            </a:r>
+            <a:r>
+              <a:rPr lang="en-US" dirty="0" err="1"/>
+              <a:t>melakukan</a:t>
+            </a:r>
+            <a:r>
+              <a:rPr lang="en-US" dirty="0"/>
+              <a:t> blocking, </a:t>
+            </a:r>
+            <a:r>
+              <a:rPr lang="en-US" dirty="0" err="1"/>
+              <a:t>seluruh</a:t>
+            </a:r>
+            <a:r>
+              <a:rPr lang="en-US" dirty="0"/>
+              <a:t> event-loop </a:t>
+            </a:r>
+            <a:r>
+              <a:rPr lang="en-US" dirty="0" err="1"/>
+              <a:t>akan</a:t>
+            </a:r>
+            <a:r>
+              <a:rPr lang="en-US" dirty="0"/>
+              <a:t> </a:t>
+            </a:r>
+            <a:r>
+              <a:rPr lang="en-US" dirty="0" err="1"/>
+              <a:t>ter</a:t>
+            </a:r>
+            <a:r>
+              <a:rPr lang="en-US" dirty="0"/>
+              <a:t>-block</a:t>
+            </a:r>
+            <a:r>
+              <a:rPr lang="en-US" dirty="0" smtClean="0"/>
+              <a:t>.</a:t>
+            </a:r>
+          </a:p>
+          <a:p>
+            <a:pPr>
+              <a:lnSpc>
+                <a:spcPct val="120000"/>
+              </a:lnSpc>
+            </a:pPr>
+            <a:r>
+              <a:rPr lang="en-US" dirty="0" err="1" smtClean="0"/>
+              <a:t>Semakin</a:t>
+            </a:r>
+            <a:r>
+              <a:rPr lang="en-US" dirty="0" smtClean="0"/>
+              <a:t> </a:t>
+            </a:r>
+            <a:r>
+              <a:rPr lang="en-US" dirty="0" err="1" smtClean="0"/>
+              <a:t>banyak</a:t>
+            </a:r>
+            <a:r>
+              <a:rPr lang="en-US" dirty="0" smtClean="0"/>
+              <a:t> </a:t>
+            </a:r>
+            <a:r>
+              <a:rPr lang="en-US" dirty="0" err="1" smtClean="0"/>
+              <a:t>baris</a:t>
+            </a:r>
+            <a:r>
+              <a:rPr lang="en-US" dirty="0" smtClean="0"/>
+              <a:t> </a:t>
+            </a:r>
+            <a:r>
+              <a:rPr lang="en-US" dirty="0" err="1" smtClean="0"/>
+              <a:t>kode</a:t>
+            </a:r>
+            <a:r>
+              <a:rPr lang="en-US" dirty="0" smtClean="0"/>
+              <a:t> program yang </a:t>
+            </a:r>
+            <a:r>
+              <a:rPr lang="en-US" dirty="0" err="1" smtClean="0"/>
+              <a:t>harus</a:t>
+            </a:r>
+            <a:r>
+              <a:rPr lang="en-US" dirty="0" smtClean="0"/>
+              <a:t> </a:t>
+            </a:r>
+            <a:r>
+              <a:rPr lang="en-US" dirty="0" err="1" smtClean="0"/>
+              <a:t>dieksekusi</a:t>
+            </a:r>
+            <a:r>
+              <a:rPr lang="en-US" dirty="0" smtClean="0"/>
+              <a:t> per “tick”, </a:t>
+            </a:r>
+            <a:r>
+              <a:rPr lang="en-US" dirty="0" err="1" smtClean="0"/>
+              <a:t>semakin</a:t>
+            </a:r>
+            <a:r>
+              <a:rPr lang="en-US" dirty="0" smtClean="0"/>
+              <a:t> </a:t>
+            </a:r>
+            <a:r>
+              <a:rPr lang="en-US" dirty="0" err="1" smtClean="0"/>
+              <a:t>lambat</a:t>
+            </a:r>
+            <a:r>
+              <a:rPr lang="en-US" dirty="0" smtClean="0"/>
+              <a:t> event-loop </a:t>
+            </a:r>
+            <a:r>
+              <a:rPr lang="en-US" dirty="0" err="1" smtClean="0"/>
+              <a:t>berjalan</a:t>
+            </a:r>
+            <a:r>
+              <a:rPr lang="en-US" dirty="0" smtClean="0"/>
+              <a:t>.</a:t>
+            </a:r>
           </a:p>
         </p:txBody>
       </p:sp>
     </p:spTree>
     <p:extLst>
       <p:ext uri="{BB962C8B-B14F-4D97-AF65-F5344CB8AC3E}">
-        <p14:creationId xmlns:p14="http://schemas.microsoft.com/office/powerpoint/2010/main" val="3773677215"/>
+        <p14:creationId xmlns:p14="http://schemas.microsoft.com/office/powerpoint/2010/main" val="3982405204"/>
       </p:ext>
     </p:extLst>
   </p:cSld>
@@ -18926,6 +19687,85 @@
       </p:sp>
       <p:sp>
         <p:nvSpPr>
+          <p:cNvPr id="5" name="Text Placeholder 4"/>
+          <p:cNvSpPr>
+            <a:spLocks noGrp="1"/>
+          </p:cNvSpPr>
+          <p:nvPr>
+            <p:ph type="body" idx="1"/>
+          </p:nvPr>
+        </p:nvSpPr>
+        <p:spPr/>
+        <p:txBody>
+          <a:bodyPr/>
+          <a:lstStyle/>
+          <a:p>
+            <a:endParaRPr lang="en-US" dirty="0"/>
+          </a:p>
+        </p:txBody>
+      </p:sp>
+    </p:spTree>
+    <p:extLst>
+      <p:ext uri="{BB962C8B-B14F-4D97-AF65-F5344CB8AC3E}">
+        <p14:creationId xmlns:p14="http://schemas.microsoft.com/office/powerpoint/2010/main" val="3773677215"/>
+      </p:ext>
+    </p:extLst>
+  </p:cSld>
+  <p:clrMapOvr>
+    <a:masterClrMapping/>
+  </p:clrMapOvr>
+  <p:timing>
+    <p:tnLst>
+      <p:par>
+        <p:cTn id="1" dur="indefinite" restart="never" nodeType="tmRoot"/>
+      </p:par>
+    </p:tnLst>
+  </p:timing>
+</p:sld>
+</file>
+
+<file path=ppt/slides/slide45.xml><?xml version="1.0" encoding="utf-8"?>
+<p:sld xmlns:a="http://schemas.openxmlformats.org/drawingml/2006/main" xmlns:r="http://schemas.openxmlformats.org/officeDocument/2006/relationships" xmlns:p="http://schemas.openxmlformats.org/presentationml/2006/main">
+  <p:cSld>
+    <p:spTree>
+      <p:nvGrpSpPr>
+        <p:cNvPr id="1" name=""/>
+        <p:cNvGrpSpPr/>
+        <p:nvPr/>
+      </p:nvGrpSpPr>
+      <p:grpSpPr>
+        <a:xfrm>
+          <a:off x="0" y="0"/>
+          <a:ext cx="0" cy="0"/>
+          <a:chOff x="0" y="0"/>
+          <a:chExt cx="0" cy="0"/>
+        </a:xfrm>
+      </p:grpSpPr>
+      <p:sp>
+        <p:nvSpPr>
+          <p:cNvPr id="4" name="Title 3"/>
+          <p:cNvSpPr>
+            <a:spLocks noGrp="1"/>
+          </p:cNvSpPr>
+          <p:nvPr>
+            <p:ph type="title"/>
+          </p:nvPr>
+        </p:nvSpPr>
+        <p:spPr/>
+        <p:txBody>
+          <a:bodyPr/>
+          <a:lstStyle/>
+          <a:p>
+            <a:r>
+              <a:rPr lang="en-US" b="1" dirty="0" smtClean="0"/>
+              <a:t>Cluster</a:t>
+            </a:r>
+            <a:endParaRPr lang="en-US" b="1" dirty="0"/>
+          </a:p>
+        </p:txBody>
+      </p:sp>
+      <p:sp>
+        <p:nvSpPr>
           <p:cNvPr id="5" name="Content Placeholder 4"/>
           <p:cNvSpPr>
             <a:spLocks noGrp="1"/>
@@ -19337,7 +20177,7 @@
 </p:sld>
 </file>
 
-<file path=ppt/slides/slide45.xml><?xml version="1.0" encoding="utf-8"?>
+<file path=ppt/slides/slide46.xml><?xml version="1.0" encoding="utf-8"?>
 <p:sld xmlns:a="http://schemas.openxmlformats.org/drawingml/2006/main" xmlns:r="http://schemas.openxmlformats.org/officeDocument/2006/relationships" xmlns:p="http://schemas.openxmlformats.org/presentationml/2006/main">
   <p:cSld>
     <p:spTree>
@@ -20047,7 +20887,7 @@
 </p:sld>
 </file>
 
-<file path=ppt/slides/slide46.xml><?xml version="1.0" encoding="utf-8"?>
+<file path=ppt/slides/slide47.xml><?xml version="1.0" encoding="utf-8"?>
 <p:sld xmlns:a="http://schemas.openxmlformats.org/drawingml/2006/main" xmlns:r="http://schemas.openxmlformats.org/officeDocument/2006/relationships" xmlns:p="http://schemas.openxmlformats.org/presentationml/2006/main">
   <p:cSld>
     <p:spTree>
@@ -20130,7 +20970,7 @@
 </p:sld>
 </file>
 
-<file path=ppt/slides/slide47.xml><?xml version="1.0" encoding="utf-8"?>
+<file path=ppt/slides/slide48.xml><?xml version="1.0" encoding="utf-8"?>
 <p:sld xmlns:a="http://schemas.openxmlformats.org/drawingml/2006/main" xmlns:r="http://schemas.openxmlformats.org/officeDocument/2006/relationships" xmlns:p="http://schemas.openxmlformats.org/presentationml/2006/main">
   <p:cSld>
     <p:spTree>
@@ -21578,7 +22418,7 @@
 </p:sld>
 </file>
 
-<file path=ppt/slides/slide48.xml><?xml version="1.0" encoding="utf-8"?>
+<file path=ppt/slides/slide49.xml><?xml version="1.0" encoding="utf-8"?>
 <p:sld xmlns:a="http://schemas.openxmlformats.org/drawingml/2006/main" xmlns:r="http://schemas.openxmlformats.org/officeDocument/2006/relationships" xmlns:p="http://schemas.openxmlformats.org/presentationml/2006/main">
   <p:cSld>
     <p:spTree>
@@ -22847,7 +23687,6 @@
               <a:rPr lang="en-US" sz="2000" dirty="0" smtClean="0"/>
               <a:t>)</a:t>
             </a:r>
-            <a:endParaRPr lang="en-US" sz="2000" dirty="0" smtClean="0"/>
           </a:p>
           <a:p>
             <a:pPr lvl="1">
@@ -22879,7 +23718,6 @@
               <a:rPr lang="en-US" sz="2000" dirty="0" smtClean="0"/>
               <a:t>)</a:t>
             </a:r>
-            <a:endParaRPr lang="en-US" sz="2000" dirty="0" smtClean="0"/>
           </a:p>
           <a:p>
             <a:pPr lvl="1">
@@ -22959,7 +23797,6 @@
               <a:rPr lang="en-US" sz="2000" dirty="0" smtClean="0"/>
               <a:t>)</a:t>
             </a:r>
-            <a:endParaRPr lang="en-US" sz="2000" dirty="0" smtClean="0"/>
           </a:p>
           <a:p>
             <a:pPr lvl="1">

--- a/docs/Chat Server.pptx
+++ b/docs/Chat Server.pptx
@@ -5242,6 +5242,14 @@
   <p:clrMapOvr>
     <a:masterClrMapping/>
   </p:clrMapOvr>
+  <mc:AlternateContent xmlns:mc="http://schemas.openxmlformats.org/markup-compatibility/2006">
+    <mc:Choice xmlns:p14="http://schemas.microsoft.com/office/powerpoint/2010/main" Requires="p14">
+      <p:transition p14:dur="0"/>
+    </mc:Choice>
+    <mc:Fallback>
+      <p:transition/>
+    </mc:Fallback>
+  </mc:AlternateContent>
 </p:sldLayout>
 </file>
 
@@ -5412,6 +5420,14 @@
   <p:clrMapOvr>
     <a:masterClrMapping/>
   </p:clrMapOvr>
+  <mc:AlternateContent xmlns:mc="http://schemas.openxmlformats.org/markup-compatibility/2006">
+    <mc:Choice xmlns:p14="http://schemas.microsoft.com/office/powerpoint/2010/main" Requires="p14">
+      <p:transition p14:dur="0"/>
+    </mc:Choice>
+    <mc:Fallback>
+      <p:transition/>
+    </mc:Fallback>
+  </mc:AlternateContent>
 </p:sldLayout>
 </file>
 
@@ -5592,6 +5608,14 @@
   <p:clrMapOvr>
     <a:masterClrMapping/>
   </p:clrMapOvr>
+  <mc:AlternateContent xmlns:mc="http://schemas.openxmlformats.org/markup-compatibility/2006">
+    <mc:Choice xmlns:p14="http://schemas.microsoft.com/office/powerpoint/2010/main" Requires="p14">
+      <p:transition p14:dur="0"/>
+    </mc:Choice>
+    <mc:Fallback>
+      <p:transition/>
+    </mc:Fallback>
+  </mc:AlternateContent>
 </p:sldLayout>
 </file>
 
@@ -5762,6 +5786,14 @@
   <p:clrMapOvr>
     <a:masterClrMapping/>
   </p:clrMapOvr>
+  <mc:AlternateContent xmlns:mc="http://schemas.openxmlformats.org/markup-compatibility/2006">
+    <mc:Choice xmlns:p14="http://schemas.microsoft.com/office/powerpoint/2010/main" Requires="p14">
+      <p:transition p14:dur="0"/>
+    </mc:Choice>
+    <mc:Fallback>
+      <p:transition/>
+    </mc:Fallback>
+  </mc:AlternateContent>
 </p:sldLayout>
 </file>
 
@@ -6006,6 +6038,14 @@
   <p:clrMapOvr>
     <a:masterClrMapping/>
   </p:clrMapOvr>
+  <mc:AlternateContent xmlns:mc="http://schemas.openxmlformats.org/markup-compatibility/2006">
+    <mc:Choice xmlns:p14="http://schemas.microsoft.com/office/powerpoint/2010/main" Requires="p14">
+      <p:transition p14:dur="0"/>
+    </mc:Choice>
+    <mc:Fallback>
+      <p:transition/>
+    </mc:Fallback>
+  </mc:AlternateContent>
 </p:sldLayout>
 </file>
 
@@ -6238,6 +6278,14 @@
   <p:clrMapOvr>
     <a:masterClrMapping/>
   </p:clrMapOvr>
+  <mc:AlternateContent xmlns:mc="http://schemas.openxmlformats.org/markup-compatibility/2006">
+    <mc:Choice xmlns:p14="http://schemas.microsoft.com/office/powerpoint/2010/main" Requires="p14">
+      <p:transition p14:dur="0"/>
+    </mc:Choice>
+    <mc:Fallback>
+      <p:transition/>
+    </mc:Fallback>
+  </mc:AlternateContent>
 </p:sldLayout>
 </file>
 
@@ -6605,6 +6653,14 @@
   <p:clrMapOvr>
     <a:masterClrMapping/>
   </p:clrMapOvr>
+  <mc:AlternateContent xmlns:mc="http://schemas.openxmlformats.org/markup-compatibility/2006">
+    <mc:Choice xmlns:p14="http://schemas.microsoft.com/office/powerpoint/2010/main" Requires="p14">
+      <p:transition p14:dur="0"/>
+    </mc:Choice>
+    <mc:Fallback>
+      <p:transition/>
+    </mc:Fallback>
+  </mc:AlternateContent>
 </p:sldLayout>
 </file>
 
@@ -6723,6 +6779,14 @@
   <p:clrMapOvr>
     <a:masterClrMapping/>
   </p:clrMapOvr>
+  <mc:AlternateContent xmlns:mc="http://schemas.openxmlformats.org/markup-compatibility/2006">
+    <mc:Choice xmlns:p14="http://schemas.microsoft.com/office/powerpoint/2010/main" Requires="p14">
+      <p:transition p14:dur="0"/>
+    </mc:Choice>
+    <mc:Fallback>
+      <p:transition/>
+    </mc:Fallback>
+  </mc:AlternateContent>
 </p:sldLayout>
 </file>
 
@@ -6818,6 +6882,14 @@
   <p:clrMapOvr>
     <a:masterClrMapping/>
   </p:clrMapOvr>
+  <mc:AlternateContent xmlns:mc="http://schemas.openxmlformats.org/markup-compatibility/2006">
+    <mc:Choice xmlns:p14="http://schemas.microsoft.com/office/powerpoint/2010/main" Requires="p14">
+      <p:transition p14:dur="0"/>
+    </mc:Choice>
+    <mc:Fallback>
+      <p:transition/>
+    </mc:Fallback>
+  </mc:AlternateContent>
 </p:sldLayout>
 </file>
 
@@ -7095,6 +7167,14 @@
   <p:clrMapOvr>
     <a:masterClrMapping/>
   </p:clrMapOvr>
+  <mc:AlternateContent xmlns:mc="http://schemas.openxmlformats.org/markup-compatibility/2006">
+    <mc:Choice xmlns:p14="http://schemas.microsoft.com/office/powerpoint/2010/main" Requires="p14">
+      <p:transition p14:dur="0"/>
+    </mc:Choice>
+    <mc:Fallback>
+      <p:transition/>
+    </mc:Fallback>
+  </mc:AlternateContent>
 </p:sldLayout>
 </file>
 
@@ -7352,6 +7432,14 @@
   <p:clrMapOvr>
     <a:masterClrMapping/>
   </p:clrMapOvr>
+  <mc:AlternateContent xmlns:mc="http://schemas.openxmlformats.org/markup-compatibility/2006">
+    <mc:Choice xmlns:p14="http://schemas.microsoft.com/office/powerpoint/2010/main" Requires="p14">
+      <p:transition p14:dur="0"/>
+    </mc:Choice>
+    <mc:Fallback>
+      <p:transition/>
+    </mc:Fallback>
+  </mc:AlternateContent>
 </p:sldLayout>
 </file>
 
@@ -7612,6 +7700,14 @@
     <p:sldLayoutId id="2147483670" r:id="rId10"/>
     <p:sldLayoutId id="2147483671" r:id="rId11"/>
   </p:sldLayoutIdLst>
+  <mc:AlternateContent xmlns:mc="http://schemas.openxmlformats.org/markup-compatibility/2006">
+    <mc:Choice xmlns:p14="http://schemas.microsoft.com/office/powerpoint/2010/main" Requires="p14">
+      <p:transition p14:dur="0"/>
+    </mc:Choice>
+    <mc:Fallback>
+      <p:transition/>
+    </mc:Fallback>
+  </mc:AlternateContent>
   <p:txStyles>
     <p:titleStyle>
       <a:lvl1pPr algn="l" defTabSz="914400" rtl="0" eaLnBrk="1" latinLnBrk="0" hangingPunct="1">
@@ -8033,6 +8129,14 @@
   <p:clrMapOvr>
     <a:masterClrMapping/>
   </p:clrMapOvr>
+  <mc:AlternateContent xmlns:mc="http://schemas.openxmlformats.org/markup-compatibility/2006">
+    <mc:Choice xmlns:p14="http://schemas.microsoft.com/office/powerpoint/2010/main" Requires="p14">
+      <p:transition p14:dur="0"/>
+    </mc:Choice>
+    <mc:Fallback>
+      <p:transition/>
+    </mc:Fallback>
+  </mc:AlternateContent>
   <p:timing>
     <p:tnLst>
       <p:par>
@@ -8706,6 +8810,14 @@
   <p:clrMapOvr>
     <a:masterClrMapping/>
   </p:clrMapOvr>
+  <mc:AlternateContent xmlns:mc="http://schemas.openxmlformats.org/markup-compatibility/2006">
+    <mc:Choice xmlns:p14="http://schemas.microsoft.com/office/powerpoint/2010/main" Requires="p14">
+      <p:transition p14:dur="0"/>
+    </mc:Choice>
+    <mc:Fallback>
+      <p:transition/>
+    </mc:Fallback>
+  </mc:AlternateContent>
   <p:timing>
     <p:tnLst>
       <p:par>
@@ -8793,6 +8905,14 @@
   <p:clrMapOvr>
     <a:masterClrMapping/>
   </p:clrMapOvr>
+  <mc:AlternateContent xmlns:mc="http://schemas.openxmlformats.org/markup-compatibility/2006">
+    <mc:Choice xmlns:p14="http://schemas.microsoft.com/office/powerpoint/2010/main" Requires="p14">
+      <p:transition p14:dur="0"/>
+    </mc:Choice>
+    <mc:Fallback>
+      <p:transition/>
+    </mc:Fallback>
+  </mc:AlternateContent>
   <p:timing>
     <p:tnLst>
       <p:par>
@@ -9029,6 +9149,14 @@
   <p:clrMapOvr>
     <a:masterClrMapping/>
   </p:clrMapOvr>
+  <mc:AlternateContent xmlns:mc="http://schemas.openxmlformats.org/markup-compatibility/2006">
+    <mc:Choice xmlns:p14="http://schemas.microsoft.com/office/powerpoint/2010/main" Requires="p14">
+      <p:transition p14:dur="0"/>
+    </mc:Choice>
+    <mc:Fallback>
+      <p:transition/>
+    </mc:Fallback>
+  </mc:AlternateContent>
   <p:timing>
     <p:tnLst>
       <p:par>
@@ -9260,6 +9388,14 @@
   <p:clrMapOvr>
     <a:masterClrMapping/>
   </p:clrMapOvr>
+  <mc:AlternateContent xmlns:mc="http://schemas.openxmlformats.org/markup-compatibility/2006">
+    <mc:Choice xmlns:p14="http://schemas.microsoft.com/office/powerpoint/2010/main" Requires="p14">
+      <p:transition p14:dur="0"/>
+    </mc:Choice>
+    <mc:Fallback>
+      <p:transition/>
+    </mc:Fallback>
+  </mc:AlternateContent>
   <p:timing>
     <p:tnLst>
       <p:par>
@@ -9489,6 +9625,14 @@
   <p:clrMapOvr>
     <a:masterClrMapping/>
   </p:clrMapOvr>
+  <mc:AlternateContent xmlns:mc="http://schemas.openxmlformats.org/markup-compatibility/2006">
+    <mc:Choice xmlns:p14="http://schemas.microsoft.com/office/powerpoint/2010/main" Requires="p14">
+      <p:transition p14:dur="0"/>
+    </mc:Choice>
+    <mc:Fallback>
+      <p:transition/>
+    </mc:Fallback>
+  </mc:AlternateContent>
   <p:timing>
     <p:tnLst>
       <p:par>
@@ -9745,6 +9889,14 @@
   <p:clrMapOvr>
     <a:masterClrMapping/>
   </p:clrMapOvr>
+  <mc:AlternateContent xmlns:mc="http://schemas.openxmlformats.org/markup-compatibility/2006">
+    <mc:Choice xmlns:p14="http://schemas.microsoft.com/office/powerpoint/2010/main" Requires="p14">
+      <p:transition p14:dur="0"/>
+    </mc:Choice>
+    <mc:Fallback>
+      <p:transition/>
+    </mc:Fallback>
+  </mc:AlternateContent>
   <p:timing>
     <p:tnLst>
       <p:par>
@@ -9963,6 +10115,14 @@
   <p:clrMapOvr>
     <a:masterClrMapping/>
   </p:clrMapOvr>
+  <mc:AlternateContent xmlns:mc="http://schemas.openxmlformats.org/markup-compatibility/2006">
+    <mc:Choice xmlns:p14="http://schemas.microsoft.com/office/powerpoint/2010/main" Requires="p14">
+      <p:transition p14:dur="0"/>
+    </mc:Choice>
+    <mc:Fallback>
+      <p:transition/>
+    </mc:Fallback>
+  </mc:AlternateContent>
   <p:timing>
     <p:tnLst>
       <p:par>
@@ -10222,6 +10382,14 @@
   <p:clrMapOvr>
     <a:masterClrMapping/>
   </p:clrMapOvr>
+  <mc:AlternateContent xmlns:mc="http://schemas.openxmlformats.org/markup-compatibility/2006">
+    <mc:Choice xmlns:p14="http://schemas.microsoft.com/office/powerpoint/2010/main" Requires="p14">
+      <p:transition p14:dur="0"/>
+    </mc:Choice>
+    <mc:Fallback>
+      <p:transition/>
+    </mc:Fallback>
+  </mc:AlternateContent>
   <p:timing>
     <p:tnLst>
       <p:par>
@@ -10456,6 +10624,14 @@
   <p:clrMapOvr>
     <a:masterClrMapping/>
   </p:clrMapOvr>
+  <mc:AlternateContent xmlns:mc="http://schemas.openxmlformats.org/markup-compatibility/2006">
+    <mc:Choice xmlns:p14="http://schemas.microsoft.com/office/powerpoint/2010/main" Requires="p14">
+      <p:transition p14:dur="0"/>
+    </mc:Choice>
+    <mc:Fallback>
+      <p:transition/>
+    </mc:Fallback>
+  </mc:AlternateContent>
   <p:timing>
     <p:tnLst>
       <p:par>
@@ -10543,6 +10719,14 @@
   <p:clrMapOvr>
     <a:masterClrMapping/>
   </p:clrMapOvr>
+  <mc:AlternateContent xmlns:mc="http://schemas.openxmlformats.org/markup-compatibility/2006">
+    <mc:Choice xmlns:p14="http://schemas.microsoft.com/office/powerpoint/2010/main" Requires="p14">
+      <p:transition p14:dur="0"/>
+    </mc:Choice>
+    <mc:Fallback>
+      <p:transition/>
+    </mc:Fallback>
+  </mc:AlternateContent>
   <p:timing>
     <p:tnLst>
       <p:par>
@@ -10734,6 +10918,14 @@
   <p:clrMapOvr>
     <a:masterClrMapping/>
   </p:clrMapOvr>
+  <mc:AlternateContent xmlns:mc="http://schemas.openxmlformats.org/markup-compatibility/2006">
+    <mc:Choice xmlns:p14="http://schemas.microsoft.com/office/powerpoint/2010/main" Requires="p14">
+      <p:transition p14:dur="0"/>
+    </mc:Choice>
+    <mc:Fallback>
+      <p:transition/>
+    </mc:Fallback>
+  </mc:AlternateContent>
   <p:timing>
     <p:tnLst>
       <p:par>
@@ -10993,6 +11185,14 @@
   <p:clrMapOvr>
     <a:masterClrMapping/>
   </p:clrMapOvr>
+  <mc:AlternateContent xmlns:mc="http://schemas.openxmlformats.org/markup-compatibility/2006">
+    <mc:Choice xmlns:p14="http://schemas.microsoft.com/office/powerpoint/2010/main" Requires="p14">
+      <p:transition p14:dur="0"/>
+    </mc:Choice>
+    <mc:Fallback>
+      <p:transition/>
+    </mc:Fallback>
+  </mc:AlternateContent>
   <p:timing>
     <p:tnLst>
       <p:par>
@@ -11197,11 +11397,7 @@
             </a:r>
             <a:r>
               <a:rPr lang="en-US" dirty="0" smtClean="0"/>
-              <a:t>=session id for server (per connected server</a:t>
-            </a:r>
-            <a:r>
-              <a:rPr lang="en-US" dirty="0" smtClean="0"/>
-              <a:t>)</a:t>
+              <a:t>=session id for server (per connected server)</a:t>
             </a:r>
             <a:br>
               <a:rPr lang="en-US" dirty="0" smtClean="0"/>
@@ -11378,6 +11574,14 @@
   <p:clrMapOvr>
     <a:masterClrMapping/>
   </p:clrMapOvr>
+  <mc:AlternateContent xmlns:mc="http://schemas.openxmlformats.org/markup-compatibility/2006">
+    <mc:Choice xmlns:p14="http://schemas.microsoft.com/office/powerpoint/2010/main" Requires="p14">
+      <p:transition p14:dur="0"/>
+    </mc:Choice>
+    <mc:Fallback>
+      <p:transition/>
+    </mc:Fallback>
+  </mc:AlternateContent>
   <p:timing>
     <p:tnLst>
       <p:par>
@@ -11650,6 +11854,14 @@
   <p:clrMapOvr>
     <a:masterClrMapping/>
   </p:clrMapOvr>
+  <mc:AlternateContent xmlns:mc="http://schemas.openxmlformats.org/markup-compatibility/2006">
+    <mc:Choice xmlns:p14="http://schemas.microsoft.com/office/powerpoint/2010/main" Requires="p14">
+      <p:transition p14:dur="0"/>
+    </mc:Choice>
+    <mc:Fallback>
+      <p:transition/>
+    </mc:Fallback>
+  </mc:AlternateContent>
   <p:timing>
     <p:tnLst>
       <p:par>
@@ -11903,6 +12115,14 @@
   <p:clrMapOvr>
     <a:masterClrMapping/>
   </p:clrMapOvr>
+  <mc:AlternateContent xmlns:mc="http://schemas.openxmlformats.org/markup-compatibility/2006">
+    <mc:Choice xmlns:p14="http://schemas.microsoft.com/office/powerpoint/2010/main" Requires="p14">
+      <p:transition p14:dur="0"/>
+    </mc:Choice>
+    <mc:Fallback>
+      <p:transition/>
+    </mc:Fallback>
+  </mc:AlternateContent>
   <p:timing>
     <p:tnLst>
       <p:par>
@@ -12188,6 +12408,14 @@
   <p:clrMapOvr>
     <a:masterClrMapping/>
   </p:clrMapOvr>
+  <mc:AlternateContent xmlns:mc="http://schemas.openxmlformats.org/markup-compatibility/2006">
+    <mc:Choice xmlns:p14="http://schemas.microsoft.com/office/powerpoint/2010/main" Requires="p14">
+      <p:transition p14:dur="0"/>
+    </mc:Choice>
+    <mc:Fallback>
+      <p:transition/>
+    </mc:Fallback>
+  </mc:AlternateContent>
   <p:timing>
     <p:tnLst>
       <p:par>
@@ -12445,6 +12673,14 @@
   <p:clrMapOvr>
     <a:masterClrMapping/>
   </p:clrMapOvr>
+  <mc:AlternateContent xmlns:mc="http://schemas.openxmlformats.org/markup-compatibility/2006">
+    <mc:Choice xmlns:p14="http://schemas.microsoft.com/office/powerpoint/2010/main" Requires="p14">
+      <p:transition p14:dur="0"/>
+    </mc:Choice>
+    <mc:Fallback>
+      <p:transition/>
+    </mc:Fallback>
+  </mc:AlternateContent>
   <p:timing>
     <p:tnLst>
       <p:par>
@@ -12679,6 +12915,14 @@
   <p:clrMapOvr>
     <a:masterClrMapping/>
   </p:clrMapOvr>
+  <mc:AlternateContent xmlns:mc="http://schemas.openxmlformats.org/markup-compatibility/2006">
+    <mc:Choice xmlns:p14="http://schemas.microsoft.com/office/powerpoint/2010/main" Requires="p14">
+      <p:transition p14:dur="0"/>
+    </mc:Choice>
+    <mc:Fallback>
+      <p:transition/>
+    </mc:Fallback>
+  </mc:AlternateContent>
   <p:timing>
     <p:tnLst>
       <p:par>
@@ -12913,6 +13157,14 @@
   <p:clrMapOvr>
     <a:masterClrMapping/>
   </p:clrMapOvr>
+  <mc:AlternateContent xmlns:mc="http://schemas.openxmlformats.org/markup-compatibility/2006">
+    <mc:Choice xmlns:p14="http://schemas.microsoft.com/office/powerpoint/2010/main" Requires="p14">
+      <p:transition p14:dur="0"/>
+    </mc:Choice>
+    <mc:Fallback>
+      <p:transition/>
+    </mc:Fallback>
+  </mc:AlternateContent>
   <p:timing>
     <p:tnLst>
       <p:par>
@@ -13182,6 +13434,14 @@
   <p:clrMapOvr>
     <a:masterClrMapping/>
   </p:clrMapOvr>
+  <mc:AlternateContent xmlns:mc="http://schemas.openxmlformats.org/markup-compatibility/2006">
+    <mc:Choice xmlns:p14="http://schemas.microsoft.com/office/powerpoint/2010/main" Requires="p14">
+      <p:transition p14:dur="0"/>
+    </mc:Choice>
+    <mc:Fallback>
+      <p:transition/>
+    </mc:Fallback>
+  </mc:AlternateContent>
   <p:timing>
     <p:tnLst>
       <p:par>
@@ -13261,6 +13521,14 @@
   <p:clrMapOvr>
     <a:masterClrMapping/>
   </p:clrMapOvr>
+  <mc:AlternateContent xmlns:mc="http://schemas.openxmlformats.org/markup-compatibility/2006">
+    <mc:Choice xmlns:p14="http://schemas.microsoft.com/office/powerpoint/2010/main" Requires="p14">
+      <p:transition p14:dur="0"/>
+    </mc:Choice>
+    <mc:Fallback>
+      <p:transition/>
+    </mc:Fallback>
+  </mc:AlternateContent>
   <p:timing>
     <p:tnLst>
       <p:par>
@@ -14039,7 +14307,7 @@
         </p:nvSpPr>
         <p:spPr>
           <a:xfrm>
-            <a:off x="1663696" y="5936623"/>
+            <a:off x="1663696" y="5814703"/>
             <a:ext cx="609600" cy="533400"/>
           </a:xfrm>
           <a:prstGeom prst="rect">
@@ -14083,7 +14351,7 @@
         </p:nvSpPr>
         <p:spPr>
           <a:xfrm>
-            <a:off x="2422285" y="6006715"/>
+            <a:off x="2422285" y="5884795"/>
             <a:ext cx="1759264" cy="646331"/>
           </a:xfrm>
           <a:prstGeom prst="rect">
@@ -14118,7 +14386,7 @@
         </p:nvSpPr>
         <p:spPr>
           <a:xfrm>
-            <a:off x="5871078" y="5992817"/>
+            <a:off x="5871078" y="5870897"/>
             <a:ext cx="1662506" cy="369332"/>
           </a:xfrm>
           <a:prstGeom prst="rect">
@@ -14148,7 +14416,7 @@
         </p:nvSpPr>
         <p:spPr>
           <a:xfrm>
-            <a:off x="4469348" y="5644083"/>
+            <a:off x="4469348" y="5522163"/>
             <a:ext cx="1066800" cy="1066800"/>
           </a:xfrm>
           <a:prstGeom prst="ellipse">
@@ -14194,6 +14462,14 @@
   <p:clrMapOvr>
     <a:masterClrMapping/>
   </p:clrMapOvr>
+  <mc:AlternateContent xmlns:mc="http://schemas.openxmlformats.org/markup-compatibility/2006">
+    <mc:Choice xmlns:p14="http://schemas.microsoft.com/office/powerpoint/2010/main" Requires="p14">
+      <p:transition p14:dur="0"/>
+    </mc:Choice>
+    <mc:Fallback>
+      <p:transition/>
+    </mc:Fallback>
+  </mc:AlternateContent>
   <p:timing>
     <p:tnLst>
       <p:par>
@@ -14238,11 +14514,7 @@
           <a:p>
             <a:r>
               <a:rPr lang="en-US" b="1" dirty="0" smtClean="0"/>
-              <a:t>Login Client-Server (c2s</a:t>
-            </a:r>
-            <a:r>
-              <a:rPr lang="en-US" b="1" dirty="0" smtClean="0"/>
-              <a:t>)</a:t>
+              <a:t>Login Client-Server (c2s)</a:t>
             </a:r>
             <a:endParaRPr lang="id-ID" b="1" dirty="0"/>
           </a:p>
@@ -14560,6 +14832,14 @@
   <p:clrMapOvr>
     <a:masterClrMapping/>
   </p:clrMapOvr>
+  <mc:AlternateContent xmlns:mc="http://schemas.openxmlformats.org/markup-compatibility/2006">
+    <mc:Choice xmlns:p14="http://schemas.microsoft.com/office/powerpoint/2010/main" Requires="p14">
+      <p:transition p14:dur="0"/>
+    </mc:Choice>
+    <mc:Fallback>
+      <p:transition/>
+    </mc:Fallback>
+  </mc:AlternateContent>
   <p:timing>
     <p:tnLst>
       <p:par>
@@ -15151,6 +15431,14 @@
   <p:clrMapOvr>
     <a:masterClrMapping/>
   </p:clrMapOvr>
+  <mc:AlternateContent xmlns:mc="http://schemas.openxmlformats.org/markup-compatibility/2006">
+    <mc:Choice xmlns:p14="http://schemas.microsoft.com/office/powerpoint/2010/main" Requires="p14">
+      <p:transition p14:dur="0"/>
+    </mc:Choice>
+    <mc:Fallback>
+      <p:transition/>
+    </mc:Fallback>
+  </mc:AlternateContent>
   <p:timing>
     <p:tnLst>
       <p:par>
@@ -15533,11 +15821,7 @@
             </a:r>
             <a:r>
               <a:rPr lang="en-US" sz="1350" dirty="0" smtClean="0"/>
-              <a:t>       message=“content” </a:t>
-            </a:r>
-            <a:r>
-              <a:rPr lang="en-US" sz="1350" dirty="0" smtClean="0"/>
-              <a:t>/&gt;</a:t>
+              <a:t>       message=“content” /&gt;</a:t>
             </a:r>
             <a:endParaRPr lang="id-ID" sz="1350" dirty="0"/>
           </a:p>
@@ -15917,6 +16201,14 @@
   <p:clrMapOvr>
     <a:masterClrMapping/>
   </p:clrMapOvr>
+  <mc:AlternateContent xmlns:mc="http://schemas.openxmlformats.org/markup-compatibility/2006">
+    <mc:Choice xmlns:p14="http://schemas.microsoft.com/office/powerpoint/2010/main" Requires="p14">
+      <p:transition p14:dur="0"/>
+    </mc:Choice>
+    <mc:Fallback>
+      <p:transition/>
+    </mc:Fallback>
+  </mc:AlternateContent>
   <p:timing>
     <p:tnLst>
       <p:par>
@@ -15996,6 +16288,14 @@
   <p:clrMapOvr>
     <a:masterClrMapping/>
   </p:clrMapOvr>
+  <mc:AlternateContent xmlns:mc="http://schemas.openxmlformats.org/markup-compatibility/2006">
+    <mc:Choice xmlns:p14="http://schemas.microsoft.com/office/powerpoint/2010/main" Requires="p14">
+      <p:transition p14:dur="0"/>
+    </mc:Choice>
+    <mc:Fallback>
+      <p:transition/>
+    </mc:Fallback>
+  </mc:AlternateContent>
   <p:timing>
     <p:tnLst>
       <p:par>
@@ -16382,6 +16682,14 @@
   <p:clrMapOvr>
     <a:masterClrMapping/>
   </p:clrMapOvr>
+  <mc:AlternateContent xmlns:mc="http://schemas.openxmlformats.org/markup-compatibility/2006">
+    <mc:Choice xmlns:p14="http://schemas.microsoft.com/office/powerpoint/2010/main" Requires="p14">
+      <p:transition p14:dur="0"/>
+    </mc:Choice>
+    <mc:Fallback>
+      <p:transition/>
+    </mc:Fallback>
+  </mc:AlternateContent>
   <p:timing>
     <p:tnLst>
       <p:par>
@@ -17074,6 +17382,14 @@
   <p:clrMapOvr>
     <a:masterClrMapping/>
   </p:clrMapOvr>
+  <mc:AlternateContent xmlns:mc="http://schemas.openxmlformats.org/markup-compatibility/2006">
+    <mc:Choice xmlns:p14="http://schemas.microsoft.com/office/powerpoint/2010/main" Requires="p14">
+      <p:transition p14:dur="0"/>
+    </mc:Choice>
+    <mc:Fallback>
+      <p:transition/>
+    </mc:Fallback>
+  </mc:AlternateContent>
   <p:timing>
     <p:tnLst>
       <p:par>
@@ -17456,6 +17772,14 @@
   <p:clrMapOvr>
     <a:masterClrMapping/>
   </p:clrMapOvr>
+  <mc:AlternateContent xmlns:mc="http://schemas.openxmlformats.org/markup-compatibility/2006">
+    <mc:Choice xmlns:p14="http://schemas.microsoft.com/office/powerpoint/2010/main" Requires="p14">
+      <p:transition p14:dur="0"/>
+    </mc:Choice>
+    <mc:Fallback>
+      <p:transition/>
+    </mc:Fallback>
+  </mc:AlternateContent>
   <p:timing>
     <p:tnLst>
       <p:par>
@@ -17740,6 +18064,14 @@
   <p:clrMapOvr>
     <a:masterClrMapping/>
   </p:clrMapOvr>
+  <mc:AlternateContent xmlns:mc="http://schemas.openxmlformats.org/markup-compatibility/2006">
+    <mc:Choice xmlns:p14="http://schemas.microsoft.com/office/powerpoint/2010/main" Requires="p14">
+      <p:transition p14:dur="0"/>
+    </mc:Choice>
+    <mc:Fallback>
+      <p:transition/>
+    </mc:Fallback>
+  </mc:AlternateContent>
   <p:timing>
     <p:tnLst>
       <p:par>
@@ -17916,6 +18248,14 @@
   <p:clrMapOvr>
     <a:masterClrMapping/>
   </p:clrMapOvr>
+  <mc:AlternateContent xmlns:mc="http://schemas.openxmlformats.org/markup-compatibility/2006">
+    <mc:Choice xmlns:p14="http://schemas.microsoft.com/office/powerpoint/2010/main" Requires="p14">
+      <p:transition p14:dur="0"/>
+    </mc:Choice>
+    <mc:Fallback>
+      <p:transition/>
+    </mc:Fallback>
+  </mc:AlternateContent>
   <p:timing>
     <p:tnLst>
       <p:par>
@@ -18576,6 +18916,14 @@
   <p:clrMapOvr>
     <a:masterClrMapping/>
   </p:clrMapOvr>
+  <mc:AlternateContent xmlns:mc="http://schemas.openxmlformats.org/markup-compatibility/2006">
+    <mc:Choice xmlns:p14="http://schemas.microsoft.com/office/powerpoint/2010/main" Requires="p14">
+      <p:transition p14:dur="0"/>
+    </mc:Choice>
+    <mc:Fallback>
+      <p:transition/>
+    </mc:Fallback>
+  </mc:AlternateContent>
   <p:timing>
     <p:tnLst>
       <p:par>
@@ -18899,6 +19247,14 @@
   <p:clrMapOvr>
     <a:masterClrMapping/>
   </p:clrMapOvr>
+  <mc:AlternateContent xmlns:mc="http://schemas.openxmlformats.org/markup-compatibility/2006">
+    <mc:Choice xmlns:p14="http://schemas.microsoft.com/office/powerpoint/2010/main" Requires="p14">
+      <p:transition p14:dur="0"/>
+    </mc:Choice>
+    <mc:Fallback>
+      <p:transition/>
+    </mc:Fallback>
+  </mc:AlternateContent>
   <p:timing>
     <p:tnLst>
       <p:par>
@@ -18978,6 +19334,14 @@
   <p:clrMapOvr>
     <a:masterClrMapping/>
   </p:clrMapOvr>
+  <mc:AlternateContent xmlns:mc="http://schemas.openxmlformats.org/markup-compatibility/2006">
+    <mc:Choice xmlns:p14="http://schemas.microsoft.com/office/powerpoint/2010/main" Requires="p14">
+      <p:transition p14:dur="0"/>
+    </mc:Choice>
+    <mc:Fallback>
+      <p:transition/>
+    </mc:Fallback>
+  </mc:AlternateContent>
   <p:timing>
     <p:tnLst>
       <p:par>
@@ -19171,6 +19535,14 @@
   <p:clrMapOvr>
     <a:masterClrMapping/>
   </p:clrMapOvr>
+  <mc:AlternateContent xmlns:mc="http://schemas.openxmlformats.org/markup-compatibility/2006">
+    <mc:Choice xmlns:p14="http://schemas.microsoft.com/office/powerpoint/2010/main" Requires="p14">
+      <p:transition p14:dur="0"/>
+    </mc:Choice>
+    <mc:Fallback>
+      <p:transition/>
+    </mc:Fallback>
+  </mc:AlternateContent>
   <p:timing>
     <p:tnLst>
       <p:par>
@@ -19399,6 +19771,14 @@
   <p:clrMapOvr>
     <a:masterClrMapping/>
   </p:clrMapOvr>
+  <mc:AlternateContent xmlns:mc="http://schemas.openxmlformats.org/markup-compatibility/2006">
+    <mc:Choice xmlns:p14="http://schemas.microsoft.com/office/powerpoint/2010/main" Requires="p14">
+      <p:transition p14:dur="0"/>
+    </mc:Choice>
+    <mc:Fallback>
+      <p:transition/>
+    </mc:Fallback>
+  </mc:AlternateContent>
   <p:timing>
     <p:tnLst>
       <p:par>
@@ -19635,6 +20015,14 @@
   <p:clrMapOvr>
     <a:masterClrMapping/>
   </p:clrMapOvr>
+  <mc:AlternateContent xmlns:mc="http://schemas.openxmlformats.org/markup-compatibility/2006">
+    <mc:Choice xmlns:p14="http://schemas.microsoft.com/office/powerpoint/2010/main" Requires="p14">
+      <p:transition p14:dur="0"/>
+    </mc:Choice>
+    <mc:Fallback>
+      <p:transition/>
+    </mc:Fallback>
+  </mc:AlternateContent>
   <p:timing>
     <p:tnLst>
       <p:par>
@@ -19714,6 +20102,14 @@
   <p:clrMapOvr>
     <a:masterClrMapping/>
   </p:clrMapOvr>
+  <mc:AlternateContent xmlns:mc="http://schemas.openxmlformats.org/markup-compatibility/2006">
+    <mc:Choice xmlns:p14="http://schemas.microsoft.com/office/powerpoint/2010/main" Requires="p14">
+      <p:transition p14:dur="0"/>
+    </mc:Choice>
+    <mc:Fallback>
+      <p:transition/>
+    </mc:Fallback>
+  </mc:AlternateContent>
   <p:timing>
     <p:tnLst>
       <p:par>
@@ -20167,6 +20563,14 @@
   <p:clrMapOvr>
     <a:masterClrMapping/>
   </p:clrMapOvr>
+  <mc:AlternateContent xmlns:mc="http://schemas.openxmlformats.org/markup-compatibility/2006">
+    <mc:Choice xmlns:p14="http://schemas.microsoft.com/office/powerpoint/2010/main" Requires="p14">
+      <p:transition p14:dur="0"/>
+    </mc:Choice>
+    <mc:Fallback>
+      <p:transition/>
+    </mc:Fallback>
+  </mc:AlternateContent>
   <p:timing>
     <p:tnLst>
       <p:par>
@@ -20877,6 +21281,14 @@
   <p:clrMapOvr>
     <a:masterClrMapping/>
   </p:clrMapOvr>
+  <mc:AlternateContent xmlns:mc="http://schemas.openxmlformats.org/markup-compatibility/2006">
+    <mc:Choice xmlns:p14="http://schemas.microsoft.com/office/powerpoint/2010/main" Requires="p14">
+      <p:transition p14:dur="0"/>
+    </mc:Choice>
+    <mc:Fallback>
+      <p:transition/>
+    </mc:Fallback>
+  </mc:AlternateContent>
   <p:timing>
     <p:tnLst>
       <p:par>
@@ -20960,6 +21372,14 @@
   <p:clrMapOvr>
     <a:masterClrMapping/>
   </p:clrMapOvr>
+  <mc:AlternateContent xmlns:mc="http://schemas.openxmlformats.org/markup-compatibility/2006">
+    <mc:Choice xmlns:p14="http://schemas.microsoft.com/office/powerpoint/2010/main" Requires="p14">
+      <p:transition p14:dur="0"/>
+    </mc:Choice>
+    <mc:Fallback>
+      <p:transition/>
+    </mc:Fallback>
+  </mc:AlternateContent>
   <p:timing>
     <p:tnLst>
       <p:par>
@@ -22408,6 +22828,14 @@
   <p:clrMapOvr>
     <a:masterClrMapping/>
   </p:clrMapOvr>
+  <mc:AlternateContent xmlns:mc="http://schemas.openxmlformats.org/markup-compatibility/2006">
+    <mc:Choice xmlns:p14="http://schemas.microsoft.com/office/powerpoint/2010/main" Requires="p14">
+      <p:transition p14:dur="0"/>
+    </mc:Choice>
+    <mc:Fallback>
+      <p:transition/>
+    </mc:Fallback>
+  </mc:AlternateContent>
   <p:timing>
     <p:tnLst>
       <p:par>
@@ -22523,6 +22951,14 @@
   <p:clrMapOvr>
     <a:masterClrMapping/>
   </p:clrMapOvr>
+  <mc:AlternateContent xmlns:mc="http://schemas.openxmlformats.org/markup-compatibility/2006">
+    <mc:Choice xmlns:p14="http://schemas.microsoft.com/office/powerpoint/2010/main" Requires="p14">
+      <p:transition p14:dur="0"/>
+    </mc:Choice>
+    <mc:Fallback>
+      <p:transition/>
+    </mc:Fallback>
+  </mc:AlternateContent>
   <p:timing>
     <p:tnLst>
       <p:par>
@@ -22744,12 +23180,12 @@
   <p:clrMapOvr>
     <a:masterClrMapping/>
   </p:clrMapOvr>
-  <mc:AlternateContent xmlns:mc="http://schemas.openxmlformats.org/markup-compatibility/2006" xmlns:p14="http://schemas.microsoft.com/office/powerpoint/2010/main">
-    <mc:Choice Requires="p14">
-      <p:transition spd="slow" p14:dur="2000"/>
+  <mc:AlternateContent xmlns:mc="http://schemas.openxmlformats.org/markup-compatibility/2006">
+    <mc:Choice xmlns:p14="http://schemas.microsoft.com/office/powerpoint/2010/main" Requires="p14">
+      <p:transition p14:dur="0"/>
     </mc:Choice>
-    <mc:Fallback xmlns="">
-      <p:transition spd="slow"/>
+    <mc:Fallback>
+      <p:transition/>
     </mc:Fallback>
   </mc:AlternateContent>
   <p:timing>
@@ -22930,6 +23366,14 @@
   <p:clrMapOvr>
     <a:masterClrMapping/>
   </p:clrMapOvr>
+  <mc:AlternateContent xmlns:mc="http://schemas.openxmlformats.org/markup-compatibility/2006">
+    <mc:Choice xmlns:p14="http://schemas.microsoft.com/office/powerpoint/2010/main" Requires="p14">
+      <p:transition p14:dur="0"/>
+    </mc:Choice>
+    <mc:Fallback>
+      <p:transition/>
+    </mc:Fallback>
+  </mc:AlternateContent>
   <p:timing>
     <p:tnLst>
       <p:par>
@@ -23486,6 +23930,14 @@
   <p:clrMapOvr>
     <a:masterClrMapping/>
   </p:clrMapOvr>
+  <mc:AlternateContent xmlns:mc="http://schemas.openxmlformats.org/markup-compatibility/2006">
+    <mc:Choice xmlns:p14="http://schemas.microsoft.com/office/powerpoint/2010/main" Requires="p14">
+      <p:transition p14:dur="0"/>
+    </mc:Choice>
+    <mc:Fallback>
+      <p:transition/>
+    </mc:Fallback>
+  </mc:AlternateContent>
   <p:timing>
     <p:tnLst>
       <p:par>
@@ -23923,6 +24375,14 @@
   <p:clrMapOvr>
     <a:masterClrMapping/>
   </p:clrMapOvr>
+  <mc:AlternateContent xmlns:mc="http://schemas.openxmlformats.org/markup-compatibility/2006">
+    <mc:Choice xmlns:p14="http://schemas.microsoft.com/office/powerpoint/2010/main" Requires="p14">
+      <p:transition p14:dur="0"/>
+    </mc:Choice>
+    <mc:Fallback>
+      <p:transition/>
+    </mc:Fallback>
+  </mc:AlternateContent>
   <p:timing>
     <p:tnLst>
       <p:par>
@@ -25323,6 +25783,14 @@
   <p:clrMapOvr>
     <a:masterClrMapping/>
   </p:clrMapOvr>
+  <mc:AlternateContent xmlns:mc="http://schemas.openxmlformats.org/markup-compatibility/2006">
+    <mc:Choice xmlns:p14="http://schemas.microsoft.com/office/powerpoint/2010/main" Requires="p14">
+      <p:transition p14:dur="0"/>
+    </mc:Choice>
+    <mc:Fallback>
+      <p:transition/>
+    </mc:Fallback>
+  </mc:AlternateContent>
   <p:timing>
     <p:tnLst>
       <p:par>

--- a/docs/Chat Server.pptx
+++ b/docs/Chat Server.pptx
@@ -5,7 +5,7 @@
     <p:sldMasterId id="2147483660" r:id="rId1"/>
   </p:sldMasterIdLst>
   <p:notesMasterIdLst>
-    <p:notesMasterId r:id="rId51"/>
+    <p:notesMasterId r:id="rId54"/>
   </p:notesMasterIdLst>
   <p:sldIdLst>
     <p:sldId id="256" r:id="rId2"/>
@@ -26,37 +26,40 @@
     <p:sldId id="271" r:id="rId17"/>
     <p:sldId id="272" r:id="rId18"/>
     <p:sldId id="273" r:id="rId19"/>
-    <p:sldId id="274" r:id="rId20"/>
-    <p:sldId id="275" r:id="rId21"/>
-    <p:sldId id="276" r:id="rId22"/>
-    <p:sldId id="278" r:id="rId23"/>
-    <p:sldId id="277" r:id="rId24"/>
-    <p:sldId id="279" r:id="rId25"/>
-    <p:sldId id="280" r:id="rId26"/>
-    <p:sldId id="281" r:id="rId27"/>
-    <p:sldId id="282" r:id="rId28"/>
-    <p:sldId id="283" r:id="rId29"/>
-    <p:sldId id="285" r:id="rId30"/>
-    <p:sldId id="288" r:id="rId31"/>
-    <p:sldId id="289" r:id="rId32"/>
-    <p:sldId id="313" r:id="rId33"/>
-    <p:sldId id="284" r:id="rId34"/>
-    <p:sldId id="261" r:id="rId35"/>
-    <p:sldId id="266" r:id="rId36"/>
-    <p:sldId id="292" r:id="rId37"/>
-    <p:sldId id="291" r:id="rId38"/>
-    <p:sldId id="295" r:id="rId39"/>
-    <p:sldId id="306" r:id="rId40"/>
-    <p:sldId id="307" r:id="rId41"/>
-    <p:sldId id="301" r:id="rId42"/>
-    <p:sldId id="302" r:id="rId43"/>
-    <p:sldId id="303" r:id="rId44"/>
-    <p:sldId id="308" r:id="rId45"/>
-    <p:sldId id="309" r:id="rId46"/>
-    <p:sldId id="310" r:id="rId47"/>
-    <p:sldId id="311" r:id="rId48"/>
-    <p:sldId id="312" r:id="rId49"/>
-    <p:sldId id="304" r:id="rId50"/>
+    <p:sldId id="316" r:id="rId20"/>
+    <p:sldId id="274" r:id="rId21"/>
+    <p:sldId id="275" r:id="rId22"/>
+    <p:sldId id="276" r:id="rId23"/>
+    <p:sldId id="278" r:id="rId24"/>
+    <p:sldId id="277" r:id="rId25"/>
+    <p:sldId id="279" r:id="rId26"/>
+    <p:sldId id="280" r:id="rId27"/>
+    <p:sldId id="281" r:id="rId28"/>
+    <p:sldId id="282" r:id="rId29"/>
+    <p:sldId id="283" r:id="rId30"/>
+    <p:sldId id="285" r:id="rId31"/>
+    <p:sldId id="288" r:id="rId32"/>
+    <p:sldId id="289" r:id="rId33"/>
+    <p:sldId id="313" r:id="rId34"/>
+    <p:sldId id="284" r:id="rId35"/>
+    <p:sldId id="261" r:id="rId36"/>
+    <p:sldId id="266" r:id="rId37"/>
+    <p:sldId id="292" r:id="rId38"/>
+    <p:sldId id="291" r:id="rId39"/>
+    <p:sldId id="295" r:id="rId40"/>
+    <p:sldId id="306" r:id="rId41"/>
+    <p:sldId id="307" r:id="rId42"/>
+    <p:sldId id="301" r:id="rId43"/>
+    <p:sldId id="302" r:id="rId44"/>
+    <p:sldId id="303" r:id="rId45"/>
+    <p:sldId id="308" r:id="rId46"/>
+    <p:sldId id="309" r:id="rId47"/>
+    <p:sldId id="310" r:id="rId48"/>
+    <p:sldId id="311" r:id="rId49"/>
+    <p:sldId id="312" r:id="rId50"/>
+    <p:sldId id="314" r:id="rId51"/>
+    <p:sldId id="315" r:id="rId52"/>
+    <p:sldId id="304" r:id="rId53"/>
   </p:sldIdLst>
   <p:sldSz cx="9144000" cy="6858000" type="screen4x3"/>
   <p:notesSz cx="6858000" cy="9144000"/>
@@ -245,7 +248,7 @@
           <a:p>
             <a:fld id="{F4E9F0C9-77EA-47D3-82C5-ED286EEB23A0}" type="datetimeFigureOut">
               <a:rPr lang="en-US" smtClean="0"/>
-              <a:t>18-Oct-15</a:t>
+              <a:t>26-Oct-15</a:t>
             </a:fld>
             <a:endParaRPr lang="en-US"/>
           </a:p>
@@ -870,7 +873,7 @@
           <a:p>
             <a:fld id="{73C0DF9B-A9CB-431D-9E24-474995D93FA6}" type="slidenum">
               <a:rPr lang="en-US" smtClean="0"/>
-              <a:t>41</a:t>
+              <a:t>42</a:t>
             </a:fld>
             <a:endParaRPr lang="en-US"/>
           </a:p>
@@ -954,7 +957,7 @@
           <a:p>
             <a:fld id="{73C0DF9B-A9CB-431D-9E24-474995D93FA6}" type="slidenum">
               <a:rPr lang="en-US" smtClean="0"/>
-              <a:t>42</a:t>
+              <a:t>43</a:t>
             </a:fld>
             <a:endParaRPr lang="en-US"/>
           </a:p>
@@ -1334,7 +1337,7 @@
           <a:p>
             <a:fld id="{73C0DF9B-A9CB-431D-9E24-474995D93FA6}" type="slidenum">
               <a:rPr lang="en-US" smtClean="0"/>
-              <a:t>45</a:t>
+              <a:t>46</a:t>
             </a:fld>
             <a:endParaRPr lang="en-US"/>
           </a:p>
@@ -1557,7 +1560,7 @@
           <a:p>
             <a:fld id="{73C0DF9B-A9CB-431D-9E24-474995D93FA6}" type="slidenum">
               <a:rPr lang="en-US" smtClean="0"/>
-              <a:t>46</a:t>
+              <a:t>47</a:t>
             </a:fld>
             <a:endParaRPr lang="en-US"/>
           </a:p>
@@ -3031,7 +3034,7 @@
           <a:p>
             <a:fld id="{73C0DF9B-A9CB-431D-9E24-474995D93FA6}" type="slidenum">
               <a:rPr lang="en-US" smtClean="0"/>
-              <a:t>48</a:t>
+              <a:t>49</a:t>
             </a:fld>
             <a:endParaRPr lang="en-US"/>
           </a:p>
@@ -3879,7 +3882,7 @@
           <a:p>
             <a:fld id="{73C0DF9B-A9CB-431D-9E24-474995D93FA6}" type="slidenum">
               <a:rPr lang="en-US" smtClean="0"/>
-              <a:t>34</a:t>
+              <a:t>35</a:t>
             </a:fld>
             <a:endParaRPr lang="en-US"/>
           </a:p>
@@ -3999,7 +4002,7 @@
           <a:p>
             <a:fld id="{73C0DF9B-A9CB-431D-9E24-474995D93FA6}" type="slidenum">
               <a:rPr lang="en-US" smtClean="0"/>
-              <a:t>35</a:t>
+              <a:t>36</a:t>
             </a:fld>
             <a:endParaRPr lang="en-US"/>
           </a:p>
@@ -4215,7 +4218,7 @@
           <a:p>
             <a:fld id="{73C0DF9B-A9CB-431D-9E24-474995D93FA6}" type="slidenum">
               <a:rPr lang="en-US" smtClean="0"/>
-              <a:t>36</a:t>
+              <a:t>37</a:t>
             </a:fld>
             <a:endParaRPr lang="en-US"/>
           </a:p>
@@ -4299,7 +4302,7 @@
           <a:p>
             <a:fld id="{73C0DF9B-A9CB-431D-9E24-474995D93FA6}" type="slidenum">
               <a:rPr lang="en-US" smtClean="0"/>
-              <a:t>37</a:t>
+              <a:t>38</a:t>
             </a:fld>
             <a:endParaRPr lang="en-US"/>
           </a:p>
@@ -4587,7 +4590,7 @@
           <a:p>
             <a:fld id="{73C0DF9B-A9CB-431D-9E24-474995D93FA6}" type="slidenum">
               <a:rPr lang="en-US" smtClean="0"/>
-              <a:t>38</a:t>
+              <a:t>39</a:t>
             </a:fld>
             <a:endParaRPr lang="en-US"/>
           </a:p>
@@ -5034,7 +5037,7 @@
           <a:p>
             <a:fld id="{73C0DF9B-A9CB-431D-9E24-474995D93FA6}" type="slidenum">
               <a:rPr lang="en-US" smtClean="0"/>
-              <a:t>39</a:t>
+              <a:t>40</a:t>
             </a:fld>
             <a:endParaRPr lang="en-US"/>
           </a:p>
@@ -5184,7 +5187,7 @@
           <a:p>
             <a:fld id="{9B4966DF-B686-4572-83C3-A5E4D5C04EEB}" type="datetimeFigureOut">
               <a:rPr lang="en-US" smtClean="0"/>
-              <a:t>18-Oct-15</a:t>
+              <a:t>26-Oct-15</a:t>
             </a:fld>
             <a:endParaRPr lang="en-US"/>
           </a:p>
@@ -5242,11 +5245,11 @@
   <p:clrMapOvr>
     <a:masterClrMapping/>
   </p:clrMapOvr>
-  <mc:AlternateContent xmlns:mc="http://schemas.openxmlformats.org/markup-compatibility/2006">
-    <mc:Choice xmlns:p14="http://schemas.microsoft.com/office/powerpoint/2010/main" Requires="p14">
+  <mc:AlternateContent xmlns:mc="http://schemas.openxmlformats.org/markup-compatibility/2006" xmlns:p14="http://schemas.microsoft.com/office/powerpoint/2010/main">
+    <mc:Choice Requires="p14">
       <p:transition p14:dur="0"/>
     </mc:Choice>
-    <mc:Fallback>
+    <mc:Fallback xmlns="">
       <p:transition/>
     </mc:Fallback>
   </mc:AlternateContent>
@@ -5362,7 +5365,7 @@
           <a:p>
             <a:fld id="{9B4966DF-B686-4572-83C3-A5E4D5C04EEB}" type="datetimeFigureOut">
               <a:rPr lang="en-US" smtClean="0"/>
-              <a:t>18-Oct-15</a:t>
+              <a:t>26-Oct-15</a:t>
             </a:fld>
             <a:endParaRPr lang="en-US"/>
           </a:p>
@@ -5420,11 +5423,11 @@
   <p:clrMapOvr>
     <a:masterClrMapping/>
   </p:clrMapOvr>
-  <mc:AlternateContent xmlns:mc="http://schemas.openxmlformats.org/markup-compatibility/2006">
-    <mc:Choice xmlns:p14="http://schemas.microsoft.com/office/powerpoint/2010/main" Requires="p14">
+  <mc:AlternateContent xmlns:mc="http://schemas.openxmlformats.org/markup-compatibility/2006" xmlns:p14="http://schemas.microsoft.com/office/powerpoint/2010/main">
+    <mc:Choice Requires="p14">
       <p:transition p14:dur="0"/>
     </mc:Choice>
-    <mc:Fallback>
+    <mc:Fallback xmlns="">
       <p:transition/>
     </mc:Fallback>
   </mc:AlternateContent>
@@ -5550,7 +5553,7 @@
           <a:p>
             <a:fld id="{9B4966DF-B686-4572-83C3-A5E4D5C04EEB}" type="datetimeFigureOut">
               <a:rPr lang="en-US" smtClean="0"/>
-              <a:t>18-Oct-15</a:t>
+              <a:t>26-Oct-15</a:t>
             </a:fld>
             <a:endParaRPr lang="en-US"/>
           </a:p>
@@ -5608,11 +5611,11 @@
   <p:clrMapOvr>
     <a:masterClrMapping/>
   </p:clrMapOvr>
-  <mc:AlternateContent xmlns:mc="http://schemas.openxmlformats.org/markup-compatibility/2006">
-    <mc:Choice xmlns:p14="http://schemas.microsoft.com/office/powerpoint/2010/main" Requires="p14">
+  <mc:AlternateContent xmlns:mc="http://schemas.openxmlformats.org/markup-compatibility/2006" xmlns:p14="http://schemas.microsoft.com/office/powerpoint/2010/main">
+    <mc:Choice Requires="p14">
       <p:transition p14:dur="0"/>
     </mc:Choice>
-    <mc:Fallback>
+    <mc:Fallback xmlns="">
       <p:transition/>
     </mc:Fallback>
   </mc:AlternateContent>
@@ -5728,7 +5731,7 @@
           <a:p>
             <a:fld id="{9B4966DF-B686-4572-83C3-A5E4D5C04EEB}" type="datetimeFigureOut">
               <a:rPr lang="en-US" smtClean="0"/>
-              <a:t>18-Oct-15</a:t>
+              <a:t>26-Oct-15</a:t>
             </a:fld>
             <a:endParaRPr lang="en-US"/>
           </a:p>
@@ -5786,11 +5789,11 @@
   <p:clrMapOvr>
     <a:masterClrMapping/>
   </p:clrMapOvr>
-  <mc:AlternateContent xmlns:mc="http://schemas.openxmlformats.org/markup-compatibility/2006">
-    <mc:Choice xmlns:p14="http://schemas.microsoft.com/office/powerpoint/2010/main" Requires="p14">
+  <mc:AlternateContent xmlns:mc="http://schemas.openxmlformats.org/markup-compatibility/2006" xmlns:p14="http://schemas.microsoft.com/office/powerpoint/2010/main">
+    <mc:Choice Requires="p14">
       <p:transition p14:dur="0"/>
     </mc:Choice>
-    <mc:Fallback>
+    <mc:Fallback xmlns="">
       <p:transition/>
     </mc:Fallback>
   </mc:AlternateContent>
@@ -5980,7 +5983,7 @@
           <a:p>
             <a:fld id="{9B4966DF-B686-4572-83C3-A5E4D5C04EEB}" type="datetimeFigureOut">
               <a:rPr lang="en-US" smtClean="0"/>
-              <a:t>18-Oct-15</a:t>
+              <a:t>26-Oct-15</a:t>
             </a:fld>
             <a:endParaRPr lang="en-US"/>
           </a:p>
@@ -6038,11 +6041,11 @@
   <p:clrMapOvr>
     <a:masterClrMapping/>
   </p:clrMapOvr>
-  <mc:AlternateContent xmlns:mc="http://schemas.openxmlformats.org/markup-compatibility/2006">
-    <mc:Choice xmlns:p14="http://schemas.microsoft.com/office/powerpoint/2010/main" Requires="p14">
+  <mc:AlternateContent xmlns:mc="http://schemas.openxmlformats.org/markup-compatibility/2006" xmlns:p14="http://schemas.microsoft.com/office/powerpoint/2010/main">
+    <mc:Choice Requires="p14">
       <p:transition p14:dur="0"/>
     </mc:Choice>
-    <mc:Fallback>
+    <mc:Fallback xmlns="">
       <p:transition/>
     </mc:Fallback>
   </mc:AlternateContent>
@@ -6220,7 +6223,7 @@
           <a:p>
             <a:fld id="{9B4966DF-B686-4572-83C3-A5E4D5C04EEB}" type="datetimeFigureOut">
               <a:rPr lang="en-US" smtClean="0"/>
-              <a:t>18-Oct-15</a:t>
+              <a:t>26-Oct-15</a:t>
             </a:fld>
             <a:endParaRPr lang="en-US"/>
           </a:p>
@@ -6278,11 +6281,11 @@
   <p:clrMapOvr>
     <a:masterClrMapping/>
   </p:clrMapOvr>
-  <mc:AlternateContent xmlns:mc="http://schemas.openxmlformats.org/markup-compatibility/2006">
-    <mc:Choice xmlns:p14="http://schemas.microsoft.com/office/powerpoint/2010/main" Requires="p14">
+  <mc:AlternateContent xmlns:mc="http://schemas.openxmlformats.org/markup-compatibility/2006" xmlns:p14="http://schemas.microsoft.com/office/powerpoint/2010/main">
+    <mc:Choice Requires="p14">
       <p:transition p14:dur="0"/>
     </mc:Choice>
-    <mc:Fallback>
+    <mc:Fallback xmlns="">
       <p:transition/>
     </mc:Fallback>
   </mc:AlternateContent>
@@ -6595,7 +6598,7 @@
           <a:p>
             <a:fld id="{9B4966DF-B686-4572-83C3-A5E4D5C04EEB}" type="datetimeFigureOut">
               <a:rPr lang="en-US" smtClean="0"/>
-              <a:t>18-Oct-15</a:t>
+              <a:t>26-Oct-15</a:t>
             </a:fld>
             <a:endParaRPr lang="en-US"/>
           </a:p>
@@ -6653,11 +6656,11 @@
   <p:clrMapOvr>
     <a:masterClrMapping/>
   </p:clrMapOvr>
-  <mc:AlternateContent xmlns:mc="http://schemas.openxmlformats.org/markup-compatibility/2006">
-    <mc:Choice xmlns:p14="http://schemas.microsoft.com/office/powerpoint/2010/main" Requires="p14">
+  <mc:AlternateContent xmlns:mc="http://schemas.openxmlformats.org/markup-compatibility/2006" xmlns:p14="http://schemas.microsoft.com/office/powerpoint/2010/main">
+    <mc:Choice Requires="p14">
       <p:transition p14:dur="0"/>
     </mc:Choice>
-    <mc:Fallback>
+    <mc:Fallback xmlns="">
       <p:transition/>
     </mc:Fallback>
   </mc:AlternateContent>
@@ -6721,7 +6724,7 @@
           <a:p>
             <a:fld id="{9B4966DF-B686-4572-83C3-A5E4D5C04EEB}" type="datetimeFigureOut">
               <a:rPr lang="en-US" smtClean="0"/>
-              <a:t>18-Oct-15</a:t>
+              <a:t>26-Oct-15</a:t>
             </a:fld>
             <a:endParaRPr lang="en-US"/>
           </a:p>
@@ -6779,11 +6782,11 @@
   <p:clrMapOvr>
     <a:masterClrMapping/>
   </p:clrMapOvr>
-  <mc:AlternateContent xmlns:mc="http://schemas.openxmlformats.org/markup-compatibility/2006">
-    <mc:Choice xmlns:p14="http://schemas.microsoft.com/office/powerpoint/2010/main" Requires="p14">
+  <mc:AlternateContent xmlns:mc="http://schemas.openxmlformats.org/markup-compatibility/2006" xmlns:p14="http://schemas.microsoft.com/office/powerpoint/2010/main">
+    <mc:Choice Requires="p14">
       <p:transition p14:dur="0"/>
     </mc:Choice>
-    <mc:Fallback>
+    <mc:Fallback xmlns="">
       <p:transition/>
     </mc:Fallback>
   </mc:AlternateContent>
@@ -6824,7 +6827,7 @@
           <a:p>
             <a:fld id="{9B4966DF-B686-4572-83C3-A5E4D5C04EEB}" type="datetimeFigureOut">
               <a:rPr lang="en-US" smtClean="0"/>
-              <a:t>18-Oct-15</a:t>
+              <a:t>26-Oct-15</a:t>
             </a:fld>
             <a:endParaRPr lang="en-US"/>
           </a:p>
@@ -6882,11 +6885,11 @@
   <p:clrMapOvr>
     <a:masterClrMapping/>
   </p:clrMapOvr>
-  <mc:AlternateContent xmlns:mc="http://schemas.openxmlformats.org/markup-compatibility/2006">
-    <mc:Choice xmlns:p14="http://schemas.microsoft.com/office/powerpoint/2010/main" Requires="p14">
+  <mc:AlternateContent xmlns:mc="http://schemas.openxmlformats.org/markup-compatibility/2006" xmlns:p14="http://schemas.microsoft.com/office/powerpoint/2010/main">
+    <mc:Choice Requires="p14">
       <p:transition p14:dur="0"/>
     </mc:Choice>
-    <mc:Fallback>
+    <mc:Fallback xmlns="">
       <p:transition/>
     </mc:Fallback>
   </mc:AlternateContent>
@@ -7109,7 +7112,7 @@
           <a:p>
             <a:fld id="{9B4966DF-B686-4572-83C3-A5E4D5C04EEB}" type="datetimeFigureOut">
               <a:rPr lang="en-US" smtClean="0"/>
-              <a:t>18-Oct-15</a:t>
+              <a:t>26-Oct-15</a:t>
             </a:fld>
             <a:endParaRPr lang="en-US"/>
           </a:p>
@@ -7167,11 +7170,11 @@
   <p:clrMapOvr>
     <a:masterClrMapping/>
   </p:clrMapOvr>
-  <mc:AlternateContent xmlns:mc="http://schemas.openxmlformats.org/markup-compatibility/2006">
-    <mc:Choice xmlns:p14="http://schemas.microsoft.com/office/powerpoint/2010/main" Requires="p14">
+  <mc:AlternateContent xmlns:mc="http://schemas.openxmlformats.org/markup-compatibility/2006" xmlns:p14="http://schemas.microsoft.com/office/powerpoint/2010/main">
+    <mc:Choice Requires="p14">
       <p:transition p14:dur="0"/>
     </mc:Choice>
-    <mc:Fallback>
+    <mc:Fallback xmlns="">
       <p:transition/>
     </mc:Fallback>
   </mc:AlternateContent>
@@ -7374,7 +7377,7 @@
           <a:p>
             <a:fld id="{9B4966DF-B686-4572-83C3-A5E4D5C04EEB}" type="datetimeFigureOut">
               <a:rPr lang="en-US" smtClean="0"/>
-              <a:t>18-Oct-15</a:t>
+              <a:t>26-Oct-15</a:t>
             </a:fld>
             <a:endParaRPr lang="en-US"/>
           </a:p>
@@ -7432,11 +7435,11 @@
   <p:clrMapOvr>
     <a:masterClrMapping/>
   </p:clrMapOvr>
-  <mc:AlternateContent xmlns:mc="http://schemas.openxmlformats.org/markup-compatibility/2006">
-    <mc:Choice xmlns:p14="http://schemas.microsoft.com/office/powerpoint/2010/main" Requires="p14">
+  <mc:AlternateContent xmlns:mc="http://schemas.openxmlformats.org/markup-compatibility/2006" xmlns:p14="http://schemas.microsoft.com/office/powerpoint/2010/main">
+    <mc:Choice Requires="p14">
       <p:transition p14:dur="0"/>
     </mc:Choice>
-    <mc:Fallback>
+    <mc:Fallback xmlns="">
       <p:transition/>
     </mc:Fallback>
   </mc:AlternateContent>
@@ -7595,7 +7598,7 @@
           <a:p>
             <a:fld id="{9B4966DF-B686-4572-83C3-A5E4D5C04EEB}" type="datetimeFigureOut">
               <a:rPr lang="en-US" smtClean="0"/>
-              <a:t>18-Oct-15</a:t>
+              <a:t>26-Oct-15</a:t>
             </a:fld>
             <a:endParaRPr lang="en-US"/>
           </a:p>
@@ -7700,11 +7703,11 @@
     <p:sldLayoutId id="2147483670" r:id="rId10"/>
     <p:sldLayoutId id="2147483671" r:id="rId11"/>
   </p:sldLayoutIdLst>
-  <mc:AlternateContent xmlns:mc="http://schemas.openxmlformats.org/markup-compatibility/2006">
-    <mc:Choice xmlns:p14="http://schemas.microsoft.com/office/powerpoint/2010/main" Requires="p14">
+  <mc:AlternateContent xmlns:mc="http://schemas.openxmlformats.org/markup-compatibility/2006" xmlns:p14="http://schemas.microsoft.com/office/powerpoint/2010/main">
+    <mc:Choice Requires="p14">
       <p:transition p14:dur="0"/>
     </mc:Choice>
-    <mc:Fallback>
+    <mc:Fallback xmlns="">
       <p:transition/>
     </mc:Fallback>
   </mc:AlternateContent>
@@ -8129,11 +8132,11 @@
   <p:clrMapOvr>
     <a:masterClrMapping/>
   </p:clrMapOvr>
-  <mc:AlternateContent xmlns:mc="http://schemas.openxmlformats.org/markup-compatibility/2006">
-    <mc:Choice xmlns:p14="http://schemas.microsoft.com/office/powerpoint/2010/main" Requires="p14">
+  <mc:AlternateContent xmlns:mc="http://schemas.openxmlformats.org/markup-compatibility/2006" xmlns:p14="http://schemas.microsoft.com/office/powerpoint/2010/main">
+    <mc:Choice Requires="p14">
       <p:transition p14:dur="0"/>
     </mc:Choice>
-    <mc:Fallback>
+    <mc:Fallback xmlns="">
       <p:transition/>
     </mc:Fallback>
   </mc:AlternateContent>
@@ -8810,11 +8813,11 @@
   <p:clrMapOvr>
     <a:masterClrMapping/>
   </p:clrMapOvr>
-  <mc:AlternateContent xmlns:mc="http://schemas.openxmlformats.org/markup-compatibility/2006">
-    <mc:Choice xmlns:p14="http://schemas.microsoft.com/office/powerpoint/2010/main" Requires="p14">
+  <mc:AlternateContent xmlns:mc="http://schemas.openxmlformats.org/markup-compatibility/2006" xmlns:p14="http://schemas.microsoft.com/office/powerpoint/2010/main">
+    <mc:Choice Requires="p14">
       <p:transition p14:dur="0"/>
     </mc:Choice>
-    <mc:Fallback>
+    <mc:Fallback xmlns="">
       <p:transition/>
     </mc:Fallback>
   </mc:AlternateContent>
@@ -8905,11 +8908,11 @@
   <p:clrMapOvr>
     <a:masterClrMapping/>
   </p:clrMapOvr>
-  <mc:AlternateContent xmlns:mc="http://schemas.openxmlformats.org/markup-compatibility/2006">
-    <mc:Choice xmlns:p14="http://schemas.microsoft.com/office/powerpoint/2010/main" Requires="p14">
+  <mc:AlternateContent xmlns:mc="http://schemas.openxmlformats.org/markup-compatibility/2006" xmlns:p14="http://schemas.microsoft.com/office/powerpoint/2010/main">
+    <mc:Choice Requires="p14">
       <p:transition p14:dur="0"/>
     </mc:Choice>
-    <mc:Fallback>
+    <mc:Fallback xmlns="">
       <p:transition/>
     </mc:Fallback>
   </mc:AlternateContent>
@@ -9149,11 +9152,11 @@
   <p:clrMapOvr>
     <a:masterClrMapping/>
   </p:clrMapOvr>
-  <mc:AlternateContent xmlns:mc="http://schemas.openxmlformats.org/markup-compatibility/2006">
-    <mc:Choice xmlns:p14="http://schemas.microsoft.com/office/powerpoint/2010/main" Requires="p14">
+  <mc:AlternateContent xmlns:mc="http://schemas.openxmlformats.org/markup-compatibility/2006" xmlns:p14="http://schemas.microsoft.com/office/powerpoint/2010/main">
+    <mc:Choice Requires="p14">
       <p:transition p14:dur="0"/>
     </mc:Choice>
-    <mc:Fallback>
+    <mc:Fallback xmlns="">
       <p:transition/>
     </mc:Fallback>
   </mc:AlternateContent>
@@ -9388,11 +9391,11 @@
   <p:clrMapOvr>
     <a:masterClrMapping/>
   </p:clrMapOvr>
-  <mc:AlternateContent xmlns:mc="http://schemas.openxmlformats.org/markup-compatibility/2006">
-    <mc:Choice xmlns:p14="http://schemas.microsoft.com/office/powerpoint/2010/main" Requires="p14">
+  <mc:AlternateContent xmlns:mc="http://schemas.openxmlformats.org/markup-compatibility/2006" xmlns:p14="http://schemas.microsoft.com/office/powerpoint/2010/main">
+    <mc:Choice Requires="p14">
       <p:transition p14:dur="0"/>
     </mc:Choice>
-    <mc:Fallback>
+    <mc:Fallback xmlns="">
       <p:transition/>
     </mc:Fallback>
   </mc:AlternateContent>
@@ -9625,11 +9628,11 @@
   <p:clrMapOvr>
     <a:masterClrMapping/>
   </p:clrMapOvr>
-  <mc:AlternateContent xmlns:mc="http://schemas.openxmlformats.org/markup-compatibility/2006">
-    <mc:Choice xmlns:p14="http://schemas.microsoft.com/office/powerpoint/2010/main" Requires="p14">
+  <mc:AlternateContent xmlns:mc="http://schemas.openxmlformats.org/markup-compatibility/2006" xmlns:p14="http://schemas.microsoft.com/office/powerpoint/2010/main">
+    <mc:Choice Requires="p14">
       <p:transition p14:dur="0"/>
     </mc:Choice>
-    <mc:Fallback>
+    <mc:Fallback xmlns="">
       <p:transition/>
     </mc:Fallback>
   </mc:AlternateContent>
@@ -9889,11 +9892,11 @@
   <p:clrMapOvr>
     <a:masterClrMapping/>
   </p:clrMapOvr>
-  <mc:AlternateContent xmlns:mc="http://schemas.openxmlformats.org/markup-compatibility/2006">
-    <mc:Choice xmlns:p14="http://schemas.microsoft.com/office/powerpoint/2010/main" Requires="p14">
+  <mc:AlternateContent xmlns:mc="http://schemas.openxmlformats.org/markup-compatibility/2006" xmlns:p14="http://schemas.microsoft.com/office/powerpoint/2010/main">
+    <mc:Choice Requires="p14">
       <p:transition p14:dur="0"/>
     </mc:Choice>
-    <mc:Fallback>
+    <mc:Fallback xmlns="">
       <p:transition/>
     </mc:Fallback>
   </mc:AlternateContent>
@@ -10115,11 +10118,11 @@
   <p:clrMapOvr>
     <a:masterClrMapping/>
   </p:clrMapOvr>
-  <mc:AlternateContent xmlns:mc="http://schemas.openxmlformats.org/markup-compatibility/2006">
-    <mc:Choice xmlns:p14="http://schemas.microsoft.com/office/powerpoint/2010/main" Requires="p14">
+  <mc:AlternateContent xmlns:mc="http://schemas.openxmlformats.org/markup-compatibility/2006" xmlns:p14="http://schemas.microsoft.com/office/powerpoint/2010/main">
+    <mc:Choice Requires="p14">
       <p:transition p14:dur="0"/>
     </mc:Choice>
-    <mc:Fallback>
+    <mc:Fallback xmlns="">
       <p:transition/>
     </mc:Fallback>
   </mc:AlternateContent>
@@ -10382,11 +10385,11 @@
   <p:clrMapOvr>
     <a:masterClrMapping/>
   </p:clrMapOvr>
-  <mc:AlternateContent xmlns:mc="http://schemas.openxmlformats.org/markup-compatibility/2006">
-    <mc:Choice xmlns:p14="http://schemas.microsoft.com/office/powerpoint/2010/main" Requires="p14">
+  <mc:AlternateContent xmlns:mc="http://schemas.openxmlformats.org/markup-compatibility/2006" xmlns:p14="http://schemas.microsoft.com/office/powerpoint/2010/main">
+    <mc:Choice Requires="p14">
       <p:transition p14:dur="0"/>
     </mc:Choice>
-    <mc:Fallback>
+    <mc:Fallback xmlns="">
       <p:transition/>
     </mc:Fallback>
   </mc:AlternateContent>
@@ -10624,11 +10627,11 @@
   <p:clrMapOvr>
     <a:masterClrMapping/>
   </p:clrMapOvr>
-  <mc:AlternateContent xmlns:mc="http://schemas.openxmlformats.org/markup-compatibility/2006">
-    <mc:Choice xmlns:p14="http://schemas.microsoft.com/office/powerpoint/2010/main" Requires="p14">
+  <mc:AlternateContent xmlns:mc="http://schemas.openxmlformats.org/markup-compatibility/2006" xmlns:p14="http://schemas.microsoft.com/office/powerpoint/2010/main">
+    <mc:Choice Requires="p14">
       <p:transition p14:dur="0"/>
     </mc:Choice>
-    <mc:Fallback>
+    <mc:Fallback xmlns="">
       <p:transition/>
     </mc:Fallback>
   </mc:AlternateContent>
@@ -10661,7 +10664,7 @@
       </p:grpSpPr>
       <p:sp>
         <p:nvSpPr>
-          <p:cNvPr id="4" name="Title 3"/>
+          <p:cNvPr id="2" name="Title 1"/>
           <p:cNvSpPr>
             <a:spLocks noGrp="1"/>
           </p:cNvSpPr>
@@ -10675,29 +10678,29 @@
           <a:lstStyle/>
           <a:p>
             <a:r>
-              <a:rPr lang="en-US" b="1" dirty="0" smtClean="0"/>
+              <a:rPr lang="en-US" dirty="0" smtClean="0"/>
               <a:t>Format </a:t>
             </a:r>
             <a:r>
-              <a:rPr lang="en-US" b="1" dirty="0" err="1" smtClean="0"/>
+              <a:rPr lang="en-US" dirty="0" err="1" smtClean="0"/>
               <a:t>Pesan</a:t>
             </a:r>
             <a:r>
-              <a:rPr lang="en-US" b="1" dirty="0" smtClean="0"/>
-              <a:t> S2S</a:t>
-            </a:r>
-            <a:endParaRPr lang="en-US" b="1" dirty="0"/>
+              <a:rPr lang="en-US" dirty="0" smtClean="0"/>
+              <a:t> Telnet</a:t>
+            </a:r>
+            <a:endParaRPr lang="en-US" dirty="0"/>
           </a:p>
         </p:txBody>
       </p:sp>
       <p:sp>
         <p:nvSpPr>
-          <p:cNvPr id="5" name="Text Placeholder 4"/>
+          <p:cNvPr id="3" name="Content Placeholder 2"/>
           <p:cNvSpPr>
             <a:spLocks noGrp="1"/>
           </p:cNvSpPr>
           <p:nvPr>
-            <p:ph type="body" idx="1"/>
+            <p:ph idx="1"/>
           </p:nvPr>
         </p:nvSpPr>
         <p:spPr/>
@@ -10705,14 +10708,91 @@
           <a:bodyPr/>
           <a:lstStyle/>
           <a:p>
-            <a:endParaRPr lang="en-US"/>
+            <a:r>
+              <a:rPr lang="en-US" dirty="0" smtClean="0">
+                <a:latin typeface="Courier New" panose="02070309020205020404" pitchFamily="49" charset="0"/>
+                <a:cs typeface="Courier New" panose="02070309020205020404" pitchFamily="49" charset="0"/>
+              </a:rPr>
+              <a:t>method ; parameter1 ; parameter2</a:t>
+            </a:r>
+          </a:p>
+          <a:p>
+            <a:r>
+              <a:rPr lang="en-US" dirty="0" err="1" smtClean="0"/>
+              <a:t>SessionID</a:t>
+            </a:r>
+            <a:r>
+              <a:rPr lang="en-US" dirty="0" smtClean="0"/>
+              <a:t> </a:t>
+            </a:r>
+            <a:r>
+              <a:rPr lang="en-US" dirty="0" err="1" smtClean="0"/>
+              <a:t>ditiadakan</a:t>
+            </a:r>
+            <a:r>
+              <a:rPr lang="en-US" dirty="0" smtClean="0"/>
+              <a:t>.</a:t>
+            </a:r>
+          </a:p>
+          <a:p>
+            <a:pPr lvl="1"/>
+            <a:r>
+              <a:rPr lang="en-US" dirty="0" err="1" smtClean="0"/>
+              <a:t>Contoh</a:t>
+            </a:r>
+            <a:r>
+              <a:rPr lang="en-US" dirty="0" smtClean="0"/>
+              <a:t>: logout(</a:t>
+            </a:r>
+            <a:r>
+              <a:rPr lang="en-US" dirty="0" err="1" smtClean="0"/>
+              <a:t>SessionId</a:t>
+            </a:r>
+            <a:r>
+              <a:rPr lang="en-US" dirty="0" smtClean="0"/>
+              <a:t>) </a:t>
+            </a:r>
+            <a:r>
+              <a:rPr lang="en-US" dirty="0" err="1" smtClean="0"/>
+              <a:t>menjadi</a:t>
+            </a:r>
+            <a:r>
+              <a:rPr lang="en-US" dirty="0" smtClean="0"/>
+              <a:t> logout </a:t>
+            </a:r>
+            <a:r>
+              <a:rPr lang="en-US" dirty="0" err="1" smtClean="0"/>
+              <a:t>saja</a:t>
+            </a:r>
+            <a:endParaRPr lang="en-US" dirty="0" smtClean="0"/>
+          </a:p>
+          <a:p>
+            <a:r>
+              <a:rPr lang="en-US" dirty="0" err="1" smtClean="0"/>
+              <a:t>Semua</a:t>
+            </a:r>
+            <a:r>
+              <a:rPr lang="en-US" dirty="0" smtClean="0"/>
+              <a:t> method </a:t>
+            </a:r>
+            <a:r>
+              <a:rPr lang="en-US" dirty="0" err="1" smtClean="0"/>
+              <a:t>dalam</a:t>
+            </a:r>
+            <a:r>
+              <a:rPr lang="en-US" dirty="0" smtClean="0"/>
+              <a:t> lower-case.</a:t>
+            </a:r>
+          </a:p>
+          <a:p>
+            <a:endParaRPr lang="en-US" dirty="0"/>
           </a:p>
         </p:txBody>
       </p:sp>
     </p:spTree>
     <p:extLst>
       <p:ext uri="{BB962C8B-B14F-4D97-AF65-F5344CB8AC3E}">
-        <p14:creationId xmlns:p14="http://schemas.microsoft.com/office/powerpoint/2010/main" val="2749889776"/>
+        <p14:creationId xmlns:p14="http://schemas.microsoft.com/office/powerpoint/2010/main" val="488920828"/>
       </p:ext>
     </p:extLst>
   </p:cSld>
@@ -10727,13 +10807,6 @@
       <p:transition/>
     </mc:Fallback>
   </mc:AlternateContent>
-  <p:timing>
-    <p:tnLst>
-      <p:par>
-        <p:cTn id="1" dur="indefinite" restart="never" nodeType="tmRoot"/>
-      </p:par>
-    </p:tnLst>
-  </p:timing>
 </p:sld>
 </file>
 
@@ -10918,11 +10991,11 @@
   <p:clrMapOvr>
     <a:masterClrMapping/>
   </p:clrMapOvr>
-  <mc:AlternateContent xmlns:mc="http://schemas.openxmlformats.org/markup-compatibility/2006">
-    <mc:Choice xmlns:p14="http://schemas.microsoft.com/office/powerpoint/2010/main" Requires="p14">
+  <mc:AlternateContent xmlns:mc="http://schemas.openxmlformats.org/markup-compatibility/2006" xmlns:p14="http://schemas.microsoft.com/office/powerpoint/2010/main">
+    <mc:Choice Requires="p14">
       <p:transition p14:dur="0"/>
     </mc:Choice>
-    <mc:Fallback>
+    <mc:Fallback xmlns="">
       <p:transition/>
     </mc:Fallback>
   </mc:AlternateContent>
@@ -10955,7 +11028,7 @@
       </p:grpSpPr>
       <p:sp>
         <p:nvSpPr>
-          <p:cNvPr id="2" name="Title 1"/>
+          <p:cNvPr id="4" name="Title 3"/>
           <p:cNvSpPr>
             <a:spLocks noGrp="1"/>
           </p:cNvSpPr>
@@ -10978,7 +11051,7 @@
             </a:r>
             <a:r>
               <a:rPr lang="en-US" b="1" dirty="0" smtClean="0"/>
-              <a:t> Per Method (s2s)</a:t>
+              <a:t> S2S</a:t>
             </a:r>
             <a:endParaRPr lang="en-US" b="1" dirty="0"/>
           </a:p>
@@ -10986,210 +11059,38 @@
       </p:sp>
       <p:sp>
         <p:nvSpPr>
-          <p:cNvPr id="3" name="Content Placeholder 2"/>
+          <p:cNvPr id="5" name="Text Placeholder 4"/>
           <p:cNvSpPr>
             <a:spLocks noGrp="1"/>
           </p:cNvSpPr>
           <p:nvPr>
-            <p:ph idx="1"/>
+            <p:ph type="body" idx="1"/>
           </p:nvPr>
         </p:nvSpPr>
         <p:spPr/>
         <p:txBody>
-          <a:bodyPr>
-            <a:normAutofit fontScale="92500" lnSpcReduction="20000"/>
-          </a:bodyPr>
+          <a:bodyPr/>
           <a:lstStyle/>
           <a:p>
-            <a:r>
-              <a:rPr lang="en-US" dirty="0" err="1"/>
-              <a:t>RegistrasiServer</a:t>
-            </a:r>
-            <a:r>
-              <a:rPr lang="en-US" dirty="0"/>
-              <a:t> (IP, </a:t>
-            </a:r>
-            <a:r>
-              <a:rPr lang="en-US" dirty="0" err="1"/>
-              <a:t>PortListener</a:t>
-            </a:r>
-            <a:r>
-              <a:rPr lang="en-US" dirty="0"/>
-              <a:t>, Password)</a:t>
-            </a:r>
-          </a:p>
-          <a:p>
-            <a:pPr lvl="1"/>
-            <a:r>
-              <a:rPr lang="en-US" dirty="0" smtClean="0"/>
-              <a:t>Request</a:t>
-            </a:r>
-            <a:endParaRPr lang="en-US" dirty="0"/>
-          </a:p>
-          <a:p>
-            <a:pPr lvl="2"/>
-            <a:r>
-              <a:rPr lang="en-US" dirty="0"/>
-              <a:t>m</a:t>
-            </a:r>
-            <a:r>
-              <a:rPr lang="en-US" dirty="0" smtClean="0"/>
-              <a:t>ethod:</a:t>
-            </a:r>
-          </a:p>
-          <a:p>
-            <a:pPr lvl="3"/>
-            <a:r>
-              <a:rPr lang="en-US" dirty="0" smtClean="0"/>
-              <a:t>name=“</a:t>
-            </a:r>
-            <a:r>
-              <a:rPr lang="en-US" dirty="0" err="1" smtClean="0"/>
-              <a:t>registrasiserver</a:t>
-            </a:r>
-            <a:r>
-              <a:rPr lang="en-US" dirty="0" smtClean="0"/>
-              <a:t>”</a:t>
-            </a:r>
-          </a:p>
-          <a:p>
-            <a:pPr lvl="2"/>
-            <a:r>
-              <a:rPr lang="en-US" dirty="0" err="1"/>
-              <a:t>p</a:t>
-            </a:r>
-            <a:r>
-              <a:rPr lang="en-US" dirty="0" err="1" smtClean="0"/>
-              <a:t>arams</a:t>
-            </a:r>
-            <a:r>
-              <a:rPr lang="en-US" dirty="0" smtClean="0"/>
-              <a:t>:</a:t>
-            </a:r>
-          </a:p>
-          <a:p>
-            <a:pPr lvl="3"/>
-            <a:r>
-              <a:rPr lang="en-US" dirty="0" err="1" smtClean="0"/>
-              <a:t>ip</a:t>
-            </a:r>
-            <a:r>
-              <a:rPr lang="en-US" dirty="0" smtClean="0"/>
-              <a:t>=“server’s IP”</a:t>
-            </a:r>
-          </a:p>
-          <a:p>
-            <a:pPr lvl="3"/>
-            <a:r>
-              <a:rPr lang="en-US" dirty="0"/>
-              <a:t>p</a:t>
-            </a:r>
-            <a:r>
-              <a:rPr lang="en-US" dirty="0" smtClean="0"/>
-              <a:t>ort=“listening port”</a:t>
-            </a:r>
-          </a:p>
-          <a:p>
-            <a:pPr lvl="3"/>
-            <a:r>
-              <a:rPr lang="en-US" dirty="0" smtClean="0"/>
-              <a:t>password=“server’s password”</a:t>
-            </a:r>
-          </a:p>
-          <a:p>
-            <a:pPr lvl="1"/>
-            <a:r>
-              <a:rPr lang="en-US" dirty="0" smtClean="0"/>
-              <a:t>Response</a:t>
-            </a:r>
-          </a:p>
-          <a:p>
-            <a:pPr lvl="2"/>
-            <a:r>
-              <a:rPr lang="en-US" dirty="0" smtClean="0"/>
-              <a:t>status=“accepted”</a:t>
-            </a:r>
-            <a:br>
-              <a:rPr lang="en-US" dirty="0" smtClean="0"/>
-            </a:br>
-            <a:r>
-              <a:rPr lang="en-US" dirty="0" smtClean="0"/>
-              <a:t>status-code=“1”</a:t>
-            </a:r>
-            <a:br>
-              <a:rPr lang="en-US" dirty="0" smtClean="0"/>
-            </a:br>
-            <a:r>
-              <a:rPr lang="en-US" dirty="0" smtClean="0"/>
-              <a:t/>
-            </a:r>
-            <a:br>
-              <a:rPr lang="en-US" dirty="0" smtClean="0"/>
-            </a:br>
-            <a:r>
-              <a:rPr lang="en-US" dirty="0" smtClean="0"/>
-              <a:t>or</a:t>
-            </a:r>
-            <a:br>
-              <a:rPr lang="en-US" dirty="0" smtClean="0"/>
-            </a:br>
-            <a:endParaRPr lang="en-US" dirty="0" smtClean="0"/>
-          </a:p>
-          <a:p>
-            <a:pPr lvl="2"/>
-            <a:r>
-              <a:rPr lang="en-US" dirty="0"/>
-              <a:t>s</a:t>
-            </a:r>
-            <a:r>
-              <a:rPr lang="en-US" dirty="0" smtClean="0"/>
-              <a:t>tatus=“rejected”</a:t>
-            </a:r>
-            <a:br>
-              <a:rPr lang="en-US" dirty="0" smtClean="0"/>
-            </a:br>
-            <a:r>
-              <a:rPr lang="en-US" dirty="0"/>
-              <a:t>status-code</a:t>
-            </a:r>
-            <a:r>
-              <a:rPr lang="en-US" dirty="0" smtClean="0"/>
-              <a:t>=“2 / 3”</a:t>
-            </a:r>
-            <a:br>
-              <a:rPr lang="en-US" dirty="0" smtClean="0"/>
-            </a:br>
-            <a:r>
-              <a:rPr lang="en-US" dirty="0" smtClean="0"/>
-              <a:t>message=“server error / duplicate </a:t>
-            </a:r>
-            <a:r>
-              <a:rPr lang="en-US" dirty="0" err="1" smtClean="0"/>
-              <a:t>ip:port</a:t>
-            </a:r>
-            <a:r>
-              <a:rPr lang="en-US" dirty="0" smtClean="0"/>
-              <a:t>”</a:t>
-            </a:r>
-            <a:endParaRPr lang="en-US" dirty="0"/>
+            <a:endParaRPr lang="en-US"/>
           </a:p>
         </p:txBody>
       </p:sp>
     </p:spTree>
     <p:extLst>
       <p:ext uri="{BB962C8B-B14F-4D97-AF65-F5344CB8AC3E}">
-        <p14:creationId xmlns:p14="http://schemas.microsoft.com/office/powerpoint/2010/main" val="2405150995"/>
+        <p14:creationId xmlns:p14="http://schemas.microsoft.com/office/powerpoint/2010/main" val="2749889776"/>
       </p:ext>
     </p:extLst>
   </p:cSld>
   <p:clrMapOvr>
     <a:masterClrMapping/>
   </p:clrMapOvr>
-  <mc:AlternateContent xmlns:mc="http://schemas.openxmlformats.org/markup-compatibility/2006">
-    <mc:Choice xmlns:p14="http://schemas.microsoft.com/office/powerpoint/2010/main" Requires="p14">
+  <mc:AlternateContent xmlns:mc="http://schemas.openxmlformats.org/markup-compatibility/2006" xmlns:p14="http://schemas.microsoft.com/office/powerpoint/2010/main">
+    <mc:Choice Requires="p14">
       <p:transition p14:dur="0"/>
     </mc:Choice>
-    <mc:Fallback>
+    <mc:Fallback xmlns="">
       <p:transition/>
     </mc:Fallback>
   </mc:AlternateContent>
@@ -11261,21 +11162,16 @@
             <p:ph idx="1"/>
           </p:nvPr>
         </p:nvSpPr>
-        <p:spPr>
-          <a:xfrm>
-            <a:off x="121920" y="1825624"/>
-            <a:ext cx="8900160" cy="4879975"/>
-          </a:xfrm>
-        </p:spPr>
+        <p:spPr/>
         <p:txBody>
           <a:bodyPr>
-            <a:normAutofit fontScale="70000" lnSpcReduction="20000"/>
+            <a:normAutofit fontScale="92500" lnSpcReduction="20000"/>
           </a:bodyPr>
           <a:lstStyle/>
           <a:p>
             <a:r>
               <a:rPr lang="en-US" dirty="0" err="1"/>
-              <a:t>LoginServer</a:t>
+              <a:t>RegistrasiServer</a:t>
             </a:r>
             <a:r>
               <a:rPr lang="en-US" dirty="0"/>
@@ -11317,7 +11213,7 @@
             </a:r>
             <a:r>
               <a:rPr lang="en-US" dirty="0" err="1" smtClean="0"/>
-              <a:t>loginserver</a:t>
+              <a:t>registrasiserver</a:t>
             </a:r>
             <a:r>
               <a:rPr lang="en-US" dirty="0" smtClean="0"/>
@@ -11392,123 +11288,6 @@
               <a:rPr lang="en-US" dirty="0" smtClean="0"/>
             </a:br>
             <a:r>
-              <a:rPr lang="en-US" dirty="0" err="1" smtClean="0"/>
-              <a:t>sessid</a:t>
-            </a:r>
-            <a:r>
-              <a:rPr lang="en-US" dirty="0" smtClean="0"/>
-              <a:t>=session id for server (per connected server)</a:t>
-            </a:r>
-            <a:br>
-              <a:rPr lang="en-US" dirty="0" smtClean="0"/>
-            </a:br>
-            <a:r>
-              <a:rPr lang="en-US" dirty="0" smtClean="0"/>
-              <a:t/>
-            </a:r>
-            <a:br>
-              <a:rPr lang="en-US" dirty="0" smtClean="0"/>
-            </a:br>
-            <a:r>
-              <a:rPr lang="en-US" dirty="0" smtClean="0"/>
-              <a:t>users:</a:t>
-            </a:r>
-            <a:br>
-              <a:rPr lang="en-US" dirty="0" smtClean="0"/>
-            </a:br>
-            <a:r>
-              <a:rPr lang="en-US" dirty="0" smtClean="0"/>
-              <a:t>&lt;user username</a:t>
-            </a:r>
-            <a:r>
-              <a:rPr lang="en-US" dirty="0"/>
-              <a:t>=“user” </a:t>
-            </a:r>
-            <a:r>
-              <a:rPr lang="en-US" dirty="0" smtClean="0"/>
-              <a:t>password=“hash” </a:t>
-            </a:r>
-            <a:r>
-              <a:rPr lang="en-US" dirty="0" err="1" smtClean="0"/>
-              <a:t>loggedIn</a:t>
-            </a:r>
-            <a:r>
-              <a:rPr lang="en-US" dirty="0" smtClean="0"/>
-              <a:t>=“</a:t>
-            </a:r>
-            <a:r>
-              <a:rPr lang="en-US" dirty="0" err="1" smtClean="0"/>
-              <a:t>bool</a:t>
-            </a:r>
-            <a:r>
-              <a:rPr lang="en-US" dirty="0" smtClean="0"/>
-              <a:t>” </a:t>
-            </a:r>
-            <a:r>
-              <a:rPr lang="en-US" dirty="0" err="1" smtClean="0"/>
-              <a:t>sessid</a:t>
-            </a:r>
-            <a:r>
-              <a:rPr lang="en-US" dirty="0" smtClean="0"/>
-              <a:t>=“</a:t>
-            </a:r>
-            <a:r>
-              <a:rPr lang="en-US" dirty="0" err="1" smtClean="0"/>
-              <a:t>sessid</a:t>
-            </a:r>
-            <a:r>
-              <a:rPr lang="en-US" dirty="0" smtClean="0"/>
-              <a:t>” </a:t>
-            </a:r>
-            <a:r>
-              <a:rPr lang="en-US" dirty="0" err="1" smtClean="0"/>
-              <a:t>handlerIpPort</a:t>
-            </a:r>
-            <a:r>
-              <a:rPr lang="en-US" dirty="0" smtClean="0"/>
-              <a:t>=“</a:t>
-            </a:r>
-            <a:r>
-              <a:rPr lang="en-US" dirty="0" err="1" smtClean="0"/>
-              <a:t>ip:port</a:t>
-            </a:r>
-            <a:r>
-              <a:rPr lang="en-US" dirty="0" smtClean="0"/>
-              <a:t>” /&gt;</a:t>
-            </a:r>
-            <a:br>
-              <a:rPr lang="en-US" dirty="0" smtClean="0"/>
-            </a:br>
-            <a:r>
-              <a:rPr lang="en-US" dirty="0"/>
-              <a:t/>
-            </a:r>
-            <a:br>
-              <a:rPr lang="en-US" dirty="0"/>
-            </a:br>
-            <a:r>
-              <a:rPr lang="en-US" dirty="0" smtClean="0"/>
-              <a:t>messages:</a:t>
-            </a:r>
-            <a:br>
-              <a:rPr lang="en-US" dirty="0" smtClean="0"/>
-            </a:br>
-            <a:r>
-              <a:rPr lang="en-US" dirty="0" smtClean="0"/>
-              <a:t>&lt;</a:t>
-            </a:r>
-            <a:r>
-              <a:rPr lang="en-US" dirty="0"/>
-              <a:t>message username=“user” time=“timestamp” message=“message content” </a:t>
-            </a:r>
-            <a:r>
-              <a:rPr lang="en-US" dirty="0" smtClean="0"/>
-              <a:t>/&gt;</a:t>
-            </a:r>
-            <a:br>
-              <a:rPr lang="en-US" dirty="0" smtClean="0"/>
-            </a:br>
-            <a:r>
               <a:rPr lang="en-US" dirty="0" smtClean="0"/>
               <a:t/>
             </a:r>
@@ -11543,14 +11322,14 @@
             </a:r>
             <a:r>
               <a:rPr lang="en-US" dirty="0" smtClean="0"/>
-              <a:t>=“2 / 3 / 4 / 5”</a:t>
+              <a:t>=“2 / 3”</a:t>
             </a:r>
             <a:br>
               <a:rPr lang="en-US" dirty="0" smtClean="0"/>
             </a:br>
             <a:r>
               <a:rPr lang="en-US" dirty="0" smtClean="0"/>
-              <a:t>message=“server error / </a:t>
+              <a:t>message=“server error / duplicate </a:t>
             </a:r>
             <a:r>
               <a:rPr lang="en-US" dirty="0" err="1" smtClean="0"/>
@@ -11558,7 +11337,7 @@
             </a:r>
             <a:r>
               <a:rPr lang="en-US" dirty="0" smtClean="0"/>
-              <a:t> doesn’t exist / wrong password / already logged-in”</a:t>
+              <a:t>”</a:t>
             </a:r>
             <a:endParaRPr lang="en-US" dirty="0"/>
           </a:p>
@@ -11567,18 +11346,18 @@
     </p:spTree>
     <p:extLst>
       <p:ext uri="{BB962C8B-B14F-4D97-AF65-F5344CB8AC3E}">
-        <p14:creationId xmlns:p14="http://schemas.microsoft.com/office/powerpoint/2010/main" val="1734633175"/>
+        <p14:creationId xmlns:p14="http://schemas.microsoft.com/office/powerpoint/2010/main" val="2405150995"/>
       </p:ext>
     </p:extLst>
   </p:cSld>
   <p:clrMapOvr>
     <a:masterClrMapping/>
   </p:clrMapOvr>
-  <mc:AlternateContent xmlns:mc="http://schemas.openxmlformats.org/markup-compatibility/2006">
-    <mc:Choice xmlns:p14="http://schemas.microsoft.com/office/powerpoint/2010/main" Requires="p14">
+  <mc:AlternateContent xmlns:mc="http://schemas.openxmlformats.org/markup-compatibility/2006" xmlns:p14="http://schemas.microsoft.com/office/powerpoint/2010/main">
+    <mc:Choice Requires="p14">
       <p:transition p14:dur="0"/>
     </mc:Choice>
-    <mc:Fallback>
+    <mc:Fallback xmlns="">
       <p:transition/>
     </mc:Fallback>
   </mc:AlternateContent>
@@ -11650,215 +11429,324 @@
             <p:ph idx="1"/>
           </p:nvPr>
         </p:nvSpPr>
-        <p:spPr/>
+        <p:spPr>
+          <a:xfrm>
+            <a:off x="121920" y="1825624"/>
+            <a:ext cx="8900160" cy="4879975"/>
+          </a:xfrm>
+        </p:spPr>
         <p:txBody>
           <a:bodyPr>
-            <a:noAutofit/>
+            <a:normAutofit fontScale="70000" lnSpcReduction="20000"/>
           </a:bodyPr>
           <a:lstStyle/>
           <a:p>
             <a:r>
-              <a:rPr lang="en-US" sz="2000" dirty="0" err="1"/>
-              <a:t>RegistrasiClient</a:t>
-            </a:r>
-            <a:r>
-              <a:rPr lang="en-US" sz="2000" dirty="0"/>
-              <a:t> (</a:t>
-            </a:r>
-            <a:r>
-              <a:rPr lang="en-US" sz="2000" dirty="0" err="1" smtClean="0"/>
-              <a:t>UserId</a:t>
-            </a:r>
-            <a:r>
-              <a:rPr lang="en-US" sz="2000" dirty="0"/>
-              <a:t>, </a:t>
-            </a:r>
-            <a:r>
-              <a:rPr lang="en-US" sz="2000" dirty="0" err="1" smtClean="0"/>
-              <a:t>PasswordHash</a:t>
-            </a:r>
-            <a:r>
-              <a:rPr lang="en-US" sz="2000" dirty="0" smtClean="0"/>
-              <a:t>, </a:t>
-            </a:r>
-            <a:r>
-              <a:rPr lang="en-US" sz="2000" dirty="0" err="1" smtClean="0"/>
-              <a:t>SessionID</a:t>
-            </a:r>
-            <a:r>
-              <a:rPr lang="en-US" sz="2000" dirty="0" smtClean="0"/>
-              <a:t>)</a:t>
-            </a:r>
-            <a:endParaRPr lang="en-US" sz="2000" dirty="0"/>
+              <a:rPr lang="en-US" dirty="0" err="1"/>
+              <a:t>LoginServer</a:t>
+            </a:r>
+            <a:r>
+              <a:rPr lang="en-US" dirty="0"/>
+              <a:t> (IP, </a:t>
+            </a:r>
+            <a:r>
+              <a:rPr lang="en-US" dirty="0" err="1"/>
+              <a:t>PortListener</a:t>
+            </a:r>
+            <a:r>
+              <a:rPr lang="en-US" dirty="0"/>
+              <a:t>, Password)</a:t>
+            </a:r>
           </a:p>
           <a:p>
             <a:pPr lvl="1"/>
             <a:r>
-              <a:rPr lang="en-US" sz="1800" dirty="0" smtClean="0"/>
+              <a:rPr lang="en-US" dirty="0" smtClean="0"/>
               <a:t>Request</a:t>
             </a:r>
-            <a:endParaRPr lang="en-US" sz="1800" dirty="0"/>
+            <a:endParaRPr lang="en-US" dirty="0"/>
           </a:p>
           <a:p>
             <a:pPr lvl="2"/>
             <a:r>
-              <a:rPr lang="en-US" sz="1600" dirty="0"/>
+              <a:rPr lang="en-US" dirty="0"/>
               <a:t>m</a:t>
             </a:r>
             <a:r>
-              <a:rPr lang="en-US" sz="1600" dirty="0" smtClean="0"/>
+              <a:rPr lang="en-US" dirty="0" smtClean="0"/>
               <a:t>ethod:</a:t>
             </a:r>
           </a:p>
           <a:p>
             <a:pPr lvl="3"/>
             <a:r>
-              <a:rPr lang="en-US" sz="1400" dirty="0" smtClean="0"/>
+              <a:rPr lang="en-US" dirty="0" smtClean="0"/>
               <a:t>name=“</a:t>
             </a:r>
             <a:r>
-              <a:rPr lang="en-US" sz="1400" dirty="0" err="1" smtClean="0"/>
-              <a:t>registrasiclient</a:t>
-            </a:r>
-            <a:r>
-              <a:rPr lang="en-US" sz="1400" dirty="0" smtClean="0"/>
+              <a:rPr lang="en-US" dirty="0" err="1" smtClean="0"/>
+              <a:t>loginserver</a:t>
+            </a:r>
+            <a:r>
+              <a:rPr lang="en-US" dirty="0" smtClean="0"/>
               <a:t>”</a:t>
             </a:r>
           </a:p>
           <a:p>
             <a:pPr lvl="2"/>
             <a:r>
-              <a:rPr lang="en-US" sz="1600" dirty="0" err="1"/>
+              <a:rPr lang="en-US" dirty="0" err="1"/>
               <a:t>p</a:t>
             </a:r>
             <a:r>
-              <a:rPr lang="en-US" sz="1600" dirty="0" err="1" smtClean="0"/>
+              <a:rPr lang="en-US" dirty="0" err="1" smtClean="0"/>
               <a:t>arams</a:t>
             </a:r>
             <a:r>
-              <a:rPr lang="en-US" sz="1600" dirty="0" smtClean="0"/>
+              <a:rPr lang="en-US" dirty="0" smtClean="0"/>
               <a:t>:</a:t>
             </a:r>
           </a:p>
           <a:p>
             <a:pPr lvl="3"/>
             <a:r>
-              <a:rPr lang="en-US" sz="1400" dirty="0" err="1" smtClean="0"/>
-              <a:t>userid</a:t>
-            </a:r>
-            <a:r>
-              <a:rPr lang="en-US" sz="1400" dirty="0" smtClean="0"/>
-              <a:t>=“username”</a:t>
+              <a:rPr lang="en-US" dirty="0" err="1" smtClean="0"/>
+              <a:t>ip</a:t>
+            </a:r>
+            <a:r>
+              <a:rPr lang="en-US" dirty="0" smtClean="0"/>
+              <a:t>=“server’s IP”</a:t>
             </a:r>
           </a:p>
           <a:p>
             <a:pPr lvl="3"/>
             <a:r>
-              <a:rPr lang="en-US" sz="1400" dirty="0" err="1" smtClean="0"/>
-              <a:t>passwordhash</a:t>
-            </a:r>
-            <a:r>
-              <a:rPr lang="en-US" sz="1400" dirty="0" smtClean="0"/>
-              <a:t>=“hash of user’s password”</a:t>
+              <a:rPr lang="en-US" dirty="0"/>
+              <a:t>p</a:t>
+            </a:r>
+            <a:r>
+              <a:rPr lang="en-US" dirty="0" smtClean="0"/>
+              <a:t>ort=“listening port”</a:t>
             </a:r>
           </a:p>
           <a:p>
             <a:pPr lvl="3"/>
             <a:r>
-              <a:rPr lang="en-US" sz="1400" dirty="0" err="1" smtClean="0"/>
-              <a:t>sessionid</a:t>
-            </a:r>
-            <a:r>
-              <a:rPr lang="en-US" sz="1400" dirty="0" smtClean="0"/>
-              <a:t>=“server’s session id”</a:t>
+              <a:rPr lang="en-US" dirty="0" smtClean="0"/>
+              <a:t>password=“server’s password”</a:t>
             </a:r>
           </a:p>
           <a:p>
             <a:pPr lvl="1"/>
             <a:r>
-              <a:rPr lang="en-US" sz="1800" dirty="0" smtClean="0"/>
+              <a:rPr lang="en-US" dirty="0" smtClean="0"/>
               <a:t>Response</a:t>
             </a:r>
           </a:p>
           <a:p>
             <a:pPr lvl="2"/>
             <a:r>
-              <a:rPr lang="en-US" sz="1600" dirty="0" smtClean="0"/>
+              <a:rPr lang="en-US" dirty="0" smtClean="0"/>
               <a:t>status=“accepted”</a:t>
             </a:r>
             <a:br>
-              <a:rPr lang="en-US" sz="1600" dirty="0" smtClean="0"/>
+              <a:rPr lang="en-US" dirty="0" smtClean="0"/>
             </a:br>
             <a:r>
-              <a:rPr lang="en-US" sz="1600" dirty="0" smtClean="0"/>
+              <a:rPr lang="en-US" dirty="0" smtClean="0"/>
               <a:t>status-code=“1”</a:t>
             </a:r>
             <a:br>
-              <a:rPr lang="en-US" sz="1600" dirty="0" smtClean="0"/>
+              <a:rPr lang="en-US" dirty="0" smtClean="0"/>
             </a:br>
             <a:r>
-              <a:rPr lang="en-US" sz="1600" dirty="0" smtClean="0"/>
+              <a:rPr lang="en-US" dirty="0" err="1" smtClean="0"/>
+              <a:t>sessid</a:t>
+            </a:r>
+            <a:r>
+              <a:rPr lang="en-US" dirty="0" smtClean="0"/>
+              <a:t>=session id for server (per connected server)</a:t>
+            </a:r>
+            <a:br>
+              <a:rPr lang="en-US" dirty="0" smtClean="0"/>
+            </a:br>
+            <a:r>
+              <a:rPr lang="en-US" dirty="0" smtClean="0"/>
               <a:t/>
             </a:r>
             <a:br>
-              <a:rPr lang="en-US" sz="1600" dirty="0" smtClean="0"/>
+              <a:rPr lang="en-US" dirty="0" smtClean="0"/>
             </a:br>
             <a:r>
-              <a:rPr lang="en-US" sz="1600" dirty="0" smtClean="0"/>
+              <a:rPr lang="en-US" dirty="0" smtClean="0"/>
+              <a:t>users:</a:t>
+            </a:r>
+            <a:br>
+              <a:rPr lang="en-US" dirty="0" smtClean="0"/>
+            </a:br>
+            <a:r>
+              <a:rPr lang="en-US" dirty="0" smtClean="0"/>
+              <a:t>&lt;user username</a:t>
+            </a:r>
+            <a:r>
+              <a:rPr lang="en-US" dirty="0"/>
+              <a:t>=“user” </a:t>
+            </a:r>
+            <a:r>
+              <a:rPr lang="en-US" dirty="0" smtClean="0"/>
+              <a:t>password=“hash” </a:t>
+            </a:r>
+            <a:r>
+              <a:rPr lang="en-US" dirty="0" err="1" smtClean="0"/>
+              <a:t>loggedIn</a:t>
+            </a:r>
+            <a:r>
+              <a:rPr lang="en-US" dirty="0" smtClean="0"/>
+              <a:t>=“</a:t>
+            </a:r>
+            <a:r>
+              <a:rPr lang="en-US" dirty="0" err="1" smtClean="0"/>
+              <a:t>bool</a:t>
+            </a:r>
+            <a:r>
+              <a:rPr lang="en-US" dirty="0" smtClean="0"/>
+              <a:t>” </a:t>
+            </a:r>
+            <a:r>
+              <a:rPr lang="en-US" dirty="0" err="1" smtClean="0"/>
+              <a:t>sessid</a:t>
+            </a:r>
+            <a:r>
+              <a:rPr lang="en-US" dirty="0" smtClean="0"/>
+              <a:t>=“</a:t>
+            </a:r>
+            <a:r>
+              <a:rPr lang="en-US" dirty="0" err="1" smtClean="0"/>
+              <a:t>sessid</a:t>
+            </a:r>
+            <a:r>
+              <a:rPr lang="en-US" dirty="0" smtClean="0"/>
+              <a:t>” </a:t>
+            </a:r>
+            <a:r>
+              <a:rPr lang="en-US" dirty="0" err="1" smtClean="0"/>
+              <a:t>handlerIpPort</a:t>
+            </a:r>
+            <a:r>
+              <a:rPr lang="en-US" dirty="0" smtClean="0"/>
+              <a:t>=“</a:t>
+            </a:r>
+            <a:r>
+              <a:rPr lang="en-US" dirty="0" err="1" smtClean="0"/>
+              <a:t>ip:port</a:t>
+            </a:r>
+            <a:r>
+              <a:rPr lang="en-US" dirty="0" smtClean="0"/>
+              <a:t>” /&gt;</a:t>
+            </a:r>
+            <a:br>
+              <a:rPr lang="en-US" dirty="0" smtClean="0"/>
+            </a:br>
+            <a:r>
+              <a:rPr lang="en-US" dirty="0"/>
+              <a:t/>
+            </a:r>
+            <a:br>
+              <a:rPr lang="en-US" dirty="0"/>
+            </a:br>
+            <a:r>
+              <a:rPr lang="en-US" dirty="0" smtClean="0"/>
+              <a:t>messages:</a:t>
+            </a:r>
+            <a:br>
+              <a:rPr lang="en-US" dirty="0" smtClean="0"/>
+            </a:br>
+            <a:r>
+              <a:rPr lang="en-US" dirty="0" smtClean="0"/>
+              <a:t>&lt;</a:t>
+            </a:r>
+            <a:r>
+              <a:rPr lang="en-US" dirty="0"/>
+              <a:t>message username=“user” time=“timestamp” message=“message content” </a:t>
+            </a:r>
+            <a:r>
+              <a:rPr lang="en-US" dirty="0" smtClean="0"/>
+              <a:t>/&gt;</a:t>
+            </a:r>
+            <a:br>
+              <a:rPr lang="en-US" dirty="0" smtClean="0"/>
+            </a:br>
+            <a:r>
+              <a:rPr lang="en-US" dirty="0" smtClean="0"/>
+              <a:t/>
+            </a:r>
+            <a:br>
+              <a:rPr lang="en-US" dirty="0" smtClean="0"/>
+            </a:br>
+            <a:r>
+              <a:rPr lang="en-US" dirty="0" smtClean="0"/>
               <a:t>or</a:t>
             </a:r>
             <a:br>
-              <a:rPr lang="en-US" sz="1600" dirty="0" smtClean="0"/>
+              <a:rPr lang="en-US" dirty="0" smtClean="0"/>
             </a:br>
-            <a:endParaRPr lang="en-US" sz="1600" dirty="0" smtClean="0"/>
+            <a:endParaRPr lang="en-US" dirty="0" smtClean="0"/>
           </a:p>
           <a:p>
             <a:pPr lvl="2"/>
             <a:r>
-              <a:rPr lang="en-US" sz="1600" dirty="0"/>
+              <a:rPr lang="en-US" dirty="0"/>
               <a:t>s</a:t>
             </a:r>
             <a:r>
-              <a:rPr lang="en-US" sz="1600" dirty="0" smtClean="0"/>
+              <a:rPr lang="en-US" dirty="0" smtClean="0"/>
               <a:t>tatus=“rejected”</a:t>
             </a:r>
             <a:br>
-              <a:rPr lang="en-US" sz="1600" dirty="0" smtClean="0"/>
+              <a:rPr lang="en-US" dirty="0" smtClean="0"/>
             </a:br>
             <a:r>
-              <a:rPr lang="en-US" sz="1600" dirty="0"/>
+              <a:rPr lang="en-US" dirty="0"/>
               <a:t>status-code</a:t>
             </a:r>
             <a:r>
-              <a:rPr lang="en-US" sz="1600" dirty="0" smtClean="0"/>
-              <a:t>=“2 / 3 / 4”</a:t>
+              <a:rPr lang="en-US" dirty="0" smtClean="0"/>
+              <a:t>=“2 / 3 / 4 / 5”</a:t>
             </a:r>
             <a:br>
-              <a:rPr lang="en-US" sz="1600" dirty="0" smtClean="0"/>
+              <a:rPr lang="en-US" dirty="0" smtClean="0"/>
             </a:br>
             <a:r>
-              <a:rPr lang="en-US" sz="1600" dirty="0" smtClean="0"/>
-              <a:t>message=“server error / integrity error / session expired”</a:t>
-            </a:r>
-            <a:endParaRPr lang="en-US" sz="1600" dirty="0"/>
+              <a:rPr lang="en-US" dirty="0" smtClean="0"/>
+              <a:t>message=“server error / </a:t>
+            </a:r>
+            <a:r>
+              <a:rPr lang="en-US" dirty="0" err="1" smtClean="0"/>
+              <a:t>ip:port</a:t>
+            </a:r>
+            <a:r>
+              <a:rPr lang="en-US" dirty="0" smtClean="0"/>
+              <a:t> doesn’t exist / wrong password / already logged-in”</a:t>
+            </a:r>
+            <a:endParaRPr lang="en-US" dirty="0"/>
           </a:p>
         </p:txBody>
       </p:sp>
     </p:spTree>
     <p:extLst>
       <p:ext uri="{BB962C8B-B14F-4D97-AF65-F5344CB8AC3E}">
-        <p14:creationId xmlns:p14="http://schemas.microsoft.com/office/powerpoint/2010/main" val="365284476"/>
+        <p14:creationId xmlns:p14="http://schemas.microsoft.com/office/powerpoint/2010/main" val="1734633175"/>
       </p:ext>
     </p:extLst>
   </p:cSld>
   <p:clrMapOvr>
     <a:masterClrMapping/>
   </p:clrMapOvr>
-  <mc:AlternateContent xmlns:mc="http://schemas.openxmlformats.org/markup-compatibility/2006">
-    <mc:Choice xmlns:p14="http://schemas.microsoft.com/office/powerpoint/2010/main" Requires="p14">
+  <mc:AlternateContent xmlns:mc="http://schemas.openxmlformats.org/markup-compatibility/2006" xmlns:p14="http://schemas.microsoft.com/office/powerpoint/2010/main">
+    <mc:Choice Requires="p14">
       <p:transition p14:dur="0"/>
     </mc:Choice>
-    <mc:Fallback>
+    <mc:Fallback xmlns="">
       <p:transition/>
     </mc:Fallback>
   </mc:AlternateContent>
@@ -11933,193 +11821,212 @@
         <p:spPr/>
         <p:txBody>
           <a:bodyPr>
-            <a:normAutofit fontScale="92500" lnSpcReduction="20000"/>
+            <a:noAutofit/>
           </a:bodyPr>
           <a:lstStyle/>
           <a:p>
             <a:r>
-              <a:rPr lang="en-US" dirty="0" err="1" smtClean="0"/>
-              <a:t>LoginClient</a:t>
-            </a:r>
-            <a:r>
-              <a:rPr lang="en-US" dirty="0" smtClean="0"/>
+              <a:rPr lang="en-US" sz="2000" dirty="0" err="1"/>
+              <a:t>RegistrasiClient</a:t>
+            </a:r>
+            <a:r>
+              <a:rPr lang="en-US" sz="2000" dirty="0"/>
               <a:t> (</a:t>
             </a:r>
             <a:r>
-              <a:rPr lang="en-US" dirty="0" err="1" smtClean="0"/>
+              <a:rPr lang="en-US" sz="2000" dirty="0" err="1" smtClean="0"/>
               <a:t>UserId</a:t>
             </a:r>
             <a:r>
-              <a:rPr lang="en-US" dirty="0" smtClean="0"/>
+              <a:rPr lang="en-US" sz="2000" dirty="0"/>
               <a:t>, </a:t>
             </a:r>
             <a:r>
-              <a:rPr lang="en-US" dirty="0" err="1" smtClean="0"/>
+              <a:rPr lang="en-US" sz="2000" dirty="0" err="1" smtClean="0"/>
+              <a:t>PasswordHash</a:t>
+            </a:r>
+            <a:r>
+              <a:rPr lang="en-US" sz="2000" dirty="0" smtClean="0"/>
+              <a:t>, </a:t>
+            </a:r>
+            <a:r>
+              <a:rPr lang="en-US" sz="2000" dirty="0" err="1" smtClean="0"/>
               <a:t>SessionID</a:t>
             </a:r>
             <a:r>
-              <a:rPr lang="en-US" dirty="0" smtClean="0"/>
+              <a:rPr lang="en-US" sz="2000" dirty="0" smtClean="0"/>
               <a:t>)</a:t>
             </a:r>
-            <a:endParaRPr lang="en-US" dirty="0"/>
+            <a:endParaRPr lang="en-US" sz="2000" dirty="0"/>
           </a:p>
           <a:p>
             <a:pPr lvl="1"/>
             <a:r>
-              <a:rPr lang="en-US" dirty="0" smtClean="0"/>
+              <a:rPr lang="en-US" sz="1800" dirty="0" smtClean="0"/>
               <a:t>Request</a:t>
             </a:r>
-            <a:endParaRPr lang="en-US" dirty="0"/>
+            <a:endParaRPr lang="en-US" sz="1800" dirty="0"/>
           </a:p>
           <a:p>
             <a:pPr lvl="2"/>
             <a:r>
-              <a:rPr lang="en-US" dirty="0"/>
+              <a:rPr lang="en-US" sz="1600" dirty="0"/>
               <a:t>m</a:t>
             </a:r>
             <a:r>
-              <a:rPr lang="en-US" dirty="0" smtClean="0"/>
+              <a:rPr lang="en-US" sz="1600" dirty="0" smtClean="0"/>
               <a:t>ethod:</a:t>
             </a:r>
           </a:p>
           <a:p>
             <a:pPr lvl="3"/>
             <a:r>
-              <a:rPr lang="en-US" dirty="0" smtClean="0"/>
+              <a:rPr lang="en-US" sz="1400" dirty="0" smtClean="0"/>
               <a:t>name=“</a:t>
             </a:r>
             <a:r>
-              <a:rPr lang="en-US" dirty="0" err="1" smtClean="0"/>
-              <a:t>loginclient</a:t>
-            </a:r>
-            <a:r>
-              <a:rPr lang="en-US" dirty="0" smtClean="0"/>
+              <a:rPr lang="en-US" sz="1400" dirty="0" err="1" smtClean="0"/>
+              <a:t>registrasiclient</a:t>
+            </a:r>
+            <a:r>
+              <a:rPr lang="en-US" sz="1400" dirty="0" smtClean="0"/>
               <a:t>”</a:t>
             </a:r>
           </a:p>
           <a:p>
             <a:pPr lvl="2"/>
             <a:r>
-              <a:rPr lang="en-US" dirty="0" err="1"/>
+              <a:rPr lang="en-US" sz="1600" dirty="0" err="1"/>
               <a:t>p</a:t>
             </a:r>
             <a:r>
-              <a:rPr lang="en-US" dirty="0" err="1" smtClean="0"/>
+              <a:rPr lang="en-US" sz="1600" dirty="0" err="1" smtClean="0"/>
               <a:t>arams</a:t>
             </a:r>
             <a:r>
-              <a:rPr lang="en-US" dirty="0" smtClean="0"/>
+              <a:rPr lang="en-US" sz="1600" dirty="0" smtClean="0"/>
               <a:t>:</a:t>
             </a:r>
           </a:p>
           <a:p>
             <a:pPr lvl="3"/>
             <a:r>
-              <a:rPr lang="en-US" dirty="0" err="1" smtClean="0"/>
+              <a:rPr lang="en-US" sz="1400" dirty="0" err="1" smtClean="0"/>
               <a:t>userid</a:t>
             </a:r>
             <a:r>
-              <a:rPr lang="en-US" dirty="0" smtClean="0"/>
+              <a:rPr lang="en-US" sz="1400" dirty="0" smtClean="0"/>
               <a:t>=“username”</a:t>
             </a:r>
           </a:p>
           <a:p>
             <a:pPr lvl="3"/>
             <a:r>
-              <a:rPr lang="en-US" dirty="0" err="1" smtClean="0"/>
+              <a:rPr lang="en-US" sz="1400" dirty="0" err="1" smtClean="0"/>
+              <a:t>passwordhash</a:t>
+            </a:r>
+            <a:r>
+              <a:rPr lang="en-US" sz="1400" dirty="0" smtClean="0"/>
+              <a:t>=“hash of user’s password”</a:t>
+            </a:r>
+          </a:p>
+          <a:p>
+            <a:pPr lvl="3"/>
+            <a:r>
+              <a:rPr lang="en-US" sz="1400" dirty="0" err="1" smtClean="0"/>
               <a:t>sessionid</a:t>
             </a:r>
             <a:r>
-              <a:rPr lang="en-US" dirty="0" smtClean="0"/>
+              <a:rPr lang="en-US" sz="1400" dirty="0" smtClean="0"/>
               <a:t>=“server’s session id”</a:t>
             </a:r>
           </a:p>
           <a:p>
             <a:pPr lvl="1"/>
             <a:r>
-              <a:rPr lang="en-US" dirty="0" smtClean="0"/>
+              <a:rPr lang="en-US" sz="1800" dirty="0" smtClean="0"/>
               <a:t>Response</a:t>
             </a:r>
           </a:p>
           <a:p>
             <a:pPr lvl="2"/>
             <a:r>
-              <a:rPr lang="en-US" dirty="0" smtClean="0"/>
+              <a:rPr lang="en-US" sz="1600" dirty="0" smtClean="0"/>
               <a:t>status=“accepted”</a:t>
             </a:r>
             <a:br>
-              <a:rPr lang="en-US" dirty="0" smtClean="0"/>
+              <a:rPr lang="en-US" sz="1600" dirty="0" smtClean="0"/>
             </a:br>
             <a:r>
-              <a:rPr lang="en-US" dirty="0" smtClean="0"/>
+              <a:rPr lang="en-US" sz="1600" dirty="0" smtClean="0"/>
               <a:t>status-code=“1”</a:t>
             </a:r>
             <a:br>
-              <a:rPr lang="en-US" dirty="0" smtClean="0"/>
+              <a:rPr lang="en-US" sz="1600" dirty="0" smtClean="0"/>
             </a:br>
             <a:r>
-              <a:rPr lang="en-US" dirty="0" smtClean="0"/>
+              <a:rPr lang="en-US" sz="1600" dirty="0" smtClean="0"/>
               <a:t/>
             </a:r>
             <a:br>
-              <a:rPr lang="en-US" dirty="0" smtClean="0"/>
+              <a:rPr lang="en-US" sz="1600" dirty="0" smtClean="0"/>
             </a:br>
             <a:r>
-              <a:rPr lang="en-US" dirty="0" smtClean="0"/>
+              <a:rPr lang="en-US" sz="1600" dirty="0" smtClean="0"/>
               <a:t>or</a:t>
             </a:r>
             <a:br>
-              <a:rPr lang="en-US" dirty="0" smtClean="0"/>
+              <a:rPr lang="en-US" sz="1600" dirty="0" smtClean="0"/>
             </a:br>
-            <a:endParaRPr lang="en-US" dirty="0" smtClean="0"/>
+            <a:endParaRPr lang="en-US" sz="1600" dirty="0" smtClean="0"/>
           </a:p>
           <a:p>
             <a:pPr lvl="2"/>
             <a:r>
-              <a:rPr lang="en-US" dirty="0"/>
+              <a:rPr lang="en-US" sz="1600" dirty="0"/>
               <a:t>s</a:t>
             </a:r>
             <a:r>
-              <a:rPr lang="en-US" dirty="0" smtClean="0"/>
+              <a:rPr lang="en-US" sz="1600" dirty="0" smtClean="0"/>
               <a:t>tatus=“rejected”</a:t>
             </a:r>
             <a:br>
-              <a:rPr lang="en-US" dirty="0" smtClean="0"/>
+              <a:rPr lang="en-US" sz="1600" dirty="0" smtClean="0"/>
             </a:br>
             <a:r>
-              <a:rPr lang="en-US" dirty="0"/>
+              <a:rPr lang="en-US" sz="1600" dirty="0"/>
               <a:t>status-code</a:t>
             </a:r>
             <a:r>
-              <a:rPr lang="en-US" dirty="0" smtClean="0"/>
+              <a:rPr lang="en-US" sz="1600" dirty="0" smtClean="0"/>
               <a:t>=“2 / 3 / 4”</a:t>
             </a:r>
             <a:br>
-              <a:rPr lang="en-US" dirty="0" smtClean="0"/>
+              <a:rPr lang="en-US" sz="1600" dirty="0" smtClean="0"/>
             </a:br>
             <a:r>
-              <a:rPr lang="en-US" dirty="0" smtClean="0"/>
+              <a:rPr lang="en-US" sz="1600" dirty="0" smtClean="0"/>
               <a:t>message=“server error / integrity error / session expired”</a:t>
             </a:r>
-            <a:endParaRPr lang="en-US" dirty="0"/>
+            <a:endParaRPr lang="en-US" sz="1600" dirty="0"/>
           </a:p>
         </p:txBody>
       </p:sp>
     </p:spTree>
     <p:extLst>
       <p:ext uri="{BB962C8B-B14F-4D97-AF65-F5344CB8AC3E}">
-        <p14:creationId xmlns:p14="http://schemas.microsoft.com/office/powerpoint/2010/main" val="3593161411"/>
+        <p14:creationId xmlns:p14="http://schemas.microsoft.com/office/powerpoint/2010/main" val="365284476"/>
       </p:ext>
     </p:extLst>
   </p:cSld>
   <p:clrMapOvr>
     <a:masterClrMapping/>
   </p:clrMapOvr>
-  <mc:AlternateContent xmlns:mc="http://schemas.openxmlformats.org/markup-compatibility/2006">
-    <mc:Choice xmlns:p14="http://schemas.microsoft.com/office/powerpoint/2010/main" Requires="p14">
+  <mc:AlternateContent xmlns:mc="http://schemas.openxmlformats.org/markup-compatibility/2006" xmlns:p14="http://schemas.microsoft.com/office/powerpoint/2010/main">
+    <mc:Choice Requires="p14">
       <p:transition p14:dur="0"/>
     </mc:Choice>
-    <mc:Fallback>
+    <mc:Fallback xmlns="">
       <p:transition/>
     </mc:Fallback>
   </mc:AlternateContent>
@@ -12194,32 +12101,28 @@
         <p:spPr/>
         <p:txBody>
           <a:bodyPr>
-            <a:normAutofit fontScale="85000" lnSpcReduction="20000"/>
+            <a:normAutofit fontScale="92500" lnSpcReduction="20000"/>
           </a:bodyPr>
           <a:lstStyle/>
           <a:p>
             <a:r>
-              <a:rPr lang="en-US" dirty="0" err="1"/>
-              <a:t>ChatSendClient</a:t>
-            </a:r>
-            <a:r>
-              <a:rPr lang="en-US" dirty="0"/>
+              <a:rPr lang="en-US" dirty="0" err="1" smtClean="0"/>
+              <a:t>LoginClient</a:t>
+            </a:r>
+            <a:r>
+              <a:rPr lang="en-US" dirty="0" smtClean="0"/>
               <a:t> (</a:t>
             </a:r>
             <a:r>
-              <a:rPr lang="en-US" dirty="0" err="1"/>
+              <a:rPr lang="en-US" dirty="0" err="1" smtClean="0"/>
               <a:t>UserId</a:t>
             </a:r>
             <a:r>
-              <a:rPr lang="en-US" dirty="0"/>
-              <a:t>, Message, </a:t>
-            </a:r>
-            <a:r>
-              <a:rPr lang="en-US" dirty="0" smtClean="0"/>
-              <a:t>Timestamp, </a:t>
-            </a:r>
-            <a:r>
-              <a:rPr lang="en-US" dirty="0" err="1"/>
+              <a:rPr lang="en-US" dirty="0" smtClean="0"/>
+              <a:t>, </a:t>
+            </a:r>
+            <a:r>
+              <a:rPr lang="en-US" dirty="0" err="1" smtClean="0"/>
               <a:t>SessionID</a:t>
             </a:r>
             <a:r>
@@ -12255,7 +12158,7 @@
             </a:r>
             <a:r>
               <a:rPr lang="en-US" dirty="0" err="1" smtClean="0"/>
-              <a:t>chatsendclient</a:t>
+              <a:t>loginclient</a:t>
             </a:r>
             <a:r>
               <a:rPr lang="en-US" dirty="0" smtClean="0"/>
@@ -12280,52 +12183,24 @@
           <a:p>
             <a:pPr lvl="3"/>
             <a:r>
-              <a:rPr lang="en-US" dirty="0" err="1"/>
+              <a:rPr lang="en-US" dirty="0" err="1" smtClean="0"/>
               <a:t>userid</a:t>
             </a:r>
             <a:r>
-              <a:rPr lang="en-US" dirty="0"/>
-              <a:t>=“username</a:t>
-            </a:r>
-            <a:r>
-              <a:rPr lang="en-US" dirty="0" smtClean="0"/>
-              <a:t>”</a:t>
+              <a:rPr lang="en-US" dirty="0" smtClean="0"/>
+              <a:t>=“username”</a:t>
             </a:r>
           </a:p>
           <a:p>
             <a:pPr lvl="3"/>
             <a:r>
-              <a:rPr lang="en-US" dirty="0" smtClean="0"/>
-              <a:t>message=“user’s message”</a:t>
-            </a:r>
-            <a:endParaRPr lang="en-US" dirty="0"/>
-          </a:p>
-          <a:p>
-            <a:pPr lvl="3"/>
-            <a:r>
-              <a:rPr lang="en-US" dirty="0"/>
-              <a:t>timestamp=“timestamp</a:t>
-            </a:r>
-            <a:r>
-              <a:rPr lang="en-US" dirty="0" smtClean="0"/>
-              <a:t>”</a:t>
-            </a:r>
-          </a:p>
-          <a:p>
-            <a:pPr lvl="3"/>
-            <a:r>
-              <a:rPr lang="en-US" dirty="0" err="1"/>
-              <a:t>s</a:t>
-            </a:r>
-            <a:r>
-              <a:rPr lang="en-US" dirty="0" err="1" smtClean="0"/>
-              <a:t>essionid</a:t>
+              <a:rPr lang="en-US" dirty="0" err="1" smtClean="0"/>
+              <a:t>sessionid</a:t>
             </a:r>
             <a:r>
               <a:rPr lang="en-US" dirty="0" smtClean="0"/>
               <a:t>=“server’s session id”</a:t>
             </a:r>
-            <a:endParaRPr lang="en-US" dirty="0"/>
           </a:p>
           <a:p>
             <a:pPr lvl="1"/>
@@ -12385,14 +12260,14 @@
             </a:r>
             <a:r>
               <a:rPr lang="en-US" dirty="0" smtClean="0"/>
-              <a:t>=“2 / 3”</a:t>
+              <a:t>=“2 / 3 / 4”</a:t>
             </a:r>
             <a:br>
               <a:rPr lang="en-US" dirty="0" smtClean="0"/>
             </a:br>
             <a:r>
               <a:rPr lang="en-US" dirty="0" smtClean="0"/>
-              <a:t>message=“server error / session expired”</a:t>
+              <a:t>message=“server error / integrity error / session expired”</a:t>
             </a:r>
             <a:endParaRPr lang="en-US" dirty="0"/>
           </a:p>
@@ -12401,18 +12276,18 @@
     </p:spTree>
     <p:extLst>
       <p:ext uri="{BB962C8B-B14F-4D97-AF65-F5344CB8AC3E}">
-        <p14:creationId xmlns:p14="http://schemas.microsoft.com/office/powerpoint/2010/main" val="1822839228"/>
+        <p14:creationId xmlns:p14="http://schemas.microsoft.com/office/powerpoint/2010/main" val="3593161411"/>
       </p:ext>
     </p:extLst>
   </p:cSld>
   <p:clrMapOvr>
     <a:masterClrMapping/>
   </p:clrMapOvr>
-  <mc:AlternateContent xmlns:mc="http://schemas.openxmlformats.org/markup-compatibility/2006">
-    <mc:Choice xmlns:p14="http://schemas.microsoft.com/office/powerpoint/2010/main" Requires="p14">
+  <mc:AlternateContent xmlns:mc="http://schemas.openxmlformats.org/markup-compatibility/2006" xmlns:p14="http://schemas.microsoft.com/office/powerpoint/2010/main">
+    <mc:Choice Requires="p14">
       <p:transition p14:dur="0"/>
     </mc:Choice>
-    <mc:Fallback>
+    <mc:Fallback xmlns="">
       <p:transition/>
     </mc:Fallback>
   </mc:AlternateContent>
@@ -12487,37 +12362,37 @@
         <p:spPr/>
         <p:txBody>
           <a:bodyPr>
-            <a:normAutofit fontScale="92500" lnSpcReduction="20000"/>
+            <a:normAutofit fontScale="85000" lnSpcReduction="20000"/>
           </a:bodyPr>
           <a:lstStyle/>
           <a:p>
             <a:r>
               <a:rPr lang="en-US" dirty="0" err="1"/>
-              <a:t>LogoutClient</a:t>
+              <a:t>ChatSendClient</a:t>
             </a:r>
             <a:r>
               <a:rPr lang="en-US" dirty="0"/>
-              <a:t> </a:t>
-            </a:r>
-            <a:r>
-              <a:rPr lang="en-US" dirty="0" smtClean="0"/>
-              <a:t>(</a:t>
-            </a:r>
-            <a:r>
-              <a:rPr lang="en-US" dirty="0" err="1" smtClean="0"/>
+              <a:t> (</a:t>
+            </a:r>
+            <a:r>
+              <a:rPr lang="en-US" dirty="0" err="1"/>
               <a:t>UserId</a:t>
             </a:r>
             <a:r>
-              <a:rPr lang="en-US" dirty="0" smtClean="0"/>
-              <a:t>, </a:t>
-            </a:r>
-            <a:r>
-              <a:rPr lang="en-US" dirty="0" err="1" smtClean="0"/>
+              <a:rPr lang="en-US" dirty="0"/>
+              <a:t>, Message, </a:t>
+            </a:r>
+            <a:r>
+              <a:rPr lang="en-US" dirty="0" smtClean="0"/>
+              <a:t>Timestamp, </a:t>
+            </a:r>
+            <a:r>
+              <a:rPr lang="en-US" dirty="0" err="1"/>
               <a:t>SessionID</a:t>
             </a:r>
             <a:r>
               <a:rPr lang="en-US" dirty="0" smtClean="0"/>
-              <a:t>, timestamp)</a:t>
+              <a:t>)</a:t>
             </a:r>
             <a:endParaRPr lang="en-US" dirty="0"/>
           </a:p>
@@ -12548,7 +12423,7 @@
             </a:r>
             <a:r>
               <a:rPr lang="en-US" dirty="0" err="1" smtClean="0"/>
-              <a:t>logoutclient</a:t>
+              <a:t>chatsendclient</a:t>
             </a:r>
             <a:r>
               <a:rPr lang="en-US" dirty="0" smtClean="0"/>
@@ -12573,24 +12448,52 @@
           <a:p>
             <a:pPr lvl="3"/>
             <a:r>
-              <a:rPr lang="en-US" dirty="0" err="1" smtClean="0"/>
+              <a:rPr lang="en-US" dirty="0" err="1"/>
               <a:t>userid</a:t>
             </a:r>
             <a:r>
-              <a:rPr lang="en-US" dirty="0" smtClean="0"/>
-              <a:t>=“username”</a:t>
+              <a:rPr lang="en-US" dirty="0"/>
+              <a:t>=“username</a:t>
+            </a:r>
+            <a:r>
+              <a:rPr lang="en-US" dirty="0" smtClean="0"/>
+              <a:t>”</a:t>
             </a:r>
           </a:p>
           <a:p>
             <a:pPr lvl="3"/>
             <a:r>
-              <a:rPr lang="en-US" dirty="0" err="1" smtClean="0"/>
-              <a:t>sessionid</a:t>
+              <a:rPr lang="en-US" dirty="0" smtClean="0"/>
+              <a:t>message=“user’s message”</a:t>
+            </a:r>
+            <a:endParaRPr lang="en-US" dirty="0"/>
+          </a:p>
+          <a:p>
+            <a:pPr lvl="3"/>
+            <a:r>
+              <a:rPr lang="en-US" dirty="0"/>
+              <a:t>timestamp=“timestamp</a:t>
+            </a:r>
+            <a:r>
+              <a:rPr lang="en-US" dirty="0" smtClean="0"/>
+              <a:t>”</a:t>
+            </a:r>
+          </a:p>
+          <a:p>
+            <a:pPr lvl="3"/>
+            <a:r>
+              <a:rPr lang="en-US" dirty="0" err="1"/>
+              <a:t>s</a:t>
+            </a:r>
+            <a:r>
+              <a:rPr lang="en-US" dirty="0" err="1" smtClean="0"/>
+              <a:t>essionid</a:t>
             </a:r>
             <a:r>
               <a:rPr lang="en-US" dirty="0" smtClean="0"/>
               <a:t>=“server’s session id”</a:t>
             </a:r>
+            <a:endParaRPr lang="en-US" dirty="0"/>
           </a:p>
           <a:p>
             <a:pPr lvl="1"/>
@@ -12650,14 +12553,14 @@
             </a:r>
             <a:r>
               <a:rPr lang="en-US" dirty="0" smtClean="0"/>
-              <a:t>=“2 / 3 / 4”</a:t>
+              <a:t>=“2 / 3”</a:t>
             </a:r>
             <a:br>
               <a:rPr lang="en-US" dirty="0" smtClean="0"/>
             </a:br>
             <a:r>
               <a:rPr lang="en-US" dirty="0" smtClean="0"/>
-              <a:t>message=“server error / integrity error / session expired”</a:t>
+              <a:t>message=“server error / session expired”</a:t>
             </a:r>
             <a:endParaRPr lang="en-US" dirty="0"/>
           </a:p>
@@ -12666,18 +12569,18 @@
     </p:spTree>
     <p:extLst>
       <p:ext uri="{BB962C8B-B14F-4D97-AF65-F5344CB8AC3E}">
-        <p14:creationId xmlns:p14="http://schemas.microsoft.com/office/powerpoint/2010/main" val="280783789"/>
+        <p14:creationId xmlns:p14="http://schemas.microsoft.com/office/powerpoint/2010/main" val="1822839228"/>
       </p:ext>
     </p:extLst>
   </p:cSld>
   <p:clrMapOvr>
     <a:masterClrMapping/>
   </p:clrMapOvr>
-  <mc:AlternateContent xmlns:mc="http://schemas.openxmlformats.org/markup-compatibility/2006">
-    <mc:Choice xmlns:p14="http://schemas.microsoft.com/office/powerpoint/2010/main" Requires="p14">
+  <mc:AlternateContent xmlns:mc="http://schemas.openxmlformats.org/markup-compatibility/2006" xmlns:p14="http://schemas.microsoft.com/office/powerpoint/2010/main">
+    <mc:Choice Requires="p14">
       <p:transition p14:dur="0"/>
     </mc:Choice>
-    <mc:Fallback>
+    <mc:Fallback xmlns="">
       <p:transition/>
     </mc:Fallback>
   </mc:AlternateContent>
@@ -12752,13 +12655,13 @@
         <p:spPr/>
         <p:txBody>
           <a:bodyPr>
-            <a:normAutofit fontScale="92500" lnSpcReduction="10000"/>
+            <a:normAutofit fontScale="92500" lnSpcReduction="20000"/>
           </a:bodyPr>
           <a:lstStyle/>
           <a:p>
             <a:r>
               <a:rPr lang="en-US" dirty="0" err="1"/>
-              <a:t>LogoutServer</a:t>
+              <a:t>LogoutClient</a:t>
             </a:r>
             <a:r>
               <a:rPr lang="en-US" dirty="0"/>
@@ -12770,11 +12673,19 @@
             </a:r>
             <a:r>
               <a:rPr lang="en-US" dirty="0" err="1" smtClean="0"/>
+              <a:t>UserId</a:t>
+            </a:r>
+            <a:r>
+              <a:rPr lang="en-US" dirty="0" smtClean="0"/>
+              <a:t>, </a:t>
+            </a:r>
+            <a:r>
+              <a:rPr lang="en-US" dirty="0" err="1" smtClean="0"/>
               <a:t>SessionID</a:t>
             </a:r>
             <a:r>
               <a:rPr lang="en-US" dirty="0" smtClean="0"/>
-              <a:t>)</a:t>
+              <a:t>, timestamp)</a:t>
             </a:r>
             <a:endParaRPr lang="en-US" dirty="0"/>
           </a:p>
@@ -12805,7 +12716,7 @@
             </a:r>
             <a:r>
               <a:rPr lang="en-US" dirty="0" err="1" smtClean="0"/>
-              <a:t>logoutserver</a:t>
+              <a:t>logoutclient</a:t>
             </a:r>
             <a:r>
               <a:rPr lang="en-US" dirty="0" smtClean="0"/>
@@ -12815,12 +12726,27 @@
           <a:p>
             <a:pPr lvl="2"/>
             <a:r>
-              <a:rPr lang="en-US" dirty="0" err="1" smtClean="0"/>
-              <a:t>params</a:t>
+              <a:rPr lang="en-US" dirty="0" err="1"/>
+              <a:t>p</a:t>
+            </a:r>
+            <a:r>
+              <a:rPr lang="en-US" dirty="0" err="1" smtClean="0"/>
+              <a:t>arams</a:t>
             </a:r>
             <a:r>
               <a:rPr lang="en-US" dirty="0" smtClean="0"/>
               <a:t>:</a:t>
+            </a:r>
+          </a:p>
+          <a:p>
+            <a:pPr lvl="3"/>
+            <a:r>
+              <a:rPr lang="en-US" dirty="0" err="1" smtClean="0"/>
+              <a:t>userid</a:t>
+            </a:r>
+            <a:r>
+              <a:rPr lang="en-US" dirty="0" smtClean="0"/>
+              <a:t>=“username”</a:t>
             </a:r>
           </a:p>
           <a:p>
@@ -12892,14 +12818,14 @@
             </a:r>
             <a:r>
               <a:rPr lang="en-US" dirty="0" smtClean="0"/>
-              <a:t>=“2 / 3”</a:t>
+              <a:t>=“2 / 3 / 4”</a:t>
             </a:r>
             <a:br>
               <a:rPr lang="en-US" dirty="0" smtClean="0"/>
             </a:br>
             <a:r>
               <a:rPr lang="en-US" dirty="0" smtClean="0"/>
-              <a:t>message=“server error / session expired”</a:t>
+              <a:t>message=“server error / integrity error / session expired”</a:t>
             </a:r>
             <a:endParaRPr lang="en-US" dirty="0"/>
           </a:p>
@@ -12908,18 +12834,18 @@
     </p:spTree>
     <p:extLst>
       <p:ext uri="{BB962C8B-B14F-4D97-AF65-F5344CB8AC3E}">
-        <p14:creationId xmlns:p14="http://schemas.microsoft.com/office/powerpoint/2010/main" val="1053793571"/>
+        <p14:creationId xmlns:p14="http://schemas.microsoft.com/office/powerpoint/2010/main" val="280783789"/>
       </p:ext>
     </p:extLst>
   </p:cSld>
   <p:clrMapOvr>
     <a:masterClrMapping/>
   </p:clrMapOvr>
-  <mc:AlternateContent xmlns:mc="http://schemas.openxmlformats.org/markup-compatibility/2006">
-    <mc:Choice xmlns:p14="http://schemas.microsoft.com/office/powerpoint/2010/main" Requires="p14">
+  <mc:AlternateContent xmlns:mc="http://schemas.openxmlformats.org/markup-compatibility/2006" xmlns:p14="http://schemas.microsoft.com/office/powerpoint/2010/main">
+    <mc:Choice Requires="p14">
       <p:transition p14:dur="0"/>
     </mc:Choice>
-    <mc:Fallback>
+    <mc:Fallback xmlns="">
       <p:transition/>
     </mc:Fallback>
   </mc:AlternateContent>
@@ -12999,12 +12925,16 @@
           <a:lstStyle/>
           <a:p>
             <a:r>
-              <a:rPr lang="en-US" dirty="0" err="1" smtClean="0"/>
-              <a:t>ServerHeartbeat</a:t>
-            </a:r>
-            <a:r>
-              <a:rPr lang="en-US" dirty="0" smtClean="0"/>
-              <a:t> (</a:t>
+              <a:rPr lang="en-US" dirty="0" err="1"/>
+              <a:t>LogoutServer</a:t>
+            </a:r>
+            <a:r>
+              <a:rPr lang="en-US" dirty="0"/>
+              <a:t> </a:t>
+            </a:r>
+            <a:r>
+              <a:rPr lang="en-US" dirty="0" smtClean="0"/>
+              <a:t>(</a:t>
             </a:r>
             <a:r>
               <a:rPr lang="en-US" dirty="0" err="1" smtClean="0"/>
@@ -13043,7 +12973,7 @@
             </a:r>
             <a:r>
               <a:rPr lang="en-US" dirty="0" err="1" smtClean="0"/>
-              <a:t>serverheartbeat</a:t>
+              <a:t>logoutserver</a:t>
             </a:r>
             <a:r>
               <a:rPr lang="en-US" dirty="0" smtClean="0"/>
@@ -13053,12 +12983,8 @@
           <a:p>
             <a:pPr lvl="2"/>
             <a:r>
-              <a:rPr lang="en-US" dirty="0" err="1"/>
-              <a:t>p</a:t>
-            </a:r>
-            <a:r>
-              <a:rPr lang="en-US" dirty="0" err="1" smtClean="0"/>
-              <a:t>arams</a:t>
+              <a:rPr lang="en-US" dirty="0" err="1" smtClean="0"/>
+              <a:t>params</a:t>
             </a:r>
             <a:r>
               <a:rPr lang="en-US" dirty="0" smtClean="0"/>
@@ -13150,18 +13076,18 @@
     </p:spTree>
     <p:extLst>
       <p:ext uri="{BB962C8B-B14F-4D97-AF65-F5344CB8AC3E}">
-        <p14:creationId xmlns:p14="http://schemas.microsoft.com/office/powerpoint/2010/main" val="438067580"/>
+        <p14:creationId xmlns:p14="http://schemas.microsoft.com/office/powerpoint/2010/main" val="1053793571"/>
       </p:ext>
     </p:extLst>
   </p:cSld>
   <p:clrMapOvr>
     <a:masterClrMapping/>
   </p:clrMapOvr>
-  <mc:AlternateContent xmlns:mc="http://schemas.openxmlformats.org/markup-compatibility/2006">
-    <mc:Choice xmlns:p14="http://schemas.microsoft.com/office/powerpoint/2010/main" Requires="p14">
+  <mc:AlternateContent xmlns:mc="http://schemas.openxmlformats.org/markup-compatibility/2006" xmlns:p14="http://schemas.microsoft.com/office/powerpoint/2010/main">
+    <mc:Choice Requires="p14">
       <p:transition p14:dur="0"/>
     </mc:Choice>
-    <mc:Fallback>
+    <mc:Fallback xmlns="">
       <p:transition/>
     </mc:Fallback>
   </mc:AlternateContent>
@@ -13236,17 +13162,25 @@
         <p:spPr/>
         <p:txBody>
           <a:bodyPr>
-            <a:normAutofit fontScale="92500" lnSpcReduction="20000"/>
+            <a:normAutofit fontScale="92500" lnSpcReduction="10000"/>
           </a:bodyPr>
           <a:lstStyle/>
           <a:p>
             <a:r>
               <a:rPr lang="en-US" dirty="0" err="1" smtClean="0"/>
-              <a:t>ListRegisteredServer</a:t>
-            </a:r>
-            <a:r>
-              <a:rPr lang="en-US" dirty="0" smtClean="0"/>
-              <a:t> ()</a:t>
+              <a:t>ServerHeartbeat</a:t>
+            </a:r>
+            <a:r>
+              <a:rPr lang="en-US" dirty="0" smtClean="0"/>
+              <a:t> (</a:t>
+            </a:r>
+            <a:r>
+              <a:rPr lang="en-US" dirty="0" err="1" smtClean="0"/>
+              <a:t>SessionID</a:t>
+            </a:r>
+            <a:r>
+              <a:rPr lang="en-US" dirty="0" smtClean="0"/>
+              <a:t>)</a:t>
             </a:r>
             <a:endParaRPr lang="en-US" dirty="0"/>
           </a:p>
@@ -13277,7 +13211,7 @@
             </a:r>
             <a:r>
               <a:rPr lang="en-US" dirty="0" err="1" smtClean="0"/>
-              <a:t>listregisteredserver</a:t>
+              <a:t>serverheartbeat</a:t>
             </a:r>
             <a:r>
               <a:rPr lang="en-US" dirty="0" smtClean="0"/>
@@ -13303,17 +13237,12 @@
             <a:pPr lvl="3"/>
             <a:r>
               <a:rPr lang="en-US" dirty="0" err="1" smtClean="0"/>
-              <a:t>Tidak</a:t>
-            </a:r>
-            <a:r>
-              <a:rPr lang="en-US" dirty="0" smtClean="0"/>
-              <a:t> </a:t>
-            </a:r>
-            <a:r>
-              <a:rPr lang="en-US" dirty="0" err="1" smtClean="0"/>
-              <a:t>ada</a:t>
-            </a:r>
-            <a:endParaRPr lang="en-US" dirty="0" smtClean="0"/>
+              <a:t>sessionid</a:t>
+            </a:r>
+            <a:r>
+              <a:rPr lang="en-US" dirty="0" smtClean="0"/>
+              <a:t>=“server’s session id”</a:t>
+            </a:r>
           </a:p>
           <a:p>
             <a:pPr lvl="1"/>
@@ -13334,44 +13263,6 @@
             <a:r>
               <a:rPr lang="en-US" dirty="0" smtClean="0"/>
               <a:t>status-code=“1”</a:t>
-            </a:r>
-            <a:br>
-              <a:rPr lang="en-US" dirty="0" smtClean="0"/>
-            </a:br>
-            <a:r>
-              <a:rPr lang="en-US" dirty="0" smtClean="0"/>
-              <a:t>servers=</a:t>
-            </a:r>
-          </a:p>
-          <a:p>
-            <a:pPr lvl="3"/>
-            <a:r>
-              <a:rPr lang="en-US" dirty="0" smtClean="0"/>
-              <a:t>&lt;server </a:t>
-            </a:r>
-            <a:r>
-              <a:rPr lang="en-US" dirty="0" err="1" smtClean="0"/>
-              <a:t>ip</a:t>
-            </a:r>
-            <a:r>
-              <a:rPr lang="en-US" dirty="0" smtClean="0"/>
-              <a:t>=“</a:t>
-            </a:r>
-            <a:r>
-              <a:rPr lang="en-US" dirty="0" err="1" smtClean="0"/>
-              <a:t>ip</a:t>
-            </a:r>
-            <a:r>
-              <a:rPr lang="en-US" dirty="0" smtClean="0"/>
-              <a:t> </a:t>
-            </a:r>
-            <a:r>
-              <a:rPr lang="en-US" dirty="0" err="1" smtClean="0"/>
-              <a:t>addr</a:t>
-            </a:r>
-            <a:r>
-              <a:rPr lang="en-US" dirty="0" smtClean="0"/>
-              <a:t>” port=“listening port” password=“hash” /&gt;</a:t>
             </a:r>
             <a:br>
               <a:rPr lang="en-US" dirty="0" smtClean="0"/>
@@ -13411,14 +13302,14 @@
             </a:r>
             <a:r>
               <a:rPr lang="en-US" dirty="0" smtClean="0"/>
-              <a:t>=“2”</a:t>
+              <a:t>=“2 / 3”</a:t>
             </a:r>
             <a:br>
               <a:rPr lang="en-US" dirty="0" smtClean="0"/>
             </a:br>
             <a:r>
               <a:rPr lang="en-US" dirty="0" smtClean="0"/>
-              <a:t>message=“server error”</a:t>
+              <a:t>message=“server error / session expired”</a:t>
             </a:r>
             <a:endParaRPr lang="en-US" dirty="0"/>
           </a:p>
@@ -13427,18 +13318,18 @@
     </p:spTree>
     <p:extLst>
       <p:ext uri="{BB962C8B-B14F-4D97-AF65-F5344CB8AC3E}">
-        <p14:creationId xmlns:p14="http://schemas.microsoft.com/office/powerpoint/2010/main" val="1964871332"/>
+        <p14:creationId xmlns:p14="http://schemas.microsoft.com/office/powerpoint/2010/main" val="438067580"/>
       </p:ext>
     </p:extLst>
   </p:cSld>
   <p:clrMapOvr>
     <a:masterClrMapping/>
   </p:clrMapOvr>
-  <mc:AlternateContent xmlns:mc="http://schemas.openxmlformats.org/markup-compatibility/2006">
-    <mc:Choice xmlns:p14="http://schemas.microsoft.com/office/powerpoint/2010/main" Requires="p14">
+  <mc:AlternateContent xmlns:mc="http://schemas.openxmlformats.org/markup-compatibility/2006" xmlns:p14="http://schemas.microsoft.com/office/powerpoint/2010/main">
+    <mc:Choice Requires="p14">
       <p:transition p14:dur="0"/>
     </mc:Choice>
-    <mc:Fallback>
+    <mc:Fallback xmlns="">
       <p:transition/>
     </mc:Fallback>
   </mc:AlternateContent>
@@ -13471,7 +13362,7 @@
       </p:grpSpPr>
       <p:sp>
         <p:nvSpPr>
-          <p:cNvPr id="4" name="Title 3"/>
+          <p:cNvPr id="2" name="Title 1"/>
           <p:cNvSpPr>
             <a:spLocks noGrp="1"/>
           </p:cNvSpPr>
@@ -13486,7 +13377,15 @@
           <a:p>
             <a:r>
               <a:rPr lang="en-US" b="1" dirty="0" smtClean="0"/>
-              <a:t>Transition Diagram</a:t>
+              <a:t>Format </a:t>
+            </a:r>
+            <a:r>
+              <a:rPr lang="en-US" b="1" dirty="0" err="1" smtClean="0"/>
+              <a:t>Pesan</a:t>
+            </a:r>
+            <a:r>
+              <a:rPr lang="en-US" b="1" dirty="0" smtClean="0"/>
+              <a:t> Per Method (s2s)</a:t>
             </a:r>
             <a:endParaRPr lang="en-US" b="1" dirty="0"/>
           </a:p>
@@ -13494,19 +13393,201 @@
       </p:sp>
       <p:sp>
         <p:nvSpPr>
-          <p:cNvPr id="5" name="Text Placeholder 4"/>
+          <p:cNvPr id="3" name="Content Placeholder 2"/>
           <p:cNvSpPr>
             <a:spLocks noGrp="1"/>
           </p:cNvSpPr>
           <p:nvPr>
-            <p:ph type="body" idx="1"/>
+            <p:ph idx="1"/>
           </p:nvPr>
         </p:nvSpPr>
         <p:spPr/>
         <p:txBody>
-          <a:bodyPr/>
+          <a:bodyPr>
+            <a:normAutofit fontScale="92500" lnSpcReduction="20000"/>
+          </a:bodyPr>
           <a:lstStyle/>
           <a:p>
+            <a:r>
+              <a:rPr lang="en-US" dirty="0" err="1" smtClean="0"/>
+              <a:t>ListRegisteredServer</a:t>
+            </a:r>
+            <a:r>
+              <a:rPr lang="en-US" dirty="0" smtClean="0"/>
+              <a:t> ()</a:t>
+            </a:r>
+            <a:endParaRPr lang="en-US" dirty="0"/>
+          </a:p>
+          <a:p>
+            <a:pPr lvl="1"/>
+            <a:r>
+              <a:rPr lang="en-US" dirty="0" smtClean="0"/>
+              <a:t>Request</a:t>
+            </a:r>
+            <a:endParaRPr lang="en-US" dirty="0"/>
+          </a:p>
+          <a:p>
+            <a:pPr lvl="2"/>
+            <a:r>
+              <a:rPr lang="en-US" dirty="0"/>
+              <a:t>m</a:t>
+            </a:r>
+            <a:r>
+              <a:rPr lang="en-US" dirty="0" smtClean="0"/>
+              <a:t>ethod:</a:t>
+            </a:r>
+          </a:p>
+          <a:p>
+            <a:pPr lvl="3"/>
+            <a:r>
+              <a:rPr lang="en-US" dirty="0" smtClean="0"/>
+              <a:t>name=“</a:t>
+            </a:r>
+            <a:r>
+              <a:rPr lang="en-US" dirty="0" err="1" smtClean="0"/>
+              <a:t>listregisteredserver</a:t>
+            </a:r>
+            <a:r>
+              <a:rPr lang="en-US" dirty="0" smtClean="0"/>
+              <a:t>”</a:t>
+            </a:r>
+          </a:p>
+          <a:p>
+            <a:pPr lvl="2"/>
+            <a:r>
+              <a:rPr lang="en-US" dirty="0" err="1"/>
+              <a:t>p</a:t>
+            </a:r>
+            <a:r>
+              <a:rPr lang="en-US" dirty="0" err="1" smtClean="0"/>
+              <a:t>arams</a:t>
+            </a:r>
+            <a:r>
+              <a:rPr lang="en-US" dirty="0" smtClean="0"/>
+              <a:t>:</a:t>
+            </a:r>
+          </a:p>
+          <a:p>
+            <a:pPr lvl="3"/>
+            <a:r>
+              <a:rPr lang="en-US" dirty="0" err="1" smtClean="0"/>
+              <a:t>Tidak</a:t>
+            </a:r>
+            <a:r>
+              <a:rPr lang="en-US" dirty="0" smtClean="0"/>
+              <a:t> </a:t>
+            </a:r>
+            <a:r>
+              <a:rPr lang="en-US" dirty="0" err="1" smtClean="0"/>
+              <a:t>ada</a:t>
+            </a:r>
+            <a:endParaRPr lang="en-US" dirty="0" smtClean="0"/>
+          </a:p>
+          <a:p>
+            <a:pPr lvl="1"/>
+            <a:r>
+              <a:rPr lang="en-US" dirty="0" smtClean="0"/>
+              <a:t>Response</a:t>
+            </a:r>
+          </a:p>
+          <a:p>
+            <a:pPr lvl="2"/>
+            <a:r>
+              <a:rPr lang="en-US" dirty="0" smtClean="0"/>
+              <a:t>status=“accepted”</a:t>
+            </a:r>
+            <a:br>
+              <a:rPr lang="en-US" dirty="0" smtClean="0"/>
+            </a:br>
+            <a:r>
+              <a:rPr lang="en-US" dirty="0" smtClean="0"/>
+              <a:t>status-code=“1”</a:t>
+            </a:r>
+            <a:br>
+              <a:rPr lang="en-US" dirty="0" smtClean="0"/>
+            </a:br>
+            <a:r>
+              <a:rPr lang="en-US" dirty="0" smtClean="0"/>
+              <a:t>servers=</a:t>
+            </a:r>
+          </a:p>
+          <a:p>
+            <a:pPr lvl="3"/>
+            <a:r>
+              <a:rPr lang="en-US" dirty="0" smtClean="0"/>
+              <a:t>&lt;server </a:t>
+            </a:r>
+            <a:r>
+              <a:rPr lang="en-US" dirty="0" err="1" smtClean="0"/>
+              <a:t>ip</a:t>
+            </a:r>
+            <a:r>
+              <a:rPr lang="en-US" dirty="0" smtClean="0"/>
+              <a:t>=“</a:t>
+            </a:r>
+            <a:r>
+              <a:rPr lang="en-US" dirty="0" err="1" smtClean="0"/>
+              <a:t>ip</a:t>
+            </a:r>
+            <a:r>
+              <a:rPr lang="en-US" dirty="0" smtClean="0"/>
+              <a:t> </a:t>
+            </a:r>
+            <a:r>
+              <a:rPr lang="en-US" dirty="0" err="1" smtClean="0"/>
+              <a:t>addr</a:t>
+            </a:r>
+            <a:r>
+              <a:rPr lang="en-US" dirty="0" smtClean="0"/>
+              <a:t>” port=“listening port” password=“hash” /&gt;</a:t>
+            </a:r>
+            <a:br>
+              <a:rPr lang="en-US" dirty="0" smtClean="0"/>
+            </a:br>
+            <a:r>
+              <a:rPr lang="en-US" dirty="0" smtClean="0"/>
+              <a:t/>
+            </a:r>
+            <a:br>
+              <a:rPr lang="en-US" dirty="0" smtClean="0"/>
+            </a:br>
+            <a:r>
+              <a:rPr lang="en-US" dirty="0" smtClean="0"/>
+              <a:t>or</a:t>
+            </a:r>
+            <a:br>
+              <a:rPr lang="en-US" dirty="0" smtClean="0"/>
+            </a:br>
+            <a:endParaRPr lang="en-US" dirty="0" smtClean="0"/>
+          </a:p>
+          <a:p>
+            <a:pPr lvl="2"/>
+            <a:r>
+              <a:rPr lang="en-US" dirty="0"/>
+              <a:t>s</a:t>
+            </a:r>
+            <a:r>
+              <a:rPr lang="en-US" dirty="0" smtClean="0"/>
+              <a:t>tatus=“rejected”</a:t>
+            </a:r>
+            <a:br>
+              <a:rPr lang="en-US" dirty="0" smtClean="0"/>
+            </a:br>
+            <a:r>
+              <a:rPr lang="en-US" dirty="0"/>
+              <a:t>status-code</a:t>
+            </a:r>
+            <a:r>
+              <a:rPr lang="en-US" dirty="0" smtClean="0"/>
+              <a:t>=“2”</a:t>
+            </a:r>
+            <a:br>
+              <a:rPr lang="en-US" dirty="0" smtClean="0"/>
+            </a:br>
+            <a:r>
+              <a:rPr lang="en-US" dirty="0" smtClean="0"/>
+              <a:t>message=“server error”</a:t>
+            </a:r>
             <a:endParaRPr lang="en-US" dirty="0"/>
           </a:p>
         </p:txBody>
@@ -13514,18 +13595,18 @@
     </p:spTree>
     <p:extLst>
       <p:ext uri="{BB962C8B-B14F-4D97-AF65-F5344CB8AC3E}">
-        <p14:creationId xmlns:p14="http://schemas.microsoft.com/office/powerpoint/2010/main" val="2083193378"/>
+        <p14:creationId xmlns:p14="http://schemas.microsoft.com/office/powerpoint/2010/main" val="1964871332"/>
       </p:ext>
     </p:extLst>
   </p:cSld>
   <p:clrMapOvr>
     <a:masterClrMapping/>
   </p:clrMapOvr>
-  <mc:AlternateContent xmlns:mc="http://schemas.openxmlformats.org/markup-compatibility/2006">
-    <mc:Choice xmlns:p14="http://schemas.microsoft.com/office/powerpoint/2010/main" Requires="p14">
+  <mc:AlternateContent xmlns:mc="http://schemas.openxmlformats.org/markup-compatibility/2006" xmlns:p14="http://schemas.microsoft.com/office/powerpoint/2010/main">
+    <mc:Choice Requires="p14">
       <p:transition p14:dur="0"/>
     </mc:Choice>
-    <mc:Fallback>
+    <mc:Fallback xmlns="">
       <p:transition/>
     </mc:Fallback>
   </mc:AlternateContent>
@@ -14462,11 +14543,11 @@
   <p:clrMapOvr>
     <a:masterClrMapping/>
   </p:clrMapOvr>
-  <mc:AlternateContent xmlns:mc="http://schemas.openxmlformats.org/markup-compatibility/2006">
-    <mc:Choice xmlns:p14="http://schemas.microsoft.com/office/powerpoint/2010/main" Requires="p14">
+  <mc:AlternateContent xmlns:mc="http://schemas.openxmlformats.org/markup-compatibility/2006" xmlns:p14="http://schemas.microsoft.com/office/powerpoint/2010/main">
+    <mc:Choice Requires="p14">
       <p:transition p14:dur="0"/>
     </mc:Choice>
-    <mc:Fallback>
+    <mc:Fallback xmlns="">
       <p:transition/>
     </mc:Fallback>
   </mc:AlternateContent>
@@ -14481,6 +14562,93 @@
 </file>
 
 <file path=ppt/slides/slide30.xml><?xml version="1.0" encoding="utf-8"?>
+<p:sld xmlns:a="http://schemas.openxmlformats.org/drawingml/2006/main" xmlns:r="http://schemas.openxmlformats.org/officeDocument/2006/relationships" xmlns:p="http://schemas.openxmlformats.org/presentationml/2006/main">
+  <p:cSld>
+    <p:spTree>
+      <p:nvGrpSpPr>
+        <p:cNvPr id="1" name=""/>
+        <p:cNvGrpSpPr/>
+        <p:nvPr/>
+      </p:nvGrpSpPr>
+      <p:grpSpPr>
+        <a:xfrm>
+          <a:off x="0" y="0"/>
+          <a:ext cx="0" cy="0"/>
+          <a:chOff x="0" y="0"/>
+          <a:chExt cx="0" cy="0"/>
+        </a:xfrm>
+      </p:grpSpPr>
+      <p:sp>
+        <p:nvSpPr>
+          <p:cNvPr id="4" name="Title 3"/>
+          <p:cNvSpPr>
+            <a:spLocks noGrp="1"/>
+          </p:cNvSpPr>
+          <p:nvPr>
+            <p:ph type="title"/>
+          </p:nvPr>
+        </p:nvSpPr>
+        <p:spPr/>
+        <p:txBody>
+          <a:bodyPr/>
+          <a:lstStyle/>
+          <a:p>
+            <a:r>
+              <a:rPr lang="en-US" b="1" dirty="0" smtClean="0"/>
+              <a:t>Transition Diagram</a:t>
+            </a:r>
+            <a:endParaRPr lang="en-US" b="1" dirty="0"/>
+          </a:p>
+        </p:txBody>
+      </p:sp>
+      <p:sp>
+        <p:nvSpPr>
+          <p:cNvPr id="5" name="Text Placeholder 4"/>
+          <p:cNvSpPr>
+            <a:spLocks noGrp="1"/>
+          </p:cNvSpPr>
+          <p:nvPr>
+            <p:ph type="body" idx="1"/>
+          </p:nvPr>
+        </p:nvSpPr>
+        <p:spPr/>
+        <p:txBody>
+          <a:bodyPr/>
+          <a:lstStyle/>
+          <a:p>
+            <a:endParaRPr lang="en-US" dirty="0"/>
+          </a:p>
+        </p:txBody>
+      </p:sp>
+    </p:spTree>
+    <p:extLst>
+      <p:ext uri="{BB962C8B-B14F-4D97-AF65-F5344CB8AC3E}">
+        <p14:creationId xmlns:p14="http://schemas.microsoft.com/office/powerpoint/2010/main" val="2083193378"/>
+      </p:ext>
+    </p:extLst>
+  </p:cSld>
+  <p:clrMapOvr>
+    <a:masterClrMapping/>
+  </p:clrMapOvr>
+  <mc:AlternateContent xmlns:mc="http://schemas.openxmlformats.org/markup-compatibility/2006" xmlns:p14="http://schemas.microsoft.com/office/powerpoint/2010/main">
+    <mc:Choice Requires="p14">
+      <p:transition p14:dur="0"/>
+    </mc:Choice>
+    <mc:Fallback xmlns="">
+      <p:transition/>
+    </mc:Fallback>
+  </mc:AlternateContent>
+  <p:timing>
+    <p:tnLst>
+      <p:par>
+        <p:cTn id="1" dur="indefinite" restart="never" nodeType="tmRoot"/>
+      </p:par>
+    </p:tnLst>
+  </p:timing>
+</p:sld>
+</file>
+
+<file path=ppt/slides/slide31.xml><?xml version="1.0" encoding="utf-8"?>
 <p:sld xmlns:a="http://schemas.openxmlformats.org/drawingml/2006/main" xmlns:r="http://schemas.openxmlformats.org/officeDocument/2006/relationships" xmlns:p="http://schemas.openxmlformats.org/presentationml/2006/main">
   <p:cSld>
     <p:spTree>
@@ -14832,11 +15000,11 @@
   <p:clrMapOvr>
     <a:masterClrMapping/>
   </p:clrMapOvr>
-  <mc:AlternateContent xmlns:mc="http://schemas.openxmlformats.org/markup-compatibility/2006">
-    <mc:Choice xmlns:p14="http://schemas.microsoft.com/office/powerpoint/2010/main" Requires="p14">
+  <mc:AlternateContent xmlns:mc="http://schemas.openxmlformats.org/markup-compatibility/2006" xmlns:p14="http://schemas.microsoft.com/office/powerpoint/2010/main">
+    <mc:Choice Requires="p14">
       <p:transition p14:dur="0"/>
     </mc:Choice>
-    <mc:Fallback>
+    <mc:Fallback xmlns="">
       <p:transition/>
     </mc:Fallback>
   </mc:AlternateContent>
@@ -14850,7 +15018,7 @@
 </p:sld>
 </file>
 
-<file path=ppt/slides/slide31.xml><?xml version="1.0" encoding="utf-8"?>
+<file path=ppt/slides/slide32.xml><?xml version="1.0" encoding="utf-8"?>
 <p:sld xmlns:a="http://schemas.openxmlformats.org/drawingml/2006/main" xmlns:r="http://schemas.openxmlformats.org/officeDocument/2006/relationships" xmlns:p="http://schemas.openxmlformats.org/presentationml/2006/main">
   <p:cSld>
     <p:spTree>
@@ -15431,11 +15599,11 @@
   <p:clrMapOvr>
     <a:masterClrMapping/>
   </p:clrMapOvr>
-  <mc:AlternateContent xmlns:mc="http://schemas.openxmlformats.org/markup-compatibility/2006">
-    <mc:Choice xmlns:p14="http://schemas.microsoft.com/office/powerpoint/2010/main" Requires="p14">
+  <mc:AlternateContent xmlns:mc="http://schemas.openxmlformats.org/markup-compatibility/2006" xmlns:p14="http://schemas.microsoft.com/office/powerpoint/2010/main">
+    <mc:Choice Requires="p14">
       <p:transition p14:dur="0"/>
     </mc:Choice>
-    <mc:Fallback>
+    <mc:Fallback xmlns="">
       <p:transition/>
     </mc:Fallback>
   </mc:AlternateContent>
@@ -15449,7 +15617,7 @@
 </p:sld>
 </file>
 
-<file path=ppt/slides/slide32.xml><?xml version="1.0" encoding="utf-8"?>
+<file path=ppt/slides/slide33.xml><?xml version="1.0" encoding="utf-8"?>
 <p:sld xmlns:a="http://schemas.openxmlformats.org/drawingml/2006/main" xmlns:r="http://schemas.openxmlformats.org/officeDocument/2006/relationships" xmlns:p="http://schemas.openxmlformats.org/presentationml/2006/main">
   <p:cSld>
     <p:spTree>
@@ -16201,98 +16369,11 @@
   <p:clrMapOvr>
     <a:masterClrMapping/>
   </p:clrMapOvr>
-  <mc:AlternateContent xmlns:mc="http://schemas.openxmlformats.org/markup-compatibility/2006">
-    <mc:Choice xmlns:p14="http://schemas.microsoft.com/office/powerpoint/2010/main" Requires="p14">
+  <mc:AlternateContent xmlns:mc="http://schemas.openxmlformats.org/markup-compatibility/2006" xmlns:p14="http://schemas.microsoft.com/office/powerpoint/2010/main">
+    <mc:Choice Requires="p14">
       <p:transition p14:dur="0"/>
     </mc:Choice>
-    <mc:Fallback>
-      <p:transition/>
-    </mc:Fallback>
-  </mc:AlternateContent>
-  <p:timing>
-    <p:tnLst>
-      <p:par>
-        <p:cTn id="1" dur="indefinite" restart="never" nodeType="tmRoot"/>
-      </p:par>
-    </p:tnLst>
-  </p:timing>
-</p:sld>
-</file>
-
-<file path=ppt/slides/slide33.xml><?xml version="1.0" encoding="utf-8"?>
-<p:sld xmlns:a="http://schemas.openxmlformats.org/drawingml/2006/main" xmlns:r="http://schemas.openxmlformats.org/officeDocument/2006/relationships" xmlns:p="http://schemas.openxmlformats.org/presentationml/2006/main">
-  <p:cSld>
-    <p:spTree>
-      <p:nvGrpSpPr>
-        <p:cNvPr id="1" name=""/>
-        <p:cNvGrpSpPr/>
-        <p:nvPr/>
-      </p:nvGrpSpPr>
-      <p:grpSpPr>
-        <a:xfrm>
-          <a:off x="0" y="0"/>
-          <a:ext cx="0" cy="0"/>
-          <a:chOff x="0" y="0"/>
-          <a:chExt cx="0" cy="0"/>
-        </a:xfrm>
-      </p:grpSpPr>
-      <p:sp>
-        <p:nvSpPr>
-          <p:cNvPr id="4" name="Title 3"/>
-          <p:cNvSpPr>
-            <a:spLocks noGrp="1"/>
-          </p:cNvSpPr>
-          <p:nvPr>
-            <p:ph type="title"/>
-          </p:nvPr>
-        </p:nvSpPr>
-        <p:spPr/>
-        <p:txBody>
-          <a:bodyPr/>
-          <a:lstStyle/>
-          <a:p>
-            <a:r>
-              <a:rPr lang="en-US" b="1" dirty="0" smtClean="0"/>
-              <a:t>Format File &amp; Database</a:t>
-            </a:r>
-            <a:endParaRPr lang="en-US" b="1" dirty="0"/>
-          </a:p>
-        </p:txBody>
-      </p:sp>
-      <p:sp>
-        <p:nvSpPr>
-          <p:cNvPr id="5" name="Text Placeholder 4"/>
-          <p:cNvSpPr>
-            <a:spLocks noGrp="1"/>
-          </p:cNvSpPr>
-          <p:nvPr>
-            <p:ph type="body" idx="1"/>
-          </p:nvPr>
-        </p:nvSpPr>
-        <p:spPr/>
-        <p:txBody>
-          <a:bodyPr/>
-          <a:lstStyle/>
-          <a:p>
-            <a:endParaRPr lang="en-US" dirty="0"/>
-          </a:p>
-        </p:txBody>
-      </p:sp>
-    </p:spTree>
-    <p:extLst>
-      <p:ext uri="{BB962C8B-B14F-4D97-AF65-F5344CB8AC3E}">
-        <p14:creationId xmlns:p14="http://schemas.microsoft.com/office/powerpoint/2010/main" val="4174487364"/>
-      </p:ext>
-    </p:extLst>
-  </p:cSld>
-  <p:clrMapOvr>
-    <a:masterClrMapping/>
-  </p:clrMapOvr>
-  <mc:AlternateContent xmlns:mc="http://schemas.openxmlformats.org/markup-compatibility/2006">
-    <mc:Choice xmlns:p14="http://schemas.microsoft.com/office/powerpoint/2010/main" Requires="p14">
-      <p:transition p14:dur="0"/>
-    </mc:Choice>
-    <mc:Fallback>
+    <mc:Fallback xmlns="">
       <p:transition/>
     </mc:Fallback>
   </mc:AlternateContent>
@@ -16325,7 +16406,7 @@
       </p:grpSpPr>
       <p:sp>
         <p:nvSpPr>
-          <p:cNvPr id="2" name="Title 1"/>
+          <p:cNvPr id="4" name="Title 3"/>
           <p:cNvSpPr>
             <a:spLocks noGrp="1"/>
           </p:cNvSpPr>
@@ -16340,7 +16421,7 @@
           <a:p>
             <a:r>
               <a:rPr lang="en-US" b="1" dirty="0" smtClean="0"/>
-              <a:t>Format File</a:t>
+              <a:t>Format File &amp; Database</a:t>
             </a:r>
             <a:endParaRPr lang="en-US" b="1" dirty="0"/>
           </a:p>
@@ -16348,345 +16429,38 @@
       </p:sp>
       <p:sp>
         <p:nvSpPr>
-          <p:cNvPr id="3" name="Content Placeholder 2"/>
+          <p:cNvPr id="5" name="Text Placeholder 4"/>
           <p:cNvSpPr>
             <a:spLocks noGrp="1"/>
           </p:cNvSpPr>
           <p:nvPr>
-            <p:ph idx="1"/>
+            <p:ph type="body" idx="1"/>
           </p:nvPr>
         </p:nvSpPr>
         <p:spPr/>
         <p:txBody>
-          <a:bodyPr>
-            <a:normAutofit/>
-          </a:bodyPr>
+          <a:bodyPr/>
           <a:lstStyle/>
           <a:p>
-            <a:r>
-              <a:rPr lang="en-US" dirty="0" err="1" smtClean="0"/>
-              <a:t>serverx.cfg</a:t>
-            </a:r>
-            <a:r>
-              <a:rPr lang="en-US" dirty="0" smtClean="0"/>
-              <a:t> (</a:t>
-            </a:r>
-            <a:r>
-              <a:rPr lang="en-US" dirty="0" err="1" smtClean="0"/>
-              <a:t>json</a:t>
-            </a:r>
-            <a:r>
-              <a:rPr lang="en-US" dirty="0" smtClean="0"/>
-              <a:t>):</a:t>
-            </a:r>
-            <a:br>
-              <a:rPr lang="en-US" dirty="0" smtClean="0"/>
-            </a:br>
-            <a:r>
-              <a:rPr lang="en-US" sz="1400" dirty="0" smtClean="0">
-                <a:latin typeface="Courier New" panose="02070309020205020404" pitchFamily="49" charset="0"/>
-                <a:cs typeface="Courier New" panose="02070309020205020404" pitchFamily="49" charset="0"/>
-              </a:rPr>
-              <a:t>{</a:t>
-            </a:r>
-            <a:br>
-              <a:rPr lang="en-US" sz="1400" dirty="0" smtClean="0">
-                <a:latin typeface="Courier New" panose="02070309020205020404" pitchFamily="49" charset="0"/>
-                <a:cs typeface="Courier New" panose="02070309020205020404" pitchFamily="49" charset="0"/>
-              </a:rPr>
-            </a:br>
-            <a:r>
-              <a:rPr lang="en-US" sz="1400" dirty="0" smtClean="0">
-                <a:latin typeface="Courier New" panose="02070309020205020404" pitchFamily="49" charset="0"/>
-                <a:cs typeface="Courier New" panose="02070309020205020404" pitchFamily="49" charset="0"/>
-              </a:rPr>
-              <a:t>    “ip”:”192.168.1.100”/null,</a:t>
-            </a:r>
-            <a:br>
-              <a:rPr lang="en-US" sz="1400" dirty="0" smtClean="0">
-                <a:latin typeface="Courier New" panose="02070309020205020404" pitchFamily="49" charset="0"/>
-                <a:cs typeface="Courier New" panose="02070309020205020404" pitchFamily="49" charset="0"/>
-              </a:rPr>
-            </a:br>
-            <a:r>
-              <a:rPr lang="en-US" sz="1400" dirty="0" smtClean="0">
-                <a:latin typeface="Courier New" panose="02070309020205020404" pitchFamily="49" charset="0"/>
-                <a:cs typeface="Courier New" panose="02070309020205020404" pitchFamily="49" charset="0"/>
-              </a:rPr>
-              <a:t>    “port”:”80”,</a:t>
-            </a:r>
-            <a:br>
-              <a:rPr lang="en-US" sz="1400" dirty="0" smtClean="0">
-                <a:latin typeface="Courier New" panose="02070309020205020404" pitchFamily="49" charset="0"/>
-                <a:cs typeface="Courier New" panose="02070309020205020404" pitchFamily="49" charset="0"/>
-              </a:rPr>
-            </a:br>
-            <a:r>
-              <a:rPr lang="en-US" sz="1400" dirty="0" smtClean="0">
-                <a:latin typeface="Courier New" panose="02070309020205020404" pitchFamily="49" charset="0"/>
-                <a:cs typeface="Courier New" panose="02070309020205020404" pitchFamily="49" charset="0"/>
-              </a:rPr>
-              <a:t>    “</a:t>
-            </a:r>
-            <a:r>
-              <a:rPr lang="en-US" sz="1400" dirty="0" err="1" smtClean="0">
-                <a:latin typeface="Courier New" panose="02070309020205020404" pitchFamily="49" charset="0"/>
-                <a:cs typeface="Courier New" panose="02070309020205020404" pitchFamily="49" charset="0"/>
-              </a:rPr>
-              <a:t>password”:”password</a:t>
-            </a:r>
-            <a:r>
-              <a:rPr lang="en-US" sz="1400" dirty="0" smtClean="0">
-                <a:latin typeface="Courier New" panose="02070309020205020404" pitchFamily="49" charset="0"/>
-                <a:cs typeface="Courier New" panose="02070309020205020404" pitchFamily="49" charset="0"/>
-              </a:rPr>
-              <a:t>”,</a:t>
-            </a:r>
-            <a:br>
-              <a:rPr lang="en-US" sz="1400" dirty="0" smtClean="0">
-                <a:latin typeface="Courier New" panose="02070309020205020404" pitchFamily="49" charset="0"/>
-                <a:cs typeface="Courier New" panose="02070309020205020404" pitchFamily="49" charset="0"/>
-              </a:rPr>
-            </a:br>
-            <a:r>
-              <a:rPr lang="en-US" sz="1400" dirty="0" smtClean="0">
-                <a:latin typeface="Courier New" panose="02070309020205020404" pitchFamily="49" charset="0"/>
-                <a:cs typeface="Courier New" panose="02070309020205020404" pitchFamily="49" charset="0"/>
-              </a:rPr>
-              <a:t>    “</a:t>
-            </a:r>
-            <a:r>
-              <a:rPr lang="en-US" sz="1400" dirty="0" err="1" smtClean="0">
-                <a:latin typeface="Courier New" panose="02070309020205020404" pitchFamily="49" charset="0"/>
-                <a:cs typeface="Courier New" panose="02070309020205020404" pitchFamily="49" charset="0"/>
-              </a:rPr>
-              <a:t>dbName</a:t>
-            </a:r>
-            <a:r>
-              <a:rPr lang="en-US" sz="1400" dirty="0" smtClean="0">
-                <a:latin typeface="Courier New" panose="02070309020205020404" pitchFamily="49" charset="0"/>
-                <a:cs typeface="Courier New" panose="02070309020205020404" pitchFamily="49" charset="0"/>
-              </a:rPr>
-              <a:t>”:”DBNAME”</a:t>
-            </a:r>
-            <a:br>
-              <a:rPr lang="en-US" sz="1400" dirty="0" smtClean="0">
-                <a:latin typeface="Courier New" panose="02070309020205020404" pitchFamily="49" charset="0"/>
-                <a:cs typeface="Courier New" panose="02070309020205020404" pitchFamily="49" charset="0"/>
-              </a:rPr>
-            </a:br>
-            <a:r>
-              <a:rPr lang="en-US" sz="1400" dirty="0" smtClean="0">
-                <a:latin typeface="Courier New" panose="02070309020205020404" pitchFamily="49" charset="0"/>
-                <a:cs typeface="Courier New" panose="02070309020205020404" pitchFamily="49" charset="0"/>
-              </a:rPr>
-              <a:t>    “</a:t>
-            </a:r>
-            <a:r>
-              <a:rPr lang="en-US" sz="1400" dirty="0" err="1" smtClean="0">
-                <a:latin typeface="Courier New" panose="02070309020205020404" pitchFamily="49" charset="0"/>
-                <a:cs typeface="Courier New" panose="02070309020205020404" pitchFamily="49" charset="0"/>
-              </a:rPr>
-              <a:t>serverHook</a:t>
-            </a:r>
-            <a:r>
-              <a:rPr lang="en-US" sz="1400" dirty="0" smtClean="0">
-                <a:latin typeface="Courier New" panose="02070309020205020404" pitchFamily="49" charset="0"/>
-                <a:cs typeface="Courier New" panose="02070309020205020404" pitchFamily="49" charset="0"/>
-              </a:rPr>
-              <a:t>”:</a:t>
-            </a:r>
-            <a:r>
-              <a:rPr lang="en-US" sz="1400" dirty="0">
-                <a:latin typeface="Courier New" panose="02070309020205020404" pitchFamily="49" charset="0"/>
-                <a:cs typeface="Courier New" panose="02070309020205020404" pitchFamily="49" charset="0"/>
-              </a:rPr>
-              <a:t>{“ip”:”192.168.1.101”,”port”:”80</a:t>
-            </a:r>
-            <a:r>
-              <a:rPr lang="en-US" sz="1400" dirty="0" smtClean="0">
-                <a:latin typeface="Courier New" panose="02070309020205020404" pitchFamily="49" charset="0"/>
-                <a:cs typeface="Courier New" panose="02070309020205020404" pitchFamily="49" charset="0"/>
-              </a:rPr>
-              <a:t>”},</a:t>
-            </a:r>
-            <a:br>
-              <a:rPr lang="en-US" sz="1400" dirty="0" smtClean="0">
-                <a:latin typeface="Courier New" panose="02070309020205020404" pitchFamily="49" charset="0"/>
-                <a:cs typeface="Courier New" panose="02070309020205020404" pitchFamily="49" charset="0"/>
-              </a:rPr>
-            </a:br>
-            <a:r>
-              <a:rPr lang="en-US" sz="1400" dirty="0" smtClean="0">
-                <a:latin typeface="Courier New" panose="02070309020205020404" pitchFamily="49" charset="0"/>
-                <a:cs typeface="Courier New" panose="02070309020205020404" pitchFamily="49" charset="0"/>
-              </a:rPr>
-              <a:t>    “</a:t>
-            </a:r>
-            <a:r>
-              <a:rPr lang="en-US" sz="1400" dirty="0" err="1" smtClean="0">
-                <a:latin typeface="Courier New" panose="02070309020205020404" pitchFamily="49" charset="0"/>
-                <a:cs typeface="Courier New" panose="02070309020205020404" pitchFamily="49" charset="0"/>
-              </a:rPr>
-              <a:t>persistDB</a:t>
-            </a:r>
-            <a:r>
-              <a:rPr lang="en-US" sz="1400" smtClean="0">
-                <a:latin typeface="Courier New" panose="02070309020205020404" pitchFamily="49" charset="0"/>
-                <a:cs typeface="Courier New" panose="02070309020205020404" pitchFamily="49" charset="0"/>
-              </a:rPr>
-              <a:t>”:true/false</a:t>
-            </a:r>
-            <a:r>
-              <a:rPr lang="en-US" sz="1400" dirty="0" smtClean="0">
-                <a:latin typeface="Courier New" panose="02070309020205020404" pitchFamily="49" charset="0"/>
-                <a:cs typeface="Courier New" panose="02070309020205020404" pitchFamily="49" charset="0"/>
-              </a:rPr>
-              <a:t/>
-            </a:r>
-            <a:br>
-              <a:rPr lang="en-US" sz="1400" dirty="0" smtClean="0">
-                <a:latin typeface="Courier New" panose="02070309020205020404" pitchFamily="49" charset="0"/>
-                <a:cs typeface="Courier New" panose="02070309020205020404" pitchFamily="49" charset="0"/>
-              </a:rPr>
-            </a:br>
-            <a:r>
-              <a:rPr lang="en-US" sz="1400" dirty="0" smtClean="0">
-                <a:latin typeface="Courier New" panose="02070309020205020404" pitchFamily="49" charset="0"/>
-                <a:cs typeface="Courier New" panose="02070309020205020404" pitchFamily="49" charset="0"/>
-              </a:rPr>
-              <a:t>}</a:t>
-            </a:r>
-            <a:endParaRPr lang="en-US" dirty="0" smtClean="0">
-              <a:latin typeface="Courier New" panose="02070309020205020404" pitchFamily="49" charset="0"/>
-              <a:cs typeface="Courier New" panose="02070309020205020404" pitchFamily="49" charset="0"/>
-            </a:endParaRPr>
-          </a:p>
-          <a:p>
-            <a:pPr lvl="1"/>
-            <a:endParaRPr lang="en-US" dirty="0" smtClean="0"/>
-          </a:p>
-          <a:p>
-            <a:endParaRPr lang="en-US" sz="1800" dirty="0">
-              <a:latin typeface="Courier New" panose="02070309020205020404" pitchFamily="49" charset="0"/>
-              <a:cs typeface="Courier New" panose="02070309020205020404" pitchFamily="49" charset="0"/>
-            </a:endParaRPr>
-          </a:p>
-          <a:p>
-            <a:r>
-              <a:rPr lang="en-US" b="1" dirty="0" err="1" smtClean="0"/>
-              <a:t>Keterangan</a:t>
-            </a:r>
-            <a:r>
-              <a:rPr lang="en-US" b="1" dirty="0" smtClean="0"/>
-              <a:t>:</a:t>
-            </a:r>
-            <a:r>
-              <a:rPr lang="en-US" dirty="0" smtClean="0"/>
-              <a:t> </a:t>
-            </a:r>
-            <a:r>
-              <a:rPr lang="en-US" b="1" i="1" dirty="0" smtClean="0"/>
-              <a:t>x</a:t>
-            </a:r>
-            <a:r>
-              <a:rPr lang="en-US" dirty="0" smtClean="0"/>
-              <a:t> </a:t>
-            </a:r>
-            <a:r>
-              <a:rPr lang="en-US" dirty="0" err="1" smtClean="0"/>
-              <a:t>menandakan</a:t>
-            </a:r>
-            <a:r>
-              <a:rPr lang="en-US" dirty="0" smtClean="0"/>
-              <a:t> </a:t>
-            </a:r>
-            <a:r>
-              <a:rPr lang="en-US" dirty="0" err="1" smtClean="0"/>
-              <a:t>nomor</a:t>
-            </a:r>
-            <a:r>
-              <a:rPr lang="en-US" dirty="0" smtClean="0"/>
-              <a:t> server.</a:t>
-            </a:r>
-            <a:br>
-              <a:rPr lang="en-US" dirty="0" smtClean="0"/>
-            </a:br>
-            <a:r>
-              <a:rPr lang="en-US" sz="2000" b="1" dirty="0" err="1" smtClean="0"/>
-              <a:t>Misal</a:t>
-            </a:r>
-            <a:r>
-              <a:rPr lang="en-US" sz="2000" b="1" dirty="0" smtClean="0"/>
-              <a:t>:</a:t>
-            </a:r>
-            <a:r>
-              <a:rPr lang="en-US" sz="2000" dirty="0" smtClean="0"/>
-              <a:t> </a:t>
-            </a:r>
-            <a:r>
-              <a:rPr lang="en-US" sz="2000" dirty="0" err="1" smtClean="0"/>
-              <a:t>untuk</a:t>
-            </a:r>
-            <a:r>
-              <a:rPr lang="en-US" sz="2000" dirty="0" smtClean="0"/>
-              <a:t> </a:t>
-            </a:r>
-            <a:r>
-              <a:rPr lang="en-US" sz="2000" i="1" dirty="0" smtClean="0"/>
-              <a:t>server1</a:t>
-            </a:r>
-            <a:r>
-              <a:rPr lang="en-US" sz="2000" dirty="0" smtClean="0"/>
-              <a:t>, </a:t>
-            </a:r>
-            <a:r>
-              <a:rPr lang="en-US" sz="2000" dirty="0" err="1" smtClean="0"/>
-              <a:t>nama</a:t>
-            </a:r>
-            <a:r>
-              <a:rPr lang="en-US" sz="2000" dirty="0" smtClean="0"/>
-              <a:t> </a:t>
-            </a:r>
-            <a:r>
-              <a:rPr lang="en-US" sz="2000" dirty="0" err="1" smtClean="0"/>
-              <a:t>filenya</a:t>
-            </a:r>
-            <a:r>
-              <a:rPr lang="en-US" sz="2000" dirty="0" smtClean="0"/>
-              <a:t> </a:t>
-            </a:r>
-            <a:r>
-              <a:rPr lang="en-US" sz="2000" dirty="0" err="1" smtClean="0"/>
-              <a:t>adalah</a:t>
-            </a:r>
-            <a:r>
-              <a:rPr lang="en-US" sz="2000" dirty="0" smtClean="0"/>
-              <a:t> </a:t>
-            </a:r>
-            <a:r>
-              <a:rPr lang="en-US" sz="2000" b="1" i="1" dirty="0" smtClean="0"/>
-              <a:t>server1.cfg</a:t>
-            </a:r>
-            <a:endParaRPr lang="en-US" b="1" i="1" dirty="0"/>
+            <a:endParaRPr lang="en-US" dirty="0"/>
           </a:p>
         </p:txBody>
       </p:sp>
     </p:spTree>
     <p:extLst>
       <p:ext uri="{BB962C8B-B14F-4D97-AF65-F5344CB8AC3E}">
-        <p14:creationId xmlns:p14="http://schemas.microsoft.com/office/powerpoint/2010/main" val="2128604457"/>
+        <p14:creationId xmlns:p14="http://schemas.microsoft.com/office/powerpoint/2010/main" val="4174487364"/>
       </p:ext>
     </p:extLst>
   </p:cSld>
   <p:clrMapOvr>
     <a:masterClrMapping/>
   </p:clrMapOvr>
-  <mc:AlternateContent xmlns:mc="http://schemas.openxmlformats.org/markup-compatibility/2006">
-    <mc:Choice xmlns:p14="http://schemas.microsoft.com/office/powerpoint/2010/main" Requires="p14">
+  <mc:AlternateContent xmlns:mc="http://schemas.openxmlformats.org/markup-compatibility/2006" xmlns:p14="http://schemas.microsoft.com/office/powerpoint/2010/main">
+    <mc:Choice Requires="p14">
       <p:transition p14:dur="0"/>
     </mc:Choice>
-    <mc:Fallback>
+    <mc:Fallback xmlns="">
       <p:transition/>
     </mc:Fallback>
   </mc:AlternateContent>
@@ -16734,7 +16508,7 @@
           <a:p>
             <a:r>
               <a:rPr lang="en-US" b="1" dirty="0" smtClean="0"/>
-              <a:t>Format Database</a:t>
+              <a:t>Format File</a:t>
             </a:r>
             <a:endParaRPr lang="en-US" b="1" dirty="0"/>
           </a:p>
@@ -16753,640 +16527,334 @@
         <p:spPr/>
         <p:txBody>
           <a:bodyPr>
-            <a:normAutofit fontScale="62500" lnSpcReduction="20000"/>
+            <a:normAutofit/>
           </a:bodyPr>
           <a:lstStyle/>
           <a:p>
-            <a:pPr defTabSz="457200">
-              <a:lnSpc>
-                <a:spcPct val="110000"/>
-              </a:lnSpc>
-            </a:pPr>
-            <a:r>
-              <a:rPr lang="en-US" dirty="0" smtClean="0"/>
-              <a:t>Data </a:t>
-            </a:r>
-            <a:r>
-              <a:rPr lang="en-US" dirty="0" err="1" smtClean="0"/>
-              <a:t>mengenai</a:t>
-            </a:r>
-            <a:r>
-              <a:rPr lang="en-US" dirty="0" smtClean="0"/>
-              <a:t> </a:t>
-            </a:r>
-            <a:r>
-              <a:rPr lang="en-US" b="1" i="1" dirty="0" smtClean="0"/>
-              <a:t>server</a:t>
-            </a:r>
-            <a:r>
-              <a:rPr lang="en-US" dirty="0" smtClean="0"/>
-              <a:t> </a:t>
-            </a:r>
-            <a:r>
-              <a:rPr lang="en-US" dirty="0" err="1" smtClean="0"/>
-              <a:t>disimpan</a:t>
-            </a:r>
-            <a:r>
-              <a:rPr lang="en-US" dirty="0" smtClean="0"/>
-              <a:t> di </a:t>
-            </a:r>
-            <a:r>
-              <a:rPr lang="en-US" dirty="0" err="1" smtClean="0"/>
-              <a:t>dalam</a:t>
-            </a:r>
-            <a:r>
-              <a:rPr lang="en-US" dirty="0" smtClean="0"/>
-              <a:t> collection </a:t>
-            </a:r>
-            <a:r>
-              <a:rPr lang="en-US" dirty="0" err="1" smtClean="0"/>
-              <a:t>bernama</a:t>
-            </a:r>
-            <a:r>
-              <a:rPr lang="en-US" dirty="0" smtClean="0"/>
-              <a:t> ‘server’ </a:t>
-            </a:r>
-            <a:r>
-              <a:rPr lang="en-US" dirty="0" err="1" smtClean="0"/>
-              <a:t>dengan</a:t>
-            </a:r>
-            <a:r>
-              <a:rPr lang="en-US" dirty="0" smtClean="0"/>
-              <a:t> </a:t>
-            </a:r>
-            <a:r>
-              <a:rPr lang="en-US" dirty="0" err="1" smtClean="0"/>
-              <a:t>struktur</a:t>
-            </a:r>
-            <a:r>
-              <a:rPr lang="en-US" dirty="0" smtClean="0"/>
-              <a:t>:</a:t>
+            <a:r>
+              <a:rPr lang="en-US" dirty="0" err="1" smtClean="0"/>
+              <a:t>serverx.cfg</a:t>
+            </a:r>
+            <a:r>
+              <a:rPr lang="en-US" dirty="0" smtClean="0"/>
+              <a:t> (</a:t>
+            </a:r>
+            <a:r>
+              <a:rPr lang="en-US" dirty="0" err="1" smtClean="0"/>
+              <a:t>json</a:t>
+            </a:r>
+            <a:r>
+              <a:rPr lang="en-US" dirty="0" smtClean="0"/>
+              <a:t>):</a:t>
             </a:r>
             <a:br>
               <a:rPr lang="en-US" dirty="0" smtClean="0"/>
             </a:br>
             <a:r>
-              <a:rPr lang="en-US" dirty="0" smtClean="0"/>
-              <a:t/>
-            </a:r>
-            <a:br>
-              <a:rPr lang="en-US" dirty="0" smtClean="0"/>
-            </a:br>
-            <a:r>
-              <a:rPr lang="en-US" dirty="0">
+              <a:rPr lang="en-US" sz="1400" dirty="0" smtClean="0">
                 <a:latin typeface="Courier New" panose="02070309020205020404" pitchFamily="49" charset="0"/>
                 <a:cs typeface="Courier New" panose="02070309020205020404" pitchFamily="49" charset="0"/>
               </a:rPr>
-              <a:t>	{</a:t>
+              <a:t>{</a:t>
             </a:r>
             <a:br>
-              <a:rPr lang="en-US" dirty="0">
+              <a:rPr lang="en-US" sz="1400" dirty="0" smtClean="0">
                 <a:latin typeface="Courier New" panose="02070309020205020404" pitchFamily="49" charset="0"/>
                 <a:cs typeface="Courier New" panose="02070309020205020404" pitchFamily="49" charset="0"/>
               </a:rPr>
             </a:br>
             <a:r>
-              <a:rPr lang="en-US" dirty="0">
+              <a:rPr lang="en-US" sz="1400" dirty="0" smtClean="0">
                 <a:latin typeface="Courier New" panose="02070309020205020404" pitchFamily="49" charset="0"/>
                 <a:cs typeface="Courier New" panose="02070309020205020404" pitchFamily="49" charset="0"/>
               </a:rPr>
-              <a:t>		</a:t>
-            </a:r>
-            <a:r>
-              <a:rPr lang="en-US" dirty="0" smtClean="0">
+              <a:t>    “ip”:”192.168.1.100”/null,</a:t>
+            </a:r>
+            <a:br>
+              <a:rPr lang="en-US" sz="1400" dirty="0" smtClean="0">
                 <a:latin typeface="Courier New" panose="02070309020205020404" pitchFamily="49" charset="0"/>
                 <a:cs typeface="Courier New" panose="02070309020205020404" pitchFamily="49" charset="0"/>
               </a:rPr>
-              <a:t>“</a:t>
-            </a:r>
-            <a:r>
-              <a:rPr lang="en-US" dirty="0" err="1" smtClean="0">
+            </a:br>
+            <a:r>
+              <a:rPr lang="en-US" sz="1400" dirty="0" smtClean="0">
                 <a:latin typeface="Courier New" panose="02070309020205020404" pitchFamily="49" charset="0"/>
                 <a:cs typeface="Courier New" panose="02070309020205020404" pitchFamily="49" charset="0"/>
               </a:rPr>
-              <a:t>ip</a:t>
-            </a:r>
-            <a:r>
-              <a:rPr lang="en-US" dirty="0" smtClean="0">
+              <a:t>    “port”:”80”,</a:t>
+            </a:r>
+            <a:br>
+              <a:rPr lang="en-US" sz="1400" dirty="0" smtClean="0">
                 <a:latin typeface="Courier New" panose="02070309020205020404" pitchFamily="49" charset="0"/>
                 <a:cs typeface="Courier New" panose="02070309020205020404" pitchFamily="49" charset="0"/>
               </a:rPr>
-              <a:t>”:String,</a:t>
-            </a:r>
-            <a:br>
-              <a:rPr lang="en-US" dirty="0" smtClean="0">
+            </a:br>
+            <a:r>
+              <a:rPr lang="en-US" sz="1400" dirty="0" smtClean="0">
                 <a:latin typeface="Courier New" panose="02070309020205020404" pitchFamily="49" charset="0"/>
                 <a:cs typeface="Courier New" panose="02070309020205020404" pitchFamily="49" charset="0"/>
               </a:rPr>
-            </a:br>
-            <a:r>
-              <a:rPr lang="en-US" dirty="0">
+              <a:t>    “</a:t>
+            </a:r>
+            <a:r>
+              <a:rPr lang="en-US" sz="1400" dirty="0" err="1" smtClean="0">
                 <a:latin typeface="Courier New" panose="02070309020205020404" pitchFamily="49" charset="0"/>
                 <a:cs typeface="Courier New" panose="02070309020205020404" pitchFamily="49" charset="0"/>
               </a:rPr>
-              <a:t>		“port</a:t>
-            </a:r>
-            <a:r>
-              <a:rPr lang="en-US" dirty="0" smtClean="0">
+              <a:t>password”:”password</a:t>
+            </a:r>
+            <a:r>
+              <a:rPr lang="en-US" sz="1400" dirty="0" smtClean="0">
                 <a:latin typeface="Courier New" panose="02070309020205020404" pitchFamily="49" charset="0"/>
                 <a:cs typeface="Courier New" panose="02070309020205020404" pitchFamily="49" charset="0"/>
               </a:rPr>
-              <a:t>”:</a:t>
-            </a:r>
-            <a:r>
-              <a:rPr lang="en-US" dirty="0" err="1" smtClean="0">
+              <a:t>”,</a:t>
+            </a:r>
+            <a:br>
+              <a:rPr lang="en-US" sz="1400" dirty="0" smtClean="0">
                 <a:latin typeface="Courier New" panose="02070309020205020404" pitchFamily="49" charset="0"/>
                 <a:cs typeface="Courier New" panose="02070309020205020404" pitchFamily="49" charset="0"/>
               </a:rPr>
-              <a:t>int</a:t>
-            </a:r>
-            <a:r>
-              <a:rPr lang="en-US" dirty="0" smtClean="0">
+            </a:br>
+            <a:r>
+              <a:rPr lang="en-US" sz="1400" dirty="0" smtClean="0">
                 <a:latin typeface="Courier New" panose="02070309020205020404" pitchFamily="49" charset="0"/>
                 <a:cs typeface="Courier New" panose="02070309020205020404" pitchFamily="49" charset="0"/>
               </a:rPr>
-              <a:t>,</a:t>
-            </a:r>
-            <a:br>
-              <a:rPr lang="en-US" dirty="0" smtClean="0">
+              <a:t>    “</a:t>
+            </a:r>
+            <a:r>
+              <a:rPr lang="en-US" sz="1400" dirty="0" err="1" smtClean="0">
                 <a:latin typeface="Courier New" panose="02070309020205020404" pitchFamily="49" charset="0"/>
                 <a:cs typeface="Courier New" panose="02070309020205020404" pitchFamily="49" charset="0"/>
               </a:rPr>
-            </a:br>
-            <a:r>
-              <a:rPr lang="en-US" dirty="0" smtClean="0">
+              <a:t>dbName</a:t>
+            </a:r>
+            <a:r>
+              <a:rPr lang="en-US" sz="1400" dirty="0" smtClean="0">
                 <a:latin typeface="Courier New" panose="02070309020205020404" pitchFamily="49" charset="0"/>
                 <a:cs typeface="Courier New" panose="02070309020205020404" pitchFamily="49" charset="0"/>
               </a:rPr>
-              <a:t>		“</a:t>
-            </a:r>
-            <a:r>
-              <a:rPr lang="en-US" dirty="0" err="1" smtClean="0">
+              <a:t>”:”DBNAME”</a:t>
+            </a:r>
+            <a:br>
+              <a:rPr lang="en-US" sz="1400" dirty="0" smtClean="0">
                 <a:latin typeface="Courier New" panose="02070309020205020404" pitchFamily="49" charset="0"/>
                 <a:cs typeface="Courier New" panose="02070309020205020404" pitchFamily="49" charset="0"/>
               </a:rPr>
-              <a:t>ipPort</a:t>
-            </a:r>
-            <a:r>
-              <a:rPr lang="en-US" dirty="0" smtClean="0">
+            </a:br>
+            <a:r>
+              <a:rPr lang="en-US" sz="1400" dirty="0" smtClean="0">
                 <a:latin typeface="Courier New" panose="02070309020205020404" pitchFamily="49" charset="0"/>
                 <a:cs typeface="Courier New" panose="02070309020205020404" pitchFamily="49" charset="0"/>
               </a:rPr>
-              <a:t>”:String(</a:t>
-            </a:r>
-            <a:r>
-              <a:rPr lang="en-US" dirty="0" err="1" smtClean="0">
+              <a:t>    “</a:t>
+            </a:r>
+            <a:r>
+              <a:rPr lang="en-US" sz="1400" dirty="0" err="1" smtClean="0">
                 <a:latin typeface="Courier New" panose="02070309020205020404" pitchFamily="49" charset="0"/>
                 <a:cs typeface="Courier New" panose="02070309020205020404" pitchFamily="49" charset="0"/>
               </a:rPr>
-              <a:t>ip:port</a:t>
-            </a:r>
-            <a:r>
-              <a:rPr lang="en-US" dirty="0">
+              <a:t>serverHook</a:t>
+            </a:r>
+            <a:r>
+              <a:rPr lang="en-US" sz="1400" dirty="0" smtClean="0">
                 <a:latin typeface="Courier New" panose="02070309020205020404" pitchFamily="49" charset="0"/>
                 <a:cs typeface="Courier New" panose="02070309020205020404" pitchFamily="49" charset="0"/>
               </a:rPr>
-              <a:t>)</a:t>
-            </a:r>
-            <a:r>
-              <a:rPr lang="en-US" dirty="0" smtClean="0">
+              <a:t>”:</a:t>
+            </a:r>
+            <a:r>
+              <a:rPr lang="en-US" sz="1400" dirty="0">
                 <a:latin typeface="Courier New" panose="02070309020205020404" pitchFamily="49" charset="0"/>
                 <a:cs typeface="Courier New" panose="02070309020205020404" pitchFamily="49" charset="0"/>
               </a:rPr>
-              <a:t/>
-            </a:r>
-            <a:br>
-              <a:rPr lang="en-US" dirty="0" smtClean="0">
+              <a:t>{“ip”:”192.168.1.101”,”port”:”80</a:t>
+            </a:r>
+            <a:r>
+              <a:rPr lang="en-US" sz="1400" dirty="0" smtClean="0">
                 <a:latin typeface="Courier New" panose="02070309020205020404" pitchFamily="49" charset="0"/>
                 <a:cs typeface="Courier New" panose="02070309020205020404" pitchFamily="49" charset="0"/>
               </a:rPr>
-            </a:br>
-            <a:r>
-              <a:rPr lang="en-US" dirty="0" smtClean="0">
+              <a:t>”},</a:t>
+            </a:r>
+            <a:br>
+              <a:rPr lang="en-US" sz="1400" dirty="0" smtClean="0">
                 <a:latin typeface="Courier New" panose="02070309020205020404" pitchFamily="49" charset="0"/>
                 <a:cs typeface="Courier New" panose="02070309020205020404" pitchFamily="49" charset="0"/>
               </a:rPr>
-              <a:t>		“</a:t>
-            </a:r>
-            <a:r>
-              <a:rPr lang="en-US" dirty="0" err="1" smtClean="0">
+            </a:br>
+            <a:r>
+              <a:rPr lang="en-US" sz="1400" dirty="0" smtClean="0">
                 <a:latin typeface="Courier New" panose="02070309020205020404" pitchFamily="49" charset="0"/>
                 <a:cs typeface="Courier New" panose="02070309020205020404" pitchFamily="49" charset="0"/>
               </a:rPr>
-              <a:t>password”:String</a:t>
-            </a:r>
-            <a:r>
-              <a:rPr lang="en-US" dirty="0" smtClean="0">
+              <a:t>    “</a:t>
+            </a:r>
+            <a:r>
+              <a:rPr lang="en-US" sz="1400" dirty="0" err="1" smtClean="0">
                 <a:latin typeface="Courier New" panose="02070309020205020404" pitchFamily="49" charset="0"/>
                 <a:cs typeface="Courier New" panose="02070309020205020404" pitchFamily="49" charset="0"/>
               </a:rPr>
-              <a:t>(hash)</a:t>
-            </a:r>
-            <a:br>
-              <a:rPr lang="en-US" dirty="0" smtClean="0">
+              <a:t>persistDB</a:t>
+            </a:r>
+            <a:r>
+              <a:rPr lang="en-US" sz="1400" smtClean="0">
                 <a:latin typeface="Courier New" panose="02070309020205020404" pitchFamily="49" charset="0"/>
                 <a:cs typeface="Courier New" panose="02070309020205020404" pitchFamily="49" charset="0"/>
               </a:rPr>
-            </a:br>
-            <a:r>
-              <a:rPr lang="en-US" dirty="0" smtClean="0">
+              <a:t>”:true/false</a:t>
+            </a:r>
+            <a:r>
+              <a:rPr lang="en-US" sz="1400" dirty="0" smtClean="0">
                 <a:latin typeface="Courier New" panose="02070309020205020404" pitchFamily="49" charset="0"/>
                 <a:cs typeface="Courier New" panose="02070309020205020404" pitchFamily="49" charset="0"/>
               </a:rPr>
-              <a:t>		“</a:t>
-            </a:r>
-            <a:r>
-              <a:rPr lang="en-US" dirty="0" err="1" smtClean="0">
+              <a:t/>
+            </a:r>
+            <a:br>
+              <a:rPr lang="en-US" sz="1400" dirty="0" smtClean="0">
                 <a:latin typeface="Courier New" panose="02070309020205020404" pitchFamily="49" charset="0"/>
                 <a:cs typeface="Courier New" panose="02070309020205020404" pitchFamily="49" charset="0"/>
               </a:rPr>
-              <a:t>loggedIn</a:t>
-            </a:r>
-            <a:r>
-              <a:rPr lang="en-US" dirty="0" smtClean="0">
+            </a:br>
+            <a:r>
+              <a:rPr lang="en-US" sz="1400" dirty="0" smtClean="0">
                 <a:latin typeface="Courier New" panose="02070309020205020404" pitchFamily="49" charset="0"/>
                 <a:cs typeface="Courier New" panose="02070309020205020404" pitchFamily="49" charset="0"/>
               </a:rPr>
-              <a:t>”:</a:t>
-            </a:r>
-            <a:r>
-              <a:rPr lang="en-US" dirty="0" err="1" smtClean="0">
-                <a:latin typeface="Courier New" panose="02070309020205020404" pitchFamily="49" charset="0"/>
-                <a:cs typeface="Courier New" panose="02070309020205020404" pitchFamily="49" charset="0"/>
-              </a:rPr>
-              <a:t>boolean</a:t>
-            </a:r>
-            <a:r>
-              <a:rPr lang="en-US" dirty="0" smtClean="0">
-                <a:latin typeface="Courier New" panose="02070309020205020404" pitchFamily="49" charset="0"/>
-                <a:cs typeface="Courier New" panose="02070309020205020404" pitchFamily="49" charset="0"/>
-              </a:rPr>
-              <a:t>,</a:t>
-            </a:r>
-            <a:br>
-              <a:rPr lang="en-US" dirty="0" smtClean="0">
-                <a:latin typeface="Courier New" panose="02070309020205020404" pitchFamily="49" charset="0"/>
-                <a:cs typeface="Courier New" panose="02070309020205020404" pitchFamily="49" charset="0"/>
-              </a:rPr>
-            </a:br>
-            <a:r>
-              <a:rPr lang="en-US" dirty="0" smtClean="0">
-                <a:latin typeface="Courier New" panose="02070309020205020404" pitchFamily="49" charset="0"/>
-                <a:cs typeface="Courier New" panose="02070309020205020404" pitchFamily="49" charset="0"/>
-              </a:rPr>
-              <a:t>		“</a:t>
-            </a:r>
-            <a:r>
-              <a:rPr lang="en-US" dirty="0" err="1" smtClean="0">
-                <a:latin typeface="Courier New" panose="02070309020205020404" pitchFamily="49" charset="0"/>
-                <a:cs typeface="Courier New" panose="02070309020205020404" pitchFamily="49" charset="0"/>
-              </a:rPr>
-              <a:t>sessid</a:t>
-            </a:r>
-            <a:r>
-              <a:rPr lang="en-US" dirty="0" smtClean="0">
-                <a:latin typeface="Courier New" panose="02070309020205020404" pitchFamily="49" charset="0"/>
-                <a:cs typeface="Courier New" panose="02070309020205020404" pitchFamily="49" charset="0"/>
-              </a:rPr>
-              <a:t>”:String(base64),</a:t>
-            </a:r>
-            <a:br>
-              <a:rPr lang="en-US" dirty="0" smtClean="0">
-                <a:latin typeface="Courier New" panose="02070309020205020404" pitchFamily="49" charset="0"/>
-                <a:cs typeface="Courier New" panose="02070309020205020404" pitchFamily="49" charset="0"/>
-              </a:rPr>
-            </a:br>
-            <a:r>
-              <a:rPr lang="en-US" dirty="0" smtClean="0">
-                <a:latin typeface="Courier New" panose="02070309020205020404" pitchFamily="49" charset="0"/>
-                <a:cs typeface="Courier New" panose="02070309020205020404" pitchFamily="49" charset="0"/>
-              </a:rPr>
-              <a:t>		“</a:t>
-            </a:r>
-            <a:r>
-              <a:rPr lang="en-US" dirty="0" err="1" smtClean="0">
-                <a:latin typeface="Courier New" panose="02070309020205020404" pitchFamily="49" charset="0"/>
-                <a:cs typeface="Courier New" panose="02070309020205020404" pitchFamily="49" charset="0"/>
-              </a:rPr>
-              <a:t>heartbeat”:timestamp</a:t>
-            </a:r>
-            <a:r>
-              <a:rPr lang="en-US" dirty="0">
-                <a:latin typeface="Courier New" panose="02070309020205020404" pitchFamily="49" charset="0"/>
-                <a:cs typeface="Courier New" panose="02070309020205020404" pitchFamily="49" charset="0"/>
-              </a:rPr>
-              <a:t/>
-            </a:r>
-            <a:br>
-              <a:rPr lang="en-US" dirty="0">
-                <a:latin typeface="Courier New" panose="02070309020205020404" pitchFamily="49" charset="0"/>
-                <a:cs typeface="Courier New" panose="02070309020205020404" pitchFamily="49" charset="0"/>
-              </a:rPr>
-            </a:br>
-            <a:r>
-              <a:rPr lang="en-US" dirty="0">
-                <a:latin typeface="Courier New" panose="02070309020205020404" pitchFamily="49" charset="0"/>
-                <a:cs typeface="Courier New" panose="02070309020205020404" pitchFamily="49" charset="0"/>
-              </a:rPr>
-              <a:t>	</a:t>
-            </a:r>
-            <a:r>
-              <a:rPr lang="en-US" dirty="0" smtClean="0">
-                <a:latin typeface="Courier New" panose="02070309020205020404" pitchFamily="49" charset="0"/>
-                <a:cs typeface="Courier New" panose="02070309020205020404" pitchFamily="49" charset="0"/>
-              </a:rPr>
               <a:t>}</a:t>
             </a:r>
-            <a:br>
-              <a:rPr lang="en-US" dirty="0" smtClean="0">
-                <a:latin typeface="Courier New" panose="02070309020205020404" pitchFamily="49" charset="0"/>
-                <a:cs typeface="Courier New" panose="02070309020205020404" pitchFamily="49" charset="0"/>
-              </a:rPr>
-            </a:br>
             <a:endParaRPr lang="en-US" dirty="0" smtClean="0">
               <a:latin typeface="Courier New" panose="02070309020205020404" pitchFamily="49" charset="0"/>
               <a:cs typeface="Courier New" panose="02070309020205020404" pitchFamily="49" charset="0"/>
             </a:endParaRPr>
           </a:p>
           <a:p>
-            <a:pPr defTabSz="457200">
-              <a:lnSpc>
-                <a:spcPct val="110000"/>
-              </a:lnSpc>
-            </a:pPr>
-            <a:r>
-              <a:rPr lang="en-US" dirty="0" err="1" smtClean="0">
-                <a:cs typeface="Courier New" panose="02070309020205020404" pitchFamily="49" charset="0"/>
-              </a:rPr>
-              <a:t>Dibutuhkan</a:t>
-            </a:r>
-            <a:r>
-              <a:rPr lang="en-US" dirty="0" smtClean="0">
-                <a:cs typeface="Courier New" panose="02070309020205020404" pitchFamily="49" charset="0"/>
-              </a:rPr>
-              <a:t> </a:t>
-            </a:r>
-            <a:r>
-              <a:rPr lang="en-US" dirty="0" err="1" smtClean="0">
-                <a:cs typeface="Courier New" panose="02070309020205020404" pitchFamily="49" charset="0"/>
-              </a:rPr>
-              <a:t>ipPort</a:t>
-            </a:r>
-            <a:r>
-              <a:rPr lang="en-US" dirty="0" smtClean="0">
-                <a:cs typeface="Courier New" panose="02070309020205020404" pitchFamily="49" charset="0"/>
-              </a:rPr>
-              <a:t> </a:t>
-            </a:r>
-            <a:r>
-              <a:rPr lang="en-US" dirty="0" err="1" smtClean="0">
-                <a:cs typeface="Courier New" panose="02070309020205020404" pitchFamily="49" charset="0"/>
-              </a:rPr>
-              <a:t>karena</a:t>
-            </a:r>
-            <a:r>
-              <a:rPr lang="en-US" dirty="0" smtClean="0">
-                <a:cs typeface="Courier New" panose="02070309020205020404" pitchFamily="49" charset="0"/>
-              </a:rPr>
-              <a:t> database yang </a:t>
-            </a:r>
-            <a:r>
-              <a:rPr lang="en-US" dirty="0" err="1" smtClean="0">
-                <a:cs typeface="Courier New" panose="02070309020205020404" pitchFamily="49" charset="0"/>
-              </a:rPr>
-              <a:t>digunakan</a:t>
-            </a:r>
-            <a:r>
-              <a:rPr lang="en-US" dirty="0" smtClean="0">
-                <a:cs typeface="Courier New" panose="02070309020205020404" pitchFamily="49" charset="0"/>
-              </a:rPr>
-              <a:t> </a:t>
-            </a:r>
-            <a:r>
-              <a:rPr lang="en-US" dirty="0" err="1" smtClean="0">
-                <a:cs typeface="Courier New" panose="02070309020205020404" pitchFamily="49" charset="0"/>
-              </a:rPr>
-              <a:t>hanya</a:t>
-            </a:r>
-            <a:r>
-              <a:rPr lang="en-US" dirty="0" smtClean="0">
-                <a:cs typeface="Courier New" panose="02070309020205020404" pitchFamily="49" charset="0"/>
-              </a:rPr>
-              <a:t> </a:t>
-            </a:r>
-            <a:r>
-              <a:rPr lang="en-US" dirty="0" err="1" smtClean="0">
-                <a:cs typeface="Courier New" panose="02070309020205020404" pitchFamily="49" charset="0"/>
-              </a:rPr>
-              <a:t>dapat</a:t>
-            </a:r>
-            <a:r>
-              <a:rPr lang="en-US" dirty="0" smtClean="0">
-                <a:cs typeface="Courier New" panose="02070309020205020404" pitchFamily="49" charset="0"/>
-              </a:rPr>
-              <a:t> </a:t>
-            </a:r>
-            <a:r>
-              <a:rPr lang="en-US" dirty="0" err="1" smtClean="0">
-                <a:cs typeface="Courier New" panose="02070309020205020404" pitchFamily="49" charset="0"/>
-              </a:rPr>
-              <a:t>memberikan</a:t>
-            </a:r>
-            <a:r>
-              <a:rPr lang="en-US" dirty="0" smtClean="0">
-                <a:cs typeface="Courier New" panose="02070309020205020404" pitchFamily="49" charset="0"/>
-              </a:rPr>
-              <a:t> unique index per field, </a:t>
-            </a:r>
-            <a:r>
-              <a:rPr lang="en-US" dirty="0" err="1" smtClean="0">
-                <a:cs typeface="Courier New" panose="02070309020205020404" pitchFamily="49" charset="0"/>
-              </a:rPr>
-              <a:t>bukan</a:t>
-            </a:r>
-            <a:r>
-              <a:rPr lang="en-US" dirty="0" smtClean="0">
-                <a:cs typeface="Courier New" panose="02070309020205020404" pitchFamily="49" charset="0"/>
-              </a:rPr>
-              <a:t> </a:t>
-            </a:r>
-            <a:r>
-              <a:rPr lang="en-US" dirty="0" err="1" smtClean="0">
-                <a:cs typeface="Courier New" panose="02070309020205020404" pitchFamily="49" charset="0"/>
-              </a:rPr>
-              <a:t>gabungan</a:t>
-            </a:r>
-            <a:r>
-              <a:rPr lang="en-US" dirty="0" smtClean="0">
-                <a:cs typeface="Courier New" panose="02070309020205020404" pitchFamily="49" charset="0"/>
-              </a:rPr>
-              <a:t> </a:t>
-            </a:r>
-            <a:r>
-              <a:rPr lang="en-US" dirty="0" err="1" smtClean="0">
-                <a:cs typeface="Courier New" panose="02070309020205020404" pitchFamily="49" charset="0"/>
-              </a:rPr>
-              <a:t>dari</a:t>
-            </a:r>
-            <a:r>
-              <a:rPr lang="en-US" dirty="0" smtClean="0">
-                <a:cs typeface="Courier New" panose="02070309020205020404" pitchFamily="49" charset="0"/>
-              </a:rPr>
-              <a:t> </a:t>
-            </a:r>
-            <a:r>
-              <a:rPr lang="en-US" dirty="0" err="1" smtClean="0">
-                <a:cs typeface="Courier New" panose="02070309020205020404" pitchFamily="49" charset="0"/>
-              </a:rPr>
-              <a:t>berapa</a:t>
-            </a:r>
-            <a:r>
-              <a:rPr lang="en-US" dirty="0" smtClean="0">
-                <a:cs typeface="Courier New" panose="02070309020205020404" pitchFamily="49" charset="0"/>
-              </a:rPr>
-              <a:t> field </a:t>
-            </a:r>
-            <a:r>
-              <a:rPr lang="en-US" dirty="0" err="1" smtClean="0">
-                <a:cs typeface="Courier New" panose="02070309020205020404" pitchFamily="49" charset="0"/>
-              </a:rPr>
-              <a:t>seperti</a:t>
-            </a:r>
-            <a:r>
-              <a:rPr lang="en-US" dirty="0" smtClean="0">
-                <a:cs typeface="Courier New" panose="02070309020205020404" pitchFamily="49" charset="0"/>
-              </a:rPr>
-              <a:t> </a:t>
-            </a:r>
-            <a:r>
-              <a:rPr lang="en-US" dirty="0" err="1" smtClean="0">
-                <a:cs typeface="Courier New" panose="02070309020205020404" pitchFamily="49" charset="0"/>
-              </a:rPr>
-              <a:t>pada</a:t>
-            </a:r>
-            <a:r>
-              <a:rPr lang="en-US" dirty="0" smtClean="0">
-                <a:cs typeface="Courier New" panose="02070309020205020404" pitchFamily="49" charset="0"/>
-              </a:rPr>
-              <a:t> DBMS </a:t>
-            </a:r>
-            <a:r>
-              <a:rPr lang="en-US" dirty="0" err="1" smtClean="0">
-                <a:cs typeface="Courier New" panose="02070309020205020404" pitchFamily="49" charset="0"/>
-              </a:rPr>
-              <a:t>berbasis</a:t>
-            </a:r>
-            <a:r>
-              <a:rPr lang="en-US" dirty="0" smtClean="0">
-                <a:cs typeface="Courier New" panose="02070309020205020404" pitchFamily="49" charset="0"/>
-              </a:rPr>
-              <a:t> SQL. </a:t>
-            </a:r>
-            <a:r>
-              <a:rPr lang="en-US" dirty="0" err="1" smtClean="0">
-                <a:cs typeface="Courier New" panose="02070309020205020404" pitchFamily="49" charset="0"/>
-              </a:rPr>
-              <a:t>ip</a:t>
-            </a:r>
-            <a:r>
-              <a:rPr lang="en-US" dirty="0" smtClean="0">
-                <a:cs typeface="Courier New" panose="02070309020205020404" pitchFamily="49" charset="0"/>
-              </a:rPr>
-              <a:t> </a:t>
-            </a:r>
-            <a:r>
-              <a:rPr lang="en-US" dirty="0" err="1" smtClean="0">
-                <a:cs typeface="Courier New" panose="02070309020205020404" pitchFamily="49" charset="0"/>
-              </a:rPr>
-              <a:t>dan</a:t>
-            </a:r>
-            <a:r>
-              <a:rPr lang="en-US" dirty="0" smtClean="0">
-                <a:cs typeface="Courier New" panose="02070309020205020404" pitchFamily="49" charset="0"/>
-              </a:rPr>
-              <a:t> port </a:t>
-            </a:r>
-            <a:r>
-              <a:rPr lang="en-US" dirty="0" err="1" smtClean="0">
-                <a:cs typeface="Courier New" panose="02070309020205020404" pitchFamily="49" charset="0"/>
-              </a:rPr>
-              <a:t>tetap</a:t>
-            </a:r>
-            <a:r>
-              <a:rPr lang="en-US" dirty="0" smtClean="0">
-                <a:cs typeface="Courier New" panose="02070309020205020404" pitchFamily="49" charset="0"/>
-              </a:rPr>
-              <a:t> </a:t>
-            </a:r>
-            <a:r>
-              <a:rPr lang="en-US" dirty="0" err="1" smtClean="0">
-                <a:cs typeface="Courier New" panose="02070309020205020404" pitchFamily="49" charset="0"/>
-              </a:rPr>
-              <a:t>ada</a:t>
-            </a:r>
-            <a:r>
-              <a:rPr lang="en-US" dirty="0" smtClean="0">
-                <a:cs typeface="Courier New" panose="02070309020205020404" pitchFamily="49" charset="0"/>
-              </a:rPr>
-              <a:t> </a:t>
-            </a:r>
-            <a:r>
-              <a:rPr lang="en-US" dirty="0" err="1" smtClean="0">
-                <a:cs typeface="Courier New" panose="02070309020205020404" pitchFamily="49" charset="0"/>
-              </a:rPr>
-              <a:t>supaya</a:t>
-            </a:r>
-            <a:r>
-              <a:rPr lang="en-US" dirty="0" smtClean="0">
-                <a:cs typeface="Courier New" panose="02070309020205020404" pitchFamily="49" charset="0"/>
-              </a:rPr>
-              <a:t> </a:t>
-            </a:r>
-            <a:r>
-              <a:rPr lang="en-US" dirty="0" err="1" smtClean="0">
-                <a:cs typeface="Courier New" panose="02070309020205020404" pitchFamily="49" charset="0"/>
-              </a:rPr>
-              <a:t>tidak</a:t>
-            </a:r>
-            <a:r>
-              <a:rPr lang="en-US" dirty="0" smtClean="0">
-                <a:cs typeface="Courier New" panose="02070309020205020404" pitchFamily="49" charset="0"/>
-              </a:rPr>
-              <a:t> </a:t>
-            </a:r>
-            <a:r>
-              <a:rPr lang="en-US" dirty="0" err="1" smtClean="0">
-                <a:cs typeface="Courier New" panose="02070309020205020404" pitchFamily="49" charset="0"/>
-              </a:rPr>
-              <a:t>perlu</a:t>
-            </a:r>
-            <a:r>
-              <a:rPr lang="en-US" dirty="0" smtClean="0">
-                <a:cs typeface="Courier New" panose="02070309020205020404" pitchFamily="49" charset="0"/>
-              </a:rPr>
-              <a:t> parsing.</a:t>
-            </a:r>
-            <a:endParaRPr lang="en-US" dirty="0">
+            <a:pPr lvl="1"/>
+            <a:endParaRPr lang="en-US" dirty="0" smtClean="0"/>
+          </a:p>
+          <a:p>
+            <a:endParaRPr lang="en-US" sz="1800" dirty="0">
+              <a:latin typeface="Courier New" panose="02070309020205020404" pitchFamily="49" charset="0"/>
               <a:cs typeface="Courier New" panose="02070309020205020404" pitchFamily="49" charset="0"/>
             </a:endParaRPr>
+          </a:p>
+          <a:p>
+            <a:r>
+              <a:rPr lang="en-US" b="1" dirty="0" err="1" smtClean="0"/>
+              <a:t>Keterangan</a:t>
+            </a:r>
+            <a:r>
+              <a:rPr lang="en-US" b="1" dirty="0" smtClean="0"/>
+              <a:t>:</a:t>
+            </a:r>
+            <a:r>
+              <a:rPr lang="en-US" dirty="0" smtClean="0"/>
+              <a:t> </a:t>
+            </a:r>
+            <a:r>
+              <a:rPr lang="en-US" b="1" i="1" dirty="0" smtClean="0"/>
+              <a:t>x</a:t>
+            </a:r>
+            <a:r>
+              <a:rPr lang="en-US" dirty="0" smtClean="0"/>
+              <a:t> </a:t>
+            </a:r>
+            <a:r>
+              <a:rPr lang="en-US" dirty="0" err="1" smtClean="0"/>
+              <a:t>menandakan</a:t>
+            </a:r>
+            <a:r>
+              <a:rPr lang="en-US" dirty="0" smtClean="0"/>
+              <a:t> </a:t>
+            </a:r>
+            <a:r>
+              <a:rPr lang="en-US" dirty="0" err="1" smtClean="0"/>
+              <a:t>nomor</a:t>
+            </a:r>
+            <a:r>
+              <a:rPr lang="en-US" dirty="0" smtClean="0"/>
+              <a:t> server.</a:t>
+            </a:r>
+            <a:br>
+              <a:rPr lang="en-US" dirty="0" smtClean="0"/>
+            </a:br>
+            <a:r>
+              <a:rPr lang="en-US" sz="2000" b="1" dirty="0" err="1" smtClean="0"/>
+              <a:t>Misal</a:t>
+            </a:r>
+            <a:r>
+              <a:rPr lang="en-US" sz="2000" b="1" dirty="0" smtClean="0"/>
+              <a:t>:</a:t>
+            </a:r>
+            <a:r>
+              <a:rPr lang="en-US" sz="2000" dirty="0" smtClean="0"/>
+              <a:t> </a:t>
+            </a:r>
+            <a:r>
+              <a:rPr lang="en-US" sz="2000" dirty="0" err="1" smtClean="0"/>
+              <a:t>untuk</a:t>
+            </a:r>
+            <a:r>
+              <a:rPr lang="en-US" sz="2000" dirty="0" smtClean="0"/>
+              <a:t> </a:t>
+            </a:r>
+            <a:r>
+              <a:rPr lang="en-US" sz="2000" i="1" dirty="0" smtClean="0"/>
+              <a:t>server1</a:t>
+            </a:r>
+            <a:r>
+              <a:rPr lang="en-US" sz="2000" dirty="0" smtClean="0"/>
+              <a:t>, </a:t>
+            </a:r>
+            <a:r>
+              <a:rPr lang="en-US" sz="2000" dirty="0" err="1" smtClean="0"/>
+              <a:t>nama</a:t>
+            </a:r>
+            <a:r>
+              <a:rPr lang="en-US" sz="2000" dirty="0" smtClean="0"/>
+              <a:t> </a:t>
+            </a:r>
+            <a:r>
+              <a:rPr lang="en-US" sz="2000" dirty="0" err="1" smtClean="0"/>
+              <a:t>filenya</a:t>
+            </a:r>
+            <a:r>
+              <a:rPr lang="en-US" sz="2000" dirty="0" smtClean="0"/>
+              <a:t> </a:t>
+            </a:r>
+            <a:r>
+              <a:rPr lang="en-US" sz="2000" dirty="0" err="1" smtClean="0"/>
+              <a:t>adalah</a:t>
+            </a:r>
+            <a:r>
+              <a:rPr lang="en-US" sz="2000" dirty="0" smtClean="0"/>
+              <a:t> </a:t>
+            </a:r>
+            <a:r>
+              <a:rPr lang="en-US" sz="2000" b="1" i="1" dirty="0" smtClean="0"/>
+              <a:t>server1.cfg</a:t>
+            </a:r>
+            <a:endParaRPr lang="en-US" b="1" i="1" dirty="0"/>
           </a:p>
         </p:txBody>
       </p:sp>
     </p:spTree>
     <p:extLst>
       <p:ext uri="{BB962C8B-B14F-4D97-AF65-F5344CB8AC3E}">
-        <p14:creationId xmlns:p14="http://schemas.microsoft.com/office/powerpoint/2010/main" val="267300186"/>
+        <p14:creationId xmlns:p14="http://schemas.microsoft.com/office/powerpoint/2010/main" val="2128604457"/>
       </p:ext>
     </p:extLst>
   </p:cSld>
   <p:clrMapOvr>
     <a:masterClrMapping/>
   </p:clrMapOvr>
-  <mc:AlternateContent xmlns:mc="http://schemas.openxmlformats.org/markup-compatibility/2006">
-    <mc:Choice xmlns:p14="http://schemas.microsoft.com/office/powerpoint/2010/main" Requires="p14">
+  <mc:AlternateContent xmlns:mc="http://schemas.openxmlformats.org/markup-compatibility/2006" xmlns:p14="http://schemas.microsoft.com/office/powerpoint/2010/main">
+    <mc:Choice Requires="p14">
       <p:transition p14:dur="0"/>
     </mc:Choice>
-    <mc:Fallback>
+    <mc:Fallback xmlns="">
       <p:transition/>
     </mc:Fallback>
   </mc:AlternateContent>
@@ -17433,9 +16901,10 @@
           <a:lstStyle/>
           <a:p>
             <a:r>
-              <a:rPr lang="en-US" b="1" dirty="0"/>
+              <a:rPr lang="en-US" b="1" dirty="0" smtClean="0"/>
               <a:t>Format Database</a:t>
             </a:r>
+            <a:endParaRPr lang="en-US" b="1" dirty="0"/>
           </a:p>
         </p:txBody>
       </p:sp>
@@ -17452,13 +16921,13 @@
         <p:spPr/>
         <p:txBody>
           <a:bodyPr>
-            <a:normAutofit fontScale="92500" lnSpcReduction="20000"/>
+            <a:normAutofit fontScale="62500" lnSpcReduction="20000"/>
           </a:bodyPr>
           <a:lstStyle/>
           <a:p>
             <a:pPr defTabSz="457200">
               <a:lnSpc>
-                <a:spcPct val="120000"/>
+                <a:spcPct val="110000"/>
               </a:lnSpc>
             </a:pPr>
             <a:r>
@@ -17475,7 +16944,7 @@
             </a:r>
             <a:r>
               <a:rPr lang="en-US" b="1" i="1" dirty="0" smtClean="0"/>
-              <a:t>user</a:t>
+              <a:t>server</a:t>
             </a:r>
             <a:r>
               <a:rPr lang="en-US" dirty="0" smtClean="0"/>
@@ -17503,7 +16972,7 @@
             </a:r>
             <a:r>
               <a:rPr lang="en-US" dirty="0" smtClean="0"/>
-              <a:t> ‘user’ </a:t>
+              <a:t> ‘server’ </a:t>
             </a:r>
             <a:r>
               <a:rPr lang="en-US" dirty="0" err="1" smtClean="0"/>
@@ -17525,238 +16994,547 @@
               <a:rPr lang="en-US" dirty="0" smtClean="0"/>
             </a:br>
             <a:r>
-              <a:rPr lang="en-US" sz="2600" dirty="0" smtClean="0"/>
+              <a:rPr lang="en-US" dirty="0" smtClean="0"/>
               <a:t/>
             </a:r>
             <a:br>
-              <a:rPr lang="en-US" sz="2600" dirty="0" smtClean="0"/>
+              <a:rPr lang="en-US" dirty="0" smtClean="0"/>
             </a:br>
             <a:r>
-              <a:rPr lang="en-US" sz="2600" dirty="0">
+              <a:rPr lang="en-US" dirty="0">
                 <a:latin typeface="Courier New" panose="02070309020205020404" pitchFamily="49" charset="0"/>
                 <a:cs typeface="Courier New" panose="02070309020205020404" pitchFamily="49" charset="0"/>
               </a:rPr>
               <a:t>	{</a:t>
             </a:r>
             <a:br>
-              <a:rPr lang="en-US" sz="2600" dirty="0">
+              <a:rPr lang="en-US" dirty="0">
                 <a:latin typeface="Courier New" panose="02070309020205020404" pitchFamily="49" charset="0"/>
                 <a:cs typeface="Courier New" panose="02070309020205020404" pitchFamily="49" charset="0"/>
               </a:rPr>
             </a:br>
             <a:r>
-              <a:rPr lang="en-US" sz="2600" dirty="0">
+              <a:rPr lang="en-US" dirty="0">
                 <a:latin typeface="Courier New" panose="02070309020205020404" pitchFamily="49" charset="0"/>
                 <a:cs typeface="Courier New" panose="02070309020205020404" pitchFamily="49" charset="0"/>
               </a:rPr>
               <a:t>		</a:t>
             </a:r>
             <a:r>
-              <a:rPr lang="en-US" sz="2600" dirty="0" smtClean="0">
+              <a:rPr lang="en-US" dirty="0" smtClean="0">
                 <a:latin typeface="Courier New" panose="02070309020205020404" pitchFamily="49" charset="0"/>
                 <a:cs typeface="Courier New" panose="02070309020205020404" pitchFamily="49" charset="0"/>
               </a:rPr>
               <a:t>“</a:t>
             </a:r>
             <a:r>
-              <a:rPr lang="en-US" sz="2600" dirty="0" err="1" smtClean="0">
+              <a:rPr lang="en-US" dirty="0" err="1" smtClean="0">
                 <a:latin typeface="Courier New" panose="02070309020205020404" pitchFamily="49" charset="0"/>
                 <a:cs typeface="Courier New" panose="02070309020205020404" pitchFamily="49" charset="0"/>
               </a:rPr>
-              <a:t>username”:String</a:t>
-            </a:r>
-            <a:r>
-              <a:rPr lang="en-US" sz="2600" dirty="0" smtClean="0">
+              <a:t>ip</a:t>
+            </a:r>
+            <a:r>
+              <a:rPr lang="en-US" dirty="0" smtClean="0">
                 <a:latin typeface="Courier New" panose="02070309020205020404" pitchFamily="49" charset="0"/>
                 <a:cs typeface="Courier New" panose="02070309020205020404" pitchFamily="49" charset="0"/>
               </a:rPr>
-              <a:t>,</a:t>
+              <a:t>”:String,</a:t>
             </a:r>
             <a:br>
-              <a:rPr lang="en-US" sz="2600" dirty="0" smtClean="0">
+              <a:rPr lang="en-US" dirty="0" smtClean="0">
                 <a:latin typeface="Courier New" panose="02070309020205020404" pitchFamily="49" charset="0"/>
                 <a:cs typeface="Courier New" panose="02070309020205020404" pitchFamily="49" charset="0"/>
               </a:rPr>
             </a:br>
             <a:r>
-              <a:rPr lang="en-US" sz="2600" dirty="0" smtClean="0">
+              <a:rPr lang="en-US" dirty="0">
                 <a:latin typeface="Courier New" panose="02070309020205020404" pitchFamily="49" charset="0"/>
                 <a:cs typeface="Courier New" panose="02070309020205020404" pitchFamily="49" charset="0"/>
               </a:rPr>
-              <a:t>		“</a:t>
-            </a:r>
-            <a:r>
-              <a:rPr lang="en-US" sz="2600" dirty="0" err="1" smtClean="0">
+              <a:t>		“port</a:t>
+            </a:r>
+            <a:r>
+              <a:rPr lang="en-US" dirty="0" smtClean="0">
                 <a:latin typeface="Courier New" panose="02070309020205020404" pitchFamily="49" charset="0"/>
                 <a:cs typeface="Courier New" panose="02070309020205020404" pitchFamily="49" charset="0"/>
               </a:rPr>
-              <a:t>password”:String</a:t>
-            </a:r>
-            <a:r>
-              <a:rPr lang="en-US" sz="2600" dirty="0" smtClean="0">
+              <a:t>”:</a:t>
+            </a:r>
+            <a:r>
+              <a:rPr lang="en-US" dirty="0" err="1" smtClean="0">
                 <a:latin typeface="Courier New" panose="02070309020205020404" pitchFamily="49" charset="0"/>
                 <a:cs typeface="Courier New" panose="02070309020205020404" pitchFamily="49" charset="0"/>
               </a:rPr>
-              <a:t>(hash)</a:t>
-            </a:r>
-            <a:br>
-              <a:rPr lang="en-US" sz="2600" dirty="0" smtClean="0">
+              <a:t>int</a:t>
+            </a:r>
+            <a:r>
+              <a:rPr lang="en-US" dirty="0" smtClean="0">
                 <a:latin typeface="Courier New" panose="02070309020205020404" pitchFamily="49" charset="0"/>
                 <a:cs typeface="Courier New" panose="02070309020205020404" pitchFamily="49" charset="0"/>
               </a:rPr>
-            </a:br>
-            <a:r>
-              <a:rPr lang="en-US" sz="2600" dirty="0" smtClean="0">
+              <a:t>,</a:t>
+            </a:r>
+            <a:br>
+              <a:rPr lang="en-US" dirty="0" smtClean="0">
                 <a:latin typeface="Courier New" panose="02070309020205020404" pitchFamily="49" charset="0"/>
                 <a:cs typeface="Courier New" panose="02070309020205020404" pitchFamily="49" charset="0"/>
               </a:rPr>
-              <a:t>		“</a:t>
-            </a:r>
-            <a:r>
-              <a:rPr lang="en-US" sz="2600" dirty="0" err="1" smtClean="0">
+            </a:br>
+            <a:r>
+              <a:rPr lang="en-US" dirty="0" smtClean="0">
                 <a:latin typeface="Courier New" panose="02070309020205020404" pitchFamily="49" charset="0"/>
                 <a:cs typeface="Courier New" panose="02070309020205020404" pitchFamily="49" charset="0"/>
               </a:rPr>
-              <a:t>loggedIn</a:t>
-            </a:r>
-            <a:r>
-              <a:rPr lang="en-US" sz="2600" dirty="0" smtClean="0">
+              <a:t>		“</a:t>
+            </a:r>
+            <a:r>
+              <a:rPr lang="en-US" dirty="0" err="1" smtClean="0">
                 <a:latin typeface="Courier New" panose="02070309020205020404" pitchFamily="49" charset="0"/>
                 <a:cs typeface="Courier New" panose="02070309020205020404" pitchFamily="49" charset="0"/>
               </a:rPr>
-              <a:t>”:</a:t>
-            </a:r>
-            <a:r>
-              <a:rPr lang="en-US" sz="2600" dirty="0" err="1" smtClean="0">
+              <a:t>ipPort</a:t>
+            </a:r>
+            <a:r>
+              <a:rPr lang="en-US" dirty="0" smtClean="0">
                 <a:latin typeface="Courier New" panose="02070309020205020404" pitchFamily="49" charset="0"/>
                 <a:cs typeface="Courier New" panose="02070309020205020404" pitchFamily="49" charset="0"/>
               </a:rPr>
-              <a:t>boolean</a:t>
-            </a:r>
-            <a:r>
-              <a:rPr lang="en-US" sz="2600" dirty="0" smtClean="0">
+              <a:t>”:String(</a:t>
+            </a:r>
+            <a:r>
+              <a:rPr lang="en-US" dirty="0" err="1" smtClean="0">
                 <a:latin typeface="Courier New" panose="02070309020205020404" pitchFamily="49" charset="0"/>
                 <a:cs typeface="Courier New" panose="02070309020205020404" pitchFamily="49" charset="0"/>
               </a:rPr>
-              <a:t>,</a:t>
-            </a:r>
-            <a:br>
-              <a:rPr lang="en-US" sz="2600" dirty="0" smtClean="0">
+              <a:t>ip:port</a:t>
+            </a:r>
+            <a:r>
+              <a:rPr lang="en-US" dirty="0">
                 <a:latin typeface="Courier New" panose="02070309020205020404" pitchFamily="49" charset="0"/>
                 <a:cs typeface="Courier New" panose="02070309020205020404" pitchFamily="49" charset="0"/>
               </a:rPr>
-            </a:br>
-            <a:r>
-              <a:rPr lang="en-US" sz="2600" dirty="0" smtClean="0">
+              <a:t>)</a:t>
+            </a:r>
+            <a:r>
+              <a:rPr lang="en-US" dirty="0" smtClean="0">
                 <a:latin typeface="Courier New" panose="02070309020205020404" pitchFamily="49" charset="0"/>
                 <a:cs typeface="Courier New" panose="02070309020205020404" pitchFamily="49" charset="0"/>
               </a:rPr>
-              <a:t>		“</a:t>
-            </a:r>
-            <a:r>
-              <a:rPr lang="en-US" sz="2600" dirty="0" err="1" smtClean="0">
+              <a:t/>
+            </a:r>
+            <a:br>
+              <a:rPr lang="en-US" dirty="0" smtClean="0">
                 <a:latin typeface="Courier New" panose="02070309020205020404" pitchFamily="49" charset="0"/>
                 <a:cs typeface="Courier New" panose="02070309020205020404" pitchFamily="49" charset="0"/>
               </a:rPr>
-              <a:t>sessid</a:t>
-            </a:r>
-            <a:r>
-              <a:rPr lang="en-US" sz="2600" dirty="0" smtClean="0">
+            </a:br>
+            <a:r>
+              <a:rPr lang="en-US" dirty="0" smtClean="0">
                 <a:latin typeface="Courier New" panose="02070309020205020404" pitchFamily="49" charset="0"/>
                 <a:cs typeface="Courier New" panose="02070309020205020404" pitchFamily="49" charset="0"/>
               </a:rPr>
-              <a:t>”:String(base64),</a:t>
-            </a:r>
-            <a:br>
-              <a:rPr lang="en-US" sz="2600" dirty="0" smtClean="0">
+              <a:t>		“</a:t>
+            </a:r>
+            <a:r>
+              <a:rPr lang="en-US" dirty="0" err="1" smtClean="0">
                 <a:latin typeface="Courier New" panose="02070309020205020404" pitchFamily="49" charset="0"/>
                 <a:cs typeface="Courier New" panose="02070309020205020404" pitchFamily="49" charset="0"/>
               </a:rPr>
-            </a:br>
-            <a:r>
-              <a:rPr lang="en-US" sz="2600" dirty="0" smtClean="0">
+              <a:t>password”:String</a:t>
+            </a:r>
+            <a:r>
+              <a:rPr lang="en-US" dirty="0" smtClean="0">
                 <a:latin typeface="Courier New" panose="02070309020205020404" pitchFamily="49" charset="0"/>
                 <a:cs typeface="Courier New" panose="02070309020205020404" pitchFamily="49" charset="0"/>
               </a:rPr>
-              <a:t>		“</a:t>
-            </a:r>
-            <a:r>
-              <a:rPr lang="en-US" sz="2600" dirty="0" err="1" smtClean="0">
+              <a:t>(hash)</a:t>
+            </a:r>
+            <a:br>
+              <a:rPr lang="en-US" dirty="0" smtClean="0">
                 <a:latin typeface="Courier New" panose="02070309020205020404" pitchFamily="49" charset="0"/>
                 <a:cs typeface="Courier New" panose="02070309020205020404" pitchFamily="49" charset="0"/>
               </a:rPr>
-              <a:t>heartbeat”:timestamp</a:t>
-            </a:r>
-            <a:r>
-              <a:rPr lang="en-US" sz="2600" dirty="0" smtClean="0">
+            </a:br>
+            <a:r>
+              <a:rPr lang="en-US" dirty="0" smtClean="0">
                 <a:latin typeface="Courier New" panose="02070309020205020404" pitchFamily="49" charset="0"/>
                 <a:cs typeface="Courier New" panose="02070309020205020404" pitchFamily="49" charset="0"/>
               </a:rPr>
-              <a:t>,</a:t>
-            </a:r>
-            <a:br>
-              <a:rPr lang="en-US" sz="2600" dirty="0" smtClean="0">
+              <a:t>		“</a:t>
+            </a:r>
+            <a:r>
+              <a:rPr lang="en-US" dirty="0" err="1" smtClean="0">
                 <a:latin typeface="Courier New" panose="02070309020205020404" pitchFamily="49" charset="0"/>
                 <a:cs typeface="Courier New" panose="02070309020205020404" pitchFamily="49" charset="0"/>
               </a:rPr>
-            </a:br>
-            <a:r>
-              <a:rPr lang="en-US" sz="2600" dirty="0" smtClean="0">
+              <a:t>loggedIn</a:t>
+            </a:r>
+            <a:r>
+              <a:rPr lang="en-US" dirty="0" smtClean="0">
                 <a:latin typeface="Courier New" panose="02070309020205020404" pitchFamily="49" charset="0"/>
                 <a:cs typeface="Courier New" panose="02070309020205020404" pitchFamily="49" charset="0"/>
               </a:rPr>
-              <a:t>		“</a:t>
-            </a:r>
-            <a:r>
-              <a:rPr lang="en-US" sz="2600" dirty="0" err="1" smtClean="0">
+              <a:t>”:</a:t>
+            </a:r>
+            <a:r>
+              <a:rPr lang="en-US" dirty="0" err="1" smtClean="0">
                 <a:latin typeface="Courier New" panose="02070309020205020404" pitchFamily="49" charset="0"/>
                 <a:cs typeface="Courier New" panose="02070309020205020404" pitchFamily="49" charset="0"/>
               </a:rPr>
-              <a:t>handledByMe</a:t>
-            </a:r>
-            <a:r>
-              <a:rPr lang="en-US" sz="2600" dirty="0" smtClean="0">
+              <a:t>boolean</a:t>
+            </a:r>
+            <a:r>
+              <a:rPr lang="en-US" dirty="0" smtClean="0">
                 <a:latin typeface="Courier New" panose="02070309020205020404" pitchFamily="49" charset="0"/>
                 <a:cs typeface="Courier New" panose="02070309020205020404" pitchFamily="49" charset="0"/>
               </a:rPr>
-              <a:t>”:</a:t>
-            </a:r>
-            <a:r>
-              <a:rPr lang="en-US" sz="2600" dirty="0" err="1" smtClean="0">
+              <a:t>,</a:t>
+            </a:r>
+            <a:br>
+              <a:rPr lang="en-US" dirty="0" smtClean="0">
                 <a:latin typeface="Courier New" panose="02070309020205020404" pitchFamily="49" charset="0"/>
                 <a:cs typeface="Courier New" panose="02070309020205020404" pitchFamily="49" charset="0"/>
               </a:rPr>
-              <a:t>boolean</a:t>
-            </a:r>
-            <a:r>
-              <a:rPr lang="en-US" sz="2600" dirty="0">
+            </a:br>
+            <a:r>
+              <a:rPr lang="en-US" dirty="0" smtClean="0">
                 <a:latin typeface="Courier New" panose="02070309020205020404" pitchFamily="49" charset="0"/>
                 <a:cs typeface="Courier New" panose="02070309020205020404" pitchFamily="49" charset="0"/>
               </a:rPr>
-              <a:t/>
-            </a:r>
-            <a:br>
-              <a:rPr lang="en-US" sz="2600" dirty="0">
+              <a:t>		“</a:t>
+            </a:r>
+            <a:r>
+              <a:rPr lang="en-US" dirty="0" err="1" smtClean="0">
                 <a:latin typeface="Courier New" panose="02070309020205020404" pitchFamily="49" charset="0"/>
                 <a:cs typeface="Courier New" panose="02070309020205020404" pitchFamily="49" charset="0"/>
               </a:rPr>
-            </a:br>
-            <a:r>
-              <a:rPr lang="en-US" sz="2600" dirty="0">
+              <a:t>sessid</a:t>
+            </a:r>
+            <a:r>
+              <a:rPr lang="en-US" dirty="0" smtClean="0">
                 <a:latin typeface="Courier New" panose="02070309020205020404" pitchFamily="49" charset="0"/>
                 <a:cs typeface="Courier New" panose="02070309020205020404" pitchFamily="49" charset="0"/>
               </a:rPr>
-              <a:t>	</a:t>
-            </a:r>
-            <a:r>
-              <a:rPr lang="en-US" sz="2600" dirty="0" smtClean="0">
+              <a:t>”:String(base64),</a:t>
+            </a:r>
+            <a:br>
+              <a:rPr lang="en-US" dirty="0" smtClean="0">
                 <a:latin typeface="Courier New" panose="02070309020205020404" pitchFamily="49" charset="0"/>
                 <a:cs typeface="Courier New" panose="02070309020205020404" pitchFamily="49" charset="0"/>
               </a:rPr>
+            </a:br>
+            <a:r>
+              <a:rPr lang="en-US" dirty="0" smtClean="0">
+                <a:latin typeface="Courier New" panose="02070309020205020404" pitchFamily="49" charset="0"/>
+                <a:cs typeface="Courier New" panose="02070309020205020404" pitchFamily="49" charset="0"/>
+              </a:rPr>
+              <a:t>		“</a:t>
+            </a:r>
+            <a:r>
+              <a:rPr lang="en-US" dirty="0" err="1" smtClean="0">
+                <a:latin typeface="Courier New" panose="02070309020205020404" pitchFamily="49" charset="0"/>
+                <a:cs typeface="Courier New" panose="02070309020205020404" pitchFamily="49" charset="0"/>
+              </a:rPr>
+              <a:t>heartbeat”:timestamp</a:t>
+            </a:r>
+            <a:r>
+              <a:rPr lang="en-US" dirty="0">
+                <a:latin typeface="Courier New" panose="02070309020205020404" pitchFamily="49" charset="0"/>
+                <a:cs typeface="Courier New" panose="02070309020205020404" pitchFamily="49" charset="0"/>
+              </a:rPr>
+              <a:t/>
+            </a:r>
+            <a:br>
+              <a:rPr lang="en-US" dirty="0">
+                <a:latin typeface="Courier New" panose="02070309020205020404" pitchFamily="49" charset="0"/>
+                <a:cs typeface="Courier New" panose="02070309020205020404" pitchFamily="49" charset="0"/>
+              </a:rPr>
+            </a:br>
+            <a:r>
+              <a:rPr lang="en-US" dirty="0">
+                <a:latin typeface="Courier New" panose="02070309020205020404" pitchFamily="49" charset="0"/>
+                <a:cs typeface="Courier New" panose="02070309020205020404" pitchFamily="49" charset="0"/>
+              </a:rPr>
+              <a:t>	</a:t>
+            </a:r>
+            <a:r>
+              <a:rPr lang="en-US" dirty="0" smtClean="0">
+                <a:latin typeface="Courier New" panose="02070309020205020404" pitchFamily="49" charset="0"/>
+                <a:cs typeface="Courier New" panose="02070309020205020404" pitchFamily="49" charset="0"/>
+              </a:rPr>
               <a:t>}</a:t>
             </a:r>
+            <a:br>
+              <a:rPr lang="en-US" dirty="0" smtClean="0">
+                <a:latin typeface="Courier New" panose="02070309020205020404" pitchFamily="49" charset="0"/>
+                <a:cs typeface="Courier New" panose="02070309020205020404" pitchFamily="49" charset="0"/>
+              </a:rPr>
+            </a:br>
+            <a:endParaRPr lang="en-US" dirty="0" smtClean="0">
+              <a:latin typeface="Courier New" panose="02070309020205020404" pitchFamily="49" charset="0"/>
+              <a:cs typeface="Courier New" panose="02070309020205020404" pitchFamily="49" charset="0"/>
+            </a:endParaRPr>
+          </a:p>
+          <a:p>
+            <a:pPr defTabSz="457200">
+              <a:lnSpc>
+                <a:spcPct val="110000"/>
+              </a:lnSpc>
+            </a:pPr>
+            <a:r>
+              <a:rPr lang="en-US" dirty="0" err="1" smtClean="0">
+                <a:cs typeface="Courier New" panose="02070309020205020404" pitchFamily="49" charset="0"/>
+              </a:rPr>
+              <a:t>Dibutuhkan</a:t>
+            </a:r>
+            <a:r>
+              <a:rPr lang="en-US" dirty="0" smtClean="0">
+                <a:cs typeface="Courier New" panose="02070309020205020404" pitchFamily="49" charset="0"/>
+              </a:rPr>
+              <a:t> </a:t>
+            </a:r>
+            <a:r>
+              <a:rPr lang="en-US" dirty="0" err="1" smtClean="0">
+                <a:cs typeface="Courier New" panose="02070309020205020404" pitchFamily="49" charset="0"/>
+              </a:rPr>
+              <a:t>ipPort</a:t>
+            </a:r>
+            <a:r>
+              <a:rPr lang="en-US" dirty="0" smtClean="0">
+                <a:cs typeface="Courier New" panose="02070309020205020404" pitchFamily="49" charset="0"/>
+              </a:rPr>
+              <a:t> </a:t>
+            </a:r>
+            <a:r>
+              <a:rPr lang="en-US" dirty="0" err="1" smtClean="0">
+                <a:cs typeface="Courier New" panose="02070309020205020404" pitchFamily="49" charset="0"/>
+              </a:rPr>
+              <a:t>karena</a:t>
+            </a:r>
+            <a:r>
+              <a:rPr lang="en-US" dirty="0" smtClean="0">
+                <a:cs typeface="Courier New" panose="02070309020205020404" pitchFamily="49" charset="0"/>
+              </a:rPr>
+              <a:t> database yang </a:t>
+            </a:r>
+            <a:r>
+              <a:rPr lang="en-US" dirty="0" err="1" smtClean="0">
+                <a:cs typeface="Courier New" panose="02070309020205020404" pitchFamily="49" charset="0"/>
+              </a:rPr>
+              <a:t>digunakan</a:t>
+            </a:r>
+            <a:r>
+              <a:rPr lang="en-US" dirty="0" smtClean="0">
+                <a:cs typeface="Courier New" panose="02070309020205020404" pitchFamily="49" charset="0"/>
+              </a:rPr>
+              <a:t> </a:t>
+            </a:r>
+            <a:r>
+              <a:rPr lang="en-US" dirty="0" err="1" smtClean="0">
+                <a:cs typeface="Courier New" panose="02070309020205020404" pitchFamily="49" charset="0"/>
+              </a:rPr>
+              <a:t>hanya</a:t>
+            </a:r>
+            <a:r>
+              <a:rPr lang="en-US" dirty="0" smtClean="0">
+                <a:cs typeface="Courier New" panose="02070309020205020404" pitchFamily="49" charset="0"/>
+              </a:rPr>
+              <a:t> </a:t>
+            </a:r>
+            <a:r>
+              <a:rPr lang="en-US" dirty="0" err="1" smtClean="0">
+                <a:cs typeface="Courier New" panose="02070309020205020404" pitchFamily="49" charset="0"/>
+              </a:rPr>
+              <a:t>dapat</a:t>
+            </a:r>
+            <a:r>
+              <a:rPr lang="en-US" dirty="0" smtClean="0">
+                <a:cs typeface="Courier New" panose="02070309020205020404" pitchFamily="49" charset="0"/>
+              </a:rPr>
+              <a:t> </a:t>
+            </a:r>
+            <a:r>
+              <a:rPr lang="en-US" dirty="0" err="1" smtClean="0">
+                <a:cs typeface="Courier New" panose="02070309020205020404" pitchFamily="49" charset="0"/>
+              </a:rPr>
+              <a:t>memberikan</a:t>
+            </a:r>
+            <a:r>
+              <a:rPr lang="en-US" dirty="0" smtClean="0">
+                <a:cs typeface="Courier New" panose="02070309020205020404" pitchFamily="49" charset="0"/>
+              </a:rPr>
+              <a:t> unique index per field, </a:t>
+            </a:r>
+            <a:r>
+              <a:rPr lang="en-US" dirty="0" err="1" smtClean="0">
+                <a:cs typeface="Courier New" panose="02070309020205020404" pitchFamily="49" charset="0"/>
+              </a:rPr>
+              <a:t>bukan</a:t>
+            </a:r>
+            <a:r>
+              <a:rPr lang="en-US" dirty="0" smtClean="0">
+                <a:cs typeface="Courier New" panose="02070309020205020404" pitchFamily="49" charset="0"/>
+              </a:rPr>
+              <a:t> </a:t>
+            </a:r>
+            <a:r>
+              <a:rPr lang="en-US" dirty="0" err="1" smtClean="0">
+                <a:cs typeface="Courier New" panose="02070309020205020404" pitchFamily="49" charset="0"/>
+              </a:rPr>
+              <a:t>gabungan</a:t>
+            </a:r>
+            <a:r>
+              <a:rPr lang="en-US" dirty="0" smtClean="0">
+                <a:cs typeface="Courier New" panose="02070309020205020404" pitchFamily="49" charset="0"/>
+              </a:rPr>
+              <a:t> </a:t>
+            </a:r>
+            <a:r>
+              <a:rPr lang="en-US" dirty="0" err="1" smtClean="0">
+                <a:cs typeface="Courier New" panose="02070309020205020404" pitchFamily="49" charset="0"/>
+              </a:rPr>
+              <a:t>dari</a:t>
+            </a:r>
+            <a:r>
+              <a:rPr lang="en-US" dirty="0" smtClean="0">
+                <a:cs typeface="Courier New" panose="02070309020205020404" pitchFamily="49" charset="0"/>
+              </a:rPr>
+              <a:t> </a:t>
+            </a:r>
+            <a:r>
+              <a:rPr lang="en-US" dirty="0" err="1" smtClean="0">
+                <a:cs typeface="Courier New" panose="02070309020205020404" pitchFamily="49" charset="0"/>
+              </a:rPr>
+              <a:t>berapa</a:t>
+            </a:r>
+            <a:r>
+              <a:rPr lang="en-US" dirty="0" smtClean="0">
+                <a:cs typeface="Courier New" panose="02070309020205020404" pitchFamily="49" charset="0"/>
+              </a:rPr>
+              <a:t> field </a:t>
+            </a:r>
+            <a:r>
+              <a:rPr lang="en-US" dirty="0" err="1" smtClean="0">
+                <a:cs typeface="Courier New" panose="02070309020205020404" pitchFamily="49" charset="0"/>
+              </a:rPr>
+              <a:t>seperti</a:t>
+            </a:r>
+            <a:r>
+              <a:rPr lang="en-US" dirty="0" smtClean="0">
+                <a:cs typeface="Courier New" panose="02070309020205020404" pitchFamily="49" charset="0"/>
+              </a:rPr>
+              <a:t> </a:t>
+            </a:r>
+            <a:r>
+              <a:rPr lang="en-US" dirty="0" err="1" smtClean="0">
+                <a:cs typeface="Courier New" panose="02070309020205020404" pitchFamily="49" charset="0"/>
+              </a:rPr>
+              <a:t>pada</a:t>
+            </a:r>
+            <a:r>
+              <a:rPr lang="en-US" dirty="0" smtClean="0">
+                <a:cs typeface="Courier New" panose="02070309020205020404" pitchFamily="49" charset="0"/>
+              </a:rPr>
+              <a:t> DBMS </a:t>
+            </a:r>
+            <a:r>
+              <a:rPr lang="en-US" dirty="0" err="1" smtClean="0">
+                <a:cs typeface="Courier New" panose="02070309020205020404" pitchFamily="49" charset="0"/>
+              </a:rPr>
+              <a:t>berbasis</a:t>
+            </a:r>
+            <a:r>
+              <a:rPr lang="en-US" dirty="0" smtClean="0">
+                <a:cs typeface="Courier New" panose="02070309020205020404" pitchFamily="49" charset="0"/>
+              </a:rPr>
+              <a:t> SQL. </a:t>
+            </a:r>
+            <a:r>
+              <a:rPr lang="en-US" dirty="0" err="1" smtClean="0">
+                <a:cs typeface="Courier New" panose="02070309020205020404" pitchFamily="49" charset="0"/>
+              </a:rPr>
+              <a:t>ip</a:t>
+            </a:r>
+            <a:r>
+              <a:rPr lang="en-US" dirty="0" smtClean="0">
+                <a:cs typeface="Courier New" panose="02070309020205020404" pitchFamily="49" charset="0"/>
+              </a:rPr>
+              <a:t> </a:t>
+            </a:r>
+            <a:r>
+              <a:rPr lang="en-US" dirty="0" err="1" smtClean="0">
+                <a:cs typeface="Courier New" panose="02070309020205020404" pitchFamily="49" charset="0"/>
+              </a:rPr>
+              <a:t>dan</a:t>
+            </a:r>
+            <a:r>
+              <a:rPr lang="en-US" dirty="0" smtClean="0">
+                <a:cs typeface="Courier New" panose="02070309020205020404" pitchFamily="49" charset="0"/>
+              </a:rPr>
+              <a:t> port </a:t>
+            </a:r>
+            <a:r>
+              <a:rPr lang="en-US" dirty="0" err="1" smtClean="0">
+                <a:cs typeface="Courier New" panose="02070309020205020404" pitchFamily="49" charset="0"/>
+              </a:rPr>
+              <a:t>tetap</a:t>
+            </a:r>
+            <a:r>
+              <a:rPr lang="en-US" dirty="0" smtClean="0">
+                <a:cs typeface="Courier New" panose="02070309020205020404" pitchFamily="49" charset="0"/>
+              </a:rPr>
+              <a:t> </a:t>
+            </a:r>
+            <a:r>
+              <a:rPr lang="en-US" dirty="0" err="1" smtClean="0">
+                <a:cs typeface="Courier New" panose="02070309020205020404" pitchFamily="49" charset="0"/>
+              </a:rPr>
+              <a:t>ada</a:t>
+            </a:r>
+            <a:r>
+              <a:rPr lang="en-US" dirty="0" smtClean="0">
+                <a:cs typeface="Courier New" panose="02070309020205020404" pitchFamily="49" charset="0"/>
+              </a:rPr>
+              <a:t> </a:t>
+            </a:r>
+            <a:r>
+              <a:rPr lang="en-US" dirty="0" err="1" smtClean="0">
+                <a:cs typeface="Courier New" panose="02070309020205020404" pitchFamily="49" charset="0"/>
+              </a:rPr>
+              <a:t>supaya</a:t>
+            </a:r>
+            <a:r>
+              <a:rPr lang="en-US" dirty="0" smtClean="0">
+                <a:cs typeface="Courier New" panose="02070309020205020404" pitchFamily="49" charset="0"/>
+              </a:rPr>
+              <a:t> </a:t>
+            </a:r>
+            <a:r>
+              <a:rPr lang="en-US" dirty="0" err="1" smtClean="0">
+                <a:cs typeface="Courier New" panose="02070309020205020404" pitchFamily="49" charset="0"/>
+              </a:rPr>
+              <a:t>tidak</a:t>
+            </a:r>
+            <a:r>
+              <a:rPr lang="en-US" dirty="0" smtClean="0">
+                <a:cs typeface="Courier New" panose="02070309020205020404" pitchFamily="49" charset="0"/>
+              </a:rPr>
+              <a:t> </a:t>
+            </a:r>
+            <a:r>
+              <a:rPr lang="en-US" dirty="0" err="1" smtClean="0">
+                <a:cs typeface="Courier New" panose="02070309020205020404" pitchFamily="49" charset="0"/>
+              </a:rPr>
+              <a:t>perlu</a:t>
+            </a:r>
+            <a:r>
+              <a:rPr lang="en-US" dirty="0" smtClean="0">
+                <a:cs typeface="Courier New" panose="02070309020205020404" pitchFamily="49" charset="0"/>
+              </a:rPr>
+              <a:t> parsing.</a:t>
+            </a:r>
             <a:endParaRPr lang="en-US" dirty="0">
-              <a:latin typeface="Courier New" panose="02070309020205020404" pitchFamily="49" charset="0"/>
               <a:cs typeface="Courier New" panose="02070309020205020404" pitchFamily="49" charset="0"/>
             </a:endParaRPr>
           </a:p>
@@ -17765,18 +17543,18 @@
     </p:spTree>
     <p:extLst>
       <p:ext uri="{BB962C8B-B14F-4D97-AF65-F5344CB8AC3E}">
-        <p14:creationId xmlns:p14="http://schemas.microsoft.com/office/powerpoint/2010/main" val="3459071888"/>
+        <p14:creationId xmlns:p14="http://schemas.microsoft.com/office/powerpoint/2010/main" val="267300186"/>
       </p:ext>
     </p:extLst>
   </p:cSld>
   <p:clrMapOvr>
     <a:masterClrMapping/>
   </p:clrMapOvr>
-  <mc:AlternateContent xmlns:mc="http://schemas.openxmlformats.org/markup-compatibility/2006">
-    <mc:Choice xmlns:p14="http://schemas.microsoft.com/office/powerpoint/2010/main" Requires="p14">
+  <mc:AlternateContent xmlns:mc="http://schemas.openxmlformats.org/markup-compatibility/2006" xmlns:p14="http://schemas.microsoft.com/office/powerpoint/2010/main">
+    <mc:Choice Requires="p14">
       <p:transition p14:dur="0"/>
     </mc:Choice>
-    <mc:Fallback>
+    <mc:Fallback xmlns="">
       <p:transition/>
     </mc:Fallback>
   </mc:AlternateContent>
@@ -17841,80 +17619,70 @@
         </p:nvSpPr>
         <p:spPr/>
         <p:txBody>
-          <a:bodyPr/>
+          <a:bodyPr>
+            <a:normAutofit fontScale="92500" lnSpcReduction="20000"/>
+          </a:bodyPr>
           <a:lstStyle/>
           <a:p>
-            <a:pPr defTabSz="484188">
+            <a:pPr defTabSz="457200">
               <a:lnSpc>
-                <a:spcPct val="100000"/>
+                <a:spcPct val="120000"/>
               </a:lnSpc>
             </a:pPr>
             <a:r>
-              <a:rPr lang="en-US" dirty="0"/>
+              <a:rPr lang="en-US" dirty="0" smtClean="0"/>
               <a:t>Data </a:t>
             </a:r>
             <a:r>
-              <a:rPr lang="en-US" dirty="0" err="1"/>
+              <a:rPr lang="en-US" dirty="0" err="1" smtClean="0"/>
               <a:t>mengenai</a:t>
             </a:r>
             <a:r>
-              <a:rPr lang="en-US" dirty="0"/>
-              <a:t> </a:t>
-            </a:r>
-            <a:r>
-              <a:rPr lang="en-US" b="1" i="1" dirty="0"/>
-              <a:t>history chat</a:t>
-            </a:r>
-            <a:r>
-              <a:rPr lang="en-US" dirty="0"/>
-              <a:t> </a:t>
-            </a:r>
-            <a:r>
-              <a:rPr lang="en-US" dirty="0" err="1"/>
+              <a:rPr lang="en-US" dirty="0" smtClean="0"/>
+              <a:t> </a:t>
+            </a:r>
+            <a:r>
+              <a:rPr lang="en-US" b="1" i="1" dirty="0" smtClean="0"/>
+              <a:t>user</a:t>
+            </a:r>
+            <a:r>
+              <a:rPr lang="en-US" dirty="0" smtClean="0"/>
+              <a:t> </a:t>
+            </a:r>
+            <a:r>
+              <a:rPr lang="en-US" dirty="0" err="1" smtClean="0"/>
               <a:t>disimpan</a:t>
             </a:r>
             <a:r>
-              <a:rPr lang="en-US" dirty="0"/>
+              <a:rPr lang="en-US" dirty="0" smtClean="0"/>
               <a:t> di </a:t>
             </a:r>
             <a:r>
-              <a:rPr lang="en-US" dirty="0" err="1"/>
+              <a:rPr lang="en-US" dirty="0" err="1" smtClean="0"/>
               <a:t>dalam</a:t>
             </a:r>
             <a:r>
-              <a:rPr lang="en-US" dirty="0"/>
-              <a:t> </a:t>
-            </a:r>
-            <a:r>
-              <a:rPr lang="en-US" dirty="0" smtClean="0"/>
-              <a:t>collection </a:t>
-            </a:r>
-            <a:r>
-              <a:rPr lang="en-US" dirty="0" err="1"/>
+              <a:rPr lang="en-US" dirty="0" smtClean="0"/>
+              <a:t> collection </a:t>
+            </a:r>
+            <a:r>
+              <a:rPr lang="en-US" dirty="0" err="1" smtClean="0"/>
               <a:t>bernama</a:t>
             </a:r>
             <a:r>
-              <a:rPr lang="en-US" dirty="0"/>
-              <a:t> ‘</a:t>
-            </a:r>
-            <a:r>
-              <a:rPr lang="en-US" dirty="0" err="1"/>
-              <a:t>chatHistory</a:t>
-            </a:r>
-            <a:r>
-              <a:rPr lang="en-US" dirty="0"/>
-              <a:t>’ </a:t>
-            </a:r>
-            <a:r>
-              <a:rPr lang="en-US" dirty="0" err="1"/>
+              <a:rPr lang="en-US" dirty="0" smtClean="0"/>
+              <a:t> ‘user’ </a:t>
+            </a:r>
+            <a:r>
+              <a:rPr lang="en-US" dirty="0" err="1" smtClean="0"/>
               <a:t>dengan</a:t>
             </a:r>
             <a:r>
-              <a:rPr lang="en-US" dirty="0"/>
-              <a:t> </a:t>
-            </a:r>
-            <a:r>
-              <a:rPr lang="en-US" dirty="0" err="1"/>
+              <a:rPr lang="en-US" dirty="0" smtClean="0"/>
+              <a:t> </a:t>
+            </a:r>
+            <a:r>
+              <a:rPr lang="en-US" dirty="0" err="1" smtClean="0"/>
               <a:t>struktur</a:t>
             </a:r>
             <a:r>
@@ -17925,150 +17693,258 @@
               <a:rPr lang="en-US" dirty="0" smtClean="0"/>
             </a:br>
             <a:r>
-              <a:rPr lang="en-US" dirty="0"/>
+              <a:rPr lang="en-US" sz="2600" dirty="0" smtClean="0"/>
               <a:t/>
             </a:r>
             <a:br>
-              <a:rPr lang="en-US" dirty="0"/>
+              <a:rPr lang="en-US" sz="2600" dirty="0" smtClean="0"/>
             </a:br>
             <a:r>
-              <a:rPr lang="en-US" dirty="0"/>
-              <a:t>	</a:t>
-            </a:r>
-            <a:r>
-              <a:rPr lang="en-US" dirty="0">
+              <a:rPr lang="en-US" sz="2600" dirty="0">
                 <a:latin typeface="Courier New" panose="02070309020205020404" pitchFamily="49" charset="0"/>
                 <a:cs typeface="Courier New" panose="02070309020205020404" pitchFamily="49" charset="0"/>
               </a:rPr>
-              <a:t>{</a:t>
+              <a:t>	{</a:t>
             </a:r>
             <a:br>
-              <a:rPr lang="en-US" dirty="0">
+              <a:rPr lang="en-US" sz="2600" dirty="0">
                 <a:latin typeface="Courier New" panose="02070309020205020404" pitchFamily="49" charset="0"/>
                 <a:cs typeface="Courier New" panose="02070309020205020404" pitchFamily="49" charset="0"/>
               </a:rPr>
             </a:br>
             <a:r>
-              <a:rPr lang="en-US" dirty="0">
+              <a:rPr lang="en-US" sz="2600" dirty="0">
                 <a:latin typeface="Courier New" panose="02070309020205020404" pitchFamily="49" charset="0"/>
                 <a:cs typeface="Courier New" panose="02070309020205020404" pitchFamily="49" charset="0"/>
               </a:rPr>
-              <a:t>		“</a:t>
-            </a:r>
-            <a:r>
-              <a:rPr lang="en-US" dirty="0" err="1">
+              <a:t>		</a:t>
+            </a:r>
+            <a:r>
+              <a:rPr lang="en-US" sz="2600" dirty="0" smtClean="0">
                 <a:latin typeface="Courier New" panose="02070309020205020404" pitchFamily="49" charset="0"/>
                 <a:cs typeface="Courier New" panose="02070309020205020404" pitchFamily="49" charset="0"/>
               </a:rPr>
-              <a:t>username</a:t>
-            </a:r>
-            <a:r>
-              <a:rPr lang="en-US" dirty="0" err="1" smtClean="0">
+              <a:t>“</a:t>
+            </a:r>
+            <a:r>
+              <a:rPr lang="en-US" sz="2600" dirty="0" err="1" smtClean="0">
                 <a:latin typeface="Courier New" panose="02070309020205020404" pitchFamily="49" charset="0"/>
                 <a:cs typeface="Courier New" panose="02070309020205020404" pitchFamily="49" charset="0"/>
               </a:rPr>
-              <a:t>”:String</a:t>
-            </a:r>
-            <a:r>
-              <a:rPr lang="en-US" dirty="0" smtClean="0">
+              <a:t>username”:String</a:t>
+            </a:r>
+            <a:r>
+              <a:rPr lang="en-US" sz="2600" dirty="0" smtClean="0">
                 <a:latin typeface="Courier New" panose="02070309020205020404" pitchFamily="49" charset="0"/>
                 <a:cs typeface="Courier New" panose="02070309020205020404" pitchFamily="49" charset="0"/>
               </a:rPr>
               <a:t>,</a:t>
             </a:r>
-            <a:r>
-              <a:rPr lang="en-US" dirty="0">
+            <a:br>
+              <a:rPr lang="en-US" sz="2600" dirty="0" smtClean="0">
                 <a:latin typeface="Courier New" panose="02070309020205020404" pitchFamily="49" charset="0"/>
                 <a:cs typeface="Courier New" panose="02070309020205020404" pitchFamily="49" charset="0"/>
               </a:rPr>
-              <a:t/>
-            </a:r>
-            <a:br>
-              <a:rPr lang="en-US" dirty="0">
+            </a:br>
+            <a:r>
+              <a:rPr lang="en-US" sz="2600" dirty="0" smtClean="0">
                 <a:latin typeface="Courier New" panose="02070309020205020404" pitchFamily="49" charset="0"/>
                 <a:cs typeface="Courier New" panose="02070309020205020404" pitchFamily="49" charset="0"/>
               </a:rPr>
-            </a:br>
-            <a:r>
-              <a:rPr lang="en-US" dirty="0">
+              <a:t>		“</a:t>
+            </a:r>
+            <a:r>
+              <a:rPr lang="en-US" sz="2600" dirty="0" err="1" smtClean="0">
                 <a:latin typeface="Courier New" panose="02070309020205020404" pitchFamily="49" charset="0"/>
                 <a:cs typeface="Courier New" panose="02070309020205020404" pitchFamily="49" charset="0"/>
               </a:rPr>
-              <a:t>		“</a:t>
-            </a:r>
-            <a:r>
-              <a:rPr lang="en-US" dirty="0" err="1">
+              <a:t>password”:String</a:t>
+            </a:r>
+            <a:r>
+              <a:rPr lang="en-US" sz="2600" dirty="0" smtClean="0">
                 <a:latin typeface="Courier New" panose="02070309020205020404" pitchFamily="49" charset="0"/>
                 <a:cs typeface="Courier New" panose="02070309020205020404" pitchFamily="49" charset="0"/>
               </a:rPr>
-              <a:t>time”:timestamp</a:t>
-            </a:r>
-            <a:r>
-              <a:rPr lang="en-US" dirty="0">
+              <a:t>(hash)</a:t>
+            </a:r>
+            <a:br>
+              <a:rPr lang="en-US" sz="2600" dirty="0" smtClean="0">
                 <a:latin typeface="Courier New" panose="02070309020205020404" pitchFamily="49" charset="0"/>
                 <a:cs typeface="Courier New" panose="02070309020205020404" pitchFamily="49" charset="0"/>
               </a:rPr>
-              <a:t>,</a:t>
-            </a:r>
-            <a:br>
-              <a:rPr lang="en-US" dirty="0">
+            </a:br>
+            <a:r>
+              <a:rPr lang="en-US" sz="2600" dirty="0" smtClean="0">
                 <a:latin typeface="Courier New" panose="02070309020205020404" pitchFamily="49" charset="0"/>
                 <a:cs typeface="Courier New" panose="02070309020205020404" pitchFamily="49" charset="0"/>
               </a:rPr>
-            </a:br>
-            <a:r>
-              <a:rPr lang="en-US" dirty="0">
+              <a:t>		“</a:t>
+            </a:r>
+            <a:r>
+              <a:rPr lang="en-US" sz="2600" dirty="0" err="1" smtClean="0">
                 <a:latin typeface="Courier New" panose="02070309020205020404" pitchFamily="49" charset="0"/>
                 <a:cs typeface="Courier New" panose="02070309020205020404" pitchFamily="49" charset="0"/>
               </a:rPr>
-              <a:t>		“</a:t>
-            </a:r>
-            <a:r>
-              <a:rPr lang="en-US" dirty="0" err="1">
+              <a:t>loggedIn</a:t>
+            </a:r>
+            <a:r>
+              <a:rPr lang="en-US" sz="2600" dirty="0" smtClean="0">
                 <a:latin typeface="Courier New" panose="02070309020205020404" pitchFamily="49" charset="0"/>
                 <a:cs typeface="Courier New" panose="02070309020205020404" pitchFamily="49" charset="0"/>
               </a:rPr>
-              <a:t>message”:String</a:t>
-            </a:r>
-            <a:r>
-              <a:rPr lang="en-US" dirty="0">
+              <a:t>”:</a:t>
+            </a:r>
+            <a:r>
+              <a:rPr lang="en-US" sz="2600" dirty="0" err="1" smtClean="0">
                 <a:latin typeface="Courier New" panose="02070309020205020404" pitchFamily="49" charset="0"/>
                 <a:cs typeface="Courier New" panose="02070309020205020404" pitchFamily="49" charset="0"/>
               </a:rPr>
-              <a:t/>
-            </a:r>
-            <a:br>
-              <a:rPr lang="en-US" dirty="0">
+              <a:t>boolean</a:t>
+            </a:r>
+            <a:r>
+              <a:rPr lang="en-US" sz="2600" dirty="0" smtClean="0">
                 <a:latin typeface="Courier New" panose="02070309020205020404" pitchFamily="49" charset="0"/>
                 <a:cs typeface="Courier New" panose="02070309020205020404" pitchFamily="49" charset="0"/>
               </a:rPr>
-            </a:br>
-            <a:r>
-              <a:rPr lang="en-US" dirty="0">
+              <a:t>,</a:t>
+            </a:r>
+            <a:br>
+              <a:rPr lang="en-US" sz="2600" dirty="0" smtClean="0">
                 <a:latin typeface="Courier New" panose="02070309020205020404" pitchFamily="49" charset="0"/>
                 <a:cs typeface="Courier New" panose="02070309020205020404" pitchFamily="49" charset="0"/>
               </a:rPr>
-              <a:t>	}</a:t>
-            </a:r>
-            <a:endParaRPr lang="en-US" dirty="0"/>
+            </a:br>
+            <a:r>
+              <a:rPr lang="en-US" sz="2600" dirty="0" smtClean="0">
+                <a:latin typeface="Courier New" panose="02070309020205020404" pitchFamily="49" charset="0"/>
+                <a:cs typeface="Courier New" panose="02070309020205020404" pitchFamily="49" charset="0"/>
+              </a:rPr>
+              <a:t>		“</a:t>
+            </a:r>
+            <a:r>
+              <a:rPr lang="en-US" sz="2600" dirty="0" err="1" smtClean="0">
+                <a:latin typeface="Courier New" panose="02070309020205020404" pitchFamily="49" charset="0"/>
+                <a:cs typeface="Courier New" panose="02070309020205020404" pitchFamily="49" charset="0"/>
+              </a:rPr>
+              <a:t>sessid</a:t>
+            </a:r>
+            <a:r>
+              <a:rPr lang="en-US" sz="2600" dirty="0" smtClean="0">
+                <a:latin typeface="Courier New" panose="02070309020205020404" pitchFamily="49" charset="0"/>
+                <a:cs typeface="Courier New" panose="02070309020205020404" pitchFamily="49" charset="0"/>
+              </a:rPr>
+              <a:t>”:String(base64),</a:t>
+            </a:r>
+            <a:br>
+              <a:rPr lang="en-US" sz="2600" dirty="0" smtClean="0">
+                <a:latin typeface="Courier New" panose="02070309020205020404" pitchFamily="49" charset="0"/>
+                <a:cs typeface="Courier New" panose="02070309020205020404" pitchFamily="49" charset="0"/>
+              </a:rPr>
+            </a:br>
+            <a:r>
+              <a:rPr lang="en-US" sz="2600" dirty="0" smtClean="0">
+                <a:latin typeface="Courier New" panose="02070309020205020404" pitchFamily="49" charset="0"/>
+                <a:cs typeface="Courier New" panose="02070309020205020404" pitchFamily="49" charset="0"/>
+              </a:rPr>
+              <a:t>		“</a:t>
+            </a:r>
+            <a:r>
+              <a:rPr lang="en-US" sz="2600" dirty="0" err="1" smtClean="0">
+                <a:latin typeface="Courier New" panose="02070309020205020404" pitchFamily="49" charset="0"/>
+                <a:cs typeface="Courier New" panose="02070309020205020404" pitchFamily="49" charset="0"/>
+              </a:rPr>
+              <a:t>heartbeat”:timestamp</a:t>
+            </a:r>
+            <a:r>
+              <a:rPr lang="en-US" sz="2600" dirty="0" smtClean="0">
+                <a:latin typeface="Courier New" panose="02070309020205020404" pitchFamily="49" charset="0"/>
+                <a:cs typeface="Courier New" panose="02070309020205020404" pitchFamily="49" charset="0"/>
+              </a:rPr>
+              <a:t>,</a:t>
+            </a:r>
+            <a:br>
+              <a:rPr lang="en-US" sz="2600" dirty="0" smtClean="0">
+                <a:latin typeface="Courier New" panose="02070309020205020404" pitchFamily="49" charset="0"/>
+                <a:cs typeface="Courier New" panose="02070309020205020404" pitchFamily="49" charset="0"/>
+              </a:rPr>
+            </a:br>
+            <a:r>
+              <a:rPr lang="en-US" sz="2600" dirty="0" smtClean="0">
+                <a:latin typeface="Courier New" panose="02070309020205020404" pitchFamily="49" charset="0"/>
+                <a:cs typeface="Courier New" panose="02070309020205020404" pitchFamily="49" charset="0"/>
+              </a:rPr>
+              <a:t>		“</a:t>
+            </a:r>
+            <a:r>
+              <a:rPr lang="en-US" sz="2600" dirty="0" err="1" smtClean="0">
+                <a:latin typeface="Courier New" panose="02070309020205020404" pitchFamily="49" charset="0"/>
+                <a:cs typeface="Courier New" panose="02070309020205020404" pitchFamily="49" charset="0"/>
+              </a:rPr>
+              <a:t>handledByMe</a:t>
+            </a:r>
+            <a:r>
+              <a:rPr lang="en-US" sz="2600" dirty="0" smtClean="0">
+                <a:latin typeface="Courier New" panose="02070309020205020404" pitchFamily="49" charset="0"/>
+                <a:cs typeface="Courier New" panose="02070309020205020404" pitchFamily="49" charset="0"/>
+              </a:rPr>
+              <a:t>”:</a:t>
+            </a:r>
+            <a:r>
+              <a:rPr lang="en-US" sz="2600" dirty="0" err="1" smtClean="0">
+                <a:latin typeface="Courier New" panose="02070309020205020404" pitchFamily="49" charset="0"/>
+                <a:cs typeface="Courier New" panose="02070309020205020404" pitchFamily="49" charset="0"/>
+              </a:rPr>
+              <a:t>boolean</a:t>
+            </a:r>
+            <a:r>
+              <a:rPr lang="en-US" sz="2600" dirty="0">
+                <a:latin typeface="Courier New" panose="02070309020205020404" pitchFamily="49" charset="0"/>
+                <a:cs typeface="Courier New" panose="02070309020205020404" pitchFamily="49" charset="0"/>
+              </a:rPr>
+              <a:t/>
+            </a:r>
+            <a:br>
+              <a:rPr lang="en-US" sz="2600" dirty="0">
+                <a:latin typeface="Courier New" panose="02070309020205020404" pitchFamily="49" charset="0"/>
+                <a:cs typeface="Courier New" panose="02070309020205020404" pitchFamily="49" charset="0"/>
+              </a:rPr>
+            </a:br>
+            <a:r>
+              <a:rPr lang="en-US" sz="2600" dirty="0">
+                <a:latin typeface="Courier New" panose="02070309020205020404" pitchFamily="49" charset="0"/>
+                <a:cs typeface="Courier New" panose="02070309020205020404" pitchFamily="49" charset="0"/>
+              </a:rPr>
+              <a:t>	</a:t>
+            </a:r>
+            <a:r>
+              <a:rPr lang="en-US" sz="2600" dirty="0" smtClean="0">
+                <a:latin typeface="Courier New" panose="02070309020205020404" pitchFamily="49" charset="0"/>
+                <a:cs typeface="Courier New" panose="02070309020205020404" pitchFamily="49" charset="0"/>
+              </a:rPr>
+              <a:t>}</a:t>
+            </a:r>
+            <a:endParaRPr lang="en-US" dirty="0">
+              <a:latin typeface="Courier New" panose="02070309020205020404" pitchFamily="49" charset="0"/>
+              <a:cs typeface="Courier New" panose="02070309020205020404" pitchFamily="49" charset="0"/>
+            </a:endParaRPr>
           </a:p>
         </p:txBody>
       </p:sp>
     </p:spTree>
     <p:extLst>
       <p:ext uri="{BB962C8B-B14F-4D97-AF65-F5344CB8AC3E}">
-        <p14:creationId xmlns:p14="http://schemas.microsoft.com/office/powerpoint/2010/main" val="235720611"/>
+        <p14:creationId xmlns:p14="http://schemas.microsoft.com/office/powerpoint/2010/main" val="3459071888"/>
       </p:ext>
     </p:extLst>
   </p:cSld>
   <p:clrMapOvr>
     <a:masterClrMapping/>
   </p:clrMapOvr>
-  <mc:AlternateContent xmlns:mc="http://schemas.openxmlformats.org/markup-compatibility/2006">
-    <mc:Choice xmlns:p14="http://schemas.microsoft.com/office/powerpoint/2010/main" Requires="p14">
+  <mc:AlternateContent xmlns:mc="http://schemas.openxmlformats.org/markup-compatibility/2006" xmlns:p14="http://schemas.microsoft.com/office/powerpoint/2010/main">
+    <mc:Choice Requires="p14">
       <p:transition p14:dur="0"/>
     </mc:Choice>
-    <mc:Fallback>
+    <mc:Fallback xmlns="">
       <p:transition/>
     </mc:Fallback>
   </mc:AlternateContent>
@@ -18101,6 +17977,298 @@
       </p:grpSpPr>
       <p:sp>
         <p:nvSpPr>
+          <p:cNvPr id="2" name="Title 1"/>
+          <p:cNvSpPr>
+            <a:spLocks noGrp="1"/>
+          </p:cNvSpPr>
+          <p:nvPr>
+            <p:ph type="title"/>
+          </p:nvPr>
+        </p:nvSpPr>
+        <p:spPr/>
+        <p:txBody>
+          <a:bodyPr/>
+          <a:lstStyle/>
+          <a:p>
+            <a:r>
+              <a:rPr lang="en-US" b="1" dirty="0"/>
+              <a:t>Format Database</a:t>
+            </a:r>
+          </a:p>
+        </p:txBody>
+      </p:sp>
+      <p:sp>
+        <p:nvSpPr>
+          <p:cNvPr id="3" name="Content Placeholder 2"/>
+          <p:cNvSpPr>
+            <a:spLocks noGrp="1"/>
+          </p:cNvSpPr>
+          <p:nvPr>
+            <p:ph idx="1"/>
+          </p:nvPr>
+        </p:nvSpPr>
+        <p:spPr/>
+        <p:txBody>
+          <a:bodyPr/>
+          <a:lstStyle/>
+          <a:p>
+            <a:pPr defTabSz="484188">
+              <a:lnSpc>
+                <a:spcPct val="100000"/>
+              </a:lnSpc>
+            </a:pPr>
+            <a:r>
+              <a:rPr lang="en-US" dirty="0"/>
+              <a:t>Data </a:t>
+            </a:r>
+            <a:r>
+              <a:rPr lang="en-US" dirty="0" err="1"/>
+              <a:t>mengenai</a:t>
+            </a:r>
+            <a:r>
+              <a:rPr lang="en-US" dirty="0"/>
+              <a:t> </a:t>
+            </a:r>
+            <a:r>
+              <a:rPr lang="en-US" b="1" i="1" dirty="0"/>
+              <a:t>history chat</a:t>
+            </a:r>
+            <a:r>
+              <a:rPr lang="en-US" dirty="0"/>
+              <a:t> </a:t>
+            </a:r>
+            <a:r>
+              <a:rPr lang="en-US" dirty="0" err="1"/>
+              <a:t>disimpan</a:t>
+            </a:r>
+            <a:r>
+              <a:rPr lang="en-US" dirty="0"/>
+              <a:t> di </a:t>
+            </a:r>
+            <a:r>
+              <a:rPr lang="en-US" dirty="0" err="1"/>
+              <a:t>dalam</a:t>
+            </a:r>
+            <a:r>
+              <a:rPr lang="en-US" dirty="0"/>
+              <a:t> </a:t>
+            </a:r>
+            <a:r>
+              <a:rPr lang="en-US" dirty="0" smtClean="0"/>
+              <a:t>collection </a:t>
+            </a:r>
+            <a:r>
+              <a:rPr lang="en-US" dirty="0" err="1"/>
+              <a:t>bernama</a:t>
+            </a:r>
+            <a:r>
+              <a:rPr lang="en-US" dirty="0"/>
+              <a:t> ‘</a:t>
+            </a:r>
+            <a:r>
+              <a:rPr lang="en-US" dirty="0" err="1"/>
+              <a:t>chatHistory</a:t>
+            </a:r>
+            <a:r>
+              <a:rPr lang="en-US" dirty="0"/>
+              <a:t>’ </a:t>
+            </a:r>
+            <a:r>
+              <a:rPr lang="en-US" dirty="0" err="1"/>
+              <a:t>dengan</a:t>
+            </a:r>
+            <a:r>
+              <a:rPr lang="en-US" dirty="0"/>
+              <a:t> </a:t>
+            </a:r>
+            <a:r>
+              <a:rPr lang="en-US" dirty="0" err="1"/>
+              <a:t>struktur</a:t>
+            </a:r>
+            <a:r>
+              <a:rPr lang="en-US" dirty="0" smtClean="0"/>
+              <a:t>:</a:t>
+            </a:r>
+            <a:br>
+              <a:rPr lang="en-US" dirty="0" smtClean="0"/>
+            </a:br>
+            <a:r>
+              <a:rPr lang="en-US" dirty="0"/>
+              <a:t/>
+            </a:r>
+            <a:br>
+              <a:rPr lang="en-US" dirty="0"/>
+            </a:br>
+            <a:r>
+              <a:rPr lang="en-US" dirty="0"/>
+              <a:t>	</a:t>
+            </a:r>
+            <a:r>
+              <a:rPr lang="en-US" dirty="0">
+                <a:latin typeface="Courier New" panose="02070309020205020404" pitchFamily="49" charset="0"/>
+                <a:cs typeface="Courier New" panose="02070309020205020404" pitchFamily="49" charset="0"/>
+              </a:rPr>
+              <a:t>{</a:t>
+            </a:r>
+            <a:br>
+              <a:rPr lang="en-US" dirty="0">
+                <a:latin typeface="Courier New" panose="02070309020205020404" pitchFamily="49" charset="0"/>
+                <a:cs typeface="Courier New" panose="02070309020205020404" pitchFamily="49" charset="0"/>
+              </a:rPr>
+            </a:br>
+            <a:r>
+              <a:rPr lang="en-US" dirty="0">
+                <a:latin typeface="Courier New" panose="02070309020205020404" pitchFamily="49" charset="0"/>
+                <a:cs typeface="Courier New" panose="02070309020205020404" pitchFamily="49" charset="0"/>
+              </a:rPr>
+              <a:t>		“</a:t>
+            </a:r>
+            <a:r>
+              <a:rPr lang="en-US" dirty="0" err="1">
+                <a:latin typeface="Courier New" panose="02070309020205020404" pitchFamily="49" charset="0"/>
+                <a:cs typeface="Courier New" panose="02070309020205020404" pitchFamily="49" charset="0"/>
+              </a:rPr>
+              <a:t>username</a:t>
+            </a:r>
+            <a:r>
+              <a:rPr lang="en-US" dirty="0" err="1" smtClean="0">
+                <a:latin typeface="Courier New" panose="02070309020205020404" pitchFamily="49" charset="0"/>
+                <a:cs typeface="Courier New" panose="02070309020205020404" pitchFamily="49" charset="0"/>
+              </a:rPr>
+              <a:t>”:String</a:t>
+            </a:r>
+            <a:r>
+              <a:rPr lang="en-US" dirty="0" smtClean="0">
+                <a:latin typeface="Courier New" panose="02070309020205020404" pitchFamily="49" charset="0"/>
+                <a:cs typeface="Courier New" panose="02070309020205020404" pitchFamily="49" charset="0"/>
+              </a:rPr>
+              <a:t>,</a:t>
+            </a:r>
+            <a:r>
+              <a:rPr lang="en-US" dirty="0">
+                <a:latin typeface="Courier New" panose="02070309020205020404" pitchFamily="49" charset="0"/>
+                <a:cs typeface="Courier New" panose="02070309020205020404" pitchFamily="49" charset="0"/>
+              </a:rPr>
+              <a:t/>
+            </a:r>
+            <a:br>
+              <a:rPr lang="en-US" dirty="0">
+                <a:latin typeface="Courier New" panose="02070309020205020404" pitchFamily="49" charset="0"/>
+                <a:cs typeface="Courier New" panose="02070309020205020404" pitchFamily="49" charset="0"/>
+              </a:rPr>
+            </a:br>
+            <a:r>
+              <a:rPr lang="en-US" dirty="0">
+                <a:latin typeface="Courier New" panose="02070309020205020404" pitchFamily="49" charset="0"/>
+                <a:cs typeface="Courier New" panose="02070309020205020404" pitchFamily="49" charset="0"/>
+              </a:rPr>
+              <a:t>		“</a:t>
+            </a:r>
+            <a:r>
+              <a:rPr lang="en-US" dirty="0" err="1">
+                <a:latin typeface="Courier New" panose="02070309020205020404" pitchFamily="49" charset="0"/>
+                <a:cs typeface="Courier New" panose="02070309020205020404" pitchFamily="49" charset="0"/>
+              </a:rPr>
+              <a:t>time”:timestamp</a:t>
+            </a:r>
+            <a:r>
+              <a:rPr lang="en-US" dirty="0">
+                <a:latin typeface="Courier New" panose="02070309020205020404" pitchFamily="49" charset="0"/>
+                <a:cs typeface="Courier New" panose="02070309020205020404" pitchFamily="49" charset="0"/>
+              </a:rPr>
+              <a:t>,</a:t>
+            </a:r>
+            <a:br>
+              <a:rPr lang="en-US" dirty="0">
+                <a:latin typeface="Courier New" panose="02070309020205020404" pitchFamily="49" charset="0"/>
+                <a:cs typeface="Courier New" panose="02070309020205020404" pitchFamily="49" charset="0"/>
+              </a:rPr>
+            </a:br>
+            <a:r>
+              <a:rPr lang="en-US" dirty="0">
+                <a:latin typeface="Courier New" panose="02070309020205020404" pitchFamily="49" charset="0"/>
+                <a:cs typeface="Courier New" panose="02070309020205020404" pitchFamily="49" charset="0"/>
+              </a:rPr>
+              <a:t>		“</a:t>
+            </a:r>
+            <a:r>
+              <a:rPr lang="en-US" dirty="0" err="1">
+                <a:latin typeface="Courier New" panose="02070309020205020404" pitchFamily="49" charset="0"/>
+                <a:cs typeface="Courier New" panose="02070309020205020404" pitchFamily="49" charset="0"/>
+              </a:rPr>
+              <a:t>message”:String</a:t>
+            </a:r>
+            <a:r>
+              <a:rPr lang="en-US" dirty="0">
+                <a:latin typeface="Courier New" panose="02070309020205020404" pitchFamily="49" charset="0"/>
+                <a:cs typeface="Courier New" panose="02070309020205020404" pitchFamily="49" charset="0"/>
+              </a:rPr>
+              <a:t/>
+            </a:r>
+            <a:br>
+              <a:rPr lang="en-US" dirty="0">
+                <a:latin typeface="Courier New" panose="02070309020205020404" pitchFamily="49" charset="0"/>
+                <a:cs typeface="Courier New" panose="02070309020205020404" pitchFamily="49" charset="0"/>
+              </a:rPr>
+            </a:br>
+            <a:r>
+              <a:rPr lang="en-US" dirty="0">
+                <a:latin typeface="Courier New" panose="02070309020205020404" pitchFamily="49" charset="0"/>
+                <a:cs typeface="Courier New" panose="02070309020205020404" pitchFamily="49" charset="0"/>
+              </a:rPr>
+              <a:t>	}</a:t>
+            </a:r>
+            <a:endParaRPr lang="en-US" dirty="0"/>
+          </a:p>
+        </p:txBody>
+      </p:sp>
+    </p:spTree>
+    <p:extLst>
+      <p:ext uri="{BB962C8B-B14F-4D97-AF65-F5344CB8AC3E}">
+        <p14:creationId xmlns:p14="http://schemas.microsoft.com/office/powerpoint/2010/main" val="235720611"/>
+      </p:ext>
+    </p:extLst>
+  </p:cSld>
+  <p:clrMapOvr>
+    <a:masterClrMapping/>
+  </p:clrMapOvr>
+  <mc:AlternateContent xmlns:mc="http://schemas.openxmlformats.org/markup-compatibility/2006" xmlns:p14="http://schemas.microsoft.com/office/powerpoint/2010/main">
+    <mc:Choice Requires="p14">
+      <p:transition p14:dur="0"/>
+    </mc:Choice>
+    <mc:Fallback xmlns="">
+      <p:transition/>
+    </mc:Fallback>
+  </mc:AlternateContent>
+  <p:timing>
+    <p:tnLst>
+      <p:par>
+        <p:cTn id="1" dur="indefinite" restart="never" nodeType="tmRoot"/>
+      </p:par>
+    </p:tnLst>
+  </p:timing>
+</p:sld>
+</file>
+
+<file path=ppt/slides/slide39.xml><?xml version="1.0" encoding="utf-8"?>
+<p:sld xmlns:a="http://schemas.openxmlformats.org/drawingml/2006/main" xmlns:r="http://schemas.openxmlformats.org/officeDocument/2006/relationships" xmlns:p="http://schemas.openxmlformats.org/presentationml/2006/main">
+  <p:cSld>
+    <p:spTree>
+      <p:nvGrpSpPr>
+        <p:cNvPr id="1" name=""/>
+        <p:cNvGrpSpPr/>
+        <p:nvPr/>
+      </p:nvGrpSpPr>
+      <p:grpSpPr>
+        <a:xfrm>
+          <a:off x="0" y="0"/>
+          <a:ext cx="0" cy="0"/>
+          <a:chOff x="0" y="0"/>
+          <a:chExt cx="0" cy="0"/>
+        </a:xfrm>
+      </p:grpSpPr>
+      <p:sp>
+        <p:nvSpPr>
           <p:cNvPr id="4" name="Title 3"/>
           <p:cNvSpPr>
             <a:spLocks noGrp="1"/>
@@ -18248,11 +18416,11 @@
   <p:clrMapOvr>
     <a:masterClrMapping/>
   </p:clrMapOvr>
-  <mc:AlternateContent xmlns:mc="http://schemas.openxmlformats.org/markup-compatibility/2006">
-    <mc:Choice xmlns:p14="http://schemas.microsoft.com/office/powerpoint/2010/main" Requires="p14">
+  <mc:AlternateContent xmlns:mc="http://schemas.openxmlformats.org/markup-compatibility/2006" xmlns:p14="http://schemas.microsoft.com/office/powerpoint/2010/main">
+    <mc:Choice Requires="p14">
       <p:transition p14:dur="0"/>
     </mc:Choice>
-    <mc:Fallback>
+    <mc:Fallback xmlns="">
       <p:transition/>
     </mc:Fallback>
   </mc:AlternateContent>
@@ -18266,7 +18434,338 @@
 </p:sld>
 </file>
 
-<file path=ppt/slides/slide39.xml><?xml version="1.0" encoding="utf-8"?>
+<file path=ppt/slides/slide4.xml><?xml version="1.0" encoding="utf-8"?>
+<p:sld xmlns:a="http://schemas.openxmlformats.org/drawingml/2006/main" xmlns:r="http://schemas.openxmlformats.org/officeDocument/2006/relationships" xmlns:p="http://schemas.openxmlformats.org/presentationml/2006/main">
+  <p:cSld>
+    <p:spTree>
+      <p:nvGrpSpPr>
+        <p:cNvPr id="1" name=""/>
+        <p:cNvGrpSpPr/>
+        <p:nvPr/>
+      </p:nvGrpSpPr>
+      <p:grpSpPr>
+        <a:xfrm>
+          <a:off x="0" y="0"/>
+          <a:ext cx="0" cy="0"/>
+          <a:chOff x="0" y="0"/>
+          <a:chExt cx="0" cy="0"/>
+        </a:xfrm>
+      </p:grpSpPr>
+      <p:sp>
+        <p:nvSpPr>
+          <p:cNvPr id="3" name="Title 2"/>
+          <p:cNvSpPr>
+            <a:spLocks noGrp="1"/>
+          </p:cNvSpPr>
+          <p:nvPr>
+            <p:ph type="title"/>
+          </p:nvPr>
+        </p:nvSpPr>
+        <p:spPr/>
+        <p:txBody>
+          <a:bodyPr/>
+          <a:lstStyle/>
+          <a:p>
+            <a:r>
+              <a:rPr lang="en-US" b="1" dirty="0" err="1"/>
+              <a:t>Ketentuan</a:t>
+            </a:r>
+            <a:r>
+              <a:rPr lang="en-US" b="1" dirty="0"/>
+              <a:t> Server</a:t>
+            </a:r>
+          </a:p>
+        </p:txBody>
+      </p:sp>
+      <p:sp>
+        <p:nvSpPr>
+          <p:cNvPr id="4" name="Content Placeholder 3"/>
+          <p:cNvSpPr>
+            <a:spLocks noGrp="1"/>
+          </p:cNvSpPr>
+          <p:nvPr>
+            <p:ph idx="1"/>
+          </p:nvPr>
+        </p:nvSpPr>
+        <p:spPr/>
+        <p:txBody>
+          <a:bodyPr>
+            <a:normAutofit lnSpcReduction="10000"/>
+          </a:bodyPr>
+          <a:lstStyle/>
+          <a:p>
+            <a:r>
+              <a:rPr lang="en-US" dirty="0" err="1"/>
+              <a:t>Semua</a:t>
+            </a:r>
+            <a:r>
+              <a:rPr lang="en-US" dirty="0"/>
+              <a:t> server </a:t>
+            </a:r>
+            <a:r>
+              <a:rPr lang="en-US" dirty="0" err="1"/>
+              <a:t>sama</a:t>
+            </a:r>
+            <a:r>
+              <a:rPr lang="en-US" dirty="0"/>
+              <a:t>.</a:t>
+            </a:r>
+          </a:p>
+          <a:p>
+            <a:r>
+              <a:rPr lang="en-US" dirty="0" err="1"/>
+              <a:t>Dapat</a:t>
+            </a:r>
+            <a:r>
+              <a:rPr lang="en-US" dirty="0"/>
+              <a:t> </a:t>
+            </a:r>
+            <a:r>
+              <a:rPr lang="en-US" dirty="0" err="1"/>
+              <a:t>dikonfigurasi</a:t>
+            </a:r>
+            <a:r>
+              <a:rPr lang="en-US" dirty="0"/>
+              <a:t> </a:t>
+            </a:r>
+            <a:r>
+              <a:rPr lang="en-US" dirty="0" err="1"/>
+              <a:t>untuk</a:t>
+            </a:r>
+            <a:r>
+              <a:rPr lang="en-US" dirty="0"/>
+              <a:t>:</a:t>
+            </a:r>
+          </a:p>
+          <a:p>
+            <a:pPr lvl="1"/>
+            <a:r>
+              <a:rPr lang="en-US" dirty="0" err="1"/>
+              <a:t>Mendengarkan</a:t>
+            </a:r>
+            <a:r>
+              <a:rPr lang="en-US" dirty="0"/>
+              <a:t> di </a:t>
+            </a:r>
+            <a:r>
+              <a:rPr lang="en-US" dirty="0" err="1"/>
+              <a:t>satu</a:t>
+            </a:r>
+            <a:r>
+              <a:rPr lang="en-US" dirty="0"/>
+              <a:t> port </a:t>
+            </a:r>
+            <a:r>
+              <a:rPr lang="en-US" dirty="0" err="1"/>
+              <a:t>tertentu</a:t>
+            </a:r>
+            <a:endParaRPr lang="en-US" dirty="0"/>
+          </a:p>
+          <a:p>
+            <a:pPr lvl="1"/>
+            <a:r>
+              <a:rPr lang="en-US" dirty="0" err="1"/>
+              <a:t>Mendaftar</a:t>
+            </a:r>
+            <a:r>
+              <a:rPr lang="en-US" dirty="0"/>
+              <a:t> </a:t>
+            </a:r>
+            <a:r>
+              <a:rPr lang="en-US" dirty="0" err="1"/>
+              <a:t>semua</a:t>
+            </a:r>
+            <a:r>
+              <a:rPr lang="en-US" dirty="0"/>
+              <a:t> server lain</a:t>
+            </a:r>
+          </a:p>
+          <a:p>
+            <a:r>
+              <a:rPr lang="en-US" dirty="0" err="1"/>
+              <a:t>Konfigurasi</a:t>
+            </a:r>
+            <a:r>
+              <a:rPr lang="en-US" dirty="0"/>
+              <a:t> </a:t>
+            </a:r>
+            <a:r>
+              <a:rPr lang="en-US" dirty="0" err="1"/>
+              <a:t>disimpan</a:t>
+            </a:r>
+            <a:r>
+              <a:rPr lang="en-US" dirty="0"/>
+              <a:t> </a:t>
+            </a:r>
+            <a:r>
+              <a:rPr lang="en-US" dirty="0" err="1"/>
+              <a:t>pada</a:t>
+            </a:r>
+            <a:r>
+              <a:rPr lang="en-US" dirty="0"/>
+              <a:t> file text </a:t>
+            </a:r>
+            <a:r>
+              <a:rPr lang="en-US" b="1" dirty="0" err="1"/>
+              <a:t>serverx.cfg</a:t>
+            </a:r>
+            <a:r>
+              <a:rPr lang="en-US" dirty="0"/>
+              <a:t>.</a:t>
+            </a:r>
+          </a:p>
+          <a:p>
+            <a:r>
+              <a:rPr lang="en-US" dirty="0"/>
+              <a:t>File </a:t>
+            </a:r>
+            <a:r>
+              <a:rPr lang="en-US" b="1" dirty="0" err="1"/>
+              <a:t>severx.cfg</a:t>
+            </a:r>
+            <a:r>
+              <a:rPr lang="en-US" dirty="0"/>
+              <a:t> </a:t>
+            </a:r>
+            <a:r>
+              <a:rPr lang="en-US" dirty="0" err="1"/>
+              <a:t>merupakan</a:t>
+            </a:r>
+            <a:r>
+              <a:rPr lang="en-US" dirty="0"/>
+              <a:t> parameter </a:t>
+            </a:r>
+            <a:r>
+              <a:rPr lang="en-US" dirty="0" err="1"/>
+              <a:t>pemanggilan</a:t>
+            </a:r>
+            <a:r>
+              <a:rPr lang="en-US" dirty="0"/>
+              <a:t> </a:t>
+            </a:r>
+            <a:r>
+              <a:rPr lang="en-US" dirty="0" err="1"/>
+              <a:t>dari</a:t>
+            </a:r>
+            <a:r>
+              <a:rPr lang="en-US" dirty="0"/>
+              <a:t> </a:t>
+            </a:r>
+            <a:r>
+              <a:rPr lang="en-US" dirty="0" err="1"/>
+              <a:t>aplikasi</a:t>
+            </a:r>
+            <a:r>
+              <a:rPr lang="en-US" dirty="0"/>
+              <a:t> </a:t>
+            </a:r>
+            <a:r>
+              <a:rPr lang="en-US" dirty="0" smtClean="0"/>
+              <a:t>server.</a:t>
+            </a:r>
+            <a:br>
+              <a:rPr lang="en-US" dirty="0" smtClean="0"/>
+            </a:br>
+            <a:r>
+              <a:rPr lang="en-US" dirty="0" err="1" smtClean="0"/>
+              <a:t>Misalnya</a:t>
+            </a:r>
+            <a:r>
+              <a:rPr lang="en-US" dirty="0"/>
+              <a:t>: </a:t>
+            </a:r>
+            <a:r>
+              <a:rPr lang="en-US" dirty="0" smtClean="0">
+                <a:latin typeface="Courier New" panose="02070309020205020404" pitchFamily="49" charset="0"/>
+                <a:cs typeface="Courier New" panose="02070309020205020404" pitchFamily="49" charset="0"/>
+              </a:rPr>
+              <a:t>node server.js </a:t>
+            </a:r>
+            <a:r>
+              <a:rPr lang="en-US" dirty="0" err="1" smtClean="0">
+                <a:latin typeface="Courier New" panose="02070309020205020404" pitchFamily="49" charset="0"/>
+                <a:cs typeface="Courier New" panose="02070309020205020404" pitchFamily="49" charset="0"/>
+              </a:rPr>
+              <a:t>serverx.cfg</a:t>
+            </a:r>
+            <a:endParaRPr lang="en-US" dirty="0">
+              <a:latin typeface="Courier New" panose="02070309020205020404" pitchFamily="49" charset="0"/>
+              <a:cs typeface="Courier New" panose="02070309020205020404" pitchFamily="49" charset="0"/>
+            </a:endParaRPr>
+          </a:p>
+          <a:p>
+            <a:r>
+              <a:rPr lang="en-US" dirty="0" err="1"/>
+              <a:t>Semua</a:t>
+            </a:r>
+            <a:r>
+              <a:rPr lang="en-US" dirty="0"/>
+              <a:t> client </a:t>
+            </a:r>
+            <a:r>
+              <a:rPr lang="en-US" dirty="0" err="1"/>
+              <a:t>maupun</a:t>
+            </a:r>
+            <a:r>
+              <a:rPr lang="en-US" dirty="0"/>
+              <a:t> server lain </a:t>
+            </a:r>
+            <a:r>
+              <a:rPr lang="en-US" dirty="0" err="1"/>
+              <a:t>dilayani</a:t>
+            </a:r>
+            <a:r>
+              <a:rPr lang="en-US" dirty="0"/>
+              <a:t> </a:t>
+            </a:r>
+            <a:r>
+              <a:rPr lang="en-US" dirty="0" err="1"/>
+              <a:t>melalui</a:t>
+            </a:r>
+            <a:r>
+              <a:rPr lang="en-US" dirty="0"/>
+              <a:t> port yang </a:t>
+            </a:r>
+            <a:r>
+              <a:rPr lang="en-US" dirty="0" err="1"/>
+              <a:t>sama</a:t>
+            </a:r>
+            <a:r>
+              <a:rPr lang="en-US" dirty="0" smtClean="0"/>
+              <a:t>.</a:t>
+            </a:r>
+          </a:p>
+        </p:txBody>
+      </p:sp>
+    </p:spTree>
+    <p:extLst>
+      <p:ext uri="{BB962C8B-B14F-4D97-AF65-F5344CB8AC3E}">
+        <p14:creationId xmlns:p14="http://schemas.microsoft.com/office/powerpoint/2010/main" val="3082608122"/>
+      </p:ext>
+    </p:extLst>
+  </p:cSld>
+  <p:clrMapOvr>
+    <a:masterClrMapping/>
+  </p:clrMapOvr>
+  <mc:AlternateContent xmlns:mc="http://schemas.openxmlformats.org/markup-compatibility/2006" xmlns:p14="http://schemas.microsoft.com/office/powerpoint/2010/main">
+    <mc:Choice Requires="p14">
+      <p:transition p14:dur="0"/>
+    </mc:Choice>
+    <mc:Fallback xmlns="">
+      <p:transition/>
+    </mc:Fallback>
+  </mc:AlternateContent>
+  <p:timing>
+    <p:tnLst>
+      <p:par>
+        <p:cTn id="1" dur="indefinite" restart="never" nodeType="tmRoot"/>
+      </p:par>
+    </p:tnLst>
+  </p:timing>
+</p:sld>
+</file>
+
+<file path=ppt/slides/slide40.xml><?xml version="1.0" encoding="utf-8"?>
 <p:sld xmlns:a="http://schemas.openxmlformats.org/drawingml/2006/main" xmlns:r="http://schemas.openxmlformats.org/officeDocument/2006/relationships" xmlns:p="http://schemas.openxmlformats.org/presentationml/2006/main">
   <p:cSld>
     <p:spTree>
@@ -18916,11 +19415,11 @@
   <p:clrMapOvr>
     <a:masterClrMapping/>
   </p:clrMapOvr>
-  <mc:AlternateContent xmlns:mc="http://schemas.openxmlformats.org/markup-compatibility/2006">
-    <mc:Choice xmlns:p14="http://schemas.microsoft.com/office/powerpoint/2010/main" Requires="p14">
+  <mc:AlternateContent xmlns:mc="http://schemas.openxmlformats.org/markup-compatibility/2006" xmlns:p14="http://schemas.microsoft.com/office/powerpoint/2010/main">
+    <mc:Choice Requires="p14">
       <p:transition p14:dur="0"/>
     </mc:Choice>
-    <mc:Fallback>
+    <mc:Fallback xmlns="">
       <p:transition/>
     </mc:Fallback>
   </mc:AlternateContent>
@@ -18934,338 +19433,7 @@
 </p:sld>
 </file>
 
-<file path=ppt/slides/slide4.xml><?xml version="1.0" encoding="utf-8"?>
-<p:sld xmlns:a="http://schemas.openxmlformats.org/drawingml/2006/main" xmlns:r="http://schemas.openxmlformats.org/officeDocument/2006/relationships" xmlns:p="http://schemas.openxmlformats.org/presentationml/2006/main">
-  <p:cSld>
-    <p:spTree>
-      <p:nvGrpSpPr>
-        <p:cNvPr id="1" name=""/>
-        <p:cNvGrpSpPr/>
-        <p:nvPr/>
-      </p:nvGrpSpPr>
-      <p:grpSpPr>
-        <a:xfrm>
-          <a:off x="0" y="0"/>
-          <a:ext cx="0" cy="0"/>
-          <a:chOff x="0" y="0"/>
-          <a:chExt cx="0" cy="0"/>
-        </a:xfrm>
-      </p:grpSpPr>
-      <p:sp>
-        <p:nvSpPr>
-          <p:cNvPr id="3" name="Title 2"/>
-          <p:cNvSpPr>
-            <a:spLocks noGrp="1"/>
-          </p:cNvSpPr>
-          <p:nvPr>
-            <p:ph type="title"/>
-          </p:nvPr>
-        </p:nvSpPr>
-        <p:spPr/>
-        <p:txBody>
-          <a:bodyPr/>
-          <a:lstStyle/>
-          <a:p>
-            <a:r>
-              <a:rPr lang="en-US" b="1" dirty="0" err="1"/>
-              <a:t>Ketentuan</a:t>
-            </a:r>
-            <a:r>
-              <a:rPr lang="en-US" b="1" dirty="0"/>
-              <a:t> Server</a:t>
-            </a:r>
-          </a:p>
-        </p:txBody>
-      </p:sp>
-      <p:sp>
-        <p:nvSpPr>
-          <p:cNvPr id="4" name="Content Placeholder 3"/>
-          <p:cNvSpPr>
-            <a:spLocks noGrp="1"/>
-          </p:cNvSpPr>
-          <p:nvPr>
-            <p:ph idx="1"/>
-          </p:nvPr>
-        </p:nvSpPr>
-        <p:spPr/>
-        <p:txBody>
-          <a:bodyPr>
-            <a:normAutofit lnSpcReduction="10000"/>
-          </a:bodyPr>
-          <a:lstStyle/>
-          <a:p>
-            <a:r>
-              <a:rPr lang="en-US" dirty="0" err="1"/>
-              <a:t>Semua</a:t>
-            </a:r>
-            <a:r>
-              <a:rPr lang="en-US" dirty="0"/>
-              <a:t> server </a:t>
-            </a:r>
-            <a:r>
-              <a:rPr lang="en-US" dirty="0" err="1"/>
-              <a:t>sama</a:t>
-            </a:r>
-            <a:r>
-              <a:rPr lang="en-US" dirty="0"/>
-              <a:t>.</a:t>
-            </a:r>
-          </a:p>
-          <a:p>
-            <a:r>
-              <a:rPr lang="en-US" dirty="0" err="1"/>
-              <a:t>Dapat</a:t>
-            </a:r>
-            <a:r>
-              <a:rPr lang="en-US" dirty="0"/>
-              <a:t> </a:t>
-            </a:r>
-            <a:r>
-              <a:rPr lang="en-US" dirty="0" err="1"/>
-              <a:t>dikonfigurasi</a:t>
-            </a:r>
-            <a:r>
-              <a:rPr lang="en-US" dirty="0"/>
-              <a:t> </a:t>
-            </a:r>
-            <a:r>
-              <a:rPr lang="en-US" dirty="0" err="1"/>
-              <a:t>untuk</a:t>
-            </a:r>
-            <a:r>
-              <a:rPr lang="en-US" dirty="0"/>
-              <a:t>:</a:t>
-            </a:r>
-          </a:p>
-          <a:p>
-            <a:pPr lvl="1"/>
-            <a:r>
-              <a:rPr lang="en-US" dirty="0" err="1"/>
-              <a:t>Mendengarkan</a:t>
-            </a:r>
-            <a:r>
-              <a:rPr lang="en-US" dirty="0"/>
-              <a:t> di </a:t>
-            </a:r>
-            <a:r>
-              <a:rPr lang="en-US" dirty="0" err="1"/>
-              <a:t>satu</a:t>
-            </a:r>
-            <a:r>
-              <a:rPr lang="en-US" dirty="0"/>
-              <a:t> port </a:t>
-            </a:r>
-            <a:r>
-              <a:rPr lang="en-US" dirty="0" err="1"/>
-              <a:t>tertentu</a:t>
-            </a:r>
-            <a:endParaRPr lang="en-US" dirty="0"/>
-          </a:p>
-          <a:p>
-            <a:pPr lvl="1"/>
-            <a:r>
-              <a:rPr lang="en-US" dirty="0" err="1"/>
-              <a:t>Mendaftar</a:t>
-            </a:r>
-            <a:r>
-              <a:rPr lang="en-US" dirty="0"/>
-              <a:t> </a:t>
-            </a:r>
-            <a:r>
-              <a:rPr lang="en-US" dirty="0" err="1"/>
-              <a:t>semua</a:t>
-            </a:r>
-            <a:r>
-              <a:rPr lang="en-US" dirty="0"/>
-              <a:t> server lain</a:t>
-            </a:r>
-          </a:p>
-          <a:p>
-            <a:r>
-              <a:rPr lang="en-US" dirty="0" err="1"/>
-              <a:t>Konfigurasi</a:t>
-            </a:r>
-            <a:r>
-              <a:rPr lang="en-US" dirty="0"/>
-              <a:t> </a:t>
-            </a:r>
-            <a:r>
-              <a:rPr lang="en-US" dirty="0" err="1"/>
-              <a:t>disimpan</a:t>
-            </a:r>
-            <a:r>
-              <a:rPr lang="en-US" dirty="0"/>
-              <a:t> </a:t>
-            </a:r>
-            <a:r>
-              <a:rPr lang="en-US" dirty="0" err="1"/>
-              <a:t>pada</a:t>
-            </a:r>
-            <a:r>
-              <a:rPr lang="en-US" dirty="0"/>
-              <a:t> file text </a:t>
-            </a:r>
-            <a:r>
-              <a:rPr lang="en-US" b="1" dirty="0" err="1"/>
-              <a:t>serverx.cfg</a:t>
-            </a:r>
-            <a:r>
-              <a:rPr lang="en-US" dirty="0"/>
-              <a:t>.</a:t>
-            </a:r>
-          </a:p>
-          <a:p>
-            <a:r>
-              <a:rPr lang="en-US" dirty="0"/>
-              <a:t>File </a:t>
-            </a:r>
-            <a:r>
-              <a:rPr lang="en-US" b="1" dirty="0" err="1"/>
-              <a:t>severx.cfg</a:t>
-            </a:r>
-            <a:r>
-              <a:rPr lang="en-US" dirty="0"/>
-              <a:t> </a:t>
-            </a:r>
-            <a:r>
-              <a:rPr lang="en-US" dirty="0" err="1"/>
-              <a:t>merupakan</a:t>
-            </a:r>
-            <a:r>
-              <a:rPr lang="en-US" dirty="0"/>
-              <a:t> parameter </a:t>
-            </a:r>
-            <a:r>
-              <a:rPr lang="en-US" dirty="0" err="1"/>
-              <a:t>pemanggilan</a:t>
-            </a:r>
-            <a:r>
-              <a:rPr lang="en-US" dirty="0"/>
-              <a:t> </a:t>
-            </a:r>
-            <a:r>
-              <a:rPr lang="en-US" dirty="0" err="1"/>
-              <a:t>dari</a:t>
-            </a:r>
-            <a:r>
-              <a:rPr lang="en-US" dirty="0"/>
-              <a:t> </a:t>
-            </a:r>
-            <a:r>
-              <a:rPr lang="en-US" dirty="0" err="1"/>
-              <a:t>aplikasi</a:t>
-            </a:r>
-            <a:r>
-              <a:rPr lang="en-US" dirty="0"/>
-              <a:t> </a:t>
-            </a:r>
-            <a:r>
-              <a:rPr lang="en-US" dirty="0" smtClean="0"/>
-              <a:t>server.</a:t>
-            </a:r>
-            <a:br>
-              <a:rPr lang="en-US" dirty="0" smtClean="0"/>
-            </a:br>
-            <a:r>
-              <a:rPr lang="en-US" dirty="0" err="1" smtClean="0"/>
-              <a:t>Misalnya</a:t>
-            </a:r>
-            <a:r>
-              <a:rPr lang="en-US" dirty="0"/>
-              <a:t>: </a:t>
-            </a:r>
-            <a:r>
-              <a:rPr lang="en-US" dirty="0" smtClean="0">
-                <a:latin typeface="Courier New" panose="02070309020205020404" pitchFamily="49" charset="0"/>
-                <a:cs typeface="Courier New" panose="02070309020205020404" pitchFamily="49" charset="0"/>
-              </a:rPr>
-              <a:t>node server.js </a:t>
-            </a:r>
-            <a:r>
-              <a:rPr lang="en-US" dirty="0" err="1" smtClean="0">
-                <a:latin typeface="Courier New" panose="02070309020205020404" pitchFamily="49" charset="0"/>
-                <a:cs typeface="Courier New" panose="02070309020205020404" pitchFamily="49" charset="0"/>
-              </a:rPr>
-              <a:t>serverx.cfg</a:t>
-            </a:r>
-            <a:endParaRPr lang="en-US" dirty="0">
-              <a:latin typeface="Courier New" panose="02070309020205020404" pitchFamily="49" charset="0"/>
-              <a:cs typeface="Courier New" panose="02070309020205020404" pitchFamily="49" charset="0"/>
-            </a:endParaRPr>
-          </a:p>
-          <a:p>
-            <a:r>
-              <a:rPr lang="en-US" dirty="0" err="1"/>
-              <a:t>Semua</a:t>
-            </a:r>
-            <a:r>
-              <a:rPr lang="en-US" dirty="0"/>
-              <a:t> client </a:t>
-            </a:r>
-            <a:r>
-              <a:rPr lang="en-US" dirty="0" err="1"/>
-              <a:t>maupun</a:t>
-            </a:r>
-            <a:r>
-              <a:rPr lang="en-US" dirty="0"/>
-              <a:t> server lain </a:t>
-            </a:r>
-            <a:r>
-              <a:rPr lang="en-US" dirty="0" err="1"/>
-              <a:t>dilayani</a:t>
-            </a:r>
-            <a:r>
-              <a:rPr lang="en-US" dirty="0"/>
-              <a:t> </a:t>
-            </a:r>
-            <a:r>
-              <a:rPr lang="en-US" dirty="0" err="1"/>
-              <a:t>melalui</a:t>
-            </a:r>
-            <a:r>
-              <a:rPr lang="en-US" dirty="0"/>
-              <a:t> port yang </a:t>
-            </a:r>
-            <a:r>
-              <a:rPr lang="en-US" dirty="0" err="1"/>
-              <a:t>sama</a:t>
-            </a:r>
-            <a:r>
-              <a:rPr lang="en-US" dirty="0" smtClean="0"/>
-              <a:t>.</a:t>
-            </a:r>
-          </a:p>
-        </p:txBody>
-      </p:sp>
-    </p:spTree>
-    <p:extLst>
-      <p:ext uri="{BB962C8B-B14F-4D97-AF65-F5344CB8AC3E}">
-        <p14:creationId xmlns:p14="http://schemas.microsoft.com/office/powerpoint/2010/main" val="3082608122"/>
-      </p:ext>
-    </p:extLst>
-  </p:cSld>
-  <p:clrMapOvr>
-    <a:masterClrMapping/>
-  </p:clrMapOvr>
-  <mc:AlternateContent xmlns:mc="http://schemas.openxmlformats.org/markup-compatibility/2006">
-    <mc:Choice xmlns:p14="http://schemas.microsoft.com/office/powerpoint/2010/main" Requires="p14">
-      <p:transition p14:dur="0"/>
-    </mc:Choice>
-    <mc:Fallback>
-      <p:transition/>
-    </mc:Fallback>
-  </mc:AlternateContent>
-  <p:timing>
-    <p:tnLst>
-      <p:par>
-        <p:cTn id="1" dur="indefinite" restart="never" nodeType="tmRoot"/>
-      </p:par>
-    </p:tnLst>
-  </p:timing>
-</p:sld>
-</file>
-
-<file path=ppt/slides/slide40.xml><?xml version="1.0" encoding="utf-8"?>
+<file path=ppt/slides/slide41.xml><?xml version="1.0" encoding="utf-8"?>
 <p:sld xmlns:a="http://schemas.openxmlformats.org/drawingml/2006/main" xmlns:r="http://schemas.openxmlformats.org/officeDocument/2006/relationships" xmlns:p="http://schemas.openxmlformats.org/presentationml/2006/main">
   <p:cSld>
     <p:spTree>
@@ -19334,11 +19502,11 @@
   <p:clrMapOvr>
     <a:masterClrMapping/>
   </p:clrMapOvr>
-  <mc:AlternateContent xmlns:mc="http://schemas.openxmlformats.org/markup-compatibility/2006">
-    <mc:Choice xmlns:p14="http://schemas.microsoft.com/office/powerpoint/2010/main" Requires="p14">
+  <mc:AlternateContent xmlns:mc="http://schemas.openxmlformats.org/markup-compatibility/2006" xmlns:p14="http://schemas.microsoft.com/office/powerpoint/2010/main">
+    <mc:Choice Requires="p14">
       <p:transition p14:dur="0"/>
     </mc:Choice>
-    <mc:Fallback>
+    <mc:Fallback xmlns="">
       <p:transition/>
     </mc:Fallback>
   </mc:AlternateContent>
@@ -19352,7 +19520,7 @@
 </p:sld>
 </file>
 
-<file path=ppt/slides/slide41.xml><?xml version="1.0" encoding="utf-8"?>
+<file path=ppt/slides/slide42.xml><?xml version="1.0" encoding="utf-8"?>
 <p:sld xmlns:a="http://schemas.openxmlformats.org/drawingml/2006/main" xmlns:r="http://schemas.openxmlformats.org/officeDocument/2006/relationships" xmlns:p="http://schemas.openxmlformats.org/presentationml/2006/main">
   <p:cSld>
     <p:spTree>
@@ -19535,247 +19703,11 @@
   <p:clrMapOvr>
     <a:masterClrMapping/>
   </p:clrMapOvr>
-  <mc:AlternateContent xmlns:mc="http://schemas.openxmlformats.org/markup-compatibility/2006">
-    <mc:Choice xmlns:p14="http://schemas.microsoft.com/office/powerpoint/2010/main" Requires="p14">
+  <mc:AlternateContent xmlns:mc="http://schemas.openxmlformats.org/markup-compatibility/2006" xmlns:p14="http://schemas.microsoft.com/office/powerpoint/2010/main">
+    <mc:Choice Requires="p14">
       <p:transition p14:dur="0"/>
     </mc:Choice>
-    <mc:Fallback>
-      <p:transition/>
-    </mc:Fallback>
-  </mc:AlternateContent>
-  <p:timing>
-    <p:tnLst>
-      <p:par>
-        <p:cTn id="1" dur="indefinite" restart="never" nodeType="tmRoot"/>
-      </p:par>
-    </p:tnLst>
-  </p:timing>
-</p:sld>
-</file>
-
-<file path=ppt/slides/slide42.xml><?xml version="1.0" encoding="utf-8"?>
-<p:sld xmlns:a="http://schemas.openxmlformats.org/drawingml/2006/main" xmlns:r="http://schemas.openxmlformats.org/officeDocument/2006/relationships" xmlns:p="http://schemas.openxmlformats.org/presentationml/2006/main">
-  <p:cSld>
-    <p:spTree>
-      <p:nvGrpSpPr>
-        <p:cNvPr id="1" name=""/>
-        <p:cNvGrpSpPr/>
-        <p:nvPr/>
-      </p:nvGrpSpPr>
-      <p:grpSpPr>
-        <a:xfrm>
-          <a:off x="0" y="0"/>
-          <a:ext cx="0" cy="0"/>
-          <a:chOff x="0" y="0"/>
-          <a:chExt cx="0" cy="0"/>
-        </a:xfrm>
-      </p:grpSpPr>
-      <p:sp>
-        <p:nvSpPr>
-          <p:cNvPr id="2" name="Title 1"/>
-          <p:cNvSpPr>
-            <a:spLocks noGrp="1"/>
-          </p:cNvSpPr>
-          <p:nvPr>
-            <p:ph type="title"/>
-          </p:nvPr>
-        </p:nvSpPr>
-        <p:spPr/>
-        <p:txBody>
-          <a:bodyPr/>
-          <a:lstStyle/>
-          <a:p>
-            <a:r>
-              <a:rPr lang="en-US" b="1" dirty="0" err="1" smtClean="0"/>
-              <a:t>Kelebihan</a:t>
-            </a:r>
-            <a:r>
-              <a:rPr lang="en-US" b="1" dirty="0" smtClean="0"/>
-              <a:t> Event-loop</a:t>
-            </a:r>
-            <a:endParaRPr lang="en-US" b="1" dirty="0"/>
-          </a:p>
-        </p:txBody>
-      </p:sp>
-      <p:sp>
-        <p:nvSpPr>
-          <p:cNvPr id="3" name="Content Placeholder 2"/>
-          <p:cNvSpPr>
-            <a:spLocks noGrp="1"/>
-          </p:cNvSpPr>
-          <p:nvPr>
-            <p:ph idx="1"/>
-          </p:nvPr>
-        </p:nvSpPr>
-        <p:spPr/>
-        <p:txBody>
-          <a:bodyPr>
-            <a:normAutofit/>
-          </a:bodyPr>
-          <a:lstStyle/>
-          <a:p>
-            <a:pPr>
-              <a:lnSpc>
-                <a:spcPct val="120000"/>
-              </a:lnSpc>
-            </a:pPr>
-            <a:r>
-              <a:rPr lang="en-US" dirty="0" err="1" smtClean="0"/>
-              <a:t>Memaksimalkan</a:t>
-            </a:r>
-            <a:r>
-              <a:rPr lang="en-US" dirty="0" smtClean="0"/>
-              <a:t> </a:t>
-            </a:r>
-            <a:r>
-              <a:rPr lang="en-US" dirty="0"/>
-              <a:t>throughput </a:t>
-            </a:r>
-            <a:r>
-              <a:rPr lang="en-US" dirty="0" err="1"/>
-              <a:t>untuk</a:t>
-            </a:r>
-            <a:r>
-              <a:rPr lang="en-US" dirty="0"/>
-              <a:t> proses yang </a:t>
-            </a:r>
-            <a:r>
-              <a:rPr lang="en-US" dirty="0" err="1" smtClean="0"/>
-              <a:t>dihandle</a:t>
-            </a:r>
-            <a:r>
-              <a:rPr lang="en-US" dirty="0" smtClean="0"/>
-              <a:t> </a:t>
-            </a:r>
-            <a:r>
-              <a:rPr lang="en-US" dirty="0" err="1" smtClean="0"/>
-              <a:t>oleh</a:t>
-            </a:r>
-            <a:r>
-              <a:rPr lang="en-US" dirty="0" smtClean="0"/>
-              <a:t> </a:t>
-            </a:r>
-            <a:r>
-              <a:rPr lang="en-US" dirty="0" err="1" smtClean="0"/>
-              <a:t>satu</a:t>
-            </a:r>
-            <a:r>
-              <a:rPr lang="en-US" dirty="0" smtClean="0"/>
-              <a:t> thread (</a:t>
-            </a:r>
-            <a:r>
-              <a:rPr lang="en-US" dirty="0" err="1" smtClean="0"/>
-              <a:t>sifatnya</a:t>
-            </a:r>
-            <a:r>
-              <a:rPr lang="en-US" dirty="0" smtClean="0"/>
-              <a:t> yang </a:t>
-            </a:r>
-            <a:r>
-              <a:rPr lang="en-US" dirty="0" err="1" smtClean="0"/>
-              <a:t>nonblocking</a:t>
-            </a:r>
-            <a:r>
-              <a:rPr lang="en-US" dirty="0" smtClean="0"/>
-              <a:t>).</a:t>
-            </a:r>
-          </a:p>
-          <a:p>
-            <a:pPr>
-              <a:lnSpc>
-                <a:spcPct val="120000"/>
-              </a:lnSpc>
-            </a:pPr>
-            <a:r>
-              <a:rPr lang="en-US" dirty="0" err="1" smtClean="0"/>
-              <a:t>Tidak</a:t>
-            </a:r>
-            <a:r>
-              <a:rPr lang="en-US" dirty="0" smtClean="0"/>
-              <a:t> </a:t>
-            </a:r>
-            <a:r>
-              <a:rPr lang="en-US" dirty="0" err="1" smtClean="0"/>
-              <a:t>perlu</a:t>
-            </a:r>
-            <a:r>
-              <a:rPr lang="en-US" dirty="0" smtClean="0"/>
-              <a:t> </a:t>
-            </a:r>
-            <a:r>
-              <a:rPr lang="en-US" dirty="0" err="1" smtClean="0"/>
-              <a:t>memikirkan</a:t>
-            </a:r>
-            <a:r>
-              <a:rPr lang="en-US" dirty="0" smtClean="0"/>
-              <a:t> deadlock </a:t>
-            </a:r>
-            <a:r>
-              <a:rPr lang="en-US" dirty="0" err="1" smtClean="0"/>
-              <a:t>antar</a:t>
-            </a:r>
-            <a:r>
-              <a:rPr lang="en-US" dirty="0" smtClean="0"/>
-              <a:t> thread </a:t>
-            </a:r>
-            <a:r>
-              <a:rPr lang="en-US" dirty="0" err="1" smtClean="0"/>
-              <a:t>maupun</a:t>
-            </a:r>
-            <a:r>
-              <a:rPr lang="en-US" dirty="0" smtClean="0"/>
-              <a:t> race-condition.</a:t>
-            </a:r>
-          </a:p>
-          <a:p>
-            <a:pPr>
-              <a:lnSpc>
-                <a:spcPct val="120000"/>
-              </a:lnSpc>
-            </a:pPr>
-            <a:r>
-              <a:rPr lang="en-US" dirty="0" err="1" smtClean="0"/>
-              <a:t>Setiap</a:t>
-            </a:r>
-            <a:r>
-              <a:rPr lang="en-US" dirty="0" smtClean="0"/>
-              <a:t> callback </a:t>
-            </a:r>
-            <a:r>
-              <a:rPr lang="en-US" dirty="0" err="1" smtClean="0"/>
-              <a:t>bersifat</a:t>
-            </a:r>
-            <a:r>
-              <a:rPr lang="en-US" dirty="0" smtClean="0"/>
-              <a:t> </a:t>
-            </a:r>
-            <a:r>
-              <a:rPr lang="en-US" dirty="0" err="1" smtClean="0"/>
-              <a:t>atomik</a:t>
-            </a:r>
-            <a:r>
-              <a:rPr lang="en-US" dirty="0" smtClean="0"/>
-              <a:t>.</a:t>
-            </a:r>
-            <a:endParaRPr lang="en-US" dirty="0"/>
-          </a:p>
-        </p:txBody>
-      </p:sp>
-    </p:spTree>
-    <p:extLst>
-      <p:ext uri="{BB962C8B-B14F-4D97-AF65-F5344CB8AC3E}">
-        <p14:creationId xmlns:p14="http://schemas.microsoft.com/office/powerpoint/2010/main" val="1689559118"/>
-      </p:ext>
-    </p:extLst>
-  </p:cSld>
-  <p:clrMapOvr>
-    <a:masterClrMapping/>
-  </p:clrMapOvr>
-  <mc:AlternateContent xmlns:mc="http://schemas.openxmlformats.org/markup-compatibility/2006">
-    <mc:Choice xmlns:p14="http://schemas.microsoft.com/office/powerpoint/2010/main" Requires="p14">
-      <p:transition p14:dur="0"/>
-    </mc:Choice>
-    <mc:Fallback>
+    <mc:Fallback xmlns="">
       <p:transition/>
     </mc:Fallback>
   </mc:AlternateContent>
@@ -19823,7 +19755,7 @@
           <a:p>
             <a:r>
               <a:rPr lang="en-US" b="1" dirty="0" err="1" smtClean="0"/>
-              <a:t>Kelemahan</a:t>
+              <a:t>Kelebihan</a:t>
             </a:r>
             <a:r>
               <a:rPr lang="en-US" b="1" dirty="0" smtClean="0"/>
@@ -19857,71 +19789,63 @@
             </a:pPr>
             <a:r>
               <a:rPr lang="en-US" dirty="0" err="1" smtClean="0"/>
-              <a:t>Jika</a:t>
-            </a:r>
-            <a:r>
-              <a:rPr lang="en-US" dirty="0" smtClean="0"/>
-              <a:t> </a:t>
+              <a:t>Memaksimalkan</a:t>
+            </a:r>
+            <a:r>
+              <a:rPr lang="en-US" dirty="0" smtClean="0"/>
+              <a:t> </a:t>
+            </a:r>
+            <a:r>
+              <a:rPr lang="en-US" dirty="0"/>
+              <a:t>throughput </a:t>
             </a:r>
             <a:r>
               <a:rPr lang="en-US" dirty="0" err="1"/>
-              <a:t>ada</a:t>
+              <a:t>untuk</a:t>
             </a:r>
             <a:r>
               <a:rPr lang="en-US" dirty="0"/>
-              <a:t> callback / </a:t>
-            </a:r>
-            <a:r>
-              <a:rPr lang="en-US" dirty="0" err="1"/>
-              <a:t>kode</a:t>
-            </a:r>
-            <a:r>
-              <a:rPr lang="en-US" dirty="0"/>
-              <a:t> </a:t>
-            </a:r>
-            <a:r>
-              <a:rPr lang="en-US" dirty="0" err="1"/>
-              <a:t>apapun</a:t>
-            </a:r>
-            <a:r>
-              <a:rPr lang="en-US" dirty="0"/>
+              <a:t> proses yang </a:t>
+            </a:r>
+            <a:r>
+              <a:rPr lang="en-US" dirty="0" err="1" smtClean="0"/>
+              <a:t>dihandle</a:t>
+            </a:r>
+            <a:r>
+              <a:rPr lang="en-US" dirty="0" smtClean="0"/>
+              <a:t> </a:t>
+            </a:r>
+            <a:r>
+              <a:rPr lang="en-US" dirty="0" err="1" smtClean="0"/>
+              <a:t>oleh</a:t>
+            </a:r>
+            <a:r>
+              <a:rPr lang="en-US" dirty="0" smtClean="0"/>
+              <a:t> </a:t>
+            </a:r>
+            <a:r>
+              <a:rPr lang="en-US" dirty="0" err="1" smtClean="0"/>
+              <a:t>satu</a:t>
+            </a:r>
+            <a:r>
+              <a:rPr lang="en-US" dirty="0" smtClean="0"/>
+              <a:t> thread (</a:t>
+            </a:r>
+            <a:r>
+              <a:rPr lang="en-US" dirty="0" err="1" smtClean="0"/>
+              <a:t>sifatnya</a:t>
+            </a:r>
+            <a:r>
+              <a:rPr lang="en-US" dirty="0" smtClean="0"/>
               <a:t> yang </a:t>
             </a:r>
             <a:r>
-              <a:rPr lang="en-US" dirty="0" err="1"/>
-              <a:t>melakukan</a:t>
-            </a:r>
-            <a:r>
-              <a:rPr lang="en-US" dirty="0"/>
-              <a:t> blocking, </a:t>
-            </a:r>
-            <a:r>
-              <a:rPr lang="en-US" dirty="0" err="1"/>
-              <a:t>seluruh</a:t>
-            </a:r>
-            <a:r>
-              <a:rPr lang="en-US" dirty="0"/>
-              <a:t> event-loop </a:t>
-            </a:r>
-            <a:r>
-              <a:rPr lang="en-US" dirty="0" err="1"/>
-              <a:t>akan</a:t>
-            </a:r>
-            <a:r>
-              <a:rPr lang="en-US" dirty="0"/>
-              <a:t> </a:t>
-            </a:r>
-            <a:r>
-              <a:rPr lang="en-US" dirty="0" err="1"/>
-              <a:t>ter</a:t>
-            </a:r>
-            <a:r>
-              <a:rPr lang="en-US" dirty="0"/>
-              <a:t>-block</a:t>
-            </a:r>
-            <a:r>
-              <a:rPr lang="en-US" dirty="0" smtClean="0"/>
-              <a:t>.</a:t>
+              <a:rPr lang="en-US" dirty="0" err="1" smtClean="0"/>
+              <a:t>nonblocking</a:t>
+            </a:r>
+            <a:r>
+              <a:rPr lang="en-US" dirty="0" smtClean="0"/>
+              <a:t>).</a:t>
             </a:r>
           </a:p>
           <a:p>
@@ -19932,94 +19856,94 @@
             </a:pPr>
             <a:r>
               <a:rPr lang="en-US" dirty="0" err="1" smtClean="0"/>
-              <a:t>Semakin</a:t>
-            </a:r>
-            <a:r>
-              <a:rPr lang="en-US" dirty="0" smtClean="0"/>
-              <a:t> </a:t>
-            </a:r>
-            <a:r>
-              <a:rPr lang="en-US" dirty="0" err="1" smtClean="0"/>
-              <a:t>banyak</a:t>
-            </a:r>
-            <a:r>
-              <a:rPr lang="en-US" dirty="0" smtClean="0"/>
-              <a:t> </a:t>
-            </a:r>
-            <a:r>
-              <a:rPr lang="en-US" dirty="0" err="1" smtClean="0"/>
-              <a:t>baris</a:t>
-            </a:r>
-            <a:r>
-              <a:rPr lang="en-US" dirty="0" smtClean="0"/>
-              <a:t> </a:t>
-            </a:r>
-            <a:r>
-              <a:rPr lang="en-US" dirty="0" err="1" smtClean="0"/>
-              <a:t>kode</a:t>
-            </a:r>
-            <a:r>
-              <a:rPr lang="en-US" dirty="0" smtClean="0"/>
-              <a:t> program yang </a:t>
-            </a:r>
-            <a:r>
-              <a:rPr lang="en-US" dirty="0" err="1" smtClean="0"/>
-              <a:t>harus</a:t>
-            </a:r>
-            <a:r>
-              <a:rPr lang="en-US" dirty="0" smtClean="0"/>
-              <a:t> </a:t>
-            </a:r>
-            <a:r>
-              <a:rPr lang="en-US" dirty="0" err="1" smtClean="0"/>
-              <a:t>dieksekusi</a:t>
-            </a:r>
-            <a:r>
-              <a:rPr lang="en-US" dirty="0" smtClean="0"/>
-              <a:t> per “tick”, </a:t>
-            </a:r>
-            <a:r>
-              <a:rPr lang="en-US" dirty="0" err="1" smtClean="0"/>
-              <a:t>semakin</a:t>
-            </a:r>
-            <a:r>
-              <a:rPr lang="en-US" dirty="0" smtClean="0"/>
-              <a:t> </a:t>
-            </a:r>
-            <a:r>
-              <a:rPr lang="en-US" dirty="0" err="1" smtClean="0"/>
-              <a:t>lambat</a:t>
-            </a:r>
-            <a:r>
-              <a:rPr lang="en-US" dirty="0" smtClean="0"/>
-              <a:t> event-loop </a:t>
-            </a:r>
-            <a:r>
-              <a:rPr lang="en-US" dirty="0" err="1" smtClean="0"/>
-              <a:t>berjalan</a:t>
+              <a:t>Tidak</a:t>
+            </a:r>
+            <a:r>
+              <a:rPr lang="en-US" dirty="0" smtClean="0"/>
+              <a:t> </a:t>
+            </a:r>
+            <a:r>
+              <a:rPr lang="en-US" dirty="0" err="1" smtClean="0"/>
+              <a:t>perlu</a:t>
+            </a:r>
+            <a:r>
+              <a:rPr lang="en-US" dirty="0" smtClean="0"/>
+              <a:t> </a:t>
+            </a:r>
+            <a:r>
+              <a:rPr lang="en-US" dirty="0" err="1" smtClean="0"/>
+              <a:t>memikirkan</a:t>
+            </a:r>
+            <a:r>
+              <a:rPr lang="en-US" dirty="0" smtClean="0"/>
+              <a:t> deadlock </a:t>
+            </a:r>
+            <a:r>
+              <a:rPr lang="en-US" dirty="0" err="1" smtClean="0"/>
+              <a:t>antar</a:t>
+            </a:r>
+            <a:r>
+              <a:rPr lang="en-US" dirty="0" smtClean="0"/>
+              <a:t> thread </a:t>
+            </a:r>
+            <a:r>
+              <a:rPr lang="en-US" dirty="0" err="1" smtClean="0"/>
+              <a:t>maupun</a:t>
+            </a:r>
+            <a:r>
+              <a:rPr lang="en-US" dirty="0" smtClean="0"/>
+              <a:t> race-condition.</a:t>
+            </a:r>
+          </a:p>
+          <a:p>
+            <a:pPr>
+              <a:lnSpc>
+                <a:spcPct val="120000"/>
+              </a:lnSpc>
+            </a:pPr>
+            <a:r>
+              <a:rPr lang="en-US" dirty="0" err="1" smtClean="0"/>
+              <a:t>Setiap</a:t>
+            </a:r>
+            <a:r>
+              <a:rPr lang="en-US" dirty="0" smtClean="0"/>
+              <a:t> callback </a:t>
+            </a:r>
+            <a:r>
+              <a:rPr lang="en-US" dirty="0" err="1" smtClean="0"/>
+              <a:t>bersifat</a:t>
+            </a:r>
+            <a:r>
+              <a:rPr lang="en-US" dirty="0" smtClean="0"/>
+              <a:t> </a:t>
+            </a:r>
+            <a:r>
+              <a:rPr lang="en-US" dirty="0" err="1" smtClean="0"/>
+              <a:t>atomik</a:t>
             </a:r>
             <a:r>
               <a:rPr lang="en-US" dirty="0" smtClean="0"/>
               <a:t>.</a:t>
             </a:r>
+            <a:endParaRPr lang="en-US" dirty="0"/>
           </a:p>
         </p:txBody>
       </p:sp>
     </p:spTree>
     <p:extLst>
       <p:ext uri="{BB962C8B-B14F-4D97-AF65-F5344CB8AC3E}">
-        <p14:creationId xmlns:p14="http://schemas.microsoft.com/office/powerpoint/2010/main" val="3982405204"/>
+        <p14:creationId xmlns:p14="http://schemas.microsoft.com/office/powerpoint/2010/main" val="1689559118"/>
       </p:ext>
     </p:extLst>
   </p:cSld>
   <p:clrMapOvr>
     <a:masterClrMapping/>
   </p:clrMapOvr>
-  <mc:AlternateContent xmlns:mc="http://schemas.openxmlformats.org/markup-compatibility/2006">
-    <mc:Choice xmlns:p14="http://schemas.microsoft.com/office/powerpoint/2010/main" Requires="p14">
+  <mc:AlternateContent xmlns:mc="http://schemas.openxmlformats.org/markup-compatibility/2006" xmlns:p14="http://schemas.microsoft.com/office/powerpoint/2010/main">
+    <mc:Choice Requires="p14">
       <p:transition p14:dur="0"/>
     </mc:Choice>
-    <mc:Fallback>
+    <mc:Fallback xmlns="">
       <p:transition/>
     </mc:Fallback>
   </mc:AlternateContent>
@@ -20052,7 +19976,7 @@
       </p:grpSpPr>
       <p:sp>
         <p:nvSpPr>
-          <p:cNvPr id="4" name="Title 3"/>
+          <p:cNvPr id="2" name="Title 1"/>
           <p:cNvSpPr>
             <a:spLocks noGrp="1"/>
           </p:cNvSpPr>
@@ -20066,8 +19990,12 @@
           <a:lstStyle/>
           <a:p>
             <a:r>
+              <a:rPr lang="en-US" b="1" dirty="0" err="1" smtClean="0"/>
+              <a:t>Kelemahan</a:t>
+            </a:r>
+            <a:r>
               <a:rPr lang="en-US" b="1" dirty="0" smtClean="0"/>
-              <a:t>Cluster</a:t>
+              <a:t> Event-loop</a:t>
             </a:r>
             <a:endParaRPr lang="en-US" b="1" dirty="0"/>
           </a:p>
@@ -20075,38 +20003,191 @@
       </p:sp>
       <p:sp>
         <p:nvSpPr>
-          <p:cNvPr id="5" name="Text Placeholder 4"/>
+          <p:cNvPr id="3" name="Content Placeholder 2"/>
           <p:cNvSpPr>
             <a:spLocks noGrp="1"/>
           </p:cNvSpPr>
           <p:nvPr>
-            <p:ph type="body" idx="1"/>
+            <p:ph idx="1"/>
           </p:nvPr>
         </p:nvSpPr>
         <p:spPr/>
         <p:txBody>
-          <a:bodyPr/>
+          <a:bodyPr>
+            <a:normAutofit/>
+          </a:bodyPr>
           <a:lstStyle/>
           <a:p>
-            <a:endParaRPr lang="en-US" dirty="0"/>
+            <a:pPr>
+              <a:lnSpc>
+                <a:spcPct val="120000"/>
+              </a:lnSpc>
+            </a:pPr>
+            <a:r>
+              <a:rPr lang="en-US" dirty="0" err="1" smtClean="0"/>
+              <a:t>Jika</a:t>
+            </a:r>
+            <a:r>
+              <a:rPr lang="en-US" dirty="0" smtClean="0"/>
+              <a:t> </a:t>
+            </a:r>
+            <a:r>
+              <a:rPr lang="en-US" dirty="0" err="1"/>
+              <a:t>ada</a:t>
+            </a:r>
+            <a:r>
+              <a:rPr lang="en-US" dirty="0"/>
+              <a:t> callback / </a:t>
+            </a:r>
+            <a:r>
+              <a:rPr lang="en-US" dirty="0" err="1"/>
+              <a:t>kode</a:t>
+            </a:r>
+            <a:r>
+              <a:rPr lang="en-US" dirty="0"/>
+              <a:t> </a:t>
+            </a:r>
+            <a:r>
+              <a:rPr lang="en-US" dirty="0" err="1"/>
+              <a:t>apapun</a:t>
+            </a:r>
+            <a:r>
+              <a:rPr lang="en-US" dirty="0"/>
+              <a:t> yang </a:t>
+            </a:r>
+            <a:r>
+              <a:rPr lang="en-US" dirty="0" err="1"/>
+              <a:t>melakukan</a:t>
+            </a:r>
+            <a:r>
+              <a:rPr lang="en-US" dirty="0"/>
+              <a:t> blocking, </a:t>
+            </a:r>
+            <a:r>
+              <a:rPr lang="en-US" dirty="0" err="1"/>
+              <a:t>seluruh</a:t>
+            </a:r>
+            <a:r>
+              <a:rPr lang="en-US" dirty="0"/>
+              <a:t> event-loop </a:t>
+            </a:r>
+            <a:r>
+              <a:rPr lang="en-US" dirty="0" err="1"/>
+              <a:t>akan</a:t>
+            </a:r>
+            <a:r>
+              <a:rPr lang="en-US" dirty="0"/>
+              <a:t> </a:t>
+            </a:r>
+            <a:r>
+              <a:rPr lang="en-US" dirty="0" err="1"/>
+              <a:t>ter</a:t>
+            </a:r>
+            <a:r>
+              <a:rPr lang="en-US" dirty="0"/>
+              <a:t>-block</a:t>
+            </a:r>
+            <a:r>
+              <a:rPr lang="en-US" dirty="0" smtClean="0"/>
+              <a:t>.</a:t>
+            </a:r>
+          </a:p>
+          <a:p>
+            <a:pPr>
+              <a:lnSpc>
+                <a:spcPct val="120000"/>
+              </a:lnSpc>
+            </a:pPr>
+            <a:r>
+              <a:rPr lang="en-US" dirty="0" err="1" smtClean="0"/>
+              <a:t>Semakin</a:t>
+            </a:r>
+            <a:r>
+              <a:rPr lang="en-US" dirty="0" smtClean="0"/>
+              <a:t> </a:t>
+            </a:r>
+            <a:r>
+              <a:rPr lang="en-US" dirty="0" err="1" smtClean="0"/>
+              <a:t>banyak</a:t>
+            </a:r>
+            <a:r>
+              <a:rPr lang="en-US" dirty="0" smtClean="0"/>
+              <a:t> </a:t>
+            </a:r>
+            <a:r>
+              <a:rPr lang="en-US" dirty="0" err="1" smtClean="0"/>
+              <a:t>baris</a:t>
+            </a:r>
+            <a:r>
+              <a:rPr lang="en-US" dirty="0" smtClean="0"/>
+              <a:t> </a:t>
+            </a:r>
+            <a:r>
+              <a:rPr lang="en-US" dirty="0" err="1" smtClean="0"/>
+              <a:t>kode</a:t>
+            </a:r>
+            <a:r>
+              <a:rPr lang="en-US" dirty="0" smtClean="0"/>
+              <a:t> program yang </a:t>
+            </a:r>
+            <a:r>
+              <a:rPr lang="en-US" dirty="0" err="1" smtClean="0"/>
+              <a:t>harus</a:t>
+            </a:r>
+            <a:r>
+              <a:rPr lang="en-US" dirty="0" smtClean="0"/>
+              <a:t> </a:t>
+            </a:r>
+            <a:r>
+              <a:rPr lang="en-US" dirty="0" err="1" smtClean="0"/>
+              <a:t>dieksekusi</a:t>
+            </a:r>
+            <a:r>
+              <a:rPr lang="en-US" dirty="0" smtClean="0"/>
+              <a:t> per “tick”, </a:t>
+            </a:r>
+            <a:r>
+              <a:rPr lang="en-US" dirty="0" err="1" smtClean="0"/>
+              <a:t>semakin</a:t>
+            </a:r>
+            <a:r>
+              <a:rPr lang="en-US" dirty="0" smtClean="0"/>
+              <a:t> </a:t>
+            </a:r>
+            <a:r>
+              <a:rPr lang="en-US" dirty="0" err="1" smtClean="0"/>
+              <a:t>lambat</a:t>
+            </a:r>
+            <a:r>
+              <a:rPr lang="en-US" dirty="0" smtClean="0"/>
+              <a:t> event-loop </a:t>
+            </a:r>
+            <a:r>
+              <a:rPr lang="en-US" dirty="0" err="1" smtClean="0"/>
+              <a:t>berjalan</a:t>
+            </a:r>
+            <a:r>
+              <a:rPr lang="en-US" dirty="0" smtClean="0"/>
+              <a:t>.</a:t>
+            </a:r>
           </a:p>
         </p:txBody>
       </p:sp>
     </p:spTree>
     <p:extLst>
       <p:ext uri="{BB962C8B-B14F-4D97-AF65-F5344CB8AC3E}">
-        <p14:creationId xmlns:p14="http://schemas.microsoft.com/office/powerpoint/2010/main" val="3773677215"/>
+        <p14:creationId xmlns:p14="http://schemas.microsoft.com/office/powerpoint/2010/main" val="3982405204"/>
       </p:ext>
     </p:extLst>
   </p:cSld>
   <p:clrMapOvr>
     <a:masterClrMapping/>
   </p:clrMapOvr>
-  <mc:AlternateContent xmlns:mc="http://schemas.openxmlformats.org/markup-compatibility/2006">
-    <mc:Choice xmlns:p14="http://schemas.microsoft.com/office/powerpoint/2010/main" Requires="p14">
+  <mc:AlternateContent xmlns:mc="http://schemas.openxmlformats.org/markup-compatibility/2006" xmlns:p14="http://schemas.microsoft.com/office/powerpoint/2010/main">
+    <mc:Choice Requires="p14">
       <p:transition p14:dur="0"/>
     </mc:Choice>
-    <mc:Fallback>
+    <mc:Fallback xmlns="">
       <p:transition/>
     </mc:Fallback>
   </mc:AlternateContent>
@@ -20162,6 +20243,93 @@
       </p:sp>
       <p:sp>
         <p:nvSpPr>
+          <p:cNvPr id="5" name="Text Placeholder 4"/>
+          <p:cNvSpPr>
+            <a:spLocks noGrp="1"/>
+          </p:cNvSpPr>
+          <p:nvPr>
+            <p:ph type="body" idx="1"/>
+          </p:nvPr>
+        </p:nvSpPr>
+        <p:spPr/>
+        <p:txBody>
+          <a:bodyPr/>
+          <a:lstStyle/>
+          <a:p>
+            <a:endParaRPr lang="en-US" dirty="0"/>
+          </a:p>
+        </p:txBody>
+      </p:sp>
+    </p:spTree>
+    <p:extLst>
+      <p:ext uri="{BB962C8B-B14F-4D97-AF65-F5344CB8AC3E}">
+        <p14:creationId xmlns:p14="http://schemas.microsoft.com/office/powerpoint/2010/main" val="3773677215"/>
+      </p:ext>
+    </p:extLst>
+  </p:cSld>
+  <p:clrMapOvr>
+    <a:masterClrMapping/>
+  </p:clrMapOvr>
+  <mc:AlternateContent xmlns:mc="http://schemas.openxmlformats.org/markup-compatibility/2006" xmlns:p14="http://schemas.microsoft.com/office/powerpoint/2010/main">
+    <mc:Choice Requires="p14">
+      <p:transition p14:dur="0"/>
+    </mc:Choice>
+    <mc:Fallback xmlns="">
+      <p:transition/>
+    </mc:Fallback>
+  </mc:AlternateContent>
+  <p:timing>
+    <p:tnLst>
+      <p:par>
+        <p:cTn id="1" dur="indefinite" restart="never" nodeType="tmRoot"/>
+      </p:par>
+    </p:tnLst>
+  </p:timing>
+</p:sld>
+</file>
+
+<file path=ppt/slides/slide46.xml><?xml version="1.0" encoding="utf-8"?>
+<p:sld xmlns:a="http://schemas.openxmlformats.org/drawingml/2006/main" xmlns:r="http://schemas.openxmlformats.org/officeDocument/2006/relationships" xmlns:p="http://schemas.openxmlformats.org/presentationml/2006/main">
+  <p:cSld>
+    <p:spTree>
+      <p:nvGrpSpPr>
+        <p:cNvPr id="1" name=""/>
+        <p:cNvGrpSpPr/>
+        <p:nvPr/>
+      </p:nvGrpSpPr>
+      <p:grpSpPr>
+        <a:xfrm>
+          <a:off x="0" y="0"/>
+          <a:ext cx="0" cy="0"/>
+          <a:chOff x="0" y="0"/>
+          <a:chExt cx="0" cy="0"/>
+        </a:xfrm>
+      </p:grpSpPr>
+      <p:sp>
+        <p:nvSpPr>
+          <p:cNvPr id="4" name="Title 3"/>
+          <p:cNvSpPr>
+            <a:spLocks noGrp="1"/>
+          </p:cNvSpPr>
+          <p:nvPr>
+            <p:ph type="title"/>
+          </p:nvPr>
+        </p:nvSpPr>
+        <p:spPr/>
+        <p:txBody>
+          <a:bodyPr/>
+          <a:lstStyle/>
+          <a:p>
+            <a:r>
+              <a:rPr lang="en-US" b="1" dirty="0" smtClean="0"/>
+              <a:t>Cluster</a:t>
+            </a:r>
+            <a:endParaRPr lang="en-US" b="1" dirty="0"/>
+          </a:p>
+        </p:txBody>
+      </p:sp>
+      <p:sp>
+        <p:nvSpPr>
           <p:cNvPr id="5" name="Content Placeholder 4"/>
           <p:cNvSpPr>
             <a:spLocks noGrp="1"/>
@@ -20563,11 +20731,11 @@
   <p:clrMapOvr>
     <a:masterClrMapping/>
   </p:clrMapOvr>
-  <mc:AlternateContent xmlns:mc="http://schemas.openxmlformats.org/markup-compatibility/2006">
-    <mc:Choice xmlns:p14="http://schemas.microsoft.com/office/powerpoint/2010/main" Requires="p14">
+  <mc:AlternateContent xmlns:mc="http://schemas.openxmlformats.org/markup-compatibility/2006" xmlns:p14="http://schemas.microsoft.com/office/powerpoint/2010/main">
+    <mc:Choice Requires="p14">
       <p:transition p14:dur="0"/>
     </mc:Choice>
-    <mc:Fallback>
+    <mc:Fallback xmlns="">
       <p:transition/>
     </mc:Fallback>
   </mc:AlternateContent>
@@ -20581,7 +20749,7 @@
 </p:sld>
 </file>
 
-<file path=ppt/slides/slide46.xml><?xml version="1.0" encoding="utf-8"?>
+<file path=ppt/slides/slide47.xml><?xml version="1.0" encoding="utf-8"?>
 <p:sld xmlns:a="http://schemas.openxmlformats.org/drawingml/2006/main" xmlns:r="http://schemas.openxmlformats.org/officeDocument/2006/relationships" xmlns:p="http://schemas.openxmlformats.org/presentationml/2006/main">
   <p:cSld>
     <p:spTree>
@@ -21281,11 +21449,11 @@
   <p:clrMapOvr>
     <a:masterClrMapping/>
   </p:clrMapOvr>
-  <mc:AlternateContent xmlns:mc="http://schemas.openxmlformats.org/markup-compatibility/2006">
-    <mc:Choice xmlns:p14="http://schemas.microsoft.com/office/powerpoint/2010/main" Requires="p14">
+  <mc:AlternateContent xmlns:mc="http://schemas.openxmlformats.org/markup-compatibility/2006" xmlns:p14="http://schemas.microsoft.com/office/powerpoint/2010/main">
+    <mc:Choice Requires="p14">
       <p:transition p14:dur="0"/>
     </mc:Choice>
-    <mc:Fallback>
+    <mc:Fallback xmlns="">
       <p:transition/>
     </mc:Fallback>
   </mc:AlternateContent>
@@ -21299,7 +21467,7 @@
 </p:sld>
 </file>
 
-<file path=ppt/slides/slide47.xml><?xml version="1.0" encoding="utf-8"?>
+<file path=ppt/slides/slide48.xml><?xml version="1.0" encoding="utf-8"?>
 <p:sld xmlns:a="http://schemas.openxmlformats.org/drawingml/2006/main" xmlns:r="http://schemas.openxmlformats.org/officeDocument/2006/relationships" xmlns:p="http://schemas.openxmlformats.org/presentationml/2006/main">
   <p:cSld>
     <p:spTree>
@@ -21372,11 +21540,11 @@
   <p:clrMapOvr>
     <a:masterClrMapping/>
   </p:clrMapOvr>
-  <mc:AlternateContent xmlns:mc="http://schemas.openxmlformats.org/markup-compatibility/2006">
-    <mc:Choice xmlns:p14="http://schemas.microsoft.com/office/powerpoint/2010/main" Requires="p14">
+  <mc:AlternateContent xmlns:mc="http://schemas.openxmlformats.org/markup-compatibility/2006" xmlns:p14="http://schemas.microsoft.com/office/powerpoint/2010/main">
+    <mc:Choice Requires="p14">
       <p:transition p14:dur="0"/>
     </mc:Choice>
-    <mc:Fallback>
+    <mc:Fallback xmlns="">
       <p:transition/>
     </mc:Fallback>
   </mc:AlternateContent>
@@ -21390,7 +21558,7 @@
 </p:sld>
 </file>
 
-<file path=ppt/slides/slide48.xml><?xml version="1.0" encoding="utf-8"?>
+<file path=ppt/slides/slide49.xml><?xml version="1.0" encoding="utf-8"?>
 <p:sld xmlns:a="http://schemas.openxmlformats.org/drawingml/2006/main" xmlns:r="http://schemas.openxmlformats.org/officeDocument/2006/relationships" xmlns:p="http://schemas.openxmlformats.org/presentationml/2006/main">
   <p:cSld>
     <p:spTree>
@@ -22828,134 +22996,11 @@
   <p:clrMapOvr>
     <a:masterClrMapping/>
   </p:clrMapOvr>
-  <mc:AlternateContent xmlns:mc="http://schemas.openxmlformats.org/markup-compatibility/2006">
-    <mc:Choice xmlns:p14="http://schemas.microsoft.com/office/powerpoint/2010/main" Requires="p14">
+  <mc:AlternateContent xmlns:mc="http://schemas.openxmlformats.org/markup-compatibility/2006" xmlns:p14="http://schemas.microsoft.com/office/powerpoint/2010/main">
+    <mc:Choice Requires="p14">
       <p:transition p14:dur="0"/>
     </mc:Choice>
-    <mc:Fallback>
-      <p:transition/>
-    </mc:Fallback>
-  </mc:AlternateContent>
-  <p:timing>
-    <p:tnLst>
-      <p:par>
-        <p:cTn id="1" dur="indefinite" restart="never" nodeType="tmRoot"/>
-      </p:par>
-    </p:tnLst>
-  </p:timing>
-</p:sld>
-</file>
-
-<file path=ppt/slides/slide49.xml><?xml version="1.0" encoding="utf-8"?>
-<p:sld xmlns:a="http://schemas.openxmlformats.org/drawingml/2006/main" xmlns:r="http://schemas.openxmlformats.org/officeDocument/2006/relationships" xmlns:p="http://schemas.openxmlformats.org/presentationml/2006/main">
-  <p:cSld>
-    <p:spTree>
-      <p:nvGrpSpPr>
-        <p:cNvPr id="1" name=""/>
-        <p:cNvGrpSpPr/>
-        <p:nvPr/>
-      </p:nvGrpSpPr>
-      <p:grpSpPr>
-        <a:xfrm>
-          <a:off x="0" y="0"/>
-          <a:ext cx="0" cy="0"/>
-          <a:chOff x="0" y="0"/>
-          <a:chExt cx="0" cy="0"/>
-        </a:xfrm>
-      </p:grpSpPr>
-      <p:sp>
-        <p:nvSpPr>
-          <p:cNvPr id="4" name="Title 3"/>
-          <p:cNvSpPr>
-            <a:spLocks noGrp="1"/>
-          </p:cNvSpPr>
-          <p:nvPr>
-            <p:ph type="title"/>
-          </p:nvPr>
-        </p:nvSpPr>
-        <p:spPr/>
-        <p:txBody>
-          <a:bodyPr/>
-          <a:lstStyle/>
-          <a:p>
-            <a:r>
-              <a:rPr lang="en-US" b="1" dirty="0" err="1" smtClean="0"/>
-              <a:t>Terima</a:t>
-            </a:r>
-            <a:r>
-              <a:rPr lang="en-US" b="1" dirty="0" smtClean="0"/>
-              <a:t> </a:t>
-            </a:r>
-            <a:r>
-              <a:rPr lang="en-US" b="1" dirty="0" err="1"/>
-              <a:t>k</a:t>
-            </a:r>
-            <a:r>
-              <a:rPr lang="en-US" b="1" dirty="0" err="1" smtClean="0"/>
-              <a:t>asih</a:t>
-            </a:r>
-            <a:r>
-              <a:rPr lang="en-US" b="1" dirty="0" smtClean="0"/>
-              <a:t>.</a:t>
-            </a:r>
-            <a:endParaRPr lang="en-US" b="1" dirty="0"/>
-          </a:p>
-        </p:txBody>
-      </p:sp>
-      <p:sp>
-        <p:nvSpPr>
-          <p:cNvPr id="5" name="Text Placeholder 4"/>
-          <p:cNvSpPr>
-            <a:spLocks noGrp="1"/>
-          </p:cNvSpPr>
-          <p:nvPr>
-            <p:ph type="body" idx="1"/>
-          </p:nvPr>
-        </p:nvSpPr>
-        <p:spPr/>
-        <p:txBody>
-          <a:bodyPr/>
-          <a:lstStyle/>
-          <a:p>
-            <a:r>
-              <a:rPr lang="en-US" dirty="0" smtClean="0"/>
-              <a:t>  </a:t>
-            </a:r>
-            <a:r>
-              <a:rPr lang="en-US" dirty="0" err="1" smtClean="0"/>
-              <a:t>Pertanyaan</a:t>
-            </a:r>
-            <a:r>
-              <a:rPr lang="en-US" dirty="0" smtClean="0"/>
-              <a:t>? </a:t>
-            </a:r>
-            <a:r>
-              <a:rPr lang="en-US" dirty="0" err="1" smtClean="0"/>
-              <a:t>Kritik</a:t>
-            </a:r>
-            <a:r>
-              <a:rPr lang="en-US" dirty="0" smtClean="0"/>
-              <a:t>? Saran?</a:t>
-            </a:r>
-            <a:endParaRPr lang="en-US" dirty="0"/>
-          </a:p>
-        </p:txBody>
-      </p:sp>
-    </p:spTree>
-    <p:extLst>
-      <p:ext uri="{BB962C8B-B14F-4D97-AF65-F5344CB8AC3E}">
-        <p14:creationId xmlns:p14="http://schemas.microsoft.com/office/powerpoint/2010/main" val="3788840175"/>
-      </p:ext>
-    </p:extLst>
-  </p:cSld>
-  <p:clrMapOvr>
-    <a:masterClrMapping/>
-  </p:clrMapOvr>
-  <mc:AlternateContent xmlns:mc="http://schemas.openxmlformats.org/markup-compatibility/2006">
-    <mc:Choice xmlns:p14="http://schemas.microsoft.com/office/powerpoint/2010/main" Requires="p14">
-      <p:transition p14:dur="0"/>
-    </mc:Choice>
-    <mc:Fallback>
+    <mc:Fallback xmlns="">
       <p:transition/>
     </mc:Fallback>
   </mc:AlternateContent>
@@ -23180,11 +23225,629 @@
   <p:clrMapOvr>
     <a:masterClrMapping/>
   </p:clrMapOvr>
+  <mc:AlternateContent xmlns:mc="http://schemas.openxmlformats.org/markup-compatibility/2006" xmlns:p14="http://schemas.microsoft.com/office/powerpoint/2010/main">
+    <mc:Choice Requires="p14">
+      <p:transition p14:dur="0"/>
+    </mc:Choice>
+    <mc:Fallback xmlns="">
+      <p:transition/>
+    </mc:Fallback>
+  </mc:AlternateContent>
+  <p:timing>
+    <p:tnLst>
+      <p:par>
+        <p:cTn id="1" dur="indefinite" restart="never" nodeType="tmRoot"/>
+      </p:par>
+    </p:tnLst>
+  </p:timing>
+</p:sld>
+</file>
+
+<file path=ppt/slides/slide50.xml><?xml version="1.0" encoding="utf-8"?>
+<p:sld xmlns:a="http://schemas.openxmlformats.org/drawingml/2006/main" xmlns:r="http://schemas.openxmlformats.org/officeDocument/2006/relationships" xmlns:p="http://schemas.openxmlformats.org/presentationml/2006/main">
+  <p:cSld>
+    <p:spTree>
+      <p:nvGrpSpPr>
+        <p:cNvPr id="1" name=""/>
+        <p:cNvGrpSpPr/>
+        <p:nvPr/>
+      </p:nvGrpSpPr>
+      <p:grpSpPr>
+        <a:xfrm>
+          <a:off x="0" y="0"/>
+          <a:ext cx="0" cy="0"/>
+          <a:chOff x="0" y="0"/>
+          <a:chExt cx="0" cy="0"/>
+        </a:xfrm>
+      </p:grpSpPr>
+      <p:sp>
+        <p:nvSpPr>
+          <p:cNvPr id="5" name="Title 4"/>
+          <p:cNvSpPr>
+            <a:spLocks noGrp="1"/>
+          </p:cNvSpPr>
+          <p:nvPr>
+            <p:ph type="title"/>
+          </p:nvPr>
+        </p:nvSpPr>
+        <p:spPr/>
+        <p:txBody>
+          <a:bodyPr/>
+          <a:lstStyle/>
+          <a:p>
+            <a:r>
+              <a:rPr lang="en-US" b="1" dirty="0" smtClean="0"/>
+              <a:t>Saran </a:t>
+            </a:r>
+            <a:r>
+              <a:rPr lang="en-US" b="1" dirty="0" err="1" smtClean="0"/>
+              <a:t>Perbaikan</a:t>
+            </a:r>
+            <a:r>
+              <a:rPr lang="en-US" b="1" dirty="0" smtClean="0"/>
+              <a:t> </a:t>
+            </a:r>
+            <a:r>
+              <a:rPr lang="en-US" b="1" dirty="0" err="1" smtClean="0"/>
+              <a:t>Desain</a:t>
+            </a:r>
+            <a:endParaRPr lang="en-US" b="1" dirty="0"/>
+          </a:p>
+        </p:txBody>
+      </p:sp>
+      <p:sp>
+        <p:nvSpPr>
+          <p:cNvPr id="6" name="Content Placeholder 5"/>
+          <p:cNvSpPr>
+            <a:spLocks noGrp="1"/>
+          </p:cNvSpPr>
+          <p:nvPr>
+            <p:ph idx="1"/>
+          </p:nvPr>
+        </p:nvSpPr>
+        <p:spPr/>
+        <p:txBody>
+          <a:bodyPr/>
+          <a:lstStyle/>
+          <a:p>
+            <a:r>
+              <a:rPr lang="en-US" dirty="0" smtClean="0"/>
+              <a:t>Telnet </a:t>
+            </a:r>
+            <a:r>
+              <a:rPr lang="en-US" dirty="0" err="1" smtClean="0"/>
+              <a:t>tidak</a:t>
+            </a:r>
+            <a:r>
+              <a:rPr lang="en-US" dirty="0" smtClean="0"/>
+              <a:t> </a:t>
+            </a:r>
+            <a:r>
+              <a:rPr lang="en-US" dirty="0" err="1" smtClean="0"/>
+              <a:t>perlu</a:t>
+            </a:r>
+            <a:r>
+              <a:rPr lang="en-US" dirty="0" smtClean="0"/>
+              <a:t> </a:t>
+            </a:r>
+            <a:r>
+              <a:rPr lang="en-US" dirty="0" err="1" smtClean="0"/>
+              <a:t>mengetik</a:t>
+            </a:r>
+            <a:r>
+              <a:rPr lang="en-US" dirty="0" smtClean="0"/>
+              <a:t> xml.</a:t>
+            </a:r>
+          </a:p>
+          <a:p>
+            <a:r>
+              <a:rPr lang="en-US" dirty="0" smtClean="0"/>
+              <a:t>Multiple </a:t>
+            </a:r>
+            <a:r>
+              <a:rPr lang="en-US" dirty="0" err="1" smtClean="0"/>
+              <a:t>serverHook</a:t>
+            </a:r>
+            <a:r>
+              <a:rPr lang="en-US" dirty="0" smtClean="0"/>
+              <a:t>.</a:t>
+            </a:r>
+          </a:p>
+          <a:p>
+            <a:r>
+              <a:rPr lang="en-US" dirty="0" err="1" smtClean="0"/>
+              <a:t>Protokol</a:t>
+            </a:r>
+            <a:r>
+              <a:rPr lang="en-US" dirty="0" smtClean="0"/>
+              <a:t> s2s </a:t>
+            </a:r>
+            <a:r>
+              <a:rPr lang="en-US" dirty="0" err="1" smtClean="0"/>
+              <a:t>menggunakan</a:t>
+            </a:r>
+            <a:r>
+              <a:rPr lang="en-US" dirty="0" smtClean="0"/>
+              <a:t> dedicated connection.</a:t>
+            </a:r>
+          </a:p>
+        </p:txBody>
+      </p:sp>
+    </p:spTree>
+    <p:extLst>
+      <p:ext uri="{BB962C8B-B14F-4D97-AF65-F5344CB8AC3E}">
+        <p14:creationId xmlns:p14="http://schemas.microsoft.com/office/powerpoint/2010/main" val="4282001556"/>
+      </p:ext>
+    </p:extLst>
+  </p:cSld>
+  <p:clrMapOvr>
+    <a:masterClrMapping/>
+  </p:clrMapOvr>
   <mc:AlternateContent xmlns:mc="http://schemas.openxmlformats.org/markup-compatibility/2006">
     <mc:Choice xmlns:p14="http://schemas.microsoft.com/office/powerpoint/2010/main" Requires="p14">
       <p:transition p14:dur="0"/>
     </mc:Choice>
     <mc:Fallback>
+      <p:transition/>
+    </mc:Fallback>
+  </mc:AlternateContent>
+</p:sld>
+</file>
+
+<file path=ppt/slides/slide51.xml><?xml version="1.0" encoding="utf-8"?>
+<p:sld xmlns:a="http://schemas.openxmlformats.org/drawingml/2006/main" xmlns:r="http://schemas.openxmlformats.org/officeDocument/2006/relationships" xmlns:p="http://schemas.openxmlformats.org/presentationml/2006/main">
+  <p:cSld>
+    <p:spTree>
+      <p:nvGrpSpPr>
+        <p:cNvPr id="1" name=""/>
+        <p:cNvGrpSpPr/>
+        <p:nvPr/>
+      </p:nvGrpSpPr>
+      <p:grpSpPr>
+        <a:xfrm>
+          <a:off x="0" y="0"/>
+          <a:ext cx="0" cy="0"/>
+          <a:chOff x="0" y="0"/>
+          <a:chExt cx="0" cy="0"/>
+        </a:xfrm>
+      </p:grpSpPr>
+      <p:sp>
+        <p:nvSpPr>
+          <p:cNvPr id="2" name="Title 1"/>
+          <p:cNvSpPr>
+            <a:spLocks noGrp="1"/>
+          </p:cNvSpPr>
+          <p:nvPr>
+            <p:ph type="title"/>
+          </p:nvPr>
+        </p:nvSpPr>
+        <p:spPr/>
+        <p:txBody>
+          <a:bodyPr/>
+          <a:lstStyle/>
+          <a:p>
+            <a:r>
+              <a:rPr lang="en-US" b="1" dirty="0" err="1" smtClean="0"/>
+              <a:t>Implementasi</a:t>
+            </a:r>
+            <a:r>
+              <a:rPr lang="en-US" b="1" dirty="0" smtClean="0"/>
+              <a:t> </a:t>
+            </a:r>
+            <a:r>
+              <a:rPr lang="en-US" b="1" dirty="0" err="1" smtClean="0"/>
+              <a:t>Perbaikan</a:t>
+            </a:r>
+            <a:r>
+              <a:rPr lang="en-US" b="1" dirty="0" smtClean="0"/>
+              <a:t> </a:t>
+            </a:r>
+            <a:r>
+              <a:rPr lang="en-US" b="1" dirty="0" err="1" smtClean="0"/>
+              <a:t>Desain</a:t>
+            </a:r>
+            <a:endParaRPr lang="en-US" b="1" dirty="0"/>
+          </a:p>
+        </p:txBody>
+      </p:sp>
+      <p:sp>
+        <p:nvSpPr>
+          <p:cNvPr id="3" name="Content Placeholder 2"/>
+          <p:cNvSpPr>
+            <a:spLocks noGrp="1"/>
+          </p:cNvSpPr>
+          <p:nvPr>
+            <p:ph idx="1"/>
+          </p:nvPr>
+        </p:nvSpPr>
+        <p:spPr/>
+        <p:txBody>
+          <a:bodyPr>
+            <a:normAutofit/>
+          </a:bodyPr>
+          <a:lstStyle/>
+          <a:p>
+            <a:pPr marL="0" indent="0">
+              <a:buNone/>
+            </a:pPr>
+            <a:r>
+              <a:rPr lang="en-US" dirty="0" smtClean="0"/>
+              <a:t>Yang </a:t>
+            </a:r>
+            <a:r>
+              <a:rPr lang="en-US" dirty="0" err="1" smtClean="0"/>
+              <a:t>dapat</a:t>
+            </a:r>
+            <a:r>
+              <a:rPr lang="en-US" dirty="0" smtClean="0"/>
+              <a:t> </a:t>
+            </a:r>
+            <a:r>
+              <a:rPr lang="en-US" dirty="0" err="1" smtClean="0"/>
+              <a:t>diimplementasi</a:t>
+            </a:r>
+            <a:r>
+              <a:rPr lang="en-US" dirty="0" smtClean="0"/>
+              <a:t>:</a:t>
+            </a:r>
+          </a:p>
+          <a:p>
+            <a:r>
+              <a:rPr lang="en-US" dirty="0" smtClean="0"/>
+              <a:t>Telnet </a:t>
+            </a:r>
+            <a:r>
+              <a:rPr lang="en-US" dirty="0" err="1" smtClean="0"/>
+              <a:t>tidak</a:t>
+            </a:r>
+            <a:r>
+              <a:rPr lang="en-US" dirty="0" smtClean="0"/>
+              <a:t> </a:t>
+            </a:r>
+            <a:r>
+              <a:rPr lang="en-US" dirty="0" err="1" smtClean="0"/>
+              <a:t>perlu</a:t>
+            </a:r>
+            <a:r>
+              <a:rPr lang="en-US" dirty="0" smtClean="0"/>
+              <a:t> </a:t>
+            </a:r>
+            <a:r>
+              <a:rPr lang="en-US" dirty="0" err="1" smtClean="0"/>
+              <a:t>mengetik</a:t>
+            </a:r>
+            <a:r>
+              <a:rPr lang="en-US" dirty="0" smtClean="0"/>
+              <a:t> xml</a:t>
+            </a:r>
+          </a:p>
+          <a:p>
+            <a:r>
+              <a:rPr lang="en-US" dirty="0" smtClean="0"/>
+              <a:t>Multiple </a:t>
+            </a:r>
+            <a:r>
+              <a:rPr lang="en-US" dirty="0" err="1" smtClean="0"/>
+              <a:t>serverHook</a:t>
+            </a:r>
+            <a:r>
+              <a:rPr lang="en-US" dirty="0" smtClean="0"/>
+              <a:t/>
+            </a:r>
+            <a:br>
+              <a:rPr lang="en-US" dirty="0" smtClean="0"/>
+            </a:br>
+            <a:endParaRPr lang="en-US" dirty="0" smtClean="0"/>
+          </a:p>
+          <a:p>
+            <a:pPr marL="0" indent="0">
+              <a:buNone/>
+            </a:pPr>
+            <a:r>
+              <a:rPr lang="en-US" dirty="0" smtClean="0"/>
+              <a:t>Yang </a:t>
+            </a:r>
+            <a:r>
+              <a:rPr lang="en-US" dirty="0" err="1" smtClean="0"/>
+              <a:t>tidak</a:t>
+            </a:r>
+            <a:r>
+              <a:rPr lang="en-US" dirty="0" smtClean="0"/>
+              <a:t> </a:t>
+            </a:r>
+            <a:r>
+              <a:rPr lang="en-US" dirty="0" err="1" smtClean="0"/>
+              <a:t>dapat</a:t>
+            </a:r>
+            <a:r>
+              <a:rPr lang="en-US" dirty="0" smtClean="0"/>
+              <a:t> </a:t>
+            </a:r>
+            <a:r>
+              <a:rPr lang="en-US" dirty="0" err="1" smtClean="0"/>
+              <a:t>diimplementasi</a:t>
+            </a:r>
+            <a:r>
+              <a:rPr lang="en-US" dirty="0" smtClean="0"/>
+              <a:t>:</a:t>
+            </a:r>
+            <a:endParaRPr lang="en-US" dirty="0"/>
+          </a:p>
+          <a:p>
+            <a:r>
+              <a:rPr lang="en-US" dirty="0" err="1"/>
+              <a:t>Protokol</a:t>
+            </a:r>
+            <a:r>
+              <a:rPr lang="en-US" dirty="0"/>
+              <a:t> s2s </a:t>
+            </a:r>
+            <a:r>
+              <a:rPr lang="en-US" dirty="0" err="1"/>
+              <a:t>menggunakan</a:t>
+            </a:r>
+            <a:r>
+              <a:rPr lang="en-US" dirty="0"/>
+              <a:t> dedicated connection.</a:t>
+            </a:r>
+          </a:p>
+          <a:p>
+            <a:pPr lvl="1"/>
+            <a:r>
+              <a:rPr lang="en-US" dirty="0" err="1" smtClean="0"/>
+              <a:t>Karena</a:t>
+            </a:r>
+            <a:r>
+              <a:rPr lang="en-US" dirty="0" smtClean="0"/>
+              <a:t> </a:t>
+            </a:r>
+            <a:r>
+              <a:rPr lang="en-US" dirty="0" err="1" smtClean="0"/>
+              <a:t>akan</a:t>
+            </a:r>
+            <a:r>
+              <a:rPr lang="en-US" dirty="0" smtClean="0"/>
+              <a:t> </a:t>
+            </a:r>
+            <a:r>
+              <a:rPr lang="en-US" dirty="0" err="1" smtClean="0"/>
+              <a:t>menambah</a:t>
+            </a:r>
+            <a:r>
+              <a:rPr lang="en-US" dirty="0" smtClean="0"/>
+              <a:t> </a:t>
+            </a:r>
+            <a:r>
+              <a:rPr lang="en-US" dirty="0" err="1" smtClean="0"/>
+              <a:t>jumlah</a:t>
+            </a:r>
+            <a:r>
+              <a:rPr lang="en-US" dirty="0" smtClean="0"/>
+              <a:t> port </a:t>
+            </a:r>
+            <a:r>
+              <a:rPr lang="en-US" dirty="0" err="1" smtClean="0"/>
+              <a:t>dari</a:t>
+            </a:r>
+            <a:r>
+              <a:rPr lang="en-US" dirty="0" smtClean="0"/>
+              <a:t> 2 </a:t>
+            </a:r>
+            <a:r>
+              <a:rPr lang="en-US" dirty="0" err="1" smtClean="0"/>
+              <a:t>ke</a:t>
+            </a:r>
+            <a:r>
+              <a:rPr lang="en-US" dirty="0" smtClean="0"/>
+              <a:t> 3. </a:t>
+            </a:r>
+            <a:r>
+              <a:rPr lang="en-US" dirty="0" err="1" smtClean="0"/>
+              <a:t>Mekanisme</a:t>
+            </a:r>
+            <a:r>
+              <a:rPr lang="en-US" dirty="0" smtClean="0"/>
+              <a:t> port unification </a:t>
+            </a:r>
+            <a:r>
+              <a:rPr lang="en-US" dirty="0" err="1" smtClean="0"/>
+              <a:t>terlalu</a:t>
+            </a:r>
+            <a:r>
+              <a:rPr lang="en-US" dirty="0" smtClean="0"/>
+              <a:t> </a:t>
+            </a:r>
+            <a:r>
+              <a:rPr lang="en-US" dirty="0" err="1" smtClean="0"/>
+              <a:t>rumit</a:t>
+            </a:r>
+            <a:r>
+              <a:rPr lang="en-US" dirty="0" smtClean="0"/>
+              <a:t> </a:t>
+            </a:r>
+            <a:r>
+              <a:rPr lang="en-US" dirty="0" err="1" smtClean="0"/>
+              <a:t>dan</a:t>
+            </a:r>
+            <a:r>
+              <a:rPr lang="en-US" dirty="0" smtClean="0"/>
+              <a:t> </a:t>
+            </a:r>
+            <a:r>
+              <a:rPr lang="en-US" dirty="0" err="1" smtClean="0"/>
+              <a:t>tidak</a:t>
+            </a:r>
+            <a:r>
+              <a:rPr lang="en-US" dirty="0" smtClean="0"/>
+              <a:t> </a:t>
+            </a:r>
+            <a:r>
+              <a:rPr lang="en-US" dirty="0" err="1" smtClean="0"/>
+              <a:t>memungkinkan</a:t>
+            </a:r>
+            <a:r>
+              <a:rPr lang="en-US" dirty="0" smtClean="0"/>
+              <a:t> </a:t>
+            </a:r>
+            <a:r>
+              <a:rPr lang="en-US" dirty="0" err="1" smtClean="0"/>
+              <a:t>untuk</a:t>
+            </a:r>
+            <a:r>
+              <a:rPr lang="en-US" dirty="0" smtClean="0"/>
+              <a:t> </a:t>
+            </a:r>
+            <a:r>
+              <a:rPr lang="en-US" dirty="0" err="1" smtClean="0"/>
+              <a:t>tugas</a:t>
+            </a:r>
+            <a:r>
+              <a:rPr lang="en-US" dirty="0" smtClean="0"/>
+              <a:t> </a:t>
+            </a:r>
+            <a:r>
+              <a:rPr lang="en-US" dirty="0" err="1" smtClean="0"/>
+              <a:t>ini</a:t>
+            </a:r>
+            <a:r>
+              <a:rPr lang="en-US" dirty="0" smtClean="0"/>
+              <a:t>.</a:t>
+            </a:r>
+            <a:endParaRPr lang="en-US" dirty="0"/>
+          </a:p>
+        </p:txBody>
+      </p:sp>
+    </p:spTree>
+    <p:extLst>
+      <p:ext uri="{BB962C8B-B14F-4D97-AF65-F5344CB8AC3E}">
+        <p14:creationId xmlns:p14="http://schemas.microsoft.com/office/powerpoint/2010/main" val="3059983082"/>
+      </p:ext>
+    </p:extLst>
+  </p:cSld>
+  <p:clrMapOvr>
+    <a:masterClrMapping/>
+  </p:clrMapOvr>
+  <mc:AlternateContent xmlns:mc="http://schemas.openxmlformats.org/markup-compatibility/2006">
+    <mc:Choice xmlns:p14="http://schemas.microsoft.com/office/powerpoint/2010/main" Requires="p14">
+      <p:transition p14:dur="0"/>
+    </mc:Choice>
+    <mc:Fallback>
+      <p:transition/>
+    </mc:Fallback>
+  </mc:AlternateContent>
+</p:sld>
+</file>
+
+<file path=ppt/slides/slide52.xml><?xml version="1.0" encoding="utf-8"?>
+<p:sld xmlns:a="http://schemas.openxmlformats.org/drawingml/2006/main" xmlns:r="http://schemas.openxmlformats.org/officeDocument/2006/relationships" xmlns:p="http://schemas.openxmlformats.org/presentationml/2006/main">
+  <p:cSld>
+    <p:spTree>
+      <p:nvGrpSpPr>
+        <p:cNvPr id="1" name=""/>
+        <p:cNvGrpSpPr/>
+        <p:nvPr/>
+      </p:nvGrpSpPr>
+      <p:grpSpPr>
+        <a:xfrm>
+          <a:off x="0" y="0"/>
+          <a:ext cx="0" cy="0"/>
+          <a:chOff x="0" y="0"/>
+          <a:chExt cx="0" cy="0"/>
+        </a:xfrm>
+      </p:grpSpPr>
+      <p:sp>
+        <p:nvSpPr>
+          <p:cNvPr id="4" name="Title 3"/>
+          <p:cNvSpPr>
+            <a:spLocks noGrp="1"/>
+          </p:cNvSpPr>
+          <p:nvPr>
+            <p:ph type="title"/>
+          </p:nvPr>
+        </p:nvSpPr>
+        <p:spPr/>
+        <p:txBody>
+          <a:bodyPr/>
+          <a:lstStyle/>
+          <a:p>
+            <a:r>
+              <a:rPr lang="en-US" b="1" dirty="0" err="1" smtClean="0"/>
+              <a:t>Terima</a:t>
+            </a:r>
+            <a:r>
+              <a:rPr lang="en-US" b="1" dirty="0" smtClean="0"/>
+              <a:t> </a:t>
+            </a:r>
+            <a:r>
+              <a:rPr lang="en-US" b="1" dirty="0" err="1"/>
+              <a:t>k</a:t>
+            </a:r>
+            <a:r>
+              <a:rPr lang="en-US" b="1" dirty="0" err="1" smtClean="0"/>
+              <a:t>asih</a:t>
+            </a:r>
+            <a:r>
+              <a:rPr lang="en-US" b="1" dirty="0" smtClean="0"/>
+              <a:t>.</a:t>
+            </a:r>
+            <a:endParaRPr lang="en-US" b="1" dirty="0"/>
+          </a:p>
+        </p:txBody>
+      </p:sp>
+      <p:sp>
+        <p:nvSpPr>
+          <p:cNvPr id="5" name="Text Placeholder 4"/>
+          <p:cNvSpPr>
+            <a:spLocks noGrp="1"/>
+          </p:cNvSpPr>
+          <p:nvPr>
+            <p:ph type="body" idx="1"/>
+          </p:nvPr>
+        </p:nvSpPr>
+        <p:spPr/>
+        <p:txBody>
+          <a:bodyPr/>
+          <a:lstStyle/>
+          <a:p>
+            <a:r>
+              <a:rPr lang="en-US" dirty="0" smtClean="0"/>
+              <a:t>  </a:t>
+            </a:r>
+            <a:r>
+              <a:rPr lang="en-US" dirty="0" err="1" smtClean="0"/>
+              <a:t>Pertanyaan</a:t>
+            </a:r>
+            <a:r>
+              <a:rPr lang="en-US" dirty="0" smtClean="0"/>
+              <a:t>? </a:t>
+            </a:r>
+            <a:r>
+              <a:rPr lang="en-US" dirty="0" err="1" smtClean="0"/>
+              <a:t>Kritik</a:t>
+            </a:r>
+            <a:r>
+              <a:rPr lang="en-US" dirty="0" smtClean="0"/>
+              <a:t>? Saran?</a:t>
+            </a:r>
+            <a:endParaRPr lang="en-US" dirty="0"/>
+          </a:p>
+        </p:txBody>
+      </p:sp>
+    </p:spTree>
+    <p:extLst>
+      <p:ext uri="{BB962C8B-B14F-4D97-AF65-F5344CB8AC3E}">
+        <p14:creationId xmlns:p14="http://schemas.microsoft.com/office/powerpoint/2010/main" val="3788840175"/>
+      </p:ext>
+    </p:extLst>
+  </p:cSld>
+  <p:clrMapOvr>
+    <a:masterClrMapping/>
+  </p:clrMapOvr>
+  <mc:AlternateContent xmlns:mc="http://schemas.openxmlformats.org/markup-compatibility/2006" xmlns:p14="http://schemas.microsoft.com/office/powerpoint/2010/main">
+    <mc:Choice Requires="p14">
+      <p:transition p14:dur="0"/>
+    </mc:Choice>
+    <mc:Fallback xmlns="">
       <p:transition/>
     </mc:Fallback>
   </mc:AlternateContent>
@@ -23366,11 +24029,11 @@
   <p:clrMapOvr>
     <a:masterClrMapping/>
   </p:clrMapOvr>
-  <mc:AlternateContent xmlns:mc="http://schemas.openxmlformats.org/markup-compatibility/2006">
-    <mc:Choice xmlns:p14="http://schemas.microsoft.com/office/powerpoint/2010/main" Requires="p14">
+  <mc:AlternateContent xmlns:mc="http://schemas.openxmlformats.org/markup-compatibility/2006" xmlns:p14="http://schemas.microsoft.com/office/powerpoint/2010/main">
+    <mc:Choice Requires="p14">
       <p:transition p14:dur="0"/>
     </mc:Choice>
-    <mc:Fallback>
+    <mc:Fallback xmlns="">
       <p:transition/>
     </mc:Fallback>
   </mc:AlternateContent>
@@ -23930,11 +24593,11 @@
   <p:clrMapOvr>
     <a:masterClrMapping/>
   </p:clrMapOvr>
-  <mc:AlternateContent xmlns:mc="http://schemas.openxmlformats.org/markup-compatibility/2006">
-    <mc:Choice xmlns:p14="http://schemas.microsoft.com/office/powerpoint/2010/main" Requires="p14">
+  <mc:AlternateContent xmlns:mc="http://schemas.openxmlformats.org/markup-compatibility/2006" xmlns:p14="http://schemas.microsoft.com/office/powerpoint/2010/main">
+    <mc:Choice Requires="p14">
       <p:transition p14:dur="0"/>
     </mc:Choice>
-    <mc:Fallback>
+    <mc:Fallback xmlns="">
       <p:transition/>
     </mc:Fallback>
   </mc:AlternateContent>
@@ -24375,11 +25038,11 @@
   <p:clrMapOvr>
     <a:masterClrMapping/>
   </p:clrMapOvr>
-  <mc:AlternateContent xmlns:mc="http://schemas.openxmlformats.org/markup-compatibility/2006">
-    <mc:Choice xmlns:p14="http://schemas.microsoft.com/office/powerpoint/2010/main" Requires="p14">
+  <mc:AlternateContent xmlns:mc="http://schemas.openxmlformats.org/markup-compatibility/2006" xmlns:p14="http://schemas.microsoft.com/office/powerpoint/2010/main">
+    <mc:Choice Requires="p14">
       <p:transition p14:dur="0"/>
     </mc:Choice>
-    <mc:Fallback>
+    <mc:Fallback xmlns="">
       <p:transition/>
     </mc:Fallback>
   </mc:AlternateContent>
@@ -25783,11 +26446,11 @@
   <p:clrMapOvr>
     <a:masterClrMapping/>
   </p:clrMapOvr>
-  <mc:AlternateContent xmlns:mc="http://schemas.openxmlformats.org/markup-compatibility/2006">
-    <mc:Choice xmlns:p14="http://schemas.microsoft.com/office/powerpoint/2010/main" Requires="p14">
+  <mc:AlternateContent xmlns:mc="http://schemas.openxmlformats.org/markup-compatibility/2006" xmlns:p14="http://schemas.microsoft.com/office/powerpoint/2010/main">
+    <mc:Choice Requires="p14">
       <p:transition p14:dur="0"/>
     </mc:Choice>
-    <mc:Fallback>
+    <mc:Fallback xmlns="">
       <p:transition/>
     </mc:Fallback>
   </mc:AlternateContent>

--- a/docs/Chat Server.pptx
+++ b/docs/Chat Server.pptx
@@ -10807,6 +10807,13 @@
       <p:transition/>
     </mc:Fallback>
   </mc:AlternateContent>
+  <p:timing>
+    <p:tnLst>
+      <p:par>
+        <p:cTn id="1" dur="indefinite" restart="never" nodeType="tmRoot"/>
+      </p:par>
+    </p:tnLst>
+  </p:timing>
 </p:sld>
 </file>
 

--- a/docs/Chat Server.pptx
+++ b/docs/Chat Server.pptx
@@ -5,7 +5,7 @@
     <p:sldMasterId id="2147483660" r:id="rId1"/>
   </p:sldMasterIdLst>
   <p:notesMasterIdLst>
-    <p:notesMasterId r:id="rId54"/>
+    <p:notesMasterId r:id="rId57"/>
   </p:notesMasterIdLst>
   <p:sldIdLst>
     <p:sldId id="256" r:id="rId2"/>
@@ -52,14 +52,17 @@
     <p:sldId id="301" r:id="rId43"/>
     <p:sldId id="302" r:id="rId44"/>
     <p:sldId id="303" r:id="rId45"/>
-    <p:sldId id="308" r:id="rId46"/>
-    <p:sldId id="309" r:id="rId47"/>
-    <p:sldId id="310" r:id="rId48"/>
-    <p:sldId id="311" r:id="rId49"/>
-    <p:sldId id="312" r:id="rId50"/>
-    <p:sldId id="314" r:id="rId51"/>
-    <p:sldId id="315" r:id="rId52"/>
-    <p:sldId id="304" r:id="rId53"/>
+    <p:sldId id="318" r:id="rId46"/>
+    <p:sldId id="317" r:id="rId47"/>
+    <p:sldId id="319" r:id="rId48"/>
+    <p:sldId id="308" r:id="rId49"/>
+    <p:sldId id="309" r:id="rId50"/>
+    <p:sldId id="310" r:id="rId51"/>
+    <p:sldId id="311" r:id="rId52"/>
+    <p:sldId id="312" r:id="rId53"/>
+    <p:sldId id="314" r:id="rId54"/>
+    <p:sldId id="315" r:id="rId55"/>
+    <p:sldId id="304" r:id="rId56"/>
   </p:sldIdLst>
   <p:sldSz cx="9144000" cy="6858000" type="screen4x3"/>
   <p:notesSz cx="6858000" cy="9144000"/>
@@ -248,7 +251,7 @@
           <a:p>
             <a:fld id="{F4E9F0C9-77EA-47D3-82C5-ED286EEB23A0}" type="datetimeFigureOut">
               <a:rPr lang="en-US" smtClean="0"/>
-              <a:t>26-Oct-15</a:t>
+              <a:t>27-Oct-15</a:t>
             </a:fld>
             <a:endParaRPr lang="en-US"/>
           </a:p>
@@ -1337,7 +1340,7 @@
           <a:p>
             <a:fld id="{73C0DF9B-A9CB-431D-9E24-474995D93FA6}" type="slidenum">
               <a:rPr lang="en-US" smtClean="0"/>
-              <a:t>46</a:t>
+              <a:t>49</a:t>
             </a:fld>
             <a:endParaRPr lang="en-US"/>
           </a:p>
@@ -1560,7 +1563,7 @@
           <a:p>
             <a:fld id="{73C0DF9B-A9CB-431D-9E24-474995D93FA6}" type="slidenum">
               <a:rPr lang="en-US" smtClean="0"/>
-              <a:t>47</a:t>
+              <a:t>50</a:t>
             </a:fld>
             <a:endParaRPr lang="en-US"/>
           </a:p>
@@ -3034,7 +3037,7 @@
           <a:p>
             <a:fld id="{73C0DF9B-A9CB-431D-9E24-474995D93FA6}" type="slidenum">
               <a:rPr lang="en-US" smtClean="0"/>
-              <a:t>49</a:t>
+              <a:t>52</a:t>
             </a:fld>
             <a:endParaRPr lang="en-US"/>
           </a:p>
@@ -5187,7 +5190,7 @@
           <a:p>
             <a:fld id="{9B4966DF-B686-4572-83C3-A5E4D5C04EEB}" type="datetimeFigureOut">
               <a:rPr lang="en-US" smtClean="0"/>
-              <a:t>26-Oct-15</a:t>
+              <a:t>27-Oct-15</a:t>
             </a:fld>
             <a:endParaRPr lang="en-US"/>
           </a:p>
@@ -5365,7 +5368,7 @@
           <a:p>
             <a:fld id="{9B4966DF-B686-4572-83C3-A5E4D5C04EEB}" type="datetimeFigureOut">
               <a:rPr lang="en-US" smtClean="0"/>
-              <a:t>26-Oct-15</a:t>
+              <a:t>27-Oct-15</a:t>
             </a:fld>
             <a:endParaRPr lang="en-US"/>
           </a:p>
@@ -5553,7 +5556,7 @@
           <a:p>
             <a:fld id="{9B4966DF-B686-4572-83C3-A5E4D5C04EEB}" type="datetimeFigureOut">
               <a:rPr lang="en-US" smtClean="0"/>
-              <a:t>26-Oct-15</a:t>
+              <a:t>27-Oct-15</a:t>
             </a:fld>
             <a:endParaRPr lang="en-US"/>
           </a:p>
@@ -5731,7 +5734,7 @@
           <a:p>
             <a:fld id="{9B4966DF-B686-4572-83C3-A5E4D5C04EEB}" type="datetimeFigureOut">
               <a:rPr lang="en-US" smtClean="0"/>
-              <a:t>26-Oct-15</a:t>
+              <a:t>27-Oct-15</a:t>
             </a:fld>
             <a:endParaRPr lang="en-US"/>
           </a:p>
@@ -5983,7 +5986,7 @@
           <a:p>
             <a:fld id="{9B4966DF-B686-4572-83C3-A5E4D5C04EEB}" type="datetimeFigureOut">
               <a:rPr lang="en-US" smtClean="0"/>
-              <a:t>26-Oct-15</a:t>
+              <a:t>27-Oct-15</a:t>
             </a:fld>
             <a:endParaRPr lang="en-US"/>
           </a:p>
@@ -6223,7 +6226,7 @@
           <a:p>
             <a:fld id="{9B4966DF-B686-4572-83C3-A5E4D5C04EEB}" type="datetimeFigureOut">
               <a:rPr lang="en-US" smtClean="0"/>
-              <a:t>26-Oct-15</a:t>
+              <a:t>27-Oct-15</a:t>
             </a:fld>
             <a:endParaRPr lang="en-US"/>
           </a:p>
@@ -6598,7 +6601,7 @@
           <a:p>
             <a:fld id="{9B4966DF-B686-4572-83C3-A5E4D5C04EEB}" type="datetimeFigureOut">
               <a:rPr lang="en-US" smtClean="0"/>
-              <a:t>26-Oct-15</a:t>
+              <a:t>27-Oct-15</a:t>
             </a:fld>
             <a:endParaRPr lang="en-US"/>
           </a:p>
@@ -6724,7 +6727,7 @@
           <a:p>
             <a:fld id="{9B4966DF-B686-4572-83C3-A5E4D5C04EEB}" type="datetimeFigureOut">
               <a:rPr lang="en-US" smtClean="0"/>
-              <a:t>26-Oct-15</a:t>
+              <a:t>27-Oct-15</a:t>
             </a:fld>
             <a:endParaRPr lang="en-US"/>
           </a:p>
@@ -6827,7 +6830,7 @@
           <a:p>
             <a:fld id="{9B4966DF-B686-4572-83C3-A5E4D5C04EEB}" type="datetimeFigureOut">
               <a:rPr lang="en-US" smtClean="0"/>
-              <a:t>26-Oct-15</a:t>
+              <a:t>27-Oct-15</a:t>
             </a:fld>
             <a:endParaRPr lang="en-US"/>
           </a:p>
@@ -7112,7 +7115,7 @@
           <a:p>
             <a:fld id="{9B4966DF-B686-4572-83C3-A5E4D5C04EEB}" type="datetimeFigureOut">
               <a:rPr lang="en-US" smtClean="0"/>
-              <a:t>26-Oct-15</a:t>
+              <a:t>27-Oct-15</a:t>
             </a:fld>
             <a:endParaRPr lang="en-US"/>
           </a:p>
@@ -7377,7 +7380,7 @@
           <a:p>
             <a:fld id="{9B4966DF-B686-4572-83C3-A5E4D5C04EEB}" type="datetimeFigureOut">
               <a:rPr lang="en-US" smtClean="0"/>
-              <a:t>26-Oct-15</a:t>
+              <a:t>27-Oct-15</a:t>
             </a:fld>
             <a:endParaRPr lang="en-US"/>
           </a:p>
@@ -7598,7 +7601,7 @@
           <a:p>
             <a:fld id="{9B4966DF-B686-4572-83C3-A5E4D5C04EEB}" type="datetimeFigureOut">
               <a:rPr lang="en-US" smtClean="0"/>
-              <a:t>26-Oct-15</a:t>
+              <a:t>27-Oct-15</a:t>
             </a:fld>
             <a:endParaRPr lang="en-US"/>
           </a:p>
@@ -8050,12 +8053,39 @@
             <p:ph type="subTitle" idx="1"/>
           </p:nvPr>
         </p:nvSpPr>
-        <p:spPr/>
+        <p:spPr>
+          <a:xfrm>
+            <a:off x="1143000" y="3602038"/>
+            <a:ext cx="6858000" cy="2615882"/>
+          </a:xfrm>
+        </p:spPr>
         <p:txBody>
           <a:bodyPr>
             <a:normAutofit/>
           </a:bodyPr>
           <a:lstStyle/>
+          <a:p>
+            <a:r>
+              <a:rPr lang="en-US" sz="2000" dirty="0" smtClean="0"/>
+              <a:t>(</a:t>
+            </a:r>
+            <a:r>
+              <a:rPr lang="en-US" sz="2000" dirty="0" err="1" smtClean="0"/>
+              <a:t>Perbaikan</a:t>
+            </a:r>
+            <a:r>
+              <a:rPr lang="en-US" sz="2000" dirty="0" smtClean="0"/>
+              <a:t> </a:t>
+            </a:r>
+            <a:r>
+              <a:rPr lang="en-US" sz="2000" dirty="0" err="1" smtClean="0"/>
+              <a:t>Desain</a:t>
+            </a:r>
+            <a:r>
+              <a:rPr lang="en-US" sz="2000" dirty="0" smtClean="0"/>
+              <a:t>)</a:t>
+            </a:r>
+          </a:p>
           <a:p>
             <a:endParaRPr lang="en-US" sz="1400" dirty="0" smtClean="0"/>
           </a:p>
@@ -10799,11 +10829,11 @@
   <p:clrMapOvr>
     <a:masterClrMapping/>
   </p:clrMapOvr>
-  <mc:AlternateContent xmlns:mc="http://schemas.openxmlformats.org/markup-compatibility/2006">
-    <mc:Choice xmlns:p14="http://schemas.microsoft.com/office/powerpoint/2010/main" Requires="p14">
+  <mc:AlternateContent xmlns:mc="http://schemas.openxmlformats.org/markup-compatibility/2006" xmlns:p14="http://schemas.microsoft.com/office/powerpoint/2010/main">
+    <mc:Choice Requires="p14">
       <p:transition p14:dur="0"/>
     </mc:Choice>
-    <mc:Fallback>
+    <mc:Fallback xmlns="">
       <p:transition/>
     </mc:Fallback>
   </mc:AlternateContent>
@@ -16665,52 +16695,11 @@
               <a:t>serverHook</a:t>
             </a:r>
             <a:r>
-              <a:rPr lang="en-US" sz="1400" dirty="0" smtClean="0">
-                <a:latin typeface="Courier New" panose="02070309020205020404" pitchFamily="49" charset="0"/>
-                <a:cs typeface="Courier New" panose="02070309020205020404" pitchFamily="49" charset="0"/>
-              </a:rPr>
-              <a:t>”:</a:t>
-            </a:r>
-            <a:r>
               <a:rPr lang="en-US" sz="1400" dirty="0">
                 <a:latin typeface="Courier New" panose="02070309020205020404" pitchFamily="49" charset="0"/>
                 <a:cs typeface="Courier New" panose="02070309020205020404" pitchFamily="49" charset="0"/>
               </a:rPr>
-              <a:t>{“ip”:”192.168.1.101”,”port”:”80</a:t>
-            </a:r>
-            <a:r>
-              <a:rPr lang="en-US" sz="1400" dirty="0" smtClean="0">
-                <a:latin typeface="Courier New" panose="02070309020205020404" pitchFamily="49" charset="0"/>
-                <a:cs typeface="Courier New" panose="02070309020205020404" pitchFamily="49" charset="0"/>
-              </a:rPr>
-              <a:t>”},</a:t>
-            </a:r>
-            <a:br>
-              <a:rPr lang="en-US" sz="1400" dirty="0" smtClean="0">
-                <a:latin typeface="Courier New" panose="02070309020205020404" pitchFamily="49" charset="0"/>
-                <a:cs typeface="Courier New" panose="02070309020205020404" pitchFamily="49" charset="0"/>
-              </a:rPr>
-            </a:br>
-            <a:r>
-              <a:rPr lang="en-US" sz="1400" dirty="0" smtClean="0">
-                <a:latin typeface="Courier New" panose="02070309020205020404" pitchFamily="49" charset="0"/>
-                <a:cs typeface="Courier New" panose="02070309020205020404" pitchFamily="49" charset="0"/>
-              </a:rPr>
-              <a:t>    “</a:t>
-            </a:r>
-            <a:r>
-              <a:rPr lang="en-US" sz="1400" dirty="0" err="1" smtClean="0">
-                <a:latin typeface="Courier New" panose="02070309020205020404" pitchFamily="49" charset="0"/>
-                <a:cs typeface="Courier New" panose="02070309020205020404" pitchFamily="49" charset="0"/>
-              </a:rPr>
-              <a:t>persistDB</a:t>
-            </a:r>
-            <a:r>
-              <a:rPr lang="en-US" sz="1400" smtClean="0">
-                <a:latin typeface="Courier New" panose="02070309020205020404" pitchFamily="49" charset="0"/>
-                <a:cs typeface="Courier New" panose="02070309020205020404" pitchFamily="49" charset="0"/>
-              </a:rPr>
-              <a:t>”:true/false</a:t>
+              <a:t>”:[{“ip”:”192.168.1.101”,”port”:”80”}]</a:t>
             </a:r>
             <a:r>
               <a:rPr lang="en-US" sz="1400" dirty="0" smtClean="0">
@@ -18315,7 +18304,12 @@
             <p:ph type="body" idx="1"/>
           </p:nvPr>
         </p:nvSpPr>
-        <p:spPr/>
+        <p:spPr>
+          <a:xfrm>
+            <a:off x="623888" y="4589464"/>
+            <a:ext cx="7886700" cy="1765616"/>
+          </a:xfrm>
+        </p:spPr>
         <p:txBody>
           <a:bodyPr>
             <a:normAutofit fontScale="92500" lnSpcReduction="20000"/>
@@ -18392,16 +18386,40 @@
               <a:buAutoNum type="arabicPeriod"/>
             </a:pPr>
             <a:r>
+              <a:rPr lang="en-US" sz="1600" dirty="0" smtClean="0">
+                <a:hlinkClick r:id="rId6"/>
+              </a:rPr>
+              <a:t>http</a:t>
+            </a:r>
+            <a:r>
               <a:rPr lang="en-US" sz="1600" dirty="0">
                 <a:hlinkClick r:id="rId6"/>
               </a:rPr>
-              <a:t>https://</a:t>
+              <a:t>://docs.libuv.org/en/v1.x</a:t>
             </a:r>
             <a:r>
               <a:rPr lang="en-US" sz="1600" dirty="0" smtClean="0">
                 <a:hlinkClick r:id="rId6"/>
               </a:rPr>
-              <a:t>github.com/fent/clusterhub</a:t>
+              <a:t>/</a:t>
+            </a:r>
+            <a:endParaRPr lang="en-US" sz="1600" dirty="0" smtClean="0"/>
+          </a:p>
+          <a:p>
+            <a:pPr marL="342900" indent="-342900">
+              <a:buAutoNum type="arabicPeriod"/>
+            </a:pPr>
+            <a:r>
+              <a:rPr lang="en-US" sz="1600" dirty="0">
+                <a:hlinkClick r:id="rId7"/>
+              </a:rPr>
+              <a:t>https://msdn.microsoft.com/en-us/library/aa365198(VS.85).</a:t>
+            </a:r>
+            <a:r>
+              <a:rPr lang="en-US" sz="1600" dirty="0" smtClean="0">
+                <a:hlinkClick r:id="rId7"/>
+              </a:rPr>
+              <a:t>aspx</a:t>
             </a:r>
             <a:endParaRPr lang="en-US" sz="1600" dirty="0" smtClean="0"/>
           </a:p>
@@ -20241,8 +20259,8 @@
           <a:lstStyle/>
           <a:p>
             <a:r>
-              <a:rPr lang="en-US" b="1" dirty="0" smtClean="0"/>
-              <a:t>Cluster</a:t>
+              <a:rPr lang="en-US" b="1" dirty="0" err="1" smtClean="0"/>
+              <a:t>libuv</a:t>
             </a:r>
             <a:endParaRPr lang="en-US" b="1" dirty="0"/>
           </a:p>
@@ -20270,18 +20288,18 @@
     </p:spTree>
     <p:extLst>
       <p:ext uri="{BB962C8B-B14F-4D97-AF65-F5344CB8AC3E}">
-        <p14:creationId xmlns:p14="http://schemas.microsoft.com/office/powerpoint/2010/main" val="3773677215"/>
+        <p14:creationId xmlns:p14="http://schemas.microsoft.com/office/powerpoint/2010/main" val="3143383556"/>
       </p:ext>
     </p:extLst>
   </p:cSld>
   <p:clrMapOvr>
     <a:masterClrMapping/>
   </p:clrMapOvr>
-  <mc:AlternateContent xmlns:mc="http://schemas.openxmlformats.org/markup-compatibility/2006" xmlns:p14="http://schemas.microsoft.com/office/powerpoint/2010/main">
-    <mc:Choice Requires="p14">
+  <mc:AlternateContent xmlns:mc="http://schemas.openxmlformats.org/markup-compatibility/2006">
+    <mc:Choice xmlns:p14="http://schemas.microsoft.com/office/powerpoint/2010/main" Requires="p14">
       <p:transition p14:dur="0"/>
     </mc:Choice>
-    <mc:Fallback xmlns="">
+    <mc:Fallback>
       <p:transition/>
     </mc:Fallback>
   </mc:AlternateContent>
@@ -20314,6 +20332,549 @@
       </p:grpSpPr>
       <p:sp>
         <p:nvSpPr>
+          <p:cNvPr id="2" name="Title 1"/>
+          <p:cNvSpPr>
+            <a:spLocks noGrp="1"/>
+          </p:cNvSpPr>
+          <p:nvPr>
+            <p:ph type="title"/>
+          </p:nvPr>
+        </p:nvSpPr>
+        <p:spPr/>
+        <p:txBody>
+          <a:bodyPr/>
+          <a:lstStyle/>
+          <a:p>
+            <a:r>
+              <a:rPr lang="en-US" b="1" dirty="0" err="1" smtClean="0"/>
+              <a:t>libuv</a:t>
+            </a:r>
+            <a:endParaRPr lang="en-US" b="1" dirty="0"/>
+          </a:p>
+        </p:txBody>
+      </p:sp>
+      <p:sp>
+        <p:nvSpPr>
+          <p:cNvPr id="3" name="Content Placeholder 2"/>
+          <p:cNvSpPr>
+            <a:spLocks noGrp="1"/>
+          </p:cNvSpPr>
+          <p:nvPr>
+            <p:ph idx="1"/>
+          </p:nvPr>
+        </p:nvSpPr>
+        <p:spPr/>
+        <p:txBody>
+          <a:bodyPr>
+            <a:normAutofit/>
+          </a:bodyPr>
+          <a:lstStyle/>
+          <a:p>
+            <a:r>
+              <a:rPr lang="en-US" dirty="0" err="1" smtClean="0"/>
+              <a:t>Adalah</a:t>
+            </a:r>
+            <a:r>
+              <a:rPr lang="en-US" dirty="0" smtClean="0"/>
+              <a:t> library yang </a:t>
+            </a:r>
+            <a:r>
+              <a:rPr lang="en-US" dirty="0" err="1" smtClean="0"/>
+              <a:t>digunakan</a:t>
+            </a:r>
+            <a:r>
+              <a:rPr lang="en-US" dirty="0" smtClean="0"/>
+              <a:t> </a:t>
+            </a:r>
+            <a:r>
+              <a:rPr lang="en-US" dirty="0" err="1" smtClean="0"/>
+              <a:t>oleh</a:t>
+            </a:r>
+            <a:r>
+              <a:rPr lang="en-US" dirty="0" smtClean="0"/>
+              <a:t> node.js </a:t>
+            </a:r>
+            <a:r>
+              <a:rPr lang="en-US" dirty="0" err="1" smtClean="0"/>
+              <a:t>untuk</a:t>
+            </a:r>
+            <a:r>
+              <a:rPr lang="en-US" dirty="0" smtClean="0"/>
+              <a:t> </a:t>
+            </a:r>
+            <a:r>
+              <a:rPr lang="en-US" dirty="0" err="1" smtClean="0"/>
+              <a:t>memungkinkan</a:t>
+            </a:r>
+            <a:r>
+              <a:rPr lang="en-US" dirty="0" smtClean="0"/>
+              <a:t> asynchronous I/O.</a:t>
+            </a:r>
+          </a:p>
+          <a:p>
+            <a:r>
+              <a:rPr lang="en-US" dirty="0" err="1" smtClean="0"/>
+              <a:t>Penyedia</a:t>
+            </a:r>
+            <a:r>
+              <a:rPr lang="en-US" dirty="0" smtClean="0"/>
+              <a:t> event-loop.</a:t>
+            </a:r>
+          </a:p>
+          <a:p>
+            <a:r>
+              <a:rPr lang="en-US" dirty="0" err="1" smtClean="0"/>
+              <a:t>Mendelegasikan</a:t>
+            </a:r>
+            <a:r>
+              <a:rPr lang="en-US" dirty="0" smtClean="0"/>
+              <a:t> </a:t>
+            </a:r>
+            <a:r>
+              <a:rPr lang="en-US" dirty="0" err="1" smtClean="0"/>
+              <a:t>sebanyak</a:t>
+            </a:r>
+            <a:r>
+              <a:rPr lang="en-US" dirty="0" smtClean="0"/>
+              <a:t> </a:t>
+            </a:r>
+            <a:r>
+              <a:rPr lang="en-US" dirty="0" err="1" smtClean="0"/>
+              <a:t>mungkin</a:t>
+            </a:r>
+            <a:r>
+              <a:rPr lang="en-US" dirty="0" smtClean="0"/>
+              <a:t> </a:t>
+            </a:r>
+            <a:r>
+              <a:rPr lang="en-US" dirty="0" err="1" smtClean="0"/>
+              <a:t>tugas</a:t>
+            </a:r>
+            <a:r>
+              <a:rPr lang="en-US" dirty="0" smtClean="0"/>
+              <a:t> I/O </a:t>
+            </a:r>
+            <a:r>
+              <a:rPr lang="en-US" dirty="0" err="1" smtClean="0"/>
+              <a:t>ke</a:t>
+            </a:r>
+            <a:r>
+              <a:rPr lang="en-US" dirty="0"/>
+              <a:t> </a:t>
+            </a:r>
+            <a:r>
+              <a:rPr lang="en-US" dirty="0" smtClean="0"/>
+              <a:t>operating-system.</a:t>
+            </a:r>
+          </a:p>
+          <a:p>
+            <a:r>
+              <a:rPr lang="en-US" dirty="0" err="1" smtClean="0"/>
+              <a:t>Khusus</a:t>
+            </a:r>
+            <a:r>
+              <a:rPr lang="en-US" dirty="0" smtClean="0"/>
+              <a:t> </a:t>
+            </a:r>
+            <a:r>
+              <a:rPr lang="en-US" dirty="0" err="1" smtClean="0"/>
+              <a:t>untuk</a:t>
+            </a:r>
+            <a:r>
+              <a:rPr lang="en-US" dirty="0" smtClean="0"/>
+              <a:t> file I/O </a:t>
+            </a:r>
+            <a:r>
+              <a:rPr lang="en-US" dirty="0" err="1" smtClean="0"/>
+              <a:t>tersedia</a:t>
+            </a:r>
+            <a:r>
+              <a:rPr lang="en-US" dirty="0" smtClean="0"/>
+              <a:t> thread pool </a:t>
+            </a:r>
+            <a:r>
+              <a:rPr lang="en-US" dirty="0" err="1" smtClean="0"/>
+              <a:t>sebanyak</a:t>
+            </a:r>
+            <a:r>
+              <a:rPr lang="en-US" dirty="0" smtClean="0"/>
+              <a:t> 4 thread. (</a:t>
+            </a:r>
+            <a:r>
+              <a:rPr lang="en-US" dirty="0" err="1" smtClean="0"/>
+              <a:t>secara</a:t>
+            </a:r>
+            <a:r>
+              <a:rPr lang="en-US" dirty="0" smtClean="0"/>
+              <a:t> default, </a:t>
+            </a:r>
+            <a:r>
+              <a:rPr lang="en-US" dirty="0" err="1" smtClean="0"/>
+              <a:t>bisa</a:t>
+            </a:r>
+            <a:r>
+              <a:rPr lang="en-US" dirty="0" smtClean="0"/>
+              <a:t> </a:t>
+            </a:r>
+            <a:r>
+              <a:rPr lang="en-US" dirty="0" err="1" smtClean="0"/>
+              <a:t>ditambah</a:t>
+            </a:r>
+            <a:r>
+              <a:rPr lang="en-US" dirty="0" smtClean="0"/>
+              <a:t>)</a:t>
+            </a:r>
+          </a:p>
+          <a:p>
+            <a:r>
+              <a:rPr lang="en-US" dirty="0"/>
+              <a:t>Network I/O </a:t>
+            </a:r>
+            <a:r>
+              <a:rPr lang="en-US" dirty="0" err="1"/>
+              <a:t>bersifat</a:t>
+            </a:r>
+            <a:r>
+              <a:rPr lang="en-US" dirty="0"/>
+              <a:t> </a:t>
+            </a:r>
+            <a:r>
+              <a:rPr lang="en-US" dirty="0" err="1"/>
+              <a:t>nonblocking</a:t>
+            </a:r>
+            <a:r>
+              <a:rPr lang="en-US" dirty="0"/>
+              <a:t>.</a:t>
+            </a:r>
+            <a:br>
+              <a:rPr lang="en-US" dirty="0"/>
+            </a:br>
+            <a:r>
+              <a:rPr lang="en-US" dirty="0"/>
+              <a:t>Windows </a:t>
+            </a:r>
+            <a:r>
+              <a:rPr lang="en-US" dirty="0" err="1"/>
+              <a:t>menggunakan</a:t>
+            </a:r>
+            <a:r>
+              <a:rPr lang="en-US" dirty="0"/>
+              <a:t> </a:t>
+            </a:r>
+            <a:r>
+              <a:rPr lang="en-US" b="1" dirty="0" smtClean="0"/>
+              <a:t>IOCP</a:t>
+            </a:r>
+            <a:r>
+              <a:rPr lang="en-US" dirty="0" smtClean="0"/>
+              <a:t>.</a:t>
+            </a:r>
+            <a:r>
+              <a:rPr lang="en-US" b="1" dirty="0" smtClean="0"/>
+              <a:t/>
+            </a:r>
+            <a:br>
+              <a:rPr lang="en-US" b="1" dirty="0" smtClean="0"/>
+            </a:br>
+            <a:r>
+              <a:rPr lang="en-US" sz="2000" dirty="0" smtClean="0">
+                <a:hlinkClick r:id="rId2"/>
+              </a:rPr>
+              <a:t>https</a:t>
+            </a:r>
+            <a:r>
+              <a:rPr lang="en-US" sz="2000" dirty="0">
+                <a:hlinkClick r:id="rId2"/>
+              </a:rPr>
+              <a:t>://msdn.microsoft.com/en-us/library/aa365198(VS.85).</a:t>
+            </a:r>
+            <a:r>
+              <a:rPr lang="en-US" sz="2000" dirty="0" smtClean="0">
+                <a:hlinkClick r:id="rId2"/>
+              </a:rPr>
+              <a:t>aspx</a:t>
+            </a:r>
+            <a:endParaRPr lang="en-US" sz="2000" dirty="0" smtClean="0"/>
+          </a:p>
+          <a:p>
+            <a:endParaRPr lang="en-US" dirty="0" smtClean="0"/>
+          </a:p>
+        </p:txBody>
+      </p:sp>
+    </p:spTree>
+    <p:extLst>
+      <p:ext uri="{BB962C8B-B14F-4D97-AF65-F5344CB8AC3E}">
+        <p14:creationId xmlns:p14="http://schemas.microsoft.com/office/powerpoint/2010/main" val="69555039"/>
+      </p:ext>
+    </p:extLst>
+  </p:cSld>
+  <p:clrMapOvr>
+    <a:masterClrMapping/>
+  </p:clrMapOvr>
+  <mc:AlternateContent xmlns:mc="http://schemas.openxmlformats.org/markup-compatibility/2006">
+    <mc:Choice xmlns:p14="http://schemas.microsoft.com/office/powerpoint/2010/main" Requires="p14">
+      <p:transition p14:dur="0"/>
+    </mc:Choice>
+    <mc:Fallback>
+      <p:transition/>
+    </mc:Fallback>
+  </mc:AlternateContent>
+  <p:timing>
+    <p:tnLst>
+      <p:par>
+        <p:cTn id="1" dur="indefinite" restart="never" nodeType="tmRoot"/>
+      </p:par>
+    </p:tnLst>
+  </p:timing>
+</p:sld>
+</file>
+
+<file path=ppt/slides/slide47.xml><?xml version="1.0" encoding="utf-8"?>
+<p:sld xmlns:a="http://schemas.openxmlformats.org/drawingml/2006/main" xmlns:r="http://schemas.openxmlformats.org/officeDocument/2006/relationships" xmlns:p="http://schemas.openxmlformats.org/presentationml/2006/main">
+  <p:cSld>
+    <p:spTree>
+      <p:nvGrpSpPr>
+        <p:cNvPr id="1" name=""/>
+        <p:cNvGrpSpPr/>
+        <p:nvPr/>
+      </p:nvGrpSpPr>
+      <p:grpSpPr>
+        <a:xfrm>
+          <a:off x="0" y="0"/>
+          <a:ext cx="0" cy="0"/>
+          <a:chOff x="0" y="0"/>
+          <a:chExt cx="0" cy="0"/>
+        </a:xfrm>
+      </p:grpSpPr>
+      <p:sp>
+        <p:nvSpPr>
+          <p:cNvPr id="2" name="Title 1"/>
+          <p:cNvSpPr>
+            <a:spLocks noGrp="1"/>
+          </p:cNvSpPr>
+          <p:nvPr>
+            <p:ph type="title"/>
+          </p:nvPr>
+        </p:nvSpPr>
+        <p:spPr/>
+        <p:txBody>
+          <a:bodyPr/>
+          <a:lstStyle/>
+          <a:p>
+            <a:r>
+              <a:rPr lang="en-US" b="1" dirty="0" smtClean="0"/>
+              <a:t>IOCP</a:t>
+            </a:r>
+            <a:endParaRPr lang="en-US" b="1" dirty="0"/>
+          </a:p>
+        </p:txBody>
+      </p:sp>
+      <p:sp>
+        <p:nvSpPr>
+          <p:cNvPr id="3" name="Content Placeholder 2"/>
+          <p:cNvSpPr>
+            <a:spLocks noGrp="1"/>
+          </p:cNvSpPr>
+          <p:nvPr>
+            <p:ph idx="1"/>
+          </p:nvPr>
+        </p:nvSpPr>
+        <p:spPr/>
+        <p:txBody>
+          <a:bodyPr>
+            <a:normAutofit/>
+          </a:bodyPr>
+          <a:lstStyle/>
+          <a:p>
+            <a:r>
+              <a:rPr lang="en-US" dirty="0" err="1" smtClean="0"/>
+              <a:t>Definisi</a:t>
+            </a:r>
+            <a:r>
+              <a:rPr lang="en-US" dirty="0" smtClean="0"/>
+              <a:t> </a:t>
+            </a:r>
+            <a:r>
+              <a:rPr lang="en-US" dirty="0" err="1" smtClean="0"/>
+              <a:t>diambil</a:t>
+            </a:r>
+            <a:r>
+              <a:rPr lang="en-US" dirty="0" smtClean="0"/>
+              <a:t> </a:t>
+            </a:r>
+            <a:r>
+              <a:rPr lang="en-US" dirty="0" err="1" smtClean="0"/>
+              <a:t>dari</a:t>
+            </a:r>
+            <a:r>
+              <a:rPr lang="en-US" dirty="0" smtClean="0"/>
+              <a:t> website Microsoft:</a:t>
+            </a:r>
+            <a:endParaRPr lang="en-US" dirty="0"/>
+          </a:p>
+          <a:p>
+            <a:pPr lvl="1">
+              <a:lnSpc>
+                <a:spcPct val="200000"/>
+              </a:lnSpc>
+            </a:pPr>
+            <a:r>
+              <a:rPr lang="en-US" sz="2000" dirty="0" smtClean="0"/>
+              <a:t>When </a:t>
+            </a:r>
+            <a:r>
+              <a:rPr lang="en-US" sz="2000" dirty="0"/>
+              <a:t>a process creates an I/O completion port, the system creates an associated </a:t>
+            </a:r>
+            <a:r>
+              <a:rPr lang="en-US" sz="2000" b="1" dirty="0"/>
+              <a:t>queue object for requests</a:t>
+            </a:r>
+            <a:r>
+              <a:rPr lang="en-US" sz="2000" dirty="0"/>
+              <a:t> whose sole purpose is to service these requests</a:t>
+            </a:r>
+            <a:r>
+              <a:rPr lang="en-US" sz="2000" dirty="0" smtClean="0"/>
+              <a:t>.</a:t>
+            </a:r>
+          </a:p>
+        </p:txBody>
+      </p:sp>
+    </p:spTree>
+    <p:extLst>
+      <p:ext uri="{BB962C8B-B14F-4D97-AF65-F5344CB8AC3E}">
+        <p14:creationId xmlns:p14="http://schemas.microsoft.com/office/powerpoint/2010/main" val="1569539948"/>
+      </p:ext>
+    </p:extLst>
+  </p:cSld>
+  <p:clrMapOvr>
+    <a:masterClrMapping/>
+  </p:clrMapOvr>
+  <mc:AlternateContent xmlns:mc="http://schemas.openxmlformats.org/markup-compatibility/2006">
+    <mc:Choice xmlns:p14="http://schemas.microsoft.com/office/powerpoint/2010/main" Requires="p14">
+      <p:transition p14:dur="0"/>
+    </mc:Choice>
+    <mc:Fallback>
+      <p:transition/>
+    </mc:Fallback>
+  </mc:AlternateContent>
+  <p:timing>
+    <p:tnLst>
+      <p:par>
+        <p:cTn id="1" dur="indefinite" restart="never" nodeType="tmRoot"/>
+      </p:par>
+    </p:tnLst>
+  </p:timing>
+</p:sld>
+</file>
+
+<file path=ppt/slides/slide48.xml><?xml version="1.0" encoding="utf-8"?>
+<p:sld xmlns:a="http://schemas.openxmlformats.org/drawingml/2006/main" xmlns:r="http://schemas.openxmlformats.org/officeDocument/2006/relationships" xmlns:p="http://schemas.openxmlformats.org/presentationml/2006/main">
+  <p:cSld>
+    <p:spTree>
+      <p:nvGrpSpPr>
+        <p:cNvPr id="1" name=""/>
+        <p:cNvGrpSpPr/>
+        <p:nvPr/>
+      </p:nvGrpSpPr>
+      <p:grpSpPr>
+        <a:xfrm>
+          <a:off x="0" y="0"/>
+          <a:ext cx="0" cy="0"/>
+          <a:chOff x="0" y="0"/>
+          <a:chExt cx="0" cy="0"/>
+        </a:xfrm>
+      </p:grpSpPr>
+      <p:sp>
+        <p:nvSpPr>
+          <p:cNvPr id="4" name="Title 3"/>
+          <p:cNvSpPr>
+            <a:spLocks noGrp="1"/>
+          </p:cNvSpPr>
+          <p:nvPr>
+            <p:ph type="title"/>
+          </p:nvPr>
+        </p:nvSpPr>
+        <p:spPr/>
+        <p:txBody>
+          <a:bodyPr/>
+          <a:lstStyle/>
+          <a:p>
+            <a:r>
+              <a:rPr lang="en-US" b="1" dirty="0" smtClean="0"/>
+              <a:t>Cluster</a:t>
+            </a:r>
+            <a:endParaRPr lang="en-US" b="1" dirty="0"/>
+          </a:p>
+        </p:txBody>
+      </p:sp>
+      <p:sp>
+        <p:nvSpPr>
+          <p:cNvPr id="5" name="Text Placeholder 4"/>
+          <p:cNvSpPr>
+            <a:spLocks noGrp="1"/>
+          </p:cNvSpPr>
+          <p:nvPr>
+            <p:ph type="body" idx="1"/>
+          </p:nvPr>
+        </p:nvSpPr>
+        <p:spPr/>
+        <p:txBody>
+          <a:bodyPr/>
+          <a:lstStyle/>
+          <a:p>
+            <a:endParaRPr lang="en-US" dirty="0"/>
+          </a:p>
+        </p:txBody>
+      </p:sp>
+    </p:spTree>
+    <p:extLst>
+      <p:ext uri="{BB962C8B-B14F-4D97-AF65-F5344CB8AC3E}">
+        <p14:creationId xmlns:p14="http://schemas.microsoft.com/office/powerpoint/2010/main" val="3773677215"/>
+      </p:ext>
+    </p:extLst>
+  </p:cSld>
+  <p:clrMapOvr>
+    <a:masterClrMapping/>
+  </p:clrMapOvr>
+  <mc:AlternateContent xmlns:mc="http://schemas.openxmlformats.org/markup-compatibility/2006" xmlns:p14="http://schemas.microsoft.com/office/powerpoint/2010/main">
+    <mc:Choice Requires="p14">
+      <p:transition p14:dur="0"/>
+    </mc:Choice>
+    <mc:Fallback xmlns="">
+      <p:transition/>
+    </mc:Fallback>
+  </mc:AlternateContent>
+  <p:timing>
+    <p:tnLst>
+      <p:par>
+        <p:cTn id="1" dur="indefinite" restart="never" nodeType="tmRoot"/>
+      </p:par>
+    </p:tnLst>
+  </p:timing>
+</p:sld>
+</file>
+
+<file path=ppt/slides/slide49.xml><?xml version="1.0" encoding="utf-8"?>
+<p:sld xmlns:a="http://schemas.openxmlformats.org/drawingml/2006/main" xmlns:r="http://schemas.openxmlformats.org/officeDocument/2006/relationships" xmlns:p="http://schemas.openxmlformats.org/presentationml/2006/main">
+  <p:cSld>
+    <p:spTree>
+      <p:nvGrpSpPr>
+        <p:cNvPr id="1" name=""/>
+        <p:cNvGrpSpPr/>
+        <p:nvPr/>
+      </p:nvGrpSpPr>
+      <p:grpSpPr>
+        <a:xfrm>
+          <a:off x="0" y="0"/>
+          <a:ext cx="0" cy="0"/>
+          <a:chOff x="0" y="0"/>
+          <a:chExt cx="0" cy="0"/>
+        </a:xfrm>
+      </p:grpSpPr>
+      <p:sp>
+        <p:nvSpPr>
           <p:cNvPr id="4" name="Title 3"/>
           <p:cNvSpPr>
             <a:spLocks noGrp="1"/>
@@ -20756,7 +21317,236 @@
 </p:sld>
 </file>
 
-<file path=ppt/slides/slide47.xml><?xml version="1.0" encoding="utf-8"?>
+<file path=ppt/slides/slide5.xml><?xml version="1.0" encoding="utf-8"?>
+<p:sld xmlns:a="http://schemas.openxmlformats.org/drawingml/2006/main" xmlns:r="http://schemas.openxmlformats.org/officeDocument/2006/relationships" xmlns:p="http://schemas.openxmlformats.org/presentationml/2006/main">
+  <p:cSld>
+    <p:spTree>
+      <p:nvGrpSpPr>
+        <p:cNvPr id="1" name=""/>
+        <p:cNvGrpSpPr/>
+        <p:nvPr/>
+      </p:nvGrpSpPr>
+      <p:grpSpPr>
+        <a:xfrm>
+          <a:off x="0" y="0"/>
+          <a:ext cx="0" cy="0"/>
+          <a:chOff x="0" y="0"/>
+          <a:chExt cx="0" cy="0"/>
+        </a:xfrm>
+      </p:grpSpPr>
+      <p:sp>
+        <p:nvSpPr>
+          <p:cNvPr id="2" name="Title 1"/>
+          <p:cNvSpPr>
+            <a:spLocks noGrp="1"/>
+          </p:cNvSpPr>
+          <p:nvPr>
+            <p:ph type="title"/>
+          </p:nvPr>
+        </p:nvSpPr>
+        <p:spPr/>
+        <p:txBody>
+          <a:bodyPr/>
+          <a:lstStyle/>
+          <a:p>
+            <a:r>
+              <a:rPr lang="en-US" b="1" dirty="0" err="1" smtClean="0"/>
+              <a:t>Ketentuan</a:t>
+            </a:r>
+            <a:r>
+              <a:rPr lang="en-US" b="1" dirty="0" smtClean="0"/>
+              <a:t> Server (</a:t>
+            </a:r>
+            <a:r>
+              <a:rPr lang="en-US" b="1" dirty="0" err="1" smtClean="0"/>
+              <a:t>Tambahan</a:t>
+            </a:r>
+            <a:r>
+              <a:rPr lang="en-US" b="1" dirty="0" smtClean="0"/>
+              <a:t>)</a:t>
+            </a:r>
+            <a:endParaRPr lang="en-US" b="1" dirty="0"/>
+          </a:p>
+        </p:txBody>
+      </p:sp>
+      <p:sp>
+        <p:nvSpPr>
+          <p:cNvPr id="3" name="Content Placeholder 2"/>
+          <p:cNvSpPr>
+            <a:spLocks noGrp="1"/>
+          </p:cNvSpPr>
+          <p:nvPr>
+            <p:ph idx="1"/>
+          </p:nvPr>
+        </p:nvSpPr>
+        <p:spPr/>
+        <p:txBody>
+          <a:bodyPr/>
+          <a:lstStyle/>
+          <a:p>
+            <a:r>
+              <a:rPr lang="en-US" dirty="0" err="1" smtClean="0"/>
+              <a:t>Waktu</a:t>
+            </a:r>
+            <a:r>
+              <a:rPr lang="en-US" dirty="0" smtClean="0"/>
+              <a:t> </a:t>
+            </a:r>
+            <a:r>
+              <a:rPr lang="en-US" dirty="0" err="1" smtClean="0"/>
+              <a:t>antar</a:t>
+            </a:r>
+            <a:r>
+              <a:rPr lang="en-US" dirty="0" smtClean="0"/>
+              <a:t> server </a:t>
+            </a:r>
+            <a:r>
+              <a:rPr lang="en-US" dirty="0" err="1" smtClean="0"/>
+              <a:t>harus</a:t>
+            </a:r>
+            <a:r>
+              <a:rPr lang="en-US" dirty="0" smtClean="0"/>
+              <a:t> </a:t>
+            </a:r>
+            <a:r>
+              <a:rPr lang="en-US" dirty="0" err="1" smtClean="0"/>
+              <a:t>tersinkronisasi</a:t>
+            </a:r>
+            <a:r>
+              <a:rPr lang="en-US" dirty="0" smtClean="0"/>
+              <a:t>.</a:t>
+            </a:r>
+            <a:br>
+              <a:rPr lang="en-US" dirty="0" smtClean="0"/>
+            </a:br>
+            <a:r>
+              <a:rPr lang="en-US" dirty="0" smtClean="0"/>
+              <a:t>(</a:t>
+            </a:r>
+            <a:r>
+              <a:rPr lang="en-US" dirty="0" err="1" smtClean="0"/>
+              <a:t>bisa</a:t>
+            </a:r>
+            <a:r>
+              <a:rPr lang="en-US" dirty="0" smtClean="0"/>
+              <a:t> </a:t>
+            </a:r>
+            <a:r>
+              <a:rPr lang="en-US" dirty="0" err="1" smtClean="0"/>
+              <a:t>menggunakan</a:t>
+            </a:r>
+            <a:r>
+              <a:rPr lang="en-US" dirty="0" smtClean="0"/>
+              <a:t> NTP </a:t>
+            </a:r>
+            <a:r>
+              <a:rPr lang="en-US" dirty="0" err="1" smtClean="0"/>
+              <a:t>atau</a:t>
+            </a:r>
+            <a:r>
+              <a:rPr lang="en-US" dirty="0" smtClean="0"/>
+              <a:t> </a:t>
+            </a:r>
+            <a:r>
+              <a:rPr lang="en-US" dirty="0" err="1" smtClean="0"/>
+              <a:t>implementasi</a:t>
+            </a:r>
+            <a:r>
+              <a:rPr lang="en-US" dirty="0" smtClean="0"/>
+              <a:t> </a:t>
+            </a:r>
+            <a:r>
+              <a:rPr lang="en-US" dirty="0" err="1" smtClean="0"/>
+              <a:t>langsung</a:t>
+            </a:r>
+            <a:r>
+              <a:rPr lang="en-US" dirty="0" smtClean="0"/>
+              <a:t> di </a:t>
+            </a:r>
+            <a:r>
+              <a:rPr lang="en-US" dirty="0" err="1" smtClean="0"/>
+              <a:t>aplikasi</a:t>
+            </a:r>
+            <a:r>
+              <a:rPr lang="en-US" dirty="0" smtClean="0"/>
+              <a:t> server)</a:t>
+            </a:r>
+          </a:p>
+          <a:p>
+            <a:pPr lvl="1"/>
+            <a:r>
+              <a:rPr lang="en-US" dirty="0" err="1" smtClean="0"/>
+              <a:t>Untuk</a:t>
+            </a:r>
+            <a:r>
+              <a:rPr lang="en-US" dirty="0" smtClean="0"/>
+              <a:t> </a:t>
+            </a:r>
+            <a:r>
+              <a:rPr lang="en-US" dirty="0" err="1" smtClean="0"/>
+              <a:t>keperluan</a:t>
+            </a:r>
+            <a:r>
+              <a:rPr lang="en-US" dirty="0" smtClean="0"/>
+              <a:t> </a:t>
+            </a:r>
+            <a:r>
+              <a:rPr lang="en-US" dirty="0" err="1" smtClean="0"/>
+              <a:t>pembuatan</a:t>
+            </a:r>
+            <a:r>
+              <a:rPr lang="en-US" dirty="0" smtClean="0"/>
+              <a:t> timestamp </a:t>
+            </a:r>
+            <a:r>
+              <a:rPr lang="en-US" dirty="0" err="1" smtClean="0"/>
+              <a:t>pada</a:t>
+            </a:r>
+            <a:r>
+              <a:rPr lang="en-US" dirty="0" smtClean="0"/>
+              <a:t> </a:t>
+            </a:r>
+            <a:r>
+              <a:rPr lang="en-US" dirty="0" err="1" smtClean="0"/>
+              <a:t>beberapa</a:t>
+            </a:r>
+            <a:r>
+              <a:rPr lang="en-US" dirty="0" smtClean="0"/>
+              <a:t> method.</a:t>
+            </a:r>
+            <a:endParaRPr lang="en-US" dirty="0"/>
+          </a:p>
+        </p:txBody>
+      </p:sp>
+    </p:spTree>
+    <p:extLst>
+      <p:ext uri="{BB962C8B-B14F-4D97-AF65-F5344CB8AC3E}">
+        <p14:creationId xmlns:p14="http://schemas.microsoft.com/office/powerpoint/2010/main" val="2591167359"/>
+      </p:ext>
+    </p:extLst>
+  </p:cSld>
+  <p:clrMapOvr>
+    <a:masterClrMapping/>
+  </p:clrMapOvr>
+  <mc:AlternateContent xmlns:mc="http://schemas.openxmlformats.org/markup-compatibility/2006" xmlns:p14="http://schemas.microsoft.com/office/powerpoint/2010/main">
+    <mc:Choice Requires="p14">
+      <p:transition p14:dur="0"/>
+    </mc:Choice>
+    <mc:Fallback xmlns="">
+      <p:transition/>
+    </mc:Fallback>
+  </mc:AlternateContent>
+  <p:timing>
+    <p:tnLst>
+      <p:par>
+        <p:cTn id="1" dur="indefinite" restart="never" nodeType="tmRoot"/>
+      </p:par>
+    </p:tnLst>
+  </p:timing>
+</p:sld>
+</file>
+
+<file path=ppt/slides/slide50.xml><?xml version="1.0" encoding="utf-8"?>
 <p:sld xmlns:a="http://schemas.openxmlformats.org/drawingml/2006/main" xmlns:r="http://schemas.openxmlformats.org/officeDocument/2006/relationships" xmlns:p="http://schemas.openxmlformats.org/presentationml/2006/main">
   <p:cSld>
     <p:spTree>
@@ -21474,7 +22264,7 @@
 </p:sld>
 </file>
 
-<file path=ppt/slides/slide48.xml><?xml version="1.0" encoding="utf-8"?>
+<file path=ppt/slides/slide51.xml><?xml version="1.0" encoding="utf-8"?>
 <p:sld xmlns:a="http://schemas.openxmlformats.org/drawingml/2006/main" xmlns:r="http://schemas.openxmlformats.org/officeDocument/2006/relationships" xmlns:p="http://schemas.openxmlformats.org/presentationml/2006/main">
   <p:cSld>
     <p:spTree>
@@ -21565,7 +22355,7 @@
 </p:sld>
 </file>
 
-<file path=ppt/slides/slide49.xml><?xml version="1.0" encoding="utf-8"?>
+<file path=ppt/slides/slide52.xml><?xml version="1.0" encoding="utf-8"?>
 <p:sld xmlns:a="http://schemas.openxmlformats.org/drawingml/2006/main" xmlns:r="http://schemas.openxmlformats.org/officeDocument/2006/relationships" xmlns:p="http://schemas.openxmlformats.org/presentationml/2006/main">
   <p:cSld>
     <p:spTree>
@@ -23021,7 +23811,158 @@
 </p:sld>
 </file>
 
-<file path=ppt/slides/slide5.xml><?xml version="1.0" encoding="utf-8"?>
+<file path=ppt/slides/slide53.xml><?xml version="1.0" encoding="utf-8"?>
+<p:sld xmlns:a="http://schemas.openxmlformats.org/drawingml/2006/main" xmlns:r="http://schemas.openxmlformats.org/officeDocument/2006/relationships" xmlns:p="http://schemas.openxmlformats.org/presentationml/2006/main">
+  <p:cSld>
+    <p:spTree>
+      <p:nvGrpSpPr>
+        <p:cNvPr id="1" name=""/>
+        <p:cNvGrpSpPr/>
+        <p:nvPr/>
+      </p:nvGrpSpPr>
+      <p:grpSpPr>
+        <a:xfrm>
+          <a:off x="0" y="0"/>
+          <a:ext cx="0" cy="0"/>
+          <a:chOff x="0" y="0"/>
+          <a:chExt cx="0" cy="0"/>
+        </a:xfrm>
+      </p:grpSpPr>
+      <p:sp>
+        <p:nvSpPr>
+          <p:cNvPr id="5" name="Title 4"/>
+          <p:cNvSpPr>
+            <a:spLocks noGrp="1"/>
+          </p:cNvSpPr>
+          <p:nvPr>
+            <p:ph type="title"/>
+          </p:nvPr>
+        </p:nvSpPr>
+        <p:spPr/>
+        <p:txBody>
+          <a:bodyPr/>
+          <a:lstStyle/>
+          <a:p>
+            <a:r>
+              <a:rPr lang="en-US" b="1" dirty="0" smtClean="0"/>
+              <a:t>Saran </a:t>
+            </a:r>
+            <a:r>
+              <a:rPr lang="en-US" b="1" dirty="0" err="1" smtClean="0"/>
+              <a:t>Perbaikan</a:t>
+            </a:r>
+            <a:r>
+              <a:rPr lang="en-US" b="1" dirty="0" smtClean="0"/>
+              <a:t> </a:t>
+            </a:r>
+            <a:r>
+              <a:rPr lang="en-US" b="1" dirty="0" err="1" smtClean="0"/>
+              <a:t>Desain</a:t>
+            </a:r>
+            <a:endParaRPr lang="en-US" b="1" dirty="0"/>
+          </a:p>
+        </p:txBody>
+      </p:sp>
+      <p:sp>
+        <p:nvSpPr>
+          <p:cNvPr id="6" name="Content Placeholder 5"/>
+          <p:cNvSpPr>
+            <a:spLocks noGrp="1"/>
+          </p:cNvSpPr>
+          <p:nvPr>
+            <p:ph idx="1"/>
+          </p:nvPr>
+        </p:nvSpPr>
+        <p:spPr/>
+        <p:txBody>
+          <a:bodyPr/>
+          <a:lstStyle/>
+          <a:p>
+            <a:r>
+              <a:rPr lang="en-US" dirty="0" smtClean="0"/>
+              <a:t>Telnet </a:t>
+            </a:r>
+            <a:r>
+              <a:rPr lang="en-US" dirty="0" err="1" smtClean="0"/>
+              <a:t>tidak</a:t>
+            </a:r>
+            <a:r>
+              <a:rPr lang="en-US" dirty="0" smtClean="0"/>
+              <a:t> </a:t>
+            </a:r>
+            <a:r>
+              <a:rPr lang="en-US" dirty="0" err="1" smtClean="0"/>
+              <a:t>perlu</a:t>
+            </a:r>
+            <a:r>
+              <a:rPr lang="en-US" dirty="0" smtClean="0"/>
+              <a:t> </a:t>
+            </a:r>
+            <a:r>
+              <a:rPr lang="en-US" dirty="0" err="1" smtClean="0"/>
+              <a:t>mengetik</a:t>
+            </a:r>
+            <a:r>
+              <a:rPr lang="en-US" dirty="0" smtClean="0"/>
+              <a:t> xml.</a:t>
+            </a:r>
+          </a:p>
+          <a:p>
+            <a:r>
+              <a:rPr lang="en-US" dirty="0" smtClean="0"/>
+              <a:t>Multiple </a:t>
+            </a:r>
+            <a:r>
+              <a:rPr lang="en-US" dirty="0" err="1" smtClean="0"/>
+              <a:t>serverHook</a:t>
+            </a:r>
+            <a:r>
+              <a:rPr lang="en-US" dirty="0" smtClean="0"/>
+              <a:t>.</a:t>
+            </a:r>
+          </a:p>
+          <a:p>
+            <a:r>
+              <a:rPr lang="en-US" dirty="0" err="1" smtClean="0"/>
+              <a:t>Protokol</a:t>
+            </a:r>
+            <a:r>
+              <a:rPr lang="en-US" dirty="0" smtClean="0"/>
+              <a:t> s2s </a:t>
+            </a:r>
+            <a:r>
+              <a:rPr lang="en-US" dirty="0" err="1" smtClean="0"/>
+              <a:t>menggunakan</a:t>
+            </a:r>
+            <a:r>
+              <a:rPr lang="en-US" dirty="0" smtClean="0"/>
+              <a:t> dedicated connection.</a:t>
+            </a:r>
+          </a:p>
+        </p:txBody>
+      </p:sp>
+    </p:spTree>
+    <p:extLst>
+      <p:ext uri="{BB962C8B-B14F-4D97-AF65-F5344CB8AC3E}">
+        <p14:creationId xmlns:p14="http://schemas.microsoft.com/office/powerpoint/2010/main" val="4282001556"/>
+      </p:ext>
+    </p:extLst>
+  </p:cSld>
+  <p:clrMapOvr>
+    <a:masterClrMapping/>
+  </p:clrMapOvr>
+  <mc:AlternateContent xmlns:mc="http://schemas.openxmlformats.org/markup-compatibility/2006" xmlns:p14="http://schemas.microsoft.com/office/powerpoint/2010/main">
+    <mc:Choice Requires="p14">
+      <p:transition p14:dur="0"/>
+    </mc:Choice>
+    <mc:Fallback xmlns="">
+      <p:transition/>
+    </mc:Fallback>
+  </mc:AlternateContent>
+</p:sld>
+</file>
+
+<file path=ppt/slides/slide54.xml><?xml version="1.0" encoding="utf-8"?>
 <p:sld xmlns:a="http://schemas.openxmlformats.org/drawingml/2006/main" xmlns:r="http://schemas.openxmlformats.org/officeDocument/2006/relationships" xmlns:p="http://schemas.openxmlformats.org/presentationml/2006/main">
   <p:cSld>
     <p:spTree>
@@ -23055,386 +23996,6 @@
           <a:p>
             <a:r>
               <a:rPr lang="en-US" b="1" dirty="0" err="1" smtClean="0"/>
-              <a:t>Ketentuan</a:t>
-            </a:r>
-            <a:r>
-              <a:rPr lang="en-US" b="1" dirty="0" smtClean="0"/>
-              <a:t> Server (</a:t>
-            </a:r>
-            <a:r>
-              <a:rPr lang="en-US" b="1" dirty="0" err="1" smtClean="0"/>
-              <a:t>Tambahan</a:t>
-            </a:r>
-            <a:r>
-              <a:rPr lang="en-US" b="1" dirty="0" smtClean="0"/>
-              <a:t>)</a:t>
-            </a:r>
-            <a:endParaRPr lang="en-US" b="1" dirty="0"/>
-          </a:p>
-        </p:txBody>
-      </p:sp>
-      <p:sp>
-        <p:nvSpPr>
-          <p:cNvPr id="3" name="Content Placeholder 2"/>
-          <p:cNvSpPr>
-            <a:spLocks noGrp="1"/>
-          </p:cNvSpPr>
-          <p:nvPr>
-            <p:ph idx="1"/>
-          </p:nvPr>
-        </p:nvSpPr>
-        <p:spPr/>
-        <p:txBody>
-          <a:bodyPr/>
-          <a:lstStyle/>
-          <a:p>
-            <a:r>
-              <a:rPr lang="en-US" dirty="0" err="1" smtClean="0"/>
-              <a:t>Waktu</a:t>
-            </a:r>
-            <a:r>
-              <a:rPr lang="en-US" dirty="0" smtClean="0"/>
-              <a:t> </a:t>
-            </a:r>
-            <a:r>
-              <a:rPr lang="en-US" dirty="0" err="1" smtClean="0"/>
-              <a:t>antar</a:t>
-            </a:r>
-            <a:r>
-              <a:rPr lang="en-US" dirty="0" smtClean="0"/>
-              <a:t> server </a:t>
-            </a:r>
-            <a:r>
-              <a:rPr lang="en-US" dirty="0" err="1" smtClean="0"/>
-              <a:t>harus</a:t>
-            </a:r>
-            <a:r>
-              <a:rPr lang="en-US" dirty="0" smtClean="0"/>
-              <a:t> </a:t>
-            </a:r>
-            <a:r>
-              <a:rPr lang="en-US" dirty="0" err="1" smtClean="0"/>
-              <a:t>tersinkronisasi</a:t>
-            </a:r>
-            <a:r>
-              <a:rPr lang="en-US" dirty="0" smtClean="0"/>
-              <a:t>.</a:t>
-            </a:r>
-            <a:br>
-              <a:rPr lang="en-US" dirty="0" smtClean="0"/>
-            </a:br>
-            <a:r>
-              <a:rPr lang="en-US" dirty="0" smtClean="0"/>
-              <a:t>(</a:t>
-            </a:r>
-            <a:r>
-              <a:rPr lang="en-US" dirty="0" err="1" smtClean="0"/>
-              <a:t>bisa</a:t>
-            </a:r>
-            <a:r>
-              <a:rPr lang="en-US" dirty="0" smtClean="0"/>
-              <a:t> </a:t>
-            </a:r>
-            <a:r>
-              <a:rPr lang="en-US" dirty="0" err="1" smtClean="0"/>
-              <a:t>menggunakan</a:t>
-            </a:r>
-            <a:r>
-              <a:rPr lang="en-US" dirty="0" smtClean="0"/>
-              <a:t> NTP </a:t>
-            </a:r>
-            <a:r>
-              <a:rPr lang="en-US" dirty="0" err="1" smtClean="0"/>
-              <a:t>atau</a:t>
-            </a:r>
-            <a:r>
-              <a:rPr lang="en-US" dirty="0" smtClean="0"/>
-              <a:t> </a:t>
-            </a:r>
-            <a:r>
-              <a:rPr lang="en-US" dirty="0" err="1" smtClean="0"/>
-              <a:t>implementasi</a:t>
-            </a:r>
-            <a:r>
-              <a:rPr lang="en-US" dirty="0" smtClean="0"/>
-              <a:t> </a:t>
-            </a:r>
-            <a:r>
-              <a:rPr lang="en-US" dirty="0" err="1" smtClean="0"/>
-              <a:t>langsung</a:t>
-            </a:r>
-            <a:r>
-              <a:rPr lang="en-US" dirty="0" smtClean="0"/>
-              <a:t> di </a:t>
-            </a:r>
-            <a:r>
-              <a:rPr lang="en-US" dirty="0" err="1" smtClean="0"/>
-              <a:t>aplikasi</a:t>
-            </a:r>
-            <a:r>
-              <a:rPr lang="en-US" dirty="0" smtClean="0"/>
-              <a:t> server)</a:t>
-            </a:r>
-          </a:p>
-          <a:p>
-            <a:pPr lvl="1"/>
-            <a:r>
-              <a:rPr lang="en-US" dirty="0" err="1" smtClean="0"/>
-              <a:t>Untuk</a:t>
-            </a:r>
-            <a:r>
-              <a:rPr lang="en-US" dirty="0" smtClean="0"/>
-              <a:t> </a:t>
-            </a:r>
-            <a:r>
-              <a:rPr lang="en-US" dirty="0" err="1" smtClean="0"/>
-              <a:t>keperluan</a:t>
-            </a:r>
-            <a:r>
-              <a:rPr lang="en-US" dirty="0" smtClean="0"/>
-              <a:t> </a:t>
-            </a:r>
-            <a:r>
-              <a:rPr lang="en-US" dirty="0" err="1" smtClean="0"/>
-              <a:t>pembuatan</a:t>
-            </a:r>
-            <a:r>
-              <a:rPr lang="en-US" dirty="0" smtClean="0"/>
-              <a:t> timestamp </a:t>
-            </a:r>
-            <a:r>
-              <a:rPr lang="en-US" dirty="0" err="1" smtClean="0"/>
-              <a:t>pada</a:t>
-            </a:r>
-            <a:r>
-              <a:rPr lang="en-US" dirty="0" smtClean="0"/>
-              <a:t> </a:t>
-            </a:r>
-            <a:r>
-              <a:rPr lang="en-US" dirty="0" err="1" smtClean="0"/>
-              <a:t>beberapa</a:t>
-            </a:r>
-            <a:r>
-              <a:rPr lang="en-US" dirty="0" smtClean="0"/>
-              <a:t> method.</a:t>
-            </a:r>
-            <a:endParaRPr lang="en-US" dirty="0"/>
-          </a:p>
-        </p:txBody>
-      </p:sp>
-    </p:spTree>
-    <p:extLst>
-      <p:ext uri="{BB962C8B-B14F-4D97-AF65-F5344CB8AC3E}">
-        <p14:creationId xmlns:p14="http://schemas.microsoft.com/office/powerpoint/2010/main" val="2591167359"/>
-      </p:ext>
-    </p:extLst>
-  </p:cSld>
-  <p:clrMapOvr>
-    <a:masterClrMapping/>
-  </p:clrMapOvr>
-  <mc:AlternateContent xmlns:mc="http://schemas.openxmlformats.org/markup-compatibility/2006" xmlns:p14="http://schemas.microsoft.com/office/powerpoint/2010/main">
-    <mc:Choice Requires="p14">
-      <p:transition p14:dur="0"/>
-    </mc:Choice>
-    <mc:Fallback xmlns="">
-      <p:transition/>
-    </mc:Fallback>
-  </mc:AlternateContent>
-  <p:timing>
-    <p:tnLst>
-      <p:par>
-        <p:cTn id="1" dur="indefinite" restart="never" nodeType="tmRoot"/>
-      </p:par>
-    </p:tnLst>
-  </p:timing>
-</p:sld>
-</file>
-
-<file path=ppt/slides/slide50.xml><?xml version="1.0" encoding="utf-8"?>
-<p:sld xmlns:a="http://schemas.openxmlformats.org/drawingml/2006/main" xmlns:r="http://schemas.openxmlformats.org/officeDocument/2006/relationships" xmlns:p="http://schemas.openxmlformats.org/presentationml/2006/main">
-  <p:cSld>
-    <p:spTree>
-      <p:nvGrpSpPr>
-        <p:cNvPr id="1" name=""/>
-        <p:cNvGrpSpPr/>
-        <p:nvPr/>
-      </p:nvGrpSpPr>
-      <p:grpSpPr>
-        <a:xfrm>
-          <a:off x="0" y="0"/>
-          <a:ext cx="0" cy="0"/>
-          <a:chOff x="0" y="0"/>
-          <a:chExt cx="0" cy="0"/>
-        </a:xfrm>
-      </p:grpSpPr>
-      <p:sp>
-        <p:nvSpPr>
-          <p:cNvPr id="5" name="Title 4"/>
-          <p:cNvSpPr>
-            <a:spLocks noGrp="1"/>
-          </p:cNvSpPr>
-          <p:nvPr>
-            <p:ph type="title"/>
-          </p:nvPr>
-        </p:nvSpPr>
-        <p:spPr/>
-        <p:txBody>
-          <a:bodyPr/>
-          <a:lstStyle/>
-          <a:p>
-            <a:r>
-              <a:rPr lang="en-US" b="1" dirty="0" smtClean="0"/>
-              <a:t>Saran </a:t>
-            </a:r>
-            <a:r>
-              <a:rPr lang="en-US" b="1" dirty="0" err="1" smtClean="0"/>
-              <a:t>Perbaikan</a:t>
-            </a:r>
-            <a:r>
-              <a:rPr lang="en-US" b="1" dirty="0" smtClean="0"/>
-              <a:t> </a:t>
-            </a:r>
-            <a:r>
-              <a:rPr lang="en-US" b="1" dirty="0" err="1" smtClean="0"/>
-              <a:t>Desain</a:t>
-            </a:r>
-            <a:endParaRPr lang="en-US" b="1" dirty="0"/>
-          </a:p>
-        </p:txBody>
-      </p:sp>
-      <p:sp>
-        <p:nvSpPr>
-          <p:cNvPr id="6" name="Content Placeholder 5"/>
-          <p:cNvSpPr>
-            <a:spLocks noGrp="1"/>
-          </p:cNvSpPr>
-          <p:nvPr>
-            <p:ph idx="1"/>
-          </p:nvPr>
-        </p:nvSpPr>
-        <p:spPr/>
-        <p:txBody>
-          <a:bodyPr/>
-          <a:lstStyle/>
-          <a:p>
-            <a:r>
-              <a:rPr lang="en-US" dirty="0" smtClean="0"/>
-              <a:t>Telnet </a:t>
-            </a:r>
-            <a:r>
-              <a:rPr lang="en-US" dirty="0" err="1" smtClean="0"/>
-              <a:t>tidak</a:t>
-            </a:r>
-            <a:r>
-              <a:rPr lang="en-US" dirty="0" smtClean="0"/>
-              <a:t> </a:t>
-            </a:r>
-            <a:r>
-              <a:rPr lang="en-US" dirty="0" err="1" smtClean="0"/>
-              <a:t>perlu</a:t>
-            </a:r>
-            <a:r>
-              <a:rPr lang="en-US" dirty="0" smtClean="0"/>
-              <a:t> </a:t>
-            </a:r>
-            <a:r>
-              <a:rPr lang="en-US" dirty="0" err="1" smtClean="0"/>
-              <a:t>mengetik</a:t>
-            </a:r>
-            <a:r>
-              <a:rPr lang="en-US" dirty="0" smtClean="0"/>
-              <a:t> xml.</a:t>
-            </a:r>
-          </a:p>
-          <a:p>
-            <a:r>
-              <a:rPr lang="en-US" dirty="0" smtClean="0"/>
-              <a:t>Multiple </a:t>
-            </a:r>
-            <a:r>
-              <a:rPr lang="en-US" dirty="0" err="1" smtClean="0"/>
-              <a:t>serverHook</a:t>
-            </a:r>
-            <a:r>
-              <a:rPr lang="en-US" dirty="0" smtClean="0"/>
-              <a:t>.</a:t>
-            </a:r>
-          </a:p>
-          <a:p>
-            <a:r>
-              <a:rPr lang="en-US" dirty="0" err="1" smtClean="0"/>
-              <a:t>Protokol</a:t>
-            </a:r>
-            <a:r>
-              <a:rPr lang="en-US" dirty="0" smtClean="0"/>
-              <a:t> s2s </a:t>
-            </a:r>
-            <a:r>
-              <a:rPr lang="en-US" dirty="0" err="1" smtClean="0"/>
-              <a:t>menggunakan</a:t>
-            </a:r>
-            <a:r>
-              <a:rPr lang="en-US" dirty="0" smtClean="0"/>
-              <a:t> dedicated connection.</a:t>
-            </a:r>
-          </a:p>
-        </p:txBody>
-      </p:sp>
-    </p:spTree>
-    <p:extLst>
-      <p:ext uri="{BB962C8B-B14F-4D97-AF65-F5344CB8AC3E}">
-        <p14:creationId xmlns:p14="http://schemas.microsoft.com/office/powerpoint/2010/main" val="4282001556"/>
-      </p:ext>
-    </p:extLst>
-  </p:cSld>
-  <p:clrMapOvr>
-    <a:masterClrMapping/>
-  </p:clrMapOvr>
-  <mc:AlternateContent xmlns:mc="http://schemas.openxmlformats.org/markup-compatibility/2006">
-    <mc:Choice xmlns:p14="http://schemas.microsoft.com/office/powerpoint/2010/main" Requires="p14">
-      <p:transition p14:dur="0"/>
-    </mc:Choice>
-    <mc:Fallback>
-      <p:transition/>
-    </mc:Fallback>
-  </mc:AlternateContent>
-</p:sld>
-</file>
-
-<file path=ppt/slides/slide51.xml><?xml version="1.0" encoding="utf-8"?>
-<p:sld xmlns:a="http://schemas.openxmlformats.org/drawingml/2006/main" xmlns:r="http://schemas.openxmlformats.org/officeDocument/2006/relationships" xmlns:p="http://schemas.openxmlformats.org/presentationml/2006/main">
-  <p:cSld>
-    <p:spTree>
-      <p:nvGrpSpPr>
-        <p:cNvPr id="1" name=""/>
-        <p:cNvGrpSpPr/>
-        <p:nvPr/>
-      </p:nvGrpSpPr>
-      <p:grpSpPr>
-        <a:xfrm>
-          <a:off x="0" y="0"/>
-          <a:ext cx="0" cy="0"/>
-          <a:chOff x="0" y="0"/>
-          <a:chExt cx="0" cy="0"/>
-        </a:xfrm>
-      </p:grpSpPr>
-      <p:sp>
-        <p:nvSpPr>
-          <p:cNvPr id="2" name="Title 1"/>
-          <p:cNvSpPr>
-            <a:spLocks noGrp="1"/>
-          </p:cNvSpPr>
-          <p:nvPr>
-            <p:ph type="title"/>
-          </p:nvPr>
-        </p:nvSpPr>
-        <p:spPr/>
-        <p:txBody>
-          <a:bodyPr/>
-          <a:lstStyle/>
-          <a:p>
-            <a:r>
-              <a:rPr lang="en-US" b="1" dirty="0" err="1" smtClean="0"/>
               <a:t>Implementasi</a:t>
             </a:r>
             <a:r>
@@ -23734,18 +24295,18 @@
   <p:clrMapOvr>
     <a:masterClrMapping/>
   </p:clrMapOvr>
-  <mc:AlternateContent xmlns:mc="http://schemas.openxmlformats.org/markup-compatibility/2006">
-    <mc:Choice xmlns:p14="http://schemas.microsoft.com/office/powerpoint/2010/main" Requires="p14">
+  <mc:AlternateContent xmlns:mc="http://schemas.openxmlformats.org/markup-compatibility/2006" xmlns:p14="http://schemas.microsoft.com/office/powerpoint/2010/main">
+    <mc:Choice Requires="p14">
       <p:transition p14:dur="0"/>
     </mc:Choice>
-    <mc:Fallback>
+    <mc:Fallback xmlns="">
       <p:transition/>
     </mc:Fallback>
   </mc:AlternateContent>
 </p:sld>
 </file>
 
-<file path=ppt/slides/slide52.xml><?xml version="1.0" encoding="utf-8"?>
+<file path=ppt/slides/slide55.xml><?xml version="1.0" encoding="utf-8"?>
 <p:sld xmlns:a="http://schemas.openxmlformats.org/drawingml/2006/main" xmlns:r="http://schemas.openxmlformats.org/officeDocument/2006/relationships" xmlns:p="http://schemas.openxmlformats.org/presentationml/2006/main">
   <p:cSld>
     <p:spTree>

--- a/docs/Chat Server.pptx
+++ b/docs/Chat Server.pptx
@@ -5,7 +5,7 @@
     <p:sldMasterId id="2147483660" r:id="rId1"/>
   </p:sldMasterIdLst>
   <p:notesMasterIdLst>
-    <p:notesMasterId r:id="rId57"/>
+    <p:notesMasterId r:id="rId58"/>
   </p:notesMasterIdLst>
   <p:sldIdLst>
     <p:sldId id="256" r:id="rId2"/>
@@ -25,44 +25,45 @@
     <p:sldId id="270" r:id="rId16"/>
     <p:sldId id="271" r:id="rId17"/>
     <p:sldId id="272" r:id="rId18"/>
-    <p:sldId id="273" r:id="rId19"/>
-    <p:sldId id="316" r:id="rId20"/>
-    <p:sldId id="274" r:id="rId21"/>
-    <p:sldId id="275" r:id="rId22"/>
-    <p:sldId id="276" r:id="rId23"/>
-    <p:sldId id="278" r:id="rId24"/>
-    <p:sldId id="277" r:id="rId25"/>
-    <p:sldId id="279" r:id="rId26"/>
-    <p:sldId id="280" r:id="rId27"/>
-    <p:sldId id="281" r:id="rId28"/>
-    <p:sldId id="282" r:id="rId29"/>
-    <p:sldId id="283" r:id="rId30"/>
-    <p:sldId id="285" r:id="rId31"/>
-    <p:sldId id="288" r:id="rId32"/>
-    <p:sldId id="289" r:id="rId33"/>
-    <p:sldId id="313" r:id="rId34"/>
-    <p:sldId id="284" r:id="rId35"/>
-    <p:sldId id="261" r:id="rId36"/>
-    <p:sldId id="266" r:id="rId37"/>
-    <p:sldId id="292" r:id="rId38"/>
-    <p:sldId id="291" r:id="rId39"/>
-    <p:sldId id="295" r:id="rId40"/>
-    <p:sldId id="306" r:id="rId41"/>
-    <p:sldId id="307" r:id="rId42"/>
-    <p:sldId id="301" r:id="rId43"/>
-    <p:sldId id="302" r:id="rId44"/>
-    <p:sldId id="303" r:id="rId45"/>
-    <p:sldId id="318" r:id="rId46"/>
-    <p:sldId id="317" r:id="rId47"/>
-    <p:sldId id="319" r:id="rId48"/>
-    <p:sldId id="308" r:id="rId49"/>
-    <p:sldId id="309" r:id="rId50"/>
-    <p:sldId id="310" r:id="rId51"/>
-    <p:sldId id="311" r:id="rId52"/>
-    <p:sldId id="312" r:id="rId53"/>
-    <p:sldId id="314" r:id="rId54"/>
-    <p:sldId id="315" r:id="rId55"/>
-    <p:sldId id="304" r:id="rId56"/>
+    <p:sldId id="320" r:id="rId19"/>
+    <p:sldId id="273" r:id="rId20"/>
+    <p:sldId id="316" r:id="rId21"/>
+    <p:sldId id="274" r:id="rId22"/>
+    <p:sldId id="275" r:id="rId23"/>
+    <p:sldId id="276" r:id="rId24"/>
+    <p:sldId id="278" r:id="rId25"/>
+    <p:sldId id="277" r:id="rId26"/>
+    <p:sldId id="279" r:id="rId27"/>
+    <p:sldId id="280" r:id="rId28"/>
+    <p:sldId id="281" r:id="rId29"/>
+    <p:sldId id="282" r:id="rId30"/>
+    <p:sldId id="283" r:id="rId31"/>
+    <p:sldId id="285" r:id="rId32"/>
+    <p:sldId id="288" r:id="rId33"/>
+    <p:sldId id="289" r:id="rId34"/>
+    <p:sldId id="313" r:id="rId35"/>
+    <p:sldId id="284" r:id="rId36"/>
+    <p:sldId id="261" r:id="rId37"/>
+    <p:sldId id="266" r:id="rId38"/>
+    <p:sldId id="292" r:id="rId39"/>
+    <p:sldId id="291" r:id="rId40"/>
+    <p:sldId id="295" r:id="rId41"/>
+    <p:sldId id="306" r:id="rId42"/>
+    <p:sldId id="307" r:id="rId43"/>
+    <p:sldId id="301" r:id="rId44"/>
+    <p:sldId id="302" r:id="rId45"/>
+    <p:sldId id="303" r:id="rId46"/>
+    <p:sldId id="318" r:id="rId47"/>
+    <p:sldId id="317" r:id="rId48"/>
+    <p:sldId id="319" r:id="rId49"/>
+    <p:sldId id="308" r:id="rId50"/>
+    <p:sldId id="309" r:id="rId51"/>
+    <p:sldId id="310" r:id="rId52"/>
+    <p:sldId id="311" r:id="rId53"/>
+    <p:sldId id="312" r:id="rId54"/>
+    <p:sldId id="314" r:id="rId55"/>
+    <p:sldId id="315" r:id="rId56"/>
+    <p:sldId id="304" r:id="rId57"/>
   </p:sldIdLst>
   <p:sldSz cx="9144000" cy="6858000" type="screen4x3"/>
   <p:notesSz cx="6858000" cy="9144000"/>
@@ -251,7 +252,7 @@
           <a:p>
             <a:fld id="{F4E9F0C9-77EA-47D3-82C5-ED286EEB23A0}" type="datetimeFigureOut">
               <a:rPr lang="en-US" smtClean="0"/>
-              <a:t>27-Oct-15</a:t>
+              <a:t>28-Oct-15</a:t>
             </a:fld>
             <a:endParaRPr lang="en-US"/>
           </a:p>
@@ -876,7 +877,7 @@
           <a:p>
             <a:fld id="{73C0DF9B-A9CB-431D-9E24-474995D93FA6}" type="slidenum">
               <a:rPr lang="en-US" smtClean="0"/>
-              <a:t>42</a:t>
+              <a:t>43</a:t>
             </a:fld>
             <a:endParaRPr lang="en-US"/>
           </a:p>
@@ -960,7 +961,7 @@
           <a:p>
             <a:fld id="{73C0DF9B-A9CB-431D-9E24-474995D93FA6}" type="slidenum">
               <a:rPr lang="en-US" smtClean="0"/>
-              <a:t>43</a:t>
+              <a:t>44</a:t>
             </a:fld>
             <a:endParaRPr lang="en-US"/>
           </a:p>
@@ -1340,7 +1341,7 @@
           <a:p>
             <a:fld id="{73C0DF9B-A9CB-431D-9E24-474995D93FA6}" type="slidenum">
               <a:rPr lang="en-US" smtClean="0"/>
-              <a:t>49</a:t>
+              <a:t>50</a:t>
             </a:fld>
             <a:endParaRPr lang="en-US"/>
           </a:p>
@@ -1563,7 +1564,7 @@
           <a:p>
             <a:fld id="{73C0DF9B-A9CB-431D-9E24-474995D93FA6}" type="slidenum">
               <a:rPr lang="en-US" smtClean="0"/>
-              <a:t>50</a:t>
+              <a:t>51</a:t>
             </a:fld>
             <a:endParaRPr lang="en-US"/>
           </a:p>
@@ -3037,7 +3038,7 @@
           <a:p>
             <a:fld id="{73C0DF9B-A9CB-431D-9E24-474995D93FA6}" type="slidenum">
               <a:rPr lang="en-US" smtClean="0"/>
-              <a:t>52</a:t>
+              <a:t>53</a:t>
             </a:fld>
             <a:endParaRPr lang="en-US"/>
           </a:p>
@@ -3885,7 +3886,7 @@
           <a:p>
             <a:fld id="{73C0DF9B-A9CB-431D-9E24-474995D93FA6}" type="slidenum">
               <a:rPr lang="en-US" smtClean="0"/>
-              <a:t>35</a:t>
+              <a:t>36</a:t>
             </a:fld>
             <a:endParaRPr lang="en-US"/>
           </a:p>
@@ -4005,7 +4006,7 @@
           <a:p>
             <a:fld id="{73C0DF9B-A9CB-431D-9E24-474995D93FA6}" type="slidenum">
               <a:rPr lang="en-US" smtClean="0"/>
-              <a:t>36</a:t>
+              <a:t>37</a:t>
             </a:fld>
             <a:endParaRPr lang="en-US"/>
           </a:p>
@@ -4221,7 +4222,7 @@
           <a:p>
             <a:fld id="{73C0DF9B-A9CB-431D-9E24-474995D93FA6}" type="slidenum">
               <a:rPr lang="en-US" smtClean="0"/>
-              <a:t>37</a:t>
+              <a:t>38</a:t>
             </a:fld>
             <a:endParaRPr lang="en-US"/>
           </a:p>
@@ -4305,7 +4306,7 @@
           <a:p>
             <a:fld id="{73C0DF9B-A9CB-431D-9E24-474995D93FA6}" type="slidenum">
               <a:rPr lang="en-US" smtClean="0"/>
-              <a:t>38</a:t>
+              <a:t>39</a:t>
             </a:fld>
             <a:endParaRPr lang="en-US"/>
           </a:p>
@@ -4593,7 +4594,7 @@
           <a:p>
             <a:fld id="{73C0DF9B-A9CB-431D-9E24-474995D93FA6}" type="slidenum">
               <a:rPr lang="en-US" smtClean="0"/>
-              <a:t>39</a:t>
+              <a:t>40</a:t>
             </a:fld>
             <a:endParaRPr lang="en-US"/>
           </a:p>
@@ -5040,7 +5041,7 @@
           <a:p>
             <a:fld id="{73C0DF9B-A9CB-431D-9E24-474995D93FA6}" type="slidenum">
               <a:rPr lang="en-US" smtClean="0"/>
-              <a:t>40</a:t>
+              <a:t>41</a:t>
             </a:fld>
             <a:endParaRPr lang="en-US"/>
           </a:p>
@@ -5190,7 +5191,7 @@
           <a:p>
             <a:fld id="{9B4966DF-B686-4572-83C3-A5E4D5C04EEB}" type="datetimeFigureOut">
               <a:rPr lang="en-US" smtClean="0"/>
-              <a:t>27-Oct-15</a:t>
+              <a:t>28-Oct-15</a:t>
             </a:fld>
             <a:endParaRPr lang="en-US"/>
           </a:p>
@@ -5368,7 +5369,7 @@
           <a:p>
             <a:fld id="{9B4966DF-B686-4572-83C3-A5E4D5C04EEB}" type="datetimeFigureOut">
               <a:rPr lang="en-US" smtClean="0"/>
-              <a:t>27-Oct-15</a:t>
+              <a:t>28-Oct-15</a:t>
             </a:fld>
             <a:endParaRPr lang="en-US"/>
           </a:p>
@@ -5556,7 +5557,7 @@
           <a:p>
             <a:fld id="{9B4966DF-B686-4572-83C3-A5E4D5C04EEB}" type="datetimeFigureOut">
               <a:rPr lang="en-US" smtClean="0"/>
-              <a:t>27-Oct-15</a:t>
+              <a:t>28-Oct-15</a:t>
             </a:fld>
             <a:endParaRPr lang="en-US"/>
           </a:p>
@@ -5734,7 +5735,7 @@
           <a:p>
             <a:fld id="{9B4966DF-B686-4572-83C3-A5E4D5C04EEB}" type="datetimeFigureOut">
               <a:rPr lang="en-US" smtClean="0"/>
-              <a:t>27-Oct-15</a:t>
+              <a:t>28-Oct-15</a:t>
             </a:fld>
             <a:endParaRPr lang="en-US"/>
           </a:p>
@@ -5986,7 +5987,7 @@
           <a:p>
             <a:fld id="{9B4966DF-B686-4572-83C3-A5E4D5C04EEB}" type="datetimeFigureOut">
               <a:rPr lang="en-US" smtClean="0"/>
-              <a:t>27-Oct-15</a:t>
+              <a:t>28-Oct-15</a:t>
             </a:fld>
             <a:endParaRPr lang="en-US"/>
           </a:p>
@@ -6226,7 +6227,7 @@
           <a:p>
             <a:fld id="{9B4966DF-B686-4572-83C3-A5E4D5C04EEB}" type="datetimeFigureOut">
               <a:rPr lang="en-US" smtClean="0"/>
-              <a:t>27-Oct-15</a:t>
+              <a:t>28-Oct-15</a:t>
             </a:fld>
             <a:endParaRPr lang="en-US"/>
           </a:p>
@@ -6601,7 +6602,7 @@
           <a:p>
             <a:fld id="{9B4966DF-B686-4572-83C3-A5E4D5C04EEB}" type="datetimeFigureOut">
               <a:rPr lang="en-US" smtClean="0"/>
-              <a:t>27-Oct-15</a:t>
+              <a:t>28-Oct-15</a:t>
             </a:fld>
             <a:endParaRPr lang="en-US"/>
           </a:p>
@@ -6727,7 +6728,7 @@
           <a:p>
             <a:fld id="{9B4966DF-B686-4572-83C3-A5E4D5C04EEB}" type="datetimeFigureOut">
               <a:rPr lang="en-US" smtClean="0"/>
-              <a:t>27-Oct-15</a:t>
+              <a:t>28-Oct-15</a:t>
             </a:fld>
             <a:endParaRPr lang="en-US"/>
           </a:p>
@@ -6830,7 +6831,7 @@
           <a:p>
             <a:fld id="{9B4966DF-B686-4572-83C3-A5E4D5C04EEB}" type="datetimeFigureOut">
               <a:rPr lang="en-US" smtClean="0"/>
-              <a:t>27-Oct-15</a:t>
+              <a:t>28-Oct-15</a:t>
             </a:fld>
             <a:endParaRPr lang="en-US"/>
           </a:p>
@@ -7115,7 +7116,7 @@
           <a:p>
             <a:fld id="{9B4966DF-B686-4572-83C3-A5E4D5C04EEB}" type="datetimeFigureOut">
               <a:rPr lang="en-US" smtClean="0"/>
-              <a:t>27-Oct-15</a:t>
+              <a:t>28-Oct-15</a:t>
             </a:fld>
             <a:endParaRPr lang="en-US"/>
           </a:p>
@@ -7380,7 +7381,7 @@
           <a:p>
             <a:fld id="{9B4966DF-B686-4572-83C3-A5E4D5C04EEB}" type="datetimeFigureOut">
               <a:rPr lang="en-US" smtClean="0"/>
-              <a:t>27-Oct-15</a:t>
+              <a:t>28-Oct-15</a:t>
             </a:fld>
             <a:endParaRPr lang="en-US"/>
           </a:p>
@@ -7601,7 +7602,7 @@
           <a:p>
             <a:fld id="{9B4966DF-B686-4572-83C3-A5E4D5C04EEB}" type="datetimeFigureOut">
               <a:rPr lang="en-US" smtClean="0"/>
-              <a:t>27-Oct-15</a:t>
+              <a:t>28-Oct-15</a:t>
             </a:fld>
             <a:endParaRPr lang="en-US"/>
           </a:p>
@@ -10494,13 +10495,13 @@
         <p:spPr/>
         <p:txBody>
           <a:bodyPr>
-            <a:normAutofit fontScale="92500" lnSpcReduction="10000"/>
+            <a:normAutofit fontScale="85000" lnSpcReduction="20000"/>
           </a:bodyPr>
           <a:lstStyle/>
           <a:p>
             <a:r>
               <a:rPr lang="en-US" dirty="0" err="1" smtClean="0"/>
-              <a:t>ClientHeartbeat</a:t>
+              <a:t>loggedInUserPull</a:t>
             </a:r>
             <a:r>
               <a:rPr lang="en-US" dirty="0" smtClean="0"/>
@@ -10508,7 +10509,7 @@
             </a:r>
             <a:r>
               <a:rPr lang="en-US" dirty="0" err="1" smtClean="0"/>
-              <a:t>SessionID</a:t>
+              <a:t>lastHash</a:t>
             </a:r>
             <a:r>
               <a:rPr lang="en-US" dirty="0" smtClean="0"/>
@@ -10539,16 +10540,21 @@
             <a:pPr lvl="3"/>
             <a:r>
               <a:rPr lang="en-US" dirty="0" smtClean="0"/>
-              <a:t>name=“</a:t>
-            </a:r>
-            <a:r>
-              <a:rPr lang="en-US" dirty="0" err="1" smtClean="0"/>
-              <a:t>clientheartbeat</a:t>
+              <a:t>name</a:t>
+            </a:r>
+            <a:r>
+              <a:rPr lang="en-US" dirty="0" smtClean="0"/>
+              <a:t>=“</a:t>
+            </a:r>
+            <a:r>
+              <a:rPr lang="en-US" dirty="0" err="1" smtClean="0"/>
+              <a:t>loggedinuserpull</a:t>
             </a:r>
             <a:r>
               <a:rPr lang="en-US" dirty="0" smtClean="0"/>
               <a:t>”</a:t>
             </a:r>
+            <a:endParaRPr lang="en-US" dirty="0" smtClean="0"/>
           </a:p>
           <a:p>
             <a:pPr lvl="2"/>
@@ -10569,12 +10575,21 @@
             <a:pPr lvl="3"/>
             <a:r>
               <a:rPr lang="en-US" dirty="0" err="1" smtClean="0"/>
-              <a:t>sessionid</a:t>
-            </a:r>
-            <a:r>
-              <a:rPr lang="en-US" dirty="0" smtClean="0"/>
-              <a:t>=“user’s session id”</a:t>
-            </a:r>
+              <a:t>lastHash</a:t>
+            </a:r>
+            <a:r>
+              <a:rPr lang="en-US" dirty="0" smtClean="0"/>
+              <a:t>=“</a:t>
+            </a:r>
+            <a:r>
+              <a:rPr lang="en-US" dirty="0" smtClean="0"/>
+              <a:t>last retrieved </a:t>
+            </a:r>
+            <a:r>
+              <a:rPr lang="en-US" dirty="0" smtClean="0"/>
+              <a:t>hash”</a:t>
+            </a:r>
+            <a:endParaRPr lang="en-US" dirty="0" smtClean="0"/>
           </a:p>
           <a:p>
             <a:pPr lvl="1"/>
@@ -10601,6 +10616,49 @@
             </a:br>
             <a:r>
               <a:rPr lang="en-US" dirty="0" smtClean="0"/>
+              <a:t>users =</a:t>
+            </a:r>
+            <a:endParaRPr lang="en-US" dirty="0" smtClean="0"/>
+          </a:p>
+          <a:p>
+            <a:pPr lvl="3"/>
+            <a:r>
+              <a:rPr lang="en-US" dirty="0" smtClean="0"/>
+              <a:t>&lt;user username</a:t>
+            </a:r>
+            <a:r>
+              <a:rPr lang="en-US" dirty="0" smtClean="0"/>
+              <a:t>=“user</a:t>
+            </a:r>
+            <a:r>
+              <a:rPr lang="en-US" dirty="0" smtClean="0"/>
+              <a:t>” </a:t>
+            </a:r>
+            <a:r>
+              <a:rPr lang="en-US" dirty="0" smtClean="0"/>
+              <a:t>/&gt;</a:t>
+            </a:r>
+          </a:p>
+          <a:p>
+            <a:pPr lvl="2"/>
+            <a:r>
+              <a:rPr lang="en-US" dirty="0" err="1" smtClean="0"/>
+              <a:t>lastHash</a:t>
+            </a:r>
+            <a:r>
+              <a:rPr lang="en-US" dirty="0" smtClean="0"/>
+              <a:t> </a:t>
+            </a:r>
+            <a:r>
+              <a:rPr lang="en-US" dirty="0" smtClean="0"/>
+              <a:t>= last </a:t>
+            </a:r>
+            <a:r>
+              <a:rPr lang="en-US" dirty="0" smtClean="0"/>
+              <a:t>hash</a:t>
+            </a:r>
+            <a:r>
+              <a:rPr lang="en-US" dirty="0" smtClean="0"/>
               <a:t/>
             </a:r>
             <a:br>
@@ -10608,7 +10666,18 @@
             </a:br>
             <a:r>
               <a:rPr lang="en-US" dirty="0" smtClean="0"/>
+              <a:t/>
+            </a:r>
+            <a:br>
+              <a:rPr lang="en-US" dirty="0" smtClean="0"/>
+            </a:br>
+            <a:r>
+              <a:rPr lang="en-US" dirty="0" smtClean="0"/>
               <a:t>or</a:t>
+            </a:r>
+            <a:r>
+              <a:rPr lang="en-US" dirty="0" smtClean="0"/>
+              <a:t/>
             </a:r>
             <a:br>
               <a:rPr lang="en-US" dirty="0" smtClean="0"/>
@@ -10650,18 +10719,18 @@
     </p:spTree>
     <p:extLst>
       <p:ext uri="{BB962C8B-B14F-4D97-AF65-F5344CB8AC3E}">
-        <p14:creationId xmlns:p14="http://schemas.microsoft.com/office/powerpoint/2010/main" val="1568281939"/>
+        <p14:creationId xmlns:p14="http://schemas.microsoft.com/office/powerpoint/2010/main" val="1081579231"/>
       </p:ext>
     </p:extLst>
   </p:cSld>
   <p:clrMapOvr>
     <a:masterClrMapping/>
   </p:clrMapOvr>
-  <mc:AlternateContent xmlns:mc="http://schemas.openxmlformats.org/markup-compatibility/2006" xmlns:p14="http://schemas.microsoft.com/office/powerpoint/2010/main">
-    <mc:Choice Requires="p14">
+  <mc:AlternateContent xmlns:mc="http://schemas.openxmlformats.org/markup-compatibility/2006">
+    <mc:Choice xmlns:p14="http://schemas.microsoft.com/office/powerpoint/2010/main" Requires="p14">
       <p:transition p14:dur="0"/>
     </mc:Choice>
-    <mc:Fallback xmlns="">
+    <mc:Fallback>
       <p:transition/>
     </mc:Fallback>
   </mc:AlternateContent>
@@ -10708,18 +10777,18 @@
           <a:lstStyle/>
           <a:p>
             <a:r>
-              <a:rPr lang="en-US" dirty="0" smtClean="0"/>
+              <a:rPr lang="en-US" b="1" dirty="0" smtClean="0"/>
               <a:t>Format </a:t>
             </a:r>
             <a:r>
-              <a:rPr lang="en-US" dirty="0" err="1" smtClean="0"/>
+              <a:rPr lang="en-US" b="1" dirty="0" err="1" smtClean="0"/>
               <a:t>Pesan</a:t>
             </a:r>
             <a:r>
-              <a:rPr lang="en-US" dirty="0" smtClean="0"/>
-              <a:t> Telnet</a:t>
-            </a:r>
-            <a:endParaRPr lang="en-US" dirty="0"/>
+              <a:rPr lang="en-US" b="1" dirty="0" smtClean="0"/>
+              <a:t> Per Method (c2s)</a:t>
+            </a:r>
+            <a:endParaRPr lang="en-US" b="1" dirty="0"/>
           </a:p>
         </p:txBody>
       </p:sp>
@@ -10735,86 +10804,156 @@
         </p:nvSpPr>
         <p:spPr/>
         <p:txBody>
-          <a:bodyPr/>
+          <a:bodyPr>
+            <a:normAutofit fontScale="92500" lnSpcReduction="10000"/>
+          </a:bodyPr>
           <a:lstStyle/>
           <a:p>
             <a:r>
-              <a:rPr lang="en-US" dirty="0" smtClean="0">
-                <a:latin typeface="Courier New" panose="02070309020205020404" pitchFamily="49" charset="0"/>
-                <a:cs typeface="Courier New" panose="02070309020205020404" pitchFamily="49" charset="0"/>
-              </a:rPr>
-              <a:t>method ; parameter1 ; parameter2</a:t>
-            </a:r>
-          </a:p>
-          <a:p>
+              <a:rPr lang="en-US" dirty="0" err="1" smtClean="0"/>
+              <a:t>ClientHeartbeat</a:t>
+            </a:r>
+            <a:r>
+              <a:rPr lang="en-US" dirty="0" smtClean="0"/>
+              <a:t>(</a:t>
+            </a:r>
             <a:r>
               <a:rPr lang="en-US" dirty="0" err="1" smtClean="0"/>
               <a:t>SessionID</a:t>
             </a:r>
             <a:r>
               <a:rPr lang="en-US" dirty="0" smtClean="0"/>
-              <a:t> </a:t>
-            </a:r>
-            <a:r>
-              <a:rPr lang="en-US" dirty="0" err="1" smtClean="0"/>
-              <a:t>ditiadakan</a:t>
-            </a:r>
-            <a:r>
-              <a:rPr lang="en-US" dirty="0" smtClean="0"/>
-              <a:t>.</a:t>
-            </a:r>
+              <a:t>)</a:t>
+            </a:r>
+            <a:endParaRPr lang="en-US" dirty="0"/>
           </a:p>
           <a:p>
             <a:pPr lvl="1"/>
             <a:r>
-              <a:rPr lang="en-US" dirty="0" err="1" smtClean="0"/>
-              <a:t>Contoh</a:t>
-            </a:r>
-            <a:r>
-              <a:rPr lang="en-US" dirty="0" smtClean="0"/>
-              <a:t>: logout(</a:t>
-            </a:r>
-            <a:r>
-              <a:rPr lang="en-US" dirty="0" err="1" smtClean="0"/>
-              <a:t>SessionId</a:t>
-            </a:r>
-            <a:r>
-              <a:rPr lang="en-US" dirty="0" smtClean="0"/>
-              <a:t>) </a:t>
-            </a:r>
-            <a:r>
-              <a:rPr lang="en-US" dirty="0" err="1" smtClean="0"/>
-              <a:t>menjadi</a:t>
-            </a:r>
-            <a:r>
-              <a:rPr lang="en-US" dirty="0" smtClean="0"/>
-              <a:t> logout </a:t>
-            </a:r>
-            <a:r>
-              <a:rPr lang="en-US" dirty="0" err="1" smtClean="0"/>
-              <a:t>saja</a:t>
-            </a:r>
+              <a:rPr lang="en-US" dirty="0" smtClean="0"/>
+              <a:t>Request</a:t>
+            </a:r>
+            <a:endParaRPr lang="en-US" dirty="0"/>
+          </a:p>
+          <a:p>
+            <a:pPr lvl="2"/>
+            <a:r>
+              <a:rPr lang="en-US" dirty="0"/>
+              <a:t>m</a:t>
+            </a:r>
+            <a:r>
+              <a:rPr lang="en-US" dirty="0" smtClean="0"/>
+              <a:t>ethod:</a:t>
+            </a:r>
+          </a:p>
+          <a:p>
+            <a:pPr lvl="3"/>
+            <a:r>
+              <a:rPr lang="en-US" dirty="0" smtClean="0"/>
+              <a:t>name=“</a:t>
+            </a:r>
+            <a:r>
+              <a:rPr lang="en-US" dirty="0" err="1" smtClean="0"/>
+              <a:t>clientheartbeat</a:t>
+            </a:r>
+            <a:r>
+              <a:rPr lang="en-US" dirty="0" smtClean="0"/>
+              <a:t>”</a:t>
+            </a:r>
+          </a:p>
+          <a:p>
+            <a:pPr lvl="2"/>
+            <a:r>
+              <a:rPr lang="en-US" dirty="0" err="1"/>
+              <a:t>p</a:t>
+            </a:r>
+            <a:r>
+              <a:rPr lang="en-US" dirty="0" err="1" smtClean="0"/>
+              <a:t>arams</a:t>
+            </a:r>
+            <a:r>
+              <a:rPr lang="en-US" dirty="0" smtClean="0"/>
+              <a:t>:</a:t>
+            </a:r>
+          </a:p>
+          <a:p>
+            <a:pPr lvl="3"/>
+            <a:r>
+              <a:rPr lang="en-US" dirty="0" err="1" smtClean="0"/>
+              <a:t>sessionid</a:t>
+            </a:r>
+            <a:r>
+              <a:rPr lang="en-US" dirty="0" smtClean="0"/>
+              <a:t>=“user’s session id”</a:t>
+            </a:r>
+          </a:p>
+          <a:p>
+            <a:pPr lvl="1"/>
+            <a:r>
+              <a:rPr lang="en-US" dirty="0" smtClean="0"/>
+              <a:t>Response</a:t>
+            </a:r>
+          </a:p>
+          <a:p>
+            <a:pPr lvl="2"/>
+            <a:r>
+              <a:rPr lang="en-US" dirty="0" smtClean="0"/>
+              <a:t>status=“accepted”</a:t>
+            </a:r>
+            <a:br>
+              <a:rPr lang="en-US" dirty="0" smtClean="0"/>
+            </a:br>
+            <a:r>
+              <a:rPr lang="en-US" dirty="0" smtClean="0"/>
+              <a:t>status-code=“1”</a:t>
+            </a:r>
+            <a:br>
+              <a:rPr lang="en-US" dirty="0" smtClean="0"/>
+            </a:br>
+            <a:r>
+              <a:rPr lang="en-US" dirty="0" smtClean="0"/>
+              <a:t/>
+            </a:r>
+            <a:br>
+              <a:rPr lang="en-US" dirty="0" smtClean="0"/>
+            </a:br>
+            <a:r>
+              <a:rPr lang="en-US" dirty="0" smtClean="0"/>
+              <a:t>or</a:t>
+            </a:r>
+            <a:br>
+              <a:rPr lang="en-US" dirty="0" smtClean="0"/>
+            </a:br>
             <a:endParaRPr lang="en-US" dirty="0" smtClean="0"/>
           </a:p>
           <a:p>
-            <a:r>
-              <a:rPr lang="en-US" dirty="0" err="1" smtClean="0"/>
-              <a:t>Semua</a:t>
-            </a:r>
-            <a:r>
-              <a:rPr lang="en-US" dirty="0" smtClean="0"/>
-              <a:t> method </a:t>
-            </a:r>
-            <a:r>
-              <a:rPr lang="en-US" dirty="0" err="1" smtClean="0"/>
-              <a:t>dalam</a:t>
-            </a:r>
-            <a:r>
-              <a:rPr lang="en-US" dirty="0" smtClean="0"/>
-              <a:t> lower-case.</a:t>
-            </a:r>
-          </a:p>
-          <a:p>
+            <a:pPr lvl="2"/>
+            <a:r>
+              <a:rPr lang="en-US" dirty="0"/>
+              <a:t>s</a:t>
+            </a:r>
+            <a:r>
+              <a:rPr lang="en-US" dirty="0" smtClean="0"/>
+              <a:t>tatus=“rejected”</a:t>
+            </a:r>
+            <a:br>
+              <a:rPr lang="en-US" dirty="0" smtClean="0"/>
+            </a:br>
+            <a:r>
+              <a:rPr lang="en-US" dirty="0"/>
+              <a:t>status-code</a:t>
+            </a:r>
+            <a:r>
+              <a:rPr lang="en-US" dirty="0" smtClean="0"/>
+              <a:t>=“2 / 3”</a:t>
+            </a:r>
+            <a:br>
+              <a:rPr lang="en-US" dirty="0" smtClean="0"/>
+            </a:br>
+            <a:r>
+              <a:rPr lang="en-US" dirty="0" smtClean="0"/>
+              <a:t>message=“server error / session expired”</a:t>
+            </a:r>
             <a:endParaRPr lang="en-US" dirty="0"/>
           </a:p>
         </p:txBody>
@@ -10822,7 +10961,7 @@
     </p:spTree>
     <p:extLst>
       <p:ext uri="{BB962C8B-B14F-4D97-AF65-F5344CB8AC3E}">
-        <p14:creationId xmlns:p14="http://schemas.microsoft.com/office/powerpoint/2010/main" val="488920828"/>
+        <p14:creationId xmlns:p14="http://schemas.microsoft.com/office/powerpoint/2010/main" val="1568281939"/>
       </p:ext>
     </p:extLst>
   </p:cSld>
@@ -11065,7 +11204,7 @@
       </p:grpSpPr>
       <p:sp>
         <p:nvSpPr>
-          <p:cNvPr id="4" name="Title 3"/>
+          <p:cNvPr id="2" name="Title 1"/>
           <p:cNvSpPr>
             <a:spLocks noGrp="1"/>
           </p:cNvSpPr>
@@ -11079,29 +11218,29 @@
           <a:lstStyle/>
           <a:p>
             <a:r>
-              <a:rPr lang="en-US" b="1" dirty="0" smtClean="0"/>
+              <a:rPr lang="en-US" dirty="0" smtClean="0"/>
               <a:t>Format </a:t>
             </a:r>
             <a:r>
-              <a:rPr lang="en-US" b="1" dirty="0" err="1" smtClean="0"/>
+              <a:rPr lang="en-US" dirty="0" err="1" smtClean="0"/>
               <a:t>Pesan</a:t>
             </a:r>
             <a:r>
-              <a:rPr lang="en-US" b="1" dirty="0" smtClean="0"/>
-              <a:t> S2S</a:t>
-            </a:r>
-            <a:endParaRPr lang="en-US" b="1" dirty="0"/>
+              <a:rPr lang="en-US" dirty="0" smtClean="0"/>
+              <a:t> Telnet</a:t>
+            </a:r>
+            <a:endParaRPr lang="en-US" dirty="0"/>
           </a:p>
         </p:txBody>
       </p:sp>
       <p:sp>
         <p:nvSpPr>
-          <p:cNvPr id="5" name="Text Placeholder 4"/>
+          <p:cNvPr id="3" name="Content Placeholder 2"/>
           <p:cNvSpPr>
             <a:spLocks noGrp="1"/>
           </p:cNvSpPr>
           <p:nvPr>
-            <p:ph type="body" idx="1"/>
+            <p:ph idx="1"/>
           </p:nvPr>
         </p:nvSpPr>
         <p:spPr/>
@@ -11109,14 +11248,91 @@
           <a:bodyPr/>
           <a:lstStyle/>
           <a:p>
-            <a:endParaRPr lang="en-US"/>
+            <a:r>
+              <a:rPr lang="en-US" dirty="0" smtClean="0">
+                <a:latin typeface="Courier New" panose="02070309020205020404" pitchFamily="49" charset="0"/>
+                <a:cs typeface="Courier New" panose="02070309020205020404" pitchFamily="49" charset="0"/>
+              </a:rPr>
+              <a:t>method ; parameter1 ; parameter2</a:t>
+            </a:r>
+          </a:p>
+          <a:p>
+            <a:r>
+              <a:rPr lang="en-US" dirty="0" err="1" smtClean="0"/>
+              <a:t>SessionID</a:t>
+            </a:r>
+            <a:r>
+              <a:rPr lang="en-US" dirty="0" smtClean="0"/>
+              <a:t> </a:t>
+            </a:r>
+            <a:r>
+              <a:rPr lang="en-US" dirty="0" err="1" smtClean="0"/>
+              <a:t>ditiadakan</a:t>
+            </a:r>
+            <a:r>
+              <a:rPr lang="en-US" dirty="0" smtClean="0"/>
+              <a:t>.</a:t>
+            </a:r>
+          </a:p>
+          <a:p>
+            <a:pPr lvl="1"/>
+            <a:r>
+              <a:rPr lang="en-US" dirty="0" err="1" smtClean="0"/>
+              <a:t>Contoh</a:t>
+            </a:r>
+            <a:r>
+              <a:rPr lang="en-US" dirty="0" smtClean="0"/>
+              <a:t>: logout(</a:t>
+            </a:r>
+            <a:r>
+              <a:rPr lang="en-US" dirty="0" err="1" smtClean="0"/>
+              <a:t>SessionId</a:t>
+            </a:r>
+            <a:r>
+              <a:rPr lang="en-US" dirty="0" smtClean="0"/>
+              <a:t>) </a:t>
+            </a:r>
+            <a:r>
+              <a:rPr lang="en-US" dirty="0" err="1" smtClean="0"/>
+              <a:t>menjadi</a:t>
+            </a:r>
+            <a:r>
+              <a:rPr lang="en-US" dirty="0" smtClean="0"/>
+              <a:t> logout </a:t>
+            </a:r>
+            <a:r>
+              <a:rPr lang="en-US" dirty="0" err="1" smtClean="0"/>
+              <a:t>saja</a:t>
+            </a:r>
+            <a:endParaRPr lang="en-US" dirty="0" smtClean="0"/>
+          </a:p>
+          <a:p>
+            <a:r>
+              <a:rPr lang="en-US" dirty="0" err="1" smtClean="0"/>
+              <a:t>Semua</a:t>
+            </a:r>
+            <a:r>
+              <a:rPr lang="en-US" dirty="0" smtClean="0"/>
+              <a:t> method </a:t>
+            </a:r>
+            <a:r>
+              <a:rPr lang="en-US" dirty="0" err="1" smtClean="0"/>
+              <a:t>dalam</a:t>
+            </a:r>
+            <a:r>
+              <a:rPr lang="en-US" dirty="0" smtClean="0"/>
+              <a:t> lower-case.</a:t>
+            </a:r>
+          </a:p>
+          <a:p>
+            <a:endParaRPr lang="en-US" dirty="0"/>
           </a:p>
         </p:txBody>
       </p:sp>
     </p:spTree>
     <p:extLst>
       <p:ext uri="{BB962C8B-B14F-4D97-AF65-F5344CB8AC3E}">
-        <p14:creationId xmlns:p14="http://schemas.microsoft.com/office/powerpoint/2010/main" val="2749889776"/>
+        <p14:creationId xmlns:p14="http://schemas.microsoft.com/office/powerpoint/2010/main" val="488920828"/>
       </p:ext>
     </p:extLst>
   </p:cSld>
@@ -11160,7 +11376,7 @@
       </p:grpSpPr>
       <p:sp>
         <p:nvSpPr>
-          <p:cNvPr id="2" name="Title 1"/>
+          <p:cNvPr id="4" name="Title 3"/>
           <p:cNvSpPr>
             <a:spLocks noGrp="1"/>
           </p:cNvSpPr>
@@ -11183,7 +11399,7 @@
             </a:r>
             <a:r>
               <a:rPr lang="en-US" b="1" dirty="0" smtClean="0"/>
-              <a:t> Per Method (s2s)</a:t>
+              <a:t> S2S</a:t>
             </a:r>
             <a:endParaRPr lang="en-US" b="1" dirty="0"/>
           </a:p>
@@ -11191,199 +11407,27 @@
       </p:sp>
       <p:sp>
         <p:nvSpPr>
-          <p:cNvPr id="3" name="Content Placeholder 2"/>
+          <p:cNvPr id="5" name="Text Placeholder 4"/>
           <p:cNvSpPr>
             <a:spLocks noGrp="1"/>
           </p:cNvSpPr>
           <p:nvPr>
-            <p:ph idx="1"/>
+            <p:ph type="body" idx="1"/>
           </p:nvPr>
         </p:nvSpPr>
         <p:spPr/>
         <p:txBody>
-          <a:bodyPr>
-            <a:normAutofit fontScale="92500" lnSpcReduction="20000"/>
-          </a:bodyPr>
+          <a:bodyPr/>
           <a:lstStyle/>
           <a:p>
-            <a:r>
-              <a:rPr lang="en-US" dirty="0" err="1"/>
-              <a:t>RegistrasiServer</a:t>
-            </a:r>
-            <a:r>
-              <a:rPr lang="en-US" dirty="0"/>
-              <a:t> (IP, </a:t>
-            </a:r>
-            <a:r>
-              <a:rPr lang="en-US" dirty="0" err="1"/>
-              <a:t>PortListener</a:t>
-            </a:r>
-            <a:r>
-              <a:rPr lang="en-US" dirty="0"/>
-              <a:t>, Password)</a:t>
-            </a:r>
-          </a:p>
-          <a:p>
-            <a:pPr lvl="1"/>
-            <a:r>
-              <a:rPr lang="en-US" dirty="0" smtClean="0"/>
-              <a:t>Request</a:t>
-            </a:r>
-            <a:endParaRPr lang="en-US" dirty="0"/>
-          </a:p>
-          <a:p>
-            <a:pPr lvl="2"/>
-            <a:r>
-              <a:rPr lang="en-US" dirty="0"/>
-              <a:t>m</a:t>
-            </a:r>
-            <a:r>
-              <a:rPr lang="en-US" dirty="0" smtClean="0"/>
-              <a:t>ethod:</a:t>
-            </a:r>
-          </a:p>
-          <a:p>
-            <a:pPr lvl="3"/>
-            <a:r>
-              <a:rPr lang="en-US" dirty="0" smtClean="0"/>
-              <a:t>name=“</a:t>
-            </a:r>
-            <a:r>
-              <a:rPr lang="en-US" dirty="0" err="1" smtClean="0"/>
-              <a:t>registrasiserver</a:t>
-            </a:r>
-            <a:r>
-              <a:rPr lang="en-US" dirty="0" smtClean="0"/>
-              <a:t>”</a:t>
-            </a:r>
-          </a:p>
-          <a:p>
-            <a:pPr lvl="2"/>
-            <a:r>
-              <a:rPr lang="en-US" dirty="0" err="1"/>
-              <a:t>p</a:t>
-            </a:r>
-            <a:r>
-              <a:rPr lang="en-US" dirty="0" err="1" smtClean="0"/>
-              <a:t>arams</a:t>
-            </a:r>
-            <a:r>
-              <a:rPr lang="en-US" dirty="0" smtClean="0"/>
-              <a:t>:</a:t>
-            </a:r>
-          </a:p>
-          <a:p>
-            <a:pPr lvl="3"/>
-            <a:r>
-              <a:rPr lang="en-US" dirty="0" err="1" smtClean="0"/>
-              <a:t>ip</a:t>
-            </a:r>
-            <a:r>
-              <a:rPr lang="en-US" dirty="0" smtClean="0"/>
-              <a:t>=“server’s IP”</a:t>
-            </a:r>
-          </a:p>
-          <a:p>
-            <a:pPr lvl="3"/>
-            <a:r>
-              <a:rPr lang="en-US" dirty="0"/>
-              <a:t>p</a:t>
-            </a:r>
-            <a:r>
-              <a:rPr lang="en-US" dirty="0" smtClean="0"/>
-              <a:t>ort=“listening port”</a:t>
-            </a:r>
-          </a:p>
-          <a:p>
-            <a:pPr lvl="3"/>
-            <a:r>
-              <a:rPr lang="en-US" dirty="0" smtClean="0"/>
-              <a:t>password=“server’s password”</a:t>
-            </a:r>
-          </a:p>
-          <a:p>
-            <a:pPr lvl="1"/>
-            <a:r>
-              <a:rPr lang="en-US" dirty="0" smtClean="0"/>
-              <a:t>Response</a:t>
-            </a:r>
-          </a:p>
-          <a:p>
-            <a:pPr lvl="2"/>
-            <a:r>
-              <a:rPr lang="en-US" dirty="0" smtClean="0"/>
-              <a:t>status=“accepted”</a:t>
-            </a:r>
-            <a:br>
-              <a:rPr lang="en-US" dirty="0" smtClean="0"/>
-            </a:br>
-            <a:r>
-              <a:rPr lang="en-US" dirty="0" smtClean="0"/>
-              <a:t>status-code=“1”</a:t>
-            </a:r>
-            <a:br>
-              <a:rPr lang="en-US" dirty="0" smtClean="0"/>
-            </a:br>
-            <a:r>
-              <a:rPr lang="en-US" dirty="0" smtClean="0"/>
-              <a:t/>
-            </a:r>
-            <a:br>
-              <a:rPr lang="en-US" dirty="0" smtClean="0"/>
-            </a:br>
-            <a:r>
-              <a:rPr lang="en-US" dirty="0" smtClean="0"/>
-              <a:t>or</a:t>
-            </a:r>
-            <a:br>
-              <a:rPr lang="en-US" dirty="0" smtClean="0"/>
-            </a:br>
-            <a:endParaRPr lang="en-US" dirty="0" smtClean="0"/>
-          </a:p>
-          <a:p>
-            <a:pPr lvl="2"/>
-            <a:r>
-              <a:rPr lang="en-US" dirty="0"/>
-              <a:t>s</a:t>
-            </a:r>
-            <a:r>
-              <a:rPr lang="en-US" dirty="0" smtClean="0"/>
-              <a:t>tatus=“rejected”</a:t>
-            </a:r>
-            <a:br>
-              <a:rPr lang="en-US" dirty="0" smtClean="0"/>
-            </a:br>
-            <a:r>
-              <a:rPr lang="en-US" dirty="0"/>
-              <a:t>status-code</a:t>
-            </a:r>
-            <a:r>
-              <a:rPr lang="en-US" dirty="0" smtClean="0"/>
-              <a:t>=“2 / 3”</a:t>
-            </a:r>
-            <a:br>
-              <a:rPr lang="en-US" dirty="0" smtClean="0"/>
-            </a:br>
-            <a:r>
-              <a:rPr lang="en-US" dirty="0" smtClean="0"/>
-              <a:t>message=“server error / duplicate </a:t>
-            </a:r>
-            <a:r>
-              <a:rPr lang="en-US" dirty="0" err="1" smtClean="0"/>
-              <a:t>ip:port</a:t>
-            </a:r>
-            <a:r>
-              <a:rPr lang="en-US" dirty="0" smtClean="0"/>
-              <a:t>”</a:t>
-            </a:r>
-            <a:endParaRPr lang="en-US" dirty="0"/>
+            <a:endParaRPr lang="en-US"/>
           </a:p>
         </p:txBody>
       </p:sp>
     </p:spTree>
     <p:extLst>
       <p:ext uri="{BB962C8B-B14F-4D97-AF65-F5344CB8AC3E}">
-        <p14:creationId xmlns:p14="http://schemas.microsoft.com/office/powerpoint/2010/main" val="2405150995"/>
+        <p14:creationId xmlns:p14="http://schemas.microsoft.com/office/powerpoint/2010/main" val="2749889776"/>
       </p:ext>
     </p:extLst>
   </p:cSld>
@@ -11466,21 +11510,16 @@
             <p:ph idx="1"/>
           </p:nvPr>
         </p:nvSpPr>
-        <p:spPr>
-          <a:xfrm>
-            <a:off x="121920" y="1825624"/>
-            <a:ext cx="8900160" cy="4879975"/>
-          </a:xfrm>
-        </p:spPr>
+        <p:spPr/>
         <p:txBody>
           <a:bodyPr>
-            <a:normAutofit fontScale="70000" lnSpcReduction="20000"/>
+            <a:normAutofit fontScale="92500" lnSpcReduction="20000"/>
           </a:bodyPr>
           <a:lstStyle/>
           <a:p>
             <a:r>
               <a:rPr lang="en-US" dirty="0" err="1"/>
-              <a:t>LoginServer</a:t>
+              <a:t>RegistrasiServer</a:t>
             </a:r>
             <a:r>
               <a:rPr lang="en-US" dirty="0"/>
@@ -11522,7 +11561,7 @@
             </a:r>
             <a:r>
               <a:rPr lang="en-US" dirty="0" err="1" smtClean="0"/>
-              <a:t>loginserver</a:t>
+              <a:t>registrasiserver</a:t>
             </a:r>
             <a:r>
               <a:rPr lang="en-US" dirty="0" smtClean="0"/>
@@ -11597,123 +11636,6 @@
               <a:rPr lang="en-US" dirty="0" smtClean="0"/>
             </a:br>
             <a:r>
-              <a:rPr lang="en-US" dirty="0" err="1" smtClean="0"/>
-              <a:t>sessid</a:t>
-            </a:r>
-            <a:r>
-              <a:rPr lang="en-US" dirty="0" smtClean="0"/>
-              <a:t>=session id for server (per connected server)</a:t>
-            </a:r>
-            <a:br>
-              <a:rPr lang="en-US" dirty="0" smtClean="0"/>
-            </a:br>
-            <a:r>
-              <a:rPr lang="en-US" dirty="0" smtClean="0"/>
-              <a:t/>
-            </a:r>
-            <a:br>
-              <a:rPr lang="en-US" dirty="0" smtClean="0"/>
-            </a:br>
-            <a:r>
-              <a:rPr lang="en-US" dirty="0" smtClean="0"/>
-              <a:t>users:</a:t>
-            </a:r>
-            <a:br>
-              <a:rPr lang="en-US" dirty="0" smtClean="0"/>
-            </a:br>
-            <a:r>
-              <a:rPr lang="en-US" dirty="0" smtClean="0"/>
-              <a:t>&lt;user username</a:t>
-            </a:r>
-            <a:r>
-              <a:rPr lang="en-US" dirty="0"/>
-              <a:t>=“user” </a:t>
-            </a:r>
-            <a:r>
-              <a:rPr lang="en-US" dirty="0" smtClean="0"/>
-              <a:t>password=“hash” </a:t>
-            </a:r>
-            <a:r>
-              <a:rPr lang="en-US" dirty="0" err="1" smtClean="0"/>
-              <a:t>loggedIn</a:t>
-            </a:r>
-            <a:r>
-              <a:rPr lang="en-US" dirty="0" smtClean="0"/>
-              <a:t>=“</a:t>
-            </a:r>
-            <a:r>
-              <a:rPr lang="en-US" dirty="0" err="1" smtClean="0"/>
-              <a:t>bool</a:t>
-            </a:r>
-            <a:r>
-              <a:rPr lang="en-US" dirty="0" smtClean="0"/>
-              <a:t>” </a:t>
-            </a:r>
-            <a:r>
-              <a:rPr lang="en-US" dirty="0" err="1" smtClean="0"/>
-              <a:t>sessid</a:t>
-            </a:r>
-            <a:r>
-              <a:rPr lang="en-US" dirty="0" smtClean="0"/>
-              <a:t>=“</a:t>
-            </a:r>
-            <a:r>
-              <a:rPr lang="en-US" dirty="0" err="1" smtClean="0"/>
-              <a:t>sessid</a:t>
-            </a:r>
-            <a:r>
-              <a:rPr lang="en-US" dirty="0" smtClean="0"/>
-              <a:t>” </a:t>
-            </a:r>
-            <a:r>
-              <a:rPr lang="en-US" dirty="0" err="1" smtClean="0"/>
-              <a:t>handlerIpPort</a:t>
-            </a:r>
-            <a:r>
-              <a:rPr lang="en-US" dirty="0" smtClean="0"/>
-              <a:t>=“</a:t>
-            </a:r>
-            <a:r>
-              <a:rPr lang="en-US" dirty="0" err="1" smtClean="0"/>
-              <a:t>ip:port</a:t>
-            </a:r>
-            <a:r>
-              <a:rPr lang="en-US" dirty="0" smtClean="0"/>
-              <a:t>” /&gt;</a:t>
-            </a:r>
-            <a:br>
-              <a:rPr lang="en-US" dirty="0" smtClean="0"/>
-            </a:br>
-            <a:r>
-              <a:rPr lang="en-US" dirty="0"/>
-              <a:t/>
-            </a:r>
-            <a:br>
-              <a:rPr lang="en-US" dirty="0"/>
-            </a:br>
-            <a:r>
-              <a:rPr lang="en-US" dirty="0" smtClean="0"/>
-              <a:t>messages:</a:t>
-            </a:r>
-            <a:br>
-              <a:rPr lang="en-US" dirty="0" smtClean="0"/>
-            </a:br>
-            <a:r>
-              <a:rPr lang="en-US" dirty="0" smtClean="0"/>
-              <a:t>&lt;</a:t>
-            </a:r>
-            <a:r>
-              <a:rPr lang="en-US" dirty="0"/>
-              <a:t>message username=“user” time=“timestamp” message=“message content” </a:t>
-            </a:r>
-            <a:r>
-              <a:rPr lang="en-US" dirty="0" smtClean="0"/>
-              <a:t>/&gt;</a:t>
-            </a:r>
-            <a:br>
-              <a:rPr lang="en-US" dirty="0" smtClean="0"/>
-            </a:br>
-            <a:r>
               <a:rPr lang="en-US" dirty="0" smtClean="0"/>
               <a:t/>
             </a:r>
@@ -11748,14 +11670,14 @@
             </a:r>
             <a:r>
               <a:rPr lang="en-US" dirty="0" smtClean="0"/>
-              <a:t>=“2 / 3 / 4 / 5”</a:t>
+              <a:t>=“2 / 3”</a:t>
             </a:r>
             <a:br>
               <a:rPr lang="en-US" dirty="0" smtClean="0"/>
             </a:br>
             <a:r>
               <a:rPr lang="en-US" dirty="0" smtClean="0"/>
-              <a:t>message=“server error / </a:t>
+              <a:t>message=“server error / duplicate </a:t>
             </a:r>
             <a:r>
               <a:rPr lang="en-US" dirty="0" err="1" smtClean="0"/>
@@ -11763,7 +11685,7 @@
             </a:r>
             <a:r>
               <a:rPr lang="en-US" dirty="0" smtClean="0"/>
-              <a:t> doesn’t exist / wrong password / already logged-in”</a:t>
+              <a:t>”</a:t>
             </a:r>
             <a:endParaRPr lang="en-US" dirty="0"/>
           </a:p>
@@ -11772,7 +11694,7 @@
     </p:spTree>
     <p:extLst>
       <p:ext uri="{BB962C8B-B14F-4D97-AF65-F5344CB8AC3E}">
-        <p14:creationId xmlns:p14="http://schemas.microsoft.com/office/powerpoint/2010/main" val="1734633175"/>
+        <p14:creationId xmlns:p14="http://schemas.microsoft.com/office/powerpoint/2010/main" val="2405150995"/>
       </p:ext>
     </p:extLst>
   </p:cSld>
@@ -11855,204 +11777,313 @@
             <p:ph idx="1"/>
           </p:nvPr>
         </p:nvSpPr>
-        <p:spPr/>
+        <p:spPr>
+          <a:xfrm>
+            <a:off x="121920" y="1825624"/>
+            <a:ext cx="8900160" cy="4879975"/>
+          </a:xfrm>
+        </p:spPr>
         <p:txBody>
           <a:bodyPr>
-            <a:noAutofit/>
+            <a:normAutofit fontScale="70000" lnSpcReduction="20000"/>
           </a:bodyPr>
           <a:lstStyle/>
           <a:p>
             <a:r>
-              <a:rPr lang="en-US" sz="2000" dirty="0" err="1"/>
-              <a:t>RegistrasiClient</a:t>
-            </a:r>
-            <a:r>
-              <a:rPr lang="en-US" sz="2000" dirty="0"/>
-              <a:t> (</a:t>
-            </a:r>
-            <a:r>
-              <a:rPr lang="en-US" sz="2000" dirty="0" err="1" smtClean="0"/>
-              <a:t>UserId</a:t>
-            </a:r>
-            <a:r>
-              <a:rPr lang="en-US" sz="2000" dirty="0"/>
-              <a:t>, </a:t>
-            </a:r>
-            <a:r>
-              <a:rPr lang="en-US" sz="2000" dirty="0" err="1" smtClean="0"/>
-              <a:t>PasswordHash</a:t>
-            </a:r>
-            <a:r>
-              <a:rPr lang="en-US" sz="2000" dirty="0" smtClean="0"/>
-              <a:t>, </a:t>
-            </a:r>
-            <a:r>
-              <a:rPr lang="en-US" sz="2000" dirty="0" err="1" smtClean="0"/>
-              <a:t>SessionID</a:t>
-            </a:r>
-            <a:r>
-              <a:rPr lang="en-US" sz="2000" dirty="0" smtClean="0"/>
-              <a:t>)</a:t>
-            </a:r>
-            <a:endParaRPr lang="en-US" sz="2000" dirty="0"/>
+              <a:rPr lang="en-US" dirty="0" err="1"/>
+              <a:t>LoginServer</a:t>
+            </a:r>
+            <a:r>
+              <a:rPr lang="en-US" dirty="0"/>
+              <a:t> (IP, </a:t>
+            </a:r>
+            <a:r>
+              <a:rPr lang="en-US" dirty="0" err="1"/>
+              <a:t>PortListener</a:t>
+            </a:r>
+            <a:r>
+              <a:rPr lang="en-US" dirty="0"/>
+              <a:t>, Password)</a:t>
+            </a:r>
           </a:p>
           <a:p>
             <a:pPr lvl="1"/>
             <a:r>
-              <a:rPr lang="en-US" sz="1800" dirty="0" smtClean="0"/>
+              <a:rPr lang="en-US" dirty="0" smtClean="0"/>
               <a:t>Request</a:t>
             </a:r>
-            <a:endParaRPr lang="en-US" sz="1800" dirty="0"/>
+            <a:endParaRPr lang="en-US" dirty="0"/>
           </a:p>
           <a:p>
             <a:pPr lvl="2"/>
             <a:r>
-              <a:rPr lang="en-US" sz="1600" dirty="0"/>
+              <a:rPr lang="en-US" dirty="0"/>
               <a:t>m</a:t>
             </a:r>
             <a:r>
-              <a:rPr lang="en-US" sz="1600" dirty="0" smtClean="0"/>
+              <a:rPr lang="en-US" dirty="0" smtClean="0"/>
               <a:t>ethod:</a:t>
             </a:r>
           </a:p>
           <a:p>
             <a:pPr lvl="3"/>
             <a:r>
-              <a:rPr lang="en-US" sz="1400" dirty="0" smtClean="0"/>
+              <a:rPr lang="en-US" dirty="0" smtClean="0"/>
               <a:t>name=“</a:t>
             </a:r>
             <a:r>
-              <a:rPr lang="en-US" sz="1400" dirty="0" err="1" smtClean="0"/>
-              <a:t>registrasiclient</a:t>
-            </a:r>
-            <a:r>
-              <a:rPr lang="en-US" sz="1400" dirty="0" smtClean="0"/>
+              <a:rPr lang="en-US" dirty="0" err="1" smtClean="0"/>
+              <a:t>loginserver</a:t>
+            </a:r>
+            <a:r>
+              <a:rPr lang="en-US" dirty="0" smtClean="0"/>
               <a:t>”</a:t>
             </a:r>
           </a:p>
           <a:p>
             <a:pPr lvl="2"/>
             <a:r>
-              <a:rPr lang="en-US" sz="1600" dirty="0" err="1"/>
+              <a:rPr lang="en-US" dirty="0" err="1"/>
               <a:t>p</a:t>
             </a:r>
             <a:r>
-              <a:rPr lang="en-US" sz="1600" dirty="0" err="1" smtClean="0"/>
+              <a:rPr lang="en-US" dirty="0" err="1" smtClean="0"/>
               <a:t>arams</a:t>
             </a:r>
             <a:r>
-              <a:rPr lang="en-US" sz="1600" dirty="0" smtClean="0"/>
+              <a:rPr lang="en-US" dirty="0" smtClean="0"/>
               <a:t>:</a:t>
             </a:r>
           </a:p>
           <a:p>
             <a:pPr lvl="3"/>
             <a:r>
-              <a:rPr lang="en-US" sz="1400" dirty="0" err="1" smtClean="0"/>
-              <a:t>userid</a:t>
-            </a:r>
-            <a:r>
-              <a:rPr lang="en-US" sz="1400" dirty="0" smtClean="0"/>
-              <a:t>=“username”</a:t>
+              <a:rPr lang="en-US" dirty="0" err="1" smtClean="0"/>
+              <a:t>ip</a:t>
+            </a:r>
+            <a:r>
+              <a:rPr lang="en-US" dirty="0" smtClean="0"/>
+              <a:t>=“server’s IP”</a:t>
             </a:r>
           </a:p>
           <a:p>
             <a:pPr lvl="3"/>
             <a:r>
-              <a:rPr lang="en-US" sz="1400" dirty="0" err="1" smtClean="0"/>
-              <a:t>passwordhash</a:t>
-            </a:r>
-            <a:r>
-              <a:rPr lang="en-US" sz="1400" dirty="0" smtClean="0"/>
-              <a:t>=“hash of user’s password”</a:t>
+              <a:rPr lang="en-US" dirty="0"/>
+              <a:t>p</a:t>
+            </a:r>
+            <a:r>
+              <a:rPr lang="en-US" dirty="0" smtClean="0"/>
+              <a:t>ort=“listening port”</a:t>
             </a:r>
           </a:p>
           <a:p>
             <a:pPr lvl="3"/>
             <a:r>
-              <a:rPr lang="en-US" sz="1400" dirty="0" err="1" smtClean="0"/>
-              <a:t>sessionid</a:t>
-            </a:r>
-            <a:r>
-              <a:rPr lang="en-US" sz="1400" dirty="0" smtClean="0"/>
-              <a:t>=“server’s session id”</a:t>
+              <a:rPr lang="en-US" dirty="0" smtClean="0"/>
+              <a:t>password=“server’s password”</a:t>
             </a:r>
           </a:p>
           <a:p>
             <a:pPr lvl="1"/>
             <a:r>
-              <a:rPr lang="en-US" sz="1800" dirty="0" smtClean="0"/>
+              <a:rPr lang="en-US" dirty="0" smtClean="0"/>
               <a:t>Response</a:t>
             </a:r>
           </a:p>
           <a:p>
             <a:pPr lvl="2"/>
             <a:r>
-              <a:rPr lang="en-US" sz="1600" dirty="0" smtClean="0"/>
+              <a:rPr lang="en-US" dirty="0" smtClean="0"/>
               <a:t>status=“accepted”</a:t>
             </a:r>
             <a:br>
-              <a:rPr lang="en-US" sz="1600" dirty="0" smtClean="0"/>
+              <a:rPr lang="en-US" dirty="0" smtClean="0"/>
             </a:br>
             <a:r>
-              <a:rPr lang="en-US" sz="1600" dirty="0" smtClean="0"/>
+              <a:rPr lang="en-US" dirty="0" smtClean="0"/>
               <a:t>status-code=“1”</a:t>
             </a:r>
             <a:br>
-              <a:rPr lang="en-US" sz="1600" dirty="0" smtClean="0"/>
+              <a:rPr lang="en-US" dirty="0" smtClean="0"/>
             </a:br>
             <a:r>
-              <a:rPr lang="en-US" sz="1600" dirty="0" smtClean="0"/>
+              <a:rPr lang="en-US" dirty="0" err="1" smtClean="0"/>
+              <a:t>sessid</a:t>
+            </a:r>
+            <a:r>
+              <a:rPr lang="en-US" dirty="0" smtClean="0"/>
+              <a:t>=session id for server (per connected server)</a:t>
+            </a:r>
+            <a:br>
+              <a:rPr lang="en-US" dirty="0" smtClean="0"/>
+            </a:br>
+            <a:r>
+              <a:rPr lang="en-US" dirty="0" smtClean="0"/>
               <a:t/>
             </a:r>
             <a:br>
-              <a:rPr lang="en-US" sz="1600" dirty="0" smtClean="0"/>
+              <a:rPr lang="en-US" dirty="0" smtClean="0"/>
             </a:br>
             <a:r>
-              <a:rPr lang="en-US" sz="1600" dirty="0" smtClean="0"/>
+              <a:rPr lang="en-US" dirty="0" smtClean="0"/>
+              <a:t>users:</a:t>
+            </a:r>
+            <a:br>
+              <a:rPr lang="en-US" dirty="0" smtClean="0"/>
+            </a:br>
+            <a:r>
+              <a:rPr lang="en-US" dirty="0" smtClean="0"/>
+              <a:t>&lt;user username</a:t>
+            </a:r>
+            <a:r>
+              <a:rPr lang="en-US" dirty="0"/>
+              <a:t>=“user” </a:t>
+            </a:r>
+            <a:r>
+              <a:rPr lang="en-US" dirty="0" smtClean="0"/>
+              <a:t>password=“hash” </a:t>
+            </a:r>
+            <a:r>
+              <a:rPr lang="en-US" dirty="0" err="1" smtClean="0"/>
+              <a:t>loggedIn</a:t>
+            </a:r>
+            <a:r>
+              <a:rPr lang="en-US" dirty="0" smtClean="0"/>
+              <a:t>=“</a:t>
+            </a:r>
+            <a:r>
+              <a:rPr lang="en-US" dirty="0" err="1" smtClean="0"/>
+              <a:t>bool</a:t>
+            </a:r>
+            <a:r>
+              <a:rPr lang="en-US" dirty="0" smtClean="0"/>
+              <a:t>” </a:t>
+            </a:r>
+            <a:r>
+              <a:rPr lang="en-US" dirty="0" err="1" smtClean="0"/>
+              <a:t>sessid</a:t>
+            </a:r>
+            <a:r>
+              <a:rPr lang="en-US" dirty="0" smtClean="0"/>
+              <a:t>=“</a:t>
+            </a:r>
+            <a:r>
+              <a:rPr lang="en-US" dirty="0" err="1" smtClean="0"/>
+              <a:t>sessid</a:t>
+            </a:r>
+            <a:r>
+              <a:rPr lang="en-US" dirty="0" smtClean="0"/>
+              <a:t>” </a:t>
+            </a:r>
+            <a:r>
+              <a:rPr lang="en-US" dirty="0" err="1" smtClean="0"/>
+              <a:t>handlerIpPort</a:t>
+            </a:r>
+            <a:r>
+              <a:rPr lang="en-US" dirty="0" smtClean="0"/>
+              <a:t>=“</a:t>
+            </a:r>
+            <a:r>
+              <a:rPr lang="en-US" dirty="0" err="1" smtClean="0"/>
+              <a:t>ip:port</a:t>
+            </a:r>
+            <a:r>
+              <a:rPr lang="en-US" dirty="0" smtClean="0"/>
+              <a:t>” /&gt;</a:t>
+            </a:r>
+            <a:br>
+              <a:rPr lang="en-US" dirty="0" smtClean="0"/>
+            </a:br>
+            <a:r>
+              <a:rPr lang="en-US" dirty="0"/>
+              <a:t/>
+            </a:r>
+            <a:br>
+              <a:rPr lang="en-US" dirty="0"/>
+            </a:br>
+            <a:r>
+              <a:rPr lang="en-US" dirty="0" smtClean="0"/>
+              <a:t>messages:</a:t>
+            </a:r>
+            <a:br>
+              <a:rPr lang="en-US" dirty="0" smtClean="0"/>
+            </a:br>
+            <a:r>
+              <a:rPr lang="en-US" dirty="0" smtClean="0"/>
+              <a:t>&lt;</a:t>
+            </a:r>
+            <a:r>
+              <a:rPr lang="en-US" dirty="0"/>
+              <a:t>message username=“user” time=“timestamp” message=“message content” </a:t>
+            </a:r>
+            <a:r>
+              <a:rPr lang="en-US" dirty="0" smtClean="0"/>
+              <a:t>/&gt;</a:t>
+            </a:r>
+            <a:br>
+              <a:rPr lang="en-US" dirty="0" smtClean="0"/>
+            </a:br>
+            <a:r>
+              <a:rPr lang="en-US" dirty="0" smtClean="0"/>
+              <a:t/>
+            </a:r>
+            <a:br>
+              <a:rPr lang="en-US" dirty="0" smtClean="0"/>
+            </a:br>
+            <a:r>
+              <a:rPr lang="en-US" dirty="0" smtClean="0"/>
               <a:t>or</a:t>
             </a:r>
             <a:br>
-              <a:rPr lang="en-US" sz="1600" dirty="0" smtClean="0"/>
+              <a:rPr lang="en-US" dirty="0" smtClean="0"/>
             </a:br>
-            <a:endParaRPr lang="en-US" sz="1600" dirty="0" smtClean="0"/>
+            <a:endParaRPr lang="en-US" dirty="0" smtClean="0"/>
           </a:p>
           <a:p>
             <a:pPr lvl="2"/>
             <a:r>
-              <a:rPr lang="en-US" sz="1600" dirty="0"/>
+              <a:rPr lang="en-US" dirty="0"/>
               <a:t>s</a:t>
             </a:r>
             <a:r>
-              <a:rPr lang="en-US" sz="1600" dirty="0" smtClean="0"/>
+              <a:rPr lang="en-US" dirty="0" smtClean="0"/>
               <a:t>tatus=“rejected”</a:t>
             </a:r>
             <a:br>
-              <a:rPr lang="en-US" sz="1600" dirty="0" smtClean="0"/>
+              <a:rPr lang="en-US" dirty="0" smtClean="0"/>
             </a:br>
             <a:r>
-              <a:rPr lang="en-US" sz="1600" dirty="0"/>
+              <a:rPr lang="en-US" dirty="0"/>
               <a:t>status-code</a:t>
             </a:r>
             <a:r>
-              <a:rPr lang="en-US" sz="1600" dirty="0" smtClean="0"/>
-              <a:t>=“2 / 3 / 4”</a:t>
+              <a:rPr lang="en-US" dirty="0" smtClean="0"/>
+              <a:t>=“2 / 3 / 4 / 5”</a:t>
             </a:r>
             <a:br>
-              <a:rPr lang="en-US" sz="1600" dirty="0" smtClean="0"/>
+              <a:rPr lang="en-US" dirty="0" smtClean="0"/>
             </a:br>
             <a:r>
-              <a:rPr lang="en-US" sz="1600" dirty="0" smtClean="0"/>
-              <a:t>message=“server error / integrity error / session expired”</a:t>
-            </a:r>
-            <a:endParaRPr lang="en-US" sz="1600" dirty="0"/>
+              <a:rPr lang="en-US" dirty="0" smtClean="0"/>
+              <a:t>message=“server error / </a:t>
+            </a:r>
+            <a:r>
+              <a:rPr lang="en-US" dirty="0" err="1" smtClean="0"/>
+              <a:t>ip:port</a:t>
+            </a:r>
+            <a:r>
+              <a:rPr lang="en-US" dirty="0" smtClean="0"/>
+              <a:t> doesn’t exist / wrong password / already logged-in”</a:t>
+            </a:r>
+            <a:endParaRPr lang="en-US" dirty="0"/>
           </a:p>
         </p:txBody>
       </p:sp>
     </p:spTree>
     <p:extLst>
       <p:ext uri="{BB962C8B-B14F-4D97-AF65-F5344CB8AC3E}">
-        <p14:creationId xmlns:p14="http://schemas.microsoft.com/office/powerpoint/2010/main" val="365284476"/>
+        <p14:creationId xmlns:p14="http://schemas.microsoft.com/office/powerpoint/2010/main" val="1734633175"/>
       </p:ext>
     </p:extLst>
   </p:cSld>
@@ -12138,182 +12169,201 @@
         <p:spPr/>
         <p:txBody>
           <a:bodyPr>
-            <a:normAutofit fontScale="92500" lnSpcReduction="20000"/>
+            <a:noAutofit/>
           </a:bodyPr>
           <a:lstStyle/>
           <a:p>
             <a:r>
-              <a:rPr lang="en-US" dirty="0" err="1" smtClean="0"/>
-              <a:t>LoginClient</a:t>
-            </a:r>
-            <a:r>
-              <a:rPr lang="en-US" dirty="0" smtClean="0"/>
+              <a:rPr lang="en-US" sz="2000" dirty="0" err="1"/>
+              <a:t>RegistrasiClient</a:t>
+            </a:r>
+            <a:r>
+              <a:rPr lang="en-US" sz="2000" dirty="0"/>
               <a:t> (</a:t>
             </a:r>
             <a:r>
-              <a:rPr lang="en-US" dirty="0" err="1" smtClean="0"/>
+              <a:rPr lang="en-US" sz="2000" dirty="0" err="1" smtClean="0"/>
               <a:t>UserId</a:t>
             </a:r>
             <a:r>
-              <a:rPr lang="en-US" dirty="0" smtClean="0"/>
+              <a:rPr lang="en-US" sz="2000" dirty="0"/>
               <a:t>, </a:t>
             </a:r>
             <a:r>
-              <a:rPr lang="en-US" dirty="0" err="1" smtClean="0"/>
+              <a:rPr lang="en-US" sz="2000" dirty="0" err="1" smtClean="0"/>
+              <a:t>PasswordHash</a:t>
+            </a:r>
+            <a:r>
+              <a:rPr lang="en-US" sz="2000" dirty="0" smtClean="0"/>
+              <a:t>, </a:t>
+            </a:r>
+            <a:r>
+              <a:rPr lang="en-US" sz="2000" dirty="0" err="1" smtClean="0"/>
               <a:t>SessionID</a:t>
             </a:r>
             <a:r>
-              <a:rPr lang="en-US" dirty="0" smtClean="0"/>
+              <a:rPr lang="en-US" sz="2000" dirty="0" smtClean="0"/>
               <a:t>)</a:t>
             </a:r>
-            <a:endParaRPr lang="en-US" dirty="0"/>
+            <a:endParaRPr lang="en-US" sz="2000" dirty="0"/>
           </a:p>
           <a:p>
             <a:pPr lvl="1"/>
             <a:r>
-              <a:rPr lang="en-US" dirty="0" smtClean="0"/>
+              <a:rPr lang="en-US" sz="1800" dirty="0" smtClean="0"/>
               <a:t>Request</a:t>
             </a:r>
-            <a:endParaRPr lang="en-US" dirty="0"/>
+            <a:endParaRPr lang="en-US" sz="1800" dirty="0"/>
           </a:p>
           <a:p>
             <a:pPr lvl="2"/>
             <a:r>
-              <a:rPr lang="en-US" dirty="0"/>
+              <a:rPr lang="en-US" sz="1600" dirty="0"/>
               <a:t>m</a:t>
             </a:r>
             <a:r>
-              <a:rPr lang="en-US" dirty="0" smtClean="0"/>
+              <a:rPr lang="en-US" sz="1600" dirty="0" smtClean="0"/>
               <a:t>ethod:</a:t>
             </a:r>
           </a:p>
           <a:p>
             <a:pPr lvl="3"/>
             <a:r>
-              <a:rPr lang="en-US" dirty="0" smtClean="0"/>
+              <a:rPr lang="en-US" sz="1400" dirty="0" smtClean="0"/>
               <a:t>name=“</a:t>
             </a:r>
             <a:r>
-              <a:rPr lang="en-US" dirty="0" err="1" smtClean="0"/>
-              <a:t>loginclient</a:t>
-            </a:r>
-            <a:r>
-              <a:rPr lang="en-US" dirty="0" smtClean="0"/>
+              <a:rPr lang="en-US" sz="1400" dirty="0" err="1" smtClean="0"/>
+              <a:t>registrasiclient</a:t>
+            </a:r>
+            <a:r>
+              <a:rPr lang="en-US" sz="1400" dirty="0" smtClean="0"/>
               <a:t>”</a:t>
             </a:r>
           </a:p>
           <a:p>
             <a:pPr lvl="2"/>
             <a:r>
-              <a:rPr lang="en-US" dirty="0" err="1"/>
+              <a:rPr lang="en-US" sz="1600" dirty="0" err="1"/>
               <a:t>p</a:t>
             </a:r>
             <a:r>
-              <a:rPr lang="en-US" dirty="0" err="1" smtClean="0"/>
+              <a:rPr lang="en-US" sz="1600" dirty="0" err="1" smtClean="0"/>
               <a:t>arams</a:t>
             </a:r>
             <a:r>
-              <a:rPr lang="en-US" dirty="0" smtClean="0"/>
+              <a:rPr lang="en-US" sz="1600" dirty="0" smtClean="0"/>
               <a:t>:</a:t>
             </a:r>
           </a:p>
           <a:p>
             <a:pPr lvl="3"/>
             <a:r>
-              <a:rPr lang="en-US" dirty="0" err="1" smtClean="0"/>
+              <a:rPr lang="en-US" sz="1400" dirty="0" err="1" smtClean="0"/>
               <a:t>userid</a:t>
             </a:r>
             <a:r>
-              <a:rPr lang="en-US" dirty="0" smtClean="0"/>
+              <a:rPr lang="en-US" sz="1400" dirty="0" smtClean="0"/>
               <a:t>=“username”</a:t>
             </a:r>
           </a:p>
           <a:p>
             <a:pPr lvl="3"/>
             <a:r>
-              <a:rPr lang="en-US" dirty="0" err="1" smtClean="0"/>
+              <a:rPr lang="en-US" sz="1400" dirty="0" err="1" smtClean="0"/>
+              <a:t>passwordhash</a:t>
+            </a:r>
+            <a:r>
+              <a:rPr lang="en-US" sz="1400" dirty="0" smtClean="0"/>
+              <a:t>=“hash of user’s password”</a:t>
+            </a:r>
+          </a:p>
+          <a:p>
+            <a:pPr lvl="3"/>
+            <a:r>
+              <a:rPr lang="en-US" sz="1400" dirty="0" err="1" smtClean="0"/>
               <a:t>sessionid</a:t>
             </a:r>
             <a:r>
-              <a:rPr lang="en-US" dirty="0" smtClean="0"/>
+              <a:rPr lang="en-US" sz="1400" dirty="0" smtClean="0"/>
               <a:t>=“server’s session id”</a:t>
             </a:r>
           </a:p>
           <a:p>
             <a:pPr lvl="1"/>
             <a:r>
-              <a:rPr lang="en-US" dirty="0" smtClean="0"/>
+              <a:rPr lang="en-US" sz="1800" dirty="0" smtClean="0"/>
               <a:t>Response</a:t>
             </a:r>
           </a:p>
           <a:p>
             <a:pPr lvl="2"/>
             <a:r>
-              <a:rPr lang="en-US" dirty="0" smtClean="0"/>
+              <a:rPr lang="en-US" sz="1600" dirty="0" smtClean="0"/>
               <a:t>status=“accepted”</a:t>
             </a:r>
             <a:br>
-              <a:rPr lang="en-US" dirty="0" smtClean="0"/>
+              <a:rPr lang="en-US" sz="1600" dirty="0" smtClean="0"/>
             </a:br>
             <a:r>
-              <a:rPr lang="en-US" dirty="0" smtClean="0"/>
+              <a:rPr lang="en-US" sz="1600" dirty="0" smtClean="0"/>
               <a:t>status-code=“1”</a:t>
             </a:r>
             <a:br>
-              <a:rPr lang="en-US" dirty="0" smtClean="0"/>
+              <a:rPr lang="en-US" sz="1600" dirty="0" smtClean="0"/>
             </a:br>
             <a:r>
-              <a:rPr lang="en-US" dirty="0" smtClean="0"/>
+              <a:rPr lang="en-US" sz="1600" dirty="0" smtClean="0"/>
               <a:t/>
             </a:r>
             <a:br>
-              <a:rPr lang="en-US" dirty="0" smtClean="0"/>
+              <a:rPr lang="en-US" sz="1600" dirty="0" smtClean="0"/>
             </a:br>
             <a:r>
-              <a:rPr lang="en-US" dirty="0" smtClean="0"/>
+              <a:rPr lang="en-US" sz="1600" dirty="0" smtClean="0"/>
               <a:t>or</a:t>
             </a:r>
             <a:br>
-              <a:rPr lang="en-US" dirty="0" smtClean="0"/>
+              <a:rPr lang="en-US" sz="1600" dirty="0" smtClean="0"/>
             </a:br>
-            <a:endParaRPr lang="en-US" dirty="0" smtClean="0"/>
+            <a:endParaRPr lang="en-US" sz="1600" dirty="0" smtClean="0"/>
           </a:p>
           <a:p>
             <a:pPr lvl="2"/>
             <a:r>
-              <a:rPr lang="en-US" dirty="0"/>
+              <a:rPr lang="en-US" sz="1600" dirty="0"/>
               <a:t>s</a:t>
             </a:r>
             <a:r>
-              <a:rPr lang="en-US" dirty="0" smtClean="0"/>
+              <a:rPr lang="en-US" sz="1600" dirty="0" smtClean="0"/>
               <a:t>tatus=“rejected”</a:t>
             </a:r>
             <a:br>
-              <a:rPr lang="en-US" dirty="0" smtClean="0"/>
+              <a:rPr lang="en-US" sz="1600" dirty="0" smtClean="0"/>
             </a:br>
             <a:r>
-              <a:rPr lang="en-US" dirty="0"/>
+              <a:rPr lang="en-US" sz="1600" dirty="0"/>
               <a:t>status-code</a:t>
             </a:r>
             <a:r>
-              <a:rPr lang="en-US" dirty="0" smtClean="0"/>
+              <a:rPr lang="en-US" sz="1600" dirty="0" smtClean="0"/>
               <a:t>=“2 / 3 / 4”</a:t>
             </a:r>
             <a:br>
-              <a:rPr lang="en-US" dirty="0" smtClean="0"/>
+              <a:rPr lang="en-US" sz="1600" dirty="0" smtClean="0"/>
             </a:br>
             <a:r>
-              <a:rPr lang="en-US" dirty="0" smtClean="0"/>
+              <a:rPr lang="en-US" sz="1600" dirty="0" smtClean="0"/>
               <a:t>message=“server error / integrity error / session expired”</a:t>
             </a:r>
-            <a:endParaRPr lang="en-US" dirty="0"/>
+            <a:endParaRPr lang="en-US" sz="1600" dirty="0"/>
           </a:p>
         </p:txBody>
       </p:sp>
     </p:spTree>
     <p:extLst>
       <p:ext uri="{BB962C8B-B14F-4D97-AF65-F5344CB8AC3E}">
-        <p14:creationId xmlns:p14="http://schemas.microsoft.com/office/powerpoint/2010/main" val="3593161411"/>
+        <p14:creationId xmlns:p14="http://schemas.microsoft.com/office/powerpoint/2010/main" val="365284476"/>
       </p:ext>
     </p:extLst>
   </p:cSld>
@@ -12399,32 +12449,28 @@
         <p:spPr/>
         <p:txBody>
           <a:bodyPr>
-            <a:normAutofit fontScale="85000" lnSpcReduction="20000"/>
+            <a:normAutofit fontScale="92500" lnSpcReduction="20000"/>
           </a:bodyPr>
           <a:lstStyle/>
           <a:p>
             <a:r>
-              <a:rPr lang="en-US" dirty="0" err="1"/>
-              <a:t>ChatSendClient</a:t>
-            </a:r>
-            <a:r>
-              <a:rPr lang="en-US" dirty="0"/>
+              <a:rPr lang="en-US" dirty="0" err="1" smtClean="0"/>
+              <a:t>LoginClient</a:t>
+            </a:r>
+            <a:r>
+              <a:rPr lang="en-US" dirty="0" smtClean="0"/>
               <a:t> (</a:t>
             </a:r>
             <a:r>
-              <a:rPr lang="en-US" dirty="0" err="1"/>
+              <a:rPr lang="en-US" dirty="0" err="1" smtClean="0"/>
               <a:t>UserId</a:t>
             </a:r>
             <a:r>
-              <a:rPr lang="en-US" dirty="0"/>
-              <a:t>, Message, </a:t>
-            </a:r>
-            <a:r>
-              <a:rPr lang="en-US" dirty="0" smtClean="0"/>
-              <a:t>Timestamp, </a:t>
-            </a:r>
-            <a:r>
-              <a:rPr lang="en-US" dirty="0" err="1"/>
+              <a:rPr lang="en-US" dirty="0" smtClean="0"/>
+              <a:t>, </a:t>
+            </a:r>
+            <a:r>
+              <a:rPr lang="en-US" dirty="0" err="1" smtClean="0"/>
               <a:t>SessionID</a:t>
             </a:r>
             <a:r>
@@ -12460,7 +12506,7 @@
             </a:r>
             <a:r>
               <a:rPr lang="en-US" dirty="0" err="1" smtClean="0"/>
-              <a:t>chatsendclient</a:t>
+              <a:t>loginclient</a:t>
             </a:r>
             <a:r>
               <a:rPr lang="en-US" dirty="0" smtClean="0"/>
@@ -12485,52 +12531,24 @@
           <a:p>
             <a:pPr lvl="3"/>
             <a:r>
-              <a:rPr lang="en-US" dirty="0" err="1"/>
+              <a:rPr lang="en-US" dirty="0" err="1" smtClean="0"/>
               <a:t>userid</a:t>
             </a:r>
             <a:r>
-              <a:rPr lang="en-US" dirty="0"/>
-              <a:t>=“username</a:t>
-            </a:r>
-            <a:r>
-              <a:rPr lang="en-US" dirty="0" smtClean="0"/>
-              <a:t>”</a:t>
+              <a:rPr lang="en-US" dirty="0" smtClean="0"/>
+              <a:t>=“username”</a:t>
             </a:r>
           </a:p>
           <a:p>
             <a:pPr lvl="3"/>
             <a:r>
-              <a:rPr lang="en-US" dirty="0" smtClean="0"/>
-              <a:t>message=“user’s message”</a:t>
-            </a:r>
-            <a:endParaRPr lang="en-US" dirty="0"/>
-          </a:p>
-          <a:p>
-            <a:pPr lvl="3"/>
-            <a:r>
-              <a:rPr lang="en-US" dirty="0"/>
-              <a:t>timestamp=“timestamp</a:t>
-            </a:r>
-            <a:r>
-              <a:rPr lang="en-US" dirty="0" smtClean="0"/>
-              <a:t>”</a:t>
-            </a:r>
-          </a:p>
-          <a:p>
-            <a:pPr lvl="3"/>
-            <a:r>
-              <a:rPr lang="en-US" dirty="0" err="1"/>
-              <a:t>s</a:t>
-            </a:r>
-            <a:r>
-              <a:rPr lang="en-US" dirty="0" err="1" smtClean="0"/>
-              <a:t>essionid</a:t>
+              <a:rPr lang="en-US" dirty="0" err="1" smtClean="0"/>
+              <a:t>sessionid</a:t>
             </a:r>
             <a:r>
               <a:rPr lang="en-US" dirty="0" smtClean="0"/>
               <a:t>=“server’s session id”</a:t>
             </a:r>
-            <a:endParaRPr lang="en-US" dirty="0"/>
           </a:p>
           <a:p>
             <a:pPr lvl="1"/>
@@ -12590,14 +12608,14 @@
             </a:r>
             <a:r>
               <a:rPr lang="en-US" dirty="0" smtClean="0"/>
-              <a:t>=“2 / 3”</a:t>
+              <a:t>=“2 / 3 / 4”</a:t>
             </a:r>
             <a:br>
               <a:rPr lang="en-US" dirty="0" smtClean="0"/>
             </a:br>
             <a:r>
               <a:rPr lang="en-US" dirty="0" smtClean="0"/>
-              <a:t>message=“server error / session expired”</a:t>
+              <a:t>message=“server error / integrity error / session expired”</a:t>
             </a:r>
             <a:endParaRPr lang="en-US" dirty="0"/>
           </a:p>
@@ -12606,7 +12624,7 @@
     </p:spTree>
     <p:extLst>
       <p:ext uri="{BB962C8B-B14F-4D97-AF65-F5344CB8AC3E}">
-        <p14:creationId xmlns:p14="http://schemas.microsoft.com/office/powerpoint/2010/main" val="1822839228"/>
+        <p14:creationId xmlns:p14="http://schemas.microsoft.com/office/powerpoint/2010/main" val="3593161411"/>
       </p:ext>
     </p:extLst>
   </p:cSld>
@@ -12692,37 +12710,37 @@
         <p:spPr/>
         <p:txBody>
           <a:bodyPr>
-            <a:normAutofit fontScale="92500" lnSpcReduction="20000"/>
+            <a:normAutofit fontScale="85000" lnSpcReduction="20000"/>
           </a:bodyPr>
           <a:lstStyle/>
           <a:p>
             <a:r>
               <a:rPr lang="en-US" dirty="0" err="1"/>
-              <a:t>LogoutClient</a:t>
+              <a:t>ChatSendClient</a:t>
             </a:r>
             <a:r>
               <a:rPr lang="en-US" dirty="0"/>
-              <a:t> </a:t>
-            </a:r>
-            <a:r>
-              <a:rPr lang="en-US" dirty="0" smtClean="0"/>
-              <a:t>(</a:t>
-            </a:r>
-            <a:r>
-              <a:rPr lang="en-US" dirty="0" err="1" smtClean="0"/>
+              <a:t> (</a:t>
+            </a:r>
+            <a:r>
+              <a:rPr lang="en-US" dirty="0" err="1"/>
               <a:t>UserId</a:t>
             </a:r>
             <a:r>
-              <a:rPr lang="en-US" dirty="0" smtClean="0"/>
-              <a:t>, </a:t>
-            </a:r>
-            <a:r>
-              <a:rPr lang="en-US" dirty="0" err="1" smtClean="0"/>
+              <a:rPr lang="en-US" dirty="0"/>
+              <a:t>, Message, </a:t>
+            </a:r>
+            <a:r>
+              <a:rPr lang="en-US" dirty="0" smtClean="0"/>
+              <a:t>Timestamp, </a:t>
+            </a:r>
+            <a:r>
+              <a:rPr lang="en-US" dirty="0" err="1"/>
               <a:t>SessionID</a:t>
             </a:r>
             <a:r>
               <a:rPr lang="en-US" dirty="0" smtClean="0"/>
-              <a:t>, timestamp)</a:t>
+              <a:t>)</a:t>
             </a:r>
             <a:endParaRPr lang="en-US" dirty="0"/>
           </a:p>
@@ -12753,7 +12771,7 @@
             </a:r>
             <a:r>
               <a:rPr lang="en-US" dirty="0" err="1" smtClean="0"/>
-              <a:t>logoutclient</a:t>
+              <a:t>chatsendclient</a:t>
             </a:r>
             <a:r>
               <a:rPr lang="en-US" dirty="0" smtClean="0"/>
@@ -12778,24 +12796,52 @@
           <a:p>
             <a:pPr lvl="3"/>
             <a:r>
-              <a:rPr lang="en-US" dirty="0" err="1" smtClean="0"/>
+              <a:rPr lang="en-US" dirty="0" err="1"/>
               <a:t>userid</a:t>
             </a:r>
             <a:r>
-              <a:rPr lang="en-US" dirty="0" smtClean="0"/>
-              <a:t>=“username”</a:t>
+              <a:rPr lang="en-US" dirty="0"/>
+              <a:t>=“username</a:t>
+            </a:r>
+            <a:r>
+              <a:rPr lang="en-US" dirty="0" smtClean="0"/>
+              <a:t>”</a:t>
             </a:r>
           </a:p>
           <a:p>
             <a:pPr lvl="3"/>
             <a:r>
-              <a:rPr lang="en-US" dirty="0" err="1" smtClean="0"/>
-              <a:t>sessionid</a:t>
+              <a:rPr lang="en-US" dirty="0" smtClean="0"/>
+              <a:t>message=“user’s message”</a:t>
+            </a:r>
+            <a:endParaRPr lang="en-US" dirty="0"/>
+          </a:p>
+          <a:p>
+            <a:pPr lvl="3"/>
+            <a:r>
+              <a:rPr lang="en-US" dirty="0"/>
+              <a:t>timestamp=“timestamp</a:t>
+            </a:r>
+            <a:r>
+              <a:rPr lang="en-US" dirty="0" smtClean="0"/>
+              <a:t>”</a:t>
+            </a:r>
+          </a:p>
+          <a:p>
+            <a:pPr lvl="3"/>
+            <a:r>
+              <a:rPr lang="en-US" dirty="0" err="1"/>
+              <a:t>s</a:t>
+            </a:r>
+            <a:r>
+              <a:rPr lang="en-US" dirty="0" err="1" smtClean="0"/>
+              <a:t>essionid</a:t>
             </a:r>
             <a:r>
               <a:rPr lang="en-US" dirty="0" smtClean="0"/>
               <a:t>=“server’s session id”</a:t>
             </a:r>
+            <a:endParaRPr lang="en-US" dirty="0"/>
           </a:p>
           <a:p>
             <a:pPr lvl="1"/>
@@ -12855,14 +12901,14 @@
             </a:r>
             <a:r>
               <a:rPr lang="en-US" dirty="0" smtClean="0"/>
-              <a:t>=“2 / 3 / 4”</a:t>
+              <a:t>=“2 / 3”</a:t>
             </a:r>
             <a:br>
               <a:rPr lang="en-US" dirty="0" smtClean="0"/>
             </a:br>
             <a:r>
               <a:rPr lang="en-US" dirty="0" smtClean="0"/>
-              <a:t>message=“server error / integrity error / session expired”</a:t>
+              <a:t>message=“server error / session expired”</a:t>
             </a:r>
             <a:endParaRPr lang="en-US" dirty="0"/>
           </a:p>
@@ -12871,7 +12917,7 @@
     </p:spTree>
     <p:extLst>
       <p:ext uri="{BB962C8B-B14F-4D97-AF65-F5344CB8AC3E}">
-        <p14:creationId xmlns:p14="http://schemas.microsoft.com/office/powerpoint/2010/main" val="280783789"/>
+        <p14:creationId xmlns:p14="http://schemas.microsoft.com/office/powerpoint/2010/main" val="1822839228"/>
       </p:ext>
     </p:extLst>
   </p:cSld>
@@ -12957,13 +13003,13 @@
         <p:spPr/>
         <p:txBody>
           <a:bodyPr>
-            <a:normAutofit fontScale="92500" lnSpcReduction="10000"/>
+            <a:normAutofit fontScale="92500" lnSpcReduction="20000"/>
           </a:bodyPr>
           <a:lstStyle/>
           <a:p>
             <a:r>
               <a:rPr lang="en-US" dirty="0" err="1"/>
-              <a:t>LogoutServer</a:t>
+              <a:t>LogoutClient</a:t>
             </a:r>
             <a:r>
               <a:rPr lang="en-US" dirty="0"/>
@@ -12975,11 +13021,19 @@
             </a:r>
             <a:r>
               <a:rPr lang="en-US" dirty="0" err="1" smtClean="0"/>
+              <a:t>UserId</a:t>
+            </a:r>
+            <a:r>
+              <a:rPr lang="en-US" dirty="0" smtClean="0"/>
+              <a:t>, </a:t>
+            </a:r>
+            <a:r>
+              <a:rPr lang="en-US" dirty="0" err="1" smtClean="0"/>
               <a:t>SessionID</a:t>
             </a:r>
             <a:r>
               <a:rPr lang="en-US" dirty="0" smtClean="0"/>
-              <a:t>)</a:t>
+              <a:t>, timestamp)</a:t>
             </a:r>
             <a:endParaRPr lang="en-US" dirty="0"/>
           </a:p>
@@ -13010,7 +13064,7 @@
             </a:r>
             <a:r>
               <a:rPr lang="en-US" dirty="0" err="1" smtClean="0"/>
-              <a:t>logoutserver</a:t>
+              <a:t>logoutclient</a:t>
             </a:r>
             <a:r>
               <a:rPr lang="en-US" dirty="0" smtClean="0"/>
@@ -13020,12 +13074,27 @@
           <a:p>
             <a:pPr lvl="2"/>
             <a:r>
-              <a:rPr lang="en-US" dirty="0" err="1" smtClean="0"/>
-              <a:t>params</a:t>
+              <a:rPr lang="en-US" dirty="0" err="1"/>
+              <a:t>p</a:t>
+            </a:r>
+            <a:r>
+              <a:rPr lang="en-US" dirty="0" err="1" smtClean="0"/>
+              <a:t>arams</a:t>
             </a:r>
             <a:r>
               <a:rPr lang="en-US" dirty="0" smtClean="0"/>
               <a:t>:</a:t>
+            </a:r>
+          </a:p>
+          <a:p>
+            <a:pPr lvl="3"/>
+            <a:r>
+              <a:rPr lang="en-US" dirty="0" err="1" smtClean="0"/>
+              <a:t>userid</a:t>
+            </a:r>
+            <a:r>
+              <a:rPr lang="en-US" dirty="0" smtClean="0"/>
+              <a:t>=“username”</a:t>
             </a:r>
           </a:p>
           <a:p>
@@ -13097,14 +13166,14 @@
             </a:r>
             <a:r>
               <a:rPr lang="en-US" dirty="0" smtClean="0"/>
-              <a:t>=“2 / 3”</a:t>
+              <a:t>=“2 / 3 / 4”</a:t>
             </a:r>
             <a:br>
               <a:rPr lang="en-US" dirty="0" smtClean="0"/>
             </a:br>
             <a:r>
               <a:rPr lang="en-US" dirty="0" smtClean="0"/>
-              <a:t>message=“server error / session expired”</a:t>
+              <a:t>message=“server error / integrity error / session expired”</a:t>
             </a:r>
             <a:endParaRPr lang="en-US" dirty="0"/>
           </a:p>
@@ -13113,7 +13182,7 @@
     </p:spTree>
     <p:extLst>
       <p:ext uri="{BB962C8B-B14F-4D97-AF65-F5344CB8AC3E}">
-        <p14:creationId xmlns:p14="http://schemas.microsoft.com/office/powerpoint/2010/main" val="1053793571"/>
+        <p14:creationId xmlns:p14="http://schemas.microsoft.com/office/powerpoint/2010/main" val="280783789"/>
       </p:ext>
     </p:extLst>
   </p:cSld>
@@ -13204,12 +13273,16 @@
           <a:lstStyle/>
           <a:p>
             <a:r>
-              <a:rPr lang="en-US" dirty="0" err="1" smtClean="0"/>
-              <a:t>ServerHeartbeat</a:t>
-            </a:r>
-            <a:r>
-              <a:rPr lang="en-US" dirty="0" smtClean="0"/>
-              <a:t> (</a:t>
+              <a:rPr lang="en-US" dirty="0" err="1"/>
+              <a:t>LogoutServer</a:t>
+            </a:r>
+            <a:r>
+              <a:rPr lang="en-US" dirty="0"/>
+              <a:t> </a:t>
+            </a:r>
+            <a:r>
+              <a:rPr lang="en-US" dirty="0" smtClean="0"/>
+              <a:t>(</a:t>
             </a:r>
             <a:r>
               <a:rPr lang="en-US" dirty="0" err="1" smtClean="0"/>
@@ -13248,7 +13321,7 @@
             </a:r>
             <a:r>
               <a:rPr lang="en-US" dirty="0" err="1" smtClean="0"/>
-              <a:t>serverheartbeat</a:t>
+              <a:t>logoutserver</a:t>
             </a:r>
             <a:r>
               <a:rPr lang="en-US" dirty="0" smtClean="0"/>
@@ -13258,12 +13331,8 @@
           <a:p>
             <a:pPr lvl="2"/>
             <a:r>
-              <a:rPr lang="en-US" dirty="0" err="1"/>
-              <a:t>p</a:t>
-            </a:r>
-            <a:r>
-              <a:rPr lang="en-US" dirty="0" err="1" smtClean="0"/>
-              <a:t>arams</a:t>
+              <a:rPr lang="en-US" dirty="0" err="1" smtClean="0"/>
+              <a:t>params</a:t>
             </a:r>
             <a:r>
               <a:rPr lang="en-US" dirty="0" smtClean="0"/>
@@ -13355,7 +13424,7 @@
     </p:spTree>
     <p:extLst>
       <p:ext uri="{BB962C8B-B14F-4D97-AF65-F5344CB8AC3E}">
-        <p14:creationId xmlns:p14="http://schemas.microsoft.com/office/powerpoint/2010/main" val="438067580"/>
+        <p14:creationId xmlns:p14="http://schemas.microsoft.com/office/powerpoint/2010/main" val="1053793571"/>
       </p:ext>
     </p:extLst>
   </p:cSld>
@@ -13441,17 +13510,25 @@
         <p:spPr/>
         <p:txBody>
           <a:bodyPr>
-            <a:normAutofit fontScale="92500" lnSpcReduction="20000"/>
+            <a:normAutofit fontScale="92500" lnSpcReduction="10000"/>
           </a:bodyPr>
           <a:lstStyle/>
           <a:p>
             <a:r>
               <a:rPr lang="en-US" dirty="0" err="1" smtClean="0"/>
-              <a:t>ListRegisteredServer</a:t>
-            </a:r>
-            <a:r>
-              <a:rPr lang="en-US" dirty="0" smtClean="0"/>
-              <a:t> ()</a:t>
+              <a:t>ServerHeartbeat</a:t>
+            </a:r>
+            <a:r>
+              <a:rPr lang="en-US" dirty="0" smtClean="0"/>
+              <a:t> (</a:t>
+            </a:r>
+            <a:r>
+              <a:rPr lang="en-US" dirty="0" err="1" smtClean="0"/>
+              <a:t>SessionID</a:t>
+            </a:r>
+            <a:r>
+              <a:rPr lang="en-US" dirty="0" smtClean="0"/>
+              <a:t>)</a:t>
             </a:r>
             <a:endParaRPr lang="en-US" dirty="0"/>
           </a:p>
@@ -13482,7 +13559,7 @@
             </a:r>
             <a:r>
               <a:rPr lang="en-US" dirty="0" err="1" smtClean="0"/>
-              <a:t>listregisteredserver</a:t>
+              <a:t>serverheartbeat</a:t>
             </a:r>
             <a:r>
               <a:rPr lang="en-US" dirty="0" smtClean="0"/>
@@ -13508,17 +13585,12 @@
             <a:pPr lvl="3"/>
             <a:r>
               <a:rPr lang="en-US" dirty="0" err="1" smtClean="0"/>
-              <a:t>Tidak</a:t>
-            </a:r>
-            <a:r>
-              <a:rPr lang="en-US" dirty="0" smtClean="0"/>
-              <a:t> </a:t>
-            </a:r>
-            <a:r>
-              <a:rPr lang="en-US" dirty="0" err="1" smtClean="0"/>
-              <a:t>ada</a:t>
-            </a:r>
-            <a:endParaRPr lang="en-US" dirty="0" smtClean="0"/>
+              <a:t>sessionid</a:t>
+            </a:r>
+            <a:r>
+              <a:rPr lang="en-US" dirty="0" smtClean="0"/>
+              <a:t>=“server’s session id”</a:t>
+            </a:r>
           </a:p>
           <a:p>
             <a:pPr lvl="1"/>
@@ -13539,44 +13611,6 @@
             <a:r>
               <a:rPr lang="en-US" dirty="0" smtClean="0"/>
               <a:t>status-code=“1”</a:t>
-            </a:r>
-            <a:br>
-              <a:rPr lang="en-US" dirty="0" smtClean="0"/>
-            </a:br>
-            <a:r>
-              <a:rPr lang="en-US" dirty="0" smtClean="0"/>
-              <a:t>servers=</a:t>
-            </a:r>
-          </a:p>
-          <a:p>
-            <a:pPr lvl="3"/>
-            <a:r>
-              <a:rPr lang="en-US" dirty="0" smtClean="0"/>
-              <a:t>&lt;server </a:t>
-            </a:r>
-            <a:r>
-              <a:rPr lang="en-US" dirty="0" err="1" smtClean="0"/>
-              <a:t>ip</a:t>
-            </a:r>
-            <a:r>
-              <a:rPr lang="en-US" dirty="0" smtClean="0"/>
-              <a:t>=“</a:t>
-            </a:r>
-            <a:r>
-              <a:rPr lang="en-US" dirty="0" err="1" smtClean="0"/>
-              <a:t>ip</a:t>
-            </a:r>
-            <a:r>
-              <a:rPr lang="en-US" dirty="0" smtClean="0"/>
-              <a:t> </a:t>
-            </a:r>
-            <a:r>
-              <a:rPr lang="en-US" dirty="0" err="1" smtClean="0"/>
-              <a:t>addr</a:t>
-            </a:r>
-            <a:r>
-              <a:rPr lang="en-US" dirty="0" smtClean="0"/>
-              <a:t>” port=“listening port” password=“hash” /&gt;</a:t>
             </a:r>
             <a:br>
               <a:rPr lang="en-US" dirty="0" smtClean="0"/>
@@ -13616,14 +13650,14 @@
             </a:r>
             <a:r>
               <a:rPr lang="en-US" dirty="0" smtClean="0"/>
-              <a:t>=“2”</a:t>
+              <a:t>=“2 / 3”</a:t>
             </a:r>
             <a:br>
               <a:rPr lang="en-US" dirty="0" smtClean="0"/>
             </a:br>
             <a:r>
               <a:rPr lang="en-US" dirty="0" smtClean="0"/>
-              <a:t>message=“server error”</a:t>
+              <a:t>message=“server error / session expired”</a:t>
             </a:r>
             <a:endParaRPr lang="en-US" dirty="0"/>
           </a:p>
@@ -13632,7 +13666,7 @@
     </p:spTree>
     <p:extLst>
       <p:ext uri="{BB962C8B-B14F-4D97-AF65-F5344CB8AC3E}">
-        <p14:creationId xmlns:p14="http://schemas.microsoft.com/office/powerpoint/2010/main" val="1964871332"/>
+        <p14:creationId xmlns:p14="http://schemas.microsoft.com/office/powerpoint/2010/main" val="438067580"/>
       </p:ext>
     </p:extLst>
   </p:cSld>
@@ -14617,6 +14651,283 @@
       </p:grpSpPr>
       <p:sp>
         <p:nvSpPr>
+          <p:cNvPr id="2" name="Title 1"/>
+          <p:cNvSpPr>
+            <a:spLocks noGrp="1"/>
+          </p:cNvSpPr>
+          <p:nvPr>
+            <p:ph type="title"/>
+          </p:nvPr>
+        </p:nvSpPr>
+        <p:spPr/>
+        <p:txBody>
+          <a:bodyPr/>
+          <a:lstStyle/>
+          <a:p>
+            <a:r>
+              <a:rPr lang="en-US" b="1" dirty="0" smtClean="0"/>
+              <a:t>Format </a:t>
+            </a:r>
+            <a:r>
+              <a:rPr lang="en-US" b="1" dirty="0" err="1" smtClean="0"/>
+              <a:t>Pesan</a:t>
+            </a:r>
+            <a:r>
+              <a:rPr lang="en-US" b="1" dirty="0" smtClean="0"/>
+              <a:t> Per Method (s2s)</a:t>
+            </a:r>
+            <a:endParaRPr lang="en-US" b="1" dirty="0"/>
+          </a:p>
+        </p:txBody>
+      </p:sp>
+      <p:sp>
+        <p:nvSpPr>
+          <p:cNvPr id="3" name="Content Placeholder 2"/>
+          <p:cNvSpPr>
+            <a:spLocks noGrp="1"/>
+          </p:cNvSpPr>
+          <p:nvPr>
+            <p:ph idx="1"/>
+          </p:nvPr>
+        </p:nvSpPr>
+        <p:spPr/>
+        <p:txBody>
+          <a:bodyPr>
+            <a:normAutofit fontScale="92500" lnSpcReduction="20000"/>
+          </a:bodyPr>
+          <a:lstStyle/>
+          <a:p>
+            <a:r>
+              <a:rPr lang="en-US" dirty="0" err="1" smtClean="0"/>
+              <a:t>ListRegisteredServer</a:t>
+            </a:r>
+            <a:r>
+              <a:rPr lang="en-US" dirty="0" smtClean="0"/>
+              <a:t> ()</a:t>
+            </a:r>
+            <a:endParaRPr lang="en-US" dirty="0"/>
+          </a:p>
+          <a:p>
+            <a:pPr lvl="1"/>
+            <a:r>
+              <a:rPr lang="en-US" dirty="0" smtClean="0"/>
+              <a:t>Request</a:t>
+            </a:r>
+            <a:endParaRPr lang="en-US" dirty="0"/>
+          </a:p>
+          <a:p>
+            <a:pPr lvl="2"/>
+            <a:r>
+              <a:rPr lang="en-US" dirty="0"/>
+              <a:t>m</a:t>
+            </a:r>
+            <a:r>
+              <a:rPr lang="en-US" dirty="0" smtClean="0"/>
+              <a:t>ethod:</a:t>
+            </a:r>
+          </a:p>
+          <a:p>
+            <a:pPr lvl="3"/>
+            <a:r>
+              <a:rPr lang="en-US" dirty="0" smtClean="0"/>
+              <a:t>name=“</a:t>
+            </a:r>
+            <a:r>
+              <a:rPr lang="en-US" dirty="0" err="1" smtClean="0"/>
+              <a:t>listregisteredserver</a:t>
+            </a:r>
+            <a:r>
+              <a:rPr lang="en-US" dirty="0" smtClean="0"/>
+              <a:t>”</a:t>
+            </a:r>
+          </a:p>
+          <a:p>
+            <a:pPr lvl="2"/>
+            <a:r>
+              <a:rPr lang="en-US" dirty="0" err="1"/>
+              <a:t>p</a:t>
+            </a:r>
+            <a:r>
+              <a:rPr lang="en-US" dirty="0" err="1" smtClean="0"/>
+              <a:t>arams</a:t>
+            </a:r>
+            <a:r>
+              <a:rPr lang="en-US" dirty="0" smtClean="0"/>
+              <a:t>:</a:t>
+            </a:r>
+          </a:p>
+          <a:p>
+            <a:pPr lvl="3"/>
+            <a:r>
+              <a:rPr lang="en-US" dirty="0" err="1" smtClean="0"/>
+              <a:t>Tidak</a:t>
+            </a:r>
+            <a:r>
+              <a:rPr lang="en-US" dirty="0" smtClean="0"/>
+              <a:t> </a:t>
+            </a:r>
+            <a:r>
+              <a:rPr lang="en-US" dirty="0" err="1" smtClean="0"/>
+              <a:t>ada</a:t>
+            </a:r>
+            <a:endParaRPr lang="en-US" dirty="0" smtClean="0"/>
+          </a:p>
+          <a:p>
+            <a:pPr lvl="1"/>
+            <a:r>
+              <a:rPr lang="en-US" dirty="0" smtClean="0"/>
+              <a:t>Response</a:t>
+            </a:r>
+          </a:p>
+          <a:p>
+            <a:pPr lvl="2"/>
+            <a:r>
+              <a:rPr lang="en-US" dirty="0" smtClean="0"/>
+              <a:t>status=“accepted”</a:t>
+            </a:r>
+            <a:br>
+              <a:rPr lang="en-US" dirty="0" smtClean="0"/>
+            </a:br>
+            <a:r>
+              <a:rPr lang="en-US" dirty="0" smtClean="0"/>
+              <a:t>status-code=“1”</a:t>
+            </a:r>
+            <a:br>
+              <a:rPr lang="en-US" dirty="0" smtClean="0"/>
+            </a:br>
+            <a:r>
+              <a:rPr lang="en-US" dirty="0" smtClean="0"/>
+              <a:t>servers=</a:t>
+            </a:r>
+          </a:p>
+          <a:p>
+            <a:pPr lvl="3"/>
+            <a:r>
+              <a:rPr lang="en-US" dirty="0" smtClean="0"/>
+              <a:t>&lt;server </a:t>
+            </a:r>
+            <a:r>
+              <a:rPr lang="en-US" dirty="0" err="1" smtClean="0"/>
+              <a:t>ip</a:t>
+            </a:r>
+            <a:r>
+              <a:rPr lang="en-US" dirty="0" smtClean="0"/>
+              <a:t>=“</a:t>
+            </a:r>
+            <a:r>
+              <a:rPr lang="en-US" dirty="0" err="1" smtClean="0"/>
+              <a:t>ip</a:t>
+            </a:r>
+            <a:r>
+              <a:rPr lang="en-US" dirty="0" smtClean="0"/>
+              <a:t> </a:t>
+            </a:r>
+            <a:r>
+              <a:rPr lang="en-US" dirty="0" err="1" smtClean="0"/>
+              <a:t>addr</a:t>
+            </a:r>
+            <a:r>
+              <a:rPr lang="en-US" dirty="0" smtClean="0"/>
+              <a:t>” port=“listening port” password=“hash” /&gt;</a:t>
+            </a:r>
+            <a:br>
+              <a:rPr lang="en-US" dirty="0" smtClean="0"/>
+            </a:br>
+            <a:r>
+              <a:rPr lang="en-US" dirty="0" smtClean="0"/>
+              <a:t/>
+            </a:r>
+            <a:br>
+              <a:rPr lang="en-US" dirty="0" smtClean="0"/>
+            </a:br>
+            <a:r>
+              <a:rPr lang="en-US" dirty="0" smtClean="0"/>
+              <a:t>or</a:t>
+            </a:r>
+            <a:br>
+              <a:rPr lang="en-US" dirty="0" smtClean="0"/>
+            </a:br>
+            <a:endParaRPr lang="en-US" dirty="0" smtClean="0"/>
+          </a:p>
+          <a:p>
+            <a:pPr lvl="2"/>
+            <a:r>
+              <a:rPr lang="en-US" dirty="0"/>
+              <a:t>s</a:t>
+            </a:r>
+            <a:r>
+              <a:rPr lang="en-US" dirty="0" smtClean="0"/>
+              <a:t>tatus=“rejected”</a:t>
+            </a:r>
+            <a:br>
+              <a:rPr lang="en-US" dirty="0" smtClean="0"/>
+            </a:br>
+            <a:r>
+              <a:rPr lang="en-US" dirty="0"/>
+              <a:t>status-code</a:t>
+            </a:r>
+            <a:r>
+              <a:rPr lang="en-US" dirty="0" smtClean="0"/>
+              <a:t>=“2”</a:t>
+            </a:r>
+            <a:br>
+              <a:rPr lang="en-US" dirty="0" smtClean="0"/>
+            </a:br>
+            <a:r>
+              <a:rPr lang="en-US" dirty="0" smtClean="0"/>
+              <a:t>message=“server error”</a:t>
+            </a:r>
+            <a:endParaRPr lang="en-US" dirty="0"/>
+          </a:p>
+        </p:txBody>
+      </p:sp>
+    </p:spTree>
+    <p:extLst>
+      <p:ext uri="{BB962C8B-B14F-4D97-AF65-F5344CB8AC3E}">
+        <p14:creationId xmlns:p14="http://schemas.microsoft.com/office/powerpoint/2010/main" val="1964871332"/>
+      </p:ext>
+    </p:extLst>
+  </p:cSld>
+  <p:clrMapOvr>
+    <a:masterClrMapping/>
+  </p:clrMapOvr>
+  <mc:AlternateContent xmlns:mc="http://schemas.openxmlformats.org/markup-compatibility/2006" xmlns:p14="http://schemas.microsoft.com/office/powerpoint/2010/main">
+    <mc:Choice Requires="p14">
+      <p:transition p14:dur="0"/>
+    </mc:Choice>
+    <mc:Fallback xmlns="">
+      <p:transition/>
+    </mc:Fallback>
+  </mc:AlternateContent>
+  <p:timing>
+    <p:tnLst>
+      <p:par>
+        <p:cTn id="1" dur="indefinite" restart="never" nodeType="tmRoot"/>
+      </p:par>
+    </p:tnLst>
+  </p:timing>
+</p:sld>
+</file>
+
+<file path=ppt/slides/slide31.xml><?xml version="1.0" encoding="utf-8"?>
+<p:sld xmlns:a="http://schemas.openxmlformats.org/drawingml/2006/main" xmlns:r="http://schemas.openxmlformats.org/officeDocument/2006/relationships" xmlns:p="http://schemas.openxmlformats.org/presentationml/2006/main">
+  <p:cSld>
+    <p:spTree>
+      <p:nvGrpSpPr>
+        <p:cNvPr id="1" name=""/>
+        <p:cNvGrpSpPr/>
+        <p:nvPr/>
+      </p:nvGrpSpPr>
+      <p:grpSpPr>
+        <a:xfrm>
+          <a:off x="0" y="0"/>
+          <a:ext cx="0" cy="0"/>
+          <a:chOff x="0" y="0"/>
+          <a:chExt cx="0" cy="0"/>
+        </a:xfrm>
+      </p:grpSpPr>
+      <p:sp>
+        <p:nvSpPr>
           <p:cNvPr id="4" name="Title 3"/>
           <p:cNvSpPr>
             <a:spLocks noGrp="1"/>
@@ -14685,7 +14996,7 @@
 </p:sld>
 </file>
 
-<file path=ppt/slides/slide31.xml><?xml version="1.0" encoding="utf-8"?>
+<file path=ppt/slides/slide32.xml><?xml version="1.0" encoding="utf-8"?>
 <p:sld xmlns:a="http://schemas.openxmlformats.org/drawingml/2006/main" xmlns:r="http://schemas.openxmlformats.org/officeDocument/2006/relationships" xmlns:p="http://schemas.openxmlformats.org/presentationml/2006/main">
   <p:cSld>
     <p:spTree>
@@ -15055,7 +15366,7 @@
 </p:sld>
 </file>
 
-<file path=ppt/slides/slide32.xml><?xml version="1.0" encoding="utf-8"?>
+<file path=ppt/slides/slide33.xml><?xml version="1.0" encoding="utf-8"?>
 <p:sld xmlns:a="http://schemas.openxmlformats.org/drawingml/2006/main" xmlns:r="http://schemas.openxmlformats.org/officeDocument/2006/relationships" xmlns:p="http://schemas.openxmlformats.org/presentationml/2006/main">
   <p:cSld>
     <p:spTree>
@@ -15654,7 +15965,7 @@
 </p:sld>
 </file>
 
-<file path=ppt/slides/slide33.xml><?xml version="1.0" encoding="utf-8"?>
+<file path=ppt/slides/slide34.xml><?xml version="1.0" encoding="utf-8"?>
 <p:sld xmlns:a="http://schemas.openxmlformats.org/drawingml/2006/main" xmlns:r="http://schemas.openxmlformats.org/officeDocument/2006/relationships" xmlns:p="http://schemas.openxmlformats.org/presentationml/2006/main">
   <p:cSld>
     <p:spTree>
@@ -16424,7 +16735,7 @@
 </p:sld>
 </file>
 
-<file path=ppt/slides/slide34.xml><?xml version="1.0" encoding="utf-8"?>
+<file path=ppt/slides/slide35.xml><?xml version="1.0" encoding="utf-8"?>
 <p:sld xmlns:a="http://schemas.openxmlformats.org/drawingml/2006/main" xmlns:r="http://schemas.openxmlformats.org/officeDocument/2006/relationships" xmlns:p="http://schemas.openxmlformats.org/presentationml/2006/main">
   <p:cSld>
     <p:spTree>
@@ -16487,359 +16798,6 @@
     <p:extLst>
       <p:ext uri="{BB962C8B-B14F-4D97-AF65-F5344CB8AC3E}">
         <p14:creationId xmlns:p14="http://schemas.microsoft.com/office/powerpoint/2010/main" val="4174487364"/>
-      </p:ext>
-    </p:extLst>
-  </p:cSld>
-  <p:clrMapOvr>
-    <a:masterClrMapping/>
-  </p:clrMapOvr>
-  <mc:AlternateContent xmlns:mc="http://schemas.openxmlformats.org/markup-compatibility/2006" xmlns:p14="http://schemas.microsoft.com/office/powerpoint/2010/main">
-    <mc:Choice Requires="p14">
-      <p:transition p14:dur="0"/>
-    </mc:Choice>
-    <mc:Fallback xmlns="">
-      <p:transition/>
-    </mc:Fallback>
-  </mc:AlternateContent>
-  <p:timing>
-    <p:tnLst>
-      <p:par>
-        <p:cTn id="1" dur="indefinite" restart="never" nodeType="tmRoot"/>
-      </p:par>
-    </p:tnLst>
-  </p:timing>
-</p:sld>
-</file>
-
-<file path=ppt/slides/slide35.xml><?xml version="1.0" encoding="utf-8"?>
-<p:sld xmlns:a="http://schemas.openxmlformats.org/drawingml/2006/main" xmlns:r="http://schemas.openxmlformats.org/officeDocument/2006/relationships" xmlns:p="http://schemas.openxmlformats.org/presentationml/2006/main">
-  <p:cSld>
-    <p:spTree>
-      <p:nvGrpSpPr>
-        <p:cNvPr id="1" name=""/>
-        <p:cNvGrpSpPr/>
-        <p:nvPr/>
-      </p:nvGrpSpPr>
-      <p:grpSpPr>
-        <a:xfrm>
-          <a:off x="0" y="0"/>
-          <a:ext cx="0" cy="0"/>
-          <a:chOff x="0" y="0"/>
-          <a:chExt cx="0" cy="0"/>
-        </a:xfrm>
-      </p:grpSpPr>
-      <p:sp>
-        <p:nvSpPr>
-          <p:cNvPr id="2" name="Title 1"/>
-          <p:cNvSpPr>
-            <a:spLocks noGrp="1"/>
-          </p:cNvSpPr>
-          <p:nvPr>
-            <p:ph type="title"/>
-          </p:nvPr>
-        </p:nvSpPr>
-        <p:spPr/>
-        <p:txBody>
-          <a:bodyPr/>
-          <a:lstStyle/>
-          <a:p>
-            <a:r>
-              <a:rPr lang="en-US" b="1" dirty="0" smtClean="0"/>
-              <a:t>Format File</a:t>
-            </a:r>
-            <a:endParaRPr lang="en-US" b="1" dirty="0"/>
-          </a:p>
-        </p:txBody>
-      </p:sp>
-      <p:sp>
-        <p:nvSpPr>
-          <p:cNvPr id="3" name="Content Placeholder 2"/>
-          <p:cNvSpPr>
-            <a:spLocks noGrp="1"/>
-          </p:cNvSpPr>
-          <p:nvPr>
-            <p:ph idx="1"/>
-          </p:nvPr>
-        </p:nvSpPr>
-        <p:spPr/>
-        <p:txBody>
-          <a:bodyPr>
-            <a:normAutofit/>
-          </a:bodyPr>
-          <a:lstStyle/>
-          <a:p>
-            <a:r>
-              <a:rPr lang="en-US" dirty="0" err="1" smtClean="0"/>
-              <a:t>serverx.cfg</a:t>
-            </a:r>
-            <a:r>
-              <a:rPr lang="en-US" dirty="0" smtClean="0"/>
-              <a:t> (</a:t>
-            </a:r>
-            <a:r>
-              <a:rPr lang="en-US" dirty="0" err="1" smtClean="0"/>
-              <a:t>json</a:t>
-            </a:r>
-            <a:r>
-              <a:rPr lang="en-US" dirty="0" smtClean="0"/>
-              <a:t>):</a:t>
-            </a:r>
-            <a:br>
-              <a:rPr lang="en-US" dirty="0" smtClean="0"/>
-            </a:br>
-            <a:r>
-              <a:rPr lang="en-US" sz="1400" dirty="0" smtClean="0">
-                <a:latin typeface="Courier New" panose="02070309020205020404" pitchFamily="49" charset="0"/>
-                <a:cs typeface="Courier New" panose="02070309020205020404" pitchFamily="49" charset="0"/>
-              </a:rPr>
-              <a:t>{</a:t>
-            </a:r>
-            <a:br>
-              <a:rPr lang="en-US" sz="1400" dirty="0" smtClean="0">
-                <a:latin typeface="Courier New" panose="02070309020205020404" pitchFamily="49" charset="0"/>
-                <a:cs typeface="Courier New" panose="02070309020205020404" pitchFamily="49" charset="0"/>
-              </a:rPr>
-            </a:br>
-            <a:r>
-              <a:rPr lang="en-US" sz="1400" dirty="0" smtClean="0">
-                <a:latin typeface="Courier New" panose="02070309020205020404" pitchFamily="49" charset="0"/>
-                <a:cs typeface="Courier New" panose="02070309020205020404" pitchFamily="49" charset="0"/>
-              </a:rPr>
-              <a:t>    “ip”:”192.168.1.100”/null,</a:t>
-            </a:r>
-            <a:br>
-              <a:rPr lang="en-US" sz="1400" dirty="0" smtClean="0">
-                <a:latin typeface="Courier New" panose="02070309020205020404" pitchFamily="49" charset="0"/>
-                <a:cs typeface="Courier New" panose="02070309020205020404" pitchFamily="49" charset="0"/>
-              </a:rPr>
-            </a:br>
-            <a:r>
-              <a:rPr lang="en-US" sz="1400" dirty="0" smtClean="0">
-                <a:latin typeface="Courier New" panose="02070309020205020404" pitchFamily="49" charset="0"/>
-                <a:cs typeface="Courier New" panose="02070309020205020404" pitchFamily="49" charset="0"/>
-              </a:rPr>
-              <a:t>    “port”:”80”,</a:t>
-            </a:r>
-            <a:br>
-              <a:rPr lang="en-US" sz="1400" dirty="0" smtClean="0">
-                <a:latin typeface="Courier New" panose="02070309020205020404" pitchFamily="49" charset="0"/>
-                <a:cs typeface="Courier New" panose="02070309020205020404" pitchFamily="49" charset="0"/>
-              </a:rPr>
-            </a:br>
-            <a:r>
-              <a:rPr lang="en-US" sz="1400" dirty="0" smtClean="0">
-                <a:latin typeface="Courier New" panose="02070309020205020404" pitchFamily="49" charset="0"/>
-                <a:cs typeface="Courier New" panose="02070309020205020404" pitchFamily="49" charset="0"/>
-              </a:rPr>
-              <a:t>    “</a:t>
-            </a:r>
-            <a:r>
-              <a:rPr lang="en-US" sz="1400" dirty="0" err="1" smtClean="0">
-                <a:latin typeface="Courier New" panose="02070309020205020404" pitchFamily="49" charset="0"/>
-                <a:cs typeface="Courier New" panose="02070309020205020404" pitchFamily="49" charset="0"/>
-              </a:rPr>
-              <a:t>password”:”password</a:t>
-            </a:r>
-            <a:r>
-              <a:rPr lang="en-US" sz="1400" dirty="0" smtClean="0">
-                <a:latin typeface="Courier New" panose="02070309020205020404" pitchFamily="49" charset="0"/>
-                <a:cs typeface="Courier New" panose="02070309020205020404" pitchFamily="49" charset="0"/>
-              </a:rPr>
-              <a:t>”,</a:t>
-            </a:r>
-            <a:br>
-              <a:rPr lang="en-US" sz="1400" dirty="0" smtClean="0">
-                <a:latin typeface="Courier New" panose="02070309020205020404" pitchFamily="49" charset="0"/>
-                <a:cs typeface="Courier New" panose="02070309020205020404" pitchFamily="49" charset="0"/>
-              </a:rPr>
-            </a:br>
-            <a:r>
-              <a:rPr lang="en-US" sz="1400" dirty="0" smtClean="0">
-                <a:latin typeface="Courier New" panose="02070309020205020404" pitchFamily="49" charset="0"/>
-                <a:cs typeface="Courier New" panose="02070309020205020404" pitchFamily="49" charset="0"/>
-              </a:rPr>
-              <a:t>    “</a:t>
-            </a:r>
-            <a:r>
-              <a:rPr lang="en-US" sz="1400" dirty="0" err="1" smtClean="0">
-                <a:latin typeface="Courier New" panose="02070309020205020404" pitchFamily="49" charset="0"/>
-                <a:cs typeface="Courier New" panose="02070309020205020404" pitchFamily="49" charset="0"/>
-              </a:rPr>
-              <a:t>dbName</a:t>
-            </a:r>
-            <a:r>
-              <a:rPr lang="en-US" sz="1400" dirty="0" smtClean="0">
-                <a:latin typeface="Courier New" panose="02070309020205020404" pitchFamily="49" charset="0"/>
-                <a:cs typeface="Courier New" panose="02070309020205020404" pitchFamily="49" charset="0"/>
-              </a:rPr>
-              <a:t>”:”DBNAME”</a:t>
-            </a:r>
-            <a:br>
-              <a:rPr lang="en-US" sz="1400" dirty="0" smtClean="0">
-                <a:latin typeface="Courier New" panose="02070309020205020404" pitchFamily="49" charset="0"/>
-                <a:cs typeface="Courier New" panose="02070309020205020404" pitchFamily="49" charset="0"/>
-              </a:rPr>
-            </a:br>
-            <a:r>
-              <a:rPr lang="en-US" sz="1400" dirty="0" smtClean="0">
-                <a:latin typeface="Courier New" panose="02070309020205020404" pitchFamily="49" charset="0"/>
-                <a:cs typeface="Courier New" panose="02070309020205020404" pitchFamily="49" charset="0"/>
-              </a:rPr>
-              <a:t>    “</a:t>
-            </a:r>
-            <a:r>
-              <a:rPr lang="en-US" sz="1400" dirty="0" err="1" smtClean="0">
-                <a:latin typeface="Courier New" panose="02070309020205020404" pitchFamily="49" charset="0"/>
-                <a:cs typeface="Courier New" panose="02070309020205020404" pitchFamily="49" charset="0"/>
-              </a:rPr>
-              <a:t>serverHook</a:t>
-            </a:r>
-            <a:r>
-              <a:rPr lang="en-US" sz="1400" dirty="0">
-                <a:latin typeface="Courier New" panose="02070309020205020404" pitchFamily="49" charset="0"/>
-                <a:cs typeface="Courier New" panose="02070309020205020404" pitchFamily="49" charset="0"/>
-              </a:rPr>
-              <a:t>”:[{“ip”:”192.168.1.101”,”port”:”80”}]</a:t>
-            </a:r>
-            <a:r>
-              <a:rPr lang="en-US" sz="1400" dirty="0" smtClean="0">
-                <a:latin typeface="Courier New" panose="02070309020205020404" pitchFamily="49" charset="0"/>
-                <a:cs typeface="Courier New" panose="02070309020205020404" pitchFamily="49" charset="0"/>
-              </a:rPr>
-              <a:t/>
-            </a:r>
-            <a:br>
-              <a:rPr lang="en-US" sz="1400" dirty="0" smtClean="0">
-                <a:latin typeface="Courier New" panose="02070309020205020404" pitchFamily="49" charset="0"/>
-                <a:cs typeface="Courier New" panose="02070309020205020404" pitchFamily="49" charset="0"/>
-              </a:rPr>
-            </a:br>
-            <a:r>
-              <a:rPr lang="en-US" sz="1400" dirty="0" smtClean="0">
-                <a:latin typeface="Courier New" panose="02070309020205020404" pitchFamily="49" charset="0"/>
-                <a:cs typeface="Courier New" panose="02070309020205020404" pitchFamily="49" charset="0"/>
-              </a:rPr>
-              <a:t>}</a:t>
-            </a:r>
-            <a:endParaRPr lang="en-US" dirty="0" smtClean="0">
-              <a:latin typeface="Courier New" panose="02070309020205020404" pitchFamily="49" charset="0"/>
-              <a:cs typeface="Courier New" panose="02070309020205020404" pitchFamily="49" charset="0"/>
-            </a:endParaRPr>
-          </a:p>
-          <a:p>
-            <a:pPr lvl="1"/>
-            <a:endParaRPr lang="en-US" dirty="0" smtClean="0"/>
-          </a:p>
-          <a:p>
-            <a:endParaRPr lang="en-US" sz="1800" dirty="0">
-              <a:latin typeface="Courier New" panose="02070309020205020404" pitchFamily="49" charset="0"/>
-              <a:cs typeface="Courier New" panose="02070309020205020404" pitchFamily="49" charset="0"/>
-            </a:endParaRPr>
-          </a:p>
-          <a:p>
-            <a:r>
-              <a:rPr lang="en-US" b="1" dirty="0" err="1" smtClean="0"/>
-              <a:t>Keterangan</a:t>
-            </a:r>
-            <a:r>
-              <a:rPr lang="en-US" b="1" dirty="0" smtClean="0"/>
-              <a:t>:</a:t>
-            </a:r>
-            <a:r>
-              <a:rPr lang="en-US" dirty="0" smtClean="0"/>
-              <a:t> </a:t>
-            </a:r>
-            <a:r>
-              <a:rPr lang="en-US" b="1" i="1" dirty="0" smtClean="0"/>
-              <a:t>x</a:t>
-            </a:r>
-            <a:r>
-              <a:rPr lang="en-US" dirty="0" smtClean="0"/>
-              <a:t> </a:t>
-            </a:r>
-            <a:r>
-              <a:rPr lang="en-US" dirty="0" err="1" smtClean="0"/>
-              <a:t>menandakan</a:t>
-            </a:r>
-            <a:r>
-              <a:rPr lang="en-US" dirty="0" smtClean="0"/>
-              <a:t> </a:t>
-            </a:r>
-            <a:r>
-              <a:rPr lang="en-US" dirty="0" err="1" smtClean="0"/>
-              <a:t>nomor</a:t>
-            </a:r>
-            <a:r>
-              <a:rPr lang="en-US" dirty="0" smtClean="0"/>
-              <a:t> server.</a:t>
-            </a:r>
-            <a:br>
-              <a:rPr lang="en-US" dirty="0" smtClean="0"/>
-            </a:br>
-            <a:r>
-              <a:rPr lang="en-US" sz="2000" b="1" dirty="0" err="1" smtClean="0"/>
-              <a:t>Misal</a:t>
-            </a:r>
-            <a:r>
-              <a:rPr lang="en-US" sz="2000" b="1" dirty="0" smtClean="0"/>
-              <a:t>:</a:t>
-            </a:r>
-            <a:r>
-              <a:rPr lang="en-US" sz="2000" dirty="0" smtClean="0"/>
-              <a:t> </a:t>
-            </a:r>
-            <a:r>
-              <a:rPr lang="en-US" sz="2000" dirty="0" err="1" smtClean="0"/>
-              <a:t>untuk</a:t>
-            </a:r>
-            <a:r>
-              <a:rPr lang="en-US" sz="2000" dirty="0" smtClean="0"/>
-              <a:t> </a:t>
-            </a:r>
-            <a:r>
-              <a:rPr lang="en-US" sz="2000" i="1" dirty="0" smtClean="0"/>
-              <a:t>server1</a:t>
-            </a:r>
-            <a:r>
-              <a:rPr lang="en-US" sz="2000" dirty="0" smtClean="0"/>
-              <a:t>, </a:t>
-            </a:r>
-            <a:r>
-              <a:rPr lang="en-US" sz="2000" dirty="0" err="1" smtClean="0"/>
-              <a:t>nama</a:t>
-            </a:r>
-            <a:r>
-              <a:rPr lang="en-US" sz="2000" dirty="0" smtClean="0"/>
-              <a:t> </a:t>
-            </a:r>
-            <a:r>
-              <a:rPr lang="en-US" sz="2000" dirty="0" err="1" smtClean="0"/>
-              <a:t>filenya</a:t>
-            </a:r>
-            <a:r>
-              <a:rPr lang="en-US" sz="2000" dirty="0" smtClean="0"/>
-              <a:t> </a:t>
-            </a:r>
-            <a:r>
-              <a:rPr lang="en-US" sz="2000" dirty="0" err="1" smtClean="0"/>
-              <a:t>adalah</a:t>
-            </a:r>
-            <a:r>
-              <a:rPr lang="en-US" sz="2000" dirty="0" smtClean="0"/>
-              <a:t> </a:t>
-            </a:r>
-            <a:r>
-              <a:rPr lang="en-US" sz="2000" b="1" i="1" dirty="0" smtClean="0"/>
-              <a:t>server1.cfg</a:t>
-            </a:r>
-            <a:endParaRPr lang="en-US" b="1" i="1" dirty="0"/>
-          </a:p>
-        </p:txBody>
-      </p:sp>
-    </p:spTree>
-    <p:extLst>
-      <p:ext uri="{BB962C8B-B14F-4D97-AF65-F5344CB8AC3E}">
-        <p14:creationId xmlns:p14="http://schemas.microsoft.com/office/powerpoint/2010/main" val="2128604457"/>
       </p:ext>
     </p:extLst>
   </p:cSld>
@@ -16898,7 +16856,7 @@
           <a:p>
             <a:r>
               <a:rPr lang="en-US" b="1" dirty="0" smtClean="0"/>
-              <a:t>Format Database</a:t>
+              <a:t>Format File</a:t>
             </a:r>
             <a:endParaRPr lang="en-US" b="1" dirty="0"/>
           </a:p>
@@ -16917,629 +16875,282 @@
         <p:spPr/>
         <p:txBody>
           <a:bodyPr>
-            <a:normAutofit fontScale="62500" lnSpcReduction="20000"/>
+            <a:normAutofit/>
           </a:bodyPr>
           <a:lstStyle/>
           <a:p>
-            <a:pPr defTabSz="457200">
-              <a:lnSpc>
-                <a:spcPct val="110000"/>
-              </a:lnSpc>
-            </a:pPr>
-            <a:r>
-              <a:rPr lang="en-US" dirty="0" smtClean="0"/>
-              <a:t>Data </a:t>
-            </a:r>
-            <a:r>
-              <a:rPr lang="en-US" dirty="0" err="1" smtClean="0"/>
-              <a:t>mengenai</a:t>
-            </a:r>
-            <a:r>
-              <a:rPr lang="en-US" dirty="0" smtClean="0"/>
-              <a:t> </a:t>
-            </a:r>
-            <a:r>
-              <a:rPr lang="en-US" b="1" i="1" dirty="0" smtClean="0"/>
-              <a:t>server</a:t>
-            </a:r>
-            <a:r>
-              <a:rPr lang="en-US" dirty="0" smtClean="0"/>
-              <a:t> </a:t>
-            </a:r>
-            <a:r>
-              <a:rPr lang="en-US" dirty="0" err="1" smtClean="0"/>
-              <a:t>disimpan</a:t>
-            </a:r>
-            <a:r>
-              <a:rPr lang="en-US" dirty="0" smtClean="0"/>
-              <a:t> di </a:t>
-            </a:r>
-            <a:r>
-              <a:rPr lang="en-US" dirty="0" err="1" smtClean="0"/>
-              <a:t>dalam</a:t>
-            </a:r>
-            <a:r>
-              <a:rPr lang="en-US" dirty="0" smtClean="0"/>
-              <a:t> collection </a:t>
-            </a:r>
-            <a:r>
-              <a:rPr lang="en-US" dirty="0" err="1" smtClean="0"/>
-              <a:t>bernama</a:t>
-            </a:r>
-            <a:r>
-              <a:rPr lang="en-US" dirty="0" smtClean="0"/>
-              <a:t> ‘server’ </a:t>
-            </a:r>
-            <a:r>
-              <a:rPr lang="en-US" dirty="0" err="1" smtClean="0"/>
-              <a:t>dengan</a:t>
-            </a:r>
-            <a:r>
-              <a:rPr lang="en-US" dirty="0" smtClean="0"/>
-              <a:t> </a:t>
-            </a:r>
-            <a:r>
-              <a:rPr lang="en-US" dirty="0" err="1" smtClean="0"/>
-              <a:t>struktur</a:t>
-            </a:r>
-            <a:r>
-              <a:rPr lang="en-US" dirty="0" smtClean="0"/>
-              <a:t>:</a:t>
+            <a:r>
+              <a:rPr lang="en-US" dirty="0" err="1" smtClean="0"/>
+              <a:t>serverx.cfg</a:t>
+            </a:r>
+            <a:r>
+              <a:rPr lang="en-US" dirty="0" smtClean="0"/>
+              <a:t> (</a:t>
+            </a:r>
+            <a:r>
+              <a:rPr lang="en-US" dirty="0" err="1" smtClean="0"/>
+              <a:t>json</a:t>
+            </a:r>
+            <a:r>
+              <a:rPr lang="en-US" dirty="0" smtClean="0"/>
+              <a:t>):</a:t>
             </a:r>
             <a:br>
               <a:rPr lang="en-US" dirty="0" smtClean="0"/>
             </a:br>
             <a:r>
-              <a:rPr lang="en-US" dirty="0" smtClean="0"/>
-              <a:t/>
-            </a:r>
-            <a:br>
-              <a:rPr lang="en-US" dirty="0" smtClean="0"/>
-            </a:br>
-            <a:r>
-              <a:rPr lang="en-US" dirty="0">
+              <a:rPr lang="en-US" sz="1400" dirty="0" smtClean="0">
                 <a:latin typeface="Courier New" panose="02070309020205020404" pitchFamily="49" charset="0"/>
                 <a:cs typeface="Courier New" panose="02070309020205020404" pitchFamily="49" charset="0"/>
               </a:rPr>
-              <a:t>	{</a:t>
+              <a:t>{</a:t>
             </a:r>
             <a:br>
-              <a:rPr lang="en-US" dirty="0">
+              <a:rPr lang="en-US" sz="1400" dirty="0" smtClean="0">
                 <a:latin typeface="Courier New" panose="02070309020205020404" pitchFamily="49" charset="0"/>
                 <a:cs typeface="Courier New" panose="02070309020205020404" pitchFamily="49" charset="0"/>
               </a:rPr>
             </a:br>
             <a:r>
-              <a:rPr lang="en-US" dirty="0">
+              <a:rPr lang="en-US" sz="1400" dirty="0" smtClean="0">
                 <a:latin typeface="Courier New" panose="02070309020205020404" pitchFamily="49" charset="0"/>
                 <a:cs typeface="Courier New" panose="02070309020205020404" pitchFamily="49" charset="0"/>
               </a:rPr>
-              <a:t>		</a:t>
-            </a:r>
-            <a:r>
-              <a:rPr lang="en-US" dirty="0" smtClean="0">
+              <a:t>    “ip”:”192.168.1.100”/null,</a:t>
+            </a:r>
+            <a:br>
+              <a:rPr lang="en-US" sz="1400" dirty="0" smtClean="0">
                 <a:latin typeface="Courier New" panose="02070309020205020404" pitchFamily="49" charset="0"/>
                 <a:cs typeface="Courier New" panose="02070309020205020404" pitchFamily="49" charset="0"/>
               </a:rPr>
-              <a:t>“</a:t>
-            </a:r>
-            <a:r>
-              <a:rPr lang="en-US" dirty="0" err="1" smtClean="0">
+            </a:br>
+            <a:r>
+              <a:rPr lang="en-US" sz="1400" dirty="0" smtClean="0">
                 <a:latin typeface="Courier New" panose="02070309020205020404" pitchFamily="49" charset="0"/>
                 <a:cs typeface="Courier New" panose="02070309020205020404" pitchFamily="49" charset="0"/>
               </a:rPr>
-              <a:t>ip</a:t>
-            </a:r>
-            <a:r>
-              <a:rPr lang="en-US" dirty="0" smtClean="0">
+              <a:t>    “port”:”80”,</a:t>
+            </a:r>
+            <a:br>
+              <a:rPr lang="en-US" sz="1400" dirty="0" smtClean="0">
                 <a:latin typeface="Courier New" panose="02070309020205020404" pitchFamily="49" charset="0"/>
                 <a:cs typeface="Courier New" panose="02070309020205020404" pitchFamily="49" charset="0"/>
               </a:rPr>
-              <a:t>”:String,</a:t>
-            </a:r>
-            <a:br>
-              <a:rPr lang="en-US" dirty="0" smtClean="0">
+            </a:br>
+            <a:r>
+              <a:rPr lang="en-US" sz="1400" dirty="0" smtClean="0">
                 <a:latin typeface="Courier New" panose="02070309020205020404" pitchFamily="49" charset="0"/>
                 <a:cs typeface="Courier New" panose="02070309020205020404" pitchFamily="49" charset="0"/>
               </a:rPr>
-            </a:br>
-            <a:r>
-              <a:rPr lang="en-US" dirty="0">
+              <a:t>    “</a:t>
+            </a:r>
+            <a:r>
+              <a:rPr lang="en-US" sz="1400" dirty="0" err="1" smtClean="0">
                 <a:latin typeface="Courier New" panose="02070309020205020404" pitchFamily="49" charset="0"/>
                 <a:cs typeface="Courier New" panose="02070309020205020404" pitchFamily="49" charset="0"/>
               </a:rPr>
-              <a:t>		“port</a:t>
-            </a:r>
-            <a:r>
-              <a:rPr lang="en-US" dirty="0" smtClean="0">
+              <a:t>password”:”password</a:t>
+            </a:r>
+            <a:r>
+              <a:rPr lang="en-US" sz="1400" dirty="0" smtClean="0">
                 <a:latin typeface="Courier New" panose="02070309020205020404" pitchFamily="49" charset="0"/>
                 <a:cs typeface="Courier New" panose="02070309020205020404" pitchFamily="49" charset="0"/>
               </a:rPr>
-              <a:t>”:</a:t>
-            </a:r>
-            <a:r>
-              <a:rPr lang="en-US" dirty="0" err="1" smtClean="0">
+              <a:t>”,</a:t>
+            </a:r>
+            <a:br>
+              <a:rPr lang="en-US" sz="1400" dirty="0" smtClean="0">
                 <a:latin typeface="Courier New" panose="02070309020205020404" pitchFamily="49" charset="0"/>
                 <a:cs typeface="Courier New" panose="02070309020205020404" pitchFamily="49" charset="0"/>
               </a:rPr>
-              <a:t>int</a:t>
-            </a:r>
-            <a:r>
-              <a:rPr lang="en-US" dirty="0" smtClean="0">
+            </a:br>
+            <a:r>
+              <a:rPr lang="en-US" sz="1400" dirty="0" smtClean="0">
                 <a:latin typeface="Courier New" panose="02070309020205020404" pitchFamily="49" charset="0"/>
                 <a:cs typeface="Courier New" panose="02070309020205020404" pitchFamily="49" charset="0"/>
               </a:rPr>
-              <a:t>,</a:t>
-            </a:r>
-            <a:br>
-              <a:rPr lang="en-US" dirty="0" smtClean="0">
+              <a:t>    “</a:t>
+            </a:r>
+            <a:r>
+              <a:rPr lang="en-US" sz="1400" dirty="0" err="1" smtClean="0">
                 <a:latin typeface="Courier New" panose="02070309020205020404" pitchFamily="49" charset="0"/>
                 <a:cs typeface="Courier New" panose="02070309020205020404" pitchFamily="49" charset="0"/>
               </a:rPr>
-            </a:br>
-            <a:r>
-              <a:rPr lang="en-US" dirty="0" smtClean="0">
+              <a:t>dbName</a:t>
+            </a:r>
+            <a:r>
+              <a:rPr lang="en-US" sz="1400" dirty="0" smtClean="0">
                 <a:latin typeface="Courier New" panose="02070309020205020404" pitchFamily="49" charset="0"/>
                 <a:cs typeface="Courier New" panose="02070309020205020404" pitchFamily="49" charset="0"/>
               </a:rPr>
-              <a:t>		“</a:t>
-            </a:r>
-            <a:r>
-              <a:rPr lang="en-US" dirty="0" err="1" smtClean="0">
+              <a:t>”:”DBNAME”</a:t>
+            </a:r>
+            <a:br>
+              <a:rPr lang="en-US" sz="1400" dirty="0" smtClean="0">
                 <a:latin typeface="Courier New" panose="02070309020205020404" pitchFamily="49" charset="0"/>
                 <a:cs typeface="Courier New" panose="02070309020205020404" pitchFamily="49" charset="0"/>
               </a:rPr>
-              <a:t>ipPort</a:t>
-            </a:r>
-            <a:r>
-              <a:rPr lang="en-US" dirty="0" smtClean="0">
+            </a:br>
+            <a:r>
+              <a:rPr lang="en-US" sz="1400" dirty="0" smtClean="0">
                 <a:latin typeface="Courier New" panose="02070309020205020404" pitchFamily="49" charset="0"/>
                 <a:cs typeface="Courier New" panose="02070309020205020404" pitchFamily="49" charset="0"/>
               </a:rPr>
-              <a:t>”:String(</a:t>
-            </a:r>
-            <a:r>
-              <a:rPr lang="en-US" dirty="0" err="1" smtClean="0">
+              <a:t>    “</a:t>
+            </a:r>
+            <a:r>
+              <a:rPr lang="en-US" sz="1400" dirty="0" err="1" smtClean="0">
                 <a:latin typeface="Courier New" panose="02070309020205020404" pitchFamily="49" charset="0"/>
                 <a:cs typeface="Courier New" panose="02070309020205020404" pitchFamily="49" charset="0"/>
               </a:rPr>
-              <a:t>ip:port</a:t>
-            </a:r>
-            <a:r>
-              <a:rPr lang="en-US" dirty="0">
+              <a:t>serverHook</a:t>
+            </a:r>
+            <a:r>
+              <a:rPr lang="en-US" sz="1400" dirty="0">
                 <a:latin typeface="Courier New" panose="02070309020205020404" pitchFamily="49" charset="0"/>
                 <a:cs typeface="Courier New" panose="02070309020205020404" pitchFamily="49" charset="0"/>
               </a:rPr>
-              <a:t>)</a:t>
-            </a:r>
-            <a:r>
-              <a:rPr lang="en-US" dirty="0" smtClean="0">
+              <a:t>”:[{“ip”:”192.168.1.101”,”port”:”80”}]</a:t>
+            </a:r>
+            <a:r>
+              <a:rPr lang="en-US" sz="1400" dirty="0" smtClean="0">
                 <a:latin typeface="Courier New" panose="02070309020205020404" pitchFamily="49" charset="0"/>
                 <a:cs typeface="Courier New" panose="02070309020205020404" pitchFamily="49" charset="0"/>
               </a:rPr>
               <a:t/>
             </a:r>
             <a:br>
-              <a:rPr lang="en-US" dirty="0" smtClean="0">
+              <a:rPr lang="en-US" sz="1400" dirty="0" smtClean="0">
                 <a:latin typeface="Courier New" panose="02070309020205020404" pitchFamily="49" charset="0"/>
                 <a:cs typeface="Courier New" panose="02070309020205020404" pitchFamily="49" charset="0"/>
               </a:rPr>
             </a:br>
             <a:r>
-              <a:rPr lang="en-US" dirty="0" smtClean="0">
+              <a:rPr lang="en-US" sz="1400" dirty="0" smtClean="0">
                 <a:latin typeface="Courier New" panose="02070309020205020404" pitchFamily="49" charset="0"/>
                 <a:cs typeface="Courier New" panose="02070309020205020404" pitchFamily="49" charset="0"/>
               </a:rPr>
-              <a:t>		“</a:t>
-            </a:r>
-            <a:r>
-              <a:rPr lang="en-US" dirty="0" err="1" smtClean="0">
-                <a:latin typeface="Courier New" panose="02070309020205020404" pitchFamily="49" charset="0"/>
-                <a:cs typeface="Courier New" panose="02070309020205020404" pitchFamily="49" charset="0"/>
-              </a:rPr>
-              <a:t>password”:String</a:t>
-            </a:r>
-            <a:r>
-              <a:rPr lang="en-US" dirty="0" smtClean="0">
-                <a:latin typeface="Courier New" panose="02070309020205020404" pitchFamily="49" charset="0"/>
-                <a:cs typeface="Courier New" panose="02070309020205020404" pitchFamily="49" charset="0"/>
-              </a:rPr>
-              <a:t>(hash)</a:t>
-            </a:r>
-            <a:br>
-              <a:rPr lang="en-US" dirty="0" smtClean="0">
-                <a:latin typeface="Courier New" panose="02070309020205020404" pitchFamily="49" charset="0"/>
-                <a:cs typeface="Courier New" panose="02070309020205020404" pitchFamily="49" charset="0"/>
-              </a:rPr>
-            </a:br>
-            <a:r>
-              <a:rPr lang="en-US" dirty="0" smtClean="0">
-                <a:latin typeface="Courier New" panose="02070309020205020404" pitchFamily="49" charset="0"/>
-                <a:cs typeface="Courier New" panose="02070309020205020404" pitchFamily="49" charset="0"/>
-              </a:rPr>
-              <a:t>		“</a:t>
-            </a:r>
-            <a:r>
-              <a:rPr lang="en-US" dirty="0" err="1" smtClean="0">
-                <a:latin typeface="Courier New" panose="02070309020205020404" pitchFamily="49" charset="0"/>
-                <a:cs typeface="Courier New" panose="02070309020205020404" pitchFamily="49" charset="0"/>
-              </a:rPr>
-              <a:t>loggedIn</a:t>
-            </a:r>
-            <a:r>
-              <a:rPr lang="en-US" dirty="0" smtClean="0">
-                <a:latin typeface="Courier New" panose="02070309020205020404" pitchFamily="49" charset="0"/>
-                <a:cs typeface="Courier New" panose="02070309020205020404" pitchFamily="49" charset="0"/>
-              </a:rPr>
-              <a:t>”:</a:t>
-            </a:r>
-            <a:r>
-              <a:rPr lang="en-US" dirty="0" err="1" smtClean="0">
-                <a:latin typeface="Courier New" panose="02070309020205020404" pitchFamily="49" charset="0"/>
-                <a:cs typeface="Courier New" panose="02070309020205020404" pitchFamily="49" charset="0"/>
-              </a:rPr>
-              <a:t>boolean</a:t>
-            </a:r>
-            <a:r>
-              <a:rPr lang="en-US" dirty="0" smtClean="0">
-                <a:latin typeface="Courier New" panose="02070309020205020404" pitchFamily="49" charset="0"/>
-                <a:cs typeface="Courier New" panose="02070309020205020404" pitchFamily="49" charset="0"/>
-              </a:rPr>
-              <a:t>,</a:t>
-            </a:r>
-            <a:br>
-              <a:rPr lang="en-US" dirty="0" smtClean="0">
-                <a:latin typeface="Courier New" panose="02070309020205020404" pitchFamily="49" charset="0"/>
-                <a:cs typeface="Courier New" panose="02070309020205020404" pitchFamily="49" charset="0"/>
-              </a:rPr>
-            </a:br>
-            <a:r>
-              <a:rPr lang="en-US" dirty="0" smtClean="0">
-                <a:latin typeface="Courier New" panose="02070309020205020404" pitchFamily="49" charset="0"/>
-                <a:cs typeface="Courier New" panose="02070309020205020404" pitchFamily="49" charset="0"/>
-              </a:rPr>
-              <a:t>		“</a:t>
-            </a:r>
-            <a:r>
-              <a:rPr lang="en-US" dirty="0" err="1" smtClean="0">
-                <a:latin typeface="Courier New" panose="02070309020205020404" pitchFamily="49" charset="0"/>
-                <a:cs typeface="Courier New" panose="02070309020205020404" pitchFamily="49" charset="0"/>
-              </a:rPr>
-              <a:t>sessid</a:t>
-            </a:r>
-            <a:r>
-              <a:rPr lang="en-US" dirty="0" smtClean="0">
-                <a:latin typeface="Courier New" panose="02070309020205020404" pitchFamily="49" charset="0"/>
-                <a:cs typeface="Courier New" panose="02070309020205020404" pitchFamily="49" charset="0"/>
-              </a:rPr>
-              <a:t>”:String(base64),</a:t>
-            </a:r>
-            <a:br>
-              <a:rPr lang="en-US" dirty="0" smtClean="0">
-                <a:latin typeface="Courier New" panose="02070309020205020404" pitchFamily="49" charset="0"/>
-                <a:cs typeface="Courier New" panose="02070309020205020404" pitchFamily="49" charset="0"/>
-              </a:rPr>
-            </a:br>
-            <a:r>
-              <a:rPr lang="en-US" dirty="0" smtClean="0">
-                <a:latin typeface="Courier New" panose="02070309020205020404" pitchFamily="49" charset="0"/>
-                <a:cs typeface="Courier New" panose="02070309020205020404" pitchFamily="49" charset="0"/>
-              </a:rPr>
-              <a:t>		“</a:t>
-            </a:r>
-            <a:r>
-              <a:rPr lang="en-US" dirty="0" err="1" smtClean="0">
-                <a:latin typeface="Courier New" panose="02070309020205020404" pitchFamily="49" charset="0"/>
-                <a:cs typeface="Courier New" panose="02070309020205020404" pitchFamily="49" charset="0"/>
-              </a:rPr>
-              <a:t>heartbeat”:timestamp</a:t>
-            </a:r>
-            <a:r>
-              <a:rPr lang="en-US" dirty="0">
-                <a:latin typeface="Courier New" panose="02070309020205020404" pitchFamily="49" charset="0"/>
-                <a:cs typeface="Courier New" panose="02070309020205020404" pitchFamily="49" charset="0"/>
-              </a:rPr>
-              <a:t/>
-            </a:r>
-            <a:br>
-              <a:rPr lang="en-US" dirty="0">
-                <a:latin typeface="Courier New" panose="02070309020205020404" pitchFamily="49" charset="0"/>
-                <a:cs typeface="Courier New" panose="02070309020205020404" pitchFamily="49" charset="0"/>
-              </a:rPr>
-            </a:br>
-            <a:r>
-              <a:rPr lang="en-US" dirty="0">
-                <a:latin typeface="Courier New" panose="02070309020205020404" pitchFamily="49" charset="0"/>
-                <a:cs typeface="Courier New" panose="02070309020205020404" pitchFamily="49" charset="0"/>
-              </a:rPr>
-              <a:t>	</a:t>
-            </a:r>
-            <a:r>
-              <a:rPr lang="en-US" dirty="0" smtClean="0">
-                <a:latin typeface="Courier New" panose="02070309020205020404" pitchFamily="49" charset="0"/>
-                <a:cs typeface="Courier New" panose="02070309020205020404" pitchFamily="49" charset="0"/>
-              </a:rPr>
               <a:t>}</a:t>
             </a:r>
-            <a:br>
-              <a:rPr lang="en-US" dirty="0" smtClean="0">
-                <a:latin typeface="Courier New" panose="02070309020205020404" pitchFamily="49" charset="0"/>
-                <a:cs typeface="Courier New" panose="02070309020205020404" pitchFamily="49" charset="0"/>
-              </a:rPr>
-            </a:br>
             <a:endParaRPr lang="en-US" dirty="0" smtClean="0">
               <a:latin typeface="Courier New" panose="02070309020205020404" pitchFamily="49" charset="0"/>
               <a:cs typeface="Courier New" panose="02070309020205020404" pitchFamily="49" charset="0"/>
             </a:endParaRPr>
           </a:p>
           <a:p>
-            <a:pPr defTabSz="457200">
-              <a:lnSpc>
-                <a:spcPct val="110000"/>
-              </a:lnSpc>
-            </a:pPr>
-            <a:r>
-              <a:rPr lang="en-US" dirty="0" err="1" smtClean="0">
-                <a:cs typeface="Courier New" panose="02070309020205020404" pitchFamily="49" charset="0"/>
-              </a:rPr>
-              <a:t>Dibutuhkan</a:t>
-            </a:r>
-            <a:r>
-              <a:rPr lang="en-US" dirty="0" smtClean="0">
-                <a:cs typeface="Courier New" panose="02070309020205020404" pitchFamily="49" charset="0"/>
-              </a:rPr>
-              <a:t> </a:t>
-            </a:r>
-            <a:r>
-              <a:rPr lang="en-US" dirty="0" err="1" smtClean="0">
-                <a:cs typeface="Courier New" panose="02070309020205020404" pitchFamily="49" charset="0"/>
-              </a:rPr>
-              <a:t>ipPort</a:t>
-            </a:r>
-            <a:r>
-              <a:rPr lang="en-US" dirty="0" smtClean="0">
-                <a:cs typeface="Courier New" panose="02070309020205020404" pitchFamily="49" charset="0"/>
-              </a:rPr>
-              <a:t> </a:t>
-            </a:r>
-            <a:r>
-              <a:rPr lang="en-US" dirty="0" err="1" smtClean="0">
-                <a:cs typeface="Courier New" panose="02070309020205020404" pitchFamily="49" charset="0"/>
-              </a:rPr>
-              <a:t>karena</a:t>
-            </a:r>
-            <a:r>
-              <a:rPr lang="en-US" dirty="0" smtClean="0">
-                <a:cs typeface="Courier New" panose="02070309020205020404" pitchFamily="49" charset="0"/>
-              </a:rPr>
-              <a:t> database yang </a:t>
-            </a:r>
-            <a:r>
-              <a:rPr lang="en-US" dirty="0" err="1" smtClean="0">
-                <a:cs typeface="Courier New" panose="02070309020205020404" pitchFamily="49" charset="0"/>
-              </a:rPr>
-              <a:t>digunakan</a:t>
-            </a:r>
-            <a:r>
-              <a:rPr lang="en-US" dirty="0" smtClean="0">
-                <a:cs typeface="Courier New" panose="02070309020205020404" pitchFamily="49" charset="0"/>
-              </a:rPr>
-              <a:t> </a:t>
-            </a:r>
-            <a:r>
-              <a:rPr lang="en-US" dirty="0" err="1" smtClean="0">
-                <a:cs typeface="Courier New" panose="02070309020205020404" pitchFamily="49" charset="0"/>
-              </a:rPr>
-              <a:t>hanya</a:t>
-            </a:r>
-            <a:r>
-              <a:rPr lang="en-US" dirty="0" smtClean="0">
-                <a:cs typeface="Courier New" panose="02070309020205020404" pitchFamily="49" charset="0"/>
-              </a:rPr>
-              <a:t> </a:t>
-            </a:r>
-            <a:r>
-              <a:rPr lang="en-US" dirty="0" err="1" smtClean="0">
-                <a:cs typeface="Courier New" panose="02070309020205020404" pitchFamily="49" charset="0"/>
-              </a:rPr>
-              <a:t>dapat</a:t>
-            </a:r>
-            <a:r>
-              <a:rPr lang="en-US" dirty="0" smtClean="0">
-                <a:cs typeface="Courier New" panose="02070309020205020404" pitchFamily="49" charset="0"/>
-              </a:rPr>
-              <a:t> </a:t>
-            </a:r>
-            <a:r>
-              <a:rPr lang="en-US" dirty="0" err="1" smtClean="0">
-                <a:cs typeface="Courier New" panose="02070309020205020404" pitchFamily="49" charset="0"/>
-              </a:rPr>
-              <a:t>memberikan</a:t>
-            </a:r>
-            <a:r>
-              <a:rPr lang="en-US" dirty="0" smtClean="0">
-                <a:cs typeface="Courier New" panose="02070309020205020404" pitchFamily="49" charset="0"/>
-              </a:rPr>
-              <a:t> unique index per field, </a:t>
-            </a:r>
-            <a:r>
-              <a:rPr lang="en-US" dirty="0" err="1" smtClean="0">
-                <a:cs typeface="Courier New" panose="02070309020205020404" pitchFamily="49" charset="0"/>
-              </a:rPr>
-              <a:t>bukan</a:t>
-            </a:r>
-            <a:r>
-              <a:rPr lang="en-US" dirty="0" smtClean="0">
-                <a:cs typeface="Courier New" panose="02070309020205020404" pitchFamily="49" charset="0"/>
-              </a:rPr>
-              <a:t> </a:t>
-            </a:r>
-            <a:r>
-              <a:rPr lang="en-US" dirty="0" err="1" smtClean="0">
-                <a:cs typeface="Courier New" panose="02070309020205020404" pitchFamily="49" charset="0"/>
-              </a:rPr>
-              <a:t>gabungan</a:t>
-            </a:r>
-            <a:r>
-              <a:rPr lang="en-US" dirty="0" smtClean="0">
-                <a:cs typeface="Courier New" panose="02070309020205020404" pitchFamily="49" charset="0"/>
-              </a:rPr>
-              <a:t> </a:t>
-            </a:r>
-            <a:r>
-              <a:rPr lang="en-US" dirty="0" err="1" smtClean="0">
-                <a:cs typeface="Courier New" panose="02070309020205020404" pitchFamily="49" charset="0"/>
-              </a:rPr>
-              <a:t>dari</a:t>
-            </a:r>
-            <a:r>
-              <a:rPr lang="en-US" dirty="0" smtClean="0">
-                <a:cs typeface="Courier New" panose="02070309020205020404" pitchFamily="49" charset="0"/>
-              </a:rPr>
-              <a:t> </a:t>
-            </a:r>
-            <a:r>
-              <a:rPr lang="en-US" dirty="0" err="1" smtClean="0">
-                <a:cs typeface="Courier New" panose="02070309020205020404" pitchFamily="49" charset="0"/>
-              </a:rPr>
-              <a:t>berapa</a:t>
-            </a:r>
-            <a:r>
-              <a:rPr lang="en-US" dirty="0" smtClean="0">
-                <a:cs typeface="Courier New" panose="02070309020205020404" pitchFamily="49" charset="0"/>
-              </a:rPr>
-              <a:t> field </a:t>
-            </a:r>
-            <a:r>
-              <a:rPr lang="en-US" dirty="0" err="1" smtClean="0">
-                <a:cs typeface="Courier New" panose="02070309020205020404" pitchFamily="49" charset="0"/>
-              </a:rPr>
-              <a:t>seperti</a:t>
-            </a:r>
-            <a:r>
-              <a:rPr lang="en-US" dirty="0" smtClean="0">
-                <a:cs typeface="Courier New" panose="02070309020205020404" pitchFamily="49" charset="0"/>
-              </a:rPr>
-              <a:t> </a:t>
-            </a:r>
-            <a:r>
-              <a:rPr lang="en-US" dirty="0" err="1" smtClean="0">
-                <a:cs typeface="Courier New" panose="02070309020205020404" pitchFamily="49" charset="0"/>
-              </a:rPr>
-              <a:t>pada</a:t>
-            </a:r>
-            <a:r>
-              <a:rPr lang="en-US" dirty="0" smtClean="0">
-                <a:cs typeface="Courier New" panose="02070309020205020404" pitchFamily="49" charset="0"/>
-              </a:rPr>
-              <a:t> DBMS </a:t>
-            </a:r>
-            <a:r>
-              <a:rPr lang="en-US" dirty="0" err="1" smtClean="0">
-                <a:cs typeface="Courier New" panose="02070309020205020404" pitchFamily="49" charset="0"/>
-              </a:rPr>
-              <a:t>berbasis</a:t>
-            </a:r>
-            <a:r>
-              <a:rPr lang="en-US" dirty="0" smtClean="0">
-                <a:cs typeface="Courier New" panose="02070309020205020404" pitchFamily="49" charset="0"/>
-              </a:rPr>
-              <a:t> SQL. </a:t>
-            </a:r>
-            <a:r>
-              <a:rPr lang="en-US" dirty="0" err="1" smtClean="0">
-                <a:cs typeface="Courier New" panose="02070309020205020404" pitchFamily="49" charset="0"/>
-              </a:rPr>
-              <a:t>ip</a:t>
-            </a:r>
-            <a:r>
-              <a:rPr lang="en-US" dirty="0" smtClean="0">
-                <a:cs typeface="Courier New" panose="02070309020205020404" pitchFamily="49" charset="0"/>
-              </a:rPr>
-              <a:t> </a:t>
-            </a:r>
-            <a:r>
-              <a:rPr lang="en-US" dirty="0" err="1" smtClean="0">
-                <a:cs typeface="Courier New" panose="02070309020205020404" pitchFamily="49" charset="0"/>
-              </a:rPr>
-              <a:t>dan</a:t>
-            </a:r>
-            <a:r>
-              <a:rPr lang="en-US" dirty="0" smtClean="0">
-                <a:cs typeface="Courier New" panose="02070309020205020404" pitchFamily="49" charset="0"/>
-              </a:rPr>
-              <a:t> port </a:t>
-            </a:r>
-            <a:r>
-              <a:rPr lang="en-US" dirty="0" err="1" smtClean="0">
-                <a:cs typeface="Courier New" panose="02070309020205020404" pitchFamily="49" charset="0"/>
-              </a:rPr>
-              <a:t>tetap</a:t>
-            </a:r>
-            <a:r>
-              <a:rPr lang="en-US" dirty="0" smtClean="0">
-                <a:cs typeface="Courier New" panose="02070309020205020404" pitchFamily="49" charset="0"/>
-              </a:rPr>
-              <a:t> </a:t>
-            </a:r>
-            <a:r>
-              <a:rPr lang="en-US" dirty="0" err="1" smtClean="0">
-                <a:cs typeface="Courier New" panose="02070309020205020404" pitchFamily="49" charset="0"/>
-              </a:rPr>
-              <a:t>ada</a:t>
-            </a:r>
-            <a:r>
-              <a:rPr lang="en-US" dirty="0" smtClean="0">
-                <a:cs typeface="Courier New" panose="02070309020205020404" pitchFamily="49" charset="0"/>
-              </a:rPr>
-              <a:t> </a:t>
-            </a:r>
-            <a:r>
-              <a:rPr lang="en-US" dirty="0" err="1" smtClean="0">
-                <a:cs typeface="Courier New" panose="02070309020205020404" pitchFamily="49" charset="0"/>
-              </a:rPr>
-              <a:t>supaya</a:t>
-            </a:r>
-            <a:r>
-              <a:rPr lang="en-US" dirty="0" smtClean="0">
-                <a:cs typeface="Courier New" panose="02070309020205020404" pitchFamily="49" charset="0"/>
-              </a:rPr>
-              <a:t> </a:t>
-            </a:r>
-            <a:r>
-              <a:rPr lang="en-US" dirty="0" err="1" smtClean="0">
-                <a:cs typeface="Courier New" panose="02070309020205020404" pitchFamily="49" charset="0"/>
-              </a:rPr>
-              <a:t>tidak</a:t>
-            </a:r>
-            <a:r>
-              <a:rPr lang="en-US" dirty="0" smtClean="0">
-                <a:cs typeface="Courier New" panose="02070309020205020404" pitchFamily="49" charset="0"/>
-              </a:rPr>
-              <a:t> </a:t>
-            </a:r>
-            <a:r>
-              <a:rPr lang="en-US" dirty="0" err="1" smtClean="0">
-                <a:cs typeface="Courier New" panose="02070309020205020404" pitchFamily="49" charset="0"/>
-              </a:rPr>
-              <a:t>perlu</a:t>
-            </a:r>
-            <a:r>
-              <a:rPr lang="en-US" dirty="0" smtClean="0">
-                <a:cs typeface="Courier New" panose="02070309020205020404" pitchFamily="49" charset="0"/>
-              </a:rPr>
-              <a:t> parsing.</a:t>
-            </a:r>
-            <a:endParaRPr lang="en-US" dirty="0">
+            <a:pPr lvl="1"/>
+            <a:endParaRPr lang="en-US" dirty="0" smtClean="0"/>
+          </a:p>
+          <a:p>
+            <a:endParaRPr lang="en-US" sz="1800" dirty="0">
+              <a:latin typeface="Courier New" panose="02070309020205020404" pitchFamily="49" charset="0"/>
               <a:cs typeface="Courier New" panose="02070309020205020404" pitchFamily="49" charset="0"/>
             </a:endParaRPr>
+          </a:p>
+          <a:p>
+            <a:r>
+              <a:rPr lang="en-US" b="1" dirty="0" err="1" smtClean="0"/>
+              <a:t>Keterangan</a:t>
+            </a:r>
+            <a:r>
+              <a:rPr lang="en-US" b="1" dirty="0" smtClean="0"/>
+              <a:t>:</a:t>
+            </a:r>
+            <a:r>
+              <a:rPr lang="en-US" dirty="0" smtClean="0"/>
+              <a:t> </a:t>
+            </a:r>
+            <a:r>
+              <a:rPr lang="en-US" b="1" i="1" dirty="0" smtClean="0"/>
+              <a:t>x</a:t>
+            </a:r>
+            <a:r>
+              <a:rPr lang="en-US" dirty="0" smtClean="0"/>
+              <a:t> </a:t>
+            </a:r>
+            <a:r>
+              <a:rPr lang="en-US" dirty="0" err="1" smtClean="0"/>
+              <a:t>menandakan</a:t>
+            </a:r>
+            <a:r>
+              <a:rPr lang="en-US" dirty="0" smtClean="0"/>
+              <a:t> </a:t>
+            </a:r>
+            <a:r>
+              <a:rPr lang="en-US" dirty="0" err="1" smtClean="0"/>
+              <a:t>nomor</a:t>
+            </a:r>
+            <a:r>
+              <a:rPr lang="en-US" dirty="0" smtClean="0"/>
+              <a:t> server.</a:t>
+            </a:r>
+            <a:br>
+              <a:rPr lang="en-US" dirty="0" smtClean="0"/>
+            </a:br>
+            <a:r>
+              <a:rPr lang="en-US" sz="2000" b="1" dirty="0" err="1" smtClean="0"/>
+              <a:t>Misal</a:t>
+            </a:r>
+            <a:r>
+              <a:rPr lang="en-US" sz="2000" b="1" dirty="0" smtClean="0"/>
+              <a:t>:</a:t>
+            </a:r>
+            <a:r>
+              <a:rPr lang="en-US" sz="2000" dirty="0" smtClean="0"/>
+              <a:t> </a:t>
+            </a:r>
+            <a:r>
+              <a:rPr lang="en-US" sz="2000" dirty="0" err="1" smtClean="0"/>
+              <a:t>untuk</a:t>
+            </a:r>
+            <a:r>
+              <a:rPr lang="en-US" sz="2000" dirty="0" smtClean="0"/>
+              <a:t> </a:t>
+            </a:r>
+            <a:r>
+              <a:rPr lang="en-US" sz="2000" i="1" dirty="0" smtClean="0"/>
+              <a:t>server1</a:t>
+            </a:r>
+            <a:r>
+              <a:rPr lang="en-US" sz="2000" dirty="0" smtClean="0"/>
+              <a:t>, </a:t>
+            </a:r>
+            <a:r>
+              <a:rPr lang="en-US" sz="2000" dirty="0" err="1" smtClean="0"/>
+              <a:t>nama</a:t>
+            </a:r>
+            <a:r>
+              <a:rPr lang="en-US" sz="2000" dirty="0" smtClean="0"/>
+              <a:t> </a:t>
+            </a:r>
+            <a:r>
+              <a:rPr lang="en-US" sz="2000" dirty="0" err="1" smtClean="0"/>
+              <a:t>filenya</a:t>
+            </a:r>
+            <a:r>
+              <a:rPr lang="en-US" sz="2000" dirty="0" smtClean="0"/>
+              <a:t> </a:t>
+            </a:r>
+            <a:r>
+              <a:rPr lang="en-US" sz="2000" dirty="0" err="1" smtClean="0"/>
+              <a:t>adalah</a:t>
+            </a:r>
+            <a:r>
+              <a:rPr lang="en-US" sz="2000" dirty="0" smtClean="0"/>
+              <a:t> </a:t>
+            </a:r>
+            <a:r>
+              <a:rPr lang="en-US" sz="2000" b="1" i="1" dirty="0" smtClean="0"/>
+              <a:t>server1.cfg</a:t>
+            </a:r>
+            <a:endParaRPr lang="en-US" b="1" i="1" dirty="0"/>
           </a:p>
         </p:txBody>
       </p:sp>
     </p:spTree>
     <p:extLst>
       <p:ext uri="{BB962C8B-B14F-4D97-AF65-F5344CB8AC3E}">
-        <p14:creationId xmlns:p14="http://schemas.microsoft.com/office/powerpoint/2010/main" val="267300186"/>
+        <p14:creationId xmlns:p14="http://schemas.microsoft.com/office/powerpoint/2010/main" val="2128604457"/>
       </p:ext>
     </p:extLst>
   </p:cSld>
@@ -17597,9 +17208,10 @@
           <a:lstStyle/>
           <a:p>
             <a:r>
-              <a:rPr lang="en-US" b="1" dirty="0"/>
+              <a:rPr lang="en-US" b="1" dirty="0" smtClean="0"/>
               <a:t>Format Database</a:t>
             </a:r>
+            <a:endParaRPr lang="en-US" b="1" dirty="0"/>
           </a:p>
         </p:txBody>
       </p:sp>
@@ -17616,13 +17228,13 @@
         <p:spPr/>
         <p:txBody>
           <a:bodyPr>
-            <a:normAutofit fontScale="92500" lnSpcReduction="20000"/>
+            <a:normAutofit fontScale="62500" lnSpcReduction="20000"/>
           </a:bodyPr>
           <a:lstStyle/>
           <a:p>
             <a:pPr defTabSz="457200">
               <a:lnSpc>
-                <a:spcPct val="120000"/>
+                <a:spcPct val="110000"/>
               </a:lnSpc>
             </a:pPr>
             <a:r>
@@ -17639,7 +17251,7 @@
             </a:r>
             <a:r>
               <a:rPr lang="en-US" b="1" i="1" dirty="0" smtClean="0"/>
-              <a:t>user</a:t>
+              <a:t>server</a:t>
             </a:r>
             <a:r>
               <a:rPr lang="en-US" dirty="0" smtClean="0"/>
@@ -17667,7 +17279,7 @@
             </a:r>
             <a:r>
               <a:rPr lang="en-US" dirty="0" smtClean="0"/>
-              <a:t> ‘user’ </a:t>
+              <a:t> ‘server’ </a:t>
             </a:r>
             <a:r>
               <a:rPr lang="en-US" dirty="0" err="1" smtClean="0"/>
@@ -17689,238 +17301,547 @@
               <a:rPr lang="en-US" dirty="0" smtClean="0"/>
             </a:br>
             <a:r>
-              <a:rPr lang="en-US" sz="2600" dirty="0" smtClean="0"/>
+              <a:rPr lang="en-US" dirty="0" smtClean="0"/>
               <a:t/>
             </a:r>
             <a:br>
-              <a:rPr lang="en-US" sz="2600" dirty="0" smtClean="0"/>
+              <a:rPr lang="en-US" dirty="0" smtClean="0"/>
             </a:br>
             <a:r>
-              <a:rPr lang="en-US" sz="2600" dirty="0">
+              <a:rPr lang="en-US" dirty="0">
                 <a:latin typeface="Courier New" panose="02070309020205020404" pitchFamily="49" charset="0"/>
                 <a:cs typeface="Courier New" panose="02070309020205020404" pitchFamily="49" charset="0"/>
               </a:rPr>
               <a:t>	{</a:t>
             </a:r>
             <a:br>
-              <a:rPr lang="en-US" sz="2600" dirty="0">
+              <a:rPr lang="en-US" dirty="0">
                 <a:latin typeface="Courier New" panose="02070309020205020404" pitchFamily="49" charset="0"/>
                 <a:cs typeface="Courier New" panose="02070309020205020404" pitchFamily="49" charset="0"/>
               </a:rPr>
             </a:br>
             <a:r>
-              <a:rPr lang="en-US" sz="2600" dirty="0">
+              <a:rPr lang="en-US" dirty="0">
                 <a:latin typeface="Courier New" panose="02070309020205020404" pitchFamily="49" charset="0"/>
                 <a:cs typeface="Courier New" panose="02070309020205020404" pitchFamily="49" charset="0"/>
               </a:rPr>
               <a:t>		</a:t>
             </a:r>
             <a:r>
-              <a:rPr lang="en-US" sz="2600" dirty="0" smtClean="0">
+              <a:rPr lang="en-US" dirty="0" smtClean="0">
                 <a:latin typeface="Courier New" panose="02070309020205020404" pitchFamily="49" charset="0"/>
                 <a:cs typeface="Courier New" panose="02070309020205020404" pitchFamily="49" charset="0"/>
               </a:rPr>
               <a:t>“</a:t>
             </a:r>
             <a:r>
-              <a:rPr lang="en-US" sz="2600" dirty="0" err="1" smtClean="0">
+              <a:rPr lang="en-US" dirty="0" err="1" smtClean="0">
                 <a:latin typeface="Courier New" panose="02070309020205020404" pitchFamily="49" charset="0"/>
                 <a:cs typeface="Courier New" panose="02070309020205020404" pitchFamily="49" charset="0"/>
               </a:rPr>
-              <a:t>username”:String</a:t>
-            </a:r>
-            <a:r>
-              <a:rPr lang="en-US" sz="2600" dirty="0" smtClean="0">
+              <a:t>ip</a:t>
+            </a:r>
+            <a:r>
+              <a:rPr lang="en-US" dirty="0" smtClean="0">
                 <a:latin typeface="Courier New" panose="02070309020205020404" pitchFamily="49" charset="0"/>
                 <a:cs typeface="Courier New" panose="02070309020205020404" pitchFamily="49" charset="0"/>
               </a:rPr>
-              <a:t>,</a:t>
+              <a:t>”:String,</a:t>
             </a:r>
             <a:br>
-              <a:rPr lang="en-US" sz="2600" dirty="0" smtClean="0">
+              <a:rPr lang="en-US" dirty="0" smtClean="0">
                 <a:latin typeface="Courier New" panose="02070309020205020404" pitchFamily="49" charset="0"/>
                 <a:cs typeface="Courier New" panose="02070309020205020404" pitchFamily="49" charset="0"/>
               </a:rPr>
             </a:br>
             <a:r>
-              <a:rPr lang="en-US" sz="2600" dirty="0" smtClean="0">
+              <a:rPr lang="en-US" dirty="0">
                 <a:latin typeface="Courier New" panose="02070309020205020404" pitchFamily="49" charset="0"/>
                 <a:cs typeface="Courier New" panose="02070309020205020404" pitchFamily="49" charset="0"/>
               </a:rPr>
-              <a:t>		“</a:t>
-            </a:r>
-            <a:r>
-              <a:rPr lang="en-US" sz="2600" dirty="0" err="1" smtClean="0">
+              <a:t>		“port</a:t>
+            </a:r>
+            <a:r>
+              <a:rPr lang="en-US" dirty="0" smtClean="0">
                 <a:latin typeface="Courier New" panose="02070309020205020404" pitchFamily="49" charset="0"/>
                 <a:cs typeface="Courier New" panose="02070309020205020404" pitchFamily="49" charset="0"/>
               </a:rPr>
-              <a:t>password”:String</a:t>
-            </a:r>
-            <a:r>
-              <a:rPr lang="en-US" sz="2600" dirty="0" smtClean="0">
+              <a:t>”:</a:t>
+            </a:r>
+            <a:r>
+              <a:rPr lang="en-US" dirty="0" err="1" smtClean="0">
                 <a:latin typeface="Courier New" panose="02070309020205020404" pitchFamily="49" charset="0"/>
                 <a:cs typeface="Courier New" panose="02070309020205020404" pitchFamily="49" charset="0"/>
               </a:rPr>
-              <a:t>(hash)</a:t>
-            </a:r>
-            <a:br>
-              <a:rPr lang="en-US" sz="2600" dirty="0" smtClean="0">
+              <a:t>int</a:t>
+            </a:r>
+            <a:r>
+              <a:rPr lang="en-US" dirty="0" smtClean="0">
                 <a:latin typeface="Courier New" panose="02070309020205020404" pitchFamily="49" charset="0"/>
                 <a:cs typeface="Courier New" panose="02070309020205020404" pitchFamily="49" charset="0"/>
               </a:rPr>
-            </a:br>
-            <a:r>
-              <a:rPr lang="en-US" sz="2600" dirty="0" smtClean="0">
+              <a:t>,</a:t>
+            </a:r>
+            <a:br>
+              <a:rPr lang="en-US" dirty="0" smtClean="0">
                 <a:latin typeface="Courier New" panose="02070309020205020404" pitchFamily="49" charset="0"/>
                 <a:cs typeface="Courier New" panose="02070309020205020404" pitchFamily="49" charset="0"/>
               </a:rPr>
-              <a:t>		“</a:t>
-            </a:r>
-            <a:r>
-              <a:rPr lang="en-US" sz="2600" dirty="0" err="1" smtClean="0">
+            </a:br>
+            <a:r>
+              <a:rPr lang="en-US" dirty="0" smtClean="0">
                 <a:latin typeface="Courier New" panose="02070309020205020404" pitchFamily="49" charset="0"/>
                 <a:cs typeface="Courier New" panose="02070309020205020404" pitchFamily="49" charset="0"/>
               </a:rPr>
-              <a:t>loggedIn</a:t>
-            </a:r>
-            <a:r>
-              <a:rPr lang="en-US" sz="2600" dirty="0" smtClean="0">
+              <a:t>		“</a:t>
+            </a:r>
+            <a:r>
+              <a:rPr lang="en-US" dirty="0" err="1" smtClean="0">
                 <a:latin typeface="Courier New" panose="02070309020205020404" pitchFamily="49" charset="0"/>
                 <a:cs typeface="Courier New" panose="02070309020205020404" pitchFamily="49" charset="0"/>
               </a:rPr>
-              <a:t>”:</a:t>
-            </a:r>
-            <a:r>
-              <a:rPr lang="en-US" sz="2600" dirty="0" err="1" smtClean="0">
+              <a:t>ipPort</a:t>
+            </a:r>
+            <a:r>
+              <a:rPr lang="en-US" dirty="0" smtClean="0">
                 <a:latin typeface="Courier New" panose="02070309020205020404" pitchFamily="49" charset="0"/>
                 <a:cs typeface="Courier New" panose="02070309020205020404" pitchFamily="49" charset="0"/>
               </a:rPr>
-              <a:t>boolean</a:t>
-            </a:r>
-            <a:r>
-              <a:rPr lang="en-US" sz="2600" dirty="0" smtClean="0">
+              <a:t>”:String(</a:t>
+            </a:r>
+            <a:r>
+              <a:rPr lang="en-US" dirty="0" err="1" smtClean="0">
                 <a:latin typeface="Courier New" panose="02070309020205020404" pitchFamily="49" charset="0"/>
                 <a:cs typeface="Courier New" panose="02070309020205020404" pitchFamily="49" charset="0"/>
               </a:rPr>
-              <a:t>,</a:t>
-            </a:r>
-            <a:br>
-              <a:rPr lang="en-US" sz="2600" dirty="0" smtClean="0">
+              <a:t>ip:port</a:t>
+            </a:r>
+            <a:r>
+              <a:rPr lang="en-US" dirty="0">
                 <a:latin typeface="Courier New" panose="02070309020205020404" pitchFamily="49" charset="0"/>
                 <a:cs typeface="Courier New" panose="02070309020205020404" pitchFamily="49" charset="0"/>
               </a:rPr>
-            </a:br>
-            <a:r>
-              <a:rPr lang="en-US" sz="2600" dirty="0" smtClean="0">
+              <a:t>)</a:t>
+            </a:r>
+            <a:r>
+              <a:rPr lang="en-US" dirty="0" smtClean="0">
                 <a:latin typeface="Courier New" panose="02070309020205020404" pitchFamily="49" charset="0"/>
                 <a:cs typeface="Courier New" panose="02070309020205020404" pitchFamily="49" charset="0"/>
               </a:rPr>
-              <a:t>		“</a:t>
-            </a:r>
-            <a:r>
-              <a:rPr lang="en-US" sz="2600" dirty="0" err="1" smtClean="0">
+              <a:t/>
+            </a:r>
+            <a:br>
+              <a:rPr lang="en-US" dirty="0" smtClean="0">
                 <a:latin typeface="Courier New" panose="02070309020205020404" pitchFamily="49" charset="0"/>
                 <a:cs typeface="Courier New" panose="02070309020205020404" pitchFamily="49" charset="0"/>
               </a:rPr>
-              <a:t>sessid</a:t>
-            </a:r>
-            <a:r>
-              <a:rPr lang="en-US" sz="2600" dirty="0" smtClean="0">
+            </a:br>
+            <a:r>
+              <a:rPr lang="en-US" dirty="0" smtClean="0">
                 <a:latin typeface="Courier New" panose="02070309020205020404" pitchFamily="49" charset="0"/>
                 <a:cs typeface="Courier New" panose="02070309020205020404" pitchFamily="49" charset="0"/>
               </a:rPr>
-              <a:t>”:String(base64),</a:t>
-            </a:r>
-            <a:br>
-              <a:rPr lang="en-US" sz="2600" dirty="0" smtClean="0">
+              <a:t>		“</a:t>
+            </a:r>
+            <a:r>
+              <a:rPr lang="en-US" dirty="0" err="1" smtClean="0">
                 <a:latin typeface="Courier New" panose="02070309020205020404" pitchFamily="49" charset="0"/>
                 <a:cs typeface="Courier New" panose="02070309020205020404" pitchFamily="49" charset="0"/>
               </a:rPr>
-            </a:br>
-            <a:r>
-              <a:rPr lang="en-US" sz="2600" dirty="0" smtClean="0">
+              <a:t>password”:String</a:t>
+            </a:r>
+            <a:r>
+              <a:rPr lang="en-US" dirty="0" smtClean="0">
                 <a:latin typeface="Courier New" panose="02070309020205020404" pitchFamily="49" charset="0"/>
                 <a:cs typeface="Courier New" panose="02070309020205020404" pitchFamily="49" charset="0"/>
               </a:rPr>
-              <a:t>		“</a:t>
-            </a:r>
-            <a:r>
-              <a:rPr lang="en-US" sz="2600" dirty="0" err="1" smtClean="0">
+              <a:t>(hash)</a:t>
+            </a:r>
+            <a:br>
+              <a:rPr lang="en-US" dirty="0" smtClean="0">
                 <a:latin typeface="Courier New" panose="02070309020205020404" pitchFamily="49" charset="0"/>
                 <a:cs typeface="Courier New" panose="02070309020205020404" pitchFamily="49" charset="0"/>
               </a:rPr>
-              <a:t>heartbeat”:timestamp</a:t>
-            </a:r>
-            <a:r>
-              <a:rPr lang="en-US" sz="2600" dirty="0" smtClean="0">
+            </a:br>
+            <a:r>
+              <a:rPr lang="en-US" dirty="0" smtClean="0">
                 <a:latin typeface="Courier New" panose="02070309020205020404" pitchFamily="49" charset="0"/>
                 <a:cs typeface="Courier New" panose="02070309020205020404" pitchFamily="49" charset="0"/>
               </a:rPr>
-              <a:t>,</a:t>
-            </a:r>
-            <a:br>
-              <a:rPr lang="en-US" sz="2600" dirty="0" smtClean="0">
+              <a:t>		“</a:t>
+            </a:r>
+            <a:r>
+              <a:rPr lang="en-US" dirty="0" err="1" smtClean="0">
                 <a:latin typeface="Courier New" panose="02070309020205020404" pitchFamily="49" charset="0"/>
                 <a:cs typeface="Courier New" panose="02070309020205020404" pitchFamily="49" charset="0"/>
               </a:rPr>
-            </a:br>
-            <a:r>
-              <a:rPr lang="en-US" sz="2600" dirty="0" smtClean="0">
+              <a:t>loggedIn</a:t>
+            </a:r>
+            <a:r>
+              <a:rPr lang="en-US" dirty="0" smtClean="0">
                 <a:latin typeface="Courier New" panose="02070309020205020404" pitchFamily="49" charset="0"/>
                 <a:cs typeface="Courier New" panose="02070309020205020404" pitchFamily="49" charset="0"/>
               </a:rPr>
-              <a:t>		“</a:t>
-            </a:r>
-            <a:r>
-              <a:rPr lang="en-US" sz="2600" dirty="0" err="1" smtClean="0">
+              <a:t>”:</a:t>
+            </a:r>
+            <a:r>
+              <a:rPr lang="en-US" dirty="0" err="1" smtClean="0">
                 <a:latin typeface="Courier New" panose="02070309020205020404" pitchFamily="49" charset="0"/>
                 <a:cs typeface="Courier New" panose="02070309020205020404" pitchFamily="49" charset="0"/>
               </a:rPr>
-              <a:t>handledByMe</a:t>
-            </a:r>
-            <a:r>
-              <a:rPr lang="en-US" sz="2600" dirty="0" smtClean="0">
+              <a:t>boolean</a:t>
+            </a:r>
+            <a:r>
+              <a:rPr lang="en-US" dirty="0" smtClean="0">
                 <a:latin typeface="Courier New" panose="02070309020205020404" pitchFamily="49" charset="0"/>
                 <a:cs typeface="Courier New" panose="02070309020205020404" pitchFamily="49" charset="0"/>
               </a:rPr>
-              <a:t>”:</a:t>
-            </a:r>
-            <a:r>
-              <a:rPr lang="en-US" sz="2600" dirty="0" err="1" smtClean="0">
+              <a:t>,</a:t>
+            </a:r>
+            <a:br>
+              <a:rPr lang="en-US" dirty="0" smtClean="0">
                 <a:latin typeface="Courier New" panose="02070309020205020404" pitchFamily="49" charset="0"/>
                 <a:cs typeface="Courier New" panose="02070309020205020404" pitchFamily="49" charset="0"/>
               </a:rPr>
-              <a:t>boolean</a:t>
-            </a:r>
-            <a:r>
-              <a:rPr lang="en-US" sz="2600" dirty="0">
+            </a:br>
+            <a:r>
+              <a:rPr lang="en-US" dirty="0" smtClean="0">
                 <a:latin typeface="Courier New" panose="02070309020205020404" pitchFamily="49" charset="0"/>
                 <a:cs typeface="Courier New" panose="02070309020205020404" pitchFamily="49" charset="0"/>
               </a:rPr>
-              <a:t/>
-            </a:r>
-            <a:br>
-              <a:rPr lang="en-US" sz="2600" dirty="0">
+              <a:t>		“</a:t>
+            </a:r>
+            <a:r>
+              <a:rPr lang="en-US" dirty="0" err="1" smtClean="0">
                 <a:latin typeface="Courier New" panose="02070309020205020404" pitchFamily="49" charset="0"/>
                 <a:cs typeface="Courier New" panose="02070309020205020404" pitchFamily="49" charset="0"/>
               </a:rPr>
-            </a:br>
-            <a:r>
-              <a:rPr lang="en-US" sz="2600" dirty="0">
+              <a:t>sessid</a:t>
+            </a:r>
+            <a:r>
+              <a:rPr lang="en-US" dirty="0" smtClean="0">
                 <a:latin typeface="Courier New" panose="02070309020205020404" pitchFamily="49" charset="0"/>
                 <a:cs typeface="Courier New" panose="02070309020205020404" pitchFamily="49" charset="0"/>
               </a:rPr>
-              <a:t>	</a:t>
-            </a:r>
-            <a:r>
-              <a:rPr lang="en-US" sz="2600" dirty="0" smtClean="0">
+              <a:t>”:String(base64),</a:t>
+            </a:r>
+            <a:br>
+              <a:rPr lang="en-US" dirty="0" smtClean="0">
                 <a:latin typeface="Courier New" panose="02070309020205020404" pitchFamily="49" charset="0"/>
                 <a:cs typeface="Courier New" panose="02070309020205020404" pitchFamily="49" charset="0"/>
               </a:rPr>
+            </a:br>
+            <a:r>
+              <a:rPr lang="en-US" dirty="0" smtClean="0">
+                <a:latin typeface="Courier New" panose="02070309020205020404" pitchFamily="49" charset="0"/>
+                <a:cs typeface="Courier New" panose="02070309020205020404" pitchFamily="49" charset="0"/>
+              </a:rPr>
+              <a:t>		“</a:t>
+            </a:r>
+            <a:r>
+              <a:rPr lang="en-US" dirty="0" err="1" smtClean="0">
+                <a:latin typeface="Courier New" panose="02070309020205020404" pitchFamily="49" charset="0"/>
+                <a:cs typeface="Courier New" panose="02070309020205020404" pitchFamily="49" charset="0"/>
+              </a:rPr>
+              <a:t>heartbeat”:timestamp</a:t>
+            </a:r>
+            <a:r>
+              <a:rPr lang="en-US" dirty="0">
+                <a:latin typeface="Courier New" panose="02070309020205020404" pitchFamily="49" charset="0"/>
+                <a:cs typeface="Courier New" panose="02070309020205020404" pitchFamily="49" charset="0"/>
+              </a:rPr>
+              <a:t/>
+            </a:r>
+            <a:br>
+              <a:rPr lang="en-US" dirty="0">
+                <a:latin typeface="Courier New" panose="02070309020205020404" pitchFamily="49" charset="0"/>
+                <a:cs typeface="Courier New" panose="02070309020205020404" pitchFamily="49" charset="0"/>
+              </a:rPr>
+            </a:br>
+            <a:r>
+              <a:rPr lang="en-US" dirty="0">
+                <a:latin typeface="Courier New" panose="02070309020205020404" pitchFamily="49" charset="0"/>
+                <a:cs typeface="Courier New" panose="02070309020205020404" pitchFamily="49" charset="0"/>
+              </a:rPr>
+              <a:t>	</a:t>
+            </a:r>
+            <a:r>
+              <a:rPr lang="en-US" dirty="0" smtClean="0">
+                <a:latin typeface="Courier New" panose="02070309020205020404" pitchFamily="49" charset="0"/>
+                <a:cs typeface="Courier New" panose="02070309020205020404" pitchFamily="49" charset="0"/>
+              </a:rPr>
               <a:t>}</a:t>
             </a:r>
+            <a:br>
+              <a:rPr lang="en-US" dirty="0" smtClean="0">
+                <a:latin typeface="Courier New" panose="02070309020205020404" pitchFamily="49" charset="0"/>
+                <a:cs typeface="Courier New" panose="02070309020205020404" pitchFamily="49" charset="0"/>
+              </a:rPr>
+            </a:br>
+            <a:endParaRPr lang="en-US" dirty="0" smtClean="0">
+              <a:latin typeface="Courier New" panose="02070309020205020404" pitchFamily="49" charset="0"/>
+              <a:cs typeface="Courier New" panose="02070309020205020404" pitchFamily="49" charset="0"/>
+            </a:endParaRPr>
+          </a:p>
+          <a:p>
+            <a:pPr defTabSz="457200">
+              <a:lnSpc>
+                <a:spcPct val="110000"/>
+              </a:lnSpc>
+            </a:pPr>
+            <a:r>
+              <a:rPr lang="en-US" dirty="0" err="1" smtClean="0">
+                <a:cs typeface="Courier New" panose="02070309020205020404" pitchFamily="49" charset="0"/>
+              </a:rPr>
+              <a:t>Dibutuhkan</a:t>
+            </a:r>
+            <a:r>
+              <a:rPr lang="en-US" dirty="0" smtClean="0">
+                <a:cs typeface="Courier New" panose="02070309020205020404" pitchFamily="49" charset="0"/>
+              </a:rPr>
+              <a:t> </a:t>
+            </a:r>
+            <a:r>
+              <a:rPr lang="en-US" dirty="0" err="1" smtClean="0">
+                <a:cs typeface="Courier New" panose="02070309020205020404" pitchFamily="49" charset="0"/>
+              </a:rPr>
+              <a:t>ipPort</a:t>
+            </a:r>
+            <a:r>
+              <a:rPr lang="en-US" dirty="0" smtClean="0">
+                <a:cs typeface="Courier New" panose="02070309020205020404" pitchFamily="49" charset="0"/>
+              </a:rPr>
+              <a:t> </a:t>
+            </a:r>
+            <a:r>
+              <a:rPr lang="en-US" dirty="0" err="1" smtClean="0">
+                <a:cs typeface="Courier New" panose="02070309020205020404" pitchFamily="49" charset="0"/>
+              </a:rPr>
+              <a:t>karena</a:t>
+            </a:r>
+            <a:r>
+              <a:rPr lang="en-US" dirty="0" smtClean="0">
+                <a:cs typeface="Courier New" panose="02070309020205020404" pitchFamily="49" charset="0"/>
+              </a:rPr>
+              <a:t> database yang </a:t>
+            </a:r>
+            <a:r>
+              <a:rPr lang="en-US" dirty="0" err="1" smtClean="0">
+                <a:cs typeface="Courier New" panose="02070309020205020404" pitchFamily="49" charset="0"/>
+              </a:rPr>
+              <a:t>digunakan</a:t>
+            </a:r>
+            <a:r>
+              <a:rPr lang="en-US" dirty="0" smtClean="0">
+                <a:cs typeface="Courier New" panose="02070309020205020404" pitchFamily="49" charset="0"/>
+              </a:rPr>
+              <a:t> </a:t>
+            </a:r>
+            <a:r>
+              <a:rPr lang="en-US" dirty="0" err="1" smtClean="0">
+                <a:cs typeface="Courier New" panose="02070309020205020404" pitchFamily="49" charset="0"/>
+              </a:rPr>
+              <a:t>hanya</a:t>
+            </a:r>
+            <a:r>
+              <a:rPr lang="en-US" dirty="0" smtClean="0">
+                <a:cs typeface="Courier New" panose="02070309020205020404" pitchFamily="49" charset="0"/>
+              </a:rPr>
+              <a:t> </a:t>
+            </a:r>
+            <a:r>
+              <a:rPr lang="en-US" dirty="0" err="1" smtClean="0">
+                <a:cs typeface="Courier New" panose="02070309020205020404" pitchFamily="49" charset="0"/>
+              </a:rPr>
+              <a:t>dapat</a:t>
+            </a:r>
+            <a:r>
+              <a:rPr lang="en-US" dirty="0" smtClean="0">
+                <a:cs typeface="Courier New" panose="02070309020205020404" pitchFamily="49" charset="0"/>
+              </a:rPr>
+              <a:t> </a:t>
+            </a:r>
+            <a:r>
+              <a:rPr lang="en-US" dirty="0" err="1" smtClean="0">
+                <a:cs typeface="Courier New" panose="02070309020205020404" pitchFamily="49" charset="0"/>
+              </a:rPr>
+              <a:t>memberikan</a:t>
+            </a:r>
+            <a:r>
+              <a:rPr lang="en-US" dirty="0" smtClean="0">
+                <a:cs typeface="Courier New" panose="02070309020205020404" pitchFamily="49" charset="0"/>
+              </a:rPr>
+              <a:t> unique index per field, </a:t>
+            </a:r>
+            <a:r>
+              <a:rPr lang="en-US" dirty="0" err="1" smtClean="0">
+                <a:cs typeface="Courier New" panose="02070309020205020404" pitchFamily="49" charset="0"/>
+              </a:rPr>
+              <a:t>bukan</a:t>
+            </a:r>
+            <a:r>
+              <a:rPr lang="en-US" dirty="0" smtClean="0">
+                <a:cs typeface="Courier New" panose="02070309020205020404" pitchFamily="49" charset="0"/>
+              </a:rPr>
+              <a:t> </a:t>
+            </a:r>
+            <a:r>
+              <a:rPr lang="en-US" dirty="0" err="1" smtClean="0">
+                <a:cs typeface="Courier New" panose="02070309020205020404" pitchFamily="49" charset="0"/>
+              </a:rPr>
+              <a:t>gabungan</a:t>
+            </a:r>
+            <a:r>
+              <a:rPr lang="en-US" dirty="0" smtClean="0">
+                <a:cs typeface="Courier New" panose="02070309020205020404" pitchFamily="49" charset="0"/>
+              </a:rPr>
+              <a:t> </a:t>
+            </a:r>
+            <a:r>
+              <a:rPr lang="en-US" dirty="0" err="1" smtClean="0">
+                <a:cs typeface="Courier New" panose="02070309020205020404" pitchFamily="49" charset="0"/>
+              </a:rPr>
+              <a:t>dari</a:t>
+            </a:r>
+            <a:r>
+              <a:rPr lang="en-US" dirty="0" smtClean="0">
+                <a:cs typeface="Courier New" panose="02070309020205020404" pitchFamily="49" charset="0"/>
+              </a:rPr>
+              <a:t> </a:t>
+            </a:r>
+            <a:r>
+              <a:rPr lang="en-US" dirty="0" err="1" smtClean="0">
+                <a:cs typeface="Courier New" panose="02070309020205020404" pitchFamily="49" charset="0"/>
+              </a:rPr>
+              <a:t>berapa</a:t>
+            </a:r>
+            <a:r>
+              <a:rPr lang="en-US" dirty="0" smtClean="0">
+                <a:cs typeface="Courier New" panose="02070309020205020404" pitchFamily="49" charset="0"/>
+              </a:rPr>
+              <a:t> field </a:t>
+            </a:r>
+            <a:r>
+              <a:rPr lang="en-US" dirty="0" err="1" smtClean="0">
+                <a:cs typeface="Courier New" panose="02070309020205020404" pitchFamily="49" charset="0"/>
+              </a:rPr>
+              <a:t>seperti</a:t>
+            </a:r>
+            <a:r>
+              <a:rPr lang="en-US" dirty="0" smtClean="0">
+                <a:cs typeface="Courier New" panose="02070309020205020404" pitchFamily="49" charset="0"/>
+              </a:rPr>
+              <a:t> </a:t>
+            </a:r>
+            <a:r>
+              <a:rPr lang="en-US" dirty="0" err="1" smtClean="0">
+                <a:cs typeface="Courier New" panose="02070309020205020404" pitchFamily="49" charset="0"/>
+              </a:rPr>
+              <a:t>pada</a:t>
+            </a:r>
+            <a:r>
+              <a:rPr lang="en-US" dirty="0" smtClean="0">
+                <a:cs typeface="Courier New" panose="02070309020205020404" pitchFamily="49" charset="0"/>
+              </a:rPr>
+              <a:t> DBMS </a:t>
+            </a:r>
+            <a:r>
+              <a:rPr lang="en-US" dirty="0" err="1" smtClean="0">
+                <a:cs typeface="Courier New" panose="02070309020205020404" pitchFamily="49" charset="0"/>
+              </a:rPr>
+              <a:t>berbasis</a:t>
+            </a:r>
+            <a:r>
+              <a:rPr lang="en-US" dirty="0" smtClean="0">
+                <a:cs typeface="Courier New" panose="02070309020205020404" pitchFamily="49" charset="0"/>
+              </a:rPr>
+              <a:t> SQL. </a:t>
+            </a:r>
+            <a:r>
+              <a:rPr lang="en-US" dirty="0" err="1" smtClean="0">
+                <a:cs typeface="Courier New" panose="02070309020205020404" pitchFamily="49" charset="0"/>
+              </a:rPr>
+              <a:t>ip</a:t>
+            </a:r>
+            <a:r>
+              <a:rPr lang="en-US" dirty="0" smtClean="0">
+                <a:cs typeface="Courier New" panose="02070309020205020404" pitchFamily="49" charset="0"/>
+              </a:rPr>
+              <a:t> </a:t>
+            </a:r>
+            <a:r>
+              <a:rPr lang="en-US" dirty="0" err="1" smtClean="0">
+                <a:cs typeface="Courier New" panose="02070309020205020404" pitchFamily="49" charset="0"/>
+              </a:rPr>
+              <a:t>dan</a:t>
+            </a:r>
+            <a:r>
+              <a:rPr lang="en-US" dirty="0" smtClean="0">
+                <a:cs typeface="Courier New" panose="02070309020205020404" pitchFamily="49" charset="0"/>
+              </a:rPr>
+              <a:t> port </a:t>
+            </a:r>
+            <a:r>
+              <a:rPr lang="en-US" dirty="0" err="1" smtClean="0">
+                <a:cs typeface="Courier New" panose="02070309020205020404" pitchFamily="49" charset="0"/>
+              </a:rPr>
+              <a:t>tetap</a:t>
+            </a:r>
+            <a:r>
+              <a:rPr lang="en-US" dirty="0" smtClean="0">
+                <a:cs typeface="Courier New" panose="02070309020205020404" pitchFamily="49" charset="0"/>
+              </a:rPr>
+              <a:t> </a:t>
+            </a:r>
+            <a:r>
+              <a:rPr lang="en-US" dirty="0" err="1" smtClean="0">
+                <a:cs typeface="Courier New" panose="02070309020205020404" pitchFamily="49" charset="0"/>
+              </a:rPr>
+              <a:t>ada</a:t>
+            </a:r>
+            <a:r>
+              <a:rPr lang="en-US" dirty="0" smtClean="0">
+                <a:cs typeface="Courier New" panose="02070309020205020404" pitchFamily="49" charset="0"/>
+              </a:rPr>
+              <a:t> </a:t>
+            </a:r>
+            <a:r>
+              <a:rPr lang="en-US" dirty="0" err="1" smtClean="0">
+                <a:cs typeface="Courier New" panose="02070309020205020404" pitchFamily="49" charset="0"/>
+              </a:rPr>
+              <a:t>supaya</a:t>
+            </a:r>
+            <a:r>
+              <a:rPr lang="en-US" dirty="0" smtClean="0">
+                <a:cs typeface="Courier New" panose="02070309020205020404" pitchFamily="49" charset="0"/>
+              </a:rPr>
+              <a:t> </a:t>
+            </a:r>
+            <a:r>
+              <a:rPr lang="en-US" dirty="0" err="1" smtClean="0">
+                <a:cs typeface="Courier New" panose="02070309020205020404" pitchFamily="49" charset="0"/>
+              </a:rPr>
+              <a:t>tidak</a:t>
+            </a:r>
+            <a:r>
+              <a:rPr lang="en-US" dirty="0" smtClean="0">
+                <a:cs typeface="Courier New" panose="02070309020205020404" pitchFamily="49" charset="0"/>
+              </a:rPr>
+              <a:t> </a:t>
+            </a:r>
+            <a:r>
+              <a:rPr lang="en-US" dirty="0" err="1" smtClean="0">
+                <a:cs typeface="Courier New" panose="02070309020205020404" pitchFamily="49" charset="0"/>
+              </a:rPr>
+              <a:t>perlu</a:t>
+            </a:r>
+            <a:r>
+              <a:rPr lang="en-US" dirty="0" smtClean="0">
+                <a:cs typeface="Courier New" panose="02070309020205020404" pitchFamily="49" charset="0"/>
+              </a:rPr>
+              <a:t> parsing.</a:t>
+            </a:r>
             <a:endParaRPr lang="en-US" dirty="0">
-              <a:latin typeface="Courier New" panose="02070309020205020404" pitchFamily="49" charset="0"/>
               <a:cs typeface="Courier New" panose="02070309020205020404" pitchFamily="49" charset="0"/>
             </a:endParaRPr>
           </a:p>
@@ -17929,7 +17850,7 @@
     </p:spTree>
     <p:extLst>
       <p:ext uri="{BB962C8B-B14F-4D97-AF65-F5344CB8AC3E}">
-        <p14:creationId xmlns:p14="http://schemas.microsoft.com/office/powerpoint/2010/main" val="3459071888"/>
+        <p14:creationId xmlns:p14="http://schemas.microsoft.com/office/powerpoint/2010/main" val="267300186"/>
       </p:ext>
     </p:extLst>
   </p:cSld>
@@ -18005,80 +17926,70 @@
         </p:nvSpPr>
         <p:spPr/>
         <p:txBody>
-          <a:bodyPr/>
+          <a:bodyPr>
+            <a:normAutofit fontScale="92500" lnSpcReduction="20000"/>
+          </a:bodyPr>
           <a:lstStyle/>
           <a:p>
-            <a:pPr defTabSz="484188">
+            <a:pPr defTabSz="457200">
               <a:lnSpc>
-                <a:spcPct val="100000"/>
+                <a:spcPct val="120000"/>
               </a:lnSpc>
             </a:pPr>
             <a:r>
-              <a:rPr lang="en-US" dirty="0"/>
+              <a:rPr lang="en-US" dirty="0" smtClean="0"/>
               <a:t>Data </a:t>
             </a:r>
             <a:r>
-              <a:rPr lang="en-US" dirty="0" err="1"/>
+              <a:rPr lang="en-US" dirty="0" err="1" smtClean="0"/>
               <a:t>mengenai</a:t>
             </a:r>
             <a:r>
-              <a:rPr lang="en-US" dirty="0"/>
-              <a:t> </a:t>
-            </a:r>
-            <a:r>
-              <a:rPr lang="en-US" b="1" i="1" dirty="0"/>
-              <a:t>history chat</a:t>
-            </a:r>
-            <a:r>
-              <a:rPr lang="en-US" dirty="0"/>
-              <a:t> </a:t>
-            </a:r>
-            <a:r>
-              <a:rPr lang="en-US" dirty="0" err="1"/>
+              <a:rPr lang="en-US" dirty="0" smtClean="0"/>
+              <a:t> </a:t>
+            </a:r>
+            <a:r>
+              <a:rPr lang="en-US" b="1" i="1" dirty="0" smtClean="0"/>
+              <a:t>user</a:t>
+            </a:r>
+            <a:r>
+              <a:rPr lang="en-US" dirty="0" smtClean="0"/>
+              <a:t> </a:t>
+            </a:r>
+            <a:r>
+              <a:rPr lang="en-US" dirty="0" err="1" smtClean="0"/>
               <a:t>disimpan</a:t>
             </a:r>
             <a:r>
-              <a:rPr lang="en-US" dirty="0"/>
+              <a:rPr lang="en-US" dirty="0" smtClean="0"/>
               <a:t> di </a:t>
             </a:r>
             <a:r>
-              <a:rPr lang="en-US" dirty="0" err="1"/>
+              <a:rPr lang="en-US" dirty="0" err="1" smtClean="0"/>
               <a:t>dalam</a:t>
             </a:r>
             <a:r>
-              <a:rPr lang="en-US" dirty="0"/>
-              <a:t> </a:t>
-            </a:r>
-            <a:r>
-              <a:rPr lang="en-US" dirty="0" smtClean="0"/>
-              <a:t>collection </a:t>
-            </a:r>
-            <a:r>
-              <a:rPr lang="en-US" dirty="0" err="1"/>
+              <a:rPr lang="en-US" dirty="0" smtClean="0"/>
+              <a:t> collection </a:t>
+            </a:r>
+            <a:r>
+              <a:rPr lang="en-US" dirty="0" err="1" smtClean="0"/>
               <a:t>bernama</a:t>
             </a:r>
             <a:r>
-              <a:rPr lang="en-US" dirty="0"/>
-              <a:t> ‘</a:t>
-            </a:r>
-            <a:r>
-              <a:rPr lang="en-US" dirty="0" err="1"/>
-              <a:t>chatHistory</a:t>
-            </a:r>
-            <a:r>
-              <a:rPr lang="en-US" dirty="0"/>
-              <a:t>’ </a:t>
-            </a:r>
-            <a:r>
-              <a:rPr lang="en-US" dirty="0" err="1"/>
+              <a:rPr lang="en-US" dirty="0" smtClean="0"/>
+              <a:t> ‘user’ </a:t>
+            </a:r>
+            <a:r>
+              <a:rPr lang="en-US" dirty="0" err="1" smtClean="0"/>
               <a:t>dengan</a:t>
             </a:r>
             <a:r>
-              <a:rPr lang="en-US" dirty="0"/>
-              <a:t> </a:t>
-            </a:r>
-            <a:r>
-              <a:rPr lang="en-US" dirty="0" err="1"/>
+              <a:rPr lang="en-US" dirty="0" smtClean="0"/>
+              <a:t> </a:t>
+            </a:r>
+            <a:r>
+              <a:rPr lang="en-US" dirty="0" err="1" smtClean="0"/>
               <a:t>struktur</a:t>
             </a:r>
             <a:r>
@@ -18089,139 +18000,247 @@
               <a:rPr lang="en-US" dirty="0" smtClean="0"/>
             </a:br>
             <a:r>
-              <a:rPr lang="en-US" dirty="0"/>
+              <a:rPr lang="en-US" sz="2600" dirty="0" smtClean="0"/>
               <a:t/>
             </a:r>
             <a:br>
-              <a:rPr lang="en-US" dirty="0"/>
+              <a:rPr lang="en-US" sz="2600" dirty="0" smtClean="0"/>
             </a:br>
             <a:r>
-              <a:rPr lang="en-US" dirty="0"/>
-              <a:t>	</a:t>
-            </a:r>
-            <a:r>
-              <a:rPr lang="en-US" dirty="0">
+              <a:rPr lang="en-US" sz="2600" dirty="0">
                 <a:latin typeface="Courier New" panose="02070309020205020404" pitchFamily="49" charset="0"/>
                 <a:cs typeface="Courier New" panose="02070309020205020404" pitchFamily="49" charset="0"/>
               </a:rPr>
-              <a:t>{</a:t>
+              <a:t>	{</a:t>
             </a:r>
             <a:br>
-              <a:rPr lang="en-US" dirty="0">
+              <a:rPr lang="en-US" sz="2600" dirty="0">
                 <a:latin typeface="Courier New" panose="02070309020205020404" pitchFamily="49" charset="0"/>
                 <a:cs typeface="Courier New" panose="02070309020205020404" pitchFamily="49" charset="0"/>
               </a:rPr>
             </a:br>
             <a:r>
-              <a:rPr lang="en-US" dirty="0">
+              <a:rPr lang="en-US" sz="2600" dirty="0">
                 <a:latin typeface="Courier New" panose="02070309020205020404" pitchFamily="49" charset="0"/>
                 <a:cs typeface="Courier New" panose="02070309020205020404" pitchFamily="49" charset="0"/>
               </a:rPr>
-              <a:t>		“</a:t>
-            </a:r>
-            <a:r>
-              <a:rPr lang="en-US" dirty="0" err="1">
+              <a:t>		</a:t>
+            </a:r>
+            <a:r>
+              <a:rPr lang="en-US" sz="2600" dirty="0" smtClean="0">
                 <a:latin typeface="Courier New" panose="02070309020205020404" pitchFamily="49" charset="0"/>
                 <a:cs typeface="Courier New" panose="02070309020205020404" pitchFamily="49" charset="0"/>
               </a:rPr>
-              <a:t>username</a:t>
-            </a:r>
-            <a:r>
-              <a:rPr lang="en-US" dirty="0" err="1" smtClean="0">
+              <a:t>“</a:t>
+            </a:r>
+            <a:r>
+              <a:rPr lang="en-US" sz="2600" dirty="0" err="1" smtClean="0">
                 <a:latin typeface="Courier New" panose="02070309020205020404" pitchFamily="49" charset="0"/>
                 <a:cs typeface="Courier New" panose="02070309020205020404" pitchFamily="49" charset="0"/>
               </a:rPr>
-              <a:t>”:String</a:t>
-            </a:r>
-            <a:r>
-              <a:rPr lang="en-US" dirty="0" smtClean="0">
+              <a:t>username”:String</a:t>
+            </a:r>
+            <a:r>
+              <a:rPr lang="en-US" sz="2600" dirty="0" smtClean="0">
                 <a:latin typeface="Courier New" panose="02070309020205020404" pitchFamily="49" charset="0"/>
                 <a:cs typeface="Courier New" panose="02070309020205020404" pitchFamily="49" charset="0"/>
               </a:rPr>
               <a:t>,</a:t>
             </a:r>
-            <a:r>
-              <a:rPr lang="en-US" dirty="0">
+            <a:br>
+              <a:rPr lang="en-US" sz="2600" dirty="0" smtClean="0">
                 <a:latin typeface="Courier New" panose="02070309020205020404" pitchFamily="49" charset="0"/>
                 <a:cs typeface="Courier New" panose="02070309020205020404" pitchFamily="49" charset="0"/>
               </a:rPr>
-              <a:t/>
-            </a:r>
-            <a:br>
-              <a:rPr lang="en-US" dirty="0">
+            </a:br>
+            <a:r>
+              <a:rPr lang="en-US" sz="2600" dirty="0" smtClean="0">
                 <a:latin typeface="Courier New" panose="02070309020205020404" pitchFamily="49" charset="0"/>
                 <a:cs typeface="Courier New" panose="02070309020205020404" pitchFamily="49" charset="0"/>
               </a:rPr>
-            </a:br>
-            <a:r>
-              <a:rPr lang="en-US" dirty="0">
+              <a:t>		“</a:t>
+            </a:r>
+            <a:r>
+              <a:rPr lang="en-US" sz="2600" dirty="0" err="1" smtClean="0">
                 <a:latin typeface="Courier New" panose="02070309020205020404" pitchFamily="49" charset="0"/>
                 <a:cs typeface="Courier New" panose="02070309020205020404" pitchFamily="49" charset="0"/>
               </a:rPr>
-              <a:t>		“</a:t>
-            </a:r>
-            <a:r>
-              <a:rPr lang="en-US" dirty="0" err="1">
+              <a:t>password”:String</a:t>
+            </a:r>
+            <a:r>
+              <a:rPr lang="en-US" sz="2600" dirty="0" smtClean="0">
                 <a:latin typeface="Courier New" panose="02070309020205020404" pitchFamily="49" charset="0"/>
                 <a:cs typeface="Courier New" panose="02070309020205020404" pitchFamily="49" charset="0"/>
               </a:rPr>
-              <a:t>time”:timestamp</a:t>
-            </a:r>
-            <a:r>
-              <a:rPr lang="en-US" dirty="0">
+              <a:t>(hash)</a:t>
+            </a:r>
+            <a:br>
+              <a:rPr lang="en-US" sz="2600" dirty="0" smtClean="0">
                 <a:latin typeface="Courier New" panose="02070309020205020404" pitchFamily="49" charset="0"/>
                 <a:cs typeface="Courier New" panose="02070309020205020404" pitchFamily="49" charset="0"/>
               </a:rPr>
-              <a:t>,</a:t>
-            </a:r>
-            <a:br>
-              <a:rPr lang="en-US" dirty="0">
+            </a:br>
+            <a:r>
+              <a:rPr lang="en-US" sz="2600" dirty="0" smtClean="0">
                 <a:latin typeface="Courier New" panose="02070309020205020404" pitchFamily="49" charset="0"/>
                 <a:cs typeface="Courier New" panose="02070309020205020404" pitchFamily="49" charset="0"/>
               </a:rPr>
-            </a:br>
-            <a:r>
-              <a:rPr lang="en-US" dirty="0">
+              <a:t>		“</a:t>
+            </a:r>
+            <a:r>
+              <a:rPr lang="en-US" sz="2600" dirty="0" err="1" smtClean="0">
                 <a:latin typeface="Courier New" panose="02070309020205020404" pitchFamily="49" charset="0"/>
                 <a:cs typeface="Courier New" panose="02070309020205020404" pitchFamily="49" charset="0"/>
               </a:rPr>
-              <a:t>		“</a:t>
-            </a:r>
-            <a:r>
-              <a:rPr lang="en-US" dirty="0" err="1">
+              <a:t>loggedIn</a:t>
+            </a:r>
+            <a:r>
+              <a:rPr lang="en-US" sz="2600" dirty="0" smtClean="0">
                 <a:latin typeface="Courier New" panose="02070309020205020404" pitchFamily="49" charset="0"/>
                 <a:cs typeface="Courier New" panose="02070309020205020404" pitchFamily="49" charset="0"/>
               </a:rPr>
-              <a:t>message”:String</a:t>
-            </a:r>
-            <a:r>
-              <a:rPr lang="en-US" dirty="0">
+              <a:t>”:</a:t>
+            </a:r>
+            <a:r>
+              <a:rPr lang="en-US" sz="2600" dirty="0" err="1" smtClean="0">
                 <a:latin typeface="Courier New" panose="02070309020205020404" pitchFamily="49" charset="0"/>
                 <a:cs typeface="Courier New" panose="02070309020205020404" pitchFamily="49" charset="0"/>
               </a:rPr>
-              <a:t/>
-            </a:r>
-            <a:br>
-              <a:rPr lang="en-US" dirty="0">
+              <a:t>boolean</a:t>
+            </a:r>
+            <a:r>
+              <a:rPr lang="en-US" sz="2600" dirty="0" smtClean="0">
                 <a:latin typeface="Courier New" panose="02070309020205020404" pitchFamily="49" charset="0"/>
                 <a:cs typeface="Courier New" panose="02070309020205020404" pitchFamily="49" charset="0"/>
               </a:rPr>
-            </a:br>
-            <a:r>
-              <a:rPr lang="en-US" dirty="0">
+              <a:t>,</a:t>
+            </a:r>
+            <a:br>
+              <a:rPr lang="en-US" sz="2600" dirty="0" smtClean="0">
                 <a:latin typeface="Courier New" panose="02070309020205020404" pitchFamily="49" charset="0"/>
                 <a:cs typeface="Courier New" panose="02070309020205020404" pitchFamily="49" charset="0"/>
               </a:rPr>
-              <a:t>	}</a:t>
-            </a:r>
-            <a:endParaRPr lang="en-US" dirty="0"/>
+            </a:br>
+            <a:r>
+              <a:rPr lang="en-US" sz="2600" dirty="0" smtClean="0">
+                <a:latin typeface="Courier New" panose="02070309020205020404" pitchFamily="49" charset="0"/>
+                <a:cs typeface="Courier New" panose="02070309020205020404" pitchFamily="49" charset="0"/>
+              </a:rPr>
+              <a:t>		“</a:t>
+            </a:r>
+            <a:r>
+              <a:rPr lang="en-US" sz="2600" dirty="0" err="1" smtClean="0">
+                <a:latin typeface="Courier New" panose="02070309020205020404" pitchFamily="49" charset="0"/>
+                <a:cs typeface="Courier New" panose="02070309020205020404" pitchFamily="49" charset="0"/>
+              </a:rPr>
+              <a:t>sessid</a:t>
+            </a:r>
+            <a:r>
+              <a:rPr lang="en-US" sz="2600" dirty="0" smtClean="0">
+                <a:latin typeface="Courier New" panose="02070309020205020404" pitchFamily="49" charset="0"/>
+                <a:cs typeface="Courier New" panose="02070309020205020404" pitchFamily="49" charset="0"/>
+              </a:rPr>
+              <a:t>”:String(base64),</a:t>
+            </a:r>
+            <a:br>
+              <a:rPr lang="en-US" sz="2600" dirty="0" smtClean="0">
+                <a:latin typeface="Courier New" panose="02070309020205020404" pitchFamily="49" charset="0"/>
+                <a:cs typeface="Courier New" panose="02070309020205020404" pitchFamily="49" charset="0"/>
+              </a:rPr>
+            </a:br>
+            <a:r>
+              <a:rPr lang="en-US" sz="2600" dirty="0" smtClean="0">
+                <a:latin typeface="Courier New" panose="02070309020205020404" pitchFamily="49" charset="0"/>
+                <a:cs typeface="Courier New" panose="02070309020205020404" pitchFamily="49" charset="0"/>
+              </a:rPr>
+              <a:t>		“</a:t>
+            </a:r>
+            <a:r>
+              <a:rPr lang="en-US" sz="2600" dirty="0" err="1" smtClean="0">
+                <a:latin typeface="Courier New" panose="02070309020205020404" pitchFamily="49" charset="0"/>
+                <a:cs typeface="Courier New" panose="02070309020205020404" pitchFamily="49" charset="0"/>
+              </a:rPr>
+              <a:t>heartbeat”:timestamp</a:t>
+            </a:r>
+            <a:r>
+              <a:rPr lang="en-US" sz="2600" dirty="0" smtClean="0">
+                <a:latin typeface="Courier New" panose="02070309020205020404" pitchFamily="49" charset="0"/>
+                <a:cs typeface="Courier New" panose="02070309020205020404" pitchFamily="49" charset="0"/>
+              </a:rPr>
+              <a:t>,</a:t>
+            </a:r>
+            <a:br>
+              <a:rPr lang="en-US" sz="2600" dirty="0" smtClean="0">
+                <a:latin typeface="Courier New" panose="02070309020205020404" pitchFamily="49" charset="0"/>
+                <a:cs typeface="Courier New" panose="02070309020205020404" pitchFamily="49" charset="0"/>
+              </a:rPr>
+            </a:br>
+            <a:r>
+              <a:rPr lang="en-US" sz="2600" dirty="0" smtClean="0">
+                <a:latin typeface="Courier New" panose="02070309020205020404" pitchFamily="49" charset="0"/>
+                <a:cs typeface="Courier New" panose="02070309020205020404" pitchFamily="49" charset="0"/>
+              </a:rPr>
+              <a:t>		“</a:t>
+            </a:r>
+            <a:r>
+              <a:rPr lang="en-US" sz="2600" dirty="0" err="1" smtClean="0">
+                <a:latin typeface="Courier New" panose="02070309020205020404" pitchFamily="49" charset="0"/>
+                <a:cs typeface="Courier New" panose="02070309020205020404" pitchFamily="49" charset="0"/>
+              </a:rPr>
+              <a:t>handledByMe</a:t>
+            </a:r>
+            <a:r>
+              <a:rPr lang="en-US" sz="2600" dirty="0" smtClean="0">
+                <a:latin typeface="Courier New" panose="02070309020205020404" pitchFamily="49" charset="0"/>
+                <a:cs typeface="Courier New" panose="02070309020205020404" pitchFamily="49" charset="0"/>
+              </a:rPr>
+              <a:t>”:</a:t>
+            </a:r>
+            <a:r>
+              <a:rPr lang="en-US" sz="2600" dirty="0" err="1" smtClean="0">
+                <a:latin typeface="Courier New" panose="02070309020205020404" pitchFamily="49" charset="0"/>
+                <a:cs typeface="Courier New" panose="02070309020205020404" pitchFamily="49" charset="0"/>
+              </a:rPr>
+              <a:t>boolean</a:t>
+            </a:r>
+            <a:r>
+              <a:rPr lang="en-US" sz="2600" dirty="0">
+                <a:latin typeface="Courier New" panose="02070309020205020404" pitchFamily="49" charset="0"/>
+                <a:cs typeface="Courier New" panose="02070309020205020404" pitchFamily="49" charset="0"/>
+              </a:rPr>
+              <a:t/>
+            </a:r>
+            <a:br>
+              <a:rPr lang="en-US" sz="2600" dirty="0">
+                <a:latin typeface="Courier New" panose="02070309020205020404" pitchFamily="49" charset="0"/>
+                <a:cs typeface="Courier New" panose="02070309020205020404" pitchFamily="49" charset="0"/>
+              </a:rPr>
+            </a:br>
+            <a:r>
+              <a:rPr lang="en-US" sz="2600" dirty="0">
+                <a:latin typeface="Courier New" panose="02070309020205020404" pitchFamily="49" charset="0"/>
+                <a:cs typeface="Courier New" panose="02070309020205020404" pitchFamily="49" charset="0"/>
+              </a:rPr>
+              <a:t>	</a:t>
+            </a:r>
+            <a:r>
+              <a:rPr lang="en-US" sz="2600" dirty="0" smtClean="0">
+                <a:latin typeface="Courier New" panose="02070309020205020404" pitchFamily="49" charset="0"/>
+                <a:cs typeface="Courier New" panose="02070309020205020404" pitchFamily="49" charset="0"/>
+              </a:rPr>
+              <a:t>}</a:t>
+            </a:r>
+            <a:endParaRPr lang="en-US" dirty="0">
+              <a:latin typeface="Courier New" panose="02070309020205020404" pitchFamily="49" charset="0"/>
+              <a:cs typeface="Courier New" panose="02070309020205020404" pitchFamily="49" charset="0"/>
+            </a:endParaRPr>
           </a:p>
         </p:txBody>
       </p:sp>
     </p:spTree>
     <p:extLst>
       <p:ext uri="{BB962C8B-B14F-4D97-AF65-F5344CB8AC3E}">
-        <p14:creationId xmlns:p14="http://schemas.microsoft.com/office/powerpoint/2010/main" val="235720611"/>
+        <p14:creationId xmlns:p14="http://schemas.microsoft.com/office/powerpoint/2010/main" val="3459071888"/>
       </p:ext>
     </p:extLst>
   </p:cSld>
@@ -18265,7 +18284,7 @@
       </p:grpSpPr>
       <p:sp>
         <p:nvSpPr>
-          <p:cNvPr id="4" name="Title 3"/>
+          <p:cNvPr id="2" name="Title 1"/>
           <p:cNvSpPr>
             <a:spLocks noGrp="1"/>
           </p:cNvSpPr>
@@ -18279,162 +18298,241 @@
           <a:lstStyle/>
           <a:p>
             <a:r>
-              <a:rPr lang="en-US" b="1" dirty="0" smtClean="0"/>
-              <a:t>Threading </a:t>
-            </a:r>
-            <a:r>
-              <a:rPr lang="en-US" b="1" dirty="0" err="1" smtClean="0"/>
-              <a:t>pada</a:t>
-            </a:r>
-            <a:r>
-              <a:rPr lang="en-US" b="1" dirty="0" smtClean="0"/>
-              <a:t> Node.js</a:t>
-            </a:r>
-            <a:endParaRPr lang="en-US" b="1" dirty="0"/>
+              <a:rPr lang="en-US" b="1" dirty="0"/>
+              <a:t>Format Database</a:t>
+            </a:r>
           </a:p>
         </p:txBody>
       </p:sp>
       <p:sp>
         <p:nvSpPr>
-          <p:cNvPr id="5" name="Text Placeholder 4"/>
+          <p:cNvPr id="3" name="Content Placeholder 2"/>
           <p:cNvSpPr>
             <a:spLocks noGrp="1"/>
           </p:cNvSpPr>
           <p:nvPr>
-            <p:ph type="body" idx="1"/>
+            <p:ph idx="1"/>
           </p:nvPr>
         </p:nvSpPr>
-        <p:spPr>
-          <a:xfrm>
-            <a:off x="623888" y="4589464"/>
-            <a:ext cx="7886700" cy="1765616"/>
-          </a:xfrm>
-        </p:spPr>
+        <p:spPr/>
         <p:txBody>
-          <a:bodyPr>
-            <a:normAutofit fontScale="92500" lnSpcReduction="20000"/>
-          </a:bodyPr>
+          <a:bodyPr/>
           <a:lstStyle/>
           <a:p>
-            <a:r>
-              <a:rPr lang="en-US" sz="1600" dirty="0" err="1" smtClean="0"/>
-              <a:t>Sumber</a:t>
-            </a:r>
-            <a:r>
-              <a:rPr lang="en-US" sz="1600" dirty="0" smtClean="0"/>
+            <a:pPr defTabSz="484188">
+              <a:lnSpc>
+                <a:spcPct val="100000"/>
+              </a:lnSpc>
+            </a:pPr>
+            <a:r>
+              <a:rPr lang="en-US" dirty="0"/>
+              <a:t>Data </a:t>
+            </a:r>
+            <a:r>
+              <a:rPr lang="en-US" dirty="0" err="1"/>
+              <a:t>mengenai</a:t>
+            </a:r>
+            <a:r>
+              <a:rPr lang="en-US" dirty="0"/>
+              <a:t> </a:t>
+            </a:r>
+            <a:r>
+              <a:rPr lang="en-US" b="1" i="1" dirty="0"/>
+              <a:t>history chat</a:t>
+            </a:r>
+            <a:r>
+              <a:rPr lang="en-US" dirty="0"/>
+              <a:t> </a:t>
+            </a:r>
+            <a:r>
+              <a:rPr lang="en-US" dirty="0" err="1"/>
+              <a:t>disimpan</a:t>
+            </a:r>
+            <a:r>
+              <a:rPr lang="en-US" dirty="0"/>
+              <a:t> di </a:t>
+            </a:r>
+            <a:r>
+              <a:rPr lang="en-US" dirty="0" err="1"/>
+              <a:t>dalam</a:t>
+            </a:r>
+            <a:r>
+              <a:rPr lang="en-US" dirty="0"/>
+              <a:t> </a:t>
+            </a:r>
+            <a:r>
+              <a:rPr lang="en-US" dirty="0" smtClean="0"/>
+              <a:t>collection </a:t>
+            </a:r>
+            <a:r>
+              <a:rPr lang="en-US" dirty="0" err="1"/>
+              <a:t>bernama</a:t>
+            </a:r>
+            <a:r>
+              <a:rPr lang="en-US" dirty="0"/>
+              <a:t> ‘</a:t>
+            </a:r>
+            <a:r>
+              <a:rPr lang="en-US" dirty="0" err="1"/>
+              <a:t>chatHistory</a:t>
+            </a:r>
+            <a:r>
+              <a:rPr lang="en-US" dirty="0"/>
+              <a:t>’ </a:t>
+            </a:r>
+            <a:r>
+              <a:rPr lang="en-US" dirty="0" err="1"/>
+              <a:t>dengan</a:t>
+            </a:r>
+            <a:r>
+              <a:rPr lang="en-US" dirty="0"/>
+              <a:t> </a:t>
+            </a:r>
+            <a:r>
+              <a:rPr lang="en-US" dirty="0" err="1"/>
+              <a:t>struktur</a:t>
+            </a:r>
+            <a:r>
+              <a:rPr lang="en-US" dirty="0" smtClean="0"/>
               <a:t>:</a:t>
             </a:r>
-          </a:p>
-          <a:p>
-            <a:pPr marL="342900" indent="-342900">
-              <a:buFont typeface="Arial" panose="020B0604020202020204" pitchFamily="34" charset="0"/>
-              <a:buAutoNum type="arabicPeriod"/>
-            </a:pPr>
-            <a:r>
-              <a:rPr lang="en-US" sz="1600" dirty="0">
-                <a:hlinkClick r:id="rId3"/>
-              </a:rPr>
-              <a:t>https://</a:t>
-            </a:r>
-            <a:r>
-              <a:rPr lang="en-US" sz="1600" dirty="0" smtClean="0">
-                <a:hlinkClick r:id="rId3"/>
-              </a:rPr>
-              <a:t>nodesource.com/blog/understanding-the-nodejs-event-loop</a:t>
-            </a:r>
-            <a:endParaRPr lang="en-US" sz="1600" dirty="0" smtClean="0"/>
-          </a:p>
-          <a:p>
-            <a:pPr marL="342900" indent="-342900">
-              <a:buFont typeface="Arial" panose="020B0604020202020204" pitchFamily="34" charset="0"/>
-              <a:buAutoNum type="arabicPeriod"/>
-            </a:pPr>
-            <a:r>
-              <a:rPr lang="en-US" sz="1600" dirty="0">
-                <a:hlinkClick r:id="rId4"/>
-              </a:rPr>
-              <a:t>https://</a:t>
-            </a:r>
-            <a:r>
-              <a:rPr lang="en-US" sz="1600" dirty="0" smtClean="0">
-                <a:hlinkClick r:id="rId4"/>
-              </a:rPr>
-              <a:t>www.youtube.com/watch?v=8aGhZQkoFbQ</a:t>
-            </a:r>
-            <a:endParaRPr lang="en-US" sz="1600" dirty="0" smtClean="0"/>
-          </a:p>
-          <a:p>
-            <a:pPr marL="342900" indent="-342900">
-              <a:buAutoNum type="arabicPeriod"/>
-            </a:pPr>
-            <a:r>
-              <a:rPr lang="en-US" sz="1600" dirty="0">
-                <a:hlinkClick r:id="rId5"/>
-              </a:rPr>
-              <a:t>https://</a:t>
-            </a:r>
-            <a:r>
-              <a:rPr lang="en-US" sz="1600" dirty="0" smtClean="0">
-                <a:hlinkClick r:id="rId5"/>
-              </a:rPr>
-              <a:t>nodejs.org/api/cluster.html</a:t>
-            </a:r>
-            <a:endParaRPr lang="en-US" sz="1600" dirty="0" smtClean="0"/>
-          </a:p>
-          <a:p>
-            <a:pPr marL="342900" indent="-342900">
-              <a:buAutoNum type="arabicPeriod"/>
-            </a:pPr>
-            <a:r>
-              <a:rPr lang="en-US" sz="1600" dirty="0" smtClean="0">
-                <a:hlinkClick r:id="rId6"/>
-              </a:rPr>
-              <a:t>http</a:t>
-            </a:r>
-            <a:r>
-              <a:rPr lang="en-US" sz="1600" dirty="0">
-                <a:hlinkClick r:id="rId6"/>
-              </a:rPr>
-              <a:t>://docs.libuv.org/en/v1.x</a:t>
-            </a:r>
-            <a:r>
-              <a:rPr lang="en-US" sz="1600" dirty="0" smtClean="0">
-                <a:hlinkClick r:id="rId6"/>
-              </a:rPr>
-              <a:t>/</a:t>
-            </a:r>
-            <a:endParaRPr lang="en-US" sz="1600" dirty="0" smtClean="0"/>
-          </a:p>
-          <a:p>
-            <a:pPr marL="342900" indent="-342900">
-              <a:buAutoNum type="arabicPeriod"/>
-            </a:pPr>
-            <a:r>
-              <a:rPr lang="en-US" sz="1600" dirty="0">
-                <a:hlinkClick r:id="rId7"/>
-              </a:rPr>
-              <a:t>https://msdn.microsoft.com/en-us/library/aa365198(VS.85).</a:t>
-            </a:r>
-            <a:r>
-              <a:rPr lang="en-US" sz="1600" dirty="0" smtClean="0">
-                <a:hlinkClick r:id="rId7"/>
-              </a:rPr>
-              <a:t>aspx</a:t>
-            </a:r>
-            <a:endParaRPr lang="en-US" sz="1600" dirty="0" smtClean="0"/>
-          </a:p>
-          <a:p>
-            <a:pPr marL="342900" indent="-342900">
-              <a:buAutoNum type="arabicPeriod"/>
-            </a:pPr>
-            <a:endParaRPr lang="en-US" sz="1600" dirty="0"/>
+            <a:br>
+              <a:rPr lang="en-US" dirty="0" smtClean="0"/>
+            </a:br>
+            <a:r>
+              <a:rPr lang="en-US" dirty="0"/>
+              <a:t/>
+            </a:r>
+            <a:br>
+              <a:rPr lang="en-US" dirty="0"/>
+            </a:br>
+            <a:r>
+              <a:rPr lang="en-US" dirty="0"/>
+              <a:t>	</a:t>
+            </a:r>
+            <a:r>
+              <a:rPr lang="en-US" dirty="0">
+                <a:latin typeface="Courier New" panose="02070309020205020404" pitchFamily="49" charset="0"/>
+                <a:cs typeface="Courier New" panose="02070309020205020404" pitchFamily="49" charset="0"/>
+              </a:rPr>
+              <a:t>{</a:t>
+            </a:r>
+            <a:br>
+              <a:rPr lang="en-US" dirty="0">
+                <a:latin typeface="Courier New" panose="02070309020205020404" pitchFamily="49" charset="0"/>
+                <a:cs typeface="Courier New" panose="02070309020205020404" pitchFamily="49" charset="0"/>
+              </a:rPr>
+            </a:br>
+            <a:r>
+              <a:rPr lang="en-US" dirty="0">
+                <a:latin typeface="Courier New" panose="02070309020205020404" pitchFamily="49" charset="0"/>
+                <a:cs typeface="Courier New" panose="02070309020205020404" pitchFamily="49" charset="0"/>
+              </a:rPr>
+              <a:t>		“</a:t>
+            </a:r>
+            <a:r>
+              <a:rPr lang="en-US" dirty="0" err="1">
+                <a:latin typeface="Courier New" panose="02070309020205020404" pitchFamily="49" charset="0"/>
+                <a:cs typeface="Courier New" panose="02070309020205020404" pitchFamily="49" charset="0"/>
+              </a:rPr>
+              <a:t>username</a:t>
+            </a:r>
+            <a:r>
+              <a:rPr lang="en-US" dirty="0" err="1" smtClean="0">
+                <a:latin typeface="Courier New" panose="02070309020205020404" pitchFamily="49" charset="0"/>
+                <a:cs typeface="Courier New" panose="02070309020205020404" pitchFamily="49" charset="0"/>
+              </a:rPr>
+              <a:t>”:String</a:t>
+            </a:r>
+            <a:r>
+              <a:rPr lang="en-US" dirty="0" smtClean="0">
+                <a:latin typeface="Courier New" panose="02070309020205020404" pitchFamily="49" charset="0"/>
+                <a:cs typeface="Courier New" panose="02070309020205020404" pitchFamily="49" charset="0"/>
+              </a:rPr>
+              <a:t>,</a:t>
+            </a:r>
+            <a:r>
+              <a:rPr lang="en-US" dirty="0">
+                <a:latin typeface="Courier New" panose="02070309020205020404" pitchFamily="49" charset="0"/>
+                <a:cs typeface="Courier New" panose="02070309020205020404" pitchFamily="49" charset="0"/>
+              </a:rPr>
+              <a:t/>
+            </a:r>
+            <a:br>
+              <a:rPr lang="en-US" dirty="0">
+                <a:latin typeface="Courier New" panose="02070309020205020404" pitchFamily="49" charset="0"/>
+                <a:cs typeface="Courier New" panose="02070309020205020404" pitchFamily="49" charset="0"/>
+              </a:rPr>
+            </a:br>
+            <a:r>
+              <a:rPr lang="en-US" dirty="0">
+                <a:latin typeface="Courier New" panose="02070309020205020404" pitchFamily="49" charset="0"/>
+                <a:cs typeface="Courier New" panose="02070309020205020404" pitchFamily="49" charset="0"/>
+              </a:rPr>
+              <a:t>		“</a:t>
+            </a:r>
+            <a:r>
+              <a:rPr lang="en-US" dirty="0" err="1">
+                <a:latin typeface="Courier New" panose="02070309020205020404" pitchFamily="49" charset="0"/>
+                <a:cs typeface="Courier New" panose="02070309020205020404" pitchFamily="49" charset="0"/>
+              </a:rPr>
+              <a:t>time”:timestamp</a:t>
+            </a:r>
+            <a:r>
+              <a:rPr lang="en-US" dirty="0">
+                <a:latin typeface="Courier New" panose="02070309020205020404" pitchFamily="49" charset="0"/>
+                <a:cs typeface="Courier New" panose="02070309020205020404" pitchFamily="49" charset="0"/>
+              </a:rPr>
+              <a:t>,</a:t>
+            </a:r>
+            <a:br>
+              <a:rPr lang="en-US" dirty="0">
+                <a:latin typeface="Courier New" panose="02070309020205020404" pitchFamily="49" charset="0"/>
+                <a:cs typeface="Courier New" panose="02070309020205020404" pitchFamily="49" charset="0"/>
+              </a:rPr>
+            </a:br>
+            <a:r>
+              <a:rPr lang="en-US" dirty="0">
+                <a:latin typeface="Courier New" panose="02070309020205020404" pitchFamily="49" charset="0"/>
+                <a:cs typeface="Courier New" panose="02070309020205020404" pitchFamily="49" charset="0"/>
+              </a:rPr>
+              <a:t>		“</a:t>
+            </a:r>
+            <a:r>
+              <a:rPr lang="en-US" dirty="0" err="1">
+                <a:latin typeface="Courier New" panose="02070309020205020404" pitchFamily="49" charset="0"/>
+                <a:cs typeface="Courier New" panose="02070309020205020404" pitchFamily="49" charset="0"/>
+              </a:rPr>
+              <a:t>message”:String</a:t>
+            </a:r>
+            <a:r>
+              <a:rPr lang="en-US" dirty="0">
+                <a:latin typeface="Courier New" panose="02070309020205020404" pitchFamily="49" charset="0"/>
+                <a:cs typeface="Courier New" panose="02070309020205020404" pitchFamily="49" charset="0"/>
+              </a:rPr>
+              <a:t/>
+            </a:r>
+            <a:br>
+              <a:rPr lang="en-US" dirty="0">
+                <a:latin typeface="Courier New" panose="02070309020205020404" pitchFamily="49" charset="0"/>
+                <a:cs typeface="Courier New" panose="02070309020205020404" pitchFamily="49" charset="0"/>
+              </a:rPr>
+            </a:br>
+            <a:r>
+              <a:rPr lang="en-US" dirty="0">
+                <a:latin typeface="Courier New" panose="02070309020205020404" pitchFamily="49" charset="0"/>
+                <a:cs typeface="Courier New" panose="02070309020205020404" pitchFamily="49" charset="0"/>
+              </a:rPr>
+              <a:t>	}</a:t>
+            </a:r>
+            <a:endParaRPr lang="en-US" dirty="0"/>
           </a:p>
         </p:txBody>
       </p:sp>
     </p:spTree>
     <p:extLst>
       <p:ext uri="{BB962C8B-B14F-4D97-AF65-F5344CB8AC3E}">
-        <p14:creationId xmlns:p14="http://schemas.microsoft.com/office/powerpoint/2010/main" val="1902151880"/>
+        <p14:creationId xmlns:p14="http://schemas.microsoft.com/office/powerpoint/2010/main" val="235720611"/>
       </p:ext>
     </p:extLst>
   </p:cSld>
@@ -18791,6 +18889,219 @@
 </file>
 
 <file path=ppt/slides/slide40.xml><?xml version="1.0" encoding="utf-8"?>
+<p:sld xmlns:a="http://schemas.openxmlformats.org/drawingml/2006/main" xmlns:r="http://schemas.openxmlformats.org/officeDocument/2006/relationships" xmlns:p="http://schemas.openxmlformats.org/presentationml/2006/main">
+  <p:cSld>
+    <p:spTree>
+      <p:nvGrpSpPr>
+        <p:cNvPr id="1" name=""/>
+        <p:cNvGrpSpPr/>
+        <p:nvPr/>
+      </p:nvGrpSpPr>
+      <p:grpSpPr>
+        <a:xfrm>
+          <a:off x="0" y="0"/>
+          <a:ext cx="0" cy="0"/>
+          <a:chOff x="0" y="0"/>
+          <a:chExt cx="0" cy="0"/>
+        </a:xfrm>
+      </p:grpSpPr>
+      <p:sp>
+        <p:nvSpPr>
+          <p:cNvPr id="4" name="Title 3"/>
+          <p:cNvSpPr>
+            <a:spLocks noGrp="1"/>
+          </p:cNvSpPr>
+          <p:nvPr>
+            <p:ph type="title"/>
+          </p:nvPr>
+        </p:nvSpPr>
+        <p:spPr/>
+        <p:txBody>
+          <a:bodyPr/>
+          <a:lstStyle/>
+          <a:p>
+            <a:r>
+              <a:rPr lang="en-US" b="1" dirty="0" smtClean="0"/>
+              <a:t>Threading </a:t>
+            </a:r>
+            <a:r>
+              <a:rPr lang="en-US" b="1" dirty="0" err="1" smtClean="0"/>
+              <a:t>pada</a:t>
+            </a:r>
+            <a:r>
+              <a:rPr lang="en-US" b="1" dirty="0" smtClean="0"/>
+              <a:t> Node.js</a:t>
+            </a:r>
+            <a:endParaRPr lang="en-US" b="1" dirty="0"/>
+          </a:p>
+        </p:txBody>
+      </p:sp>
+      <p:sp>
+        <p:nvSpPr>
+          <p:cNvPr id="5" name="Text Placeholder 4"/>
+          <p:cNvSpPr>
+            <a:spLocks noGrp="1"/>
+          </p:cNvSpPr>
+          <p:nvPr>
+            <p:ph type="body" idx="1"/>
+          </p:nvPr>
+        </p:nvSpPr>
+        <p:spPr>
+          <a:xfrm>
+            <a:off x="623888" y="4589464"/>
+            <a:ext cx="7886700" cy="1765616"/>
+          </a:xfrm>
+        </p:spPr>
+        <p:txBody>
+          <a:bodyPr>
+            <a:normAutofit fontScale="92500" lnSpcReduction="20000"/>
+          </a:bodyPr>
+          <a:lstStyle/>
+          <a:p>
+            <a:r>
+              <a:rPr lang="en-US" sz="1600" dirty="0" err="1" smtClean="0"/>
+              <a:t>Sumber</a:t>
+            </a:r>
+            <a:r>
+              <a:rPr lang="en-US" sz="1600" dirty="0" smtClean="0"/>
+              <a:t>:</a:t>
+            </a:r>
+          </a:p>
+          <a:p>
+            <a:pPr marL="342900" indent="-342900">
+              <a:buFont typeface="Arial" panose="020B0604020202020204" pitchFamily="34" charset="0"/>
+              <a:buAutoNum type="arabicPeriod"/>
+            </a:pPr>
+            <a:r>
+              <a:rPr lang="en-US" sz="1600" dirty="0">
+                <a:hlinkClick r:id="rId3"/>
+              </a:rPr>
+              <a:t>https://</a:t>
+            </a:r>
+            <a:r>
+              <a:rPr lang="en-US" sz="1600" dirty="0" smtClean="0">
+                <a:hlinkClick r:id="rId3"/>
+              </a:rPr>
+              <a:t>nodesource.com/blog/understanding-the-nodejs-event-loop</a:t>
+            </a:r>
+            <a:endParaRPr lang="en-US" sz="1600" dirty="0" smtClean="0"/>
+          </a:p>
+          <a:p>
+            <a:pPr marL="342900" indent="-342900">
+              <a:buFont typeface="Arial" panose="020B0604020202020204" pitchFamily="34" charset="0"/>
+              <a:buAutoNum type="arabicPeriod"/>
+            </a:pPr>
+            <a:r>
+              <a:rPr lang="en-US" sz="1600" dirty="0">
+                <a:hlinkClick r:id="rId4"/>
+              </a:rPr>
+              <a:t>https://</a:t>
+            </a:r>
+            <a:r>
+              <a:rPr lang="en-US" sz="1600" dirty="0" smtClean="0">
+                <a:hlinkClick r:id="rId4"/>
+              </a:rPr>
+              <a:t>www.youtube.com/watch?v=8aGhZQkoFbQ</a:t>
+            </a:r>
+            <a:endParaRPr lang="en-US" sz="1600" dirty="0" smtClean="0"/>
+          </a:p>
+          <a:p>
+            <a:pPr marL="342900" indent="-342900">
+              <a:buAutoNum type="arabicPeriod"/>
+            </a:pPr>
+            <a:r>
+              <a:rPr lang="en-US" sz="1600" dirty="0">
+                <a:hlinkClick r:id="rId5"/>
+              </a:rPr>
+              <a:t>https://</a:t>
+            </a:r>
+            <a:r>
+              <a:rPr lang="en-US" sz="1600" dirty="0" smtClean="0">
+                <a:hlinkClick r:id="rId5"/>
+              </a:rPr>
+              <a:t>nodejs.org/api/cluster.html</a:t>
+            </a:r>
+            <a:endParaRPr lang="en-US" sz="1600" dirty="0" smtClean="0"/>
+          </a:p>
+          <a:p>
+            <a:pPr marL="342900" indent="-342900">
+              <a:buAutoNum type="arabicPeriod"/>
+            </a:pPr>
+            <a:r>
+              <a:rPr lang="en-US" sz="1600" dirty="0" smtClean="0">
+                <a:hlinkClick r:id="rId6"/>
+              </a:rPr>
+              <a:t>http</a:t>
+            </a:r>
+            <a:r>
+              <a:rPr lang="en-US" sz="1600" dirty="0">
+                <a:hlinkClick r:id="rId6"/>
+              </a:rPr>
+              <a:t>://docs.libuv.org/en/v1.x</a:t>
+            </a:r>
+            <a:r>
+              <a:rPr lang="en-US" sz="1600" dirty="0" smtClean="0">
+                <a:hlinkClick r:id="rId6"/>
+              </a:rPr>
+              <a:t>/</a:t>
+            </a:r>
+            <a:endParaRPr lang="en-US" sz="1600" dirty="0" smtClean="0"/>
+          </a:p>
+          <a:p>
+            <a:pPr marL="342900" indent="-342900">
+              <a:buAutoNum type="arabicPeriod"/>
+            </a:pPr>
+            <a:r>
+              <a:rPr lang="en-US" sz="1600" dirty="0">
+                <a:hlinkClick r:id="rId7"/>
+              </a:rPr>
+              <a:t>https://msdn.microsoft.com/en-us/library/aa365198(VS.85).</a:t>
+            </a:r>
+            <a:r>
+              <a:rPr lang="en-US" sz="1600" dirty="0" smtClean="0">
+                <a:hlinkClick r:id="rId7"/>
+              </a:rPr>
+              <a:t>aspx</a:t>
+            </a:r>
+            <a:endParaRPr lang="en-US" sz="1600" dirty="0" smtClean="0"/>
+          </a:p>
+          <a:p>
+            <a:pPr marL="342900" indent="-342900">
+              <a:buAutoNum type="arabicPeriod"/>
+            </a:pPr>
+            <a:endParaRPr lang="en-US" sz="1600" dirty="0"/>
+          </a:p>
+        </p:txBody>
+      </p:sp>
+    </p:spTree>
+    <p:extLst>
+      <p:ext uri="{BB962C8B-B14F-4D97-AF65-F5344CB8AC3E}">
+        <p14:creationId xmlns:p14="http://schemas.microsoft.com/office/powerpoint/2010/main" val="1902151880"/>
+      </p:ext>
+    </p:extLst>
+  </p:cSld>
+  <p:clrMapOvr>
+    <a:masterClrMapping/>
+  </p:clrMapOvr>
+  <mc:AlternateContent xmlns:mc="http://schemas.openxmlformats.org/markup-compatibility/2006" xmlns:p14="http://schemas.microsoft.com/office/powerpoint/2010/main">
+    <mc:Choice Requires="p14">
+      <p:transition p14:dur="0"/>
+    </mc:Choice>
+    <mc:Fallback xmlns="">
+      <p:transition/>
+    </mc:Fallback>
+  </mc:AlternateContent>
+  <p:timing>
+    <p:tnLst>
+      <p:par>
+        <p:cTn id="1" dur="indefinite" restart="never" nodeType="tmRoot"/>
+      </p:par>
+    </p:tnLst>
+  </p:timing>
+</p:sld>
+</file>
+
+<file path=ppt/slides/slide41.xml><?xml version="1.0" encoding="utf-8"?>
 <p:sld xmlns:a="http://schemas.openxmlformats.org/drawingml/2006/main" xmlns:r="http://schemas.openxmlformats.org/officeDocument/2006/relationships" xmlns:p="http://schemas.openxmlformats.org/presentationml/2006/main">
   <p:cSld>
     <p:spTree>
@@ -19458,7 +19769,7 @@
 </p:sld>
 </file>
 
-<file path=ppt/slides/slide41.xml><?xml version="1.0" encoding="utf-8"?>
+<file path=ppt/slides/slide42.xml><?xml version="1.0" encoding="utf-8"?>
 <p:sld xmlns:a="http://schemas.openxmlformats.org/drawingml/2006/main" xmlns:r="http://schemas.openxmlformats.org/officeDocument/2006/relationships" xmlns:p="http://schemas.openxmlformats.org/presentationml/2006/main">
   <p:cSld>
     <p:spTree>
@@ -19545,7 +19856,7 @@
 </p:sld>
 </file>
 
-<file path=ppt/slides/slide42.xml><?xml version="1.0" encoding="utf-8"?>
+<file path=ppt/slides/slide43.xml><?xml version="1.0" encoding="utf-8"?>
 <p:sld xmlns:a="http://schemas.openxmlformats.org/drawingml/2006/main" xmlns:r="http://schemas.openxmlformats.org/officeDocument/2006/relationships" xmlns:p="http://schemas.openxmlformats.org/presentationml/2006/main">
   <p:cSld>
     <p:spTree>
@@ -19746,242 +20057,6 @@
 </p:sld>
 </file>
 
-<file path=ppt/slides/slide43.xml><?xml version="1.0" encoding="utf-8"?>
-<p:sld xmlns:a="http://schemas.openxmlformats.org/drawingml/2006/main" xmlns:r="http://schemas.openxmlformats.org/officeDocument/2006/relationships" xmlns:p="http://schemas.openxmlformats.org/presentationml/2006/main">
-  <p:cSld>
-    <p:spTree>
-      <p:nvGrpSpPr>
-        <p:cNvPr id="1" name=""/>
-        <p:cNvGrpSpPr/>
-        <p:nvPr/>
-      </p:nvGrpSpPr>
-      <p:grpSpPr>
-        <a:xfrm>
-          <a:off x="0" y="0"/>
-          <a:ext cx="0" cy="0"/>
-          <a:chOff x="0" y="0"/>
-          <a:chExt cx="0" cy="0"/>
-        </a:xfrm>
-      </p:grpSpPr>
-      <p:sp>
-        <p:nvSpPr>
-          <p:cNvPr id="2" name="Title 1"/>
-          <p:cNvSpPr>
-            <a:spLocks noGrp="1"/>
-          </p:cNvSpPr>
-          <p:nvPr>
-            <p:ph type="title"/>
-          </p:nvPr>
-        </p:nvSpPr>
-        <p:spPr/>
-        <p:txBody>
-          <a:bodyPr/>
-          <a:lstStyle/>
-          <a:p>
-            <a:r>
-              <a:rPr lang="en-US" b="1" dirty="0" err="1" smtClean="0"/>
-              <a:t>Kelebihan</a:t>
-            </a:r>
-            <a:r>
-              <a:rPr lang="en-US" b="1" dirty="0" smtClean="0"/>
-              <a:t> Event-loop</a:t>
-            </a:r>
-            <a:endParaRPr lang="en-US" b="1" dirty="0"/>
-          </a:p>
-        </p:txBody>
-      </p:sp>
-      <p:sp>
-        <p:nvSpPr>
-          <p:cNvPr id="3" name="Content Placeholder 2"/>
-          <p:cNvSpPr>
-            <a:spLocks noGrp="1"/>
-          </p:cNvSpPr>
-          <p:nvPr>
-            <p:ph idx="1"/>
-          </p:nvPr>
-        </p:nvSpPr>
-        <p:spPr/>
-        <p:txBody>
-          <a:bodyPr>
-            <a:normAutofit/>
-          </a:bodyPr>
-          <a:lstStyle/>
-          <a:p>
-            <a:pPr>
-              <a:lnSpc>
-                <a:spcPct val="120000"/>
-              </a:lnSpc>
-            </a:pPr>
-            <a:r>
-              <a:rPr lang="en-US" dirty="0" err="1" smtClean="0"/>
-              <a:t>Memaksimalkan</a:t>
-            </a:r>
-            <a:r>
-              <a:rPr lang="en-US" dirty="0" smtClean="0"/>
-              <a:t> </a:t>
-            </a:r>
-            <a:r>
-              <a:rPr lang="en-US" dirty="0"/>
-              <a:t>throughput </a:t>
-            </a:r>
-            <a:r>
-              <a:rPr lang="en-US" dirty="0" err="1"/>
-              <a:t>untuk</a:t>
-            </a:r>
-            <a:r>
-              <a:rPr lang="en-US" dirty="0"/>
-              <a:t> proses yang </a:t>
-            </a:r>
-            <a:r>
-              <a:rPr lang="en-US" dirty="0" err="1" smtClean="0"/>
-              <a:t>dihandle</a:t>
-            </a:r>
-            <a:r>
-              <a:rPr lang="en-US" dirty="0" smtClean="0"/>
-              <a:t> </a:t>
-            </a:r>
-            <a:r>
-              <a:rPr lang="en-US" dirty="0" err="1" smtClean="0"/>
-              <a:t>oleh</a:t>
-            </a:r>
-            <a:r>
-              <a:rPr lang="en-US" dirty="0" smtClean="0"/>
-              <a:t> </a:t>
-            </a:r>
-            <a:r>
-              <a:rPr lang="en-US" dirty="0" err="1" smtClean="0"/>
-              <a:t>satu</a:t>
-            </a:r>
-            <a:r>
-              <a:rPr lang="en-US" dirty="0" smtClean="0"/>
-              <a:t> thread (</a:t>
-            </a:r>
-            <a:r>
-              <a:rPr lang="en-US" dirty="0" err="1" smtClean="0"/>
-              <a:t>sifatnya</a:t>
-            </a:r>
-            <a:r>
-              <a:rPr lang="en-US" dirty="0" smtClean="0"/>
-              <a:t> yang </a:t>
-            </a:r>
-            <a:r>
-              <a:rPr lang="en-US" dirty="0" err="1" smtClean="0"/>
-              <a:t>nonblocking</a:t>
-            </a:r>
-            <a:r>
-              <a:rPr lang="en-US" dirty="0" smtClean="0"/>
-              <a:t>).</a:t>
-            </a:r>
-          </a:p>
-          <a:p>
-            <a:pPr>
-              <a:lnSpc>
-                <a:spcPct val="120000"/>
-              </a:lnSpc>
-            </a:pPr>
-            <a:r>
-              <a:rPr lang="en-US" dirty="0" err="1" smtClean="0"/>
-              <a:t>Tidak</a:t>
-            </a:r>
-            <a:r>
-              <a:rPr lang="en-US" dirty="0" smtClean="0"/>
-              <a:t> </a:t>
-            </a:r>
-            <a:r>
-              <a:rPr lang="en-US" dirty="0" err="1" smtClean="0"/>
-              <a:t>perlu</a:t>
-            </a:r>
-            <a:r>
-              <a:rPr lang="en-US" dirty="0" smtClean="0"/>
-              <a:t> </a:t>
-            </a:r>
-            <a:r>
-              <a:rPr lang="en-US" dirty="0" err="1" smtClean="0"/>
-              <a:t>memikirkan</a:t>
-            </a:r>
-            <a:r>
-              <a:rPr lang="en-US" dirty="0" smtClean="0"/>
-              <a:t> deadlock </a:t>
-            </a:r>
-            <a:r>
-              <a:rPr lang="en-US" dirty="0" err="1" smtClean="0"/>
-              <a:t>antar</a:t>
-            </a:r>
-            <a:r>
-              <a:rPr lang="en-US" dirty="0" smtClean="0"/>
-              <a:t> thread </a:t>
-            </a:r>
-            <a:r>
-              <a:rPr lang="en-US" dirty="0" err="1" smtClean="0"/>
-              <a:t>maupun</a:t>
-            </a:r>
-            <a:r>
-              <a:rPr lang="en-US" dirty="0" smtClean="0"/>
-              <a:t> race-condition.</a:t>
-            </a:r>
-          </a:p>
-          <a:p>
-            <a:pPr>
-              <a:lnSpc>
-                <a:spcPct val="120000"/>
-              </a:lnSpc>
-            </a:pPr>
-            <a:r>
-              <a:rPr lang="en-US" dirty="0" err="1" smtClean="0"/>
-              <a:t>Setiap</a:t>
-            </a:r>
-            <a:r>
-              <a:rPr lang="en-US" dirty="0" smtClean="0"/>
-              <a:t> callback </a:t>
-            </a:r>
-            <a:r>
-              <a:rPr lang="en-US" dirty="0" err="1" smtClean="0"/>
-              <a:t>bersifat</a:t>
-            </a:r>
-            <a:r>
-              <a:rPr lang="en-US" dirty="0" smtClean="0"/>
-              <a:t> </a:t>
-            </a:r>
-            <a:r>
-              <a:rPr lang="en-US" dirty="0" err="1" smtClean="0"/>
-              <a:t>atomik</a:t>
-            </a:r>
-            <a:r>
-              <a:rPr lang="en-US" dirty="0" smtClean="0"/>
-              <a:t>.</a:t>
-            </a:r>
-            <a:endParaRPr lang="en-US" dirty="0"/>
-          </a:p>
-        </p:txBody>
-      </p:sp>
-    </p:spTree>
-    <p:extLst>
-      <p:ext uri="{BB962C8B-B14F-4D97-AF65-F5344CB8AC3E}">
-        <p14:creationId xmlns:p14="http://schemas.microsoft.com/office/powerpoint/2010/main" val="1689559118"/>
-      </p:ext>
-    </p:extLst>
-  </p:cSld>
-  <p:clrMapOvr>
-    <a:masterClrMapping/>
-  </p:clrMapOvr>
-  <mc:AlternateContent xmlns:mc="http://schemas.openxmlformats.org/markup-compatibility/2006" xmlns:p14="http://schemas.microsoft.com/office/powerpoint/2010/main">
-    <mc:Choice Requires="p14">
-      <p:transition p14:dur="0"/>
-    </mc:Choice>
-    <mc:Fallback xmlns="">
-      <p:transition/>
-    </mc:Fallback>
-  </mc:AlternateContent>
-  <p:timing>
-    <p:tnLst>
-      <p:par>
-        <p:cTn id="1" dur="indefinite" restart="never" nodeType="tmRoot"/>
-      </p:par>
-    </p:tnLst>
-  </p:timing>
-</p:sld>
-</file>
-
 <file path=ppt/slides/slide44.xml><?xml version="1.0" encoding="utf-8"?>
 <p:sld xmlns:a="http://schemas.openxmlformats.org/drawingml/2006/main" xmlns:r="http://schemas.openxmlformats.org/officeDocument/2006/relationships" xmlns:p="http://schemas.openxmlformats.org/presentationml/2006/main">
   <p:cSld>
@@ -20016,7 +20091,7 @@
           <a:p>
             <a:r>
               <a:rPr lang="en-US" b="1" dirty="0" err="1" smtClean="0"/>
-              <a:t>Kelemahan</a:t>
+              <a:t>Kelebihan</a:t>
             </a:r>
             <a:r>
               <a:rPr lang="en-US" b="1" dirty="0" smtClean="0"/>
@@ -20050,71 +20125,63 @@
             </a:pPr>
             <a:r>
               <a:rPr lang="en-US" dirty="0" err="1" smtClean="0"/>
-              <a:t>Jika</a:t>
-            </a:r>
-            <a:r>
-              <a:rPr lang="en-US" dirty="0" smtClean="0"/>
-              <a:t> </a:t>
+              <a:t>Memaksimalkan</a:t>
+            </a:r>
+            <a:r>
+              <a:rPr lang="en-US" dirty="0" smtClean="0"/>
+              <a:t> </a:t>
+            </a:r>
+            <a:r>
+              <a:rPr lang="en-US" dirty="0"/>
+              <a:t>throughput </a:t>
             </a:r>
             <a:r>
               <a:rPr lang="en-US" dirty="0" err="1"/>
-              <a:t>ada</a:t>
+              <a:t>untuk</a:t>
             </a:r>
             <a:r>
               <a:rPr lang="en-US" dirty="0"/>
-              <a:t> callback / </a:t>
-            </a:r>
-            <a:r>
-              <a:rPr lang="en-US" dirty="0" err="1"/>
-              <a:t>kode</a:t>
-            </a:r>
-            <a:r>
-              <a:rPr lang="en-US" dirty="0"/>
-              <a:t> </a:t>
-            </a:r>
-            <a:r>
-              <a:rPr lang="en-US" dirty="0" err="1"/>
-              <a:t>apapun</a:t>
-            </a:r>
-            <a:r>
-              <a:rPr lang="en-US" dirty="0"/>
+              <a:t> proses yang </a:t>
+            </a:r>
+            <a:r>
+              <a:rPr lang="en-US" dirty="0" err="1" smtClean="0"/>
+              <a:t>dihandle</a:t>
+            </a:r>
+            <a:r>
+              <a:rPr lang="en-US" dirty="0" smtClean="0"/>
+              <a:t> </a:t>
+            </a:r>
+            <a:r>
+              <a:rPr lang="en-US" dirty="0" err="1" smtClean="0"/>
+              <a:t>oleh</a:t>
+            </a:r>
+            <a:r>
+              <a:rPr lang="en-US" dirty="0" smtClean="0"/>
+              <a:t> </a:t>
+            </a:r>
+            <a:r>
+              <a:rPr lang="en-US" dirty="0" err="1" smtClean="0"/>
+              <a:t>satu</a:t>
+            </a:r>
+            <a:r>
+              <a:rPr lang="en-US" dirty="0" smtClean="0"/>
+              <a:t> thread (</a:t>
+            </a:r>
+            <a:r>
+              <a:rPr lang="en-US" dirty="0" err="1" smtClean="0"/>
+              <a:t>sifatnya</a:t>
+            </a:r>
+            <a:r>
+              <a:rPr lang="en-US" dirty="0" smtClean="0"/>
               <a:t> yang </a:t>
             </a:r>
             <a:r>
-              <a:rPr lang="en-US" dirty="0" err="1"/>
-              <a:t>melakukan</a:t>
-            </a:r>
-            <a:r>
-              <a:rPr lang="en-US" dirty="0"/>
-              <a:t> blocking, </a:t>
-            </a:r>
-            <a:r>
-              <a:rPr lang="en-US" dirty="0" err="1"/>
-              <a:t>seluruh</a:t>
-            </a:r>
-            <a:r>
-              <a:rPr lang="en-US" dirty="0"/>
-              <a:t> event-loop </a:t>
-            </a:r>
-            <a:r>
-              <a:rPr lang="en-US" dirty="0" err="1"/>
-              <a:t>akan</a:t>
-            </a:r>
-            <a:r>
-              <a:rPr lang="en-US" dirty="0"/>
-              <a:t> </a:t>
-            </a:r>
-            <a:r>
-              <a:rPr lang="en-US" dirty="0" err="1"/>
-              <a:t>ter</a:t>
-            </a:r>
-            <a:r>
-              <a:rPr lang="en-US" dirty="0"/>
-              <a:t>-block</a:t>
-            </a:r>
-            <a:r>
-              <a:rPr lang="en-US" dirty="0" smtClean="0"/>
-              <a:t>.</a:t>
+              <a:rPr lang="en-US" dirty="0" err="1" smtClean="0"/>
+              <a:t>nonblocking</a:t>
+            </a:r>
+            <a:r>
+              <a:rPr lang="en-US" dirty="0" smtClean="0"/>
+              <a:t>).</a:t>
             </a:r>
           </a:p>
           <a:p>
@@ -20125,83 +20192,83 @@
             </a:pPr>
             <a:r>
               <a:rPr lang="en-US" dirty="0" err="1" smtClean="0"/>
-              <a:t>Semakin</a:t>
-            </a:r>
-            <a:r>
-              <a:rPr lang="en-US" dirty="0" smtClean="0"/>
-              <a:t> </a:t>
-            </a:r>
-            <a:r>
-              <a:rPr lang="en-US" dirty="0" err="1" smtClean="0"/>
-              <a:t>banyak</a:t>
-            </a:r>
-            <a:r>
-              <a:rPr lang="en-US" dirty="0" smtClean="0"/>
-              <a:t> </a:t>
-            </a:r>
-            <a:r>
-              <a:rPr lang="en-US" dirty="0" err="1" smtClean="0"/>
-              <a:t>baris</a:t>
-            </a:r>
-            <a:r>
-              <a:rPr lang="en-US" dirty="0" smtClean="0"/>
-              <a:t> </a:t>
-            </a:r>
-            <a:r>
-              <a:rPr lang="en-US" dirty="0" err="1" smtClean="0"/>
-              <a:t>kode</a:t>
-            </a:r>
-            <a:r>
-              <a:rPr lang="en-US" dirty="0" smtClean="0"/>
-              <a:t> program yang </a:t>
-            </a:r>
-            <a:r>
-              <a:rPr lang="en-US" dirty="0" err="1" smtClean="0"/>
-              <a:t>harus</a:t>
-            </a:r>
-            <a:r>
-              <a:rPr lang="en-US" dirty="0" smtClean="0"/>
-              <a:t> </a:t>
-            </a:r>
-            <a:r>
-              <a:rPr lang="en-US" dirty="0" err="1" smtClean="0"/>
-              <a:t>dieksekusi</a:t>
-            </a:r>
-            <a:r>
-              <a:rPr lang="en-US" dirty="0" smtClean="0"/>
-              <a:t> per “tick”, </a:t>
-            </a:r>
-            <a:r>
-              <a:rPr lang="en-US" dirty="0" err="1" smtClean="0"/>
-              <a:t>semakin</a:t>
-            </a:r>
-            <a:r>
-              <a:rPr lang="en-US" dirty="0" smtClean="0"/>
-              <a:t> </a:t>
-            </a:r>
-            <a:r>
-              <a:rPr lang="en-US" dirty="0" err="1" smtClean="0"/>
-              <a:t>lambat</a:t>
-            </a:r>
-            <a:r>
-              <a:rPr lang="en-US" dirty="0" smtClean="0"/>
-              <a:t> event-loop </a:t>
-            </a:r>
-            <a:r>
-              <a:rPr lang="en-US" dirty="0" err="1" smtClean="0"/>
-              <a:t>berjalan</a:t>
+              <a:t>Tidak</a:t>
+            </a:r>
+            <a:r>
+              <a:rPr lang="en-US" dirty="0" smtClean="0"/>
+              <a:t> </a:t>
+            </a:r>
+            <a:r>
+              <a:rPr lang="en-US" dirty="0" err="1" smtClean="0"/>
+              <a:t>perlu</a:t>
+            </a:r>
+            <a:r>
+              <a:rPr lang="en-US" dirty="0" smtClean="0"/>
+              <a:t> </a:t>
+            </a:r>
+            <a:r>
+              <a:rPr lang="en-US" dirty="0" err="1" smtClean="0"/>
+              <a:t>memikirkan</a:t>
+            </a:r>
+            <a:r>
+              <a:rPr lang="en-US" dirty="0" smtClean="0"/>
+              <a:t> deadlock </a:t>
+            </a:r>
+            <a:r>
+              <a:rPr lang="en-US" dirty="0" err="1" smtClean="0"/>
+              <a:t>antar</a:t>
+            </a:r>
+            <a:r>
+              <a:rPr lang="en-US" dirty="0" smtClean="0"/>
+              <a:t> thread </a:t>
+            </a:r>
+            <a:r>
+              <a:rPr lang="en-US" dirty="0" err="1" smtClean="0"/>
+              <a:t>maupun</a:t>
+            </a:r>
+            <a:r>
+              <a:rPr lang="en-US" dirty="0" smtClean="0"/>
+              <a:t> race-condition.</a:t>
+            </a:r>
+          </a:p>
+          <a:p>
+            <a:pPr>
+              <a:lnSpc>
+                <a:spcPct val="120000"/>
+              </a:lnSpc>
+            </a:pPr>
+            <a:r>
+              <a:rPr lang="en-US" dirty="0" err="1" smtClean="0"/>
+              <a:t>Setiap</a:t>
+            </a:r>
+            <a:r>
+              <a:rPr lang="en-US" dirty="0" smtClean="0"/>
+              <a:t> callback </a:t>
+            </a:r>
+            <a:r>
+              <a:rPr lang="en-US" dirty="0" err="1" smtClean="0"/>
+              <a:t>bersifat</a:t>
+            </a:r>
+            <a:r>
+              <a:rPr lang="en-US" dirty="0" smtClean="0"/>
+              <a:t> </a:t>
+            </a:r>
+            <a:r>
+              <a:rPr lang="en-US" dirty="0" err="1" smtClean="0"/>
+              <a:t>atomik</a:t>
             </a:r>
             <a:r>
               <a:rPr lang="en-US" dirty="0" smtClean="0"/>
               <a:t>.</a:t>
             </a:r>
+            <a:endParaRPr lang="en-US" dirty="0"/>
           </a:p>
         </p:txBody>
       </p:sp>
     </p:spTree>
     <p:extLst>
       <p:ext uri="{BB962C8B-B14F-4D97-AF65-F5344CB8AC3E}">
-        <p14:creationId xmlns:p14="http://schemas.microsoft.com/office/powerpoint/2010/main" val="3982405204"/>
+        <p14:creationId xmlns:p14="http://schemas.microsoft.com/office/powerpoint/2010/main" val="1689559118"/>
       </p:ext>
     </p:extLst>
   </p:cSld>
@@ -20245,7 +20312,7 @@
       </p:grpSpPr>
       <p:sp>
         <p:nvSpPr>
-          <p:cNvPr id="4" name="Title 3"/>
+          <p:cNvPr id="2" name="Title 1"/>
           <p:cNvSpPr>
             <a:spLocks noGrp="1"/>
           </p:cNvSpPr>
@@ -20260,7 +20327,11 @@
           <a:p>
             <a:r>
               <a:rPr lang="en-US" b="1" dirty="0" err="1" smtClean="0"/>
-              <a:t>libuv</a:t>
+              <a:t>Kelemahan</a:t>
+            </a:r>
+            <a:r>
+              <a:rPr lang="en-US" b="1" dirty="0" smtClean="0"/>
+              <a:t> Event-loop</a:t>
             </a:r>
             <a:endParaRPr lang="en-US" b="1" dirty="0"/>
           </a:p>
@@ -20268,38 +20339,191 @@
       </p:sp>
       <p:sp>
         <p:nvSpPr>
-          <p:cNvPr id="5" name="Text Placeholder 4"/>
+          <p:cNvPr id="3" name="Content Placeholder 2"/>
           <p:cNvSpPr>
             <a:spLocks noGrp="1"/>
           </p:cNvSpPr>
           <p:nvPr>
-            <p:ph type="body" idx="1"/>
+            <p:ph idx="1"/>
           </p:nvPr>
         </p:nvSpPr>
         <p:spPr/>
         <p:txBody>
-          <a:bodyPr/>
+          <a:bodyPr>
+            <a:normAutofit/>
+          </a:bodyPr>
           <a:lstStyle/>
           <a:p>
-            <a:endParaRPr lang="en-US" dirty="0"/>
+            <a:pPr>
+              <a:lnSpc>
+                <a:spcPct val="120000"/>
+              </a:lnSpc>
+            </a:pPr>
+            <a:r>
+              <a:rPr lang="en-US" dirty="0" err="1" smtClean="0"/>
+              <a:t>Jika</a:t>
+            </a:r>
+            <a:r>
+              <a:rPr lang="en-US" dirty="0" smtClean="0"/>
+              <a:t> </a:t>
+            </a:r>
+            <a:r>
+              <a:rPr lang="en-US" dirty="0" err="1"/>
+              <a:t>ada</a:t>
+            </a:r>
+            <a:r>
+              <a:rPr lang="en-US" dirty="0"/>
+              <a:t> callback / </a:t>
+            </a:r>
+            <a:r>
+              <a:rPr lang="en-US" dirty="0" err="1"/>
+              <a:t>kode</a:t>
+            </a:r>
+            <a:r>
+              <a:rPr lang="en-US" dirty="0"/>
+              <a:t> </a:t>
+            </a:r>
+            <a:r>
+              <a:rPr lang="en-US" dirty="0" err="1"/>
+              <a:t>apapun</a:t>
+            </a:r>
+            <a:r>
+              <a:rPr lang="en-US" dirty="0"/>
+              <a:t> yang </a:t>
+            </a:r>
+            <a:r>
+              <a:rPr lang="en-US" dirty="0" err="1"/>
+              <a:t>melakukan</a:t>
+            </a:r>
+            <a:r>
+              <a:rPr lang="en-US" dirty="0"/>
+              <a:t> blocking, </a:t>
+            </a:r>
+            <a:r>
+              <a:rPr lang="en-US" dirty="0" err="1"/>
+              <a:t>seluruh</a:t>
+            </a:r>
+            <a:r>
+              <a:rPr lang="en-US" dirty="0"/>
+              <a:t> event-loop </a:t>
+            </a:r>
+            <a:r>
+              <a:rPr lang="en-US" dirty="0" err="1"/>
+              <a:t>akan</a:t>
+            </a:r>
+            <a:r>
+              <a:rPr lang="en-US" dirty="0"/>
+              <a:t> </a:t>
+            </a:r>
+            <a:r>
+              <a:rPr lang="en-US" dirty="0" err="1"/>
+              <a:t>ter</a:t>
+            </a:r>
+            <a:r>
+              <a:rPr lang="en-US" dirty="0"/>
+              <a:t>-block</a:t>
+            </a:r>
+            <a:r>
+              <a:rPr lang="en-US" dirty="0" smtClean="0"/>
+              <a:t>.</a:t>
+            </a:r>
+          </a:p>
+          <a:p>
+            <a:pPr>
+              <a:lnSpc>
+                <a:spcPct val="120000"/>
+              </a:lnSpc>
+            </a:pPr>
+            <a:r>
+              <a:rPr lang="en-US" dirty="0" err="1" smtClean="0"/>
+              <a:t>Semakin</a:t>
+            </a:r>
+            <a:r>
+              <a:rPr lang="en-US" dirty="0" smtClean="0"/>
+              <a:t> </a:t>
+            </a:r>
+            <a:r>
+              <a:rPr lang="en-US" dirty="0" err="1" smtClean="0"/>
+              <a:t>banyak</a:t>
+            </a:r>
+            <a:r>
+              <a:rPr lang="en-US" dirty="0" smtClean="0"/>
+              <a:t> </a:t>
+            </a:r>
+            <a:r>
+              <a:rPr lang="en-US" dirty="0" err="1" smtClean="0"/>
+              <a:t>baris</a:t>
+            </a:r>
+            <a:r>
+              <a:rPr lang="en-US" dirty="0" smtClean="0"/>
+              <a:t> </a:t>
+            </a:r>
+            <a:r>
+              <a:rPr lang="en-US" dirty="0" err="1" smtClean="0"/>
+              <a:t>kode</a:t>
+            </a:r>
+            <a:r>
+              <a:rPr lang="en-US" dirty="0" smtClean="0"/>
+              <a:t> program yang </a:t>
+            </a:r>
+            <a:r>
+              <a:rPr lang="en-US" dirty="0" err="1" smtClean="0"/>
+              <a:t>harus</a:t>
+            </a:r>
+            <a:r>
+              <a:rPr lang="en-US" dirty="0" smtClean="0"/>
+              <a:t> </a:t>
+            </a:r>
+            <a:r>
+              <a:rPr lang="en-US" dirty="0" err="1" smtClean="0"/>
+              <a:t>dieksekusi</a:t>
+            </a:r>
+            <a:r>
+              <a:rPr lang="en-US" dirty="0" smtClean="0"/>
+              <a:t> per “tick”, </a:t>
+            </a:r>
+            <a:r>
+              <a:rPr lang="en-US" dirty="0" err="1" smtClean="0"/>
+              <a:t>semakin</a:t>
+            </a:r>
+            <a:r>
+              <a:rPr lang="en-US" dirty="0" smtClean="0"/>
+              <a:t> </a:t>
+            </a:r>
+            <a:r>
+              <a:rPr lang="en-US" dirty="0" err="1" smtClean="0"/>
+              <a:t>lambat</a:t>
+            </a:r>
+            <a:r>
+              <a:rPr lang="en-US" dirty="0" smtClean="0"/>
+              <a:t> event-loop </a:t>
+            </a:r>
+            <a:r>
+              <a:rPr lang="en-US" dirty="0" err="1" smtClean="0"/>
+              <a:t>berjalan</a:t>
+            </a:r>
+            <a:r>
+              <a:rPr lang="en-US" dirty="0" smtClean="0"/>
+              <a:t>.</a:t>
+            </a:r>
           </a:p>
         </p:txBody>
       </p:sp>
     </p:spTree>
     <p:extLst>
       <p:ext uri="{BB962C8B-B14F-4D97-AF65-F5344CB8AC3E}">
-        <p14:creationId xmlns:p14="http://schemas.microsoft.com/office/powerpoint/2010/main" val="3143383556"/>
+        <p14:creationId xmlns:p14="http://schemas.microsoft.com/office/powerpoint/2010/main" val="3982405204"/>
       </p:ext>
     </p:extLst>
   </p:cSld>
   <p:clrMapOvr>
     <a:masterClrMapping/>
   </p:clrMapOvr>
-  <mc:AlternateContent xmlns:mc="http://schemas.openxmlformats.org/markup-compatibility/2006">
-    <mc:Choice xmlns:p14="http://schemas.microsoft.com/office/powerpoint/2010/main" Requires="p14">
+  <mc:AlternateContent xmlns:mc="http://schemas.openxmlformats.org/markup-compatibility/2006" xmlns:p14="http://schemas.microsoft.com/office/powerpoint/2010/main">
+    <mc:Choice Requires="p14">
       <p:transition p14:dur="0"/>
     </mc:Choice>
-    <mc:Fallback>
+    <mc:Fallback xmlns="">
       <p:transition/>
     </mc:Fallback>
   </mc:AlternateContent>
@@ -20332,7 +20556,7 @@
       </p:grpSpPr>
       <p:sp>
         <p:nvSpPr>
-          <p:cNvPr id="2" name="Title 1"/>
+          <p:cNvPr id="4" name="Title 3"/>
           <p:cNvSpPr>
             <a:spLocks noGrp="1"/>
           </p:cNvSpPr>
@@ -20355,267 +20579,38 @@
       </p:sp>
       <p:sp>
         <p:nvSpPr>
-          <p:cNvPr id="3" name="Content Placeholder 2"/>
+          <p:cNvPr id="5" name="Text Placeholder 4"/>
           <p:cNvSpPr>
             <a:spLocks noGrp="1"/>
           </p:cNvSpPr>
           <p:nvPr>
-            <p:ph idx="1"/>
+            <p:ph type="body" idx="1"/>
           </p:nvPr>
         </p:nvSpPr>
         <p:spPr/>
         <p:txBody>
-          <a:bodyPr>
-            <a:normAutofit/>
-          </a:bodyPr>
+          <a:bodyPr/>
           <a:lstStyle/>
           <a:p>
-            <a:r>
-              <a:rPr lang="en-US" dirty="0" err="1" smtClean="0"/>
-              <a:t>Adalah</a:t>
-            </a:r>
-            <a:r>
-              <a:rPr lang="en-US" dirty="0" smtClean="0"/>
-              <a:t> library yang </a:t>
-            </a:r>
-            <a:r>
-              <a:rPr lang="en-US" dirty="0" err="1" smtClean="0"/>
-              <a:t>digunakan</a:t>
-            </a:r>
-            <a:r>
-              <a:rPr lang="en-US" dirty="0" smtClean="0"/>
-              <a:t> </a:t>
-            </a:r>
-            <a:r>
-              <a:rPr lang="en-US" dirty="0" err="1" smtClean="0"/>
-              <a:t>oleh</a:t>
-            </a:r>
-            <a:r>
-              <a:rPr lang="en-US" dirty="0" smtClean="0"/>
-              <a:t> node.js </a:t>
-            </a:r>
-            <a:r>
-              <a:rPr lang="en-US" dirty="0" err="1" smtClean="0"/>
-              <a:t>untuk</a:t>
-            </a:r>
-            <a:r>
-              <a:rPr lang="en-US" dirty="0" smtClean="0"/>
-              <a:t> </a:t>
-            </a:r>
-            <a:r>
-              <a:rPr lang="en-US" dirty="0" err="1" smtClean="0"/>
-              <a:t>memungkinkan</a:t>
-            </a:r>
-            <a:r>
-              <a:rPr lang="en-US" dirty="0" smtClean="0"/>
-              <a:t> asynchronous I/O.</a:t>
-            </a:r>
-          </a:p>
-          <a:p>
-            <a:r>
-              <a:rPr lang="en-US" dirty="0" err="1" smtClean="0"/>
-              <a:t>Penyedia</a:t>
-            </a:r>
-            <a:r>
-              <a:rPr lang="en-US" dirty="0" smtClean="0"/>
-              <a:t> event-loop.</a:t>
-            </a:r>
-          </a:p>
-          <a:p>
-            <a:r>
-              <a:rPr lang="en-US" dirty="0" err="1" smtClean="0"/>
-              <a:t>Mendelegasikan</a:t>
-            </a:r>
-            <a:r>
-              <a:rPr lang="en-US" dirty="0" smtClean="0"/>
-              <a:t> </a:t>
-            </a:r>
-            <a:r>
-              <a:rPr lang="en-US" dirty="0" err="1" smtClean="0"/>
-              <a:t>sebanyak</a:t>
-            </a:r>
-            <a:r>
-              <a:rPr lang="en-US" dirty="0" smtClean="0"/>
-              <a:t> </a:t>
-            </a:r>
-            <a:r>
-              <a:rPr lang="en-US" dirty="0" err="1" smtClean="0"/>
-              <a:t>mungkin</a:t>
-            </a:r>
-            <a:r>
-              <a:rPr lang="en-US" dirty="0" smtClean="0"/>
-              <a:t> </a:t>
-            </a:r>
-            <a:r>
-              <a:rPr lang="en-US" dirty="0" err="1" smtClean="0"/>
-              <a:t>tugas</a:t>
-            </a:r>
-            <a:r>
-              <a:rPr lang="en-US" dirty="0" smtClean="0"/>
-              <a:t> I/O </a:t>
-            </a:r>
-            <a:r>
-              <a:rPr lang="en-US" dirty="0" err="1" smtClean="0"/>
-              <a:t>ke</a:t>
-            </a:r>
-            <a:r>
-              <a:rPr lang="en-US" dirty="0"/>
-              <a:t> </a:t>
-            </a:r>
-            <a:r>
-              <a:rPr lang="en-US" dirty="0" smtClean="0"/>
-              <a:t>operating-system.</a:t>
-            </a:r>
-          </a:p>
-          <a:p>
-            <a:r>
-              <a:rPr lang="en-US" dirty="0" err="1" smtClean="0"/>
-              <a:t>Khusus</a:t>
-            </a:r>
-            <a:r>
-              <a:rPr lang="en-US" dirty="0" smtClean="0"/>
-              <a:t> </a:t>
-            </a:r>
-            <a:r>
-              <a:rPr lang="en-US" dirty="0" err="1" smtClean="0"/>
-              <a:t>untuk</a:t>
-            </a:r>
-            <a:r>
-              <a:rPr lang="en-US" dirty="0" smtClean="0"/>
-              <a:t> file I/O </a:t>
-            </a:r>
-            <a:r>
-              <a:rPr lang="en-US" dirty="0" err="1" smtClean="0"/>
-              <a:t>tersedia</a:t>
-            </a:r>
-            <a:r>
-              <a:rPr lang="en-US" dirty="0" smtClean="0"/>
-              <a:t> thread pool </a:t>
-            </a:r>
-            <a:r>
-              <a:rPr lang="en-US" dirty="0" err="1" smtClean="0"/>
-              <a:t>sebanyak</a:t>
-            </a:r>
-            <a:r>
-              <a:rPr lang="en-US" dirty="0" smtClean="0"/>
-              <a:t> 4 thread. (</a:t>
-            </a:r>
-            <a:r>
-              <a:rPr lang="en-US" dirty="0" err="1" smtClean="0"/>
-              <a:t>secara</a:t>
-            </a:r>
-            <a:r>
-              <a:rPr lang="en-US" dirty="0" smtClean="0"/>
-              <a:t> default, </a:t>
-            </a:r>
-            <a:r>
-              <a:rPr lang="en-US" dirty="0" err="1" smtClean="0"/>
-              <a:t>bisa</a:t>
-            </a:r>
-            <a:r>
-              <a:rPr lang="en-US" dirty="0" smtClean="0"/>
-              <a:t> </a:t>
-            </a:r>
-            <a:r>
-              <a:rPr lang="en-US" dirty="0" err="1" smtClean="0"/>
-              <a:t>ditambah</a:t>
-            </a:r>
-            <a:r>
-              <a:rPr lang="en-US" dirty="0" smtClean="0"/>
-              <a:t>)</a:t>
-            </a:r>
-          </a:p>
-          <a:p>
-            <a:r>
-              <a:rPr lang="en-US" dirty="0"/>
-              <a:t>Network I/O </a:t>
-            </a:r>
-            <a:r>
-              <a:rPr lang="en-US" dirty="0" err="1"/>
-              <a:t>bersifat</a:t>
-            </a:r>
-            <a:r>
-              <a:rPr lang="en-US" dirty="0"/>
-              <a:t> </a:t>
-            </a:r>
-            <a:r>
-              <a:rPr lang="en-US" dirty="0" err="1"/>
-              <a:t>nonblocking</a:t>
-            </a:r>
-            <a:r>
-              <a:rPr lang="en-US" dirty="0"/>
-              <a:t>.</a:t>
-            </a:r>
-            <a:br>
-              <a:rPr lang="en-US" dirty="0"/>
-            </a:br>
-            <a:r>
-              <a:rPr lang="en-US" dirty="0"/>
-              <a:t>Windows </a:t>
-            </a:r>
-            <a:r>
-              <a:rPr lang="en-US" dirty="0" err="1"/>
-              <a:t>menggunakan</a:t>
-            </a:r>
-            <a:r>
-              <a:rPr lang="en-US" dirty="0"/>
-              <a:t> </a:t>
-            </a:r>
-            <a:r>
-              <a:rPr lang="en-US" b="1" dirty="0" smtClean="0"/>
-              <a:t>IOCP</a:t>
-            </a:r>
-            <a:r>
-              <a:rPr lang="en-US" dirty="0" smtClean="0"/>
-              <a:t>.</a:t>
-            </a:r>
-            <a:r>
-              <a:rPr lang="en-US" b="1" dirty="0" smtClean="0"/>
-              <a:t/>
-            </a:r>
-            <a:br>
-              <a:rPr lang="en-US" b="1" dirty="0" smtClean="0"/>
-            </a:br>
-            <a:r>
-              <a:rPr lang="en-US" sz="2000" dirty="0" smtClean="0">
-                <a:hlinkClick r:id="rId2"/>
-              </a:rPr>
-              <a:t>https</a:t>
-            </a:r>
-            <a:r>
-              <a:rPr lang="en-US" sz="2000" dirty="0">
-                <a:hlinkClick r:id="rId2"/>
-              </a:rPr>
-              <a:t>://msdn.microsoft.com/en-us/library/aa365198(VS.85).</a:t>
-            </a:r>
-            <a:r>
-              <a:rPr lang="en-US" sz="2000" dirty="0" smtClean="0">
-                <a:hlinkClick r:id="rId2"/>
-              </a:rPr>
-              <a:t>aspx</a:t>
-            </a:r>
-            <a:endParaRPr lang="en-US" sz="2000" dirty="0" smtClean="0"/>
-          </a:p>
-          <a:p>
-            <a:endParaRPr lang="en-US" dirty="0" smtClean="0"/>
+            <a:endParaRPr lang="en-US" dirty="0"/>
           </a:p>
         </p:txBody>
       </p:sp>
     </p:spTree>
     <p:extLst>
       <p:ext uri="{BB962C8B-B14F-4D97-AF65-F5344CB8AC3E}">
-        <p14:creationId xmlns:p14="http://schemas.microsoft.com/office/powerpoint/2010/main" val="69555039"/>
+        <p14:creationId xmlns:p14="http://schemas.microsoft.com/office/powerpoint/2010/main" val="3143383556"/>
       </p:ext>
     </p:extLst>
   </p:cSld>
   <p:clrMapOvr>
     <a:masterClrMapping/>
   </p:clrMapOvr>
-  <mc:AlternateContent xmlns:mc="http://schemas.openxmlformats.org/markup-compatibility/2006">
-    <mc:Choice xmlns:p14="http://schemas.microsoft.com/office/powerpoint/2010/main" Requires="p14">
+  <mc:AlternateContent xmlns:mc="http://schemas.openxmlformats.org/markup-compatibility/2006" xmlns:p14="http://schemas.microsoft.com/office/powerpoint/2010/main">
+    <mc:Choice Requires="p14">
       <p:transition p14:dur="0"/>
     </mc:Choice>
-    <mc:Fallback>
+    <mc:Fallback xmlns="">
       <p:transition/>
     </mc:Fallback>
   </mc:AlternateContent>
@@ -20662,8 +20657,8 @@
           <a:lstStyle/>
           <a:p>
             <a:r>
-              <a:rPr lang="en-US" b="1" dirty="0" smtClean="0"/>
-              <a:t>IOCP</a:t>
+              <a:rPr lang="en-US" b="1" dirty="0" err="1" smtClean="0"/>
+              <a:t>libuv</a:t>
             </a:r>
             <a:endParaRPr lang="en-US" b="1" dirty="0"/>
           </a:p>
@@ -20688,74 +20683,250 @@
           <a:p>
             <a:r>
               <a:rPr lang="en-US" dirty="0" err="1" smtClean="0"/>
-              <a:t>Definisi</a:t>
-            </a:r>
-            <a:r>
-              <a:rPr lang="en-US" dirty="0" smtClean="0"/>
-              <a:t> </a:t>
-            </a:r>
-            <a:r>
-              <a:rPr lang="en-US" dirty="0" err="1" smtClean="0"/>
-              <a:t>diambil</a:t>
-            </a:r>
-            <a:r>
-              <a:rPr lang="en-US" dirty="0" smtClean="0"/>
-              <a:t> </a:t>
-            </a:r>
-            <a:r>
-              <a:rPr lang="en-US" dirty="0" err="1" smtClean="0"/>
-              <a:t>dari</a:t>
-            </a:r>
-            <a:r>
-              <a:rPr lang="en-US" dirty="0" smtClean="0"/>
-              <a:t> website Microsoft:</a:t>
-            </a:r>
-            <a:endParaRPr lang="en-US" dirty="0"/>
-          </a:p>
-          <a:p>
-            <a:pPr lvl="1">
-              <a:lnSpc>
-                <a:spcPct val="200000"/>
-              </a:lnSpc>
-            </a:pPr>
-            <a:r>
-              <a:rPr lang="en-US" sz="2000" dirty="0" smtClean="0"/>
-              <a:t>When </a:t>
-            </a:r>
-            <a:r>
-              <a:rPr lang="en-US" sz="2000" dirty="0"/>
-              <a:t>a process creates an I/O completion port, the system creates an associated </a:t>
-            </a:r>
-            <a:r>
-              <a:rPr lang="en-US" sz="2000" b="1" dirty="0"/>
-              <a:t>queue object for requests</a:t>
-            </a:r>
-            <a:r>
-              <a:rPr lang="en-US" sz="2000" dirty="0"/>
-              <a:t> whose sole purpose is to service these requests</a:t>
-            </a:r>
-            <a:r>
-              <a:rPr lang="en-US" sz="2000" dirty="0" smtClean="0"/>
+              <a:t>Adalah</a:t>
+            </a:r>
+            <a:r>
+              <a:rPr lang="en-US" dirty="0" smtClean="0"/>
+              <a:t> library yang </a:t>
+            </a:r>
+            <a:r>
+              <a:rPr lang="en-US" dirty="0" err="1" smtClean="0"/>
+              <a:t>digunakan</a:t>
+            </a:r>
+            <a:r>
+              <a:rPr lang="en-US" dirty="0" smtClean="0"/>
+              <a:t> </a:t>
+            </a:r>
+            <a:r>
+              <a:rPr lang="en-US" dirty="0" err="1" smtClean="0"/>
+              <a:t>oleh</a:t>
+            </a:r>
+            <a:r>
+              <a:rPr lang="en-US" dirty="0" smtClean="0"/>
+              <a:t> node.js </a:t>
+            </a:r>
+            <a:r>
+              <a:rPr lang="en-US" dirty="0" err="1" smtClean="0"/>
+              <a:t>untuk</a:t>
+            </a:r>
+            <a:r>
+              <a:rPr lang="en-US" dirty="0" smtClean="0"/>
+              <a:t> </a:t>
+            </a:r>
+            <a:r>
+              <a:rPr lang="en-US" dirty="0" err="1" smtClean="0"/>
+              <a:t>memungkinkan</a:t>
+            </a:r>
+            <a:r>
+              <a:rPr lang="en-US" dirty="0" smtClean="0"/>
+              <a:t> asynchronous I/O.</a:t>
+            </a:r>
+          </a:p>
+          <a:p>
+            <a:r>
+              <a:rPr lang="en-US" dirty="0" err="1" smtClean="0"/>
+              <a:t>Penyedia</a:t>
+            </a:r>
+            <a:r>
+              <a:rPr lang="en-US" dirty="0" smtClean="0"/>
+              <a:t> event-loop.</a:t>
+            </a:r>
+          </a:p>
+          <a:p>
+            <a:r>
+              <a:rPr lang="en-US" dirty="0" err="1" smtClean="0"/>
+              <a:t>Mendelegasikan</a:t>
+            </a:r>
+            <a:r>
+              <a:rPr lang="en-US" dirty="0" smtClean="0"/>
+              <a:t> </a:t>
+            </a:r>
+            <a:r>
+              <a:rPr lang="en-US" dirty="0" err="1" smtClean="0"/>
+              <a:t>sebanyak</a:t>
+            </a:r>
+            <a:r>
+              <a:rPr lang="en-US" dirty="0" smtClean="0"/>
+              <a:t> </a:t>
+            </a:r>
+            <a:r>
+              <a:rPr lang="en-US" dirty="0" err="1" smtClean="0"/>
+              <a:t>mungkin</a:t>
+            </a:r>
+            <a:r>
+              <a:rPr lang="en-US" dirty="0" smtClean="0"/>
+              <a:t> </a:t>
+            </a:r>
+            <a:r>
+              <a:rPr lang="en-US" dirty="0" err="1" smtClean="0"/>
+              <a:t>tugas</a:t>
+            </a:r>
+            <a:r>
+              <a:rPr lang="en-US" dirty="0" smtClean="0"/>
+              <a:t> I/O </a:t>
+            </a:r>
+            <a:r>
+              <a:rPr lang="en-US" dirty="0" err="1" smtClean="0"/>
+              <a:t>ke</a:t>
+            </a:r>
+            <a:r>
+              <a:rPr lang="en-US" dirty="0"/>
+              <a:t> </a:t>
+            </a:r>
+            <a:r>
+              <a:rPr lang="en-US" dirty="0" smtClean="0"/>
+              <a:t>operating-system.</a:t>
+            </a:r>
+          </a:p>
+          <a:p>
+            <a:r>
+              <a:rPr lang="en-US" dirty="0" err="1" smtClean="0"/>
+              <a:t>Khusus</a:t>
+            </a:r>
+            <a:r>
+              <a:rPr lang="en-US" dirty="0" smtClean="0"/>
+              <a:t> </a:t>
+            </a:r>
+            <a:r>
+              <a:rPr lang="en-US" dirty="0" err="1" smtClean="0"/>
+              <a:t>untuk</a:t>
+            </a:r>
+            <a:r>
+              <a:rPr lang="en-US" dirty="0" smtClean="0"/>
+              <a:t> file I/O </a:t>
+            </a:r>
+            <a:r>
+              <a:rPr lang="en-US" dirty="0" err="1" smtClean="0"/>
+              <a:t>tersedia</a:t>
+            </a:r>
+            <a:r>
+              <a:rPr lang="en-US" dirty="0" smtClean="0"/>
+              <a:t> thread pool </a:t>
+            </a:r>
+            <a:r>
+              <a:rPr lang="en-US" dirty="0" err="1" smtClean="0"/>
+              <a:t>sebanyak</a:t>
+            </a:r>
+            <a:r>
+              <a:rPr lang="en-US" dirty="0" smtClean="0"/>
+              <a:t> 4 thread. (</a:t>
+            </a:r>
+            <a:r>
+              <a:rPr lang="en-US" dirty="0" err="1" smtClean="0"/>
+              <a:t>secara</a:t>
+            </a:r>
+            <a:r>
+              <a:rPr lang="en-US" dirty="0" smtClean="0"/>
+              <a:t> default, </a:t>
+            </a:r>
+            <a:r>
+              <a:rPr lang="en-US" dirty="0" err="1" smtClean="0"/>
+              <a:t>bisa</a:t>
+            </a:r>
+            <a:r>
+              <a:rPr lang="en-US" dirty="0" smtClean="0"/>
+              <a:t> </a:t>
+            </a:r>
+            <a:r>
+              <a:rPr lang="en-US" dirty="0" err="1" smtClean="0"/>
+              <a:t>ditambah</a:t>
+            </a:r>
+            <a:r>
+              <a:rPr lang="en-US" dirty="0" smtClean="0"/>
+              <a:t>)</a:t>
+            </a:r>
+          </a:p>
+          <a:p>
+            <a:r>
+              <a:rPr lang="en-US" dirty="0"/>
+              <a:t>Network I/O </a:t>
+            </a:r>
+            <a:r>
+              <a:rPr lang="en-US" dirty="0" err="1"/>
+              <a:t>bersifat</a:t>
+            </a:r>
+            <a:r>
+              <a:rPr lang="en-US" dirty="0"/>
+              <a:t> </a:t>
+            </a:r>
+            <a:r>
+              <a:rPr lang="en-US" dirty="0" err="1"/>
+              <a:t>nonblocking</a:t>
+            </a:r>
+            <a:r>
+              <a:rPr lang="en-US" dirty="0"/>
               <a:t>.</a:t>
             </a:r>
+            <a:br>
+              <a:rPr lang="en-US" dirty="0"/>
+            </a:br>
+            <a:r>
+              <a:rPr lang="en-US" dirty="0"/>
+              <a:t>Windows </a:t>
+            </a:r>
+            <a:r>
+              <a:rPr lang="en-US" dirty="0" err="1"/>
+              <a:t>menggunakan</a:t>
+            </a:r>
+            <a:r>
+              <a:rPr lang="en-US" dirty="0"/>
+              <a:t> </a:t>
+            </a:r>
+            <a:r>
+              <a:rPr lang="en-US" b="1" dirty="0" smtClean="0"/>
+              <a:t>IOCP</a:t>
+            </a:r>
+            <a:r>
+              <a:rPr lang="en-US" dirty="0" smtClean="0"/>
+              <a:t>.</a:t>
+            </a:r>
+            <a:r>
+              <a:rPr lang="en-US" b="1" dirty="0" smtClean="0"/>
+              <a:t/>
+            </a:r>
+            <a:br>
+              <a:rPr lang="en-US" b="1" dirty="0" smtClean="0"/>
+            </a:br>
+            <a:r>
+              <a:rPr lang="en-US" sz="2000" dirty="0" smtClean="0">
+                <a:hlinkClick r:id="rId2"/>
+              </a:rPr>
+              <a:t>https</a:t>
+            </a:r>
+            <a:r>
+              <a:rPr lang="en-US" sz="2000" dirty="0">
+                <a:hlinkClick r:id="rId2"/>
+              </a:rPr>
+              <a:t>://msdn.microsoft.com/en-us/library/aa365198(VS.85).</a:t>
+            </a:r>
+            <a:r>
+              <a:rPr lang="en-US" sz="2000" dirty="0" smtClean="0">
+                <a:hlinkClick r:id="rId2"/>
+              </a:rPr>
+              <a:t>aspx</a:t>
+            </a:r>
+            <a:endParaRPr lang="en-US" sz="2000" dirty="0" smtClean="0"/>
+          </a:p>
+          <a:p>
+            <a:endParaRPr lang="en-US" dirty="0" smtClean="0"/>
           </a:p>
         </p:txBody>
       </p:sp>
     </p:spTree>
     <p:extLst>
       <p:ext uri="{BB962C8B-B14F-4D97-AF65-F5344CB8AC3E}">
-        <p14:creationId xmlns:p14="http://schemas.microsoft.com/office/powerpoint/2010/main" val="1569539948"/>
+        <p14:creationId xmlns:p14="http://schemas.microsoft.com/office/powerpoint/2010/main" val="69555039"/>
       </p:ext>
     </p:extLst>
   </p:cSld>
   <p:clrMapOvr>
     <a:masterClrMapping/>
   </p:clrMapOvr>
-  <mc:AlternateContent xmlns:mc="http://schemas.openxmlformats.org/markup-compatibility/2006">
-    <mc:Choice xmlns:p14="http://schemas.microsoft.com/office/powerpoint/2010/main" Requires="p14">
+  <mc:AlternateContent xmlns:mc="http://schemas.openxmlformats.org/markup-compatibility/2006" xmlns:p14="http://schemas.microsoft.com/office/powerpoint/2010/main">
+    <mc:Choice Requires="p14">
       <p:transition p14:dur="0"/>
     </mc:Choice>
-    <mc:Fallback>
+    <mc:Fallback xmlns="">
       <p:transition/>
     </mc:Fallback>
   </mc:AlternateContent>
@@ -20788,7 +20959,7 @@
       </p:grpSpPr>
       <p:sp>
         <p:nvSpPr>
-          <p:cNvPr id="4" name="Title 3"/>
+          <p:cNvPr id="2" name="Title 1"/>
           <p:cNvSpPr>
             <a:spLocks noGrp="1"/>
           </p:cNvSpPr>
@@ -20803,7 +20974,7 @@
           <a:p>
             <a:r>
               <a:rPr lang="en-US" b="1" dirty="0" smtClean="0"/>
-              <a:t>Cluster</a:t>
+              <a:t>IOCP</a:t>
             </a:r>
             <a:endParaRPr lang="en-US" b="1" dirty="0"/>
           </a:p>
@@ -20811,27 +20982,80 @@
       </p:sp>
       <p:sp>
         <p:nvSpPr>
-          <p:cNvPr id="5" name="Text Placeholder 4"/>
+          <p:cNvPr id="3" name="Content Placeholder 2"/>
           <p:cNvSpPr>
             <a:spLocks noGrp="1"/>
           </p:cNvSpPr>
           <p:nvPr>
-            <p:ph type="body" idx="1"/>
+            <p:ph idx="1"/>
           </p:nvPr>
         </p:nvSpPr>
         <p:spPr/>
         <p:txBody>
-          <a:bodyPr/>
+          <a:bodyPr>
+            <a:normAutofit/>
+          </a:bodyPr>
           <a:lstStyle/>
           <a:p>
+            <a:r>
+              <a:rPr lang="en-US" dirty="0" err="1" smtClean="0"/>
+              <a:t>Definisi</a:t>
+            </a:r>
+            <a:r>
+              <a:rPr lang="en-US" dirty="0" smtClean="0"/>
+              <a:t> </a:t>
+            </a:r>
+            <a:r>
+              <a:rPr lang="en-US" dirty="0" err="1" smtClean="0"/>
+              <a:t>diambil</a:t>
+            </a:r>
+            <a:r>
+              <a:rPr lang="en-US" dirty="0" smtClean="0"/>
+              <a:t> </a:t>
+            </a:r>
+            <a:r>
+              <a:rPr lang="en-US" dirty="0" err="1" smtClean="0"/>
+              <a:t>dari</a:t>
+            </a:r>
+            <a:r>
+              <a:rPr lang="en-US" dirty="0" smtClean="0"/>
+              <a:t> website Microsoft:</a:t>
+            </a:r>
             <a:endParaRPr lang="en-US" dirty="0"/>
+          </a:p>
+          <a:p>
+            <a:pPr lvl="1">
+              <a:lnSpc>
+                <a:spcPct val="200000"/>
+              </a:lnSpc>
+            </a:pPr>
+            <a:r>
+              <a:rPr lang="en-US" sz="2000" dirty="0" smtClean="0"/>
+              <a:t>When </a:t>
+            </a:r>
+            <a:r>
+              <a:rPr lang="en-US" sz="2000" dirty="0"/>
+              <a:t>a process creates an I/O completion port, the system creates an associated </a:t>
+            </a:r>
+            <a:r>
+              <a:rPr lang="en-US" sz="2000" b="1" dirty="0"/>
+              <a:t>queue object for requests</a:t>
+            </a:r>
+            <a:r>
+              <a:rPr lang="en-US" sz="2000" dirty="0"/>
+              <a:t> whose sole purpose is to service these requests</a:t>
+            </a:r>
+            <a:r>
+              <a:rPr lang="en-US" sz="2000" dirty="0" smtClean="0"/>
+              <a:t>.</a:t>
+            </a:r>
           </a:p>
         </p:txBody>
       </p:sp>
     </p:spTree>
     <p:extLst>
       <p:ext uri="{BB962C8B-B14F-4D97-AF65-F5344CB8AC3E}">
-        <p14:creationId xmlns:p14="http://schemas.microsoft.com/office/powerpoint/2010/main" val="3773677215"/>
+        <p14:creationId xmlns:p14="http://schemas.microsoft.com/office/powerpoint/2010/main" val="1569539948"/>
       </p:ext>
     </p:extLst>
   </p:cSld>
@@ -20898,401 +21122,27 @@
       </p:sp>
       <p:sp>
         <p:nvSpPr>
-          <p:cNvPr id="5" name="Content Placeholder 4"/>
+          <p:cNvPr id="5" name="Text Placeholder 4"/>
           <p:cNvSpPr>
             <a:spLocks noGrp="1"/>
           </p:cNvSpPr>
           <p:nvPr>
-            <p:ph idx="1"/>
+            <p:ph type="body" idx="1"/>
           </p:nvPr>
         </p:nvSpPr>
         <p:spPr/>
         <p:txBody>
-          <a:bodyPr>
-            <a:normAutofit fontScale="77500" lnSpcReduction="20000"/>
-          </a:bodyPr>
+          <a:bodyPr/>
           <a:lstStyle/>
           <a:p>
-            <a:pPr>
-              <a:lnSpc>
-                <a:spcPct val="120000"/>
-              </a:lnSpc>
-            </a:pPr>
-            <a:r>
-              <a:rPr lang="en-US" dirty="0" err="1" smtClean="0"/>
-              <a:t>Tidak</a:t>
-            </a:r>
-            <a:r>
-              <a:rPr lang="en-US" dirty="0" smtClean="0"/>
-              <a:t> </a:t>
-            </a:r>
-            <a:r>
-              <a:rPr lang="en-US" dirty="0" err="1" smtClean="0"/>
-              <a:t>ada</a:t>
-            </a:r>
-            <a:r>
-              <a:rPr lang="en-US" dirty="0" smtClean="0"/>
-              <a:t> </a:t>
-            </a:r>
-            <a:r>
-              <a:rPr lang="en-US" dirty="0" err="1" smtClean="0"/>
-              <a:t>sistem</a:t>
-            </a:r>
-            <a:r>
-              <a:rPr lang="en-US" dirty="0" smtClean="0"/>
-              <a:t> thread </a:t>
-            </a:r>
-            <a:r>
-              <a:rPr lang="en-US" dirty="0" err="1" smtClean="0"/>
-              <a:t>pada</a:t>
-            </a:r>
-            <a:r>
-              <a:rPr lang="en-US" dirty="0" smtClean="0"/>
-              <a:t> node.js, </a:t>
-            </a:r>
-            <a:r>
-              <a:rPr lang="en-US" dirty="0" err="1" smtClean="0"/>
-              <a:t>hanya</a:t>
-            </a:r>
-            <a:r>
-              <a:rPr lang="en-US" dirty="0" smtClean="0"/>
-              <a:t> </a:t>
-            </a:r>
-            <a:r>
-              <a:rPr lang="en-US" b="1" i="1" dirty="0" err="1" smtClean="0"/>
-              <a:t>child_process</a:t>
-            </a:r>
-            <a:r>
-              <a:rPr lang="en-US" dirty="0" smtClean="0"/>
-              <a:t>.</a:t>
-            </a:r>
-          </a:p>
-          <a:p>
-            <a:pPr>
-              <a:lnSpc>
-                <a:spcPct val="120000"/>
-              </a:lnSpc>
-            </a:pPr>
-            <a:r>
-              <a:rPr lang="en-US" dirty="0" smtClean="0"/>
-              <a:t>Cluster </a:t>
-            </a:r>
-            <a:r>
-              <a:rPr lang="en-US" dirty="0" err="1" smtClean="0"/>
-              <a:t>adalah</a:t>
-            </a:r>
-            <a:r>
-              <a:rPr lang="en-US" dirty="0" smtClean="0"/>
-              <a:t> </a:t>
-            </a:r>
-            <a:r>
-              <a:rPr lang="en-US" dirty="0" err="1" smtClean="0"/>
-              <a:t>modul</a:t>
-            </a:r>
-            <a:r>
-              <a:rPr lang="en-US" dirty="0" smtClean="0"/>
-              <a:t> </a:t>
-            </a:r>
-            <a:r>
-              <a:rPr lang="en-US" dirty="0" err="1" smtClean="0"/>
-              <a:t>pada</a:t>
-            </a:r>
-            <a:r>
-              <a:rPr lang="en-US" dirty="0" smtClean="0"/>
-              <a:t> node.js yang </a:t>
-            </a:r>
-            <a:r>
-              <a:rPr lang="en-US" dirty="0" err="1" smtClean="0"/>
-              <a:t>membantu</a:t>
-            </a:r>
-            <a:r>
-              <a:rPr lang="en-US" dirty="0" smtClean="0"/>
-              <a:t> </a:t>
-            </a:r>
-            <a:r>
-              <a:rPr lang="en-US" dirty="0" err="1" smtClean="0"/>
-              <a:t>penggunaan</a:t>
-            </a:r>
-            <a:r>
-              <a:rPr lang="en-US" dirty="0" smtClean="0"/>
-              <a:t> </a:t>
-            </a:r>
-            <a:r>
-              <a:rPr lang="en-US" dirty="0" err="1" smtClean="0"/>
-              <a:t>child_process</a:t>
-            </a:r>
-            <a:r>
-              <a:rPr lang="en-US" dirty="0" smtClean="0"/>
-              <a:t> </a:t>
-            </a:r>
-            <a:r>
-              <a:rPr lang="en-US" dirty="0" err="1" smtClean="0"/>
-              <a:t>dan</a:t>
-            </a:r>
-            <a:r>
-              <a:rPr lang="en-US" dirty="0" smtClean="0"/>
-              <a:t> </a:t>
-            </a:r>
-            <a:r>
-              <a:rPr lang="en-US" dirty="0" err="1" smtClean="0"/>
-              <a:t>melakukan</a:t>
-            </a:r>
-            <a:r>
-              <a:rPr lang="en-US" dirty="0" smtClean="0"/>
-              <a:t> </a:t>
-            </a:r>
-            <a:r>
-              <a:rPr lang="en-US" b="1" i="1" dirty="0" smtClean="0"/>
-              <a:t>load balancing</a:t>
-            </a:r>
-            <a:r>
-              <a:rPr lang="en-US" dirty="0" smtClean="0"/>
-              <a:t>.</a:t>
-            </a:r>
-          </a:p>
-          <a:p>
-            <a:pPr>
-              <a:lnSpc>
-                <a:spcPct val="120000"/>
-              </a:lnSpc>
-            </a:pPr>
-            <a:endParaRPr lang="en-US" dirty="0" smtClean="0"/>
-          </a:p>
-          <a:p>
-            <a:pPr>
-              <a:lnSpc>
-                <a:spcPct val="120000"/>
-              </a:lnSpc>
-            </a:pPr>
-            <a:r>
-              <a:rPr lang="en-US" dirty="0" smtClean="0"/>
-              <a:t>Beda </a:t>
-            </a:r>
-            <a:r>
-              <a:rPr lang="en-US" dirty="0" err="1" smtClean="0"/>
-              <a:t>child_process</a:t>
-            </a:r>
-            <a:r>
-              <a:rPr lang="en-US" dirty="0" smtClean="0"/>
-              <a:t> </a:t>
-            </a:r>
-            <a:r>
-              <a:rPr lang="en-US" dirty="0" err="1" smtClean="0"/>
-              <a:t>dengan</a:t>
-            </a:r>
-            <a:r>
-              <a:rPr lang="en-US" dirty="0" smtClean="0"/>
-              <a:t> thread </a:t>
-            </a:r>
-            <a:r>
-              <a:rPr lang="en-US" dirty="0" err="1" smtClean="0"/>
-              <a:t>pada</a:t>
-            </a:r>
-            <a:r>
-              <a:rPr lang="en-US" dirty="0" smtClean="0"/>
-              <a:t> </a:t>
-            </a:r>
-            <a:r>
-              <a:rPr lang="en-US" dirty="0" err="1" smtClean="0"/>
-              <a:t>umumnya</a:t>
-            </a:r>
-            <a:r>
-              <a:rPr lang="en-US" dirty="0" smtClean="0"/>
-              <a:t>:</a:t>
-            </a:r>
-          </a:p>
-          <a:p>
-            <a:pPr lvl="1">
-              <a:lnSpc>
-                <a:spcPct val="120000"/>
-              </a:lnSpc>
-            </a:pPr>
-            <a:r>
-              <a:rPr lang="en-US" dirty="0" smtClean="0"/>
-              <a:t>Child process </a:t>
-            </a:r>
-            <a:r>
-              <a:rPr lang="en-US" dirty="0" err="1" smtClean="0"/>
-              <a:t>adalah</a:t>
-            </a:r>
-            <a:r>
-              <a:rPr lang="en-US" dirty="0" smtClean="0"/>
-              <a:t> </a:t>
-            </a:r>
-            <a:r>
-              <a:rPr lang="en-US" dirty="0" err="1" smtClean="0"/>
-              <a:t>duplikasi</a:t>
-            </a:r>
-            <a:r>
-              <a:rPr lang="en-US" dirty="0" smtClean="0"/>
-              <a:t> 1:1 </a:t>
-            </a:r>
-            <a:r>
-              <a:rPr lang="en-US" dirty="0" err="1" smtClean="0"/>
-              <a:t>dari</a:t>
-            </a:r>
-            <a:r>
-              <a:rPr lang="en-US" dirty="0" smtClean="0"/>
-              <a:t> master process.</a:t>
-            </a:r>
-          </a:p>
-          <a:p>
-            <a:pPr lvl="1">
-              <a:lnSpc>
-                <a:spcPct val="120000"/>
-              </a:lnSpc>
-            </a:pPr>
-            <a:r>
-              <a:rPr lang="en-US" dirty="0" err="1" smtClean="0"/>
-              <a:t>Tidak</a:t>
-            </a:r>
-            <a:r>
-              <a:rPr lang="en-US" dirty="0" smtClean="0"/>
-              <a:t> </a:t>
-            </a:r>
-            <a:r>
-              <a:rPr lang="en-US" dirty="0" err="1" smtClean="0"/>
-              <a:t>dapat</a:t>
-            </a:r>
-            <a:r>
-              <a:rPr lang="en-US" dirty="0" smtClean="0"/>
-              <a:t> </a:t>
-            </a:r>
-            <a:r>
-              <a:rPr lang="en-US" dirty="0" err="1" smtClean="0"/>
-              <a:t>melakukan</a:t>
-            </a:r>
-            <a:r>
-              <a:rPr lang="en-US" dirty="0" smtClean="0"/>
-              <a:t> memory sharing.</a:t>
-            </a:r>
-          </a:p>
-          <a:p>
-            <a:pPr lvl="2">
-              <a:lnSpc>
-                <a:spcPct val="120000"/>
-              </a:lnSpc>
-            </a:pPr>
-            <a:r>
-              <a:rPr lang="en-US" dirty="0" smtClean="0"/>
-              <a:t>Beda proses </a:t>
-            </a:r>
-            <a:r>
-              <a:rPr lang="en-US" dirty="0" smtClean="0">
-                <a:sym typeface="Wingdings" panose="05000000000000000000" pitchFamily="2" charset="2"/>
-              </a:rPr>
-              <a:t> </a:t>
-            </a:r>
-            <a:r>
-              <a:rPr lang="en-US" dirty="0" err="1" smtClean="0">
-                <a:sym typeface="Wingdings" panose="05000000000000000000" pitchFamily="2" charset="2"/>
-              </a:rPr>
-              <a:t>beda</a:t>
-            </a:r>
-            <a:r>
-              <a:rPr lang="en-US" dirty="0" smtClean="0">
-                <a:sym typeface="Wingdings" panose="05000000000000000000" pitchFamily="2" charset="2"/>
-              </a:rPr>
-              <a:t> address space</a:t>
-            </a:r>
-            <a:endParaRPr lang="en-US" dirty="0" smtClean="0"/>
-          </a:p>
-          <a:p>
-            <a:pPr lvl="1">
-              <a:lnSpc>
-                <a:spcPct val="120000"/>
-              </a:lnSpc>
-            </a:pPr>
-            <a:r>
-              <a:rPr lang="en-US" dirty="0" err="1" smtClean="0"/>
-              <a:t>Hanya</a:t>
-            </a:r>
-            <a:r>
-              <a:rPr lang="en-US" dirty="0" smtClean="0"/>
-              <a:t> </a:t>
-            </a:r>
-            <a:r>
-              <a:rPr lang="en-US" dirty="0" err="1" smtClean="0"/>
-              <a:t>dapat</a:t>
-            </a:r>
-            <a:r>
-              <a:rPr lang="en-US" dirty="0" smtClean="0"/>
-              <a:t> </a:t>
-            </a:r>
-            <a:r>
-              <a:rPr lang="en-US" dirty="0" err="1" smtClean="0"/>
-              <a:t>melakukan</a:t>
-            </a:r>
-            <a:r>
-              <a:rPr lang="en-US" dirty="0" smtClean="0"/>
-              <a:t> inter-process messaging.</a:t>
-            </a:r>
-          </a:p>
-          <a:p>
-            <a:pPr lvl="1">
-              <a:lnSpc>
-                <a:spcPct val="120000"/>
-              </a:lnSpc>
-            </a:pPr>
-            <a:r>
-              <a:rPr lang="en-GB" dirty="0" smtClean="0"/>
-              <a:t>Inter-process messaging </a:t>
-            </a:r>
-            <a:r>
-              <a:rPr lang="en-GB" dirty="0" err="1" smtClean="0"/>
-              <a:t>tidak</a:t>
-            </a:r>
-            <a:r>
-              <a:rPr lang="en-GB" dirty="0" smtClean="0"/>
-              <a:t> </a:t>
-            </a:r>
-            <a:r>
-              <a:rPr lang="en-GB" dirty="0" err="1" smtClean="0"/>
-              <a:t>bisa</a:t>
-            </a:r>
-            <a:r>
-              <a:rPr lang="en-GB" dirty="0" smtClean="0"/>
-              <a:t> </a:t>
-            </a:r>
-            <a:r>
-              <a:rPr lang="en-GB" dirty="0" err="1" smtClean="0"/>
-              <a:t>melakukan</a:t>
-            </a:r>
-            <a:r>
-              <a:rPr lang="en-GB" dirty="0" smtClean="0"/>
-              <a:t> pass-by-reference. </a:t>
-            </a:r>
-            <a:r>
-              <a:rPr lang="en-GB" dirty="0" err="1" smtClean="0"/>
-              <a:t>Semua</a:t>
-            </a:r>
-            <a:r>
-              <a:rPr lang="en-GB" dirty="0" smtClean="0"/>
-              <a:t> message </a:t>
-            </a:r>
-            <a:r>
-              <a:rPr lang="en-GB" dirty="0" err="1" smtClean="0"/>
-              <a:t>melalui</a:t>
-            </a:r>
-            <a:r>
-              <a:rPr lang="en-GB" dirty="0" smtClean="0"/>
-              <a:t> </a:t>
-            </a:r>
-            <a:r>
-              <a:rPr lang="en-GB" dirty="0" err="1" smtClean="0"/>
-              <a:t>JSON.stringify</a:t>
-            </a:r>
-            <a:r>
-              <a:rPr lang="en-GB" dirty="0" smtClean="0"/>
-              <a:t>.</a:t>
-            </a:r>
+            <a:endParaRPr lang="en-US" dirty="0"/>
           </a:p>
         </p:txBody>
       </p:sp>
     </p:spTree>
     <p:extLst>
       <p:ext uri="{BB962C8B-B14F-4D97-AF65-F5344CB8AC3E}">
-        <p14:creationId xmlns:p14="http://schemas.microsoft.com/office/powerpoint/2010/main" val="599913648"/>
+        <p14:creationId xmlns:p14="http://schemas.microsoft.com/office/powerpoint/2010/main" val="3773677215"/>
       </p:ext>
     </p:extLst>
   </p:cSld>
@@ -21547,6 +21397,467 @@
 </file>
 
 <file path=ppt/slides/slide50.xml><?xml version="1.0" encoding="utf-8"?>
+<p:sld xmlns:a="http://schemas.openxmlformats.org/drawingml/2006/main" xmlns:r="http://schemas.openxmlformats.org/officeDocument/2006/relationships" xmlns:p="http://schemas.openxmlformats.org/presentationml/2006/main">
+  <p:cSld>
+    <p:spTree>
+      <p:nvGrpSpPr>
+        <p:cNvPr id="1" name=""/>
+        <p:cNvGrpSpPr/>
+        <p:nvPr/>
+      </p:nvGrpSpPr>
+      <p:grpSpPr>
+        <a:xfrm>
+          <a:off x="0" y="0"/>
+          <a:ext cx="0" cy="0"/>
+          <a:chOff x="0" y="0"/>
+          <a:chExt cx="0" cy="0"/>
+        </a:xfrm>
+      </p:grpSpPr>
+      <p:sp>
+        <p:nvSpPr>
+          <p:cNvPr id="4" name="Title 3"/>
+          <p:cNvSpPr>
+            <a:spLocks noGrp="1"/>
+          </p:cNvSpPr>
+          <p:nvPr>
+            <p:ph type="title"/>
+          </p:nvPr>
+        </p:nvSpPr>
+        <p:spPr/>
+        <p:txBody>
+          <a:bodyPr/>
+          <a:lstStyle/>
+          <a:p>
+            <a:r>
+              <a:rPr lang="en-US" b="1" dirty="0" smtClean="0"/>
+              <a:t>Cluster</a:t>
+            </a:r>
+            <a:endParaRPr lang="en-US" b="1" dirty="0"/>
+          </a:p>
+        </p:txBody>
+      </p:sp>
+      <p:sp>
+        <p:nvSpPr>
+          <p:cNvPr id="5" name="Content Placeholder 4"/>
+          <p:cNvSpPr>
+            <a:spLocks noGrp="1"/>
+          </p:cNvSpPr>
+          <p:nvPr>
+            <p:ph idx="1"/>
+          </p:nvPr>
+        </p:nvSpPr>
+        <p:spPr/>
+        <p:txBody>
+          <a:bodyPr>
+            <a:normAutofit fontScale="77500" lnSpcReduction="20000"/>
+          </a:bodyPr>
+          <a:lstStyle/>
+          <a:p>
+            <a:pPr>
+              <a:lnSpc>
+                <a:spcPct val="120000"/>
+              </a:lnSpc>
+            </a:pPr>
+            <a:r>
+              <a:rPr lang="en-US" dirty="0" err="1" smtClean="0"/>
+              <a:t>Tidak</a:t>
+            </a:r>
+            <a:r>
+              <a:rPr lang="en-US" dirty="0" smtClean="0"/>
+              <a:t> </a:t>
+            </a:r>
+            <a:r>
+              <a:rPr lang="en-US" dirty="0" err="1" smtClean="0"/>
+              <a:t>ada</a:t>
+            </a:r>
+            <a:r>
+              <a:rPr lang="en-US" dirty="0" smtClean="0"/>
+              <a:t> </a:t>
+            </a:r>
+            <a:r>
+              <a:rPr lang="en-US" dirty="0" err="1" smtClean="0"/>
+              <a:t>sistem</a:t>
+            </a:r>
+            <a:r>
+              <a:rPr lang="en-US" dirty="0" smtClean="0"/>
+              <a:t> thread </a:t>
+            </a:r>
+            <a:r>
+              <a:rPr lang="en-US" dirty="0" err="1" smtClean="0"/>
+              <a:t>pada</a:t>
+            </a:r>
+            <a:r>
+              <a:rPr lang="en-US" dirty="0" smtClean="0"/>
+              <a:t> node.js, </a:t>
+            </a:r>
+            <a:r>
+              <a:rPr lang="en-US" dirty="0" err="1" smtClean="0"/>
+              <a:t>hanya</a:t>
+            </a:r>
+            <a:r>
+              <a:rPr lang="en-US" dirty="0" smtClean="0"/>
+              <a:t> </a:t>
+            </a:r>
+            <a:r>
+              <a:rPr lang="en-US" b="1" i="1" dirty="0" err="1" smtClean="0"/>
+              <a:t>child_process</a:t>
+            </a:r>
+            <a:r>
+              <a:rPr lang="en-US" dirty="0" smtClean="0"/>
+              <a:t>.</a:t>
+            </a:r>
+          </a:p>
+          <a:p>
+            <a:pPr>
+              <a:lnSpc>
+                <a:spcPct val="120000"/>
+              </a:lnSpc>
+            </a:pPr>
+            <a:r>
+              <a:rPr lang="en-US" dirty="0" smtClean="0"/>
+              <a:t>Cluster </a:t>
+            </a:r>
+            <a:r>
+              <a:rPr lang="en-US" dirty="0" err="1" smtClean="0"/>
+              <a:t>adalah</a:t>
+            </a:r>
+            <a:r>
+              <a:rPr lang="en-US" dirty="0" smtClean="0"/>
+              <a:t> </a:t>
+            </a:r>
+            <a:r>
+              <a:rPr lang="en-US" dirty="0" err="1" smtClean="0"/>
+              <a:t>modul</a:t>
+            </a:r>
+            <a:r>
+              <a:rPr lang="en-US" dirty="0" smtClean="0"/>
+              <a:t> </a:t>
+            </a:r>
+            <a:r>
+              <a:rPr lang="en-US" dirty="0" err="1" smtClean="0"/>
+              <a:t>pada</a:t>
+            </a:r>
+            <a:r>
+              <a:rPr lang="en-US" dirty="0" smtClean="0"/>
+              <a:t> node.js yang </a:t>
+            </a:r>
+            <a:r>
+              <a:rPr lang="en-US" dirty="0" err="1" smtClean="0"/>
+              <a:t>membantu</a:t>
+            </a:r>
+            <a:r>
+              <a:rPr lang="en-US" dirty="0" smtClean="0"/>
+              <a:t> </a:t>
+            </a:r>
+            <a:r>
+              <a:rPr lang="en-US" dirty="0" err="1" smtClean="0"/>
+              <a:t>penggunaan</a:t>
+            </a:r>
+            <a:r>
+              <a:rPr lang="en-US" dirty="0" smtClean="0"/>
+              <a:t> </a:t>
+            </a:r>
+            <a:r>
+              <a:rPr lang="en-US" dirty="0" err="1" smtClean="0"/>
+              <a:t>child_process</a:t>
+            </a:r>
+            <a:r>
+              <a:rPr lang="en-US" dirty="0" smtClean="0"/>
+              <a:t> </a:t>
+            </a:r>
+            <a:r>
+              <a:rPr lang="en-US" dirty="0" err="1" smtClean="0"/>
+              <a:t>dan</a:t>
+            </a:r>
+            <a:r>
+              <a:rPr lang="en-US" dirty="0" smtClean="0"/>
+              <a:t> </a:t>
+            </a:r>
+            <a:r>
+              <a:rPr lang="en-US" dirty="0" err="1" smtClean="0"/>
+              <a:t>melakukan</a:t>
+            </a:r>
+            <a:r>
+              <a:rPr lang="en-US" dirty="0" smtClean="0"/>
+              <a:t> </a:t>
+            </a:r>
+            <a:r>
+              <a:rPr lang="en-US" b="1" i="1" dirty="0" smtClean="0"/>
+              <a:t>load balancing</a:t>
+            </a:r>
+            <a:r>
+              <a:rPr lang="en-US" dirty="0" smtClean="0"/>
+              <a:t>.</a:t>
+            </a:r>
+          </a:p>
+          <a:p>
+            <a:pPr>
+              <a:lnSpc>
+                <a:spcPct val="120000"/>
+              </a:lnSpc>
+            </a:pPr>
+            <a:endParaRPr lang="en-US" dirty="0" smtClean="0"/>
+          </a:p>
+          <a:p>
+            <a:pPr>
+              <a:lnSpc>
+                <a:spcPct val="120000"/>
+              </a:lnSpc>
+            </a:pPr>
+            <a:r>
+              <a:rPr lang="en-US" dirty="0" smtClean="0"/>
+              <a:t>Beda </a:t>
+            </a:r>
+            <a:r>
+              <a:rPr lang="en-US" dirty="0" err="1" smtClean="0"/>
+              <a:t>child_process</a:t>
+            </a:r>
+            <a:r>
+              <a:rPr lang="en-US" dirty="0" smtClean="0"/>
+              <a:t> </a:t>
+            </a:r>
+            <a:r>
+              <a:rPr lang="en-US" dirty="0" err="1" smtClean="0"/>
+              <a:t>dengan</a:t>
+            </a:r>
+            <a:r>
+              <a:rPr lang="en-US" dirty="0" smtClean="0"/>
+              <a:t> thread </a:t>
+            </a:r>
+            <a:r>
+              <a:rPr lang="en-US" dirty="0" err="1" smtClean="0"/>
+              <a:t>pada</a:t>
+            </a:r>
+            <a:r>
+              <a:rPr lang="en-US" dirty="0" smtClean="0"/>
+              <a:t> </a:t>
+            </a:r>
+            <a:r>
+              <a:rPr lang="en-US" dirty="0" err="1" smtClean="0"/>
+              <a:t>umumnya</a:t>
+            </a:r>
+            <a:r>
+              <a:rPr lang="en-US" dirty="0" smtClean="0"/>
+              <a:t>:</a:t>
+            </a:r>
+          </a:p>
+          <a:p>
+            <a:pPr lvl="1">
+              <a:lnSpc>
+                <a:spcPct val="120000"/>
+              </a:lnSpc>
+            </a:pPr>
+            <a:r>
+              <a:rPr lang="en-US" dirty="0" smtClean="0"/>
+              <a:t>Child process </a:t>
+            </a:r>
+            <a:r>
+              <a:rPr lang="en-US" dirty="0" err="1" smtClean="0"/>
+              <a:t>adalah</a:t>
+            </a:r>
+            <a:r>
+              <a:rPr lang="en-US" dirty="0" smtClean="0"/>
+              <a:t> </a:t>
+            </a:r>
+            <a:r>
+              <a:rPr lang="en-US" dirty="0" err="1" smtClean="0"/>
+              <a:t>duplikasi</a:t>
+            </a:r>
+            <a:r>
+              <a:rPr lang="en-US" dirty="0" smtClean="0"/>
+              <a:t> 1:1 </a:t>
+            </a:r>
+            <a:r>
+              <a:rPr lang="en-US" dirty="0" err="1" smtClean="0"/>
+              <a:t>dari</a:t>
+            </a:r>
+            <a:r>
+              <a:rPr lang="en-US" dirty="0" smtClean="0"/>
+              <a:t> master process.</a:t>
+            </a:r>
+          </a:p>
+          <a:p>
+            <a:pPr lvl="1">
+              <a:lnSpc>
+                <a:spcPct val="120000"/>
+              </a:lnSpc>
+            </a:pPr>
+            <a:r>
+              <a:rPr lang="en-US" dirty="0" err="1" smtClean="0"/>
+              <a:t>Tidak</a:t>
+            </a:r>
+            <a:r>
+              <a:rPr lang="en-US" dirty="0" smtClean="0"/>
+              <a:t> </a:t>
+            </a:r>
+            <a:r>
+              <a:rPr lang="en-US" dirty="0" err="1" smtClean="0"/>
+              <a:t>dapat</a:t>
+            </a:r>
+            <a:r>
+              <a:rPr lang="en-US" dirty="0" smtClean="0"/>
+              <a:t> </a:t>
+            </a:r>
+            <a:r>
+              <a:rPr lang="en-US" dirty="0" err="1" smtClean="0"/>
+              <a:t>melakukan</a:t>
+            </a:r>
+            <a:r>
+              <a:rPr lang="en-US" dirty="0" smtClean="0"/>
+              <a:t> memory sharing.</a:t>
+            </a:r>
+          </a:p>
+          <a:p>
+            <a:pPr lvl="2">
+              <a:lnSpc>
+                <a:spcPct val="120000"/>
+              </a:lnSpc>
+            </a:pPr>
+            <a:r>
+              <a:rPr lang="en-US" dirty="0" smtClean="0"/>
+              <a:t>Beda proses </a:t>
+            </a:r>
+            <a:r>
+              <a:rPr lang="en-US" dirty="0" smtClean="0">
+                <a:sym typeface="Wingdings" panose="05000000000000000000" pitchFamily="2" charset="2"/>
+              </a:rPr>
+              <a:t> </a:t>
+            </a:r>
+            <a:r>
+              <a:rPr lang="en-US" dirty="0" err="1" smtClean="0">
+                <a:sym typeface="Wingdings" panose="05000000000000000000" pitchFamily="2" charset="2"/>
+              </a:rPr>
+              <a:t>beda</a:t>
+            </a:r>
+            <a:r>
+              <a:rPr lang="en-US" dirty="0" smtClean="0">
+                <a:sym typeface="Wingdings" panose="05000000000000000000" pitchFamily="2" charset="2"/>
+              </a:rPr>
+              <a:t> address space</a:t>
+            </a:r>
+            <a:endParaRPr lang="en-US" dirty="0" smtClean="0"/>
+          </a:p>
+          <a:p>
+            <a:pPr lvl="1">
+              <a:lnSpc>
+                <a:spcPct val="120000"/>
+              </a:lnSpc>
+            </a:pPr>
+            <a:r>
+              <a:rPr lang="en-US" dirty="0" err="1" smtClean="0"/>
+              <a:t>Hanya</a:t>
+            </a:r>
+            <a:r>
+              <a:rPr lang="en-US" dirty="0" smtClean="0"/>
+              <a:t> </a:t>
+            </a:r>
+            <a:r>
+              <a:rPr lang="en-US" dirty="0" err="1" smtClean="0"/>
+              <a:t>dapat</a:t>
+            </a:r>
+            <a:r>
+              <a:rPr lang="en-US" dirty="0" smtClean="0"/>
+              <a:t> </a:t>
+            </a:r>
+            <a:r>
+              <a:rPr lang="en-US" dirty="0" err="1" smtClean="0"/>
+              <a:t>melakukan</a:t>
+            </a:r>
+            <a:r>
+              <a:rPr lang="en-US" dirty="0" smtClean="0"/>
+              <a:t> inter-process messaging.</a:t>
+            </a:r>
+          </a:p>
+          <a:p>
+            <a:pPr lvl="1">
+              <a:lnSpc>
+                <a:spcPct val="120000"/>
+              </a:lnSpc>
+            </a:pPr>
+            <a:r>
+              <a:rPr lang="en-GB" dirty="0" smtClean="0"/>
+              <a:t>Inter-process messaging </a:t>
+            </a:r>
+            <a:r>
+              <a:rPr lang="en-GB" dirty="0" err="1" smtClean="0"/>
+              <a:t>tidak</a:t>
+            </a:r>
+            <a:r>
+              <a:rPr lang="en-GB" dirty="0" smtClean="0"/>
+              <a:t> </a:t>
+            </a:r>
+            <a:r>
+              <a:rPr lang="en-GB" dirty="0" err="1" smtClean="0"/>
+              <a:t>bisa</a:t>
+            </a:r>
+            <a:r>
+              <a:rPr lang="en-GB" dirty="0" smtClean="0"/>
+              <a:t> </a:t>
+            </a:r>
+            <a:r>
+              <a:rPr lang="en-GB" dirty="0" err="1" smtClean="0"/>
+              <a:t>melakukan</a:t>
+            </a:r>
+            <a:r>
+              <a:rPr lang="en-GB" dirty="0" smtClean="0"/>
+              <a:t> pass-by-reference. </a:t>
+            </a:r>
+            <a:r>
+              <a:rPr lang="en-GB" dirty="0" err="1" smtClean="0"/>
+              <a:t>Semua</a:t>
+            </a:r>
+            <a:r>
+              <a:rPr lang="en-GB" dirty="0" smtClean="0"/>
+              <a:t> message </a:t>
+            </a:r>
+            <a:r>
+              <a:rPr lang="en-GB" dirty="0" err="1" smtClean="0"/>
+              <a:t>melalui</a:t>
+            </a:r>
+            <a:r>
+              <a:rPr lang="en-GB" dirty="0" smtClean="0"/>
+              <a:t> </a:t>
+            </a:r>
+            <a:r>
+              <a:rPr lang="en-GB" dirty="0" err="1" smtClean="0"/>
+              <a:t>JSON.stringify</a:t>
+            </a:r>
+            <a:r>
+              <a:rPr lang="en-GB" dirty="0" smtClean="0"/>
+              <a:t>.</a:t>
+            </a:r>
+          </a:p>
+        </p:txBody>
+      </p:sp>
+    </p:spTree>
+    <p:extLst>
+      <p:ext uri="{BB962C8B-B14F-4D97-AF65-F5344CB8AC3E}">
+        <p14:creationId xmlns:p14="http://schemas.microsoft.com/office/powerpoint/2010/main" val="599913648"/>
+      </p:ext>
+    </p:extLst>
+  </p:cSld>
+  <p:clrMapOvr>
+    <a:masterClrMapping/>
+  </p:clrMapOvr>
+  <mc:AlternateContent xmlns:mc="http://schemas.openxmlformats.org/markup-compatibility/2006" xmlns:p14="http://schemas.microsoft.com/office/powerpoint/2010/main">
+    <mc:Choice Requires="p14">
+      <p:transition p14:dur="0"/>
+    </mc:Choice>
+    <mc:Fallback xmlns="">
+      <p:transition/>
+    </mc:Fallback>
+  </mc:AlternateContent>
+  <p:timing>
+    <p:tnLst>
+      <p:par>
+        <p:cTn id="1" dur="indefinite" restart="never" nodeType="tmRoot"/>
+      </p:par>
+    </p:tnLst>
+  </p:timing>
+</p:sld>
+</file>
+
+<file path=ppt/slides/slide51.xml><?xml version="1.0" encoding="utf-8"?>
 <p:sld xmlns:a="http://schemas.openxmlformats.org/drawingml/2006/main" xmlns:r="http://schemas.openxmlformats.org/officeDocument/2006/relationships" xmlns:p="http://schemas.openxmlformats.org/presentationml/2006/main">
   <p:cSld>
     <p:spTree>
@@ -22264,7 +22575,7 @@
 </p:sld>
 </file>
 
-<file path=ppt/slides/slide51.xml><?xml version="1.0" encoding="utf-8"?>
+<file path=ppt/slides/slide52.xml><?xml version="1.0" encoding="utf-8"?>
 <p:sld xmlns:a="http://schemas.openxmlformats.org/drawingml/2006/main" xmlns:r="http://schemas.openxmlformats.org/officeDocument/2006/relationships" xmlns:p="http://schemas.openxmlformats.org/presentationml/2006/main">
   <p:cSld>
     <p:spTree>
@@ -22355,7 +22666,7 @@
 </p:sld>
 </file>
 
-<file path=ppt/slides/slide52.xml><?xml version="1.0" encoding="utf-8"?>
+<file path=ppt/slides/slide53.xml><?xml version="1.0" encoding="utf-8"?>
 <p:sld xmlns:a="http://schemas.openxmlformats.org/drawingml/2006/main" xmlns:r="http://schemas.openxmlformats.org/officeDocument/2006/relationships" xmlns:p="http://schemas.openxmlformats.org/presentationml/2006/main">
   <p:cSld>
     <p:spTree>
@@ -23811,7 +24122,7 @@
 </p:sld>
 </file>
 
-<file path=ppt/slides/slide53.xml><?xml version="1.0" encoding="utf-8"?>
+<file path=ppt/slides/slide54.xml><?xml version="1.0" encoding="utf-8"?>
 <p:sld xmlns:a="http://schemas.openxmlformats.org/drawingml/2006/main" xmlns:r="http://schemas.openxmlformats.org/officeDocument/2006/relationships" xmlns:p="http://schemas.openxmlformats.org/presentationml/2006/main">
   <p:cSld>
     <p:spTree>
@@ -23962,7 +24273,7 @@
 </p:sld>
 </file>
 
-<file path=ppt/slides/slide54.xml><?xml version="1.0" encoding="utf-8"?>
+<file path=ppt/slides/slide55.xml><?xml version="1.0" encoding="utf-8"?>
 <p:sld xmlns:a="http://schemas.openxmlformats.org/drawingml/2006/main" xmlns:r="http://schemas.openxmlformats.org/officeDocument/2006/relationships" xmlns:p="http://schemas.openxmlformats.org/presentationml/2006/main">
   <p:cSld>
     <p:spTree>
@@ -24306,7 +24617,7 @@
 </p:sld>
 </file>
 
-<file path=ppt/slides/slide55.xml><?xml version="1.0" encoding="utf-8"?>
+<file path=ppt/slides/slide56.xml><?xml version="1.0" encoding="utf-8"?>
 <p:sld xmlns:a="http://schemas.openxmlformats.org/drawingml/2006/main" xmlns:r="http://schemas.openxmlformats.org/officeDocument/2006/relationships" xmlns:p="http://schemas.openxmlformats.org/presentationml/2006/main">
   <p:cSld>
     <p:spTree>
@@ -24692,7 +25003,7 @@
         <p:spPr/>
         <p:txBody>
           <a:bodyPr>
-            <a:normAutofit fontScale="62500" lnSpcReduction="20000"/>
+            <a:normAutofit fontScale="55000" lnSpcReduction="20000"/>
           </a:bodyPr>
           <a:lstStyle/>
           <a:p>
@@ -24855,34 +25166,34 @@
               </a:lnSpc>
             </a:pPr>
             <a:r>
-              <a:rPr lang="en-US" dirty="0" err="1" smtClean="0"/>
+              <a:rPr lang="en-US" dirty="0" err="1"/>
               <a:t>ChatPull</a:t>
             </a:r>
             <a:r>
-              <a:rPr lang="en-US" dirty="0" smtClean="0"/>
+              <a:rPr lang="en-US" dirty="0"/>
               <a:t> (</a:t>
             </a:r>
             <a:r>
-              <a:rPr lang="en-US" dirty="0" err="1" smtClean="0"/>
+              <a:rPr lang="en-US" dirty="0" err="1"/>
               <a:t>lastID</a:t>
             </a:r>
             <a:r>
-              <a:rPr lang="en-US" dirty="0" smtClean="0"/>
+              <a:rPr lang="en-US" dirty="0"/>
               <a:t>) </a:t>
             </a:r>
             <a:r>
-              <a:rPr lang="en-US" dirty="0" smtClean="0">
+              <a:rPr lang="en-US" dirty="0">
                 <a:sym typeface="Wingdings" panose="05000000000000000000" pitchFamily="2" charset="2"/>
               </a:rPr>
               <a:t> </a:t>
             </a:r>
             <a:r>
-              <a:rPr lang="en-US" sz="2000" dirty="0" smtClean="0">
+              <a:rPr lang="en-US" sz="2000" dirty="0">
                 <a:sym typeface="Wingdings" panose="05000000000000000000" pitchFamily="2" charset="2"/>
               </a:rPr>
               <a:t>Assume get all message if ID=-1.</a:t>
             </a:r>
-            <a:endParaRPr lang="en-US" dirty="0" smtClean="0"/>
+            <a:endParaRPr lang="en-US" dirty="0"/>
           </a:p>
           <a:p>
             <a:pPr lvl="2">
@@ -24891,10 +25202,33 @@
               </a:lnSpc>
             </a:pPr>
             <a:r>
-              <a:rPr lang="en-US" dirty="0" smtClean="0">
+              <a:rPr lang="en-US" dirty="0">
                 <a:sym typeface="Wingdings" panose="05000000000000000000" pitchFamily="2" charset="2"/>
               </a:rPr>
               <a:t>return: new ID, chat history since last ID.</a:t>
+            </a:r>
+          </a:p>
+          <a:p>
+            <a:pPr lvl="1">
+              <a:lnSpc>
+                <a:spcPct val="120000"/>
+              </a:lnSpc>
+            </a:pPr>
+            <a:r>
+              <a:rPr lang="en-US" dirty="0" err="1" smtClean="0"/>
+              <a:t>loggedInUserPull</a:t>
+            </a:r>
+            <a:r>
+              <a:rPr lang="en-US" dirty="0" smtClean="0"/>
+              <a:t> (</a:t>
+            </a:r>
+            <a:r>
+              <a:rPr lang="en-US" dirty="0" err="1" smtClean="0"/>
+              <a:t>lastHash</a:t>
+            </a:r>
+            <a:r>
+              <a:rPr lang="en-US" dirty="0" smtClean="0"/>
+              <a:t>)</a:t>
             </a:r>
           </a:p>
           <a:p>

--- a/docs/Chat Server.pptx
+++ b/docs/Chat Server.pptx
@@ -252,7 +252,7 @@
           <a:p>
             <a:fld id="{F4E9F0C9-77EA-47D3-82C5-ED286EEB23A0}" type="datetimeFigureOut">
               <a:rPr lang="en-US" smtClean="0"/>
-              <a:t>28-Oct-15</a:t>
+              <a:t>29-Oct-15</a:t>
             </a:fld>
             <a:endParaRPr lang="en-US"/>
           </a:p>
@@ -5191,7 +5191,7 @@
           <a:p>
             <a:fld id="{9B4966DF-B686-4572-83C3-A5E4D5C04EEB}" type="datetimeFigureOut">
               <a:rPr lang="en-US" smtClean="0"/>
-              <a:t>28-Oct-15</a:t>
+              <a:t>29-Oct-15</a:t>
             </a:fld>
             <a:endParaRPr lang="en-US"/>
           </a:p>
@@ -5369,7 +5369,7 @@
           <a:p>
             <a:fld id="{9B4966DF-B686-4572-83C3-A5E4D5C04EEB}" type="datetimeFigureOut">
               <a:rPr lang="en-US" smtClean="0"/>
-              <a:t>28-Oct-15</a:t>
+              <a:t>29-Oct-15</a:t>
             </a:fld>
             <a:endParaRPr lang="en-US"/>
           </a:p>
@@ -5557,7 +5557,7 @@
           <a:p>
             <a:fld id="{9B4966DF-B686-4572-83C3-A5E4D5C04EEB}" type="datetimeFigureOut">
               <a:rPr lang="en-US" smtClean="0"/>
-              <a:t>28-Oct-15</a:t>
+              <a:t>29-Oct-15</a:t>
             </a:fld>
             <a:endParaRPr lang="en-US"/>
           </a:p>
@@ -5735,7 +5735,7 @@
           <a:p>
             <a:fld id="{9B4966DF-B686-4572-83C3-A5E4D5C04EEB}" type="datetimeFigureOut">
               <a:rPr lang="en-US" smtClean="0"/>
-              <a:t>28-Oct-15</a:t>
+              <a:t>29-Oct-15</a:t>
             </a:fld>
             <a:endParaRPr lang="en-US"/>
           </a:p>
@@ -5987,7 +5987,7 @@
           <a:p>
             <a:fld id="{9B4966DF-B686-4572-83C3-A5E4D5C04EEB}" type="datetimeFigureOut">
               <a:rPr lang="en-US" smtClean="0"/>
-              <a:t>28-Oct-15</a:t>
+              <a:t>29-Oct-15</a:t>
             </a:fld>
             <a:endParaRPr lang="en-US"/>
           </a:p>
@@ -6227,7 +6227,7 @@
           <a:p>
             <a:fld id="{9B4966DF-B686-4572-83C3-A5E4D5C04EEB}" type="datetimeFigureOut">
               <a:rPr lang="en-US" smtClean="0"/>
-              <a:t>28-Oct-15</a:t>
+              <a:t>29-Oct-15</a:t>
             </a:fld>
             <a:endParaRPr lang="en-US"/>
           </a:p>
@@ -6602,7 +6602,7 @@
           <a:p>
             <a:fld id="{9B4966DF-B686-4572-83C3-A5E4D5C04EEB}" type="datetimeFigureOut">
               <a:rPr lang="en-US" smtClean="0"/>
-              <a:t>28-Oct-15</a:t>
+              <a:t>29-Oct-15</a:t>
             </a:fld>
             <a:endParaRPr lang="en-US"/>
           </a:p>
@@ -6728,7 +6728,7 @@
           <a:p>
             <a:fld id="{9B4966DF-B686-4572-83C3-A5E4D5C04EEB}" type="datetimeFigureOut">
               <a:rPr lang="en-US" smtClean="0"/>
-              <a:t>28-Oct-15</a:t>
+              <a:t>29-Oct-15</a:t>
             </a:fld>
             <a:endParaRPr lang="en-US"/>
           </a:p>
@@ -6831,7 +6831,7 @@
           <a:p>
             <a:fld id="{9B4966DF-B686-4572-83C3-A5E4D5C04EEB}" type="datetimeFigureOut">
               <a:rPr lang="en-US" smtClean="0"/>
-              <a:t>28-Oct-15</a:t>
+              <a:t>29-Oct-15</a:t>
             </a:fld>
             <a:endParaRPr lang="en-US"/>
           </a:p>
@@ -7116,7 +7116,7 @@
           <a:p>
             <a:fld id="{9B4966DF-B686-4572-83C3-A5E4D5C04EEB}" type="datetimeFigureOut">
               <a:rPr lang="en-US" smtClean="0"/>
-              <a:t>28-Oct-15</a:t>
+              <a:t>29-Oct-15</a:t>
             </a:fld>
             <a:endParaRPr lang="en-US"/>
           </a:p>
@@ -7381,7 +7381,7 @@
           <a:p>
             <a:fld id="{9B4966DF-B686-4572-83C3-A5E4D5C04EEB}" type="datetimeFigureOut">
               <a:rPr lang="en-US" smtClean="0"/>
-              <a:t>28-Oct-15</a:t>
+              <a:t>29-Oct-15</a:t>
             </a:fld>
             <a:endParaRPr lang="en-US"/>
           </a:p>
@@ -7602,7 +7602,7 @@
           <a:p>
             <a:fld id="{9B4966DF-B686-4572-83C3-A5E4D5C04EEB}" type="datetimeFigureOut">
               <a:rPr lang="en-US" smtClean="0"/>
-              <a:t>28-Oct-15</a:t>
+              <a:t>29-Oct-15</a:t>
             </a:fld>
             <a:endParaRPr lang="en-US"/>
           </a:p>
@@ -10540,11 +10540,7 @@
             <a:pPr lvl="3"/>
             <a:r>
               <a:rPr lang="en-US" dirty="0" smtClean="0"/>
-              <a:t>name</a:t>
-            </a:r>
-            <a:r>
-              <a:rPr lang="en-US" dirty="0" smtClean="0"/>
-              <a:t>=“</a:t>
+              <a:t>name=“</a:t>
             </a:r>
             <a:r>
               <a:rPr lang="en-US" dirty="0" err="1" smtClean="0"/>
@@ -10554,7 +10550,6 @@
               <a:rPr lang="en-US" dirty="0" smtClean="0"/>
               <a:t>”</a:t>
             </a:r>
-            <a:endParaRPr lang="en-US" dirty="0" smtClean="0"/>
           </a:p>
           <a:p>
             <a:pPr lvl="2"/>
@@ -10579,17 +10574,8 @@
             </a:r>
             <a:r>
               <a:rPr lang="en-US" dirty="0" smtClean="0"/>
-              <a:t>=“</a:t>
-            </a:r>
-            <a:r>
-              <a:rPr lang="en-US" dirty="0" smtClean="0"/>
-              <a:t>last retrieved </a:t>
-            </a:r>
-            <a:r>
-              <a:rPr lang="en-US" dirty="0" smtClean="0"/>
-              <a:t>hash”</a:t>
-            </a:r>
-            <a:endParaRPr lang="en-US" dirty="0" smtClean="0"/>
+              <a:t>=“last retrieved hash”</a:t>
+            </a:r>
           </a:p>
           <a:p>
             <a:pPr lvl="1"/>
@@ -10618,25 +10604,12 @@
               <a:rPr lang="en-US" dirty="0" smtClean="0"/>
               <a:t>users =</a:t>
             </a:r>
-            <a:endParaRPr lang="en-US" dirty="0" smtClean="0"/>
           </a:p>
           <a:p>
             <a:pPr lvl="3"/>
             <a:r>
               <a:rPr lang="en-US" dirty="0" smtClean="0"/>
-              <a:t>&lt;user username</a:t>
-            </a:r>
-            <a:r>
-              <a:rPr lang="en-US" dirty="0" smtClean="0"/>
-              <a:t>=“user</a:t>
-            </a:r>
-            <a:r>
-              <a:rPr lang="en-US" dirty="0" smtClean="0"/>
-              <a:t>” </a:t>
-            </a:r>
-            <a:r>
-              <a:rPr lang="en-US" dirty="0" smtClean="0"/>
-              <a:t>/&gt;</a:t>
+              <a:t>&lt;user username=“user” /&gt;</a:t>
             </a:r>
           </a:p>
           <a:p>
@@ -10647,16 +10620,11 @@
             </a:r>
             <a:r>
               <a:rPr lang="en-US" dirty="0" smtClean="0"/>
-              <a:t> </a:t>
-            </a:r>
-            <a:r>
-              <a:rPr lang="en-US" dirty="0" smtClean="0"/>
-              <a:t>= last </a:t>
-            </a:r>
-            <a:r>
-              <a:rPr lang="en-US" dirty="0" smtClean="0"/>
-              <a:t>hash</a:t>
-            </a:r>
+              <a:t> = last hash</a:t>
+            </a:r>
+            <a:br>
+              <a:rPr lang="en-US" dirty="0" smtClean="0"/>
+            </a:br>
             <a:r>
               <a:rPr lang="en-US" dirty="0" smtClean="0"/>
               <a:t/>
@@ -10666,18 +10634,7 @@
             </a:br>
             <a:r>
               <a:rPr lang="en-US" dirty="0" smtClean="0"/>
-              <a:t/>
-            </a:r>
-            <a:br>
-              <a:rPr lang="en-US" dirty="0" smtClean="0"/>
-            </a:br>
-            <a:r>
-              <a:rPr lang="en-US" dirty="0" smtClean="0"/>
               <a:t>or</a:t>
-            </a:r>
-            <a:r>
-              <a:rPr lang="en-US" dirty="0" smtClean="0"/>
-              <a:t/>
             </a:r>
             <a:br>
               <a:rPr lang="en-US" dirty="0" smtClean="0"/>
@@ -10726,11 +10683,11 @@
   <p:clrMapOvr>
     <a:masterClrMapping/>
   </p:clrMapOvr>
-  <mc:AlternateContent xmlns:mc="http://schemas.openxmlformats.org/markup-compatibility/2006">
-    <mc:Choice xmlns:p14="http://schemas.microsoft.com/office/powerpoint/2010/main" Requires="p14">
+  <mc:AlternateContent xmlns:mc="http://schemas.openxmlformats.org/markup-compatibility/2006" xmlns:p14="http://schemas.microsoft.com/office/powerpoint/2010/main">
+    <mc:Choice Requires="p14">
       <p:transition p14:dur="0"/>
     </mc:Choice>
-    <mc:Fallback>
+    <mc:Fallback xmlns="">
       <p:transition/>
     </mc:Fallback>
   </mc:AlternateContent>
@@ -22683,236 +22640,20 @@
           <a:chExt cx="0" cy="0"/>
         </a:xfrm>
       </p:grpSpPr>
-      <p:sp>
-        <p:nvSpPr>
-          <p:cNvPr id="48" name="Cloud 47"/>
-          <p:cNvSpPr/>
-          <p:nvPr/>
-        </p:nvSpPr>
-        <p:spPr>
-          <a:xfrm>
-            <a:off x="3400425" y="5523190"/>
-            <a:ext cx="5486401" cy="1006196"/>
-          </a:xfrm>
-          <a:prstGeom prst="cloud">
-            <a:avLst/>
-          </a:prstGeom>
-        </p:spPr>
-        <p:style>
-          <a:lnRef idx="2">
-            <a:schemeClr val="dk1"/>
-          </a:lnRef>
-          <a:fillRef idx="1">
-            <a:schemeClr val="lt1"/>
-          </a:fillRef>
-          <a:effectRef idx="0">
-            <a:schemeClr val="dk1"/>
-          </a:effectRef>
-          <a:fontRef idx="minor">
-            <a:schemeClr val="dk1"/>
-          </a:fontRef>
-        </p:style>
-        <p:txBody>
-          <a:bodyPr rtlCol="0" anchor="ctr"/>
-          <a:lstStyle/>
-          <a:p>
-            <a:pPr algn="ctr"/>
-            <a:r>
-              <a:rPr lang="en-GB" b="1" dirty="0" smtClean="0"/>
-              <a:t>Network</a:t>
-            </a:r>
-            <a:endParaRPr lang="en-US" b="1" dirty="0"/>
-          </a:p>
-        </p:txBody>
-      </p:sp>
       <p:cxnSp>
         <p:nvCxnSpPr>
-          <p:cNvPr id="18" name="Straight Arrow Connector 17"/>
-          <p:cNvCxnSpPr/>
+          <p:cNvPr id="59" name="Straight Arrow Connector 58"/>
+          <p:cNvCxnSpPr>
+            <a:endCxn id="6" idx="1"/>
+          </p:cNvCxnSpPr>
           <p:nvPr/>
         </p:nvCxnSpPr>
         <p:spPr>
-          <a:xfrm>
-            <a:off x="4191490" y="4862504"/>
-            <a:ext cx="0" cy="895357"/>
+          <a:xfrm rot="5400000" flipH="1" flipV="1">
+            <a:off x="3362327" y="2492162"/>
+            <a:ext cx="3135158" cy="1933202"/>
           </a:xfrm>
-          <a:prstGeom prst="straightConnector1">
-            <a:avLst/>
-          </a:prstGeom>
-          <a:ln w="28575">
-            <a:headEnd type="triangle"/>
-            <a:tailEnd type="triangle"/>
-          </a:ln>
-        </p:spPr>
-        <p:style>
-          <a:lnRef idx="1">
-            <a:schemeClr val="accent1"/>
-          </a:lnRef>
-          <a:fillRef idx="0">
-            <a:schemeClr val="accent1"/>
-          </a:fillRef>
-          <a:effectRef idx="0">
-            <a:schemeClr val="accent1"/>
-          </a:effectRef>
-          <a:fontRef idx="minor">
-            <a:schemeClr val="tx1"/>
-          </a:fontRef>
-        </p:style>
-      </p:cxnSp>
-      <p:cxnSp>
-        <p:nvCxnSpPr>
-          <p:cNvPr id="19" name="Straight Arrow Connector 18"/>
-          <p:cNvCxnSpPr/>
-          <p:nvPr/>
-        </p:nvCxnSpPr>
-        <p:spPr>
-          <a:xfrm>
-            <a:off x="4829444" y="4862504"/>
-            <a:ext cx="0" cy="895357"/>
-          </a:xfrm>
-          <a:prstGeom prst="straightConnector1">
-            <a:avLst/>
-          </a:prstGeom>
-          <a:ln w="28575">
-            <a:solidFill>
-              <a:srgbClr val="FF0000"/>
-            </a:solidFill>
-            <a:headEnd type="triangle"/>
-            <a:tailEnd type="triangle"/>
-          </a:ln>
-        </p:spPr>
-        <p:style>
-          <a:lnRef idx="1">
-            <a:schemeClr val="accent1"/>
-          </a:lnRef>
-          <a:fillRef idx="0">
-            <a:schemeClr val="accent1"/>
-          </a:fillRef>
-          <a:effectRef idx="0">
-            <a:schemeClr val="accent1"/>
-          </a:effectRef>
-          <a:fontRef idx="minor">
-            <a:schemeClr val="tx1"/>
-          </a:fontRef>
-        </p:style>
-      </p:cxnSp>
-      <p:cxnSp>
-        <p:nvCxnSpPr>
-          <p:cNvPr id="27" name="Straight Arrow Connector 26"/>
-          <p:cNvCxnSpPr/>
-          <p:nvPr/>
-        </p:nvCxnSpPr>
-        <p:spPr>
-          <a:xfrm>
-            <a:off x="5811893" y="4862504"/>
-            <a:ext cx="0" cy="895357"/>
-          </a:xfrm>
-          <a:prstGeom prst="straightConnector1">
-            <a:avLst/>
-          </a:prstGeom>
-          <a:ln w="28575">
-            <a:headEnd type="triangle"/>
-            <a:tailEnd type="triangle"/>
-          </a:ln>
-        </p:spPr>
-        <p:style>
-          <a:lnRef idx="1">
-            <a:schemeClr val="accent1"/>
-          </a:lnRef>
-          <a:fillRef idx="0">
-            <a:schemeClr val="accent1"/>
-          </a:fillRef>
-          <a:effectRef idx="0">
-            <a:schemeClr val="accent1"/>
-          </a:effectRef>
-          <a:fontRef idx="minor">
-            <a:schemeClr val="tx1"/>
-          </a:fontRef>
-        </p:style>
-      </p:cxnSp>
-      <p:cxnSp>
-        <p:nvCxnSpPr>
-          <p:cNvPr id="28" name="Straight Arrow Connector 27"/>
-          <p:cNvCxnSpPr/>
-          <p:nvPr/>
-        </p:nvCxnSpPr>
-        <p:spPr>
-          <a:xfrm>
-            <a:off x="6449846" y="4862504"/>
-            <a:ext cx="0" cy="895357"/>
-          </a:xfrm>
-          <a:prstGeom prst="straightConnector1">
-            <a:avLst/>
-          </a:prstGeom>
-          <a:ln w="28575">
-            <a:solidFill>
-              <a:srgbClr val="FF0000"/>
-            </a:solidFill>
-            <a:headEnd type="triangle"/>
-            <a:tailEnd type="triangle"/>
-          </a:ln>
-        </p:spPr>
-        <p:style>
-          <a:lnRef idx="1">
-            <a:schemeClr val="accent1"/>
-          </a:lnRef>
-          <a:fillRef idx="0">
-            <a:schemeClr val="accent1"/>
-          </a:fillRef>
-          <a:effectRef idx="0">
-            <a:schemeClr val="accent1"/>
-          </a:effectRef>
-          <a:fontRef idx="minor">
-            <a:schemeClr val="tx1"/>
-          </a:fontRef>
-        </p:style>
-      </p:cxnSp>
-      <p:cxnSp>
-        <p:nvCxnSpPr>
-          <p:cNvPr id="37" name="Straight Arrow Connector 36"/>
-          <p:cNvCxnSpPr/>
-          <p:nvPr/>
-        </p:nvCxnSpPr>
-        <p:spPr>
-          <a:xfrm>
-            <a:off x="7432294" y="4862504"/>
-            <a:ext cx="0" cy="895357"/>
-          </a:xfrm>
-          <a:prstGeom prst="straightConnector1">
-            <a:avLst/>
-          </a:prstGeom>
-          <a:ln w="28575">
-            <a:headEnd type="triangle"/>
-            <a:tailEnd type="triangle"/>
-          </a:ln>
-        </p:spPr>
-        <p:style>
-          <a:lnRef idx="1">
-            <a:schemeClr val="accent1"/>
-          </a:lnRef>
-          <a:fillRef idx="0">
-            <a:schemeClr val="accent1"/>
-          </a:fillRef>
-          <a:effectRef idx="0">
-            <a:schemeClr val="accent1"/>
-          </a:effectRef>
-          <a:fontRef idx="minor">
-            <a:schemeClr val="tx1"/>
-          </a:fontRef>
-        </p:style>
-      </p:cxnSp>
-      <p:cxnSp>
-        <p:nvCxnSpPr>
-          <p:cNvPr id="38" name="Straight Arrow Connector 37"/>
-          <p:cNvCxnSpPr/>
-          <p:nvPr/>
-        </p:nvCxnSpPr>
-        <p:spPr>
-          <a:xfrm>
-            <a:off x="8070248" y="4862504"/>
-            <a:ext cx="0" cy="895357"/>
-          </a:xfrm>
-          <a:prstGeom prst="straightConnector1">
+          <a:prstGeom prst="bentConnector2">
             <a:avLst/>
           </a:prstGeom>
           <a:ln w="28575">
@@ -22940,6 +22681,48 @@
       </p:cxnSp>
       <p:sp>
         <p:nvSpPr>
+          <p:cNvPr id="48" name="Cloud 47"/>
+          <p:cNvSpPr/>
+          <p:nvPr/>
+        </p:nvSpPr>
+        <p:spPr>
+          <a:xfrm>
+            <a:off x="3731941" y="5972226"/>
+            <a:ext cx="4090188" cy="687245"/>
+          </a:xfrm>
+          <a:prstGeom prst="cloud">
+            <a:avLst/>
+          </a:prstGeom>
+        </p:spPr>
+        <p:style>
+          <a:lnRef idx="2">
+            <a:schemeClr val="dk1"/>
+          </a:lnRef>
+          <a:fillRef idx="1">
+            <a:schemeClr val="lt1"/>
+          </a:fillRef>
+          <a:effectRef idx="0">
+            <a:schemeClr val="dk1"/>
+          </a:effectRef>
+          <a:fontRef idx="minor">
+            <a:schemeClr val="dk1"/>
+          </a:fontRef>
+        </p:style>
+        <p:txBody>
+          <a:bodyPr rtlCol="0" anchor="ctr"/>
+          <a:lstStyle/>
+          <a:p>
+            <a:pPr algn="ctr"/>
+            <a:r>
+              <a:rPr lang="en-GB" b="1" dirty="0" smtClean="0"/>
+              <a:t>Network</a:t>
+            </a:r>
+            <a:endParaRPr lang="en-US" b="1" dirty="0"/>
+          </a:p>
+        </p:txBody>
+      </p:sp>
+      <p:sp>
+        <p:nvSpPr>
           <p:cNvPr id="4" name="Title 3"/>
           <p:cNvSpPr>
             <a:spLocks noGrp="1"/>
@@ -23019,7 +22802,7 @@
           <a:p>
             <a:r>
               <a:rPr lang="en-GB" sz="1800" dirty="0" smtClean="0"/>
-              <a:t>Child </a:t>
+              <a:t>HTTP Child </a:t>
             </a:r>
             <a:r>
               <a:rPr lang="en-GB" sz="1800" dirty="0" err="1" smtClean="0"/>
@@ -23027,7 +22810,15 @@
             </a:r>
             <a:r>
               <a:rPr lang="en-GB" sz="1800" dirty="0" smtClean="0"/>
-              <a:t> c2s </a:t>
+              <a:t> </a:t>
+            </a:r>
+            <a:r>
+              <a:rPr lang="en-GB" sz="1800" dirty="0" smtClean="0"/>
+              <a:t>c2s HTTP, incoming </a:t>
+            </a:r>
+            <a:r>
+              <a:rPr lang="en-GB" sz="1800" dirty="0" smtClean="0"/>
+              <a:t>s2s </a:t>
             </a:r>
             <a:r>
               <a:rPr lang="en-GB" sz="1800" dirty="0" err="1" smtClean="0"/>
@@ -23035,16 +22826,27 @@
             </a:r>
             <a:r>
               <a:rPr lang="en-GB" sz="1800" dirty="0" smtClean="0"/>
-              <a:t> incoming s2s </a:t>
+              <a:t> crypto</a:t>
+            </a:r>
+            <a:r>
+              <a:rPr lang="en-GB" sz="1800" dirty="0" smtClean="0"/>
+              <a:t>.</a:t>
+            </a:r>
+          </a:p>
+          <a:p>
+            <a:r>
+              <a:rPr lang="en-GB" sz="1800" dirty="0" smtClean="0"/>
+              <a:t>Telnet Child </a:t>
             </a:r>
             <a:r>
               <a:rPr lang="en-GB" sz="1800" dirty="0" err="1" smtClean="0"/>
-              <a:t>dan</a:t>
+              <a:t>menangani</a:t>
             </a:r>
             <a:r>
               <a:rPr lang="en-GB" sz="1800" dirty="0" smtClean="0"/>
-              <a:t> crypto.</a:t>
-            </a:r>
+              <a:t> c2s Telnet.</a:t>
+            </a:r>
+            <a:endParaRPr lang="en-GB" sz="1800" dirty="0" smtClean="0"/>
           </a:p>
           <a:p>
             <a:r>
@@ -23163,26 +22965,13 @@
             </a:r>
             <a:r>
               <a:rPr lang="en-GB" sz="1800" dirty="0" smtClean="0"/>
-              <a:t> master.</a:t>
-            </a:r>
-          </a:p>
-          <a:p>
-            <a:r>
-              <a:rPr lang="en-GB" sz="1800" dirty="0" err="1" smtClean="0"/>
-              <a:t>Jumlah</a:t>
+              <a:t> master</a:t>
             </a:r>
             <a:r>
               <a:rPr lang="en-GB" sz="1800" dirty="0" smtClean="0"/>
-              <a:t> child = </a:t>
-            </a:r>
-            <a:r>
-              <a:rPr lang="en-GB" sz="1800" dirty="0" err="1" smtClean="0"/>
-              <a:t>jumlah</a:t>
-            </a:r>
-            <a:r>
-              <a:rPr lang="en-GB" sz="1800" dirty="0" smtClean="0"/>
-              <a:t> logical processor - 1.</a:t>
-            </a:r>
+              <a:t>.</a:t>
+            </a:r>
+            <a:endParaRPr lang="en-GB" sz="1800" dirty="0" smtClean="0"/>
           </a:p>
         </p:txBody>
       </p:sp>
@@ -23194,7 +22983,7 @@
         </p:nvSpPr>
         <p:spPr>
           <a:xfrm>
-            <a:off x="5512054" y="1690689"/>
+            <a:off x="5896507" y="1507809"/>
             <a:ext cx="1263148" cy="766750"/>
           </a:xfrm>
           <a:prstGeom prst="rect">
@@ -23230,56 +23019,14 @@
       </p:sp>
       <p:sp>
         <p:nvSpPr>
-          <p:cNvPr id="7" name="Rectangle 6"/>
-          <p:cNvSpPr/>
-          <p:nvPr/>
-        </p:nvSpPr>
-        <p:spPr>
-          <a:xfrm>
-            <a:off x="3891651" y="3795705"/>
-            <a:ext cx="1263148" cy="1066799"/>
-          </a:xfrm>
-          <a:prstGeom prst="rect">
-            <a:avLst/>
-          </a:prstGeom>
-        </p:spPr>
-        <p:style>
-          <a:lnRef idx="2">
-            <a:schemeClr val="dk1"/>
-          </a:lnRef>
-          <a:fillRef idx="1">
-            <a:schemeClr val="lt1"/>
-          </a:fillRef>
-          <a:effectRef idx="0">
-            <a:schemeClr val="dk1"/>
-          </a:effectRef>
-          <a:fontRef idx="minor">
-            <a:schemeClr val="dk1"/>
-          </a:fontRef>
-        </p:style>
-        <p:txBody>
-          <a:bodyPr rtlCol="0" anchor="ctr"/>
-          <a:lstStyle/>
-          <a:p>
-            <a:pPr algn="ctr"/>
-            <a:r>
-              <a:rPr lang="en-GB" dirty="0" smtClean="0"/>
-              <a:t>Child 1</a:t>
-            </a:r>
-            <a:endParaRPr lang="en-US" dirty="0"/>
-          </a:p>
-        </p:txBody>
-      </p:sp>
-      <p:sp>
-        <p:nvSpPr>
           <p:cNvPr id="11" name="Rectangle 10"/>
           <p:cNvSpPr/>
           <p:nvPr/>
         </p:nvSpPr>
         <p:spPr>
           <a:xfrm>
-            <a:off x="3891651" y="2776535"/>
-            <a:ext cx="4503953" cy="723896"/>
+            <a:off x="4276104" y="2485546"/>
+            <a:ext cx="4503953" cy="543874"/>
           </a:xfrm>
           <a:prstGeom prst="rect">
             <a:avLst/>
@@ -23322,11 +23069,14 @@
         </p:nvSpPr>
         <p:spPr>
           <a:xfrm>
-            <a:off x="5926722" y="2307435"/>
-            <a:ext cx="433808" cy="600075"/>
+            <a:off x="6420919" y="2161954"/>
+            <a:ext cx="263104" cy="422643"/>
           </a:xfrm>
           <a:prstGeom prst="upDownArrow">
-            <a:avLst/>
+            <a:avLst>
+              <a:gd name="adj1" fmla="val 35948"/>
+              <a:gd name="adj2" fmla="val 39461"/>
+            </a:avLst>
           </a:prstGeom>
         </p:spPr>
         <p:style>
@@ -23356,337 +23106,13 @@
       </p:sp>
       <p:sp>
         <p:nvSpPr>
-          <p:cNvPr id="20" name="TextBox 19"/>
-          <p:cNvSpPr txBox="1"/>
-          <p:nvPr/>
-        </p:nvSpPr>
-        <p:spPr>
-          <a:xfrm>
-            <a:off x="3965642" y="5101766"/>
-            <a:ext cx="436899" cy="369332"/>
-          </a:xfrm>
-          <a:prstGeom prst="rect">
-            <a:avLst/>
-          </a:prstGeom>
-          <a:solidFill>
-            <a:schemeClr val="bg1"/>
-          </a:solidFill>
-        </p:spPr>
-        <p:txBody>
-          <a:bodyPr wrap="none" rtlCol="0">
-            <a:spAutoFit/>
-          </a:bodyPr>
-          <a:lstStyle/>
-          <a:p>
-            <a:r>
-              <a:rPr lang="en-GB" b="1" dirty="0" smtClean="0">
-                <a:solidFill>
-                  <a:schemeClr val="accent1"/>
-                </a:solidFill>
-              </a:rPr>
-              <a:t>c2s</a:t>
-            </a:r>
-            <a:endParaRPr lang="en-US" b="1" dirty="0">
-              <a:solidFill>
-                <a:schemeClr val="accent1"/>
-              </a:solidFill>
-            </a:endParaRPr>
-          </a:p>
-        </p:txBody>
-      </p:sp>
-      <p:sp>
-        <p:nvSpPr>
-          <p:cNvPr id="21" name="TextBox 20"/>
-          <p:cNvSpPr txBox="1"/>
-          <p:nvPr/>
-        </p:nvSpPr>
-        <p:spPr>
-          <a:xfrm>
-            <a:off x="4613063" y="5101766"/>
-            <a:ext cx="436899" cy="369332"/>
-          </a:xfrm>
-          <a:prstGeom prst="rect">
-            <a:avLst/>
-          </a:prstGeom>
-          <a:solidFill>
-            <a:schemeClr val="bg1"/>
-          </a:solidFill>
-        </p:spPr>
-        <p:txBody>
-          <a:bodyPr wrap="none" rtlCol="0">
-            <a:spAutoFit/>
-          </a:bodyPr>
-          <a:lstStyle/>
-          <a:p>
-            <a:r>
-              <a:rPr lang="en-GB" b="1" dirty="0" smtClean="0">
-                <a:solidFill>
-                  <a:srgbClr val="FF0000"/>
-                </a:solidFill>
-              </a:rPr>
-              <a:t>s2s</a:t>
-            </a:r>
-            <a:endParaRPr lang="en-US" b="1" dirty="0">
-              <a:solidFill>
-                <a:srgbClr val="FF0000"/>
-              </a:solidFill>
-            </a:endParaRPr>
-          </a:p>
-        </p:txBody>
-      </p:sp>
-      <p:sp>
-        <p:nvSpPr>
-          <p:cNvPr id="26" name="Rectangle 25"/>
-          <p:cNvSpPr/>
-          <p:nvPr/>
-        </p:nvSpPr>
-        <p:spPr>
-          <a:xfrm>
-            <a:off x="5512054" y="3795705"/>
-            <a:ext cx="1263148" cy="1066799"/>
-          </a:xfrm>
-          <a:prstGeom prst="rect">
-            <a:avLst/>
-          </a:prstGeom>
-        </p:spPr>
-        <p:style>
-          <a:lnRef idx="2">
-            <a:schemeClr val="dk1"/>
-          </a:lnRef>
-          <a:fillRef idx="1">
-            <a:schemeClr val="lt1"/>
-          </a:fillRef>
-          <a:effectRef idx="0">
-            <a:schemeClr val="dk1"/>
-          </a:effectRef>
-          <a:fontRef idx="minor">
-            <a:schemeClr val="dk1"/>
-          </a:fontRef>
-        </p:style>
-        <p:txBody>
-          <a:bodyPr rtlCol="0" anchor="ctr"/>
-          <a:lstStyle/>
-          <a:p>
-            <a:pPr algn="ctr"/>
-            <a:r>
-              <a:rPr lang="en-GB" dirty="0" smtClean="0"/>
-              <a:t>Child 2</a:t>
-            </a:r>
-            <a:endParaRPr lang="en-US" dirty="0"/>
-          </a:p>
-        </p:txBody>
-      </p:sp>
-      <p:sp>
-        <p:nvSpPr>
-          <p:cNvPr id="29" name="TextBox 28"/>
-          <p:cNvSpPr txBox="1"/>
-          <p:nvPr/>
-        </p:nvSpPr>
-        <p:spPr>
-          <a:xfrm>
-            <a:off x="5586045" y="5101766"/>
-            <a:ext cx="436899" cy="369332"/>
-          </a:xfrm>
-          <a:prstGeom prst="rect">
-            <a:avLst/>
-          </a:prstGeom>
-          <a:solidFill>
-            <a:schemeClr val="bg1"/>
-          </a:solidFill>
-        </p:spPr>
-        <p:txBody>
-          <a:bodyPr wrap="none" rtlCol="0">
-            <a:spAutoFit/>
-          </a:bodyPr>
-          <a:lstStyle/>
-          <a:p>
-            <a:r>
-              <a:rPr lang="en-GB" b="1" dirty="0" smtClean="0">
-                <a:solidFill>
-                  <a:schemeClr val="accent1"/>
-                </a:solidFill>
-              </a:rPr>
-              <a:t>c2s</a:t>
-            </a:r>
-            <a:endParaRPr lang="en-US" b="1" dirty="0">
-              <a:solidFill>
-                <a:schemeClr val="accent1"/>
-              </a:solidFill>
-            </a:endParaRPr>
-          </a:p>
-        </p:txBody>
-      </p:sp>
-      <p:sp>
-        <p:nvSpPr>
-          <p:cNvPr id="30" name="TextBox 29"/>
-          <p:cNvSpPr txBox="1"/>
-          <p:nvPr/>
-        </p:nvSpPr>
-        <p:spPr>
-          <a:xfrm>
-            <a:off x="6233467" y="5101766"/>
-            <a:ext cx="436899" cy="369332"/>
-          </a:xfrm>
-          <a:prstGeom prst="rect">
-            <a:avLst/>
-          </a:prstGeom>
-          <a:solidFill>
-            <a:schemeClr val="bg1"/>
-          </a:solidFill>
-        </p:spPr>
-        <p:txBody>
-          <a:bodyPr wrap="none" rtlCol="0">
-            <a:spAutoFit/>
-          </a:bodyPr>
-          <a:lstStyle/>
-          <a:p>
-            <a:r>
-              <a:rPr lang="en-GB" b="1" dirty="0" smtClean="0">
-                <a:solidFill>
-                  <a:srgbClr val="FF0000"/>
-                </a:solidFill>
-              </a:rPr>
-              <a:t>s2s</a:t>
-            </a:r>
-            <a:endParaRPr lang="en-US" b="1" dirty="0">
-              <a:solidFill>
-                <a:srgbClr val="FF0000"/>
-              </a:solidFill>
-            </a:endParaRPr>
-          </a:p>
-        </p:txBody>
-      </p:sp>
-      <p:sp>
-        <p:nvSpPr>
-          <p:cNvPr id="36" name="Rectangle 35"/>
-          <p:cNvSpPr/>
-          <p:nvPr/>
-        </p:nvSpPr>
-        <p:spPr>
-          <a:xfrm>
-            <a:off x="7132456" y="3795705"/>
-            <a:ext cx="1263148" cy="1066799"/>
-          </a:xfrm>
-          <a:prstGeom prst="rect">
-            <a:avLst/>
-          </a:prstGeom>
-        </p:spPr>
-        <p:style>
-          <a:lnRef idx="2">
-            <a:schemeClr val="dk1"/>
-          </a:lnRef>
-          <a:fillRef idx="1">
-            <a:schemeClr val="lt1"/>
-          </a:fillRef>
-          <a:effectRef idx="0">
-            <a:schemeClr val="dk1"/>
-          </a:effectRef>
-          <a:fontRef idx="minor">
-            <a:schemeClr val="dk1"/>
-          </a:fontRef>
-        </p:style>
-        <p:txBody>
-          <a:bodyPr rtlCol="0" anchor="ctr"/>
-          <a:lstStyle/>
-          <a:p>
-            <a:pPr algn="ctr"/>
-            <a:r>
-              <a:rPr lang="en-GB" dirty="0" smtClean="0"/>
-              <a:t>Child 3</a:t>
-            </a:r>
-            <a:endParaRPr lang="en-US" dirty="0"/>
-          </a:p>
-        </p:txBody>
-      </p:sp>
-      <p:sp>
-        <p:nvSpPr>
-          <p:cNvPr id="39" name="TextBox 38"/>
-          <p:cNvSpPr txBox="1"/>
-          <p:nvPr/>
-        </p:nvSpPr>
-        <p:spPr>
-          <a:xfrm>
-            <a:off x="7206446" y="5101766"/>
-            <a:ext cx="436899" cy="369332"/>
-          </a:xfrm>
-          <a:prstGeom prst="rect">
-            <a:avLst/>
-          </a:prstGeom>
-          <a:solidFill>
-            <a:schemeClr val="bg1"/>
-          </a:solidFill>
-        </p:spPr>
-        <p:txBody>
-          <a:bodyPr wrap="none" rtlCol="0">
-            <a:spAutoFit/>
-          </a:bodyPr>
-          <a:lstStyle/>
-          <a:p>
-            <a:r>
-              <a:rPr lang="en-GB" b="1" dirty="0" smtClean="0">
-                <a:solidFill>
-                  <a:schemeClr val="accent1"/>
-                </a:solidFill>
-              </a:rPr>
-              <a:t>c2s</a:t>
-            </a:r>
-            <a:endParaRPr lang="en-US" b="1" dirty="0">
-              <a:solidFill>
-                <a:schemeClr val="accent1"/>
-              </a:solidFill>
-            </a:endParaRPr>
-          </a:p>
-        </p:txBody>
-      </p:sp>
-      <p:sp>
-        <p:nvSpPr>
-          <p:cNvPr id="40" name="TextBox 39"/>
-          <p:cNvSpPr txBox="1"/>
-          <p:nvPr/>
-        </p:nvSpPr>
-        <p:spPr>
-          <a:xfrm>
-            <a:off x="7853868" y="5101766"/>
-            <a:ext cx="436899" cy="369332"/>
-          </a:xfrm>
-          <a:prstGeom prst="rect">
-            <a:avLst/>
-          </a:prstGeom>
-          <a:solidFill>
-            <a:schemeClr val="bg1"/>
-          </a:solidFill>
-        </p:spPr>
-        <p:txBody>
-          <a:bodyPr wrap="none" rtlCol="0">
-            <a:spAutoFit/>
-          </a:bodyPr>
-          <a:lstStyle/>
-          <a:p>
-            <a:r>
-              <a:rPr lang="en-GB" b="1" dirty="0" smtClean="0">
-                <a:solidFill>
-                  <a:srgbClr val="FF0000"/>
-                </a:solidFill>
-              </a:rPr>
-              <a:t>s2s</a:t>
-            </a:r>
-            <a:endParaRPr lang="en-US" b="1" dirty="0">
-              <a:solidFill>
-                <a:srgbClr val="FF0000"/>
-              </a:solidFill>
-            </a:endParaRPr>
-          </a:p>
-        </p:txBody>
-      </p:sp>
-      <p:sp>
-        <p:nvSpPr>
           <p:cNvPr id="55" name="Can 54"/>
           <p:cNvSpPr/>
           <p:nvPr/>
         </p:nvSpPr>
         <p:spPr>
           <a:xfrm>
-            <a:off x="7360574" y="1690689"/>
+            <a:off x="7745027" y="1492569"/>
             <a:ext cx="861038" cy="766750"/>
           </a:xfrm>
           <a:prstGeom prst="can">
@@ -23730,7 +23156,7 @@
         </p:nvSpPr>
         <p:spPr>
           <a:xfrm rot="16200000">
-            <a:off x="6878699" y="1663200"/>
+            <a:off x="7263152" y="1465080"/>
             <a:ext cx="357187" cy="821727"/>
           </a:xfrm>
           <a:prstGeom prst="upDownArrow">
@@ -23764,14 +23190,949 @@
       </p:sp>
       <p:sp>
         <p:nvSpPr>
-          <p:cNvPr id="2" name="Rectangle 1"/>
+          <p:cNvPr id="60" name="TextBox 59"/>
+          <p:cNvSpPr txBox="1"/>
+          <p:nvPr/>
+        </p:nvSpPr>
+        <p:spPr>
+          <a:xfrm>
+            <a:off x="4519554" y="1690669"/>
+            <a:ext cx="503574" cy="369332"/>
+          </a:xfrm>
+          <a:prstGeom prst="rect">
+            <a:avLst/>
+          </a:prstGeom>
+          <a:solidFill>
+            <a:schemeClr val="bg1"/>
+          </a:solidFill>
+        </p:spPr>
+        <p:txBody>
+          <a:bodyPr wrap="square" rtlCol="0">
+            <a:spAutoFit/>
+          </a:bodyPr>
+          <a:lstStyle/>
+          <a:p>
+            <a:pPr algn="ctr"/>
+            <a:r>
+              <a:rPr lang="en-GB" b="1" dirty="0" smtClean="0">
+                <a:solidFill>
+                  <a:srgbClr val="FF0000"/>
+                </a:solidFill>
+              </a:rPr>
+              <a:t>s2s</a:t>
+            </a:r>
+            <a:endParaRPr lang="en-US" b="1" dirty="0">
+              <a:solidFill>
+                <a:srgbClr val="FF0000"/>
+              </a:solidFill>
+            </a:endParaRPr>
+          </a:p>
+        </p:txBody>
+      </p:sp>
+      <p:grpSp>
+        <p:nvGrpSpPr>
+          <p:cNvPr id="72" name="Group 71"/>
+          <p:cNvGrpSpPr/>
+          <p:nvPr/>
+        </p:nvGrpSpPr>
+        <p:grpSpPr>
+          <a:xfrm>
+            <a:off x="4334700" y="3114602"/>
+            <a:ext cx="4037185" cy="1902967"/>
+            <a:chOff x="4014660" y="3312722"/>
+            <a:chExt cx="4037185" cy="1902967"/>
+          </a:xfrm>
+        </p:grpSpPr>
+        <p:grpSp>
+          <p:nvGrpSpPr>
+            <p:cNvPr id="32" name="Group 31"/>
+            <p:cNvGrpSpPr/>
+            <p:nvPr/>
+          </p:nvGrpSpPr>
+          <p:grpSpPr>
+            <a:xfrm>
+              <a:off x="4545463" y="4511985"/>
+              <a:ext cx="2605517" cy="703704"/>
+              <a:chOff x="4545463" y="4710104"/>
+              <a:chExt cx="2605517" cy="895357"/>
+            </a:xfrm>
+          </p:grpSpPr>
+          <p:cxnSp>
+            <p:nvCxnSpPr>
+              <p:cNvPr id="19" name="Straight Arrow Connector 18"/>
+              <p:cNvCxnSpPr/>
+              <p:nvPr/>
+            </p:nvCxnSpPr>
+            <p:spPr>
+              <a:xfrm>
+                <a:off x="5686337" y="4710104"/>
+                <a:ext cx="0" cy="895357"/>
+              </a:xfrm>
+              <a:prstGeom prst="straightConnector1">
+                <a:avLst/>
+              </a:prstGeom>
+              <a:ln w="28575">
+                <a:solidFill>
+                  <a:srgbClr val="FF0000"/>
+                </a:solidFill>
+                <a:headEnd type="triangle"/>
+                <a:tailEnd type="triangle"/>
+              </a:ln>
+            </p:spPr>
+            <p:style>
+              <a:lnRef idx="1">
+                <a:schemeClr val="accent1"/>
+              </a:lnRef>
+              <a:fillRef idx="0">
+                <a:schemeClr val="accent1"/>
+              </a:fillRef>
+              <a:effectRef idx="0">
+                <a:schemeClr val="accent1"/>
+              </a:effectRef>
+              <a:fontRef idx="minor">
+                <a:schemeClr val="tx1"/>
+              </a:fontRef>
+            </p:style>
+          </p:cxnSp>
+          <p:cxnSp>
+            <p:nvCxnSpPr>
+              <p:cNvPr id="18" name="Straight Arrow Connector 17"/>
+              <p:cNvCxnSpPr/>
+              <p:nvPr/>
+            </p:nvCxnSpPr>
+            <p:spPr>
+              <a:xfrm>
+                <a:off x="4545463" y="4710104"/>
+                <a:ext cx="0" cy="895357"/>
+              </a:xfrm>
+              <a:prstGeom prst="straightConnector1">
+                <a:avLst/>
+              </a:prstGeom>
+              <a:ln w="28575">
+                <a:headEnd type="triangle"/>
+                <a:tailEnd type="triangle"/>
+              </a:ln>
+            </p:spPr>
+            <p:style>
+              <a:lnRef idx="1">
+                <a:schemeClr val="accent1"/>
+              </a:lnRef>
+              <a:fillRef idx="0">
+                <a:schemeClr val="accent1"/>
+              </a:fillRef>
+              <a:effectRef idx="0">
+                <a:schemeClr val="accent1"/>
+              </a:effectRef>
+              <a:fontRef idx="minor">
+                <a:schemeClr val="tx1"/>
+              </a:fontRef>
+            </p:style>
+          </p:cxnSp>
+          <p:cxnSp>
+            <p:nvCxnSpPr>
+              <p:cNvPr id="44" name="Straight Arrow Connector 43"/>
+              <p:cNvCxnSpPr/>
+              <p:nvPr/>
+            </p:nvCxnSpPr>
+            <p:spPr>
+              <a:xfrm>
+                <a:off x="7150980" y="4710104"/>
+                <a:ext cx="0" cy="895357"/>
+              </a:xfrm>
+              <a:prstGeom prst="straightConnector1">
+                <a:avLst/>
+              </a:prstGeom>
+              <a:ln w="28575">
+                <a:headEnd type="triangle"/>
+                <a:tailEnd type="triangle"/>
+              </a:ln>
+            </p:spPr>
+            <p:style>
+              <a:lnRef idx="1">
+                <a:schemeClr val="accent1"/>
+              </a:lnRef>
+              <a:fillRef idx="0">
+                <a:schemeClr val="accent1"/>
+              </a:fillRef>
+              <a:effectRef idx="0">
+                <a:schemeClr val="accent1"/>
+              </a:effectRef>
+              <a:fontRef idx="minor">
+                <a:schemeClr val="tx1"/>
+              </a:fontRef>
+            </p:style>
+          </p:cxnSp>
+        </p:grpSp>
+        <p:sp>
+          <p:nvSpPr>
+            <p:cNvPr id="20" name="TextBox 19"/>
+            <p:cNvSpPr txBox="1"/>
+            <p:nvPr/>
+          </p:nvSpPr>
+          <p:spPr>
+            <a:xfrm>
+              <a:off x="4014660" y="4675046"/>
+              <a:ext cx="1041888" cy="369332"/>
+            </a:xfrm>
+            <a:prstGeom prst="rect">
+              <a:avLst/>
+            </a:prstGeom>
+            <a:solidFill>
+              <a:schemeClr val="bg1"/>
+            </a:solidFill>
+          </p:spPr>
+          <p:txBody>
+            <a:bodyPr wrap="none" rtlCol="0">
+              <a:spAutoFit/>
+            </a:bodyPr>
+            <a:lstStyle/>
+            <a:p>
+              <a:pPr algn="ctr"/>
+              <a:r>
+                <a:rPr lang="en-GB" b="1" dirty="0" smtClean="0">
+                  <a:solidFill>
+                    <a:schemeClr val="accent1"/>
+                  </a:solidFill>
+                </a:rPr>
+                <a:t>c2s HTTP</a:t>
+              </a:r>
+              <a:endParaRPr lang="en-US" b="1" dirty="0">
+                <a:solidFill>
+                  <a:schemeClr val="accent1"/>
+                </a:solidFill>
+              </a:endParaRPr>
+            </a:p>
+          </p:txBody>
+        </p:sp>
+        <p:sp>
+          <p:nvSpPr>
+            <p:cNvPr id="21" name="TextBox 20"/>
+            <p:cNvSpPr txBox="1"/>
+            <p:nvPr/>
+          </p:nvSpPr>
+          <p:spPr>
+            <a:xfrm>
+              <a:off x="5456567" y="4675046"/>
+              <a:ext cx="484427" cy="369332"/>
+            </a:xfrm>
+            <a:prstGeom prst="rect">
+              <a:avLst/>
+            </a:prstGeom>
+            <a:solidFill>
+              <a:schemeClr val="bg1"/>
+            </a:solidFill>
+          </p:spPr>
+          <p:txBody>
+            <a:bodyPr wrap="none" rtlCol="0">
+              <a:spAutoFit/>
+            </a:bodyPr>
+            <a:lstStyle/>
+            <a:p>
+              <a:pPr algn="ctr"/>
+              <a:r>
+                <a:rPr lang="en-GB" b="1" dirty="0" smtClean="0">
+                  <a:solidFill>
+                    <a:srgbClr val="FF0000"/>
+                  </a:solidFill>
+                </a:rPr>
+                <a:t>s</a:t>
+              </a:r>
+              <a:r>
+                <a:rPr lang="en-GB" b="1" dirty="0" smtClean="0">
+                  <a:solidFill>
+                    <a:srgbClr val="FF0000"/>
+                  </a:solidFill>
+                </a:rPr>
+                <a:t>2s</a:t>
+              </a:r>
+              <a:endParaRPr lang="en-US" b="1" dirty="0">
+                <a:solidFill>
+                  <a:srgbClr val="FF0000"/>
+                </a:solidFill>
+              </a:endParaRPr>
+            </a:p>
+          </p:txBody>
+        </p:sp>
+        <p:grpSp>
+          <p:nvGrpSpPr>
+            <p:cNvPr id="8" name="Group 7"/>
+            <p:cNvGrpSpPr/>
+            <p:nvPr/>
+          </p:nvGrpSpPr>
+          <p:grpSpPr>
+            <a:xfrm>
+              <a:off x="4343511" y="3312722"/>
+              <a:ext cx="1681937" cy="1199262"/>
+              <a:chOff x="3891651" y="3663242"/>
+              <a:chExt cx="1390031" cy="1199262"/>
+            </a:xfrm>
+          </p:grpSpPr>
+          <p:grpSp>
+            <p:nvGrpSpPr>
+              <p:cNvPr id="35" name="Group 34"/>
+              <p:cNvGrpSpPr/>
+              <p:nvPr/>
+            </p:nvGrpSpPr>
+            <p:grpSpPr>
+              <a:xfrm>
+                <a:off x="4015343" y="3663242"/>
+                <a:ext cx="1266339" cy="1077151"/>
+                <a:chOff x="5512054" y="3785353"/>
+                <a:chExt cx="1266339" cy="1077151"/>
+              </a:xfrm>
+            </p:grpSpPr>
+            <p:sp>
+              <p:nvSpPr>
+                <p:cNvPr id="41" name="Rectangle 40"/>
+                <p:cNvSpPr/>
+                <p:nvPr/>
+              </p:nvSpPr>
+              <p:spPr>
+                <a:xfrm>
+                  <a:off x="5512054" y="3795705"/>
+                  <a:ext cx="1263148" cy="1066799"/>
+                </a:xfrm>
+                <a:prstGeom prst="rect">
+                  <a:avLst/>
+                </a:prstGeom>
+              </p:spPr>
+              <p:style>
+                <a:lnRef idx="2">
+                  <a:schemeClr val="dk1"/>
+                </a:lnRef>
+                <a:fillRef idx="1">
+                  <a:schemeClr val="lt1"/>
+                </a:fillRef>
+                <a:effectRef idx="0">
+                  <a:schemeClr val="dk1"/>
+                </a:effectRef>
+                <a:fontRef idx="minor">
+                  <a:schemeClr val="dk1"/>
+                </a:fontRef>
+              </p:style>
+              <p:txBody>
+                <a:bodyPr rtlCol="0" anchor="ctr"/>
+                <a:lstStyle/>
+                <a:p>
+                  <a:pPr algn="ctr"/>
+                  <a:endParaRPr lang="en-US" dirty="0"/>
+                </a:p>
+              </p:txBody>
+            </p:sp>
+            <p:sp>
+              <p:nvSpPr>
+                <p:cNvPr id="42" name="Rectangle 41"/>
+                <p:cNvSpPr/>
+                <p:nvPr/>
+              </p:nvSpPr>
+              <p:spPr>
+                <a:xfrm>
+                  <a:off x="6210613" y="3785353"/>
+                  <a:ext cx="567780" cy="290520"/>
+                </a:xfrm>
+                <a:prstGeom prst="rect">
+                  <a:avLst/>
+                </a:prstGeom>
+              </p:spPr>
+              <p:style>
+                <a:lnRef idx="2">
+                  <a:schemeClr val="accent2">
+                    <a:shade val="50000"/>
+                  </a:schemeClr>
+                </a:lnRef>
+                <a:fillRef idx="1">
+                  <a:schemeClr val="accent2"/>
+                </a:fillRef>
+                <a:effectRef idx="0">
+                  <a:schemeClr val="accent2"/>
+                </a:effectRef>
+                <a:fontRef idx="minor">
+                  <a:schemeClr val="lt1"/>
+                </a:fontRef>
+              </p:style>
+              <p:txBody>
+                <a:bodyPr rtlCol="0" anchor="ctr"/>
+                <a:lstStyle/>
+                <a:p>
+                  <a:pPr algn="ctr"/>
+                  <a:r>
+                    <a:rPr lang="en-US" sz="1200" b="1" dirty="0" smtClean="0"/>
+                    <a:t>cache</a:t>
+                  </a:r>
+                  <a:endParaRPr lang="en-US" sz="1200" b="1" dirty="0"/>
+                </a:p>
+              </p:txBody>
+            </p:sp>
+          </p:grpSp>
+          <p:grpSp>
+            <p:nvGrpSpPr>
+              <p:cNvPr id="3" name="Group 2"/>
+              <p:cNvGrpSpPr/>
+              <p:nvPr/>
+            </p:nvGrpSpPr>
+            <p:grpSpPr>
+              <a:xfrm>
+                <a:off x="3951657" y="3722380"/>
+                <a:ext cx="1266339" cy="1077151"/>
+                <a:chOff x="5512054" y="3785353"/>
+                <a:chExt cx="1266339" cy="1077151"/>
+              </a:xfrm>
+            </p:grpSpPr>
+            <p:sp>
+              <p:nvSpPr>
+                <p:cNvPr id="26" name="Rectangle 25"/>
+                <p:cNvSpPr/>
+                <p:nvPr/>
+              </p:nvSpPr>
+              <p:spPr>
+                <a:xfrm>
+                  <a:off x="5512054" y="3795705"/>
+                  <a:ext cx="1263148" cy="1066799"/>
+                </a:xfrm>
+                <a:prstGeom prst="rect">
+                  <a:avLst/>
+                </a:prstGeom>
+              </p:spPr>
+              <p:style>
+                <a:lnRef idx="2">
+                  <a:schemeClr val="dk1"/>
+                </a:lnRef>
+                <a:fillRef idx="1">
+                  <a:schemeClr val="lt1"/>
+                </a:fillRef>
+                <a:effectRef idx="0">
+                  <a:schemeClr val="dk1"/>
+                </a:effectRef>
+                <a:fontRef idx="minor">
+                  <a:schemeClr val="dk1"/>
+                </a:fontRef>
+              </p:style>
+              <p:txBody>
+                <a:bodyPr rtlCol="0" anchor="ctr"/>
+                <a:lstStyle/>
+                <a:p>
+                  <a:pPr algn="ctr"/>
+                  <a:endParaRPr lang="en-US" dirty="0"/>
+                </a:p>
+              </p:txBody>
+            </p:sp>
+            <p:sp>
+              <p:nvSpPr>
+                <p:cNvPr id="53" name="Rectangle 52"/>
+                <p:cNvSpPr/>
+                <p:nvPr/>
+              </p:nvSpPr>
+              <p:spPr>
+                <a:xfrm>
+                  <a:off x="6210613" y="3785353"/>
+                  <a:ext cx="567780" cy="290520"/>
+                </a:xfrm>
+                <a:prstGeom prst="rect">
+                  <a:avLst/>
+                </a:prstGeom>
+              </p:spPr>
+              <p:style>
+                <a:lnRef idx="2">
+                  <a:schemeClr val="accent2">
+                    <a:shade val="50000"/>
+                  </a:schemeClr>
+                </a:lnRef>
+                <a:fillRef idx="1">
+                  <a:schemeClr val="accent2"/>
+                </a:fillRef>
+                <a:effectRef idx="0">
+                  <a:schemeClr val="accent2"/>
+                </a:effectRef>
+                <a:fontRef idx="minor">
+                  <a:schemeClr val="lt1"/>
+                </a:fontRef>
+              </p:style>
+              <p:txBody>
+                <a:bodyPr rtlCol="0" anchor="ctr"/>
+                <a:lstStyle/>
+                <a:p>
+                  <a:pPr algn="ctr"/>
+                  <a:r>
+                    <a:rPr lang="en-US" sz="1200" b="1" dirty="0" smtClean="0"/>
+                    <a:t>cache</a:t>
+                  </a:r>
+                  <a:endParaRPr lang="en-US" sz="1200" b="1" dirty="0"/>
+                </a:p>
+              </p:txBody>
+            </p:sp>
+          </p:grpSp>
+          <p:grpSp>
+            <p:nvGrpSpPr>
+              <p:cNvPr id="5" name="Group 4"/>
+              <p:cNvGrpSpPr/>
+              <p:nvPr/>
+            </p:nvGrpSpPr>
+            <p:grpSpPr>
+              <a:xfrm>
+                <a:off x="3891651" y="3785353"/>
+                <a:ext cx="1263149" cy="1077151"/>
+                <a:chOff x="3891651" y="3785353"/>
+                <a:chExt cx="1263149" cy="1077151"/>
+              </a:xfrm>
+            </p:grpSpPr>
+            <p:sp>
+              <p:nvSpPr>
+                <p:cNvPr id="7" name="Rectangle 6"/>
+                <p:cNvSpPr/>
+                <p:nvPr/>
+              </p:nvSpPr>
+              <p:spPr>
+                <a:xfrm>
+                  <a:off x="3891651" y="3795705"/>
+                  <a:ext cx="1263148" cy="1066799"/>
+                </a:xfrm>
+                <a:prstGeom prst="rect">
+                  <a:avLst/>
+                </a:prstGeom>
+              </p:spPr>
+              <p:style>
+                <a:lnRef idx="2">
+                  <a:schemeClr val="dk1"/>
+                </a:lnRef>
+                <a:fillRef idx="1">
+                  <a:schemeClr val="lt1"/>
+                </a:fillRef>
+                <a:effectRef idx="0">
+                  <a:schemeClr val="dk1"/>
+                </a:effectRef>
+                <a:fontRef idx="minor">
+                  <a:schemeClr val="dk1"/>
+                </a:fontRef>
+              </p:style>
+              <p:txBody>
+                <a:bodyPr rtlCol="0" anchor="ctr"/>
+                <a:lstStyle/>
+                <a:p>
+                  <a:pPr algn="ctr"/>
+                  <a:r>
+                    <a:rPr lang="en-GB" dirty="0" smtClean="0"/>
+                    <a:t>HTTP Childs</a:t>
+                  </a:r>
+                  <a:endParaRPr lang="en-US" dirty="0"/>
+                </a:p>
+              </p:txBody>
+            </p:sp>
+            <p:sp>
+              <p:nvSpPr>
+                <p:cNvPr id="2" name="Rectangle 1"/>
+                <p:cNvSpPr/>
+                <p:nvPr/>
+              </p:nvSpPr>
+              <p:spPr>
+                <a:xfrm>
+                  <a:off x="4587020" y="3785353"/>
+                  <a:ext cx="567780" cy="290520"/>
+                </a:xfrm>
+                <a:prstGeom prst="rect">
+                  <a:avLst/>
+                </a:prstGeom>
+              </p:spPr>
+              <p:style>
+                <a:lnRef idx="2">
+                  <a:schemeClr val="accent2">
+                    <a:shade val="50000"/>
+                  </a:schemeClr>
+                </a:lnRef>
+                <a:fillRef idx="1">
+                  <a:schemeClr val="accent2"/>
+                </a:fillRef>
+                <a:effectRef idx="0">
+                  <a:schemeClr val="accent2"/>
+                </a:effectRef>
+                <a:fontRef idx="minor">
+                  <a:schemeClr val="lt1"/>
+                </a:fontRef>
+              </p:style>
+              <p:txBody>
+                <a:bodyPr rtlCol="0" anchor="ctr"/>
+                <a:lstStyle/>
+                <a:p>
+                  <a:pPr algn="ctr"/>
+                  <a:r>
+                    <a:rPr lang="en-US" sz="1200" b="1" dirty="0" smtClean="0"/>
+                    <a:t>cache</a:t>
+                  </a:r>
+                  <a:endParaRPr lang="en-US" sz="1200" b="1" dirty="0"/>
+                </a:p>
+              </p:txBody>
+            </p:sp>
+          </p:grpSp>
+        </p:grpSp>
+        <p:sp>
+          <p:nvSpPr>
+            <p:cNvPr id="46" name="TextBox 45"/>
+            <p:cNvSpPr txBox="1"/>
+            <p:nvPr/>
+          </p:nvSpPr>
+          <p:spPr>
+            <a:xfrm>
+              <a:off x="6574457" y="4675046"/>
+              <a:ext cx="1124923" cy="369332"/>
+            </a:xfrm>
+            <a:prstGeom prst="rect">
+              <a:avLst/>
+            </a:prstGeom>
+            <a:solidFill>
+              <a:schemeClr val="bg1"/>
+            </a:solidFill>
+          </p:spPr>
+          <p:txBody>
+            <a:bodyPr wrap="none" rtlCol="0">
+              <a:spAutoFit/>
+            </a:bodyPr>
+            <a:lstStyle/>
+            <a:p>
+              <a:pPr algn="ctr"/>
+              <a:r>
+                <a:rPr lang="en-GB" b="1" dirty="0">
+                  <a:solidFill>
+                    <a:schemeClr val="accent1"/>
+                  </a:solidFill>
+                </a:rPr>
+                <a:t>c2s </a:t>
+              </a:r>
+              <a:r>
+                <a:rPr lang="en-GB" b="1" dirty="0" smtClean="0">
+                  <a:solidFill>
+                    <a:schemeClr val="accent1"/>
+                  </a:solidFill>
+                </a:rPr>
+                <a:t>Telnet</a:t>
+              </a:r>
+              <a:endParaRPr lang="en-US" b="1" dirty="0">
+                <a:solidFill>
+                  <a:schemeClr val="accent1"/>
+                </a:solidFill>
+              </a:endParaRPr>
+            </a:p>
+          </p:txBody>
+        </p:sp>
+        <p:grpSp>
+          <p:nvGrpSpPr>
+            <p:cNvPr id="49" name="Group 48"/>
+            <p:cNvGrpSpPr/>
+            <p:nvPr/>
+          </p:nvGrpSpPr>
+          <p:grpSpPr>
+            <a:xfrm>
+              <a:off x="6369908" y="3312722"/>
+              <a:ext cx="1681937" cy="1199262"/>
+              <a:chOff x="3891651" y="3663242"/>
+              <a:chExt cx="1390031" cy="1199262"/>
+            </a:xfrm>
+          </p:grpSpPr>
+          <p:grpSp>
+            <p:nvGrpSpPr>
+              <p:cNvPr id="51" name="Group 50"/>
+              <p:cNvGrpSpPr/>
+              <p:nvPr/>
+            </p:nvGrpSpPr>
+            <p:grpSpPr>
+              <a:xfrm>
+                <a:off x="4015343" y="3663242"/>
+                <a:ext cx="1266339" cy="1077151"/>
+                <a:chOff x="5512054" y="3785353"/>
+                <a:chExt cx="1266339" cy="1077151"/>
+              </a:xfrm>
+            </p:grpSpPr>
+            <p:sp>
+              <p:nvSpPr>
+                <p:cNvPr id="65" name="Rectangle 64"/>
+                <p:cNvSpPr/>
+                <p:nvPr/>
+              </p:nvSpPr>
+              <p:spPr>
+                <a:xfrm>
+                  <a:off x="5512054" y="3795705"/>
+                  <a:ext cx="1263148" cy="1066799"/>
+                </a:xfrm>
+                <a:prstGeom prst="rect">
+                  <a:avLst/>
+                </a:prstGeom>
+              </p:spPr>
+              <p:style>
+                <a:lnRef idx="2">
+                  <a:schemeClr val="dk1"/>
+                </a:lnRef>
+                <a:fillRef idx="1">
+                  <a:schemeClr val="lt1"/>
+                </a:fillRef>
+                <a:effectRef idx="0">
+                  <a:schemeClr val="dk1"/>
+                </a:effectRef>
+                <a:fontRef idx="minor">
+                  <a:schemeClr val="dk1"/>
+                </a:fontRef>
+              </p:style>
+              <p:txBody>
+                <a:bodyPr rtlCol="0" anchor="ctr"/>
+                <a:lstStyle/>
+                <a:p>
+                  <a:pPr algn="ctr"/>
+                  <a:endParaRPr lang="en-US" dirty="0"/>
+                </a:p>
+              </p:txBody>
+            </p:sp>
+            <p:sp>
+              <p:nvSpPr>
+                <p:cNvPr id="66" name="Rectangle 65"/>
+                <p:cNvSpPr/>
+                <p:nvPr/>
+              </p:nvSpPr>
+              <p:spPr>
+                <a:xfrm>
+                  <a:off x="6210613" y="3785353"/>
+                  <a:ext cx="567780" cy="290520"/>
+                </a:xfrm>
+                <a:prstGeom prst="rect">
+                  <a:avLst/>
+                </a:prstGeom>
+              </p:spPr>
+              <p:style>
+                <a:lnRef idx="2">
+                  <a:schemeClr val="accent2">
+                    <a:shade val="50000"/>
+                  </a:schemeClr>
+                </a:lnRef>
+                <a:fillRef idx="1">
+                  <a:schemeClr val="accent2"/>
+                </a:fillRef>
+                <a:effectRef idx="0">
+                  <a:schemeClr val="accent2"/>
+                </a:effectRef>
+                <a:fontRef idx="minor">
+                  <a:schemeClr val="lt1"/>
+                </a:fontRef>
+              </p:style>
+              <p:txBody>
+                <a:bodyPr rtlCol="0" anchor="ctr"/>
+                <a:lstStyle/>
+                <a:p>
+                  <a:pPr algn="ctr"/>
+                  <a:r>
+                    <a:rPr lang="en-US" sz="1200" b="1" dirty="0" smtClean="0"/>
+                    <a:t>cache</a:t>
+                  </a:r>
+                  <a:endParaRPr lang="en-US" sz="1200" b="1" dirty="0"/>
+                </a:p>
+              </p:txBody>
+            </p:sp>
+          </p:grpSp>
+          <p:grpSp>
+            <p:nvGrpSpPr>
+              <p:cNvPr id="56" name="Group 55"/>
+              <p:cNvGrpSpPr/>
+              <p:nvPr/>
+            </p:nvGrpSpPr>
+            <p:grpSpPr>
+              <a:xfrm>
+                <a:off x="3951657" y="3722380"/>
+                <a:ext cx="1266339" cy="1077151"/>
+                <a:chOff x="5512054" y="3785353"/>
+                <a:chExt cx="1266339" cy="1077151"/>
+              </a:xfrm>
+            </p:grpSpPr>
+            <p:sp>
+              <p:nvSpPr>
+                <p:cNvPr id="63" name="Rectangle 62"/>
+                <p:cNvSpPr/>
+                <p:nvPr/>
+              </p:nvSpPr>
+              <p:spPr>
+                <a:xfrm>
+                  <a:off x="5512054" y="3795705"/>
+                  <a:ext cx="1263148" cy="1066799"/>
+                </a:xfrm>
+                <a:prstGeom prst="rect">
+                  <a:avLst/>
+                </a:prstGeom>
+              </p:spPr>
+              <p:style>
+                <a:lnRef idx="2">
+                  <a:schemeClr val="dk1"/>
+                </a:lnRef>
+                <a:fillRef idx="1">
+                  <a:schemeClr val="lt1"/>
+                </a:fillRef>
+                <a:effectRef idx="0">
+                  <a:schemeClr val="dk1"/>
+                </a:effectRef>
+                <a:fontRef idx="minor">
+                  <a:schemeClr val="dk1"/>
+                </a:fontRef>
+              </p:style>
+              <p:txBody>
+                <a:bodyPr rtlCol="0" anchor="ctr"/>
+                <a:lstStyle/>
+                <a:p>
+                  <a:pPr algn="ctr"/>
+                  <a:endParaRPr lang="en-US" dirty="0"/>
+                </a:p>
+              </p:txBody>
+            </p:sp>
+            <p:sp>
+              <p:nvSpPr>
+                <p:cNvPr id="64" name="Rectangle 63"/>
+                <p:cNvSpPr/>
+                <p:nvPr/>
+              </p:nvSpPr>
+              <p:spPr>
+                <a:xfrm>
+                  <a:off x="6210613" y="3785353"/>
+                  <a:ext cx="567780" cy="290520"/>
+                </a:xfrm>
+                <a:prstGeom prst="rect">
+                  <a:avLst/>
+                </a:prstGeom>
+              </p:spPr>
+              <p:style>
+                <a:lnRef idx="2">
+                  <a:schemeClr val="accent2">
+                    <a:shade val="50000"/>
+                  </a:schemeClr>
+                </a:lnRef>
+                <a:fillRef idx="1">
+                  <a:schemeClr val="accent2"/>
+                </a:fillRef>
+                <a:effectRef idx="0">
+                  <a:schemeClr val="accent2"/>
+                </a:effectRef>
+                <a:fontRef idx="minor">
+                  <a:schemeClr val="lt1"/>
+                </a:fontRef>
+              </p:style>
+              <p:txBody>
+                <a:bodyPr rtlCol="0" anchor="ctr"/>
+                <a:lstStyle/>
+                <a:p>
+                  <a:pPr algn="ctr"/>
+                  <a:r>
+                    <a:rPr lang="en-US" sz="1200" b="1" dirty="0" smtClean="0"/>
+                    <a:t>cache</a:t>
+                  </a:r>
+                  <a:endParaRPr lang="en-US" sz="1200" b="1" dirty="0"/>
+                </a:p>
+              </p:txBody>
+            </p:sp>
+          </p:grpSp>
+          <p:grpSp>
+            <p:nvGrpSpPr>
+              <p:cNvPr id="57" name="Group 56"/>
+              <p:cNvGrpSpPr/>
+              <p:nvPr/>
+            </p:nvGrpSpPr>
+            <p:grpSpPr>
+              <a:xfrm>
+                <a:off x="3891651" y="3785353"/>
+                <a:ext cx="1263149" cy="1077151"/>
+                <a:chOff x="3891651" y="3785353"/>
+                <a:chExt cx="1263149" cy="1077151"/>
+              </a:xfrm>
+            </p:grpSpPr>
+            <p:sp>
+              <p:nvSpPr>
+                <p:cNvPr id="61" name="Rectangle 60"/>
+                <p:cNvSpPr/>
+                <p:nvPr/>
+              </p:nvSpPr>
+              <p:spPr>
+                <a:xfrm>
+                  <a:off x="3891651" y="3795705"/>
+                  <a:ext cx="1263148" cy="1066799"/>
+                </a:xfrm>
+                <a:prstGeom prst="rect">
+                  <a:avLst/>
+                </a:prstGeom>
+              </p:spPr>
+              <p:style>
+                <a:lnRef idx="2">
+                  <a:schemeClr val="dk1"/>
+                </a:lnRef>
+                <a:fillRef idx="1">
+                  <a:schemeClr val="lt1"/>
+                </a:fillRef>
+                <a:effectRef idx="0">
+                  <a:schemeClr val="dk1"/>
+                </a:effectRef>
+                <a:fontRef idx="minor">
+                  <a:schemeClr val="dk1"/>
+                </a:fontRef>
+              </p:style>
+              <p:txBody>
+                <a:bodyPr rtlCol="0" anchor="ctr"/>
+                <a:lstStyle/>
+                <a:p>
+                  <a:pPr algn="ctr"/>
+                  <a:r>
+                    <a:rPr lang="en-GB" dirty="0" smtClean="0"/>
+                    <a:t>Telnet Childs</a:t>
+                  </a:r>
+                  <a:endParaRPr lang="en-US" dirty="0"/>
+                </a:p>
+              </p:txBody>
+            </p:sp>
+            <p:sp>
+              <p:nvSpPr>
+                <p:cNvPr id="62" name="Rectangle 61"/>
+                <p:cNvSpPr/>
+                <p:nvPr/>
+              </p:nvSpPr>
+              <p:spPr>
+                <a:xfrm>
+                  <a:off x="4587020" y="3785353"/>
+                  <a:ext cx="567780" cy="290520"/>
+                </a:xfrm>
+                <a:prstGeom prst="rect">
+                  <a:avLst/>
+                </a:prstGeom>
+              </p:spPr>
+              <p:style>
+                <a:lnRef idx="2">
+                  <a:schemeClr val="accent2">
+                    <a:shade val="50000"/>
+                  </a:schemeClr>
+                </a:lnRef>
+                <a:fillRef idx="1">
+                  <a:schemeClr val="accent2"/>
+                </a:fillRef>
+                <a:effectRef idx="0">
+                  <a:schemeClr val="accent2"/>
+                </a:effectRef>
+                <a:fontRef idx="minor">
+                  <a:schemeClr val="lt1"/>
+                </a:fontRef>
+              </p:style>
+              <p:txBody>
+                <a:bodyPr rtlCol="0" anchor="ctr"/>
+                <a:lstStyle/>
+                <a:p>
+                  <a:pPr algn="ctr"/>
+                  <a:r>
+                    <a:rPr lang="en-US" sz="1200" b="1" dirty="0" smtClean="0"/>
+                    <a:t>cache</a:t>
+                  </a:r>
+                  <a:endParaRPr lang="en-US" sz="1200" b="1" dirty="0"/>
+                </a:p>
+              </p:txBody>
+            </p:sp>
+          </p:grpSp>
+        </p:grpSp>
+      </p:grpSp>
+      <p:sp>
+        <p:nvSpPr>
+          <p:cNvPr id="22" name="Rectangle 21"/>
           <p:cNvSpPr/>
           <p:nvPr/>
         </p:nvSpPr>
         <p:spPr>
           <a:xfrm>
-            <a:off x="4587020" y="3785353"/>
-            <a:ext cx="567780" cy="290520"/>
+            <a:off x="3762421" y="5026342"/>
+            <a:ext cx="4028982" cy="336094"/>
           </a:xfrm>
           <a:prstGeom prst="rect">
             <a:avLst/>
@@ -23779,15 +24140,15 @@
         </p:spPr>
         <p:style>
           <a:lnRef idx="2">
-            <a:schemeClr val="accent2">
+            <a:schemeClr val="accent1">
               <a:shade val="50000"/>
             </a:schemeClr>
           </a:lnRef>
           <a:fillRef idx="1">
-            <a:schemeClr val="accent2"/>
+            <a:schemeClr val="accent1"/>
           </a:fillRef>
           <a:effectRef idx="0">
-            <a:schemeClr val="accent2"/>
+            <a:schemeClr val="accent1"/>
           </a:effectRef>
           <a:fontRef idx="minor">
             <a:schemeClr val="lt1"/>
@@ -23799,240 +24160,35 @@
           <a:p>
             <a:pPr algn="ctr"/>
             <a:r>
-              <a:rPr lang="en-US" sz="1200" b="1" dirty="0" smtClean="0"/>
-              <a:t>cache</a:t>
-            </a:r>
-            <a:endParaRPr lang="en-US" sz="1200" b="1" dirty="0"/>
-          </a:p>
-        </p:txBody>
-      </p:sp>
-      <p:sp>
-        <p:nvSpPr>
-          <p:cNvPr id="53" name="Rectangle 52"/>
-          <p:cNvSpPr/>
-          <p:nvPr/>
-        </p:nvSpPr>
-        <p:spPr>
-          <a:xfrm>
-            <a:off x="6210613" y="3785353"/>
-            <a:ext cx="567780" cy="290520"/>
-          </a:xfrm>
-          <a:prstGeom prst="rect">
-            <a:avLst/>
-          </a:prstGeom>
-        </p:spPr>
-        <p:style>
-          <a:lnRef idx="2">
-            <a:schemeClr val="accent2">
-              <a:shade val="50000"/>
-            </a:schemeClr>
-          </a:lnRef>
-          <a:fillRef idx="1">
-            <a:schemeClr val="accent2"/>
-          </a:fillRef>
-          <a:effectRef idx="0">
-            <a:schemeClr val="accent2"/>
-          </a:effectRef>
-          <a:fontRef idx="minor">
-            <a:schemeClr val="lt1"/>
-          </a:fontRef>
-        </p:style>
-        <p:txBody>
-          <a:bodyPr rtlCol="0" anchor="ctr"/>
-          <a:lstStyle/>
-          <a:p>
-            <a:pPr algn="ctr"/>
-            <a:r>
-              <a:rPr lang="en-US" sz="1200" b="1" dirty="0" smtClean="0"/>
-              <a:t>cache</a:t>
-            </a:r>
-            <a:endParaRPr lang="en-US" sz="1200" b="1" dirty="0"/>
-          </a:p>
-        </p:txBody>
-      </p:sp>
-      <p:sp>
-        <p:nvSpPr>
-          <p:cNvPr id="58" name="Rectangle 57"/>
-          <p:cNvSpPr/>
-          <p:nvPr/>
-        </p:nvSpPr>
-        <p:spPr>
-          <a:xfrm>
-            <a:off x="7827824" y="3785353"/>
-            <a:ext cx="567780" cy="290520"/>
-          </a:xfrm>
-          <a:prstGeom prst="rect">
-            <a:avLst/>
-          </a:prstGeom>
-        </p:spPr>
-        <p:style>
-          <a:lnRef idx="2">
-            <a:schemeClr val="accent2">
-              <a:shade val="50000"/>
-            </a:schemeClr>
-          </a:lnRef>
-          <a:fillRef idx="1">
-            <a:schemeClr val="accent2"/>
-          </a:fillRef>
-          <a:effectRef idx="0">
-            <a:schemeClr val="accent2"/>
-          </a:effectRef>
-          <a:fontRef idx="minor">
-            <a:schemeClr val="lt1"/>
-          </a:fontRef>
-        </p:style>
-        <p:txBody>
-          <a:bodyPr rtlCol="0" anchor="ctr"/>
-          <a:lstStyle/>
-          <a:p>
-            <a:pPr algn="ctr"/>
-            <a:r>
-              <a:rPr lang="en-US" sz="1200" b="1" dirty="0" smtClean="0"/>
-              <a:t>cache</a:t>
-            </a:r>
-            <a:endParaRPr lang="en-US" sz="1200" b="1" dirty="0"/>
-          </a:p>
-        </p:txBody>
-      </p:sp>
-      <p:sp>
-        <p:nvSpPr>
-          <p:cNvPr id="12" name="Up-Down Arrow 11"/>
-          <p:cNvSpPr/>
-          <p:nvPr/>
-        </p:nvSpPr>
-        <p:spPr>
-          <a:xfrm>
-            <a:off x="4306321" y="3371846"/>
-            <a:ext cx="433808" cy="552454"/>
-          </a:xfrm>
-          <a:prstGeom prst="upDownArrow">
-            <a:avLst/>
-          </a:prstGeom>
-        </p:spPr>
-        <p:style>
-          <a:lnRef idx="2">
-            <a:schemeClr val="accent4">
-              <a:shade val="50000"/>
-            </a:schemeClr>
-          </a:lnRef>
-          <a:fillRef idx="1">
-            <a:schemeClr val="accent4"/>
-          </a:fillRef>
-          <a:effectRef idx="0">
-            <a:schemeClr val="accent4"/>
-          </a:effectRef>
-          <a:fontRef idx="minor">
-            <a:schemeClr val="lt1"/>
-          </a:fontRef>
-        </p:style>
-        <p:txBody>
-          <a:bodyPr rtlCol="0" anchor="ctr"/>
-          <a:lstStyle/>
-          <a:p>
-            <a:pPr algn="ctr"/>
-            <a:endParaRPr lang="en-US"/>
-          </a:p>
-        </p:txBody>
-      </p:sp>
-      <p:sp>
-        <p:nvSpPr>
-          <p:cNvPr id="13" name="Up-Down Arrow 12"/>
-          <p:cNvSpPr/>
-          <p:nvPr/>
-        </p:nvSpPr>
-        <p:spPr>
-          <a:xfrm>
-            <a:off x="5926723" y="3371846"/>
-            <a:ext cx="433808" cy="552454"/>
-          </a:xfrm>
-          <a:prstGeom prst="upDownArrow">
-            <a:avLst/>
-          </a:prstGeom>
-        </p:spPr>
-        <p:style>
-          <a:lnRef idx="2">
-            <a:schemeClr val="accent4">
-              <a:shade val="50000"/>
-            </a:schemeClr>
-          </a:lnRef>
-          <a:fillRef idx="1">
-            <a:schemeClr val="accent4"/>
-          </a:fillRef>
-          <a:effectRef idx="0">
-            <a:schemeClr val="accent4"/>
-          </a:effectRef>
-          <a:fontRef idx="minor">
-            <a:schemeClr val="lt1"/>
-          </a:fontRef>
-        </p:style>
-        <p:txBody>
-          <a:bodyPr rtlCol="0" anchor="ctr"/>
-          <a:lstStyle/>
-          <a:p>
-            <a:pPr algn="ctr"/>
-            <a:endParaRPr lang="en-US"/>
-          </a:p>
-        </p:txBody>
-      </p:sp>
-      <p:sp>
-        <p:nvSpPr>
-          <p:cNvPr id="14" name="Up-Down Arrow 13"/>
-          <p:cNvSpPr/>
-          <p:nvPr/>
-        </p:nvSpPr>
-        <p:spPr>
-          <a:xfrm>
-            <a:off x="7547126" y="3371846"/>
-            <a:ext cx="433808" cy="552454"/>
-          </a:xfrm>
-          <a:prstGeom prst="upDownArrow">
-            <a:avLst/>
-          </a:prstGeom>
-        </p:spPr>
-        <p:style>
-          <a:lnRef idx="2">
-            <a:schemeClr val="accent4">
-              <a:shade val="50000"/>
-            </a:schemeClr>
-          </a:lnRef>
-          <a:fillRef idx="1">
-            <a:schemeClr val="accent4"/>
-          </a:fillRef>
-          <a:effectRef idx="0">
-            <a:schemeClr val="accent4"/>
-          </a:effectRef>
-          <a:fontRef idx="minor">
-            <a:schemeClr val="lt1"/>
-          </a:fontRef>
-        </p:style>
-        <p:txBody>
-          <a:bodyPr rtlCol="0" anchor="ctr"/>
-          <a:lstStyle/>
-          <a:p>
-            <a:pPr algn="ctr"/>
-            <a:endParaRPr lang="en-US"/>
+              <a:rPr lang="en-US" b="1" dirty="0" err="1" smtClean="0"/>
+              <a:t>libuv</a:t>
+            </a:r>
+            <a:endParaRPr lang="en-US" b="1" dirty="0"/>
           </a:p>
         </p:txBody>
       </p:sp>
       <p:cxnSp>
         <p:nvCxnSpPr>
-          <p:cNvPr id="59" name="Straight Arrow Connector 58"/>
-          <p:cNvCxnSpPr/>
+          <p:cNvPr id="24" name="Elbow Connector 23"/>
+          <p:cNvCxnSpPr>
+            <a:stCxn id="76" idx="2"/>
+            <a:endCxn id="48" idx="3"/>
+          </p:cNvCxnSpPr>
           <p:nvPr/>
         </p:nvCxnSpPr>
         <p:spPr>
-          <a:xfrm rot="5400000" flipH="1" flipV="1">
-            <a:off x="2628584" y="3154473"/>
-            <a:ext cx="3912487" cy="1825426"/>
+          <a:xfrm rot="16200000" flipH="1">
+            <a:off x="5620412" y="5854896"/>
+            <a:ext cx="313123" cy="123"/>
           </a:xfrm>
           <a:prstGeom prst="bentConnector3">
             <a:avLst>
-              <a:gd name="adj1" fmla="val 99974"/>
+              <a:gd name="adj1" fmla="val 50000"/>
             </a:avLst>
           </a:prstGeom>
           <a:ln w="28575">
             <a:solidFill>
-              <a:srgbClr val="FF0000"/>
+              <a:srgbClr val="FFC000"/>
             </a:solidFill>
             <a:headEnd type="triangle"/>
             <a:tailEnd type="triangle"/>
@@ -24055,42 +24211,131 @@
       </p:cxnSp>
       <p:sp>
         <p:nvSpPr>
-          <p:cNvPr id="60" name="TextBox 59"/>
-          <p:cNvSpPr txBox="1"/>
+          <p:cNvPr id="73" name="Up-Down Arrow 72"/>
+          <p:cNvSpPr/>
           <p:nvPr/>
         </p:nvSpPr>
         <p:spPr>
           <a:xfrm>
-            <a:off x="4135101" y="1904029"/>
-            <a:ext cx="503574" cy="369332"/>
+            <a:off x="5310153" y="2924824"/>
+            <a:ext cx="263104" cy="422643"/>
+          </a:xfrm>
+          <a:prstGeom prst="upDownArrow">
+            <a:avLst>
+              <a:gd name="adj1" fmla="val 35948"/>
+              <a:gd name="adj2" fmla="val 39461"/>
+            </a:avLst>
+          </a:prstGeom>
+        </p:spPr>
+        <p:style>
+          <a:lnRef idx="2">
+            <a:schemeClr val="accent4">
+              <a:shade val="50000"/>
+            </a:schemeClr>
+          </a:lnRef>
+          <a:fillRef idx="1">
+            <a:schemeClr val="accent4"/>
+          </a:fillRef>
+          <a:effectRef idx="0">
+            <a:schemeClr val="accent4"/>
+          </a:effectRef>
+          <a:fontRef idx="minor">
+            <a:schemeClr val="lt1"/>
+          </a:fontRef>
+        </p:style>
+        <p:txBody>
+          <a:bodyPr rtlCol="0" anchor="ctr"/>
+          <a:lstStyle/>
+          <a:p>
+            <a:pPr algn="ctr"/>
+            <a:endParaRPr lang="en-US"/>
+          </a:p>
+        </p:txBody>
+      </p:sp>
+      <p:sp>
+        <p:nvSpPr>
+          <p:cNvPr id="74" name="Up-Down Arrow 73"/>
+          <p:cNvSpPr/>
+          <p:nvPr/>
+        </p:nvSpPr>
+        <p:spPr>
+          <a:xfrm>
+            <a:off x="7338003" y="2924824"/>
+            <a:ext cx="263104" cy="422643"/>
+          </a:xfrm>
+          <a:prstGeom prst="upDownArrow">
+            <a:avLst>
+              <a:gd name="adj1" fmla="val 35948"/>
+              <a:gd name="adj2" fmla="val 39461"/>
+            </a:avLst>
+          </a:prstGeom>
+        </p:spPr>
+        <p:style>
+          <a:lnRef idx="2">
+            <a:schemeClr val="accent4">
+              <a:shade val="50000"/>
+            </a:schemeClr>
+          </a:lnRef>
+          <a:fillRef idx="1">
+            <a:schemeClr val="accent4"/>
+          </a:fillRef>
+          <a:effectRef idx="0">
+            <a:schemeClr val="accent4"/>
+          </a:effectRef>
+          <a:fontRef idx="minor">
+            <a:schemeClr val="lt1"/>
+          </a:fontRef>
+        </p:style>
+        <p:txBody>
+          <a:bodyPr rtlCol="0" anchor="ctr"/>
+          <a:lstStyle/>
+          <a:p>
+            <a:pPr algn="ctr"/>
+            <a:endParaRPr lang="en-US"/>
+          </a:p>
+        </p:txBody>
+      </p:sp>
+      <p:sp>
+        <p:nvSpPr>
+          <p:cNvPr id="76" name="Rectangle 75"/>
+          <p:cNvSpPr/>
+          <p:nvPr/>
+        </p:nvSpPr>
+        <p:spPr>
+          <a:xfrm>
+            <a:off x="3762421" y="5362303"/>
+            <a:ext cx="4028982" cy="336094"/>
           </a:xfrm>
           <a:prstGeom prst="rect">
             <a:avLst/>
           </a:prstGeom>
-          <a:solidFill>
-            <a:schemeClr val="bg1"/>
-          </a:solidFill>
         </p:spPr>
+        <p:style>
+          <a:lnRef idx="2">
+            <a:schemeClr val="accent5">
+              <a:shade val="50000"/>
+            </a:schemeClr>
+          </a:lnRef>
+          <a:fillRef idx="1">
+            <a:schemeClr val="accent5"/>
+          </a:fillRef>
+          <a:effectRef idx="0">
+            <a:schemeClr val="accent5"/>
+          </a:effectRef>
+          <a:fontRef idx="minor">
+            <a:schemeClr val="lt1"/>
+          </a:fontRef>
+        </p:style>
         <p:txBody>
-          <a:bodyPr wrap="square" rtlCol="0">
-            <a:spAutoFit/>
-          </a:bodyPr>
+          <a:bodyPr rtlCol="0" anchor="ctr"/>
           <a:lstStyle/>
           <a:p>
             <a:pPr algn="ctr"/>
             <a:r>
-              <a:rPr lang="en-GB" b="1" dirty="0" smtClean="0">
-                <a:solidFill>
-                  <a:srgbClr val="FF0000"/>
-                </a:solidFill>
-              </a:rPr>
-              <a:t>s2s</a:t>
-            </a:r>
-            <a:endParaRPr lang="en-US" b="1" dirty="0">
-              <a:solidFill>
-                <a:srgbClr val="FF0000"/>
-              </a:solidFill>
-            </a:endParaRPr>
+              <a:rPr lang="en-US" b="1" dirty="0" smtClean="0"/>
+              <a:t>IOCP</a:t>
+            </a:r>
+            <a:endParaRPr lang="en-US" b="1" dirty="0"/>
           </a:p>
         </p:txBody>
       </p:sp>
@@ -24104,11 +24349,11 @@
   <p:clrMapOvr>
     <a:masterClrMapping/>
   </p:clrMapOvr>
-  <mc:AlternateContent xmlns:mc="http://schemas.openxmlformats.org/markup-compatibility/2006" xmlns:p14="http://schemas.microsoft.com/office/powerpoint/2010/main">
-    <mc:Choice Requires="p14">
-      <p:transition p14:dur="0"/>
+  <mc:AlternateContent xmlns:mc="http://schemas.openxmlformats.org/markup-compatibility/2006">
+    <mc:Choice xmlns:p14="http://schemas.microsoft.com/office/powerpoint/2010/main" Requires="p14">
+      <p:transition p14:dur="10"/>
     </mc:Choice>
-    <mc:Fallback xmlns="">
+    <mc:Fallback>
       <p:transition/>
     </mc:Fallback>
   </mc:AlternateContent>
@@ -24270,6 +24515,13 @@
       <p:transition/>
     </mc:Fallback>
   </mc:AlternateContent>
+  <p:timing>
+    <p:tnLst>
+      <p:par>
+        <p:cTn id="1" dur="indefinite" restart="never" nodeType="tmRoot"/>
+      </p:par>
+    </p:tnLst>
+  </p:timing>
 </p:sld>
 </file>
 
@@ -24342,7 +24594,7 @@
         <p:spPr/>
         <p:txBody>
           <a:bodyPr>
-            <a:normAutofit/>
+            <a:normAutofit lnSpcReduction="10000"/>
           </a:bodyPr>
           <a:lstStyle/>
           <a:p>
@@ -24591,6 +24843,45 @@
             <a:r>
               <a:rPr lang="en-US" dirty="0" smtClean="0"/>
               <a:t>.</a:t>
+            </a:r>
+          </a:p>
+          <a:p>
+            <a:pPr lvl="1"/>
+            <a:r>
+              <a:rPr lang="en-US" dirty="0" smtClean="0"/>
+              <a:t>HTTP Keep-alive </a:t>
+            </a:r>
+            <a:r>
+              <a:rPr lang="en-US" dirty="0" err="1" smtClean="0"/>
+              <a:t>memungkinkan</a:t>
+            </a:r>
+            <a:r>
+              <a:rPr lang="en-US" dirty="0" smtClean="0"/>
+              <a:t> protocol http </a:t>
+            </a:r>
+            <a:r>
+              <a:rPr lang="en-US" dirty="0" err="1" smtClean="0"/>
+              <a:t>tetap</a:t>
+            </a:r>
+            <a:r>
+              <a:rPr lang="en-US" dirty="0" smtClean="0"/>
+              <a:t> </a:t>
+            </a:r>
+            <a:r>
+              <a:rPr lang="en-US" dirty="0" err="1" smtClean="0"/>
+              <a:t>digunakan</a:t>
+            </a:r>
+            <a:r>
+              <a:rPr lang="en-US" dirty="0" smtClean="0"/>
+              <a:t> </a:t>
+            </a:r>
+            <a:r>
+              <a:rPr lang="en-US" dirty="0" err="1" smtClean="0"/>
+              <a:t>pada</a:t>
+            </a:r>
+            <a:r>
+              <a:rPr lang="en-US" dirty="0" smtClean="0"/>
+              <a:t> existing connection.</a:t>
             </a:r>
             <a:endParaRPr lang="en-US" dirty="0"/>
           </a:p>
